--- a/pres/Scaffold analytics figures to modify with chemical structures.pptx
+++ b/pres/Scaffold analytics figures to modify with chemical structures.pptx
@@ -8,6 +8,9 @@
     <p:sldId id="256" r:id="rId2"/>
     <p:sldId id="257" r:id="rId3"/>
     <p:sldId id="258" r:id="rId4"/>
+    <p:sldId id="259" r:id="rId5"/>
+    <p:sldId id="260" r:id="rId6"/>
+    <p:sldId id="261" r:id="rId7"/>
   </p:sldIdLst>
   <p:sldSz cx="12192000" cy="6858000"/>
   <p:notesSz cx="6858000" cy="9144000"/>
@@ -3446,7 +3449,7 @@
           <a:p>
             <a:r>
               <a:rPr lang="en-US" dirty="0"/>
-              <a:t>Fig2a</a:t>
+              <a:t>Fig4a</a:t>
             </a:r>
           </a:p>
         </p:txBody>
@@ -3541,7 +3544,7 @@
           <a:p>
             <a:r>
               <a:rPr lang="en-US" dirty="0"/>
-              <a:t>Fig2a bottom</a:t>
+              <a:t>Fig4a bottom</a:t>
             </a:r>
           </a:p>
         </p:txBody>
@@ -3667,6 +3670,330 @@
     <p:extLst>
       <p:ext uri="{BB962C8B-B14F-4D97-AF65-F5344CB8AC3E}">
         <p14:creationId xmlns:p14="http://schemas.microsoft.com/office/powerpoint/2010/main" val="2280316007"/>
+      </p:ext>
+    </p:extLst>
+  </p:cSld>
+  <p:clrMapOvr>
+    <a:masterClrMapping/>
+  </p:clrMapOvr>
+</p:sld>
+</file>
+
+<file path=ppt/slides/slide4.xml><?xml version="1.0" encoding="utf-8"?>
+<p:sld xmlns:a="http://schemas.openxmlformats.org/drawingml/2006/main" xmlns:r="http://schemas.openxmlformats.org/officeDocument/2006/relationships" xmlns:p="http://schemas.openxmlformats.org/presentationml/2006/main">
+  <p:cSld>
+    <p:spTree>
+      <p:nvGrpSpPr>
+        <p:cNvPr id="1" name=""/>
+        <p:cNvGrpSpPr/>
+        <p:nvPr/>
+      </p:nvGrpSpPr>
+      <p:grpSpPr>
+        <a:xfrm>
+          <a:off x="0" y="0"/>
+          <a:ext cx="0" cy="0"/>
+          <a:chOff x="0" y="0"/>
+          <a:chExt cx="0" cy="0"/>
+        </a:xfrm>
+      </p:grpSpPr>
+      <p:sp>
+        <p:nvSpPr>
+          <p:cNvPr id="2" name="Title 1">
+            <a:extLst>
+              <a:ext uri="{FF2B5EF4-FFF2-40B4-BE49-F238E27FC236}">
+                <a16:creationId xmlns:a16="http://schemas.microsoft.com/office/drawing/2014/main" id="{2C2EB725-3E6D-4BE5-B6E9-4FCA6F6E729F}"/>
+              </a:ext>
+            </a:extLst>
+          </p:cNvPr>
+          <p:cNvSpPr>
+            <a:spLocks noGrp="1"/>
+          </p:cNvSpPr>
+          <p:nvPr>
+            <p:ph type="title"/>
+          </p:nvPr>
+        </p:nvSpPr>
+        <p:spPr/>
+        <p:txBody>
+          <a:bodyPr/>
+          <a:lstStyle/>
+          <a:p>
+            <a:r>
+              <a:rPr lang="en-US" dirty="0"/>
+              <a:t>Fig 4b</a:t>
+            </a:r>
+          </a:p>
+        </p:txBody>
+      </p:sp>
+      <p:pic>
+        <p:nvPicPr>
+          <p:cNvPr id="4" name="Picture 3">
+            <a:extLst>
+              <a:ext uri="{FF2B5EF4-FFF2-40B4-BE49-F238E27FC236}">
+                <a16:creationId xmlns:a16="http://schemas.microsoft.com/office/drawing/2014/main" id="{559115E6-FBF3-4889-81F7-B010B79491DB}"/>
+              </a:ext>
+            </a:extLst>
+          </p:cNvPr>
+          <p:cNvPicPr>
+            <a:picLocks noChangeAspect="1"/>
+          </p:cNvPicPr>
+          <p:nvPr/>
+        </p:nvPicPr>
+        <p:blipFill>
+          <a:blip r:embed="rId2"/>
+          <a:stretch>
+            <a:fillRect/>
+          </a:stretch>
+        </p:blipFill>
+        <p:spPr>
+          <a:xfrm>
+            <a:off x="59764" y="1728787"/>
+            <a:ext cx="9884336" cy="4367213"/>
+          </a:xfrm>
+          <a:prstGeom prst="rect">
+            <a:avLst/>
+          </a:prstGeom>
+        </p:spPr>
+      </p:pic>
+    </p:spTree>
+    <p:extLst>
+      <p:ext uri="{BB962C8B-B14F-4D97-AF65-F5344CB8AC3E}">
+        <p14:creationId xmlns:p14="http://schemas.microsoft.com/office/powerpoint/2010/main" val="1663136479"/>
+      </p:ext>
+    </p:extLst>
+  </p:cSld>
+  <p:clrMapOvr>
+    <a:masterClrMapping/>
+  </p:clrMapOvr>
+</p:sld>
+</file>
+
+<file path=ppt/slides/slide5.xml><?xml version="1.0" encoding="utf-8"?>
+<p:sld xmlns:a="http://schemas.openxmlformats.org/drawingml/2006/main" xmlns:r="http://schemas.openxmlformats.org/officeDocument/2006/relationships" xmlns:p="http://schemas.openxmlformats.org/presentationml/2006/main">
+  <p:cSld>
+    <p:spTree>
+      <p:nvGrpSpPr>
+        <p:cNvPr id="1" name=""/>
+        <p:cNvGrpSpPr/>
+        <p:nvPr/>
+      </p:nvGrpSpPr>
+      <p:grpSpPr>
+        <a:xfrm>
+          <a:off x="0" y="0"/>
+          <a:ext cx="0" cy="0"/>
+          <a:chOff x="0" y="0"/>
+          <a:chExt cx="0" cy="0"/>
+        </a:xfrm>
+      </p:grpSpPr>
+      <p:sp>
+        <p:nvSpPr>
+          <p:cNvPr id="2" name="Title 1">
+            <a:extLst>
+              <a:ext uri="{FF2B5EF4-FFF2-40B4-BE49-F238E27FC236}">
+                <a16:creationId xmlns:a16="http://schemas.microsoft.com/office/drawing/2014/main" id="{1CE5797D-D3B7-4F30-BBD7-64827B20C19C}"/>
+              </a:ext>
+            </a:extLst>
+          </p:cNvPr>
+          <p:cNvSpPr>
+            <a:spLocks noGrp="1"/>
+          </p:cNvSpPr>
+          <p:nvPr>
+            <p:ph type="title"/>
+          </p:nvPr>
+        </p:nvSpPr>
+        <p:spPr>
+          <a:xfrm>
+            <a:off x="0" y="58797"/>
+            <a:ext cx="1823720" cy="782955"/>
+          </a:xfrm>
+        </p:spPr>
+        <p:txBody>
+          <a:bodyPr/>
+          <a:lstStyle/>
+          <a:p>
+            <a:r>
+              <a:rPr lang="en-US" dirty="0"/>
+              <a:t>Fig4c</a:t>
+            </a:r>
+          </a:p>
+        </p:txBody>
+      </p:sp>
+      <p:sp>
+        <p:nvSpPr>
+          <p:cNvPr id="3" name="Content Placeholder 2">
+            <a:extLst>
+              <a:ext uri="{FF2B5EF4-FFF2-40B4-BE49-F238E27FC236}">
+                <a16:creationId xmlns:a16="http://schemas.microsoft.com/office/drawing/2014/main" id="{142800C9-CF06-428A-BE35-8EC2B14A9076}"/>
+              </a:ext>
+            </a:extLst>
+          </p:cNvPr>
+          <p:cNvSpPr>
+            <a:spLocks noGrp="1"/>
+          </p:cNvSpPr>
+          <p:nvPr>
+            <p:ph idx="1"/>
+          </p:nvPr>
+        </p:nvSpPr>
+        <p:spPr/>
+        <p:txBody>
+          <a:bodyPr/>
+          <a:lstStyle/>
+          <a:p>
+            <a:endParaRPr lang="en-US"/>
+          </a:p>
+        </p:txBody>
+      </p:sp>
+      <p:pic>
+        <p:nvPicPr>
+          <p:cNvPr id="6" name="Picture 5">
+            <a:extLst>
+              <a:ext uri="{FF2B5EF4-FFF2-40B4-BE49-F238E27FC236}">
+                <a16:creationId xmlns:a16="http://schemas.microsoft.com/office/drawing/2014/main" id="{4448C2B5-1BA7-4D51-A097-ADF32FE58120}"/>
+              </a:ext>
+            </a:extLst>
+          </p:cNvPr>
+          <p:cNvPicPr>
+            <a:picLocks noChangeAspect="1"/>
+          </p:cNvPicPr>
+          <p:nvPr/>
+        </p:nvPicPr>
+        <p:blipFill>
+          <a:blip r:embed="rId2"/>
+          <a:stretch>
+            <a:fillRect/>
+          </a:stretch>
+        </p:blipFill>
+        <p:spPr>
+          <a:xfrm>
+            <a:off x="771525" y="759142"/>
+            <a:ext cx="10648950" cy="3267075"/>
+          </a:xfrm>
+          <a:prstGeom prst="rect">
+            <a:avLst/>
+          </a:prstGeom>
+        </p:spPr>
+      </p:pic>
+      <p:pic>
+        <p:nvPicPr>
+          <p:cNvPr id="7" name="Picture 6">
+            <a:extLst>
+              <a:ext uri="{FF2B5EF4-FFF2-40B4-BE49-F238E27FC236}">
+                <a16:creationId xmlns:a16="http://schemas.microsoft.com/office/drawing/2014/main" id="{75A3A3F5-B5CF-4215-9E03-FF14EDB91F00}"/>
+              </a:ext>
+            </a:extLst>
+          </p:cNvPr>
+          <p:cNvPicPr>
+            <a:picLocks noChangeAspect="1"/>
+          </p:cNvPicPr>
+          <p:nvPr/>
+        </p:nvPicPr>
+        <p:blipFill>
+          <a:blip r:embed="rId3"/>
+          <a:stretch>
+            <a:fillRect/>
+          </a:stretch>
+        </p:blipFill>
+        <p:spPr>
+          <a:xfrm>
+            <a:off x="0" y="3875604"/>
+            <a:ext cx="12192000" cy="4416116"/>
+          </a:xfrm>
+          <a:prstGeom prst="rect">
+            <a:avLst/>
+          </a:prstGeom>
+        </p:spPr>
+      </p:pic>
+    </p:spTree>
+    <p:extLst>
+      <p:ext uri="{BB962C8B-B14F-4D97-AF65-F5344CB8AC3E}">
+        <p14:creationId xmlns:p14="http://schemas.microsoft.com/office/powerpoint/2010/main" val="3471142185"/>
+      </p:ext>
+    </p:extLst>
+  </p:cSld>
+  <p:clrMapOvr>
+    <a:masterClrMapping/>
+  </p:clrMapOvr>
+</p:sld>
+</file>
+
+<file path=ppt/slides/slide6.xml><?xml version="1.0" encoding="utf-8"?>
+<p:sld xmlns:a="http://schemas.openxmlformats.org/drawingml/2006/main" xmlns:r="http://schemas.openxmlformats.org/officeDocument/2006/relationships" xmlns:p="http://schemas.openxmlformats.org/presentationml/2006/main">
+  <p:cSld>
+    <p:spTree>
+      <p:nvGrpSpPr>
+        <p:cNvPr id="1" name=""/>
+        <p:cNvGrpSpPr/>
+        <p:nvPr/>
+      </p:nvGrpSpPr>
+      <p:grpSpPr>
+        <a:xfrm>
+          <a:off x="0" y="0"/>
+          <a:ext cx="0" cy="0"/>
+          <a:chOff x="0" y="0"/>
+          <a:chExt cx="0" cy="0"/>
+        </a:xfrm>
+      </p:grpSpPr>
+      <p:sp>
+        <p:nvSpPr>
+          <p:cNvPr id="2" name="Title 1">
+            <a:extLst>
+              <a:ext uri="{FF2B5EF4-FFF2-40B4-BE49-F238E27FC236}">
+                <a16:creationId xmlns:a16="http://schemas.microsoft.com/office/drawing/2014/main" id="{F8589263-0E7F-4053-B571-33802FFA76FA}"/>
+              </a:ext>
+            </a:extLst>
+          </p:cNvPr>
+          <p:cNvSpPr>
+            <a:spLocks noGrp="1"/>
+          </p:cNvSpPr>
+          <p:nvPr>
+            <p:ph type="title"/>
+          </p:nvPr>
+        </p:nvSpPr>
+        <p:spPr/>
+        <p:txBody>
+          <a:bodyPr/>
+          <a:lstStyle/>
+          <a:p>
+            <a:r>
+              <a:rPr lang="en-US" dirty="0"/>
+              <a:t>Fig 5b</a:t>
+            </a:r>
+          </a:p>
+        </p:txBody>
+      </p:sp>
+      <p:pic>
+        <p:nvPicPr>
+          <p:cNvPr id="4" name="Picture 3">
+            <a:extLst>
+              <a:ext uri="{FF2B5EF4-FFF2-40B4-BE49-F238E27FC236}">
+                <a16:creationId xmlns:a16="http://schemas.microsoft.com/office/drawing/2014/main" id="{B62E7EB0-B719-488C-9452-3E319DA7E9C2}"/>
+              </a:ext>
+            </a:extLst>
+          </p:cNvPr>
+          <p:cNvPicPr>
+            <a:picLocks noChangeAspect="1"/>
+          </p:cNvPicPr>
+          <p:nvPr/>
+        </p:nvPicPr>
+        <p:blipFill>
+          <a:blip r:embed="rId2"/>
+          <a:stretch>
+            <a:fillRect/>
+          </a:stretch>
+        </p:blipFill>
+        <p:spPr>
+          <a:xfrm>
+            <a:off x="2247899" y="957943"/>
+            <a:ext cx="9440855" cy="4171269"/>
+          </a:xfrm>
+          <a:prstGeom prst="rect">
+            <a:avLst/>
+          </a:prstGeom>
+        </p:spPr>
+      </p:pic>
+    </p:spTree>
+    <p:extLst>
+      <p:ext uri="{BB962C8B-B14F-4D97-AF65-F5344CB8AC3E}">
+        <p14:creationId xmlns:p14="http://schemas.microsoft.com/office/powerpoint/2010/main" val="138162356"/>
       </p:ext>
     </p:extLst>
   </p:cSld>

--- a/pres/Scaffold analytics figures to modify with chemical structures.pptx
+++ b/pres/Scaffold analytics figures to modify with chemical structures.pptx
@@ -11,6 +11,7 @@
     <p:sldId id="259" r:id="rId5"/>
     <p:sldId id="260" r:id="rId6"/>
     <p:sldId id="261" r:id="rId7"/>
+    <p:sldId id="262" r:id="rId8"/>
   </p:sldIdLst>
   <p:sldSz cx="12192000" cy="6858000"/>
   <p:notesSz cx="6858000" cy="9144000"/>
@@ -109,6 +110,11 @@
       </a:defRPr>
     </a:lvl9pPr>
   </p:defaultTextStyle>
+  <p:extLst>
+    <p:ext uri="{EFAFB233-063F-42B5-8137-9DF3F51BA10A}">
+      <p15:sldGuideLst xmlns:p15="http://schemas.microsoft.com/office/powerpoint/2012/main"/>
+    </p:ext>
+  </p:extLst>
 </p:presentation>
 </file>
 
@@ -259,7 +265,7 @@
           <a:p>
             <a:fld id="{CC6D5F6E-A517-4011-9B2A-55B5C277BA86}" type="datetimeFigureOut">
               <a:rPr lang="en-US" smtClean="0"/>
-              <a:t>6/17/2019</a:t>
+              <a:t>6/22/2019</a:t>
             </a:fld>
             <a:endParaRPr lang="en-US"/>
           </a:p>
@@ -457,7 +463,7 @@
           <a:p>
             <a:fld id="{CC6D5F6E-A517-4011-9B2A-55B5C277BA86}" type="datetimeFigureOut">
               <a:rPr lang="en-US" smtClean="0"/>
-              <a:t>6/17/2019</a:t>
+              <a:t>6/22/2019</a:t>
             </a:fld>
             <a:endParaRPr lang="en-US"/>
           </a:p>
@@ -665,7 +671,7 @@
           <a:p>
             <a:fld id="{CC6D5F6E-A517-4011-9B2A-55B5C277BA86}" type="datetimeFigureOut">
               <a:rPr lang="en-US" smtClean="0"/>
-              <a:t>6/17/2019</a:t>
+              <a:t>6/22/2019</a:t>
             </a:fld>
             <a:endParaRPr lang="en-US"/>
           </a:p>
@@ -863,7 +869,7 @@
           <a:p>
             <a:fld id="{CC6D5F6E-A517-4011-9B2A-55B5C277BA86}" type="datetimeFigureOut">
               <a:rPr lang="en-US" smtClean="0"/>
-              <a:t>6/17/2019</a:t>
+              <a:t>6/22/2019</a:t>
             </a:fld>
             <a:endParaRPr lang="en-US"/>
           </a:p>
@@ -1138,7 +1144,7 @@
           <a:p>
             <a:fld id="{CC6D5F6E-A517-4011-9B2A-55B5C277BA86}" type="datetimeFigureOut">
               <a:rPr lang="en-US" smtClean="0"/>
-              <a:t>6/17/2019</a:t>
+              <a:t>6/22/2019</a:t>
             </a:fld>
             <a:endParaRPr lang="en-US"/>
           </a:p>
@@ -1403,7 +1409,7 @@
           <a:p>
             <a:fld id="{CC6D5F6E-A517-4011-9B2A-55B5C277BA86}" type="datetimeFigureOut">
               <a:rPr lang="en-US" smtClean="0"/>
-              <a:t>6/17/2019</a:t>
+              <a:t>6/22/2019</a:t>
             </a:fld>
             <a:endParaRPr lang="en-US"/>
           </a:p>
@@ -1815,7 +1821,7 @@
           <a:p>
             <a:fld id="{CC6D5F6E-A517-4011-9B2A-55B5C277BA86}" type="datetimeFigureOut">
               <a:rPr lang="en-US" smtClean="0"/>
-              <a:t>6/17/2019</a:t>
+              <a:t>6/22/2019</a:t>
             </a:fld>
             <a:endParaRPr lang="en-US"/>
           </a:p>
@@ -1956,7 +1962,7 @@
           <a:p>
             <a:fld id="{CC6D5F6E-A517-4011-9B2A-55B5C277BA86}" type="datetimeFigureOut">
               <a:rPr lang="en-US" smtClean="0"/>
-              <a:t>6/17/2019</a:t>
+              <a:t>6/22/2019</a:t>
             </a:fld>
             <a:endParaRPr lang="en-US"/>
           </a:p>
@@ -2069,7 +2075,7 @@
           <a:p>
             <a:fld id="{CC6D5F6E-A517-4011-9B2A-55B5C277BA86}" type="datetimeFigureOut">
               <a:rPr lang="en-US" smtClean="0"/>
-              <a:t>6/17/2019</a:t>
+              <a:t>6/22/2019</a:t>
             </a:fld>
             <a:endParaRPr lang="en-US"/>
           </a:p>
@@ -2380,7 +2386,7 @@
           <a:p>
             <a:fld id="{CC6D5F6E-A517-4011-9B2A-55B5C277BA86}" type="datetimeFigureOut">
               <a:rPr lang="en-US" smtClean="0"/>
-              <a:t>6/17/2019</a:t>
+              <a:t>6/22/2019</a:t>
             </a:fld>
             <a:endParaRPr lang="en-US"/>
           </a:p>
@@ -2668,7 +2674,7 @@
           <a:p>
             <a:fld id="{CC6D5F6E-A517-4011-9B2A-55B5C277BA86}" type="datetimeFigureOut">
               <a:rPr lang="en-US" smtClean="0"/>
-              <a:t>6/17/2019</a:t>
+              <a:t>6/22/2019</a:t>
             </a:fld>
             <a:endParaRPr lang="en-US"/>
           </a:p>
@@ -2909,7 +2915,7 @@
           <a:p>
             <a:fld id="{CC6D5F6E-A517-4011-9B2A-55B5C277BA86}" type="datetimeFigureOut">
               <a:rPr lang="en-US" smtClean="0"/>
-              <a:t>6/17/2019</a:t>
+              <a:t>6/22/2019</a:t>
             </a:fld>
             <a:endParaRPr lang="en-US"/>
           </a:p>
@@ -4003,6 +4009,208 @@
 </p:sld>
 </file>
 
+<file path=ppt/slides/slide7.xml><?xml version="1.0" encoding="utf-8"?>
+<p:sld xmlns:a="http://schemas.openxmlformats.org/drawingml/2006/main" xmlns:r="http://schemas.openxmlformats.org/officeDocument/2006/relationships" xmlns:p="http://schemas.openxmlformats.org/presentationml/2006/main">
+  <p:cSld>
+    <p:spTree>
+      <p:nvGrpSpPr>
+        <p:cNvPr id="1" name=""/>
+        <p:cNvGrpSpPr/>
+        <p:nvPr/>
+      </p:nvGrpSpPr>
+      <p:grpSpPr>
+        <a:xfrm>
+          <a:off x="0" y="0"/>
+          <a:ext cx="0" cy="0"/>
+          <a:chOff x="0" y="0"/>
+          <a:chExt cx="0" cy="0"/>
+        </a:xfrm>
+      </p:grpSpPr>
+      <p:sp>
+        <p:nvSpPr>
+          <p:cNvPr id="2" name="Title 1">
+            <a:extLst>
+              <a:ext uri="{FF2B5EF4-FFF2-40B4-BE49-F238E27FC236}">
+                <a16:creationId xmlns:a16="http://schemas.microsoft.com/office/drawing/2014/main" id="{F088470F-5011-4439-AB7C-1E79595CDB65}"/>
+              </a:ext>
+            </a:extLst>
+          </p:cNvPr>
+          <p:cNvSpPr>
+            <a:spLocks noGrp="1"/>
+          </p:cNvSpPr>
+          <p:nvPr>
+            <p:ph type="title"/>
+          </p:nvPr>
+        </p:nvSpPr>
+        <p:spPr>
+          <a:xfrm>
+            <a:off x="838200" y="365125"/>
+            <a:ext cx="5057775" cy="758825"/>
+          </a:xfrm>
+        </p:spPr>
+        <p:txBody>
+          <a:bodyPr/>
+          <a:lstStyle/>
+          <a:p>
+            <a:r>
+              <a:rPr lang="en-US" dirty="0"/>
+              <a:t>Fig 7</a:t>
+            </a:r>
+          </a:p>
+        </p:txBody>
+      </p:sp>
+      <p:pic>
+        <p:nvPicPr>
+          <p:cNvPr id="5" name="Content Placeholder 4" descr="A close up of a map&#10;&#10;Description generated with very high confidence">
+            <a:extLst>
+              <a:ext uri="{FF2B5EF4-FFF2-40B4-BE49-F238E27FC236}">
+                <a16:creationId xmlns:a16="http://schemas.microsoft.com/office/drawing/2014/main" id="{5AF8A700-B548-4DB4-B632-B17BD18FC31B}"/>
+              </a:ext>
+            </a:extLst>
+          </p:cNvPr>
+          <p:cNvPicPr>
+            <a:picLocks noGrp="1" noChangeAspect="1"/>
+          </p:cNvPicPr>
+          <p:nvPr>
+            <p:ph idx="1"/>
+          </p:nvPr>
+        </p:nvPicPr>
+        <p:blipFill>
+          <a:blip r:embed="rId2">
+            <a:extLst>
+              <a:ext uri="{28A0092B-C50C-407E-A947-70E740481C1C}">
+                <a14:useLocalDpi xmlns:a14="http://schemas.microsoft.com/office/drawing/2010/main" val="0"/>
+              </a:ext>
+            </a:extLst>
+          </a:blip>
+          <a:stretch>
+            <a:fillRect/>
+          </a:stretch>
+        </p:blipFill>
+        <p:spPr>
+          <a:xfrm>
+            <a:off x="2241725" y="1825625"/>
+            <a:ext cx="7708550" cy="4351338"/>
+          </a:xfrm>
+        </p:spPr>
+      </p:pic>
+      <p:sp>
+        <p:nvSpPr>
+          <p:cNvPr id="6" name="Rectangle 5">
+            <a:extLst>
+              <a:ext uri="{FF2B5EF4-FFF2-40B4-BE49-F238E27FC236}">
+                <a16:creationId xmlns:a16="http://schemas.microsoft.com/office/drawing/2014/main" id="{E4138C2B-015E-4A2D-ABC1-F237DE9C17B1}"/>
+              </a:ext>
+            </a:extLst>
+          </p:cNvPr>
+          <p:cNvSpPr/>
+          <p:nvPr/>
+        </p:nvSpPr>
+        <p:spPr>
+          <a:xfrm>
+            <a:off x="3590924" y="1825625"/>
+            <a:ext cx="1019175" cy="1079500"/>
+          </a:xfrm>
+          <a:prstGeom prst="rect">
+            <a:avLst/>
+          </a:prstGeom>
+          <a:solidFill>
+            <a:schemeClr val="bg1"/>
+          </a:solidFill>
+          <a:ln>
+            <a:noFill/>
+          </a:ln>
+        </p:spPr>
+        <p:style>
+          <a:lnRef idx="2">
+            <a:schemeClr val="accent1">
+              <a:shade val="50000"/>
+            </a:schemeClr>
+          </a:lnRef>
+          <a:fillRef idx="1">
+            <a:schemeClr val="accent1"/>
+          </a:fillRef>
+          <a:effectRef idx="0">
+            <a:schemeClr val="accent1"/>
+          </a:effectRef>
+          <a:fontRef idx="minor">
+            <a:schemeClr val="lt1"/>
+          </a:fontRef>
+        </p:style>
+        <p:txBody>
+          <a:bodyPr rtlCol="0" anchor="ctr"/>
+          <a:lstStyle/>
+          <a:p>
+            <a:pPr algn="ctr"/>
+            <a:endParaRPr lang="en-US"/>
+          </a:p>
+        </p:txBody>
+      </p:sp>
+      <p:sp>
+        <p:nvSpPr>
+          <p:cNvPr id="7" name="Rectangle 6">
+            <a:extLst>
+              <a:ext uri="{FF2B5EF4-FFF2-40B4-BE49-F238E27FC236}">
+                <a16:creationId xmlns:a16="http://schemas.microsoft.com/office/drawing/2014/main" id="{442D3EB5-A3B3-4259-A837-4D497C129F93}"/>
+              </a:ext>
+            </a:extLst>
+          </p:cNvPr>
+          <p:cNvSpPr/>
+          <p:nvPr/>
+        </p:nvSpPr>
+        <p:spPr>
+          <a:xfrm>
+            <a:off x="7581903" y="1825625"/>
+            <a:ext cx="1428747" cy="1079500"/>
+          </a:xfrm>
+          <a:prstGeom prst="rect">
+            <a:avLst/>
+          </a:prstGeom>
+          <a:solidFill>
+            <a:schemeClr val="bg1"/>
+          </a:solidFill>
+          <a:ln>
+            <a:noFill/>
+          </a:ln>
+        </p:spPr>
+        <p:style>
+          <a:lnRef idx="2">
+            <a:schemeClr val="accent1">
+              <a:shade val="50000"/>
+            </a:schemeClr>
+          </a:lnRef>
+          <a:fillRef idx="1">
+            <a:schemeClr val="accent1"/>
+          </a:fillRef>
+          <a:effectRef idx="0">
+            <a:schemeClr val="accent1"/>
+          </a:effectRef>
+          <a:fontRef idx="minor">
+            <a:schemeClr val="lt1"/>
+          </a:fontRef>
+        </p:style>
+        <p:txBody>
+          <a:bodyPr rtlCol="0" anchor="ctr"/>
+          <a:lstStyle/>
+          <a:p>
+            <a:pPr algn="ctr"/>
+            <a:endParaRPr lang="en-US"/>
+          </a:p>
+        </p:txBody>
+      </p:sp>
+    </p:spTree>
+    <p:extLst>
+      <p:ext uri="{BB962C8B-B14F-4D97-AF65-F5344CB8AC3E}">
+        <p14:creationId xmlns:p14="http://schemas.microsoft.com/office/powerpoint/2010/main" val="3605801443"/>
+      </p:ext>
+    </p:extLst>
+  </p:cSld>
+  <p:clrMapOvr>
+    <a:masterClrMapping/>
+  </p:clrMapOvr>
+</p:sld>
+</file>
+
 <file path=ppt/theme/theme1.xml><?xml version="1.0" encoding="utf-8"?>
 <a:theme xmlns:a="http://schemas.openxmlformats.org/drawingml/2006/main" name="Office Theme">
   <a:themeElements>

--- a/pres/Scaffold analytics figures to modify with chemical structures.pptx
+++ b/pres/Scaffold analytics figures to modify with chemical structures.pptx
@@ -4,6 +4,9 @@
   <p:sldMasterIdLst>
     <p:sldMasterId id="2147483648" r:id="rId1"/>
   </p:sldMasterIdLst>
+  <p:notesMasterIdLst>
+    <p:notesMasterId r:id="rId12"/>
+  </p:notesMasterIdLst>
   <p:sldIdLst>
     <p:sldId id="256" r:id="rId2"/>
     <p:sldId id="257" r:id="rId3"/>
@@ -12,6 +15,9 @@
     <p:sldId id="260" r:id="rId6"/>
     <p:sldId id="261" r:id="rId7"/>
     <p:sldId id="262" r:id="rId8"/>
+    <p:sldId id="279" r:id="rId9"/>
+    <p:sldId id="280" r:id="rId10"/>
+    <p:sldId id="302" r:id="rId11"/>
   </p:sldIdLst>
   <p:sldSz cx="12192000" cy="6858000"/>
   <p:notesSz cx="6858000" cy="9144000"/>
@@ -118,6 +124,674 @@
 </p:presentation>
 </file>
 
+<file path=ppt/notesMasters/notesMaster1.xml><?xml version="1.0" encoding="utf-8"?>
+<p:notesMaster xmlns:a="http://schemas.openxmlformats.org/drawingml/2006/main" xmlns:r="http://schemas.openxmlformats.org/officeDocument/2006/relationships" xmlns:p="http://schemas.openxmlformats.org/presentationml/2006/main">
+  <p:cSld>
+    <p:bg>
+      <p:bgRef idx="1001">
+        <a:schemeClr val="bg1"/>
+      </p:bgRef>
+    </p:bg>
+    <p:spTree>
+      <p:nvGrpSpPr>
+        <p:cNvPr id="1" name=""/>
+        <p:cNvGrpSpPr/>
+        <p:nvPr/>
+      </p:nvGrpSpPr>
+      <p:grpSpPr>
+        <a:xfrm>
+          <a:off x="0" y="0"/>
+          <a:ext cx="0" cy="0"/>
+          <a:chOff x="0" y="0"/>
+          <a:chExt cx="0" cy="0"/>
+        </a:xfrm>
+      </p:grpSpPr>
+      <p:sp>
+        <p:nvSpPr>
+          <p:cNvPr id="2" name="Header Placeholder 1"/>
+          <p:cNvSpPr>
+            <a:spLocks noGrp="1"/>
+          </p:cNvSpPr>
+          <p:nvPr>
+            <p:ph type="hdr" sz="quarter"/>
+          </p:nvPr>
+        </p:nvSpPr>
+        <p:spPr>
+          <a:xfrm>
+            <a:off x="0" y="0"/>
+            <a:ext cx="2971800" cy="458788"/>
+          </a:xfrm>
+          <a:prstGeom prst="rect">
+            <a:avLst/>
+          </a:prstGeom>
+        </p:spPr>
+        <p:txBody>
+          <a:bodyPr vert="horz" lIns="91440" tIns="45720" rIns="91440" bIns="45720" rtlCol="0"/>
+          <a:lstStyle>
+            <a:lvl1pPr algn="l">
+              <a:defRPr sz="1200"/>
+            </a:lvl1pPr>
+          </a:lstStyle>
+          <a:p>
+            <a:endParaRPr lang="en-US"/>
+          </a:p>
+        </p:txBody>
+      </p:sp>
+      <p:sp>
+        <p:nvSpPr>
+          <p:cNvPr id="3" name="Date Placeholder 2"/>
+          <p:cNvSpPr>
+            <a:spLocks noGrp="1"/>
+          </p:cNvSpPr>
+          <p:nvPr>
+            <p:ph type="dt" idx="1"/>
+          </p:nvPr>
+        </p:nvSpPr>
+        <p:spPr>
+          <a:xfrm>
+            <a:off x="3884613" y="0"/>
+            <a:ext cx="2971800" cy="458788"/>
+          </a:xfrm>
+          <a:prstGeom prst="rect">
+            <a:avLst/>
+          </a:prstGeom>
+        </p:spPr>
+        <p:txBody>
+          <a:bodyPr vert="horz" lIns="91440" tIns="45720" rIns="91440" bIns="45720" rtlCol="0"/>
+          <a:lstStyle>
+            <a:lvl1pPr algn="r">
+              <a:defRPr sz="1200"/>
+            </a:lvl1pPr>
+          </a:lstStyle>
+          <a:p>
+            <a:fld id="{7C8D0C80-5524-4640-8832-EE8081127E97}" type="datetimeFigureOut">
+              <a:rPr lang="en-US" smtClean="0"/>
+              <a:t>6/23/2019</a:t>
+            </a:fld>
+            <a:endParaRPr lang="en-US"/>
+          </a:p>
+        </p:txBody>
+      </p:sp>
+      <p:sp>
+        <p:nvSpPr>
+          <p:cNvPr id="4" name="Slide Image Placeholder 3"/>
+          <p:cNvSpPr>
+            <a:spLocks noGrp="1" noRot="1" noChangeAspect="1"/>
+          </p:cNvSpPr>
+          <p:nvPr>
+            <p:ph type="sldImg" idx="2"/>
+          </p:nvPr>
+        </p:nvSpPr>
+        <p:spPr>
+          <a:xfrm>
+            <a:off x="685800" y="1143000"/>
+            <a:ext cx="5486400" cy="3086100"/>
+          </a:xfrm>
+          <a:prstGeom prst="rect">
+            <a:avLst/>
+          </a:prstGeom>
+          <a:noFill/>
+          <a:ln w="12700">
+            <a:solidFill>
+              <a:prstClr val="black"/>
+            </a:solidFill>
+          </a:ln>
+        </p:spPr>
+        <p:txBody>
+          <a:bodyPr vert="horz" lIns="91440" tIns="45720" rIns="91440" bIns="45720" rtlCol="0" anchor="ctr"/>
+          <a:lstStyle/>
+          <a:p>
+            <a:endParaRPr lang="en-US"/>
+          </a:p>
+        </p:txBody>
+      </p:sp>
+      <p:sp>
+        <p:nvSpPr>
+          <p:cNvPr id="5" name="Notes Placeholder 4"/>
+          <p:cNvSpPr>
+            <a:spLocks noGrp="1"/>
+          </p:cNvSpPr>
+          <p:nvPr>
+            <p:ph type="body" sz="quarter" idx="3"/>
+          </p:nvPr>
+        </p:nvSpPr>
+        <p:spPr>
+          <a:xfrm>
+            <a:off x="685800" y="4400550"/>
+            <a:ext cx="5486400" cy="3600450"/>
+          </a:xfrm>
+          <a:prstGeom prst="rect">
+            <a:avLst/>
+          </a:prstGeom>
+        </p:spPr>
+        <p:txBody>
+          <a:bodyPr vert="horz" lIns="91440" tIns="45720" rIns="91440" bIns="45720" rtlCol="0"/>
+          <a:lstStyle/>
+          <a:p>
+            <a:pPr lvl="0"/>
+            <a:r>
+              <a:rPr lang="en-US"/>
+              <a:t>Edit Master text styles</a:t>
+            </a:r>
+          </a:p>
+          <a:p>
+            <a:pPr lvl="1"/>
+            <a:r>
+              <a:rPr lang="en-US"/>
+              <a:t>Second level</a:t>
+            </a:r>
+          </a:p>
+          <a:p>
+            <a:pPr lvl="2"/>
+            <a:r>
+              <a:rPr lang="en-US"/>
+              <a:t>Third level</a:t>
+            </a:r>
+          </a:p>
+          <a:p>
+            <a:pPr lvl="3"/>
+            <a:r>
+              <a:rPr lang="en-US"/>
+              <a:t>Fourth level</a:t>
+            </a:r>
+          </a:p>
+          <a:p>
+            <a:pPr lvl="4"/>
+            <a:r>
+              <a:rPr lang="en-US"/>
+              <a:t>Fifth level</a:t>
+            </a:r>
+          </a:p>
+        </p:txBody>
+      </p:sp>
+      <p:sp>
+        <p:nvSpPr>
+          <p:cNvPr id="6" name="Footer Placeholder 5"/>
+          <p:cNvSpPr>
+            <a:spLocks noGrp="1"/>
+          </p:cNvSpPr>
+          <p:nvPr>
+            <p:ph type="ftr" sz="quarter" idx="4"/>
+          </p:nvPr>
+        </p:nvSpPr>
+        <p:spPr>
+          <a:xfrm>
+            <a:off x="0" y="8685213"/>
+            <a:ext cx="2971800" cy="458787"/>
+          </a:xfrm>
+          <a:prstGeom prst="rect">
+            <a:avLst/>
+          </a:prstGeom>
+        </p:spPr>
+        <p:txBody>
+          <a:bodyPr vert="horz" lIns="91440" tIns="45720" rIns="91440" bIns="45720" rtlCol="0" anchor="b"/>
+          <a:lstStyle>
+            <a:lvl1pPr algn="l">
+              <a:defRPr sz="1200"/>
+            </a:lvl1pPr>
+          </a:lstStyle>
+          <a:p>
+            <a:endParaRPr lang="en-US"/>
+          </a:p>
+        </p:txBody>
+      </p:sp>
+      <p:sp>
+        <p:nvSpPr>
+          <p:cNvPr id="7" name="Slide Number Placeholder 6"/>
+          <p:cNvSpPr>
+            <a:spLocks noGrp="1"/>
+          </p:cNvSpPr>
+          <p:nvPr>
+            <p:ph type="sldNum" sz="quarter" idx="5"/>
+          </p:nvPr>
+        </p:nvSpPr>
+        <p:spPr>
+          <a:xfrm>
+            <a:off x="3884613" y="8685213"/>
+            <a:ext cx="2971800" cy="458787"/>
+          </a:xfrm>
+          <a:prstGeom prst="rect">
+            <a:avLst/>
+          </a:prstGeom>
+        </p:spPr>
+        <p:txBody>
+          <a:bodyPr vert="horz" lIns="91440" tIns="45720" rIns="91440" bIns="45720" rtlCol="0" anchor="b"/>
+          <a:lstStyle>
+            <a:lvl1pPr algn="r">
+              <a:defRPr sz="1200"/>
+            </a:lvl1pPr>
+          </a:lstStyle>
+          <a:p>
+            <a:fld id="{90348103-15EE-4276-9225-41775657728A}" type="slidenum">
+              <a:rPr lang="en-US" smtClean="0"/>
+              <a:t>‹#›</a:t>
+            </a:fld>
+            <a:endParaRPr lang="en-US"/>
+          </a:p>
+        </p:txBody>
+      </p:sp>
+    </p:spTree>
+    <p:extLst>
+      <p:ext uri="{BB962C8B-B14F-4D97-AF65-F5344CB8AC3E}">
+        <p14:creationId xmlns:p14="http://schemas.microsoft.com/office/powerpoint/2010/main" val="3627196217"/>
+      </p:ext>
+    </p:extLst>
+  </p:cSld>
+  <p:clrMap bg1="lt1" tx1="dk1" bg2="lt2" tx2="dk2" accent1="accent1" accent2="accent2" accent3="accent3" accent4="accent4" accent5="accent5" accent6="accent6" hlink="hlink" folHlink="folHlink"/>
+  <p:notesStyle>
+    <a:lvl1pPr marL="0" algn="l" defTabSz="914400" rtl="0" eaLnBrk="1" latinLnBrk="0" hangingPunct="1">
+      <a:defRPr sz="1200" kern="1200">
+        <a:solidFill>
+          <a:schemeClr val="tx1"/>
+        </a:solidFill>
+        <a:latin typeface="+mn-lt"/>
+        <a:ea typeface="+mn-ea"/>
+        <a:cs typeface="+mn-cs"/>
+      </a:defRPr>
+    </a:lvl1pPr>
+    <a:lvl2pPr marL="457200" algn="l" defTabSz="914400" rtl="0" eaLnBrk="1" latinLnBrk="0" hangingPunct="1">
+      <a:defRPr sz="1200" kern="1200">
+        <a:solidFill>
+          <a:schemeClr val="tx1"/>
+        </a:solidFill>
+        <a:latin typeface="+mn-lt"/>
+        <a:ea typeface="+mn-ea"/>
+        <a:cs typeface="+mn-cs"/>
+      </a:defRPr>
+    </a:lvl2pPr>
+    <a:lvl3pPr marL="914400" algn="l" defTabSz="914400" rtl="0" eaLnBrk="1" latinLnBrk="0" hangingPunct="1">
+      <a:defRPr sz="1200" kern="1200">
+        <a:solidFill>
+          <a:schemeClr val="tx1"/>
+        </a:solidFill>
+        <a:latin typeface="+mn-lt"/>
+        <a:ea typeface="+mn-ea"/>
+        <a:cs typeface="+mn-cs"/>
+      </a:defRPr>
+    </a:lvl3pPr>
+    <a:lvl4pPr marL="1371600" algn="l" defTabSz="914400" rtl="0" eaLnBrk="1" latinLnBrk="0" hangingPunct="1">
+      <a:defRPr sz="1200" kern="1200">
+        <a:solidFill>
+          <a:schemeClr val="tx1"/>
+        </a:solidFill>
+        <a:latin typeface="+mn-lt"/>
+        <a:ea typeface="+mn-ea"/>
+        <a:cs typeface="+mn-cs"/>
+      </a:defRPr>
+    </a:lvl4pPr>
+    <a:lvl5pPr marL="1828800" algn="l" defTabSz="914400" rtl="0" eaLnBrk="1" latinLnBrk="0" hangingPunct="1">
+      <a:defRPr sz="1200" kern="1200">
+        <a:solidFill>
+          <a:schemeClr val="tx1"/>
+        </a:solidFill>
+        <a:latin typeface="+mn-lt"/>
+        <a:ea typeface="+mn-ea"/>
+        <a:cs typeface="+mn-cs"/>
+      </a:defRPr>
+    </a:lvl5pPr>
+    <a:lvl6pPr marL="2286000" algn="l" defTabSz="914400" rtl="0" eaLnBrk="1" latinLnBrk="0" hangingPunct="1">
+      <a:defRPr sz="1200" kern="1200">
+        <a:solidFill>
+          <a:schemeClr val="tx1"/>
+        </a:solidFill>
+        <a:latin typeface="+mn-lt"/>
+        <a:ea typeface="+mn-ea"/>
+        <a:cs typeface="+mn-cs"/>
+      </a:defRPr>
+    </a:lvl6pPr>
+    <a:lvl7pPr marL="2743200" algn="l" defTabSz="914400" rtl="0" eaLnBrk="1" latinLnBrk="0" hangingPunct="1">
+      <a:defRPr sz="1200" kern="1200">
+        <a:solidFill>
+          <a:schemeClr val="tx1"/>
+        </a:solidFill>
+        <a:latin typeface="+mn-lt"/>
+        <a:ea typeface="+mn-ea"/>
+        <a:cs typeface="+mn-cs"/>
+      </a:defRPr>
+    </a:lvl7pPr>
+    <a:lvl8pPr marL="3200400" algn="l" defTabSz="914400" rtl="0" eaLnBrk="1" latinLnBrk="0" hangingPunct="1">
+      <a:defRPr sz="1200" kern="1200">
+        <a:solidFill>
+          <a:schemeClr val="tx1"/>
+        </a:solidFill>
+        <a:latin typeface="+mn-lt"/>
+        <a:ea typeface="+mn-ea"/>
+        <a:cs typeface="+mn-cs"/>
+      </a:defRPr>
+    </a:lvl8pPr>
+    <a:lvl9pPr marL="3657600" algn="l" defTabSz="914400" rtl="0" eaLnBrk="1" latinLnBrk="0" hangingPunct="1">
+      <a:defRPr sz="1200" kern="1200">
+        <a:solidFill>
+          <a:schemeClr val="tx1"/>
+        </a:solidFill>
+        <a:latin typeface="+mn-lt"/>
+        <a:ea typeface="+mn-ea"/>
+        <a:cs typeface="+mn-cs"/>
+      </a:defRPr>
+    </a:lvl9pPr>
+  </p:notesStyle>
+</p:notesMaster>
+</file>
+
+<file path=ppt/notesSlides/notesSlide1.xml><?xml version="1.0" encoding="utf-8"?>
+<p:notes xmlns:a="http://schemas.openxmlformats.org/drawingml/2006/main" xmlns:r="http://schemas.openxmlformats.org/officeDocument/2006/relationships" xmlns:p="http://schemas.openxmlformats.org/presentationml/2006/main">
+  <p:cSld>
+    <p:spTree>
+      <p:nvGrpSpPr>
+        <p:cNvPr id="1" name=""/>
+        <p:cNvGrpSpPr/>
+        <p:nvPr/>
+      </p:nvGrpSpPr>
+      <p:grpSpPr>
+        <a:xfrm>
+          <a:off x="0" y="0"/>
+          <a:ext cx="0" cy="0"/>
+          <a:chOff x="0" y="0"/>
+          <a:chExt cx="0" cy="0"/>
+        </a:xfrm>
+      </p:grpSpPr>
+      <p:sp>
+        <p:nvSpPr>
+          <p:cNvPr id="2" name="Slide Image Placeholder 1"/>
+          <p:cNvSpPr>
+            <a:spLocks noGrp="1" noRot="1" noChangeAspect="1"/>
+          </p:cNvSpPr>
+          <p:nvPr>
+            <p:ph type="sldImg"/>
+          </p:nvPr>
+        </p:nvSpPr>
+        <p:spPr/>
+      </p:sp>
+      <p:sp>
+        <p:nvSpPr>
+          <p:cNvPr id="3" name="Notes Placeholder 2"/>
+          <p:cNvSpPr>
+            <a:spLocks noGrp="1"/>
+          </p:cNvSpPr>
+          <p:nvPr>
+            <p:ph type="body" idx="1"/>
+          </p:nvPr>
+        </p:nvSpPr>
+        <p:spPr/>
+        <p:txBody>
+          <a:bodyPr>
+            <a:normAutofit/>
+          </a:bodyPr>
+          <a:lstStyle/>
+          <a:p>
+            <a:r>
+              <a:rPr lang="en-US" dirty="0"/>
+              <a:t>Backup?</a:t>
+            </a:r>
+          </a:p>
+        </p:txBody>
+      </p:sp>
+      <p:sp>
+        <p:nvSpPr>
+          <p:cNvPr id="4" name="Slide Number Placeholder 3"/>
+          <p:cNvSpPr>
+            <a:spLocks noGrp="1"/>
+          </p:cNvSpPr>
+          <p:nvPr>
+            <p:ph type="sldNum" sz="quarter" idx="10"/>
+          </p:nvPr>
+        </p:nvSpPr>
+        <p:spPr/>
+        <p:txBody>
+          <a:bodyPr/>
+          <a:lstStyle/>
+          <a:p>
+            <a:fld id="{4C8C9167-E136-4C18-8FF2-A53C2728C27B}" type="slidenum">
+              <a:rPr lang="en-US" smtClean="0"/>
+              <a:pPr/>
+              <a:t>8</a:t>
+            </a:fld>
+            <a:endParaRPr lang="en-US"/>
+          </a:p>
+        </p:txBody>
+      </p:sp>
+    </p:spTree>
+  </p:cSld>
+  <p:clrMapOvr>
+    <a:masterClrMapping/>
+  </p:clrMapOvr>
+</p:notes>
+</file>
+
+<file path=ppt/notesSlides/notesSlide2.xml><?xml version="1.0" encoding="utf-8"?>
+<p:notes xmlns:a="http://schemas.openxmlformats.org/drawingml/2006/main" xmlns:r="http://schemas.openxmlformats.org/officeDocument/2006/relationships" xmlns:p="http://schemas.openxmlformats.org/presentationml/2006/main">
+  <p:cSld>
+    <p:spTree>
+      <p:nvGrpSpPr>
+        <p:cNvPr id="1" name=""/>
+        <p:cNvGrpSpPr/>
+        <p:nvPr/>
+      </p:nvGrpSpPr>
+      <p:grpSpPr>
+        <a:xfrm>
+          <a:off x="0" y="0"/>
+          <a:ext cx="0" cy="0"/>
+          <a:chOff x="0" y="0"/>
+          <a:chExt cx="0" cy="0"/>
+        </a:xfrm>
+      </p:grpSpPr>
+      <p:sp>
+        <p:nvSpPr>
+          <p:cNvPr id="2" name="Slide Image Placeholder 1"/>
+          <p:cNvSpPr>
+            <a:spLocks noGrp="1" noRot="1" noChangeAspect="1"/>
+          </p:cNvSpPr>
+          <p:nvPr>
+            <p:ph type="sldImg"/>
+          </p:nvPr>
+        </p:nvSpPr>
+        <p:spPr/>
+      </p:sp>
+      <p:sp>
+        <p:nvSpPr>
+          <p:cNvPr id="3" name="Notes Placeholder 2"/>
+          <p:cNvSpPr>
+            <a:spLocks noGrp="1"/>
+          </p:cNvSpPr>
+          <p:nvPr>
+            <p:ph type="body" idx="1"/>
+          </p:nvPr>
+        </p:nvSpPr>
+        <p:spPr/>
+        <p:txBody>
+          <a:bodyPr>
+            <a:normAutofit/>
+          </a:bodyPr>
+          <a:lstStyle/>
+          <a:p>
+            <a:r>
+              <a:rPr lang="en-US" dirty="0"/>
+              <a:t>Stats:</a:t>
+            </a:r>
+          </a:p>
+          <a:p>
+            <a:pPr lvl="0"/>
+            <a:r>
+              <a:rPr lang="en-US" sz="1200" kern="1200" dirty="0">
+                <a:solidFill>
+                  <a:schemeClr val="tx1"/>
+                </a:solidFill>
+                <a:latin typeface="+mn-lt"/>
+                <a:ea typeface="+mn-ea"/>
+                <a:cs typeface="+mn-cs"/>
+              </a:rPr>
+              <a:t>The two methods allow you to access different sets of molecules starting from any molecule in TCAMS (average overlap in coverage is 40%).</a:t>
+            </a:r>
+          </a:p>
+          <a:p>
+            <a:pPr lvl="0"/>
+            <a:r>
+              <a:rPr lang="en-US" sz="1200" kern="1200" dirty="0">
+                <a:solidFill>
+                  <a:schemeClr val="tx1"/>
+                </a:solidFill>
+                <a:latin typeface="+mn-lt"/>
+                <a:ea typeface="+mn-ea"/>
+                <a:cs typeface="+mn-cs"/>
+              </a:rPr>
+              <a:t>On the aggregate (average/median), you can link to about twice as many molecules with the frameworks, however, this is because on the aggregate there are 6 times more frameworks than NCATS scaffolds, so the “fragment efficiency” is actually 3 times greater for NCATS scaffolds. One could also argue that many of the framework-only links (</a:t>
+            </a:r>
+            <a:r>
+              <a:rPr lang="en-US" sz="1200" kern="1200" dirty="0" err="1">
+                <a:solidFill>
+                  <a:schemeClr val="tx1"/>
+                </a:solidFill>
+                <a:latin typeface="+mn-lt"/>
+                <a:ea typeface="+mn-ea"/>
+                <a:cs typeface="+mn-cs"/>
+              </a:rPr>
+              <a:t>eg</a:t>
+            </a:r>
+            <a:r>
+              <a:rPr lang="en-US" sz="1200" kern="1200" dirty="0">
+                <a:solidFill>
+                  <a:schemeClr val="tx1"/>
+                </a:solidFill>
+                <a:latin typeface="+mn-lt"/>
+                <a:ea typeface="+mn-ea"/>
+                <a:cs typeface="+mn-cs"/>
+              </a:rPr>
+              <a:t>. variously decorated benzene rings) are not useful.</a:t>
+            </a:r>
+          </a:p>
+          <a:p>
+            <a:pPr lvl="0"/>
+            <a:r>
+              <a:rPr lang="en-US" sz="1200" kern="1200" dirty="0">
+                <a:solidFill>
+                  <a:schemeClr val="tx1"/>
+                </a:solidFill>
+                <a:latin typeface="+mn-lt"/>
+                <a:ea typeface="+mn-ea"/>
+                <a:cs typeface="+mn-cs"/>
+              </a:rPr>
+              <a:t>The outliers are interesting: compounds in a rare </a:t>
+            </a:r>
+            <a:r>
+              <a:rPr lang="en-US" sz="1200" kern="1200" dirty="0" err="1">
+                <a:solidFill>
+                  <a:schemeClr val="tx1"/>
+                </a:solidFill>
+                <a:latin typeface="+mn-lt"/>
+                <a:ea typeface="+mn-ea"/>
+                <a:cs typeface="+mn-cs"/>
+              </a:rPr>
+              <a:t>tautomer</a:t>
+            </a:r>
+            <a:r>
+              <a:rPr lang="en-US" sz="1200" kern="1200" dirty="0">
+                <a:solidFill>
+                  <a:schemeClr val="tx1"/>
+                </a:solidFill>
+                <a:latin typeface="+mn-lt"/>
+                <a:ea typeface="+mn-ea"/>
+                <a:cs typeface="+mn-cs"/>
+              </a:rPr>
+              <a:t> are unified with the dominant one by the NCATS tool, but left as singletons by the frameworks. And compounds whose only link with other molecules would be </a:t>
+            </a:r>
+            <a:r>
+              <a:rPr lang="en-US" sz="1200" kern="1200" dirty="0" err="1">
+                <a:solidFill>
+                  <a:schemeClr val="tx1"/>
+                </a:solidFill>
+                <a:latin typeface="+mn-lt"/>
+                <a:ea typeface="+mn-ea"/>
+                <a:cs typeface="+mn-cs"/>
+              </a:rPr>
+              <a:t>eg</a:t>
+            </a:r>
+            <a:r>
+              <a:rPr lang="en-US" sz="1200" kern="1200" dirty="0">
+                <a:solidFill>
+                  <a:schemeClr val="tx1"/>
+                </a:solidFill>
+                <a:latin typeface="+mn-lt"/>
+                <a:ea typeface="+mn-ea"/>
+                <a:cs typeface="+mn-cs"/>
+              </a:rPr>
+              <a:t>. a benzene ring remain singletons with the R-group tool.</a:t>
+            </a:r>
+          </a:p>
+          <a:p>
+            <a:endParaRPr lang="en-US" dirty="0"/>
+          </a:p>
+        </p:txBody>
+      </p:sp>
+      <p:sp>
+        <p:nvSpPr>
+          <p:cNvPr id="4" name="Slide Number Placeholder 3"/>
+          <p:cNvSpPr>
+            <a:spLocks noGrp="1"/>
+          </p:cNvSpPr>
+          <p:nvPr>
+            <p:ph type="sldNum" sz="quarter" idx="10"/>
+          </p:nvPr>
+        </p:nvSpPr>
+        <p:spPr/>
+        <p:txBody>
+          <a:bodyPr/>
+          <a:lstStyle/>
+          <a:p>
+            <a:fld id="{4C8C9167-E136-4C18-8FF2-A53C2728C27B}" type="slidenum">
+              <a:rPr lang="en-US" smtClean="0">
+                <a:solidFill>
+                  <a:prstClr val="black"/>
+                </a:solidFill>
+              </a:rPr>
+              <a:pPr/>
+              <a:t>9</a:t>
+            </a:fld>
+            <a:endParaRPr lang="en-US">
+              <a:solidFill>
+                <a:prstClr val="black"/>
+              </a:solidFill>
+            </a:endParaRPr>
+          </a:p>
+        </p:txBody>
+      </p:sp>
+    </p:spTree>
+    <p:extLst>
+      <p:ext uri="{BB962C8B-B14F-4D97-AF65-F5344CB8AC3E}">
+        <p14:creationId xmlns:p14="http://schemas.microsoft.com/office/powerpoint/2010/main" val="114104096"/>
+      </p:ext>
+    </p:extLst>
+  </p:cSld>
+  <p:clrMapOvr>
+    <a:masterClrMapping/>
+  </p:clrMapOvr>
+</p:notes>
+</file>
+
+<file path=ppt/notesSlides/notesSlide3.xml><?xml version="1.0" encoding="utf-8"?>
+<p:notes xmlns:a="http://schemas.openxmlformats.org/drawingml/2006/main" xmlns:r="http://schemas.openxmlformats.org/officeDocument/2006/relationships" xmlns:p="http://schemas.openxmlformats.org/presentationml/2006/main">
+  <p:cSld>
+    <p:spTree>
+      <p:nvGrpSpPr>
+        <p:cNvPr id="1" name=""/>
+        <p:cNvGrpSpPr/>
+        <p:nvPr/>
+      </p:nvGrpSpPr>
+      <p:grpSpPr>
+        <a:xfrm>
+          <a:off x="0" y="0"/>
+          <a:ext cx="0" cy="0"/>
+          <a:chOff x="0" y="0"/>
+          <a:chExt cx="0" cy="0"/>
+        </a:xfrm>
+      </p:grpSpPr>
+    </p:spTree>
+  </p:cSld>
+  <p:clrMapOvr>
+    <a:masterClrMapping/>
+  </p:clrMapOvr>
+</p:notes>
+</file>
+
 <file path=ppt/slideLayouts/slideLayout1.xml><?xml version="1.0" encoding="utf-8"?>
 <p:sldLayout xmlns:a="http://schemas.openxmlformats.org/drawingml/2006/main" xmlns:r="http://schemas.openxmlformats.org/officeDocument/2006/relationships" xmlns:p="http://schemas.openxmlformats.org/presentationml/2006/main" type="title" preserve="1">
   <p:cSld name="Title Slide">
@@ -735,6 +1409,670 @@
     <p:extLst>
       <p:ext uri="{BB962C8B-B14F-4D97-AF65-F5344CB8AC3E}">
         <p14:creationId xmlns:p14="http://schemas.microsoft.com/office/powerpoint/2010/main" val="4000984338"/>
+      </p:ext>
+    </p:extLst>
+  </p:cSld>
+  <p:clrMapOvr>
+    <a:masterClrMapping/>
+  </p:clrMapOvr>
+</p:sldLayout>
+</file>
+
+<file path=ppt/slideLayouts/slideLayout12.xml><?xml version="1.0" encoding="utf-8"?>
+<p:sldLayout xmlns:a="http://schemas.openxmlformats.org/drawingml/2006/main" xmlns:r="http://schemas.openxmlformats.org/officeDocument/2006/relationships" xmlns:p="http://schemas.openxmlformats.org/presentationml/2006/main">
+  <p:cSld name="1_Title and Content">
+    <p:spTree>
+      <p:nvGrpSpPr>
+        <p:cNvPr id="1" name=""/>
+        <p:cNvGrpSpPr/>
+        <p:nvPr/>
+      </p:nvGrpSpPr>
+      <p:grpSpPr>
+        <a:xfrm>
+          <a:off x="0" y="0"/>
+          <a:ext cx="0" cy="0"/>
+          <a:chOff x="0" y="0"/>
+          <a:chExt cx="0" cy="0"/>
+        </a:xfrm>
+      </p:grpSpPr>
+      <p:sp>
+        <p:nvSpPr>
+          <p:cNvPr id="5" name="Title 4"/>
+          <p:cNvSpPr>
+            <a:spLocks noGrp="1"/>
+          </p:cNvSpPr>
+          <p:nvPr>
+            <p:ph type="title"/>
+          </p:nvPr>
+        </p:nvSpPr>
+        <p:spPr>
+          <a:xfrm>
+            <a:off x="486833" y="294810"/>
+            <a:ext cx="10102852" cy="338554"/>
+          </a:xfrm>
+        </p:spPr>
+        <p:txBody>
+          <a:bodyPr/>
+          <a:lstStyle/>
+          <a:p>
+            <a:r>
+              <a:rPr lang="en-US"/>
+              <a:t>Click to edit Master title style</a:t>
+            </a:r>
+            <a:endParaRPr lang="en-GB" dirty="0"/>
+          </a:p>
+        </p:txBody>
+      </p:sp>
+      <p:sp>
+        <p:nvSpPr>
+          <p:cNvPr id="16" name="Content Placeholder 15"/>
+          <p:cNvSpPr>
+            <a:spLocks noGrp="1"/>
+          </p:cNvSpPr>
+          <p:nvPr>
+            <p:ph sz="quarter" idx="12"/>
+          </p:nvPr>
+        </p:nvSpPr>
+        <p:spPr>
+          <a:xfrm>
+            <a:off x="486833" y="1196152"/>
+            <a:ext cx="11231033" cy="4658549"/>
+          </a:xfrm>
+        </p:spPr>
+        <p:txBody>
+          <a:bodyPr/>
+          <a:lstStyle>
+            <a:lvl1pPr>
+              <a:defRPr>
+                <a:solidFill>
+                  <a:schemeClr val="tx1"/>
+                </a:solidFill>
+              </a:defRPr>
+            </a:lvl1pPr>
+            <a:lvl2pPr>
+              <a:defRPr>
+                <a:solidFill>
+                  <a:schemeClr val="tx1"/>
+                </a:solidFill>
+              </a:defRPr>
+            </a:lvl2pPr>
+            <a:lvl3pPr>
+              <a:defRPr>
+                <a:solidFill>
+                  <a:schemeClr val="tx1"/>
+                </a:solidFill>
+              </a:defRPr>
+            </a:lvl3pPr>
+            <a:lvl4pPr>
+              <a:defRPr>
+                <a:solidFill>
+                  <a:schemeClr val="tx1"/>
+                </a:solidFill>
+              </a:defRPr>
+            </a:lvl4pPr>
+            <a:lvl5pPr>
+              <a:defRPr>
+                <a:solidFill>
+                  <a:schemeClr val="tx1"/>
+                </a:solidFill>
+              </a:defRPr>
+            </a:lvl5pPr>
+          </a:lstStyle>
+          <a:p>
+            <a:pPr lvl="0"/>
+            <a:r>
+              <a:rPr lang="en-US"/>
+              <a:t>Click to edit Master text styles</a:t>
+            </a:r>
+          </a:p>
+          <a:p>
+            <a:pPr lvl="1"/>
+            <a:r>
+              <a:rPr lang="en-US"/>
+              <a:t>Second level</a:t>
+            </a:r>
+          </a:p>
+          <a:p>
+            <a:pPr lvl="2"/>
+            <a:r>
+              <a:rPr lang="en-US"/>
+              <a:t>Third level</a:t>
+            </a:r>
+          </a:p>
+          <a:p>
+            <a:pPr lvl="3"/>
+            <a:r>
+              <a:rPr lang="en-US"/>
+              <a:t>Fourth level</a:t>
+            </a:r>
+          </a:p>
+          <a:p>
+            <a:pPr lvl="4"/>
+            <a:r>
+              <a:rPr lang="en-US"/>
+              <a:t>Fifth level</a:t>
+            </a:r>
+            <a:endParaRPr lang="en-GB" dirty="0"/>
+          </a:p>
+        </p:txBody>
+      </p:sp>
+      <p:sp>
+        <p:nvSpPr>
+          <p:cNvPr id="8" name="Text Placeholder 2"/>
+          <p:cNvSpPr>
+            <a:spLocks noGrp="1"/>
+          </p:cNvSpPr>
+          <p:nvPr>
+            <p:ph type="body" sz="quarter" idx="14" hasCustomPrompt="1"/>
+          </p:nvPr>
+        </p:nvSpPr>
+        <p:spPr>
+          <a:xfrm>
+            <a:off x="486832" y="692554"/>
+            <a:ext cx="10130368" cy="234950"/>
+          </a:xfrm>
+        </p:spPr>
+        <p:txBody>
+          <a:bodyPr anchor="t" anchorCtr="0"/>
+          <a:lstStyle>
+            <a:lvl1pPr marL="0" indent="0">
+              <a:spcAft>
+                <a:spcPts val="0"/>
+              </a:spcAft>
+              <a:buNone/>
+              <a:defRPr sz="1800"/>
+            </a:lvl1pPr>
+            <a:lvl2pPr marL="271463" indent="0">
+              <a:buNone/>
+              <a:defRPr/>
+            </a:lvl2pPr>
+            <a:lvl3pPr marL="533400" indent="0">
+              <a:buNone/>
+              <a:defRPr/>
+            </a:lvl3pPr>
+            <a:lvl4pPr marL="815975" indent="0">
+              <a:buNone/>
+              <a:defRPr/>
+            </a:lvl4pPr>
+            <a:lvl5pPr marL="1104900" indent="0">
+              <a:buNone/>
+              <a:defRPr/>
+            </a:lvl5pPr>
+          </a:lstStyle>
+          <a:p>
+            <a:pPr lvl="0"/>
+            <a:r>
+              <a:rPr lang="en-US" dirty="0"/>
+              <a:t>Subtitle here if required</a:t>
+            </a:r>
+          </a:p>
+        </p:txBody>
+      </p:sp>
+      <p:sp>
+        <p:nvSpPr>
+          <p:cNvPr id="2" name="Date Placeholder 1"/>
+          <p:cNvSpPr>
+            <a:spLocks noGrp="1"/>
+          </p:cNvSpPr>
+          <p:nvPr>
+            <p:ph type="dt" sz="half" idx="15"/>
+          </p:nvPr>
+        </p:nvSpPr>
+        <p:spPr/>
+        <p:txBody>
+          <a:bodyPr/>
+          <a:lstStyle/>
+          <a:p>
+            <a:endParaRPr lang="en-US">
+              <a:solidFill>
+                <a:srgbClr val="9A8B7D"/>
+              </a:solidFill>
+            </a:endParaRPr>
+          </a:p>
+        </p:txBody>
+      </p:sp>
+      <p:sp>
+        <p:nvSpPr>
+          <p:cNvPr id="3" name="Footer Placeholder 2"/>
+          <p:cNvSpPr>
+            <a:spLocks noGrp="1"/>
+          </p:cNvSpPr>
+          <p:nvPr>
+            <p:ph type="ftr" sz="quarter" idx="16"/>
+          </p:nvPr>
+        </p:nvSpPr>
+        <p:spPr/>
+        <p:txBody>
+          <a:bodyPr/>
+          <a:lstStyle/>
+          <a:p>
+            <a:endParaRPr lang="en-US">
+              <a:solidFill>
+                <a:srgbClr val="9A8B7D"/>
+              </a:solidFill>
+            </a:endParaRPr>
+          </a:p>
+        </p:txBody>
+      </p:sp>
+      <p:sp>
+        <p:nvSpPr>
+          <p:cNvPr id="9" name="Slide Number Placeholder 8"/>
+          <p:cNvSpPr>
+            <a:spLocks noGrp="1"/>
+          </p:cNvSpPr>
+          <p:nvPr>
+            <p:ph type="sldNum" sz="quarter" idx="17"/>
+          </p:nvPr>
+        </p:nvSpPr>
+        <p:spPr/>
+        <p:txBody>
+          <a:bodyPr/>
+          <a:lstStyle/>
+          <a:p>
+            <a:fld id="{0A838F34-1B32-4019-A24D-EF473E6901BC}" type="slidenum">
+              <a:rPr lang="en-US" smtClean="0">
+                <a:solidFill>
+                  <a:srgbClr val="9A8B7D"/>
+                </a:solidFill>
+              </a:rPr>
+              <a:pPr/>
+              <a:t>‹#›</a:t>
+            </a:fld>
+            <a:endParaRPr lang="en-US">
+              <a:solidFill>
+                <a:srgbClr val="9A8B7D"/>
+              </a:solidFill>
+            </a:endParaRPr>
+          </a:p>
+        </p:txBody>
+      </p:sp>
+      <p:sp>
+        <p:nvSpPr>
+          <p:cNvPr id="6" name="Text Placeholder 5"/>
+          <p:cNvSpPr>
+            <a:spLocks noGrp="1"/>
+          </p:cNvSpPr>
+          <p:nvPr>
+            <p:ph type="body" sz="quarter" idx="18" hasCustomPrompt="1"/>
+          </p:nvPr>
+        </p:nvSpPr>
+        <p:spPr>
+          <a:xfrm>
+            <a:off x="492758" y="5978065"/>
+            <a:ext cx="11261093" cy="203133"/>
+          </a:xfrm>
+        </p:spPr>
+        <p:txBody>
+          <a:bodyPr wrap="square" anchor="b" anchorCtr="0">
+            <a:spAutoFit/>
+          </a:bodyPr>
+          <a:lstStyle>
+            <a:lvl1pPr marL="0" indent="0">
+              <a:buNone/>
+              <a:defRPr sz="800" baseline="0"/>
+            </a:lvl1pPr>
+            <a:lvl2pPr marL="268163" indent="0">
+              <a:buNone/>
+              <a:defRPr sz="800"/>
+            </a:lvl2pPr>
+            <a:lvl3pPr marL="540000" indent="0">
+              <a:buNone/>
+              <a:defRPr sz="800"/>
+            </a:lvl3pPr>
+            <a:lvl4pPr marL="811088" indent="0">
+              <a:buNone/>
+              <a:defRPr sz="800"/>
+            </a:lvl4pPr>
+            <a:lvl5pPr marL="1080000" indent="0">
+              <a:buNone/>
+              <a:defRPr sz="800"/>
+            </a:lvl5pPr>
+          </a:lstStyle>
+          <a:p>
+            <a:pPr lvl="0"/>
+            <a:r>
+              <a:rPr lang="en-US" dirty="0"/>
+              <a:t>Insert Source text here</a:t>
+            </a:r>
+          </a:p>
+        </p:txBody>
+      </p:sp>
+    </p:spTree>
+    <p:extLst>
+      <p:ext uri="{BB962C8B-B14F-4D97-AF65-F5344CB8AC3E}">
+        <p14:creationId xmlns:p14="http://schemas.microsoft.com/office/powerpoint/2010/main" val="1149903983"/>
+      </p:ext>
+    </p:extLst>
+  </p:cSld>
+  <p:clrMapOvr>
+    <a:masterClrMapping/>
+  </p:clrMapOvr>
+</p:sldLayout>
+</file>
+
+<file path=ppt/slideLayouts/slideLayout13.xml><?xml version="1.0" encoding="utf-8"?>
+<p:sldLayout xmlns:a="http://schemas.openxmlformats.org/drawingml/2006/main" xmlns:r="http://schemas.openxmlformats.org/officeDocument/2006/relationships" xmlns:p="http://schemas.openxmlformats.org/presentationml/2006/main">
+  <p:cSld name="2_Title and Content">
+    <p:spTree>
+      <p:nvGrpSpPr>
+        <p:cNvPr id="1" name=""/>
+        <p:cNvGrpSpPr/>
+        <p:nvPr/>
+      </p:nvGrpSpPr>
+      <p:grpSpPr>
+        <a:xfrm>
+          <a:off x="0" y="0"/>
+          <a:ext cx="0" cy="0"/>
+          <a:chOff x="0" y="0"/>
+          <a:chExt cx="0" cy="0"/>
+        </a:xfrm>
+      </p:grpSpPr>
+      <p:sp>
+        <p:nvSpPr>
+          <p:cNvPr id="5" name="Title 4"/>
+          <p:cNvSpPr>
+            <a:spLocks noGrp="1"/>
+          </p:cNvSpPr>
+          <p:nvPr>
+            <p:ph type="title"/>
+          </p:nvPr>
+        </p:nvSpPr>
+        <p:spPr>
+          <a:xfrm>
+            <a:off x="486833" y="294810"/>
+            <a:ext cx="10102852" cy="338554"/>
+          </a:xfrm>
+        </p:spPr>
+        <p:txBody>
+          <a:bodyPr/>
+          <a:lstStyle/>
+          <a:p>
+            <a:r>
+              <a:rPr lang="en-US"/>
+              <a:t>Click to edit Master title style</a:t>
+            </a:r>
+            <a:endParaRPr lang="en-GB" dirty="0"/>
+          </a:p>
+        </p:txBody>
+      </p:sp>
+      <p:sp>
+        <p:nvSpPr>
+          <p:cNvPr id="16" name="Content Placeholder 15"/>
+          <p:cNvSpPr>
+            <a:spLocks noGrp="1"/>
+          </p:cNvSpPr>
+          <p:nvPr>
+            <p:ph sz="quarter" idx="12"/>
+          </p:nvPr>
+        </p:nvSpPr>
+        <p:spPr>
+          <a:xfrm>
+            <a:off x="486833" y="1196152"/>
+            <a:ext cx="11231033" cy="4658549"/>
+          </a:xfrm>
+        </p:spPr>
+        <p:txBody>
+          <a:bodyPr/>
+          <a:lstStyle>
+            <a:lvl1pPr>
+              <a:defRPr>
+                <a:solidFill>
+                  <a:schemeClr val="tx1"/>
+                </a:solidFill>
+              </a:defRPr>
+            </a:lvl1pPr>
+            <a:lvl2pPr>
+              <a:defRPr>
+                <a:solidFill>
+                  <a:schemeClr val="tx1"/>
+                </a:solidFill>
+              </a:defRPr>
+            </a:lvl2pPr>
+            <a:lvl3pPr>
+              <a:defRPr>
+                <a:solidFill>
+                  <a:schemeClr val="tx1"/>
+                </a:solidFill>
+              </a:defRPr>
+            </a:lvl3pPr>
+            <a:lvl4pPr>
+              <a:defRPr>
+                <a:solidFill>
+                  <a:schemeClr val="tx1"/>
+                </a:solidFill>
+              </a:defRPr>
+            </a:lvl4pPr>
+            <a:lvl5pPr>
+              <a:defRPr>
+                <a:solidFill>
+                  <a:schemeClr val="tx1"/>
+                </a:solidFill>
+              </a:defRPr>
+            </a:lvl5pPr>
+          </a:lstStyle>
+          <a:p>
+            <a:pPr lvl="0"/>
+            <a:r>
+              <a:rPr lang="en-US"/>
+              <a:t>Click to edit Master text styles</a:t>
+            </a:r>
+          </a:p>
+          <a:p>
+            <a:pPr lvl="1"/>
+            <a:r>
+              <a:rPr lang="en-US"/>
+              <a:t>Second level</a:t>
+            </a:r>
+          </a:p>
+          <a:p>
+            <a:pPr lvl="2"/>
+            <a:r>
+              <a:rPr lang="en-US"/>
+              <a:t>Third level</a:t>
+            </a:r>
+          </a:p>
+          <a:p>
+            <a:pPr lvl="3"/>
+            <a:r>
+              <a:rPr lang="en-US"/>
+              <a:t>Fourth level</a:t>
+            </a:r>
+          </a:p>
+          <a:p>
+            <a:pPr lvl="4"/>
+            <a:r>
+              <a:rPr lang="en-US"/>
+              <a:t>Fifth level</a:t>
+            </a:r>
+            <a:endParaRPr lang="en-GB" dirty="0"/>
+          </a:p>
+        </p:txBody>
+      </p:sp>
+      <p:sp>
+        <p:nvSpPr>
+          <p:cNvPr id="8" name="Text Placeholder 2"/>
+          <p:cNvSpPr>
+            <a:spLocks noGrp="1"/>
+          </p:cNvSpPr>
+          <p:nvPr>
+            <p:ph type="body" sz="quarter" idx="14" hasCustomPrompt="1"/>
+          </p:nvPr>
+        </p:nvSpPr>
+        <p:spPr>
+          <a:xfrm>
+            <a:off x="486832" y="692554"/>
+            <a:ext cx="10130368" cy="234950"/>
+          </a:xfrm>
+        </p:spPr>
+        <p:txBody>
+          <a:bodyPr anchor="t" anchorCtr="0"/>
+          <a:lstStyle>
+            <a:lvl1pPr marL="0" indent="0">
+              <a:spcAft>
+                <a:spcPts val="0"/>
+              </a:spcAft>
+              <a:buNone/>
+              <a:defRPr sz="1800"/>
+            </a:lvl1pPr>
+            <a:lvl2pPr marL="271463" indent="0">
+              <a:buNone/>
+              <a:defRPr/>
+            </a:lvl2pPr>
+            <a:lvl3pPr marL="533400" indent="0">
+              <a:buNone/>
+              <a:defRPr/>
+            </a:lvl3pPr>
+            <a:lvl4pPr marL="815975" indent="0">
+              <a:buNone/>
+              <a:defRPr/>
+            </a:lvl4pPr>
+            <a:lvl5pPr marL="1104900" indent="0">
+              <a:buNone/>
+              <a:defRPr/>
+            </a:lvl5pPr>
+          </a:lstStyle>
+          <a:p>
+            <a:pPr lvl="0"/>
+            <a:r>
+              <a:rPr lang="en-US" dirty="0"/>
+              <a:t>Subtitle here if required</a:t>
+            </a:r>
+          </a:p>
+        </p:txBody>
+      </p:sp>
+      <p:sp>
+        <p:nvSpPr>
+          <p:cNvPr id="2" name="Date Placeholder 1"/>
+          <p:cNvSpPr>
+            <a:spLocks noGrp="1"/>
+          </p:cNvSpPr>
+          <p:nvPr>
+            <p:ph type="dt" sz="half" idx="15"/>
+          </p:nvPr>
+        </p:nvSpPr>
+        <p:spPr/>
+        <p:txBody>
+          <a:bodyPr/>
+          <a:lstStyle/>
+          <a:p>
+            <a:endParaRPr lang="en-US">
+              <a:solidFill>
+                <a:srgbClr val="9A8B7D"/>
+              </a:solidFill>
+            </a:endParaRPr>
+          </a:p>
+        </p:txBody>
+      </p:sp>
+      <p:sp>
+        <p:nvSpPr>
+          <p:cNvPr id="3" name="Footer Placeholder 2"/>
+          <p:cNvSpPr>
+            <a:spLocks noGrp="1"/>
+          </p:cNvSpPr>
+          <p:nvPr>
+            <p:ph type="ftr" sz="quarter" idx="16"/>
+          </p:nvPr>
+        </p:nvSpPr>
+        <p:spPr/>
+        <p:txBody>
+          <a:bodyPr/>
+          <a:lstStyle/>
+          <a:p>
+            <a:endParaRPr lang="en-US">
+              <a:solidFill>
+                <a:srgbClr val="9A8B7D"/>
+              </a:solidFill>
+            </a:endParaRPr>
+          </a:p>
+        </p:txBody>
+      </p:sp>
+      <p:sp>
+        <p:nvSpPr>
+          <p:cNvPr id="9" name="Slide Number Placeholder 8"/>
+          <p:cNvSpPr>
+            <a:spLocks noGrp="1"/>
+          </p:cNvSpPr>
+          <p:nvPr>
+            <p:ph type="sldNum" sz="quarter" idx="17"/>
+          </p:nvPr>
+        </p:nvSpPr>
+        <p:spPr/>
+        <p:txBody>
+          <a:bodyPr/>
+          <a:lstStyle/>
+          <a:p>
+            <a:fld id="{0A838F34-1B32-4019-A24D-EF473E6901BC}" type="slidenum">
+              <a:rPr lang="en-US" smtClean="0">
+                <a:solidFill>
+                  <a:srgbClr val="9A8B7D"/>
+                </a:solidFill>
+              </a:rPr>
+              <a:pPr/>
+              <a:t>‹#›</a:t>
+            </a:fld>
+            <a:endParaRPr lang="en-US">
+              <a:solidFill>
+                <a:srgbClr val="9A8B7D"/>
+              </a:solidFill>
+            </a:endParaRPr>
+          </a:p>
+        </p:txBody>
+      </p:sp>
+      <p:sp>
+        <p:nvSpPr>
+          <p:cNvPr id="6" name="Text Placeholder 5"/>
+          <p:cNvSpPr>
+            <a:spLocks noGrp="1"/>
+          </p:cNvSpPr>
+          <p:nvPr>
+            <p:ph type="body" sz="quarter" idx="18" hasCustomPrompt="1"/>
+          </p:nvPr>
+        </p:nvSpPr>
+        <p:spPr>
+          <a:xfrm>
+            <a:off x="492758" y="5978065"/>
+            <a:ext cx="11261093" cy="203133"/>
+          </a:xfrm>
+        </p:spPr>
+        <p:txBody>
+          <a:bodyPr wrap="square" anchor="b" anchorCtr="0">
+            <a:spAutoFit/>
+          </a:bodyPr>
+          <a:lstStyle>
+            <a:lvl1pPr marL="0" indent="0">
+              <a:buNone/>
+              <a:defRPr sz="800" baseline="0"/>
+            </a:lvl1pPr>
+            <a:lvl2pPr marL="268163" indent="0">
+              <a:buNone/>
+              <a:defRPr sz="800"/>
+            </a:lvl2pPr>
+            <a:lvl3pPr marL="540000" indent="0">
+              <a:buNone/>
+              <a:defRPr sz="800"/>
+            </a:lvl3pPr>
+            <a:lvl4pPr marL="811088" indent="0">
+              <a:buNone/>
+              <a:defRPr sz="800"/>
+            </a:lvl4pPr>
+            <a:lvl5pPr marL="1080000" indent="0">
+              <a:buNone/>
+              <a:defRPr sz="800"/>
+            </a:lvl5pPr>
+          </a:lstStyle>
+          <a:p>
+            <a:pPr lvl="0"/>
+            <a:r>
+              <a:rPr lang="en-US" dirty="0"/>
+              <a:t>Insert Source text here</a:t>
+            </a:r>
+          </a:p>
+        </p:txBody>
+      </p:sp>
+    </p:spTree>
+    <p:extLst>
+      <p:ext uri="{BB962C8B-B14F-4D97-AF65-F5344CB8AC3E}">
+        <p14:creationId xmlns:p14="http://schemas.microsoft.com/office/powerpoint/2010/main" val="1296933730"/>
       </p:ext>
     </p:extLst>
   </p:cSld>
@@ -3031,6 +4369,8 @@
     <p:sldLayoutId id="2147483657" r:id="rId9"/>
     <p:sldLayoutId id="2147483658" r:id="rId10"/>
     <p:sldLayoutId id="2147483659" r:id="rId11"/>
+    <p:sldLayoutId id="2147483660" r:id="rId12"/>
+    <p:sldLayoutId id="2147483661" r:id="rId13"/>
   </p:sldLayoutIdLst>
   <p:txStyles>
     <p:titleStyle>
@@ -3415,6 +4755,439 @@
 </p:sld>
 </file>
 
+<file path=ppt/slides/slide10.xml><?xml version="1.0" encoding="utf-8"?>
+<p:sld xmlns:a="http://schemas.openxmlformats.org/drawingml/2006/main" xmlns:r="http://schemas.openxmlformats.org/officeDocument/2006/relationships" xmlns:p="http://schemas.openxmlformats.org/presentationml/2006/main">
+  <p:cSld>
+    <p:spTree>
+      <p:nvGrpSpPr>
+        <p:cNvPr id="1" name=""/>
+        <p:cNvGrpSpPr/>
+        <p:nvPr/>
+      </p:nvGrpSpPr>
+      <p:grpSpPr>
+        <a:xfrm>
+          <a:off x="0" y="0"/>
+          <a:ext cx="0" cy="0"/>
+          <a:chOff x="0" y="0"/>
+          <a:chExt cx="0" cy="0"/>
+        </a:xfrm>
+      </p:grpSpPr>
+      <p:sp>
+        <p:nvSpPr>
+          <p:cNvPr id="2" name="Title 1"/>
+          <p:cNvSpPr>
+            <a:spLocks noGrp="1"/>
+          </p:cNvSpPr>
+          <p:nvPr>
+            <p:ph type="title"/>
+          </p:nvPr>
+        </p:nvSpPr>
+        <p:spPr>
+          <a:xfrm>
+            <a:off x="1889124" y="294810"/>
+            <a:ext cx="7805099" cy="338554"/>
+          </a:xfrm>
+        </p:spPr>
+        <p:txBody>
+          <a:bodyPr>
+            <a:normAutofit fontScale="90000"/>
+          </a:bodyPr>
+          <a:lstStyle/>
+          <a:p>
+            <a:r>
+              <a:rPr lang="en-US" dirty="0"/>
+              <a:t>Stats Cluster D vs. RGT B</a:t>
+            </a:r>
+          </a:p>
+        </p:txBody>
+      </p:sp>
+      <p:sp>
+        <p:nvSpPr>
+          <p:cNvPr id="5" name="Slide Number Placeholder 4"/>
+          <p:cNvSpPr>
+            <a:spLocks noGrp="1"/>
+          </p:cNvSpPr>
+          <p:nvPr>
+            <p:ph type="sldNum" sz="quarter" idx="17"/>
+          </p:nvPr>
+        </p:nvSpPr>
+        <p:spPr/>
+        <p:txBody>
+          <a:bodyPr/>
+          <a:lstStyle/>
+          <a:p>
+            <a:fld id="{0A838F34-1B32-4019-A24D-EF473E6901BC}" type="slidenum">
+              <a:rPr lang="en-US" smtClean="0">
+                <a:solidFill>
+                  <a:srgbClr val="9A8B7D"/>
+                </a:solidFill>
+              </a:rPr>
+              <a:pPr/>
+              <a:t>10</a:t>
+            </a:fld>
+            <a:endParaRPr lang="en-US">
+              <a:solidFill>
+                <a:srgbClr val="9A8B7D"/>
+              </a:solidFill>
+            </a:endParaRPr>
+          </a:p>
+        </p:txBody>
+      </p:sp>
+      <p:cxnSp>
+        <p:nvCxnSpPr>
+          <p:cNvPr id="174081" name="Straight Connector 174080">
+            <a:extLst>
+              <a:ext uri="{FF2B5EF4-FFF2-40B4-BE49-F238E27FC236}">
+                <a16:creationId xmlns:a16="http://schemas.microsoft.com/office/drawing/2014/main" id="{21C181BB-6BFE-4304-98E5-36B39CF330BF}"/>
+              </a:ext>
+            </a:extLst>
+          </p:cNvPr>
+          <p:cNvCxnSpPr>
+            <a:cxnSpLocks/>
+          </p:cNvCxnSpPr>
+          <p:nvPr/>
+        </p:nvCxnSpPr>
+        <p:spPr>
+          <a:xfrm flipV="1">
+            <a:off x="3281239" y="1439187"/>
+            <a:ext cx="1143703" cy="2"/>
+          </a:xfrm>
+          <a:prstGeom prst="line">
+            <a:avLst/>
+          </a:prstGeom>
+          <a:ln>
+            <a:solidFill>
+              <a:schemeClr val="tx1">
+                <a:lumMod val="50000"/>
+              </a:schemeClr>
+            </a:solidFill>
+          </a:ln>
+        </p:spPr>
+        <p:style>
+          <a:lnRef idx="1">
+            <a:schemeClr val="accent1"/>
+          </a:lnRef>
+          <a:fillRef idx="0">
+            <a:schemeClr val="accent1"/>
+          </a:fillRef>
+          <a:effectRef idx="0">
+            <a:schemeClr val="accent1"/>
+          </a:effectRef>
+          <a:fontRef idx="minor">
+            <a:schemeClr val="tx1"/>
+          </a:fontRef>
+        </p:style>
+      </p:cxnSp>
+      <p:pic>
+        <p:nvPicPr>
+          <p:cNvPr id="41" name="Picture 40">
+            <a:extLst>
+              <a:ext uri="{FF2B5EF4-FFF2-40B4-BE49-F238E27FC236}">
+                <a16:creationId xmlns:a16="http://schemas.microsoft.com/office/drawing/2014/main" id="{268AAA76-884A-4E25-B277-C0EEACC4AAA7}"/>
+              </a:ext>
+            </a:extLst>
+          </p:cNvPr>
+          <p:cNvPicPr>
+            <a:picLocks noChangeAspect="1"/>
+          </p:cNvPicPr>
+          <p:nvPr/>
+        </p:nvPicPr>
+        <p:blipFill rotWithShape="1">
+          <a:blip r:embed="rId3"/>
+          <a:srcRect l="-376" t="45325" r="97854" b="47342"/>
+          <a:stretch/>
+        </p:blipFill>
+        <p:spPr>
+          <a:xfrm>
+            <a:off x="2160107" y="2432586"/>
+            <a:ext cx="408101" cy="652959"/>
+          </a:xfrm>
+          <a:prstGeom prst="rect">
+            <a:avLst/>
+          </a:prstGeom>
+        </p:spPr>
+      </p:pic>
+      <p:cxnSp>
+        <p:nvCxnSpPr>
+          <p:cNvPr id="51" name="Straight Connector 50">
+            <a:extLst>
+              <a:ext uri="{FF2B5EF4-FFF2-40B4-BE49-F238E27FC236}">
+                <a16:creationId xmlns:a16="http://schemas.microsoft.com/office/drawing/2014/main" id="{289D2DB0-E3D0-4761-AE8A-0E92CD1C25D0}"/>
+              </a:ext>
+            </a:extLst>
+          </p:cNvPr>
+          <p:cNvCxnSpPr>
+            <a:cxnSpLocks/>
+          </p:cNvCxnSpPr>
+          <p:nvPr/>
+        </p:nvCxnSpPr>
+        <p:spPr>
+          <a:xfrm>
+            <a:off x="7410893" y="4811725"/>
+            <a:ext cx="104439" cy="346503"/>
+          </a:xfrm>
+          <a:prstGeom prst="line">
+            <a:avLst/>
+          </a:prstGeom>
+          <a:ln>
+            <a:solidFill>
+              <a:schemeClr val="tx1">
+                <a:lumMod val="50000"/>
+              </a:schemeClr>
+            </a:solidFill>
+          </a:ln>
+        </p:spPr>
+        <p:style>
+          <a:lnRef idx="1">
+            <a:schemeClr val="accent1"/>
+          </a:lnRef>
+          <a:fillRef idx="0">
+            <a:schemeClr val="accent1"/>
+          </a:fillRef>
+          <a:effectRef idx="0">
+            <a:schemeClr val="accent1"/>
+          </a:effectRef>
+          <a:fontRef idx="minor">
+            <a:schemeClr val="tx1"/>
+          </a:fontRef>
+        </p:style>
+      </p:cxnSp>
+      <p:pic>
+        <p:nvPicPr>
+          <p:cNvPr id="4" name="Picture 3">
+            <a:extLst>
+              <a:ext uri="{FF2B5EF4-FFF2-40B4-BE49-F238E27FC236}">
+                <a16:creationId xmlns:a16="http://schemas.microsoft.com/office/drawing/2014/main" id="{84182BDC-7D22-4CA4-8E88-790148E61CFA}"/>
+              </a:ext>
+            </a:extLst>
+          </p:cNvPr>
+          <p:cNvPicPr>
+            <a:picLocks noChangeAspect="1"/>
+          </p:cNvPicPr>
+          <p:nvPr/>
+        </p:nvPicPr>
+        <p:blipFill rotWithShape="1">
+          <a:blip r:embed="rId4"/>
+          <a:srcRect l="9177" r="27005"/>
+          <a:stretch/>
+        </p:blipFill>
+        <p:spPr>
+          <a:xfrm>
+            <a:off x="2676939" y="1226198"/>
+            <a:ext cx="4838392" cy="4817414"/>
+          </a:xfrm>
+          <a:prstGeom prst="rect">
+            <a:avLst/>
+          </a:prstGeom>
+        </p:spPr>
+      </p:pic>
+      <p:pic>
+        <p:nvPicPr>
+          <p:cNvPr id="6" name="Picture 5">
+            <a:extLst>
+              <a:ext uri="{FF2B5EF4-FFF2-40B4-BE49-F238E27FC236}">
+                <a16:creationId xmlns:a16="http://schemas.microsoft.com/office/drawing/2014/main" id="{D67B6504-7FA2-47EE-9CAB-7D0861AA2E08}"/>
+              </a:ext>
+            </a:extLst>
+          </p:cNvPr>
+          <p:cNvPicPr>
+            <a:picLocks noChangeAspect="1"/>
+          </p:cNvPicPr>
+          <p:nvPr/>
+        </p:nvPicPr>
+        <p:blipFill>
+          <a:blip r:embed="rId5"/>
+          <a:stretch>
+            <a:fillRect/>
+          </a:stretch>
+        </p:blipFill>
+        <p:spPr>
+          <a:xfrm>
+            <a:off x="4050865" y="1557396"/>
+            <a:ext cx="3289541" cy="818906"/>
+          </a:xfrm>
+          <a:prstGeom prst="rect">
+            <a:avLst/>
+          </a:prstGeom>
+          <a:ln>
+            <a:solidFill>
+              <a:srgbClr val="7030A0"/>
+            </a:solidFill>
+          </a:ln>
+        </p:spPr>
+      </p:pic>
+      <p:pic>
+        <p:nvPicPr>
+          <p:cNvPr id="8" name="Picture 7">
+            <a:extLst>
+              <a:ext uri="{FF2B5EF4-FFF2-40B4-BE49-F238E27FC236}">
+                <a16:creationId xmlns:a16="http://schemas.microsoft.com/office/drawing/2014/main" id="{2CD9FC39-6AF5-47F1-9766-23D3CA40AF69}"/>
+              </a:ext>
+            </a:extLst>
+          </p:cNvPr>
+          <p:cNvPicPr>
+            <a:picLocks noChangeAspect="1"/>
+          </p:cNvPicPr>
+          <p:nvPr/>
+        </p:nvPicPr>
+        <p:blipFill rotWithShape="1">
+          <a:blip r:embed="rId6"/>
+          <a:srcRect t="14375"/>
+          <a:stretch/>
+        </p:blipFill>
+        <p:spPr>
+          <a:xfrm>
+            <a:off x="3823233" y="2593749"/>
+            <a:ext cx="1841120" cy="627485"/>
+          </a:xfrm>
+          <a:prstGeom prst="rect">
+            <a:avLst/>
+          </a:prstGeom>
+          <a:ln>
+            <a:solidFill>
+              <a:srgbClr val="FFC000"/>
+            </a:solidFill>
+          </a:ln>
+        </p:spPr>
+      </p:pic>
+      <p:cxnSp>
+        <p:nvCxnSpPr>
+          <p:cNvPr id="17" name="Straight Connector 16">
+            <a:extLst>
+              <a:ext uri="{FF2B5EF4-FFF2-40B4-BE49-F238E27FC236}">
+                <a16:creationId xmlns:a16="http://schemas.microsoft.com/office/drawing/2014/main" id="{C8AD04C9-8949-43A4-8071-2A666ED25B79}"/>
+              </a:ext>
+            </a:extLst>
+          </p:cNvPr>
+          <p:cNvCxnSpPr>
+            <a:cxnSpLocks/>
+          </p:cNvCxnSpPr>
+          <p:nvPr/>
+        </p:nvCxnSpPr>
+        <p:spPr>
+          <a:xfrm>
+            <a:off x="3535681" y="1542554"/>
+            <a:ext cx="287553" cy="1051195"/>
+          </a:xfrm>
+          <a:prstGeom prst="line">
+            <a:avLst/>
+          </a:prstGeom>
+          <a:ln>
+            <a:solidFill>
+              <a:schemeClr val="tx1">
+                <a:lumMod val="50000"/>
+              </a:schemeClr>
+            </a:solidFill>
+          </a:ln>
+        </p:spPr>
+        <p:style>
+          <a:lnRef idx="1">
+            <a:schemeClr val="accent1"/>
+          </a:lnRef>
+          <a:fillRef idx="0">
+            <a:schemeClr val="accent1"/>
+          </a:fillRef>
+          <a:effectRef idx="0">
+            <a:schemeClr val="accent1"/>
+          </a:effectRef>
+          <a:fontRef idx="minor">
+            <a:schemeClr val="tx1"/>
+          </a:fontRef>
+        </p:style>
+      </p:cxnSp>
+      <p:cxnSp>
+        <p:nvCxnSpPr>
+          <p:cNvPr id="21" name="Straight Connector 20">
+            <a:extLst>
+              <a:ext uri="{FF2B5EF4-FFF2-40B4-BE49-F238E27FC236}">
+                <a16:creationId xmlns:a16="http://schemas.microsoft.com/office/drawing/2014/main" id="{092BF7F5-27D1-4BEE-B0FE-B5DBEDF907F4}"/>
+              </a:ext>
+            </a:extLst>
+          </p:cNvPr>
+          <p:cNvCxnSpPr>
+            <a:cxnSpLocks/>
+          </p:cNvCxnSpPr>
+          <p:nvPr/>
+        </p:nvCxnSpPr>
+        <p:spPr>
+          <a:xfrm>
+            <a:off x="7280744" y="2376303"/>
+            <a:ext cx="0" cy="2781925"/>
+          </a:xfrm>
+          <a:prstGeom prst="line">
+            <a:avLst/>
+          </a:prstGeom>
+          <a:ln>
+            <a:solidFill>
+              <a:schemeClr val="tx1">
+                <a:lumMod val="50000"/>
+              </a:schemeClr>
+            </a:solidFill>
+          </a:ln>
+        </p:spPr>
+        <p:style>
+          <a:lnRef idx="1">
+            <a:schemeClr val="accent1"/>
+          </a:lnRef>
+          <a:fillRef idx="0">
+            <a:schemeClr val="accent1"/>
+          </a:fillRef>
+          <a:effectRef idx="0">
+            <a:schemeClr val="accent1"/>
+          </a:effectRef>
+          <a:fontRef idx="minor">
+            <a:schemeClr val="tx1"/>
+          </a:fontRef>
+        </p:style>
+      </p:cxnSp>
+      <p:pic>
+        <p:nvPicPr>
+          <p:cNvPr id="15" name="Picture 14">
+            <a:extLst>
+              <a:ext uri="{FF2B5EF4-FFF2-40B4-BE49-F238E27FC236}">
+                <a16:creationId xmlns:a16="http://schemas.microsoft.com/office/drawing/2014/main" id="{7418DA26-4815-491E-9DA6-B52878ECA62B}"/>
+              </a:ext>
+            </a:extLst>
+          </p:cNvPr>
+          <p:cNvPicPr>
+            <a:picLocks noChangeAspect="1"/>
+          </p:cNvPicPr>
+          <p:nvPr/>
+        </p:nvPicPr>
+        <p:blipFill rotWithShape="1">
+          <a:blip r:embed="rId4"/>
+          <a:srcRect l="73570" t="23049" b="14152"/>
+          <a:stretch/>
+        </p:blipFill>
+        <p:spPr>
+          <a:xfrm>
+            <a:off x="5721296" y="2609650"/>
+            <a:ext cx="1469056" cy="2217976"/>
+          </a:xfrm>
+          <a:prstGeom prst="rect">
+            <a:avLst/>
+          </a:prstGeom>
+          <a:ln>
+            <a:solidFill>
+              <a:schemeClr val="tx2"/>
+            </a:solidFill>
+          </a:ln>
+        </p:spPr>
+      </p:pic>
+    </p:spTree>
+    <p:extLst>
+      <p:ext uri="{BB962C8B-B14F-4D97-AF65-F5344CB8AC3E}">
+        <p14:creationId xmlns:p14="http://schemas.microsoft.com/office/powerpoint/2010/main" val="1947705364"/>
+      </p:ext>
+    </p:extLst>
+  </p:cSld>
+  <p:clrMapOvr>
+    <a:masterClrMapping/>
+  </p:clrMapOvr>
+  <p:transition/>
+</p:sld>
+</file>
+
 <file path=ppt/slides/slide2.xml><?xml version="1.0" encoding="utf-8"?>
 <p:sld xmlns:a="http://schemas.openxmlformats.org/drawingml/2006/main" xmlns:r="http://schemas.openxmlformats.org/officeDocument/2006/relationships" xmlns:p="http://schemas.openxmlformats.org/presentationml/2006/main">
   <p:cSld>
@@ -4208,6 +5981,1889 @@
   <p:clrMapOvr>
     <a:masterClrMapping/>
   </p:clrMapOvr>
+</p:sld>
+</file>
+
+<file path=ppt/slides/slide8.xml><?xml version="1.0" encoding="utf-8"?>
+<p:sld xmlns:a="http://schemas.openxmlformats.org/drawingml/2006/main" xmlns:r="http://schemas.openxmlformats.org/officeDocument/2006/relationships" xmlns:p="http://schemas.openxmlformats.org/presentationml/2006/main">
+  <p:cSld>
+    <p:spTree>
+      <p:nvGrpSpPr>
+        <p:cNvPr id="1" name=""/>
+        <p:cNvGrpSpPr/>
+        <p:nvPr/>
+      </p:nvGrpSpPr>
+      <p:grpSpPr>
+        <a:xfrm>
+          <a:off x="0" y="0"/>
+          <a:ext cx="0" cy="0"/>
+          <a:chOff x="0" y="0"/>
+          <a:chExt cx="0" cy="0"/>
+        </a:xfrm>
+      </p:grpSpPr>
+      <p:pic>
+        <p:nvPicPr>
+          <p:cNvPr id="3" name="Picture 2">
+            <a:extLst>
+              <a:ext uri="{FF2B5EF4-FFF2-40B4-BE49-F238E27FC236}">
+                <a16:creationId xmlns:a16="http://schemas.microsoft.com/office/drawing/2014/main" id="{BF584303-4717-48BB-A4FD-62EF788DA2A1}"/>
+              </a:ext>
+            </a:extLst>
+          </p:cNvPr>
+          <p:cNvPicPr>
+            <a:picLocks noChangeAspect="1"/>
+          </p:cNvPicPr>
+          <p:nvPr/>
+        </p:nvPicPr>
+        <p:blipFill rotWithShape="1">
+          <a:blip r:embed="rId3"/>
+          <a:srcRect l="7113" r="17100" b="4090"/>
+          <a:stretch/>
+        </p:blipFill>
+        <p:spPr>
+          <a:xfrm>
+            <a:off x="2203873" y="1583533"/>
+            <a:ext cx="6929934" cy="4482974"/>
+          </a:xfrm>
+          <a:prstGeom prst="rect">
+            <a:avLst/>
+          </a:prstGeom>
+        </p:spPr>
+      </p:pic>
+      <p:sp>
+        <p:nvSpPr>
+          <p:cNvPr id="7" name="TextBox 6"/>
+          <p:cNvSpPr txBox="1"/>
+          <p:nvPr/>
+        </p:nvSpPr>
+        <p:spPr>
+          <a:xfrm>
+            <a:off x="9136913" y="1116420"/>
+            <a:ext cx="1329069" cy="461665"/>
+          </a:xfrm>
+          <a:prstGeom prst="rect">
+            <a:avLst/>
+          </a:prstGeom>
+          <a:noFill/>
+        </p:spPr>
+        <p:txBody>
+          <a:bodyPr wrap="square" rtlCol="0">
+            <a:spAutoFit/>
+          </a:bodyPr>
+          <a:lstStyle/>
+          <a:p>
+            <a:pPr marL="171450" indent="-171450">
+              <a:buClr>
+                <a:schemeClr val="tx1"/>
+              </a:buClr>
+            </a:pPr>
+            <a:r>
+              <a:rPr lang="en-US" sz="1200" dirty="0">
+                <a:solidFill>
+                  <a:srgbClr val="0070C0"/>
+                </a:solidFill>
+              </a:rPr>
+              <a:t>Co-</a:t>
+            </a:r>
+            <a:r>
+              <a:rPr lang="en-US" sz="1200" dirty="0">
+                <a:solidFill>
+                  <a:srgbClr val="D60093"/>
+                </a:solidFill>
+              </a:rPr>
+              <a:t>occurring</a:t>
+            </a:r>
+          </a:p>
+          <a:p>
+            <a:pPr marL="171450" indent="-171450">
+              <a:buClr>
+                <a:schemeClr val="tx1"/>
+              </a:buClr>
+            </a:pPr>
+            <a:r>
+              <a:rPr lang="en-US" sz="1200" dirty="0">
+                <a:solidFill>
+                  <a:srgbClr val="00B050"/>
+                </a:solidFill>
+              </a:rPr>
+              <a:t>active scaffolds</a:t>
+            </a:r>
+          </a:p>
+        </p:txBody>
+      </p:sp>
+      <p:sp>
+        <p:nvSpPr>
+          <p:cNvPr id="8" name="TextBox 7"/>
+          <p:cNvSpPr txBox="1"/>
+          <p:nvPr/>
+        </p:nvSpPr>
+        <p:spPr>
+          <a:xfrm>
+            <a:off x="7853917" y="1651592"/>
+            <a:ext cx="1329069" cy="461665"/>
+          </a:xfrm>
+          <a:prstGeom prst="rect">
+            <a:avLst/>
+          </a:prstGeom>
+          <a:noFill/>
+        </p:spPr>
+        <p:txBody>
+          <a:bodyPr wrap="square" rtlCol="0">
+            <a:spAutoFit/>
+          </a:bodyPr>
+          <a:lstStyle/>
+          <a:p>
+            <a:pPr marL="171450" indent="-171450">
+              <a:buClr>
+                <a:schemeClr val="tx1"/>
+              </a:buClr>
+            </a:pPr>
+            <a:r>
+              <a:rPr lang="en-US" sz="1200" dirty="0">
+                <a:solidFill>
+                  <a:srgbClr val="0070C0"/>
+                </a:solidFill>
+              </a:rPr>
+              <a:t>Scaffold 4719</a:t>
+            </a:r>
+            <a:endParaRPr lang="en-US" sz="1200" dirty="0">
+              <a:solidFill>
+                <a:schemeClr val="accent5">
+                  <a:lumMod val="60000"/>
+                  <a:lumOff val="40000"/>
+                </a:schemeClr>
+              </a:solidFill>
+            </a:endParaRPr>
+          </a:p>
+          <a:p>
+            <a:pPr marL="171450" indent="-171450">
+              <a:buClr>
+                <a:schemeClr val="tx1"/>
+              </a:buClr>
+            </a:pPr>
+            <a:r>
+              <a:rPr lang="en-US" sz="1200" dirty="0">
+                <a:solidFill>
+                  <a:srgbClr val="00B050"/>
+                </a:solidFill>
+              </a:rPr>
+              <a:t>active by itself</a:t>
+            </a:r>
+          </a:p>
+        </p:txBody>
+      </p:sp>
+      <p:sp>
+        <p:nvSpPr>
+          <p:cNvPr id="9" name="TextBox 8"/>
+          <p:cNvSpPr txBox="1"/>
+          <p:nvPr/>
+        </p:nvSpPr>
+        <p:spPr>
+          <a:xfrm>
+            <a:off x="6560288" y="1102244"/>
+            <a:ext cx="1598428" cy="461665"/>
+          </a:xfrm>
+          <a:prstGeom prst="rect">
+            <a:avLst/>
+          </a:prstGeom>
+          <a:noFill/>
+        </p:spPr>
+        <p:txBody>
+          <a:bodyPr wrap="square" rtlCol="0">
+            <a:spAutoFit/>
+          </a:bodyPr>
+          <a:lstStyle/>
+          <a:p>
+            <a:pPr marL="171450" indent="-171450">
+              <a:buClr>
+                <a:schemeClr val="tx1"/>
+              </a:buClr>
+            </a:pPr>
+            <a:r>
+              <a:rPr lang="en-US" sz="1200" dirty="0">
+                <a:solidFill>
+                  <a:srgbClr val="CCCC00"/>
+                </a:solidFill>
+              </a:rPr>
+              <a:t>Scaffold 978 alone</a:t>
+            </a:r>
+            <a:r>
+              <a:rPr lang="en-US" sz="1200" dirty="0">
+                <a:solidFill>
+                  <a:schemeClr val="accent4">
+                    <a:lumMod val="75000"/>
+                  </a:schemeClr>
+                </a:solidFill>
+              </a:rPr>
+              <a:t> </a:t>
+            </a:r>
+          </a:p>
+          <a:p>
+            <a:pPr marL="171450" indent="-171450">
+              <a:buClr>
+                <a:schemeClr val="tx1"/>
+              </a:buClr>
+            </a:pPr>
+            <a:r>
+              <a:rPr lang="en-US" sz="1200" dirty="0">
+                <a:solidFill>
+                  <a:schemeClr val="bg1">
+                    <a:lumMod val="50000"/>
+                  </a:schemeClr>
+                </a:solidFill>
+              </a:rPr>
+              <a:t>not highly active</a:t>
+            </a:r>
+          </a:p>
+        </p:txBody>
+      </p:sp>
+      <p:pic>
+        <p:nvPicPr>
+          <p:cNvPr id="10" name="Picture 5"/>
+          <p:cNvPicPr>
+            <a:picLocks noChangeAspect="1" noChangeArrowheads="1"/>
+          </p:cNvPicPr>
+          <p:nvPr/>
+        </p:nvPicPr>
+        <p:blipFill>
+          <a:blip r:embed="rId4" cstate="print"/>
+          <a:srcRect/>
+          <a:stretch>
+            <a:fillRect/>
+          </a:stretch>
+        </p:blipFill>
+        <p:spPr bwMode="auto">
+          <a:xfrm>
+            <a:off x="2604779" y="1623854"/>
+            <a:ext cx="2215314" cy="983556"/>
+          </a:xfrm>
+          <a:prstGeom prst="rect">
+            <a:avLst/>
+          </a:prstGeom>
+          <a:solidFill>
+            <a:schemeClr val="bg1"/>
+          </a:solidFill>
+          <a:ln w="9525">
+            <a:noFill/>
+            <a:miter lim="800000"/>
+            <a:headEnd/>
+            <a:tailEnd/>
+          </a:ln>
+          <a:effectLst/>
+        </p:spPr>
+      </p:pic>
+      <p:sp>
+        <p:nvSpPr>
+          <p:cNvPr id="11" name="Slide Number Placeholder 10"/>
+          <p:cNvSpPr>
+            <a:spLocks noGrp="1"/>
+          </p:cNvSpPr>
+          <p:nvPr>
+            <p:ph type="sldNum" sz="quarter" idx="12"/>
+          </p:nvPr>
+        </p:nvSpPr>
+        <p:spPr/>
+        <p:txBody>
+          <a:bodyPr/>
+          <a:lstStyle/>
+          <a:p>
+            <a:fld id="{FDC40351-2EB1-4AB4-A6D0-AB8EF40E804F}" type="slidenum">
+              <a:rPr lang="en-US" smtClean="0"/>
+              <a:pPr/>
+              <a:t>8</a:t>
+            </a:fld>
+            <a:endParaRPr lang="en-US"/>
+          </a:p>
+        </p:txBody>
+      </p:sp>
+      <p:sp>
+        <p:nvSpPr>
+          <p:cNvPr id="12" name="Right Arrow 11"/>
+          <p:cNvSpPr/>
+          <p:nvPr/>
+        </p:nvSpPr>
+        <p:spPr bwMode="auto">
+          <a:xfrm rot="5400000">
+            <a:off x="3490378" y="2355174"/>
+            <a:ext cx="431568" cy="233838"/>
+          </a:xfrm>
+          <a:prstGeom prst="rightArrow">
+            <a:avLst/>
+          </a:prstGeom>
+          <a:solidFill>
+            <a:schemeClr val="bg2"/>
+          </a:solidFill>
+          <a:ln>
+            <a:noFill/>
+            <a:headEnd/>
+            <a:tailEnd/>
+          </a:ln>
+          <a:effectLst/>
+        </p:spPr>
+        <p:style>
+          <a:lnRef idx="1">
+            <a:schemeClr val="accent1"/>
+          </a:lnRef>
+          <a:fillRef idx="3">
+            <a:schemeClr val="accent1"/>
+          </a:fillRef>
+          <a:effectRef idx="2">
+            <a:schemeClr val="accent1"/>
+          </a:effectRef>
+          <a:fontRef idx="minor">
+            <a:schemeClr val="lt1"/>
+          </a:fontRef>
+        </p:style>
+        <p:txBody>
+          <a:bodyPr rot="0" spcFirstLastPara="0" vertOverflow="overflow" horzOverflow="overflow" vert="horz" wrap="square" lIns="72000" tIns="72000" rIns="72000" bIns="72000" numCol="1" spcCol="0" rtlCol="0" fromWordArt="0" anchor="t" anchorCtr="0" forceAA="0" compatLnSpc="1">
+            <a:prstTxWarp prst="textNoShape">
+              <a:avLst/>
+            </a:prstTxWarp>
+            <a:noAutofit/>
+          </a:bodyPr>
+          <a:lstStyle/>
+          <a:p>
+            <a:pPr marL="180975" indent="-180975" algn="ctr" eaLnBrk="0" hangingPunct="0">
+              <a:buClr>
+                <a:schemeClr val="bg1"/>
+              </a:buClr>
+              <a:buFont typeface="Arial" pitchFamily="34" charset="0"/>
+              <a:buChar char="–"/>
+            </a:pPr>
+            <a:endParaRPr lang="en-US" sz="1200" b="1" kern="0" dirty="0" err="1">
+              <a:solidFill>
+                <a:srgbClr val="FFFFFF"/>
+              </a:solidFill>
+              <a:latin typeface="Arial"/>
+            </a:endParaRPr>
+          </a:p>
+        </p:txBody>
+      </p:sp>
+      <p:sp>
+        <p:nvSpPr>
+          <p:cNvPr id="14" name="Oval 13"/>
+          <p:cNvSpPr/>
+          <p:nvPr/>
+        </p:nvSpPr>
+        <p:spPr bwMode="auto">
+          <a:xfrm rot="20240795">
+            <a:off x="3469879" y="1851533"/>
+            <a:ext cx="483510" cy="362685"/>
+          </a:xfrm>
+          <a:prstGeom prst="ellipse">
+            <a:avLst/>
+          </a:prstGeom>
+          <a:noFill/>
+          <a:ln w="19050">
+            <a:solidFill>
+              <a:srgbClr val="0070C0"/>
+            </a:solidFill>
+            <a:headEnd/>
+            <a:tailEnd/>
+          </a:ln>
+          <a:effectLst/>
+        </p:spPr>
+        <p:style>
+          <a:lnRef idx="1">
+            <a:schemeClr val="accent1"/>
+          </a:lnRef>
+          <a:fillRef idx="3">
+            <a:schemeClr val="accent1"/>
+          </a:fillRef>
+          <a:effectRef idx="2">
+            <a:schemeClr val="accent1"/>
+          </a:effectRef>
+          <a:fontRef idx="minor">
+            <a:schemeClr val="lt1"/>
+          </a:fontRef>
+        </p:style>
+        <p:txBody>
+          <a:bodyPr rot="0" spcFirstLastPara="0" vertOverflow="overflow" horzOverflow="overflow" vert="horz" wrap="square" lIns="72000" tIns="72000" rIns="72000" bIns="72000" numCol="1" spcCol="0" rtlCol="0" fromWordArt="0" anchor="t" anchorCtr="0" forceAA="0" compatLnSpc="1">
+            <a:prstTxWarp prst="textNoShape">
+              <a:avLst/>
+            </a:prstTxWarp>
+            <a:noAutofit/>
+          </a:bodyPr>
+          <a:lstStyle/>
+          <a:p>
+            <a:pPr marL="180975" indent="-180975" algn="ctr" eaLnBrk="0" hangingPunct="0">
+              <a:buClr>
+                <a:schemeClr val="bg1"/>
+              </a:buClr>
+              <a:buFont typeface="Arial" pitchFamily="34" charset="0"/>
+              <a:buChar char="–"/>
+            </a:pPr>
+            <a:endParaRPr lang="en-US" sz="1200" b="1" kern="0" dirty="0" err="1">
+              <a:solidFill>
+                <a:srgbClr val="FFFFFF"/>
+              </a:solidFill>
+              <a:latin typeface="Arial"/>
+            </a:endParaRPr>
+          </a:p>
+        </p:txBody>
+      </p:sp>
+      <p:sp>
+        <p:nvSpPr>
+          <p:cNvPr id="15" name="Oval 14"/>
+          <p:cNvSpPr/>
+          <p:nvPr/>
+        </p:nvSpPr>
+        <p:spPr bwMode="auto">
+          <a:xfrm>
+            <a:off x="4124326" y="1597742"/>
+            <a:ext cx="800100" cy="418304"/>
+          </a:xfrm>
+          <a:prstGeom prst="ellipse">
+            <a:avLst/>
+          </a:prstGeom>
+          <a:noFill/>
+          <a:ln w="19050">
+            <a:solidFill>
+              <a:schemeClr val="accent4">
+                <a:lumMod val="75000"/>
+              </a:schemeClr>
+            </a:solidFill>
+            <a:headEnd/>
+            <a:tailEnd/>
+          </a:ln>
+          <a:effectLst/>
+        </p:spPr>
+        <p:style>
+          <a:lnRef idx="1">
+            <a:schemeClr val="accent1"/>
+          </a:lnRef>
+          <a:fillRef idx="3">
+            <a:schemeClr val="accent1"/>
+          </a:fillRef>
+          <a:effectRef idx="2">
+            <a:schemeClr val="accent1"/>
+          </a:effectRef>
+          <a:fontRef idx="minor">
+            <a:schemeClr val="lt1"/>
+          </a:fontRef>
+        </p:style>
+        <p:txBody>
+          <a:bodyPr rot="0" spcFirstLastPara="0" vertOverflow="overflow" horzOverflow="overflow" vert="horz" wrap="square" lIns="72000" tIns="72000" rIns="72000" bIns="72000" numCol="1" spcCol="0" rtlCol="0" fromWordArt="0" anchor="t" anchorCtr="0" forceAA="0" compatLnSpc="1">
+            <a:prstTxWarp prst="textNoShape">
+              <a:avLst/>
+            </a:prstTxWarp>
+            <a:noAutofit/>
+          </a:bodyPr>
+          <a:lstStyle/>
+          <a:p>
+            <a:pPr marL="180975" indent="-180975" algn="ctr" eaLnBrk="0" hangingPunct="0">
+              <a:buClr>
+                <a:schemeClr val="bg1"/>
+              </a:buClr>
+              <a:buFont typeface="Arial" pitchFamily="34" charset="0"/>
+              <a:buChar char="–"/>
+            </a:pPr>
+            <a:endParaRPr lang="en-US" sz="1200" b="1" kern="0" dirty="0" err="1">
+              <a:solidFill>
+                <a:srgbClr val="FFC000"/>
+              </a:solidFill>
+              <a:latin typeface="Arial"/>
+            </a:endParaRPr>
+          </a:p>
+        </p:txBody>
+      </p:sp>
+      <p:sp>
+        <p:nvSpPr>
+          <p:cNvPr id="16" name="Oval 15"/>
+          <p:cNvSpPr/>
+          <p:nvPr/>
+        </p:nvSpPr>
+        <p:spPr bwMode="auto">
+          <a:xfrm rot="15203297">
+            <a:off x="3788476" y="1352354"/>
+            <a:ext cx="466560" cy="1128572"/>
+          </a:xfrm>
+          <a:prstGeom prst="ellipse">
+            <a:avLst/>
+          </a:prstGeom>
+          <a:noFill/>
+          <a:ln w="19050">
+            <a:solidFill>
+              <a:srgbClr val="FF0066"/>
+            </a:solidFill>
+            <a:headEnd/>
+            <a:tailEnd/>
+          </a:ln>
+          <a:effectLst/>
+        </p:spPr>
+        <p:style>
+          <a:lnRef idx="1">
+            <a:schemeClr val="accent1"/>
+          </a:lnRef>
+          <a:fillRef idx="3">
+            <a:schemeClr val="accent1"/>
+          </a:fillRef>
+          <a:effectRef idx="2">
+            <a:schemeClr val="accent1"/>
+          </a:effectRef>
+          <a:fontRef idx="minor">
+            <a:schemeClr val="lt1"/>
+          </a:fontRef>
+        </p:style>
+        <p:txBody>
+          <a:bodyPr rot="0" spcFirstLastPara="0" vertOverflow="overflow" horzOverflow="overflow" vert="horz" wrap="square" lIns="72000" tIns="72000" rIns="72000" bIns="72000" numCol="1" spcCol="0" rtlCol="0" fromWordArt="0" anchor="t" anchorCtr="0" forceAA="0" compatLnSpc="1">
+            <a:prstTxWarp prst="textNoShape">
+              <a:avLst/>
+            </a:prstTxWarp>
+            <a:noAutofit/>
+          </a:bodyPr>
+          <a:lstStyle/>
+          <a:p>
+            <a:pPr marL="180975" indent="-180975" algn="ctr" eaLnBrk="0" hangingPunct="0">
+              <a:buClr>
+                <a:schemeClr val="bg1"/>
+              </a:buClr>
+              <a:buFont typeface="Arial" pitchFamily="34" charset="0"/>
+              <a:buChar char="–"/>
+            </a:pPr>
+            <a:endParaRPr lang="en-US" sz="1200" b="1" kern="0" dirty="0" err="1">
+              <a:solidFill>
+                <a:srgbClr val="FFFFFF"/>
+              </a:solidFill>
+              <a:latin typeface="Arial"/>
+            </a:endParaRPr>
+          </a:p>
+        </p:txBody>
+      </p:sp>
+      <p:sp>
+        <p:nvSpPr>
+          <p:cNvPr id="17" name="Rectangle 16"/>
+          <p:cNvSpPr/>
+          <p:nvPr/>
+        </p:nvSpPr>
+        <p:spPr bwMode="auto">
+          <a:xfrm>
+            <a:off x="9286876" y="4486657"/>
+            <a:ext cx="1247775" cy="1209675"/>
+          </a:xfrm>
+          <a:prstGeom prst="rect">
+            <a:avLst/>
+          </a:prstGeom>
+          <a:solidFill>
+            <a:schemeClr val="bg1"/>
+          </a:solidFill>
+          <a:ln>
+            <a:noFill/>
+            <a:headEnd/>
+            <a:tailEnd/>
+          </a:ln>
+          <a:effectLst/>
+        </p:spPr>
+        <p:style>
+          <a:lnRef idx="1">
+            <a:schemeClr val="accent1"/>
+          </a:lnRef>
+          <a:fillRef idx="3">
+            <a:schemeClr val="accent1"/>
+          </a:fillRef>
+          <a:effectRef idx="2">
+            <a:schemeClr val="accent1"/>
+          </a:effectRef>
+          <a:fontRef idx="minor">
+            <a:schemeClr val="lt1"/>
+          </a:fontRef>
+        </p:style>
+        <p:txBody>
+          <a:bodyPr rot="0" spcFirstLastPara="0" vertOverflow="overflow" horzOverflow="overflow" vert="horz" wrap="square" lIns="72000" tIns="72000" rIns="72000" bIns="72000" numCol="1" spcCol="0" rtlCol="0" fromWordArt="0" anchor="t" anchorCtr="0" forceAA="0" compatLnSpc="1">
+            <a:prstTxWarp prst="textNoShape">
+              <a:avLst/>
+            </a:prstTxWarp>
+            <a:noAutofit/>
+          </a:bodyPr>
+          <a:lstStyle/>
+          <a:p>
+            <a:pPr marL="180975" indent="-180975" algn="ctr" eaLnBrk="0" hangingPunct="0">
+              <a:buClr>
+                <a:schemeClr val="bg1"/>
+              </a:buClr>
+              <a:buFont typeface="Arial" pitchFamily="34" charset="0"/>
+              <a:buChar char="–"/>
+            </a:pPr>
+            <a:endParaRPr lang="en-US" sz="1200" b="1" kern="0" dirty="0" err="1">
+              <a:solidFill>
+                <a:srgbClr val="FFFFFF"/>
+              </a:solidFill>
+              <a:latin typeface="Arial"/>
+            </a:endParaRPr>
+          </a:p>
+        </p:txBody>
+      </p:sp>
+      <p:sp>
+        <p:nvSpPr>
+          <p:cNvPr id="20" name="TextBox 19"/>
+          <p:cNvSpPr txBox="1"/>
+          <p:nvPr/>
+        </p:nvSpPr>
+        <p:spPr>
+          <a:xfrm>
+            <a:off x="4481885" y="5962650"/>
+            <a:ext cx="3776290" cy="338554"/>
+          </a:xfrm>
+          <a:prstGeom prst="rect">
+            <a:avLst/>
+          </a:prstGeom>
+          <a:noFill/>
+        </p:spPr>
+        <p:txBody>
+          <a:bodyPr wrap="square" rtlCol="0">
+            <a:spAutoFit/>
+          </a:bodyPr>
+          <a:lstStyle/>
+          <a:p>
+            <a:pPr marL="171450" indent="-171450">
+              <a:buClr>
+                <a:schemeClr val="tx1"/>
+              </a:buClr>
+            </a:pPr>
+            <a:r>
+              <a:rPr lang="en-US" sz="1600" b="1" dirty="0"/>
+              <a:t>pXC50 in 3D7 (PF susceptible strain)</a:t>
+            </a:r>
+          </a:p>
+        </p:txBody>
+      </p:sp>
+      <p:sp>
+        <p:nvSpPr>
+          <p:cNvPr id="21" name="TextBox 20"/>
+          <p:cNvSpPr txBox="1"/>
+          <p:nvPr/>
+        </p:nvSpPr>
+        <p:spPr>
+          <a:xfrm rot="16200000">
+            <a:off x="1846810" y="3470233"/>
+            <a:ext cx="471874" cy="338554"/>
+          </a:xfrm>
+          <a:prstGeom prst="rect">
+            <a:avLst/>
+          </a:prstGeom>
+          <a:noFill/>
+        </p:spPr>
+        <p:txBody>
+          <a:bodyPr wrap="square" rtlCol="0">
+            <a:spAutoFit/>
+          </a:bodyPr>
+          <a:lstStyle/>
+          <a:p>
+            <a:pPr marL="171450" indent="-171450">
+              <a:buClr>
+                <a:schemeClr val="tx1"/>
+              </a:buClr>
+            </a:pPr>
+            <a:r>
+              <a:rPr lang="en-US" sz="1600" b="1" dirty="0"/>
+              <a:t>IFI</a:t>
+            </a:r>
+          </a:p>
+        </p:txBody>
+      </p:sp>
+      <p:sp>
+        <p:nvSpPr>
+          <p:cNvPr id="25" name="TextBox 24"/>
+          <p:cNvSpPr txBox="1"/>
+          <p:nvPr/>
+        </p:nvSpPr>
+        <p:spPr>
+          <a:xfrm>
+            <a:off x="1821706" y="1084519"/>
+            <a:ext cx="3094074" cy="523220"/>
+          </a:xfrm>
+          <a:prstGeom prst="rect">
+            <a:avLst/>
+          </a:prstGeom>
+          <a:noFill/>
+        </p:spPr>
+        <p:txBody>
+          <a:bodyPr wrap="square" rtlCol="0">
+            <a:spAutoFit/>
+          </a:bodyPr>
+          <a:lstStyle/>
+          <a:p>
+            <a:pPr marL="171450" indent="-171450">
+              <a:buClr>
+                <a:schemeClr val="tx1"/>
+              </a:buClr>
+            </a:pPr>
+            <a:r>
+              <a:rPr lang="en-US" sz="1400" dirty="0"/>
+              <a:t>Each </a:t>
+            </a:r>
+            <a:r>
+              <a:rPr lang="en-US" sz="1400" u="sng" dirty="0"/>
+              <a:t>pie</a:t>
+            </a:r>
+            <a:r>
+              <a:rPr lang="en-US" sz="1400" dirty="0"/>
+              <a:t> is one </a:t>
+            </a:r>
+            <a:r>
+              <a:rPr lang="en-US" sz="1400" i="1" dirty="0"/>
+              <a:t>compound</a:t>
+            </a:r>
+          </a:p>
+          <a:p>
+            <a:pPr marL="171450" indent="-171450">
+              <a:buClr>
+                <a:schemeClr val="tx1"/>
+              </a:buClr>
+            </a:pPr>
+            <a:r>
+              <a:rPr lang="en-US" sz="1400" dirty="0"/>
+              <a:t>Each </a:t>
+            </a:r>
+            <a:r>
+              <a:rPr lang="en-US" sz="1400" u="sng" dirty="0"/>
+              <a:t>sector/color</a:t>
+            </a:r>
+            <a:r>
+              <a:rPr lang="en-US" sz="1400" dirty="0"/>
+              <a:t> is one </a:t>
+            </a:r>
+            <a:r>
+              <a:rPr lang="en-US" sz="1400" i="1" dirty="0"/>
+              <a:t>scaffold</a:t>
+            </a:r>
+            <a:endParaRPr lang="en-US" sz="1400" dirty="0"/>
+          </a:p>
+        </p:txBody>
+      </p:sp>
+      <p:pic>
+        <p:nvPicPr>
+          <p:cNvPr id="27" name="Picture 26">
+            <a:extLst>
+              <a:ext uri="{FF2B5EF4-FFF2-40B4-BE49-F238E27FC236}">
+                <a16:creationId xmlns:a16="http://schemas.microsoft.com/office/drawing/2014/main" id="{F192E7D6-0878-4FC2-83D3-02A1B3E4A4B1}"/>
+              </a:ext>
+            </a:extLst>
+          </p:cNvPr>
+          <p:cNvPicPr>
+            <a:picLocks noChangeAspect="1"/>
+          </p:cNvPicPr>
+          <p:nvPr/>
+        </p:nvPicPr>
+        <p:blipFill rotWithShape="1">
+          <a:blip r:embed="rId3"/>
+          <a:srcRect l="85931" t="37005" r="2232" b="13447"/>
+          <a:stretch/>
+        </p:blipFill>
+        <p:spPr>
+          <a:xfrm>
+            <a:off x="5158374" y="1169465"/>
+            <a:ext cx="1082441" cy="2315929"/>
+          </a:xfrm>
+          <a:prstGeom prst="rect">
+            <a:avLst/>
+          </a:prstGeom>
+          <a:ln>
+            <a:solidFill>
+              <a:schemeClr val="bg1">
+                <a:lumMod val="65000"/>
+              </a:schemeClr>
+            </a:solidFill>
+          </a:ln>
+        </p:spPr>
+      </p:pic>
+      <p:sp>
+        <p:nvSpPr>
+          <p:cNvPr id="4" name="Oval 3">
+            <a:extLst>
+              <a:ext uri="{FF2B5EF4-FFF2-40B4-BE49-F238E27FC236}">
+                <a16:creationId xmlns:a16="http://schemas.microsoft.com/office/drawing/2014/main" id="{3477CB14-8C3B-49D9-9840-566F8B36F630}"/>
+              </a:ext>
+            </a:extLst>
+          </p:cNvPr>
+          <p:cNvSpPr/>
+          <p:nvPr/>
+        </p:nvSpPr>
+        <p:spPr bwMode="auto">
+          <a:xfrm>
+            <a:off x="6395155" y="4532605"/>
+            <a:ext cx="146304" cy="146304"/>
+          </a:xfrm>
+          <a:prstGeom prst="ellipse">
+            <a:avLst/>
+          </a:prstGeom>
+          <a:noFill/>
+          <a:ln w="28575">
+            <a:solidFill>
+              <a:srgbClr val="002060"/>
+            </a:solidFill>
+            <a:headEnd/>
+            <a:tailEnd/>
+          </a:ln>
+          <a:effectLst/>
+        </p:spPr>
+        <p:style>
+          <a:lnRef idx="1">
+            <a:schemeClr val="accent1"/>
+          </a:lnRef>
+          <a:fillRef idx="3">
+            <a:schemeClr val="accent1"/>
+          </a:fillRef>
+          <a:effectRef idx="2">
+            <a:schemeClr val="accent1"/>
+          </a:effectRef>
+          <a:fontRef idx="minor">
+            <a:schemeClr val="lt1"/>
+          </a:fontRef>
+        </p:style>
+        <p:txBody>
+          <a:bodyPr rot="0" spcFirstLastPara="0" vertOverflow="overflow" horzOverflow="overflow" vert="horz" wrap="square" lIns="72000" tIns="72000" rIns="72000" bIns="72000" numCol="1" spcCol="0" rtlCol="0" fromWordArt="0" anchor="t" anchorCtr="0" forceAA="0" compatLnSpc="1">
+            <a:prstTxWarp prst="textNoShape">
+              <a:avLst/>
+            </a:prstTxWarp>
+            <a:noAutofit/>
+          </a:bodyPr>
+          <a:lstStyle/>
+          <a:p>
+            <a:pPr marL="180975" indent="-180975" algn="ctr" eaLnBrk="0" hangingPunct="0">
+              <a:buClr>
+                <a:schemeClr val="bg1"/>
+              </a:buClr>
+              <a:buFont typeface="Arial" pitchFamily="34" charset="0"/>
+              <a:buChar char="–"/>
+            </a:pPr>
+            <a:endParaRPr lang="en-US" sz="1200" b="1" kern="0" dirty="0" err="1">
+              <a:solidFill>
+                <a:srgbClr val="FFFFFF"/>
+              </a:solidFill>
+              <a:latin typeface="Arial"/>
+            </a:endParaRPr>
+          </a:p>
+        </p:txBody>
+      </p:sp>
+      <p:sp>
+        <p:nvSpPr>
+          <p:cNvPr id="29" name="Oval 28">
+            <a:extLst>
+              <a:ext uri="{FF2B5EF4-FFF2-40B4-BE49-F238E27FC236}">
+                <a16:creationId xmlns:a16="http://schemas.microsoft.com/office/drawing/2014/main" id="{12A3982C-5D38-4583-BC50-40DC654FD093}"/>
+              </a:ext>
+            </a:extLst>
+          </p:cNvPr>
+          <p:cNvSpPr/>
+          <p:nvPr/>
+        </p:nvSpPr>
+        <p:spPr bwMode="auto">
+          <a:xfrm>
+            <a:off x="7655566" y="5136542"/>
+            <a:ext cx="164592" cy="164592"/>
+          </a:xfrm>
+          <a:prstGeom prst="ellipse">
+            <a:avLst/>
+          </a:prstGeom>
+          <a:noFill/>
+          <a:ln w="28575">
+            <a:solidFill>
+              <a:srgbClr val="002060"/>
+            </a:solidFill>
+            <a:headEnd/>
+            <a:tailEnd/>
+          </a:ln>
+          <a:effectLst/>
+        </p:spPr>
+        <p:style>
+          <a:lnRef idx="1">
+            <a:schemeClr val="accent1"/>
+          </a:lnRef>
+          <a:fillRef idx="3">
+            <a:schemeClr val="accent1"/>
+          </a:fillRef>
+          <a:effectRef idx="2">
+            <a:schemeClr val="accent1"/>
+          </a:effectRef>
+          <a:fontRef idx="minor">
+            <a:schemeClr val="lt1"/>
+          </a:fontRef>
+        </p:style>
+        <p:txBody>
+          <a:bodyPr rot="0" spcFirstLastPara="0" vertOverflow="overflow" horzOverflow="overflow" vert="horz" wrap="square" lIns="72000" tIns="72000" rIns="72000" bIns="72000" numCol="1" spcCol="0" rtlCol="0" fromWordArt="0" anchor="t" anchorCtr="0" forceAA="0" compatLnSpc="1">
+            <a:prstTxWarp prst="textNoShape">
+              <a:avLst/>
+            </a:prstTxWarp>
+            <a:noAutofit/>
+          </a:bodyPr>
+          <a:lstStyle/>
+          <a:p>
+            <a:pPr marL="180975" indent="-180975" algn="ctr" eaLnBrk="0" hangingPunct="0">
+              <a:buClr>
+                <a:schemeClr val="bg1"/>
+              </a:buClr>
+              <a:buFont typeface="Arial" pitchFamily="34" charset="0"/>
+              <a:buChar char="–"/>
+            </a:pPr>
+            <a:endParaRPr lang="en-US" sz="1200" b="1" kern="0" dirty="0" err="1">
+              <a:solidFill>
+                <a:srgbClr val="FFFFFF"/>
+              </a:solidFill>
+              <a:latin typeface="Arial"/>
+            </a:endParaRPr>
+          </a:p>
+        </p:txBody>
+      </p:sp>
+      <p:sp>
+        <p:nvSpPr>
+          <p:cNvPr id="30" name="Oval 29">
+            <a:extLst>
+              <a:ext uri="{FF2B5EF4-FFF2-40B4-BE49-F238E27FC236}">
+                <a16:creationId xmlns:a16="http://schemas.microsoft.com/office/drawing/2014/main" id="{467304A6-828F-4451-BF8A-3127EC47ED43}"/>
+              </a:ext>
+            </a:extLst>
+          </p:cNvPr>
+          <p:cNvSpPr/>
+          <p:nvPr/>
+        </p:nvSpPr>
+        <p:spPr bwMode="auto">
+          <a:xfrm>
+            <a:off x="8921152" y="4462005"/>
+            <a:ext cx="146304" cy="146304"/>
+          </a:xfrm>
+          <a:prstGeom prst="ellipse">
+            <a:avLst/>
+          </a:prstGeom>
+          <a:noFill/>
+          <a:ln w="28575">
+            <a:solidFill>
+              <a:srgbClr val="002060"/>
+            </a:solidFill>
+            <a:headEnd/>
+            <a:tailEnd/>
+          </a:ln>
+          <a:effectLst/>
+        </p:spPr>
+        <p:style>
+          <a:lnRef idx="1">
+            <a:schemeClr val="accent1"/>
+          </a:lnRef>
+          <a:fillRef idx="3">
+            <a:schemeClr val="accent1"/>
+          </a:fillRef>
+          <a:effectRef idx="2">
+            <a:schemeClr val="accent1"/>
+          </a:effectRef>
+          <a:fontRef idx="minor">
+            <a:schemeClr val="lt1"/>
+          </a:fontRef>
+        </p:style>
+        <p:txBody>
+          <a:bodyPr rot="0" spcFirstLastPara="0" vertOverflow="overflow" horzOverflow="overflow" vert="horz" wrap="square" lIns="72000" tIns="72000" rIns="72000" bIns="72000" numCol="1" spcCol="0" rtlCol="0" fromWordArt="0" anchor="t" anchorCtr="0" forceAA="0" compatLnSpc="1">
+            <a:prstTxWarp prst="textNoShape">
+              <a:avLst/>
+            </a:prstTxWarp>
+            <a:noAutofit/>
+          </a:bodyPr>
+          <a:lstStyle/>
+          <a:p>
+            <a:pPr marL="180975" indent="-180975" algn="ctr" eaLnBrk="0" hangingPunct="0">
+              <a:buClr>
+                <a:schemeClr val="bg1"/>
+              </a:buClr>
+              <a:buFont typeface="Arial" pitchFamily="34" charset="0"/>
+              <a:buChar char="–"/>
+            </a:pPr>
+            <a:endParaRPr lang="en-US" sz="1200" b="1" kern="0" dirty="0" err="1">
+              <a:solidFill>
+                <a:srgbClr val="FFFFFF"/>
+              </a:solidFill>
+              <a:latin typeface="Arial"/>
+            </a:endParaRPr>
+          </a:p>
+        </p:txBody>
+      </p:sp>
+      <p:sp>
+        <p:nvSpPr>
+          <p:cNvPr id="6" name="Title 5">
+            <a:extLst>
+              <a:ext uri="{FF2B5EF4-FFF2-40B4-BE49-F238E27FC236}">
+                <a16:creationId xmlns:a16="http://schemas.microsoft.com/office/drawing/2014/main" id="{045F1D7B-FE6B-48DD-BC3A-72CCD1A68C2E}"/>
+              </a:ext>
+            </a:extLst>
+          </p:cNvPr>
+          <p:cNvSpPr>
+            <a:spLocks noGrp="1"/>
+          </p:cNvSpPr>
+          <p:nvPr>
+            <p:ph type="title"/>
+          </p:nvPr>
+        </p:nvSpPr>
+        <p:spPr>
+          <a:xfrm>
+            <a:off x="0" y="-17181"/>
+            <a:ext cx="10515600" cy="1325563"/>
+          </a:xfrm>
+        </p:spPr>
+        <p:txBody>
+          <a:bodyPr/>
+          <a:lstStyle/>
+          <a:p>
+            <a:r>
+              <a:rPr lang="en-US" dirty="0"/>
+              <a:t>Fig8</a:t>
+            </a:r>
+          </a:p>
+        </p:txBody>
+      </p:sp>
+      <p:sp>
+        <p:nvSpPr>
+          <p:cNvPr id="13" name="Rectangle 12">
+            <a:extLst>
+              <a:ext uri="{FF2B5EF4-FFF2-40B4-BE49-F238E27FC236}">
+                <a16:creationId xmlns:a16="http://schemas.microsoft.com/office/drawing/2014/main" id="{741E54B0-FE32-4A06-8474-FE405AABE83A}"/>
+              </a:ext>
+            </a:extLst>
+          </p:cNvPr>
+          <p:cNvSpPr/>
+          <p:nvPr/>
+        </p:nvSpPr>
+        <p:spPr>
+          <a:xfrm>
+            <a:off x="6560288" y="1597742"/>
+            <a:ext cx="1095278" cy="2934863"/>
+          </a:xfrm>
+          <a:prstGeom prst="rect">
+            <a:avLst/>
+          </a:prstGeom>
+          <a:noFill/>
+          <a:ln>
+            <a:solidFill>
+              <a:schemeClr val="tx1"/>
+            </a:solidFill>
+          </a:ln>
+        </p:spPr>
+        <p:style>
+          <a:lnRef idx="2">
+            <a:schemeClr val="accent1">
+              <a:shade val="50000"/>
+            </a:schemeClr>
+          </a:lnRef>
+          <a:fillRef idx="1">
+            <a:schemeClr val="accent1"/>
+          </a:fillRef>
+          <a:effectRef idx="0">
+            <a:schemeClr val="accent1"/>
+          </a:effectRef>
+          <a:fontRef idx="minor">
+            <a:schemeClr val="lt1"/>
+          </a:fontRef>
+        </p:style>
+        <p:txBody>
+          <a:bodyPr rtlCol="0" anchor="ctr"/>
+          <a:lstStyle/>
+          <a:p>
+            <a:pPr algn="ctr"/>
+            <a:endParaRPr lang="en-US"/>
+          </a:p>
+        </p:txBody>
+      </p:sp>
+      <p:sp>
+        <p:nvSpPr>
+          <p:cNvPr id="31" name="Rectangle 30">
+            <a:extLst>
+              <a:ext uri="{FF2B5EF4-FFF2-40B4-BE49-F238E27FC236}">
+                <a16:creationId xmlns:a16="http://schemas.microsoft.com/office/drawing/2014/main" id="{5AFC7976-C637-4DC8-99D0-5CCB8BC13D2E}"/>
+              </a:ext>
+            </a:extLst>
+          </p:cNvPr>
+          <p:cNvSpPr/>
+          <p:nvPr/>
+        </p:nvSpPr>
+        <p:spPr>
+          <a:xfrm>
+            <a:off x="7741388" y="2112092"/>
+            <a:ext cx="1095278" cy="2934863"/>
+          </a:xfrm>
+          <a:prstGeom prst="rect">
+            <a:avLst/>
+          </a:prstGeom>
+          <a:noFill/>
+          <a:ln>
+            <a:solidFill>
+              <a:schemeClr val="tx1"/>
+            </a:solidFill>
+          </a:ln>
+        </p:spPr>
+        <p:style>
+          <a:lnRef idx="2">
+            <a:schemeClr val="accent1">
+              <a:shade val="50000"/>
+            </a:schemeClr>
+          </a:lnRef>
+          <a:fillRef idx="1">
+            <a:schemeClr val="accent1"/>
+          </a:fillRef>
+          <a:effectRef idx="0">
+            <a:schemeClr val="accent1"/>
+          </a:effectRef>
+          <a:fontRef idx="minor">
+            <a:schemeClr val="lt1"/>
+          </a:fontRef>
+        </p:style>
+        <p:txBody>
+          <a:bodyPr rtlCol="0" anchor="ctr"/>
+          <a:lstStyle/>
+          <a:p>
+            <a:pPr algn="ctr"/>
+            <a:endParaRPr lang="en-US"/>
+          </a:p>
+        </p:txBody>
+      </p:sp>
+      <p:sp>
+        <p:nvSpPr>
+          <p:cNvPr id="32" name="Rectangle 31">
+            <a:extLst>
+              <a:ext uri="{FF2B5EF4-FFF2-40B4-BE49-F238E27FC236}">
+                <a16:creationId xmlns:a16="http://schemas.microsoft.com/office/drawing/2014/main" id="{51993F63-E421-4412-AE4D-7B69CC271290}"/>
+              </a:ext>
+            </a:extLst>
+          </p:cNvPr>
+          <p:cNvSpPr/>
+          <p:nvPr/>
+        </p:nvSpPr>
+        <p:spPr>
+          <a:xfrm>
+            <a:off x="9074888" y="1578692"/>
+            <a:ext cx="1095278" cy="2934863"/>
+          </a:xfrm>
+          <a:prstGeom prst="rect">
+            <a:avLst/>
+          </a:prstGeom>
+          <a:noFill/>
+          <a:ln>
+            <a:solidFill>
+              <a:schemeClr val="tx1"/>
+            </a:solidFill>
+          </a:ln>
+        </p:spPr>
+        <p:style>
+          <a:lnRef idx="2">
+            <a:schemeClr val="accent1">
+              <a:shade val="50000"/>
+            </a:schemeClr>
+          </a:lnRef>
+          <a:fillRef idx="1">
+            <a:schemeClr val="accent1"/>
+          </a:fillRef>
+          <a:effectRef idx="0">
+            <a:schemeClr val="accent1"/>
+          </a:effectRef>
+          <a:fontRef idx="minor">
+            <a:schemeClr val="lt1"/>
+          </a:fontRef>
+        </p:style>
+        <p:txBody>
+          <a:bodyPr rtlCol="0" anchor="ctr"/>
+          <a:lstStyle/>
+          <a:p>
+            <a:pPr algn="ctr"/>
+            <a:endParaRPr lang="en-US"/>
+          </a:p>
+        </p:txBody>
+      </p:sp>
+    </p:spTree>
+  </p:cSld>
+  <p:clrMapOvr>
+    <a:masterClrMapping/>
+  </p:clrMapOvr>
+  <p:timing>
+    <p:tnLst>
+      <p:par>
+        <p:cTn id="1" dur="indefinite" restart="never" nodeType="tmRoot">
+          <p:childTnLst>
+            <p:seq concurrent="1" nextAc="seek">
+              <p:cTn id="2" dur="indefinite" nodeType="mainSeq">
+                <p:childTnLst>
+                  <p:par>
+                    <p:cTn id="3" fill="hold">
+                      <p:stCondLst>
+                        <p:cond delay="indefinite"/>
+                      </p:stCondLst>
+                      <p:childTnLst>
+                        <p:par>
+                          <p:cTn id="4" fill="hold">
+                            <p:stCondLst>
+                              <p:cond delay="0"/>
+                            </p:stCondLst>
+                            <p:childTnLst>
+                              <p:par>
+                                <p:cTn id="5" presetID="1" presetClass="exit" presetSubtype="0" fill="hold" grpId="1" nodeType="clickEffect">
+                                  <p:stCondLst>
+                                    <p:cond delay="0"/>
+                                  </p:stCondLst>
+                                  <p:childTnLst>
+                                    <p:set>
+                                      <p:cBhvr>
+                                        <p:cTn id="6" dur="1" fill="hold">
+                                          <p:stCondLst>
+                                            <p:cond delay="0"/>
+                                          </p:stCondLst>
+                                        </p:cTn>
+                                        <p:tgtEl>
+                                          <p:spTgt spid="14"/>
+                                        </p:tgtEl>
+                                        <p:attrNameLst>
+                                          <p:attrName>style.visibility</p:attrName>
+                                        </p:attrNameLst>
+                                      </p:cBhvr>
+                                      <p:to>
+                                        <p:strVal val="hidden"/>
+                                      </p:to>
+                                    </p:set>
+                                  </p:childTnLst>
+                                </p:cTn>
+                              </p:par>
+                              <p:par>
+                                <p:cTn id="7" presetID="1" presetClass="entr" presetSubtype="0" fill="hold" grpId="0" nodeType="withEffect">
+                                  <p:stCondLst>
+                                    <p:cond delay="0"/>
+                                  </p:stCondLst>
+                                  <p:childTnLst>
+                                    <p:set>
+                                      <p:cBhvr>
+                                        <p:cTn id="8" dur="1" fill="hold">
+                                          <p:stCondLst>
+                                            <p:cond delay="0"/>
+                                          </p:stCondLst>
+                                        </p:cTn>
+                                        <p:tgtEl>
+                                          <p:spTgt spid="8"/>
+                                        </p:tgtEl>
+                                        <p:attrNameLst>
+                                          <p:attrName>style.visibility</p:attrName>
+                                        </p:attrNameLst>
+                                      </p:cBhvr>
+                                      <p:to>
+                                        <p:strVal val="visible"/>
+                                      </p:to>
+                                    </p:set>
+                                  </p:childTnLst>
+                                </p:cTn>
+                              </p:par>
+                              <p:par>
+                                <p:cTn id="9" presetID="1" presetClass="entr" presetSubtype="0" fill="hold" grpId="0" nodeType="withEffect">
+                                  <p:stCondLst>
+                                    <p:cond delay="0"/>
+                                  </p:stCondLst>
+                                  <p:childTnLst>
+                                    <p:set>
+                                      <p:cBhvr>
+                                        <p:cTn id="10" dur="1" fill="hold">
+                                          <p:stCondLst>
+                                            <p:cond delay="0"/>
+                                          </p:stCondLst>
+                                        </p:cTn>
+                                        <p:tgtEl>
+                                          <p:spTgt spid="14"/>
+                                        </p:tgtEl>
+                                        <p:attrNameLst>
+                                          <p:attrName>style.visibility</p:attrName>
+                                        </p:attrNameLst>
+                                      </p:cBhvr>
+                                      <p:to>
+                                        <p:strVal val="visible"/>
+                                      </p:to>
+                                    </p:set>
+                                  </p:childTnLst>
+                                </p:cTn>
+                              </p:par>
+                              <p:par>
+                                <p:cTn id="11" presetID="1" presetClass="entr" presetSubtype="0" fill="hold" grpId="0" nodeType="withEffect">
+                                  <p:stCondLst>
+                                    <p:cond delay="0"/>
+                                  </p:stCondLst>
+                                  <p:childTnLst>
+                                    <p:set>
+                                      <p:cBhvr>
+                                        <p:cTn id="12" dur="1" fill="hold">
+                                          <p:stCondLst>
+                                            <p:cond delay="0"/>
+                                          </p:stCondLst>
+                                        </p:cTn>
+                                        <p:tgtEl>
+                                          <p:spTgt spid="9"/>
+                                        </p:tgtEl>
+                                        <p:attrNameLst>
+                                          <p:attrName>style.visibility</p:attrName>
+                                        </p:attrNameLst>
+                                      </p:cBhvr>
+                                      <p:to>
+                                        <p:strVal val="visible"/>
+                                      </p:to>
+                                    </p:set>
+                                  </p:childTnLst>
+                                </p:cTn>
+                              </p:par>
+                              <p:par>
+                                <p:cTn id="13" presetID="1" presetClass="entr" presetSubtype="0" fill="hold" grpId="0" nodeType="withEffect">
+                                  <p:stCondLst>
+                                    <p:cond delay="0"/>
+                                  </p:stCondLst>
+                                  <p:childTnLst>
+                                    <p:set>
+                                      <p:cBhvr>
+                                        <p:cTn id="14" dur="1" fill="hold">
+                                          <p:stCondLst>
+                                            <p:cond delay="0"/>
+                                          </p:stCondLst>
+                                        </p:cTn>
+                                        <p:tgtEl>
+                                          <p:spTgt spid="15"/>
+                                        </p:tgtEl>
+                                        <p:attrNameLst>
+                                          <p:attrName>style.visibility</p:attrName>
+                                        </p:attrNameLst>
+                                      </p:cBhvr>
+                                      <p:to>
+                                        <p:strVal val="visible"/>
+                                      </p:to>
+                                    </p:set>
+                                  </p:childTnLst>
+                                </p:cTn>
+                              </p:par>
+                              <p:par>
+                                <p:cTn id="15" presetID="1" presetClass="exit" presetSubtype="0" fill="hold" grpId="0" nodeType="withEffect">
+                                  <p:stCondLst>
+                                    <p:cond delay="0"/>
+                                  </p:stCondLst>
+                                  <p:childTnLst>
+                                    <p:set>
+                                      <p:cBhvr>
+                                        <p:cTn id="16" dur="1" fill="hold">
+                                          <p:stCondLst>
+                                            <p:cond delay="0"/>
+                                          </p:stCondLst>
+                                        </p:cTn>
+                                        <p:tgtEl>
+                                          <p:spTgt spid="16"/>
+                                        </p:tgtEl>
+                                        <p:attrNameLst>
+                                          <p:attrName>style.visibility</p:attrName>
+                                        </p:attrNameLst>
+                                      </p:cBhvr>
+                                      <p:to>
+                                        <p:strVal val="hidden"/>
+                                      </p:to>
+                                    </p:set>
+                                  </p:childTnLst>
+                                </p:cTn>
+                              </p:par>
+                            </p:childTnLst>
+                          </p:cTn>
+                        </p:par>
+                      </p:childTnLst>
+                    </p:cTn>
+                  </p:par>
+                </p:childTnLst>
+              </p:cTn>
+              <p:prevCondLst>
+                <p:cond evt="onPrev" delay="0">
+                  <p:tgtEl>
+                    <p:sldTgt/>
+                  </p:tgtEl>
+                </p:cond>
+              </p:prevCondLst>
+              <p:nextCondLst>
+                <p:cond evt="onNext" delay="0">
+                  <p:tgtEl>
+                    <p:sldTgt/>
+                  </p:tgtEl>
+                </p:cond>
+              </p:nextCondLst>
+            </p:seq>
+          </p:childTnLst>
+        </p:cTn>
+      </p:par>
+    </p:tnLst>
+    <p:bldLst>
+      <p:bldP spid="8" grpId="0"/>
+      <p:bldP spid="9" grpId="0"/>
+      <p:bldP spid="14" grpId="0" animBg="1"/>
+      <p:bldP spid="14" grpId="1" animBg="1"/>
+      <p:bldP spid="15" grpId="0" animBg="1"/>
+      <p:bldP spid="16" grpId="0" animBg="1"/>
+    </p:bldLst>
+  </p:timing>
+</p:sld>
+</file>
+
+<file path=ppt/slides/slide9.xml><?xml version="1.0" encoding="utf-8"?>
+<p:sld xmlns:a="http://schemas.openxmlformats.org/drawingml/2006/main" xmlns:r="http://schemas.openxmlformats.org/officeDocument/2006/relationships" xmlns:p="http://schemas.openxmlformats.org/presentationml/2006/main">
+  <p:cSld>
+    <p:spTree>
+      <p:nvGrpSpPr>
+        <p:cNvPr id="1" name=""/>
+        <p:cNvGrpSpPr/>
+        <p:nvPr/>
+      </p:nvGrpSpPr>
+      <p:grpSpPr>
+        <a:xfrm>
+          <a:off x="0" y="0"/>
+          <a:ext cx="0" cy="0"/>
+          <a:chOff x="0" y="0"/>
+          <a:chExt cx="0" cy="0"/>
+        </a:xfrm>
+      </p:grpSpPr>
+      <p:pic>
+        <p:nvPicPr>
+          <p:cNvPr id="10" name="Picture 9">
+            <a:extLst>
+              <a:ext uri="{FF2B5EF4-FFF2-40B4-BE49-F238E27FC236}">
+                <a16:creationId xmlns:a16="http://schemas.microsoft.com/office/drawing/2014/main" id="{497C74AC-CDDE-41D4-8E0C-47A736284F7C}"/>
+              </a:ext>
+            </a:extLst>
+          </p:cNvPr>
+          <p:cNvPicPr>
+            <a:picLocks noChangeAspect="1"/>
+          </p:cNvPicPr>
+          <p:nvPr/>
+        </p:nvPicPr>
+        <p:blipFill rotWithShape="1">
+          <a:blip r:embed="rId3"/>
+          <a:srcRect l="7913" t="2901" r="33478"/>
+          <a:stretch/>
+        </p:blipFill>
+        <p:spPr>
+          <a:xfrm>
+            <a:off x="2425083" y="1246196"/>
+            <a:ext cx="5359179" cy="4807093"/>
+          </a:xfrm>
+          <a:prstGeom prst="rect">
+            <a:avLst/>
+          </a:prstGeom>
+        </p:spPr>
+      </p:pic>
+      <p:sp>
+        <p:nvSpPr>
+          <p:cNvPr id="2" name="Title 1"/>
+          <p:cNvSpPr>
+            <a:spLocks noGrp="1"/>
+          </p:cNvSpPr>
+          <p:nvPr>
+            <p:ph type="title"/>
+          </p:nvPr>
+        </p:nvSpPr>
+        <p:spPr>
+          <a:xfrm>
+            <a:off x="1889124" y="294810"/>
+            <a:ext cx="7805099" cy="338554"/>
+          </a:xfrm>
+        </p:spPr>
+        <p:txBody>
+          <a:bodyPr>
+            <a:normAutofit fontScale="90000"/>
+          </a:bodyPr>
+          <a:lstStyle/>
+          <a:p>
+            <a:r>
+              <a:rPr lang="en-US" dirty="0"/>
+              <a:t>Stats FW A vs RGT B</a:t>
+            </a:r>
+          </a:p>
+        </p:txBody>
+      </p:sp>
+      <p:sp>
+        <p:nvSpPr>
+          <p:cNvPr id="5" name="Slide Number Placeholder 4"/>
+          <p:cNvSpPr>
+            <a:spLocks noGrp="1"/>
+          </p:cNvSpPr>
+          <p:nvPr>
+            <p:ph type="sldNum" sz="quarter" idx="17"/>
+          </p:nvPr>
+        </p:nvSpPr>
+        <p:spPr/>
+        <p:txBody>
+          <a:bodyPr/>
+          <a:lstStyle/>
+          <a:p>
+            <a:fld id="{0A838F34-1B32-4019-A24D-EF473E6901BC}" type="slidenum">
+              <a:rPr lang="en-US" smtClean="0">
+                <a:solidFill>
+                  <a:srgbClr val="9A8B7D"/>
+                </a:solidFill>
+              </a:rPr>
+              <a:pPr/>
+              <a:t>9</a:t>
+            </a:fld>
+            <a:endParaRPr lang="en-US">
+              <a:solidFill>
+                <a:srgbClr val="9A8B7D"/>
+              </a:solidFill>
+            </a:endParaRPr>
+          </a:p>
+        </p:txBody>
+      </p:sp>
+      <p:cxnSp>
+        <p:nvCxnSpPr>
+          <p:cNvPr id="174081" name="Straight Connector 174080">
+            <a:extLst>
+              <a:ext uri="{FF2B5EF4-FFF2-40B4-BE49-F238E27FC236}">
+                <a16:creationId xmlns:a16="http://schemas.microsoft.com/office/drawing/2014/main" id="{21C181BB-6BFE-4304-98E5-36B39CF330BF}"/>
+              </a:ext>
+            </a:extLst>
+          </p:cNvPr>
+          <p:cNvCxnSpPr>
+            <a:cxnSpLocks/>
+          </p:cNvCxnSpPr>
+          <p:nvPr/>
+        </p:nvCxnSpPr>
+        <p:spPr>
+          <a:xfrm flipV="1">
+            <a:off x="3281239" y="1439187"/>
+            <a:ext cx="1143703" cy="2"/>
+          </a:xfrm>
+          <a:prstGeom prst="line">
+            <a:avLst/>
+          </a:prstGeom>
+          <a:ln>
+            <a:solidFill>
+              <a:schemeClr val="tx1">
+                <a:lumMod val="50000"/>
+              </a:schemeClr>
+            </a:solidFill>
+          </a:ln>
+        </p:spPr>
+        <p:style>
+          <a:lnRef idx="1">
+            <a:schemeClr val="accent1"/>
+          </a:lnRef>
+          <a:fillRef idx="0">
+            <a:schemeClr val="accent1"/>
+          </a:fillRef>
+          <a:effectRef idx="0">
+            <a:schemeClr val="accent1"/>
+          </a:effectRef>
+          <a:fontRef idx="minor">
+            <a:schemeClr val="tx1"/>
+          </a:fontRef>
+        </p:style>
+      </p:cxnSp>
+      <p:pic>
+        <p:nvPicPr>
+          <p:cNvPr id="41" name="Picture 40">
+            <a:extLst>
+              <a:ext uri="{FF2B5EF4-FFF2-40B4-BE49-F238E27FC236}">
+                <a16:creationId xmlns:a16="http://schemas.microsoft.com/office/drawing/2014/main" id="{268AAA76-884A-4E25-B277-C0EEACC4AAA7}"/>
+              </a:ext>
+            </a:extLst>
+          </p:cNvPr>
+          <p:cNvPicPr>
+            <a:picLocks noChangeAspect="1"/>
+          </p:cNvPicPr>
+          <p:nvPr/>
+        </p:nvPicPr>
+        <p:blipFill rotWithShape="1">
+          <a:blip r:embed="rId4"/>
+          <a:srcRect l="-376" t="45325" r="97854" b="47342"/>
+          <a:stretch/>
+        </p:blipFill>
+        <p:spPr>
+          <a:xfrm>
+            <a:off x="1857957" y="2432586"/>
+            <a:ext cx="408101" cy="652959"/>
+          </a:xfrm>
+          <a:prstGeom prst="rect">
+            <a:avLst/>
+          </a:prstGeom>
+        </p:spPr>
+      </p:pic>
+      <p:cxnSp>
+        <p:nvCxnSpPr>
+          <p:cNvPr id="42" name="Straight Connector 41">
+            <a:extLst>
+              <a:ext uri="{FF2B5EF4-FFF2-40B4-BE49-F238E27FC236}">
+                <a16:creationId xmlns:a16="http://schemas.microsoft.com/office/drawing/2014/main" id="{4AB7C522-5718-4E5B-B0B6-0F575E7B572B}"/>
+              </a:ext>
+            </a:extLst>
+          </p:cNvPr>
+          <p:cNvCxnSpPr>
+            <a:cxnSpLocks/>
+          </p:cNvCxnSpPr>
+          <p:nvPr/>
+        </p:nvCxnSpPr>
+        <p:spPr>
+          <a:xfrm>
+            <a:off x="2425083" y="5214068"/>
+            <a:ext cx="681229" cy="89453"/>
+          </a:xfrm>
+          <a:prstGeom prst="line">
+            <a:avLst/>
+          </a:prstGeom>
+          <a:ln>
+            <a:solidFill>
+              <a:schemeClr val="tx1">
+                <a:lumMod val="50000"/>
+              </a:schemeClr>
+            </a:solidFill>
+          </a:ln>
+        </p:spPr>
+        <p:style>
+          <a:lnRef idx="1">
+            <a:schemeClr val="accent1"/>
+          </a:lnRef>
+          <a:fillRef idx="0">
+            <a:schemeClr val="accent1"/>
+          </a:fillRef>
+          <a:effectRef idx="0">
+            <a:schemeClr val="accent1"/>
+          </a:effectRef>
+          <a:fontRef idx="minor">
+            <a:schemeClr val="tx1"/>
+          </a:fontRef>
+        </p:style>
+      </p:cxnSp>
+      <p:cxnSp>
+        <p:nvCxnSpPr>
+          <p:cNvPr id="51" name="Straight Connector 50">
+            <a:extLst>
+              <a:ext uri="{FF2B5EF4-FFF2-40B4-BE49-F238E27FC236}">
+                <a16:creationId xmlns:a16="http://schemas.microsoft.com/office/drawing/2014/main" id="{289D2DB0-E3D0-4761-AE8A-0E92CD1C25D0}"/>
+              </a:ext>
+            </a:extLst>
+          </p:cNvPr>
+          <p:cNvCxnSpPr>
+            <a:cxnSpLocks/>
+          </p:cNvCxnSpPr>
+          <p:nvPr/>
+        </p:nvCxnSpPr>
+        <p:spPr>
+          <a:xfrm>
+            <a:off x="7410893" y="4811725"/>
+            <a:ext cx="104439" cy="346503"/>
+          </a:xfrm>
+          <a:prstGeom prst="line">
+            <a:avLst/>
+          </a:prstGeom>
+          <a:ln>
+            <a:solidFill>
+              <a:schemeClr val="tx1">
+                <a:lumMod val="50000"/>
+              </a:schemeClr>
+            </a:solidFill>
+          </a:ln>
+        </p:spPr>
+        <p:style>
+          <a:lnRef idx="1">
+            <a:schemeClr val="accent1"/>
+          </a:lnRef>
+          <a:fillRef idx="0">
+            <a:schemeClr val="accent1"/>
+          </a:fillRef>
+          <a:effectRef idx="0">
+            <a:schemeClr val="accent1"/>
+          </a:effectRef>
+          <a:fontRef idx="minor">
+            <a:schemeClr val="tx1"/>
+          </a:fontRef>
+        </p:style>
+      </p:cxnSp>
+      <p:pic>
+        <p:nvPicPr>
+          <p:cNvPr id="7" name="Picture 6">
+            <a:extLst>
+              <a:ext uri="{FF2B5EF4-FFF2-40B4-BE49-F238E27FC236}">
+                <a16:creationId xmlns:a16="http://schemas.microsoft.com/office/drawing/2014/main" id="{080E286B-AF01-4BC2-955C-F2C011ED12A1}"/>
+              </a:ext>
+            </a:extLst>
+          </p:cNvPr>
+          <p:cNvPicPr>
+            <a:picLocks noChangeAspect="1"/>
+          </p:cNvPicPr>
+          <p:nvPr/>
+        </p:nvPicPr>
+        <p:blipFill rotWithShape="1">
+          <a:blip r:embed="rId5"/>
+          <a:srcRect l="58850" t="22815" r="6941" b="14132"/>
+          <a:stretch/>
+        </p:blipFill>
+        <p:spPr>
+          <a:xfrm>
+            <a:off x="5511249" y="1233928"/>
+            <a:ext cx="2253404" cy="2248773"/>
+          </a:xfrm>
+          <a:prstGeom prst="rect">
+            <a:avLst/>
+          </a:prstGeom>
+          <a:ln>
+            <a:solidFill>
+              <a:schemeClr val="tx2"/>
+            </a:solidFill>
+          </a:ln>
+        </p:spPr>
+      </p:pic>
+      <p:sp>
+        <p:nvSpPr>
+          <p:cNvPr id="3" name="Rectangle 2">
+            <a:extLst>
+              <a:ext uri="{FF2B5EF4-FFF2-40B4-BE49-F238E27FC236}">
+                <a16:creationId xmlns:a16="http://schemas.microsoft.com/office/drawing/2014/main" id="{1950140E-C8EF-4056-B91D-FA2F750D3064}"/>
+              </a:ext>
+            </a:extLst>
+          </p:cNvPr>
+          <p:cNvSpPr/>
+          <p:nvPr/>
+        </p:nvSpPr>
+        <p:spPr>
+          <a:xfrm>
+            <a:off x="1419225" y="3581400"/>
+            <a:ext cx="1005858" cy="1632668"/>
+          </a:xfrm>
+          <a:prstGeom prst="rect">
+            <a:avLst/>
+          </a:prstGeom>
+          <a:noFill/>
+          <a:ln>
+            <a:solidFill>
+              <a:schemeClr val="tx1">
+                <a:lumMod val="50000"/>
+                <a:lumOff val="50000"/>
+              </a:schemeClr>
+            </a:solidFill>
+          </a:ln>
+        </p:spPr>
+        <p:style>
+          <a:lnRef idx="2">
+            <a:schemeClr val="accent1">
+              <a:shade val="50000"/>
+            </a:schemeClr>
+          </a:lnRef>
+          <a:fillRef idx="1">
+            <a:schemeClr val="accent1"/>
+          </a:fillRef>
+          <a:effectRef idx="0">
+            <a:schemeClr val="accent1"/>
+          </a:effectRef>
+          <a:fontRef idx="minor">
+            <a:schemeClr val="lt1"/>
+          </a:fontRef>
+        </p:style>
+        <p:txBody>
+          <a:bodyPr rtlCol="0" anchor="ctr"/>
+          <a:lstStyle/>
+          <a:p>
+            <a:pPr algn="ctr"/>
+            <a:endParaRPr lang="en-US"/>
+          </a:p>
+        </p:txBody>
+      </p:sp>
+      <p:sp>
+        <p:nvSpPr>
+          <p:cNvPr id="14" name="Rectangle 13">
+            <a:extLst>
+              <a:ext uri="{FF2B5EF4-FFF2-40B4-BE49-F238E27FC236}">
+                <a16:creationId xmlns:a16="http://schemas.microsoft.com/office/drawing/2014/main" id="{7B2FD56F-9E26-472D-B86E-505BF2457B92}"/>
+              </a:ext>
+            </a:extLst>
+          </p:cNvPr>
+          <p:cNvSpPr/>
+          <p:nvPr/>
+        </p:nvSpPr>
+        <p:spPr>
+          <a:xfrm>
+            <a:off x="4419600" y="1114425"/>
+            <a:ext cx="1005858" cy="1390650"/>
+          </a:xfrm>
+          <a:prstGeom prst="rect">
+            <a:avLst/>
+          </a:prstGeom>
+          <a:noFill/>
+          <a:ln>
+            <a:solidFill>
+              <a:srgbClr val="FFC000"/>
+            </a:solidFill>
+          </a:ln>
+        </p:spPr>
+        <p:style>
+          <a:lnRef idx="2">
+            <a:schemeClr val="accent1">
+              <a:shade val="50000"/>
+            </a:schemeClr>
+          </a:lnRef>
+          <a:fillRef idx="1">
+            <a:schemeClr val="accent1"/>
+          </a:fillRef>
+          <a:effectRef idx="0">
+            <a:schemeClr val="accent1"/>
+          </a:effectRef>
+          <a:fontRef idx="minor">
+            <a:schemeClr val="lt1"/>
+          </a:fontRef>
+        </p:style>
+        <p:txBody>
+          <a:bodyPr rtlCol="0" anchor="ctr"/>
+          <a:lstStyle/>
+          <a:p>
+            <a:pPr algn="ctr"/>
+            <a:endParaRPr lang="en-US"/>
+          </a:p>
+        </p:txBody>
+      </p:sp>
+      <p:sp>
+        <p:nvSpPr>
+          <p:cNvPr id="15" name="Rectangle 14">
+            <a:extLst>
+              <a:ext uri="{FF2B5EF4-FFF2-40B4-BE49-F238E27FC236}">
+                <a16:creationId xmlns:a16="http://schemas.microsoft.com/office/drawing/2014/main" id="{66D6801A-032D-44DE-BBA2-B28C5438E27C}"/>
+              </a:ext>
+            </a:extLst>
+          </p:cNvPr>
+          <p:cNvSpPr/>
+          <p:nvPr/>
+        </p:nvSpPr>
+        <p:spPr>
+          <a:xfrm>
+            <a:off x="6734175" y="3514725"/>
+            <a:ext cx="1005858" cy="1297000"/>
+          </a:xfrm>
+          <a:prstGeom prst="rect">
+            <a:avLst/>
+          </a:prstGeom>
+          <a:noFill/>
+          <a:ln>
+            <a:solidFill>
+              <a:srgbClr val="7030A0"/>
+            </a:solidFill>
+          </a:ln>
+        </p:spPr>
+        <p:style>
+          <a:lnRef idx="2">
+            <a:schemeClr val="accent1">
+              <a:shade val="50000"/>
+            </a:schemeClr>
+          </a:lnRef>
+          <a:fillRef idx="1">
+            <a:schemeClr val="accent1"/>
+          </a:fillRef>
+          <a:effectRef idx="0">
+            <a:schemeClr val="accent1"/>
+          </a:effectRef>
+          <a:fontRef idx="minor">
+            <a:schemeClr val="lt1"/>
+          </a:fontRef>
+        </p:style>
+        <p:txBody>
+          <a:bodyPr rtlCol="0" anchor="ctr"/>
+          <a:lstStyle/>
+          <a:p>
+            <a:pPr algn="ctr"/>
+            <a:endParaRPr lang="en-US"/>
+          </a:p>
+        </p:txBody>
+      </p:sp>
+    </p:spTree>
+    <p:extLst>
+      <p:ext uri="{BB962C8B-B14F-4D97-AF65-F5344CB8AC3E}">
+        <p14:creationId xmlns:p14="http://schemas.microsoft.com/office/powerpoint/2010/main" val="819711690"/>
+      </p:ext>
+    </p:extLst>
+  </p:cSld>
+  <p:clrMapOvr>
+    <a:masterClrMapping/>
+  </p:clrMapOvr>
+  <p:transition/>
 </p:sld>
 </file>
 
@@ -4504,4 +8160,299 @@
     </a:ext>
   </a:extLst>
 </a:theme>
+</file>
+
+<file path=ppt/theme/theme2.xml><?xml version="1.0" encoding="utf-8"?>
+<a:theme xmlns:a="http://schemas.openxmlformats.org/drawingml/2006/main" name="Office Theme">
+  <a:themeElements>
+    <a:clrScheme name="Office">
+      <a:dk1>
+        <a:sysClr val="windowText" lastClr="000000"/>
+      </a:dk1>
+      <a:lt1>
+        <a:sysClr val="window" lastClr="FFFFFF"/>
+      </a:lt1>
+      <a:dk2>
+        <a:srgbClr val="44546A"/>
+      </a:dk2>
+      <a:lt2>
+        <a:srgbClr val="E7E6E6"/>
+      </a:lt2>
+      <a:accent1>
+        <a:srgbClr val="4472C4"/>
+      </a:accent1>
+      <a:accent2>
+        <a:srgbClr val="ED7D31"/>
+      </a:accent2>
+      <a:accent3>
+        <a:srgbClr val="A5A5A5"/>
+      </a:accent3>
+      <a:accent4>
+        <a:srgbClr val="FFC000"/>
+      </a:accent4>
+      <a:accent5>
+        <a:srgbClr val="5B9BD5"/>
+      </a:accent5>
+      <a:accent6>
+        <a:srgbClr val="70AD47"/>
+      </a:accent6>
+      <a:hlink>
+        <a:srgbClr val="0563C1"/>
+      </a:hlink>
+      <a:folHlink>
+        <a:srgbClr val="954F72"/>
+      </a:folHlink>
+    </a:clrScheme>
+    <a:fontScheme name="Office">
+      <a:majorFont>
+        <a:latin typeface="Calibri Light" panose="020F0302020204030204"/>
+        <a:ea typeface=""/>
+        <a:cs typeface=""/>
+        <a:font script="Jpan" typeface="游ゴシック Light"/>
+        <a:font script="Hang" typeface="맑은 고딕"/>
+        <a:font script="Hans" typeface="等线 Light"/>
+        <a:font script="Hant" typeface="新細明體"/>
+        <a:font script="Arab" typeface="Times New Roman"/>
+        <a:font script="Hebr" typeface="Times New Roman"/>
+        <a:font script="Thai" typeface="Angsana New"/>
+        <a:font script="Ethi" typeface="Nyala"/>
+        <a:font script="Beng" typeface="Vrinda"/>
+        <a:font script="Gujr" typeface="Shruti"/>
+        <a:font script="Khmr" typeface="MoolBoran"/>
+        <a:font script="Knda" typeface="Tunga"/>
+        <a:font script="Guru" typeface="Raavi"/>
+        <a:font script="Cans" typeface="Euphemia"/>
+        <a:font script="Cher" typeface="Plantagenet Cherokee"/>
+        <a:font script="Yiii" typeface="Microsoft Yi Baiti"/>
+        <a:font script="Tibt" typeface="Microsoft Himalaya"/>
+        <a:font script="Thaa" typeface="MV Boli"/>
+        <a:font script="Deva" typeface="Mangal"/>
+        <a:font script="Telu" typeface="Gautami"/>
+        <a:font script="Taml" typeface="Latha"/>
+        <a:font script="Syrc" typeface="Estrangelo Edessa"/>
+        <a:font script="Orya" typeface="Kalinga"/>
+        <a:font script="Mlym" typeface="Kartika"/>
+        <a:font script="Laoo" typeface="DokChampa"/>
+        <a:font script="Sinh" typeface="Iskoola Pota"/>
+        <a:font script="Mong" typeface="Mongolian Baiti"/>
+        <a:font script="Viet" typeface="Times New Roman"/>
+        <a:font script="Uigh" typeface="Microsoft Uighur"/>
+        <a:font script="Geor" typeface="Sylfaen"/>
+        <a:font script="Armn" typeface="Arial"/>
+        <a:font script="Bugi" typeface="Leelawadee UI"/>
+        <a:font script="Bopo" typeface="Microsoft JhengHei"/>
+        <a:font script="Java" typeface="Javanese Text"/>
+        <a:font script="Lisu" typeface="Segoe UI"/>
+        <a:font script="Mymr" typeface="Myanmar Text"/>
+        <a:font script="Nkoo" typeface="Ebrima"/>
+        <a:font script="Olck" typeface="Nirmala UI"/>
+        <a:font script="Osma" typeface="Ebrima"/>
+        <a:font script="Phag" typeface="Phagspa"/>
+        <a:font script="Syrn" typeface="Estrangelo Edessa"/>
+        <a:font script="Syrj" typeface="Estrangelo Edessa"/>
+        <a:font script="Syre" typeface="Estrangelo Edessa"/>
+        <a:font script="Sora" typeface="Nirmala UI"/>
+        <a:font script="Tale" typeface="Microsoft Tai Le"/>
+        <a:font script="Talu" typeface="Microsoft New Tai Lue"/>
+        <a:font script="Tfng" typeface="Ebrima"/>
+      </a:majorFont>
+      <a:minorFont>
+        <a:latin typeface="Calibri" panose="020F0502020204030204"/>
+        <a:ea typeface=""/>
+        <a:cs typeface=""/>
+        <a:font script="Jpan" typeface="游ゴシック"/>
+        <a:font script="Hang" typeface="맑은 고딕"/>
+        <a:font script="Hans" typeface="等线"/>
+        <a:font script="Hant" typeface="新細明體"/>
+        <a:font script="Arab" typeface="Arial"/>
+        <a:font script="Hebr" typeface="Arial"/>
+        <a:font script="Thai" typeface="Cordia New"/>
+        <a:font script="Ethi" typeface="Nyala"/>
+        <a:font script="Beng" typeface="Vrinda"/>
+        <a:font script="Gujr" typeface="Shruti"/>
+        <a:font script="Khmr" typeface="DaunPenh"/>
+        <a:font script="Knda" typeface="Tunga"/>
+        <a:font script="Guru" typeface="Raavi"/>
+        <a:font script="Cans" typeface="Euphemia"/>
+        <a:font script="Cher" typeface="Plantagenet Cherokee"/>
+        <a:font script="Yiii" typeface="Microsoft Yi Baiti"/>
+        <a:font script="Tibt" typeface="Microsoft Himalaya"/>
+        <a:font script="Thaa" typeface="MV Boli"/>
+        <a:font script="Deva" typeface="Mangal"/>
+        <a:font script="Telu" typeface="Gautami"/>
+        <a:font script="Taml" typeface="Latha"/>
+        <a:font script="Syrc" typeface="Estrangelo Edessa"/>
+        <a:font script="Orya" typeface="Kalinga"/>
+        <a:font script="Mlym" typeface="Kartika"/>
+        <a:font script="Laoo" typeface="DokChampa"/>
+        <a:font script="Sinh" typeface="Iskoola Pota"/>
+        <a:font script="Mong" typeface="Mongolian Baiti"/>
+        <a:font script="Viet" typeface="Arial"/>
+        <a:font script="Uigh" typeface="Microsoft Uighur"/>
+        <a:font script="Geor" typeface="Sylfaen"/>
+        <a:font script="Armn" typeface="Arial"/>
+        <a:font script="Bugi" typeface="Leelawadee UI"/>
+        <a:font script="Bopo" typeface="Microsoft JhengHei"/>
+        <a:font script="Java" typeface="Javanese Text"/>
+        <a:font script="Lisu" typeface="Segoe UI"/>
+        <a:font script="Mymr" typeface="Myanmar Text"/>
+        <a:font script="Nkoo" typeface="Ebrima"/>
+        <a:font script="Olck" typeface="Nirmala UI"/>
+        <a:font script="Osma" typeface="Ebrima"/>
+        <a:font script="Phag" typeface="Phagspa"/>
+        <a:font script="Syrn" typeface="Estrangelo Edessa"/>
+        <a:font script="Syrj" typeface="Estrangelo Edessa"/>
+        <a:font script="Syre" typeface="Estrangelo Edessa"/>
+        <a:font script="Sora" typeface="Nirmala UI"/>
+        <a:font script="Tale" typeface="Microsoft Tai Le"/>
+        <a:font script="Talu" typeface="Microsoft New Tai Lue"/>
+        <a:font script="Tfng" typeface="Ebrima"/>
+      </a:minorFont>
+    </a:fontScheme>
+    <a:fmtScheme name="Office">
+      <a:fillStyleLst>
+        <a:solidFill>
+          <a:schemeClr val="phClr"/>
+        </a:solidFill>
+        <a:gradFill rotWithShape="1">
+          <a:gsLst>
+            <a:gs pos="0">
+              <a:schemeClr val="phClr">
+                <a:lumMod val="110000"/>
+                <a:satMod val="105000"/>
+                <a:tint val="67000"/>
+              </a:schemeClr>
+            </a:gs>
+            <a:gs pos="50000">
+              <a:schemeClr val="phClr">
+                <a:lumMod val="105000"/>
+                <a:satMod val="103000"/>
+                <a:tint val="73000"/>
+              </a:schemeClr>
+            </a:gs>
+            <a:gs pos="100000">
+              <a:schemeClr val="phClr">
+                <a:lumMod val="105000"/>
+                <a:satMod val="109000"/>
+                <a:tint val="81000"/>
+              </a:schemeClr>
+            </a:gs>
+          </a:gsLst>
+          <a:lin ang="5400000" scaled="0"/>
+        </a:gradFill>
+        <a:gradFill rotWithShape="1">
+          <a:gsLst>
+            <a:gs pos="0">
+              <a:schemeClr val="phClr">
+                <a:satMod val="103000"/>
+                <a:lumMod val="102000"/>
+                <a:tint val="94000"/>
+              </a:schemeClr>
+            </a:gs>
+            <a:gs pos="50000">
+              <a:schemeClr val="phClr">
+                <a:satMod val="110000"/>
+                <a:lumMod val="100000"/>
+                <a:shade val="100000"/>
+              </a:schemeClr>
+            </a:gs>
+            <a:gs pos="100000">
+              <a:schemeClr val="phClr">
+                <a:lumMod val="99000"/>
+                <a:satMod val="120000"/>
+                <a:shade val="78000"/>
+              </a:schemeClr>
+            </a:gs>
+          </a:gsLst>
+          <a:lin ang="5400000" scaled="0"/>
+        </a:gradFill>
+      </a:fillStyleLst>
+      <a:lnStyleLst>
+        <a:ln w="6350" cap="flat" cmpd="sng" algn="ctr">
+          <a:solidFill>
+            <a:schemeClr val="phClr"/>
+          </a:solidFill>
+          <a:prstDash val="solid"/>
+          <a:miter lim="800000"/>
+        </a:ln>
+        <a:ln w="12700" cap="flat" cmpd="sng" algn="ctr">
+          <a:solidFill>
+            <a:schemeClr val="phClr"/>
+          </a:solidFill>
+          <a:prstDash val="solid"/>
+          <a:miter lim="800000"/>
+        </a:ln>
+        <a:ln w="19050" cap="flat" cmpd="sng" algn="ctr">
+          <a:solidFill>
+            <a:schemeClr val="phClr"/>
+          </a:solidFill>
+          <a:prstDash val="solid"/>
+          <a:miter lim="800000"/>
+        </a:ln>
+      </a:lnStyleLst>
+      <a:effectStyleLst>
+        <a:effectStyle>
+          <a:effectLst/>
+        </a:effectStyle>
+        <a:effectStyle>
+          <a:effectLst/>
+        </a:effectStyle>
+        <a:effectStyle>
+          <a:effectLst>
+            <a:outerShdw blurRad="57150" dist="19050" dir="5400000" algn="ctr" rotWithShape="0">
+              <a:srgbClr val="000000">
+                <a:alpha val="63000"/>
+              </a:srgbClr>
+            </a:outerShdw>
+          </a:effectLst>
+        </a:effectStyle>
+      </a:effectStyleLst>
+      <a:bgFillStyleLst>
+        <a:solidFill>
+          <a:schemeClr val="phClr"/>
+        </a:solidFill>
+        <a:solidFill>
+          <a:schemeClr val="phClr">
+            <a:tint val="95000"/>
+            <a:satMod val="170000"/>
+          </a:schemeClr>
+        </a:solidFill>
+        <a:gradFill rotWithShape="1">
+          <a:gsLst>
+            <a:gs pos="0">
+              <a:schemeClr val="phClr">
+                <a:tint val="93000"/>
+                <a:satMod val="150000"/>
+                <a:shade val="98000"/>
+                <a:lumMod val="102000"/>
+              </a:schemeClr>
+            </a:gs>
+            <a:gs pos="50000">
+              <a:schemeClr val="phClr">
+                <a:tint val="98000"/>
+                <a:satMod val="130000"/>
+                <a:shade val="90000"/>
+                <a:lumMod val="103000"/>
+              </a:schemeClr>
+            </a:gs>
+            <a:gs pos="100000">
+              <a:schemeClr val="phClr">
+                <a:shade val="63000"/>
+                <a:satMod val="120000"/>
+              </a:schemeClr>
+            </a:gs>
+          </a:gsLst>
+          <a:lin ang="5400000" scaled="0"/>
+        </a:gradFill>
+      </a:bgFillStyleLst>
+    </a:fmtScheme>
+  </a:themeElements>
+  <a:objectDefaults/>
+  <a:extraClrSchemeLst/>
+  <a:extLst>
+    <a:ext uri="{05A4C25C-085E-4340-85A3-A5531E510DB2}">
+      <thm15:themeFamily xmlns:thm15="http://schemas.microsoft.com/office/thememl/2012/main" name="Office Theme" id="{62F939B6-93AF-4DB8-9C6B-D6C7DFDC589F}" vid="{4A3C46E8-61CC-4603-A589-7422A47A8E4A}"/>
+    </a:ext>
+  </a:extLst>
+</a:theme>
 </file>
--- a/pres/Scaffold analytics figures to modify with chemical structures.pptx
+++ b/pres/Scaffold analytics figures to modify with chemical structures.pptx
@@ -5,19 +5,24 @@
     <p:sldMasterId id="2147483648" r:id="rId1"/>
   </p:sldMasterIdLst>
   <p:notesMasterIdLst>
-    <p:notesMasterId r:id="rId12"/>
+    <p:notesMasterId r:id="rId17"/>
   </p:notesMasterIdLst>
   <p:sldIdLst>
     <p:sldId id="256" r:id="rId2"/>
-    <p:sldId id="257" r:id="rId3"/>
-    <p:sldId id="258" r:id="rId4"/>
-    <p:sldId id="259" r:id="rId5"/>
-    <p:sldId id="260" r:id="rId6"/>
-    <p:sldId id="261" r:id="rId7"/>
-    <p:sldId id="262" r:id="rId8"/>
-    <p:sldId id="279" r:id="rId9"/>
-    <p:sldId id="280" r:id="rId10"/>
-    <p:sldId id="302" r:id="rId11"/>
+    <p:sldId id="305" r:id="rId3"/>
+    <p:sldId id="304" r:id="rId4"/>
+    <p:sldId id="303" r:id="rId5"/>
+    <p:sldId id="257" r:id="rId6"/>
+    <p:sldId id="258" r:id="rId7"/>
+    <p:sldId id="259" r:id="rId8"/>
+    <p:sldId id="260" r:id="rId9"/>
+    <p:sldId id="261" r:id="rId10"/>
+    <p:sldId id="262" r:id="rId11"/>
+    <p:sldId id="279" r:id="rId12"/>
+    <p:sldId id="306" r:id="rId13"/>
+    <p:sldId id="280" r:id="rId14"/>
+    <p:sldId id="302" r:id="rId15"/>
+    <p:sldId id="307" r:id="rId16"/>
   </p:sldIdLst>
   <p:sldSz cx="12192000" cy="6858000"/>
   <p:notesSz cx="6858000" cy="9144000"/>
@@ -206,7 +211,7 @@
           <a:p>
             <a:fld id="{7C8D0C80-5524-4640-8832-EE8081127E97}" type="datetimeFigureOut">
               <a:rPr lang="en-US" smtClean="0"/>
-              <a:t>6/23/2019</a:t>
+              <a:t>6/29/2019</a:t>
             </a:fld>
             <a:endParaRPr lang="en-US"/>
           </a:p>
@@ -514,15 +519,10 @@
         </p:nvSpPr>
         <p:spPr/>
         <p:txBody>
-          <a:bodyPr>
-            <a:normAutofit/>
-          </a:bodyPr>
-          <a:lstStyle/>
-          <a:p>
-            <a:r>
-              <a:rPr lang="en-US" dirty="0"/>
-              <a:t>Backup?</a:t>
-            </a:r>
+          <a:bodyPr/>
+          <a:lstStyle/>
+          <a:p>
+            <a:endParaRPr lang="en-US" dirty="0"/>
           </a:p>
         </p:txBody>
       </p:sp>
@@ -533,7 +533,7 @@
             <a:spLocks noGrp="1"/>
           </p:cNvSpPr>
           <p:nvPr>
-            <p:ph type="sldNum" sz="quarter" idx="10"/>
+            <p:ph type="sldNum" sz="quarter" idx="5"/>
           </p:nvPr>
         </p:nvSpPr>
         <p:spPr/>
@@ -541,16 +541,20 @@
           <a:bodyPr/>
           <a:lstStyle/>
           <a:p>
-            <a:fld id="{4C8C9167-E136-4C18-8FF2-A53C2728C27B}" type="slidenum">
+            <a:fld id="{90348103-15EE-4276-9225-41775657728A}" type="slidenum">
               <a:rPr lang="en-US" smtClean="0"/>
-              <a:pPr/>
-              <a:t>8</a:t>
+              <a:t>2</a:t>
             </a:fld>
             <a:endParaRPr lang="en-US"/>
           </a:p>
         </p:txBody>
       </p:sp>
     </p:spTree>
+    <p:extLst>
+      <p:ext uri="{BB962C8B-B14F-4D97-AF65-F5344CB8AC3E}">
+        <p14:creationId xmlns:p14="http://schemas.microsoft.com/office/powerpoint/2010/main" val="984088510"/>
+      </p:ext>
+    </p:extLst>
   </p:cSld>
   <p:clrMapOvr>
     <a:masterClrMapping/>
@@ -599,6 +603,175 @@
         </p:nvSpPr>
         <p:spPr/>
         <p:txBody>
+          <a:bodyPr/>
+          <a:lstStyle/>
+          <a:p>
+            <a:endParaRPr lang="en-US" dirty="0"/>
+          </a:p>
+        </p:txBody>
+      </p:sp>
+      <p:sp>
+        <p:nvSpPr>
+          <p:cNvPr id="4" name="Slide Number Placeholder 3"/>
+          <p:cNvSpPr>
+            <a:spLocks noGrp="1"/>
+          </p:cNvSpPr>
+          <p:nvPr>
+            <p:ph type="sldNum" sz="quarter" idx="5"/>
+          </p:nvPr>
+        </p:nvSpPr>
+        <p:spPr/>
+        <p:txBody>
+          <a:bodyPr/>
+          <a:lstStyle/>
+          <a:p>
+            <a:fld id="{90348103-15EE-4276-9225-41775657728A}" type="slidenum">
+              <a:rPr lang="en-US" smtClean="0"/>
+              <a:t>4</a:t>
+            </a:fld>
+            <a:endParaRPr lang="en-US"/>
+          </a:p>
+        </p:txBody>
+      </p:sp>
+    </p:spTree>
+    <p:extLst>
+      <p:ext uri="{BB962C8B-B14F-4D97-AF65-F5344CB8AC3E}">
+        <p14:creationId xmlns:p14="http://schemas.microsoft.com/office/powerpoint/2010/main" val="3586998177"/>
+      </p:ext>
+    </p:extLst>
+  </p:cSld>
+  <p:clrMapOvr>
+    <a:masterClrMapping/>
+  </p:clrMapOvr>
+</p:notes>
+</file>
+
+<file path=ppt/notesSlides/notesSlide3.xml><?xml version="1.0" encoding="utf-8"?>
+<p:notes xmlns:a="http://schemas.openxmlformats.org/drawingml/2006/main" xmlns:r="http://schemas.openxmlformats.org/officeDocument/2006/relationships" xmlns:p="http://schemas.openxmlformats.org/presentationml/2006/main">
+  <p:cSld>
+    <p:spTree>
+      <p:nvGrpSpPr>
+        <p:cNvPr id="1" name=""/>
+        <p:cNvGrpSpPr/>
+        <p:nvPr/>
+      </p:nvGrpSpPr>
+      <p:grpSpPr>
+        <a:xfrm>
+          <a:off x="0" y="0"/>
+          <a:ext cx="0" cy="0"/>
+          <a:chOff x="0" y="0"/>
+          <a:chExt cx="0" cy="0"/>
+        </a:xfrm>
+      </p:grpSpPr>
+      <p:sp>
+        <p:nvSpPr>
+          <p:cNvPr id="2" name="Slide Image Placeholder 1"/>
+          <p:cNvSpPr>
+            <a:spLocks noGrp="1" noRot="1" noChangeAspect="1"/>
+          </p:cNvSpPr>
+          <p:nvPr>
+            <p:ph type="sldImg"/>
+          </p:nvPr>
+        </p:nvSpPr>
+        <p:spPr/>
+      </p:sp>
+      <p:sp>
+        <p:nvSpPr>
+          <p:cNvPr id="3" name="Notes Placeholder 2"/>
+          <p:cNvSpPr>
+            <a:spLocks noGrp="1"/>
+          </p:cNvSpPr>
+          <p:nvPr>
+            <p:ph type="body" idx="1"/>
+          </p:nvPr>
+        </p:nvSpPr>
+        <p:spPr/>
+        <p:txBody>
+          <a:bodyPr>
+            <a:normAutofit/>
+          </a:bodyPr>
+          <a:lstStyle/>
+          <a:p>
+            <a:r>
+              <a:rPr lang="en-US" dirty="0"/>
+              <a:t>Backup?</a:t>
+            </a:r>
+          </a:p>
+        </p:txBody>
+      </p:sp>
+      <p:sp>
+        <p:nvSpPr>
+          <p:cNvPr id="4" name="Slide Number Placeholder 3"/>
+          <p:cNvSpPr>
+            <a:spLocks noGrp="1"/>
+          </p:cNvSpPr>
+          <p:nvPr>
+            <p:ph type="sldNum" sz="quarter" idx="10"/>
+          </p:nvPr>
+        </p:nvSpPr>
+        <p:spPr/>
+        <p:txBody>
+          <a:bodyPr/>
+          <a:lstStyle/>
+          <a:p>
+            <a:fld id="{4C8C9167-E136-4C18-8FF2-A53C2728C27B}" type="slidenum">
+              <a:rPr lang="en-US" smtClean="0"/>
+              <a:pPr/>
+              <a:t>11</a:t>
+            </a:fld>
+            <a:endParaRPr lang="en-US"/>
+          </a:p>
+        </p:txBody>
+      </p:sp>
+    </p:spTree>
+  </p:cSld>
+  <p:clrMapOvr>
+    <a:masterClrMapping/>
+  </p:clrMapOvr>
+</p:notes>
+</file>
+
+<file path=ppt/notesSlides/notesSlide4.xml><?xml version="1.0" encoding="utf-8"?>
+<p:notes xmlns:a="http://schemas.openxmlformats.org/drawingml/2006/main" xmlns:r="http://schemas.openxmlformats.org/officeDocument/2006/relationships" xmlns:p="http://schemas.openxmlformats.org/presentationml/2006/main">
+  <p:cSld>
+    <p:spTree>
+      <p:nvGrpSpPr>
+        <p:cNvPr id="1" name=""/>
+        <p:cNvGrpSpPr/>
+        <p:nvPr/>
+      </p:nvGrpSpPr>
+      <p:grpSpPr>
+        <a:xfrm>
+          <a:off x="0" y="0"/>
+          <a:ext cx="0" cy="0"/>
+          <a:chOff x="0" y="0"/>
+          <a:chExt cx="0" cy="0"/>
+        </a:xfrm>
+      </p:grpSpPr>
+      <p:sp>
+        <p:nvSpPr>
+          <p:cNvPr id="2" name="Slide Image Placeholder 1"/>
+          <p:cNvSpPr>
+            <a:spLocks noGrp="1" noRot="1" noChangeAspect="1"/>
+          </p:cNvSpPr>
+          <p:nvPr>
+            <p:ph type="sldImg"/>
+          </p:nvPr>
+        </p:nvSpPr>
+        <p:spPr/>
+      </p:sp>
+      <p:sp>
+        <p:nvSpPr>
+          <p:cNvPr id="3" name="Notes Placeholder 2"/>
+          <p:cNvSpPr>
+            <a:spLocks noGrp="1"/>
+          </p:cNvSpPr>
+          <p:nvPr>
+            <p:ph type="body" idx="1"/>
+          </p:nvPr>
+        </p:nvSpPr>
+        <p:spPr/>
+        <p:txBody>
           <a:bodyPr>
             <a:normAutofit/>
           </a:bodyPr>
@@ -744,7 +917,7 @@
                 </a:solidFill>
               </a:rPr>
               <a:pPr/>
-              <a:t>9</a:t>
+              <a:t>13</a:t>
             </a:fld>
             <a:endParaRPr lang="en-US">
               <a:solidFill>
@@ -767,7 +940,7 @@
 </p:notes>
 </file>
 
-<file path=ppt/notesSlides/notesSlide3.xml><?xml version="1.0" encoding="utf-8"?>
+<file path=ppt/notesSlides/notesSlide5.xml><?xml version="1.0" encoding="utf-8"?>
 <p:notes xmlns:a="http://schemas.openxmlformats.org/drawingml/2006/main" xmlns:r="http://schemas.openxmlformats.org/officeDocument/2006/relationships" xmlns:p="http://schemas.openxmlformats.org/presentationml/2006/main">
   <p:cSld>
     <p:spTree>
@@ -939,7 +1112,7 @@
           <a:p>
             <a:fld id="{CC6D5F6E-A517-4011-9B2A-55B5C277BA86}" type="datetimeFigureOut">
               <a:rPr lang="en-US" smtClean="0"/>
-              <a:t>6/22/2019</a:t>
+              <a:t>6/29/2019</a:t>
             </a:fld>
             <a:endParaRPr lang="en-US"/>
           </a:p>
@@ -1137,7 +1310,7 @@
           <a:p>
             <a:fld id="{CC6D5F6E-A517-4011-9B2A-55B5C277BA86}" type="datetimeFigureOut">
               <a:rPr lang="en-US" smtClean="0"/>
-              <a:t>6/22/2019</a:t>
+              <a:t>6/29/2019</a:t>
             </a:fld>
             <a:endParaRPr lang="en-US"/>
           </a:p>
@@ -1345,7 +1518,7 @@
           <a:p>
             <a:fld id="{CC6D5F6E-A517-4011-9B2A-55B5C277BA86}" type="datetimeFigureOut">
               <a:rPr lang="en-US" smtClean="0"/>
-              <a:t>6/22/2019</a:t>
+              <a:t>6/29/2019</a:t>
             </a:fld>
             <a:endParaRPr lang="en-US"/>
           </a:p>
@@ -2207,7 +2380,7 @@
           <a:p>
             <a:fld id="{CC6D5F6E-A517-4011-9B2A-55B5C277BA86}" type="datetimeFigureOut">
               <a:rPr lang="en-US" smtClean="0"/>
-              <a:t>6/22/2019</a:t>
+              <a:t>6/29/2019</a:t>
             </a:fld>
             <a:endParaRPr lang="en-US"/>
           </a:p>
@@ -2482,7 +2655,7 @@
           <a:p>
             <a:fld id="{CC6D5F6E-A517-4011-9B2A-55B5C277BA86}" type="datetimeFigureOut">
               <a:rPr lang="en-US" smtClean="0"/>
-              <a:t>6/22/2019</a:t>
+              <a:t>6/29/2019</a:t>
             </a:fld>
             <a:endParaRPr lang="en-US"/>
           </a:p>
@@ -2747,7 +2920,7 @@
           <a:p>
             <a:fld id="{CC6D5F6E-A517-4011-9B2A-55B5C277BA86}" type="datetimeFigureOut">
               <a:rPr lang="en-US" smtClean="0"/>
-              <a:t>6/22/2019</a:t>
+              <a:t>6/29/2019</a:t>
             </a:fld>
             <a:endParaRPr lang="en-US"/>
           </a:p>
@@ -3159,7 +3332,7 @@
           <a:p>
             <a:fld id="{CC6D5F6E-A517-4011-9B2A-55B5C277BA86}" type="datetimeFigureOut">
               <a:rPr lang="en-US" smtClean="0"/>
-              <a:t>6/22/2019</a:t>
+              <a:t>6/29/2019</a:t>
             </a:fld>
             <a:endParaRPr lang="en-US"/>
           </a:p>
@@ -3300,7 +3473,7 @@
           <a:p>
             <a:fld id="{CC6D5F6E-A517-4011-9B2A-55B5C277BA86}" type="datetimeFigureOut">
               <a:rPr lang="en-US" smtClean="0"/>
-              <a:t>6/22/2019</a:t>
+              <a:t>6/29/2019</a:t>
             </a:fld>
             <a:endParaRPr lang="en-US"/>
           </a:p>
@@ -3413,7 +3586,7 @@
           <a:p>
             <a:fld id="{CC6D5F6E-A517-4011-9B2A-55B5C277BA86}" type="datetimeFigureOut">
               <a:rPr lang="en-US" smtClean="0"/>
-              <a:t>6/22/2019</a:t>
+              <a:t>6/29/2019</a:t>
             </a:fld>
             <a:endParaRPr lang="en-US"/>
           </a:p>
@@ -3724,7 +3897,7 @@
           <a:p>
             <a:fld id="{CC6D5F6E-A517-4011-9B2A-55B5C277BA86}" type="datetimeFigureOut">
               <a:rPr lang="en-US" smtClean="0"/>
-              <a:t>6/22/2019</a:t>
+              <a:t>6/29/2019</a:t>
             </a:fld>
             <a:endParaRPr lang="en-US"/>
           </a:p>
@@ -4012,7 +4185,7 @@
           <a:p>
             <a:fld id="{CC6D5F6E-A517-4011-9B2A-55B5C277BA86}" type="datetimeFigureOut">
               <a:rPr lang="en-US" smtClean="0"/>
-              <a:t>6/22/2019</a:t>
+              <a:t>6/29/2019</a:t>
             </a:fld>
             <a:endParaRPr lang="en-US"/>
           </a:p>
@@ -4253,7 +4426,7 @@
           <a:p>
             <a:fld id="{CC6D5F6E-A517-4011-9B2A-55B5C277BA86}" type="datetimeFigureOut">
               <a:rPr lang="en-US" smtClean="0"/>
-              <a:t>6/22/2019</a:t>
+              <a:t>6/29/2019</a:t>
             </a:fld>
             <a:endParaRPr lang="en-US"/>
           </a:p>
@@ -4774,1033 +4947,6 @@
       </p:grpSpPr>
       <p:sp>
         <p:nvSpPr>
-          <p:cNvPr id="2" name="Title 1"/>
-          <p:cNvSpPr>
-            <a:spLocks noGrp="1"/>
-          </p:cNvSpPr>
-          <p:nvPr>
-            <p:ph type="title"/>
-          </p:nvPr>
-        </p:nvSpPr>
-        <p:spPr>
-          <a:xfrm>
-            <a:off x="1889124" y="294810"/>
-            <a:ext cx="7805099" cy="338554"/>
-          </a:xfrm>
-        </p:spPr>
-        <p:txBody>
-          <a:bodyPr>
-            <a:normAutofit fontScale="90000"/>
-          </a:bodyPr>
-          <a:lstStyle/>
-          <a:p>
-            <a:r>
-              <a:rPr lang="en-US" dirty="0"/>
-              <a:t>Stats Cluster D vs. RGT B</a:t>
-            </a:r>
-          </a:p>
-        </p:txBody>
-      </p:sp>
-      <p:sp>
-        <p:nvSpPr>
-          <p:cNvPr id="5" name="Slide Number Placeholder 4"/>
-          <p:cNvSpPr>
-            <a:spLocks noGrp="1"/>
-          </p:cNvSpPr>
-          <p:nvPr>
-            <p:ph type="sldNum" sz="quarter" idx="17"/>
-          </p:nvPr>
-        </p:nvSpPr>
-        <p:spPr/>
-        <p:txBody>
-          <a:bodyPr/>
-          <a:lstStyle/>
-          <a:p>
-            <a:fld id="{0A838F34-1B32-4019-A24D-EF473E6901BC}" type="slidenum">
-              <a:rPr lang="en-US" smtClean="0">
-                <a:solidFill>
-                  <a:srgbClr val="9A8B7D"/>
-                </a:solidFill>
-              </a:rPr>
-              <a:pPr/>
-              <a:t>10</a:t>
-            </a:fld>
-            <a:endParaRPr lang="en-US">
-              <a:solidFill>
-                <a:srgbClr val="9A8B7D"/>
-              </a:solidFill>
-            </a:endParaRPr>
-          </a:p>
-        </p:txBody>
-      </p:sp>
-      <p:cxnSp>
-        <p:nvCxnSpPr>
-          <p:cNvPr id="174081" name="Straight Connector 174080">
-            <a:extLst>
-              <a:ext uri="{FF2B5EF4-FFF2-40B4-BE49-F238E27FC236}">
-                <a16:creationId xmlns:a16="http://schemas.microsoft.com/office/drawing/2014/main" id="{21C181BB-6BFE-4304-98E5-36B39CF330BF}"/>
-              </a:ext>
-            </a:extLst>
-          </p:cNvPr>
-          <p:cNvCxnSpPr>
-            <a:cxnSpLocks/>
-          </p:cNvCxnSpPr>
-          <p:nvPr/>
-        </p:nvCxnSpPr>
-        <p:spPr>
-          <a:xfrm flipV="1">
-            <a:off x="3281239" y="1439187"/>
-            <a:ext cx="1143703" cy="2"/>
-          </a:xfrm>
-          <a:prstGeom prst="line">
-            <a:avLst/>
-          </a:prstGeom>
-          <a:ln>
-            <a:solidFill>
-              <a:schemeClr val="tx1">
-                <a:lumMod val="50000"/>
-              </a:schemeClr>
-            </a:solidFill>
-          </a:ln>
-        </p:spPr>
-        <p:style>
-          <a:lnRef idx="1">
-            <a:schemeClr val="accent1"/>
-          </a:lnRef>
-          <a:fillRef idx="0">
-            <a:schemeClr val="accent1"/>
-          </a:fillRef>
-          <a:effectRef idx="0">
-            <a:schemeClr val="accent1"/>
-          </a:effectRef>
-          <a:fontRef idx="minor">
-            <a:schemeClr val="tx1"/>
-          </a:fontRef>
-        </p:style>
-      </p:cxnSp>
-      <p:pic>
-        <p:nvPicPr>
-          <p:cNvPr id="41" name="Picture 40">
-            <a:extLst>
-              <a:ext uri="{FF2B5EF4-FFF2-40B4-BE49-F238E27FC236}">
-                <a16:creationId xmlns:a16="http://schemas.microsoft.com/office/drawing/2014/main" id="{268AAA76-884A-4E25-B277-C0EEACC4AAA7}"/>
-              </a:ext>
-            </a:extLst>
-          </p:cNvPr>
-          <p:cNvPicPr>
-            <a:picLocks noChangeAspect="1"/>
-          </p:cNvPicPr>
-          <p:nvPr/>
-        </p:nvPicPr>
-        <p:blipFill rotWithShape="1">
-          <a:blip r:embed="rId3"/>
-          <a:srcRect l="-376" t="45325" r="97854" b="47342"/>
-          <a:stretch/>
-        </p:blipFill>
-        <p:spPr>
-          <a:xfrm>
-            <a:off x="2160107" y="2432586"/>
-            <a:ext cx="408101" cy="652959"/>
-          </a:xfrm>
-          <a:prstGeom prst="rect">
-            <a:avLst/>
-          </a:prstGeom>
-        </p:spPr>
-      </p:pic>
-      <p:cxnSp>
-        <p:nvCxnSpPr>
-          <p:cNvPr id="51" name="Straight Connector 50">
-            <a:extLst>
-              <a:ext uri="{FF2B5EF4-FFF2-40B4-BE49-F238E27FC236}">
-                <a16:creationId xmlns:a16="http://schemas.microsoft.com/office/drawing/2014/main" id="{289D2DB0-E3D0-4761-AE8A-0E92CD1C25D0}"/>
-              </a:ext>
-            </a:extLst>
-          </p:cNvPr>
-          <p:cNvCxnSpPr>
-            <a:cxnSpLocks/>
-          </p:cNvCxnSpPr>
-          <p:nvPr/>
-        </p:nvCxnSpPr>
-        <p:spPr>
-          <a:xfrm>
-            <a:off x="7410893" y="4811725"/>
-            <a:ext cx="104439" cy="346503"/>
-          </a:xfrm>
-          <a:prstGeom prst="line">
-            <a:avLst/>
-          </a:prstGeom>
-          <a:ln>
-            <a:solidFill>
-              <a:schemeClr val="tx1">
-                <a:lumMod val="50000"/>
-              </a:schemeClr>
-            </a:solidFill>
-          </a:ln>
-        </p:spPr>
-        <p:style>
-          <a:lnRef idx="1">
-            <a:schemeClr val="accent1"/>
-          </a:lnRef>
-          <a:fillRef idx="0">
-            <a:schemeClr val="accent1"/>
-          </a:fillRef>
-          <a:effectRef idx="0">
-            <a:schemeClr val="accent1"/>
-          </a:effectRef>
-          <a:fontRef idx="minor">
-            <a:schemeClr val="tx1"/>
-          </a:fontRef>
-        </p:style>
-      </p:cxnSp>
-      <p:pic>
-        <p:nvPicPr>
-          <p:cNvPr id="4" name="Picture 3">
-            <a:extLst>
-              <a:ext uri="{FF2B5EF4-FFF2-40B4-BE49-F238E27FC236}">
-                <a16:creationId xmlns:a16="http://schemas.microsoft.com/office/drawing/2014/main" id="{84182BDC-7D22-4CA4-8E88-790148E61CFA}"/>
-              </a:ext>
-            </a:extLst>
-          </p:cNvPr>
-          <p:cNvPicPr>
-            <a:picLocks noChangeAspect="1"/>
-          </p:cNvPicPr>
-          <p:nvPr/>
-        </p:nvPicPr>
-        <p:blipFill rotWithShape="1">
-          <a:blip r:embed="rId4"/>
-          <a:srcRect l="9177" r="27005"/>
-          <a:stretch/>
-        </p:blipFill>
-        <p:spPr>
-          <a:xfrm>
-            <a:off x="2676939" y="1226198"/>
-            <a:ext cx="4838392" cy="4817414"/>
-          </a:xfrm>
-          <a:prstGeom prst="rect">
-            <a:avLst/>
-          </a:prstGeom>
-        </p:spPr>
-      </p:pic>
-      <p:pic>
-        <p:nvPicPr>
-          <p:cNvPr id="6" name="Picture 5">
-            <a:extLst>
-              <a:ext uri="{FF2B5EF4-FFF2-40B4-BE49-F238E27FC236}">
-                <a16:creationId xmlns:a16="http://schemas.microsoft.com/office/drawing/2014/main" id="{D67B6504-7FA2-47EE-9CAB-7D0861AA2E08}"/>
-              </a:ext>
-            </a:extLst>
-          </p:cNvPr>
-          <p:cNvPicPr>
-            <a:picLocks noChangeAspect="1"/>
-          </p:cNvPicPr>
-          <p:nvPr/>
-        </p:nvPicPr>
-        <p:blipFill>
-          <a:blip r:embed="rId5"/>
-          <a:stretch>
-            <a:fillRect/>
-          </a:stretch>
-        </p:blipFill>
-        <p:spPr>
-          <a:xfrm>
-            <a:off x="4050865" y="1557396"/>
-            <a:ext cx="3289541" cy="818906"/>
-          </a:xfrm>
-          <a:prstGeom prst="rect">
-            <a:avLst/>
-          </a:prstGeom>
-          <a:ln>
-            <a:solidFill>
-              <a:srgbClr val="7030A0"/>
-            </a:solidFill>
-          </a:ln>
-        </p:spPr>
-      </p:pic>
-      <p:pic>
-        <p:nvPicPr>
-          <p:cNvPr id="8" name="Picture 7">
-            <a:extLst>
-              <a:ext uri="{FF2B5EF4-FFF2-40B4-BE49-F238E27FC236}">
-                <a16:creationId xmlns:a16="http://schemas.microsoft.com/office/drawing/2014/main" id="{2CD9FC39-6AF5-47F1-9766-23D3CA40AF69}"/>
-              </a:ext>
-            </a:extLst>
-          </p:cNvPr>
-          <p:cNvPicPr>
-            <a:picLocks noChangeAspect="1"/>
-          </p:cNvPicPr>
-          <p:nvPr/>
-        </p:nvPicPr>
-        <p:blipFill rotWithShape="1">
-          <a:blip r:embed="rId6"/>
-          <a:srcRect t="14375"/>
-          <a:stretch/>
-        </p:blipFill>
-        <p:spPr>
-          <a:xfrm>
-            <a:off x="3823233" y="2593749"/>
-            <a:ext cx="1841120" cy="627485"/>
-          </a:xfrm>
-          <a:prstGeom prst="rect">
-            <a:avLst/>
-          </a:prstGeom>
-          <a:ln>
-            <a:solidFill>
-              <a:srgbClr val="FFC000"/>
-            </a:solidFill>
-          </a:ln>
-        </p:spPr>
-      </p:pic>
-      <p:cxnSp>
-        <p:nvCxnSpPr>
-          <p:cNvPr id="17" name="Straight Connector 16">
-            <a:extLst>
-              <a:ext uri="{FF2B5EF4-FFF2-40B4-BE49-F238E27FC236}">
-                <a16:creationId xmlns:a16="http://schemas.microsoft.com/office/drawing/2014/main" id="{C8AD04C9-8949-43A4-8071-2A666ED25B79}"/>
-              </a:ext>
-            </a:extLst>
-          </p:cNvPr>
-          <p:cNvCxnSpPr>
-            <a:cxnSpLocks/>
-          </p:cNvCxnSpPr>
-          <p:nvPr/>
-        </p:nvCxnSpPr>
-        <p:spPr>
-          <a:xfrm>
-            <a:off x="3535681" y="1542554"/>
-            <a:ext cx="287553" cy="1051195"/>
-          </a:xfrm>
-          <a:prstGeom prst="line">
-            <a:avLst/>
-          </a:prstGeom>
-          <a:ln>
-            <a:solidFill>
-              <a:schemeClr val="tx1">
-                <a:lumMod val="50000"/>
-              </a:schemeClr>
-            </a:solidFill>
-          </a:ln>
-        </p:spPr>
-        <p:style>
-          <a:lnRef idx="1">
-            <a:schemeClr val="accent1"/>
-          </a:lnRef>
-          <a:fillRef idx="0">
-            <a:schemeClr val="accent1"/>
-          </a:fillRef>
-          <a:effectRef idx="0">
-            <a:schemeClr val="accent1"/>
-          </a:effectRef>
-          <a:fontRef idx="minor">
-            <a:schemeClr val="tx1"/>
-          </a:fontRef>
-        </p:style>
-      </p:cxnSp>
-      <p:cxnSp>
-        <p:nvCxnSpPr>
-          <p:cNvPr id="21" name="Straight Connector 20">
-            <a:extLst>
-              <a:ext uri="{FF2B5EF4-FFF2-40B4-BE49-F238E27FC236}">
-                <a16:creationId xmlns:a16="http://schemas.microsoft.com/office/drawing/2014/main" id="{092BF7F5-27D1-4BEE-B0FE-B5DBEDF907F4}"/>
-              </a:ext>
-            </a:extLst>
-          </p:cNvPr>
-          <p:cNvCxnSpPr>
-            <a:cxnSpLocks/>
-          </p:cNvCxnSpPr>
-          <p:nvPr/>
-        </p:nvCxnSpPr>
-        <p:spPr>
-          <a:xfrm>
-            <a:off x="7280744" y="2376303"/>
-            <a:ext cx="0" cy="2781925"/>
-          </a:xfrm>
-          <a:prstGeom prst="line">
-            <a:avLst/>
-          </a:prstGeom>
-          <a:ln>
-            <a:solidFill>
-              <a:schemeClr val="tx1">
-                <a:lumMod val="50000"/>
-              </a:schemeClr>
-            </a:solidFill>
-          </a:ln>
-        </p:spPr>
-        <p:style>
-          <a:lnRef idx="1">
-            <a:schemeClr val="accent1"/>
-          </a:lnRef>
-          <a:fillRef idx="0">
-            <a:schemeClr val="accent1"/>
-          </a:fillRef>
-          <a:effectRef idx="0">
-            <a:schemeClr val="accent1"/>
-          </a:effectRef>
-          <a:fontRef idx="minor">
-            <a:schemeClr val="tx1"/>
-          </a:fontRef>
-        </p:style>
-      </p:cxnSp>
-      <p:pic>
-        <p:nvPicPr>
-          <p:cNvPr id="15" name="Picture 14">
-            <a:extLst>
-              <a:ext uri="{FF2B5EF4-FFF2-40B4-BE49-F238E27FC236}">
-                <a16:creationId xmlns:a16="http://schemas.microsoft.com/office/drawing/2014/main" id="{7418DA26-4815-491E-9DA6-B52878ECA62B}"/>
-              </a:ext>
-            </a:extLst>
-          </p:cNvPr>
-          <p:cNvPicPr>
-            <a:picLocks noChangeAspect="1"/>
-          </p:cNvPicPr>
-          <p:nvPr/>
-        </p:nvPicPr>
-        <p:blipFill rotWithShape="1">
-          <a:blip r:embed="rId4"/>
-          <a:srcRect l="73570" t="23049" b="14152"/>
-          <a:stretch/>
-        </p:blipFill>
-        <p:spPr>
-          <a:xfrm>
-            <a:off x="5721296" y="2609650"/>
-            <a:ext cx="1469056" cy="2217976"/>
-          </a:xfrm>
-          <a:prstGeom prst="rect">
-            <a:avLst/>
-          </a:prstGeom>
-          <a:ln>
-            <a:solidFill>
-              <a:schemeClr val="tx2"/>
-            </a:solidFill>
-          </a:ln>
-        </p:spPr>
-      </p:pic>
-    </p:spTree>
-    <p:extLst>
-      <p:ext uri="{BB962C8B-B14F-4D97-AF65-F5344CB8AC3E}">
-        <p14:creationId xmlns:p14="http://schemas.microsoft.com/office/powerpoint/2010/main" val="1947705364"/>
-      </p:ext>
-    </p:extLst>
-  </p:cSld>
-  <p:clrMapOvr>
-    <a:masterClrMapping/>
-  </p:clrMapOvr>
-  <p:transition/>
-</p:sld>
-</file>
-
-<file path=ppt/slides/slide2.xml><?xml version="1.0" encoding="utf-8"?>
-<p:sld xmlns:a="http://schemas.openxmlformats.org/drawingml/2006/main" xmlns:r="http://schemas.openxmlformats.org/officeDocument/2006/relationships" xmlns:p="http://schemas.openxmlformats.org/presentationml/2006/main">
-  <p:cSld>
-    <p:spTree>
-      <p:nvGrpSpPr>
-        <p:cNvPr id="1" name=""/>
-        <p:cNvGrpSpPr/>
-        <p:nvPr/>
-      </p:nvGrpSpPr>
-      <p:grpSpPr>
-        <a:xfrm>
-          <a:off x="0" y="0"/>
-          <a:ext cx="0" cy="0"/>
-          <a:chOff x="0" y="0"/>
-          <a:chExt cx="0" cy="0"/>
-        </a:xfrm>
-      </p:grpSpPr>
-      <p:sp>
-        <p:nvSpPr>
-          <p:cNvPr id="2" name="Title 1">
-            <a:extLst>
-              <a:ext uri="{FF2B5EF4-FFF2-40B4-BE49-F238E27FC236}">
-                <a16:creationId xmlns:a16="http://schemas.microsoft.com/office/drawing/2014/main" id="{1635257F-F5EF-4CE4-8985-2E8C815E83DE}"/>
-              </a:ext>
-            </a:extLst>
-          </p:cNvPr>
-          <p:cNvSpPr>
-            <a:spLocks noGrp="1"/>
-          </p:cNvSpPr>
-          <p:nvPr>
-            <p:ph type="title"/>
-          </p:nvPr>
-        </p:nvSpPr>
-        <p:spPr/>
-        <p:txBody>
-          <a:bodyPr/>
-          <a:lstStyle/>
-          <a:p>
-            <a:r>
-              <a:rPr lang="en-US" dirty="0"/>
-              <a:t>Fig4a</a:t>
-            </a:r>
-          </a:p>
-        </p:txBody>
-      </p:sp>
-      <p:pic>
-        <p:nvPicPr>
-          <p:cNvPr id="4" name="Picture 3">
-            <a:extLst>
-              <a:ext uri="{FF2B5EF4-FFF2-40B4-BE49-F238E27FC236}">
-                <a16:creationId xmlns:a16="http://schemas.microsoft.com/office/drawing/2014/main" id="{145ADCE8-FA21-4A6B-A837-B4F5F5993C8A}"/>
-              </a:ext>
-            </a:extLst>
-          </p:cNvPr>
-          <p:cNvPicPr>
-            <a:picLocks noChangeAspect="1"/>
-          </p:cNvPicPr>
-          <p:nvPr/>
-        </p:nvPicPr>
-        <p:blipFill>
-          <a:blip r:embed="rId2"/>
-          <a:stretch>
-            <a:fillRect/>
-          </a:stretch>
-        </p:blipFill>
-        <p:spPr>
-          <a:xfrm>
-            <a:off x="1460817" y="2017078"/>
-            <a:ext cx="10344849" cy="2396490"/>
-          </a:xfrm>
-          <a:prstGeom prst="rect">
-            <a:avLst/>
-          </a:prstGeom>
-        </p:spPr>
-      </p:pic>
-    </p:spTree>
-    <p:extLst>
-      <p:ext uri="{BB962C8B-B14F-4D97-AF65-F5344CB8AC3E}">
-        <p14:creationId xmlns:p14="http://schemas.microsoft.com/office/powerpoint/2010/main" val="3106869358"/>
-      </p:ext>
-    </p:extLst>
-  </p:cSld>
-  <p:clrMapOvr>
-    <a:masterClrMapping/>
-  </p:clrMapOvr>
-</p:sld>
-</file>
-
-<file path=ppt/slides/slide3.xml><?xml version="1.0" encoding="utf-8"?>
-<p:sld xmlns:a="http://schemas.openxmlformats.org/drawingml/2006/main" xmlns:r="http://schemas.openxmlformats.org/officeDocument/2006/relationships" xmlns:p="http://schemas.openxmlformats.org/presentationml/2006/main">
-  <p:cSld>
-    <p:spTree>
-      <p:nvGrpSpPr>
-        <p:cNvPr id="1" name=""/>
-        <p:cNvGrpSpPr/>
-        <p:nvPr/>
-      </p:nvGrpSpPr>
-      <p:grpSpPr>
-        <a:xfrm>
-          <a:off x="0" y="0"/>
-          <a:ext cx="0" cy="0"/>
-          <a:chOff x="0" y="0"/>
-          <a:chExt cx="0" cy="0"/>
-        </a:xfrm>
-      </p:grpSpPr>
-      <p:sp>
-        <p:nvSpPr>
-          <p:cNvPr id="2" name="Title 1">
-            <a:extLst>
-              <a:ext uri="{FF2B5EF4-FFF2-40B4-BE49-F238E27FC236}">
-                <a16:creationId xmlns:a16="http://schemas.microsoft.com/office/drawing/2014/main" id="{E94B13CC-3AF9-4F4B-BF14-33E50331908B}"/>
-              </a:ext>
-            </a:extLst>
-          </p:cNvPr>
-          <p:cNvSpPr>
-            <a:spLocks noGrp="1"/>
-          </p:cNvSpPr>
-          <p:nvPr>
-            <p:ph type="title"/>
-          </p:nvPr>
-        </p:nvSpPr>
-        <p:spPr>
-          <a:xfrm>
-            <a:off x="-76200" y="0"/>
-            <a:ext cx="3398520" cy="518795"/>
-          </a:xfrm>
-        </p:spPr>
-        <p:txBody>
-          <a:bodyPr>
-            <a:normAutofit fontScale="90000"/>
-          </a:bodyPr>
-          <a:lstStyle/>
-          <a:p>
-            <a:r>
-              <a:rPr lang="en-US" dirty="0"/>
-              <a:t>Fig4a bottom</a:t>
-            </a:r>
-          </a:p>
-        </p:txBody>
-      </p:sp>
-      <p:pic>
-        <p:nvPicPr>
-          <p:cNvPr id="4" name="Picture 3">
-            <a:extLst>
-              <a:ext uri="{FF2B5EF4-FFF2-40B4-BE49-F238E27FC236}">
-                <a16:creationId xmlns:a16="http://schemas.microsoft.com/office/drawing/2014/main" id="{E068E74A-25BE-446B-A970-05C51704D908}"/>
-              </a:ext>
-            </a:extLst>
-          </p:cNvPr>
-          <p:cNvPicPr>
-            <a:picLocks noChangeAspect="1"/>
-          </p:cNvPicPr>
-          <p:nvPr/>
-        </p:nvPicPr>
-        <p:blipFill rotWithShape="1">
-          <a:blip r:embed="rId2"/>
-          <a:srcRect l="72740" b="28001"/>
-          <a:stretch/>
-        </p:blipFill>
-        <p:spPr>
-          <a:xfrm>
-            <a:off x="8567783" y="1819593"/>
-            <a:ext cx="2757713" cy="3472923"/>
-          </a:xfrm>
-          <a:prstGeom prst="rect">
-            <a:avLst/>
-          </a:prstGeom>
-        </p:spPr>
-      </p:pic>
-      <p:pic>
-        <p:nvPicPr>
-          <p:cNvPr id="6" name="Picture 5">
-            <a:extLst>
-              <a:ext uri="{FF2B5EF4-FFF2-40B4-BE49-F238E27FC236}">
-                <a16:creationId xmlns:a16="http://schemas.microsoft.com/office/drawing/2014/main" id="{69960695-C99A-4AC6-88A1-1D094AB98472}"/>
-              </a:ext>
-            </a:extLst>
-          </p:cNvPr>
-          <p:cNvPicPr>
-            <a:picLocks noChangeAspect="1"/>
-          </p:cNvPicPr>
-          <p:nvPr/>
-        </p:nvPicPr>
-        <p:blipFill>
-          <a:blip r:embed="rId3"/>
-          <a:stretch>
-            <a:fillRect/>
-          </a:stretch>
-        </p:blipFill>
-        <p:spPr>
-          <a:xfrm>
-            <a:off x="1623060" y="1267885"/>
-            <a:ext cx="7029450" cy="4410075"/>
-          </a:xfrm>
-          <a:prstGeom prst="rect">
-            <a:avLst/>
-          </a:prstGeom>
-        </p:spPr>
-      </p:pic>
-      <p:pic>
-        <p:nvPicPr>
-          <p:cNvPr id="7" name="Picture 6">
-            <a:extLst>
-              <a:ext uri="{FF2B5EF4-FFF2-40B4-BE49-F238E27FC236}">
-                <a16:creationId xmlns:a16="http://schemas.microsoft.com/office/drawing/2014/main" id="{B7983673-39C3-4E75-8EDA-93B5B18B9258}"/>
-              </a:ext>
-            </a:extLst>
-          </p:cNvPr>
-          <p:cNvPicPr>
-            <a:picLocks noChangeAspect="1"/>
-          </p:cNvPicPr>
-          <p:nvPr/>
-        </p:nvPicPr>
-        <p:blipFill rotWithShape="1">
-          <a:blip r:embed="rId2"/>
-          <a:srcRect r="96413"/>
-          <a:stretch/>
-        </p:blipFill>
-        <p:spPr>
-          <a:xfrm>
-            <a:off x="1229370" y="946950"/>
-            <a:ext cx="331413" cy="4405313"/>
-          </a:xfrm>
-          <a:prstGeom prst="rect">
-            <a:avLst/>
-          </a:prstGeom>
-        </p:spPr>
-      </p:pic>
-      <p:pic>
-        <p:nvPicPr>
-          <p:cNvPr id="8" name="Picture 7">
-            <a:extLst>
-              <a:ext uri="{FF2B5EF4-FFF2-40B4-BE49-F238E27FC236}">
-                <a16:creationId xmlns:a16="http://schemas.microsoft.com/office/drawing/2014/main" id="{6C9EE498-D994-4DC1-9664-E4D3D1A8134E}"/>
-              </a:ext>
-            </a:extLst>
-          </p:cNvPr>
-          <p:cNvPicPr>
-            <a:picLocks noChangeAspect="1"/>
-          </p:cNvPicPr>
-          <p:nvPr/>
-        </p:nvPicPr>
-        <p:blipFill rotWithShape="1">
-          <a:blip r:embed="rId2"/>
-          <a:srcRect t="92009"/>
-          <a:stretch/>
-        </p:blipFill>
-        <p:spPr>
-          <a:xfrm>
-            <a:off x="650239" y="5588001"/>
-            <a:ext cx="10116457" cy="385444"/>
-          </a:xfrm>
-          <a:prstGeom prst="rect">
-            <a:avLst/>
-          </a:prstGeom>
-        </p:spPr>
-      </p:pic>
-    </p:spTree>
-    <p:extLst>
-      <p:ext uri="{BB962C8B-B14F-4D97-AF65-F5344CB8AC3E}">
-        <p14:creationId xmlns:p14="http://schemas.microsoft.com/office/powerpoint/2010/main" val="2280316007"/>
-      </p:ext>
-    </p:extLst>
-  </p:cSld>
-  <p:clrMapOvr>
-    <a:masterClrMapping/>
-  </p:clrMapOvr>
-</p:sld>
-</file>
-
-<file path=ppt/slides/slide4.xml><?xml version="1.0" encoding="utf-8"?>
-<p:sld xmlns:a="http://schemas.openxmlformats.org/drawingml/2006/main" xmlns:r="http://schemas.openxmlformats.org/officeDocument/2006/relationships" xmlns:p="http://schemas.openxmlformats.org/presentationml/2006/main">
-  <p:cSld>
-    <p:spTree>
-      <p:nvGrpSpPr>
-        <p:cNvPr id="1" name=""/>
-        <p:cNvGrpSpPr/>
-        <p:nvPr/>
-      </p:nvGrpSpPr>
-      <p:grpSpPr>
-        <a:xfrm>
-          <a:off x="0" y="0"/>
-          <a:ext cx="0" cy="0"/>
-          <a:chOff x="0" y="0"/>
-          <a:chExt cx="0" cy="0"/>
-        </a:xfrm>
-      </p:grpSpPr>
-      <p:sp>
-        <p:nvSpPr>
-          <p:cNvPr id="2" name="Title 1">
-            <a:extLst>
-              <a:ext uri="{FF2B5EF4-FFF2-40B4-BE49-F238E27FC236}">
-                <a16:creationId xmlns:a16="http://schemas.microsoft.com/office/drawing/2014/main" id="{2C2EB725-3E6D-4BE5-B6E9-4FCA6F6E729F}"/>
-              </a:ext>
-            </a:extLst>
-          </p:cNvPr>
-          <p:cNvSpPr>
-            <a:spLocks noGrp="1"/>
-          </p:cNvSpPr>
-          <p:nvPr>
-            <p:ph type="title"/>
-          </p:nvPr>
-        </p:nvSpPr>
-        <p:spPr/>
-        <p:txBody>
-          <a:bodyPr/>
-          <a:lstStyle/>
-          <a:p>
-            <a:r>
-              <a:rPr lang="en-US" dirty="0"/>
-              <a:t>Fig 4b</a:t>
-            </a:r>
-          </a:p>
-        </p:txBody>
-      </p:sp>
-      <p:pic>
-        <p:nvPicPr>
-          <p:cNvPr id="4" name="Picture 3">
-            <a:extLst>
-              <a:ext uri="{FF2B5EF4-FFF2-40B4-BE49-F238E27FC236}">
-                <a16:creationId xmlns:a16="http://schemas.microsoft.com/office/drawing/2014/main" id="{559115E6-FBF3-4889-81F7-B010B79491DB}"/>
-              </a:ext>
-            </a:extLst>
-          </p:cNvPr>
-          <p:cNvPicPr>
-            <a:picLocks noChangeAspect="1"/>
-          </p:cNvPicPr>
-          <p:nvPr/>
-        </p:nvPicPr>
-        <p:blipFill>
-          <a:blip r:embed="rId2"/>
-          <a:stretch>
-            <a:fillRect/>
-          </a:stretch>
-        </p:blipFill>
-        <p:spPr>
-          <a:xfrm>
-            <a:off x="59764" y="1728787"/>
-            <a:ext cx="9884336" cy="4367213"/>
-          </a:xfrm>
-          <a:prstGeom prst="rect">
-            <a:avLst/>
-          </a:prstGeom>
-        </p:spPr>
-      </p:pic>
-    </p:spTree>
-    <p:extLst>
-      <p:ext uri="{BB962C8B-B14F-4D97-AF65-F5344CB8AC3E}">
-        <p14:creationId xmlns:p14="http://schemas.microsoft.com/office/powerpoint/2010/main" val="1663136479"/>
-      </p:ext>
-    </p:extLst>
-  </p:cSld>
-  <p:clrMapOvr>
-    <a:masterClrMapping/>
-  </p:clrMapOvr>
-</p:sld>
-</file>
-
-<file path=ppt/slides/slide5.xml><?xml version="1.0" encoding="utf-8"?>
-<p:sld xmlns:a="http://schemas.openxmlformats.org/drawingml/2006/main" xmlns:r="http://schemas.openxmlformats.org/officeDocument/2006/relationships" xmlns:p="http://schemas.openxmlformats.org/presentationml/2006/main">
-  <p:cSld>
-    <p:spTree>
-      <p:nvGrpSpPr>
-        <p:cNvPr id="1" name=""/>
-        <p:cNvGrpSpPr/>
-        <p:nvPr/>
-      </p:nvGrpSpPr>
-      <p:grpSpPr>
-        <a:xfrm>
-          <a:off x="0" y="0"/>
-          <a:ext cx="0" cy="0"/>
-          <a:chOff x="0" y="0"/>
-          <a:chExt cx="0" cy="0"/>
-        </a:xfrm>
-      </p:grpSpPr>
-      <p:sp>
-        <p:nvSpPr>
-          <p:cNvPr id="2" name="Title 1">
-            <a:extLst>
-              <a:ext uri="{FF2B5EF4-FFF2-40B4-BE49-F238E27FC236}">
-                <a16:creationId xmlns:a16="http://schemas.microsoft.com/office/drawing/2014/main" id="{1CE5797D-D3B7-4F30-BBD7-64827B20C19C}"/>
-              </a:ext>
-            </a:extLst>
-          </p:cNvPr>
-          <p:cNvSpPr>
-            <a:spLocks noGrp="1"/>
-          </p:cNvSpPr>
-          <p:nvPr>
-            <p:ph type="title"/>
-          </p:nvPr>
-        </p:nvSpPr>
-        <p:spPr>
-          <a:xfrm>
-            <a:off x="0" y="58797"/>
-            <a:ext cx="1823720" cy="782955"/>
-          </a:xfrm>
-        </p:spPr>
-        <p:txBody>
-          <a:bodyPr/>
-          <a:lstStyle/>
-          <a:p>
-            <a:r>
-              <a:rPr lang="en-US" dirty="0"/>
-              <a:t>Fig4c</a:t>
-            </a:r>
-          </a:p>
-        </p:txBody>
-      </p:sp>
-      <p:sp>
-        <p:nvSpPr>
-          <p:cNvPr id="3" name="Content Placeholder 2">
-            <a:extLst>
-              <a:ext uri="{FF2B5EF4-FFF2-40B4-BE49-F238E27FC236}">
-                <a16:creationId xmlns:a16="http://schemas.microsoft.com/office/drawing/2014/main" id="{142800C9-CF06-428A-BE35-8EC2B14A9076}"/>
-              </a:ext>
-            </a:extLst>
-          </p:cNvPr>
-          <p:cNvSpPr>
-            <a:spLocks noGrp="1"/>
-          </p:cNvSpPr>
-          <p:nvPr>
-            <p:ph idx="1"/>
-          </p:nvPr>
-        </p:nvSpPr>
-        <p:spPr/>
-        <p:txBody>
-          <a:bodyPr/>
-          <a:lstStyle/>
-          <a:p>
-            <a:endParaRPr lang="en-US"/>
-          </a:p>
-        </p:txBody>
-      </p:sp>
-      <p:pic>
-        <p:nvPicPr>
-          <p:cNvPr id="6" name="Picture 5">
-            <a:extLst>
-              <a:ext uri="{FF2B5EF4-FFF2-40B4-BE49-F238E27FC236}">
-                <a16:creationId xmlns:a16="http://schemas.microsoft.com/office/drawing/2014/main" id="{4448C2B5-1BA7-4D51-A097-ADF32FE58120}"/>
-              </a:ext>
-            </a:extLst>
-          </p:cNvPr>
-          <p:cNvPicPr>
-            <a:picLocks noChangeAspect="1"/>
-          </p:cNvPicPr>
-          <p:nvPr/>
-        </p:nvPicPr>
-        <p:blipFill>
-          <a:blip r:embed="rId2"/>
-          <a:stretch>
-            <a:fillRect/>
-          </a:stretch>
-        </p:blipFill>
-        <p:spPr>
-          <a:xfrm>
-            <a:off x="771525" y="759142"/>
-            <a:ext cx="10648950" cy="3267075"/>
-          </a:xfrm>
-          <a:prstGeom prst="rect">
-            <a:avLst/>
-          </a:prstGeom>
-        </p:spPr>
-      </p:pic>
-      <p:pic>
-        <p:nvPicPr>
-          <p:cNvPr id="7" name="Picture 6">
-            <a:extLst>
-              <a:ext uri="{FF2B5EF4-FFF2-40B4-BE49-F238E27FC236}">
-                <a16:creationId xmlns:a16="http://schemas.microsoft.com/office/drawing/2014/main" id="{75A3A3F5-B5CF-4215-9E03-FF14EDB91F00}"/>
-              </a:ext>
-            </a:extLst>
-          </p:cNvPr>
-          <p:cNvPicPr>
-            <a:picLocks noChangeAspect="1"/>
-          </p:cNvPicPr>
-          <p:nvPr/>
-        </p:nvPicPr>
-        <p:blipFill>
-          <a:blip r:embed="rId3"/>
-          <a:stretch>
-            <a:fillRect/>
-          </a:stretch>
-        </p:blipFill>
-        <p:spPr>
-          <a:xfrm>
-            <a:off x="0" y="3875604"/>
-            <a:ext cx="12192000" cy="4416116"/>
-          </a:xfrm>
-          <a:prstGeom prst="rect">
-            <a:avLst/>
-          </a:prstGeom>
-        </p:spPr>
-      </p:pic>
-    </p:spTree>
-    <p:extLst>
-      <p:ext uri="{BB962C8B-B14F-4D97-AF65-F5344CB8AC3E}">
-        <p14:creationId xmlns:p14="http://schemas.microsoft.com/office/powerpoint/2010/main" val="3471142185"/>
-      </p:ext>
-    </p:extLst>
-  </p:cSld>
-  <p:clrMapOvr>
-    <a:masterClrMapping/>
-  </p:clrMapOvr>
-</p:sld>
-</file>
-
-<file path=ppt/slides/slide6.xml><?xml version="1.0" encoding="utf-8"?>
-<p:sld xmlns:a="http://schemas.openxmlformats.org/drawingml/2006/main" xmlns:r="http://schemas.openxmlformats.org/officeDocument/2006/relationships" xmlns:p="http://schemas.openxmlformats.org/presentationml/2006/main">
-  <p:cSld>
-    <p:spTree>
-      <p:nvGrpSpPr>
-        <p:cNvPr id="1" name=""/>
-        <p:cNvGrpSpPr/>
-        <p:nvPr/>
-      </p:nvGrpSpPr>
-      <p:grpSpPr>
-        <a:xfrm>
-          <a:off x="0" y="0"/>
-          <a:ext cx="0" cy="0"/>
-          <a:chOff x="0" y="0"/>
-          <a:chExt cx="0" cy="0"/>
-        </a:xfrm>
-      </p:grpSpPr>
-      <p:sp>
-        <p:nvSpPr>
-          <p:cNvPr id="2" name="Title 1">
-            <a:extLst>
-              <a:ext uri="{FF2B5EF4-FFF2-40B4-BE49-F238E27FC236}">
-                <a16:creationId xmlns:a16="http://schemas.microsoft.com/office/drawing/2014/main" id="{F8589263-0E7F-4053-B571-33802FFA76FA}"/>
-              </a:ext>
-            </a:extLst>
-          </p:cNvPr>
-          <p:cNvSpPr>
-            <a:spLocks noGrp="1"/>
-          </p:cNvSpPr>
-          <p:nvPr>
-            <p:ph type="title"/>
-          </p:nvPr>
-        </p:nvSpPr>
-        <p:spPr/>
-        <p:txBody>
-          <a:bodyPr/>
-          <a:lstStyle/>
-          <a:p>
-            <a:r>
-              <a:rPr lang="en-US" dirty="0"/>
-              <a:t>Fig 5b</a:t>
-            </a:r>
-          </a:p>
-        </p:txBody>
-      </p:sp>
-      <p:pic>
-        <p:nvPicPr>
-          <p:cNvPr id="4" name="Picture 3">
-            <a:extLst>
-              <a:ext uri="{FF2B5EF4-FFF2-40B4-BE49-F238E27FC236}">
-                <a16:creationId xmlns:a16="http://schemas.microsoft.com/office/drawing/2014/main" id="{B62E7EB0-B719-488C-9452-3E319DA7E9C2}"/>
-              </a:ext>
-            </a:extLst>
-          </p:cNvPr>
-          <p:cNvPicPr>
-            <a:picLocks noChangeAspect="1"/>
-          </p:cNvPicPr>
-          <p:nvPr/>
-        </p:nvPicPr>
-        <p:blipFill>
-          <a:blip r:embed="rId2"/>
-          <a:stretch>
-            <a:fillRect/>
-          </a:stretch>
-        </p:blipFill>
-        <p:spPr>
-          <a:xfrm>
-            <a:off x="2247899" y="957943"/>
-            <a:ext cx="9440855" cy="4171269"/>
-          </a:xfrm>
-          <a:prstGeom prst="rect">
-            <a:avLst/>
-          </a:prstGeom>
-        </p:spPr>
-      </p:pic>
-    </p:spTree>
-    <p:extLst>
-      <p:ext uri="{BB962C8B-B14F-4D97-AF65-F5344CB8AC3E}">
-        <p14:creationId xmlns:p14="http://schemas.microsoft.com/office/powerpoint/2010/main" val="138162356"/>
-      </p:ext>
-    </p:extLst>
-  </p:cSld>
-  <p:clrMapOvr>
-    <a:masterClrMapping/>
-  </p:clrMapOvr>
-</p:sld>
-</file>
-
-<file path=ppt/slides/slide7.xml><?xml version="1.0" encoding="utf-8"?>
-<p:sld xmlns:a="http://schemas.openxmlformats.org/drawingml/2006/main" xmlns:r="http://schemas.openxmlformats.org/officeDocument/2006/relationships" xmlns:p="http://schemas.openxmlformats.org/presentationml/2006/main">
-  <p:cSld>
-    <p:spTree>
-      <p:nvGrpSpPr>
-        <p:cNvPr id="1" name=""/>
-        <p:cNvGrpSpPr/>
-        <p:nvPr/>
-      </p:nvGrpSpPr>
-      <p:grpSpPr>
-        <a:xfrm>
-          <a:off x="0" y="0"/>
-          <a:ext cx="0" cy="0"/>
-          <a:chOff x="0" y="0"/>
-          <a:chExt cx="0" cy="0"/>
-        </a:xfrm>
-      </p:grpSpPr>
-      <p:sp>
-        <p:nvSpPr>
           <p:cNvPr id="2" name="Title 1">
             <a:extLst>
               <a:ext uri="{FF2B5EF4-FFF2-40B4-BE49-F238E27FC236}">
@@ -5971,6 +5117,96 @@
           </a:p>
         </p:txBody>
       </p:sp>
+      <p:pic>
+        <p:nvPicPr>
+          <p:cNvPr id="3" name="Picture 2">
+            <a:extLst>
+              <a:ext uri="{FF2B5EF4-FFF2-40B4-BE49-F238E27FC236}">
+                <a16:creationId xmlns:a16="http://schemas.microsoft.com/office/drawing/2014/main" id="{A63C40D3-B14D-4E26-985A-55F669DF8B6E}"/>
+              </a:ext>
+            </a:extLst>
+          </p:cNvPr>
+          <p:cNvPicPr>
+            <a:picLocks noChangeAspect="1"/>
+          </p:cNvPicPr>
+          <p:nvPr/>
+        </p:nvPicPr>
+        <p:blipFill>
+          <a:blip r:embed="rId3"/>
+          <a:stretch>
+            <a:fillRect/>
+          </a:stretch>
+        </p:blipFill>
+        <p:spPr>
+          <a:xfrm>
+            <a:off x="4610099" y="365125"/>
+            <a:ext cx="2436988" cy="1340073"/>
+          </a:xfrm>
+          <a:prstGeom prst="rect">
+            <a:avLst/>
+          </a:prstGeom>
+        </p:spPr>
+      </p:pic>
+      <p:pic>
+        <p:nvPicPr>
+          <p:cNvPr id="4" name="Picture 3">
+            <a:extLst>
+              <a:ext uri="{FF2B5EF4-FFF2-40B4-BE49-F238E27FC236}">
+                <a16:creationId xmlns:a16="http://schemas.microsoft.com/office/drawing/2014/main" id="{182F5D78-2A06-4D2B-9A2D-1FF322E611C6}"/>
+              </a:ext>
+            </a:extLst>
+          </p:cNvPr>
+          <p:cNvPicPr>
+            <a:picLocks noChangeAspect="1"/>
+          </p:cNvPicPr>
+          <p:nvPr/>
+        </p:nvPicPr>
+        <p:blipFill>
+          <a:blip r:embed="rId4"/>
+          <a:stretch>
+            <a:fillRect/>
+          </a:stretch>
+        </p:blipFill>
+        <p:spPr>
+          <a:xfrm>
+            <a:off x="7521158" y="577732"/>
+            <a:ext cx="1949638" cy="1443378"/>
+          </a:xfrm>
+          <a:prstGeom prst="rect">
+            <a:avLst/>
+          </a:prstGeom>
+        </p:spPr>
+      </p:pic>
+      <p:pic>
+        <p:nvPicPr>
+          <p:cNvPr id="8" name="Picture 7">
+            <a:extLst>
+              <a:ext uri="{FF2B5EF4-FFF2-40B4-BE49-F238E27FC236}">
+                <a16:creationId xmlns:a16="http://schemas.microsoft.com/office/drawing/2014/main" id="{E579A440-62E2-4C6B-8E53-14EBE58F5D16}"/>
+              </a:ext>
+            </a:extLst>
+          </p:cNvPr>
+          <p:cNvPicPr>
+            <a:picLocks noChangeAspect="1"/>
+          </p:cNvPicPr>
+          <p:nvPr/>
+        </p:nvPicPr>
+        <p:blipFill>
+          <a:blip r:embed="rId5"/>
+          <a:stretch>
+            <a:fillRect/>
+          </a:stretch>
+        </p:blipFill>
+        <p:spPr>
+          <a:xfrm>
+            <a:off x="2845506" y="281210"/>
+            <a:ext cx="1207785" cy="2043246"/>
+          </a:xfrm>
+          <a:prstGeom prst="rect">
+            <a:avLst/>
+          </a:prstGeom>
+        </p:spPr>
+      </p:pic>
     </p:spTree>
     <p:extLst>
       <p:ext uri="{BB962C8B-B14F-4D97-AF65-F5344CB8AC3E}">
@@ -5984,7 +5220,7 @@
 </p:sld>
 </file>
 
-<file path=ppt/slides/slide8.xml><?xml version="1.0" encoding="utf-8"?>
+<file path=ppt/slides/slide11.xml><?xml version="1.0" encoding="utf-8"?>
 <p:sld xmlns:a="http://schemas.openxmlformats.org/drawingml/2006/main" xmlns:r="http://schemas.openxmlformats.org/officeDocument/2006/relationships" xmlns:p="http://schemas.openxmlformats.org/presentationml/2006/main">
   <p:cSld>
     <p:spTree>
@@ -6270,7 +5506,7 @@
             <a:fld id="{FDC40351-2EB1-4AB4-A6D0-AB8EF40E804F}" type="slidenum">
               <a:rPr lang="en-US" smtClean="0"/>
               <a:pPr/>
-              <a:t>8</a:t>
+              <a:t>11</a:t>
             </a:fld>
             <a:endParaRPr lang="en-US"/>
           </a:p>
@@ -7160,6 +6396,300 @@
           <a:p>
             <a:pPr algn="ctr"/>
             <a:endParaRPr lang="en-US"/>
+          </a:p>
+        </p:txBody>
+      </p:sp>
+      <p:sp>
+        <p:nvSpPr>
+          <p:cNvPr id="24" name="TextBox 23">
+            <a:extLst>
+              <a:ext uri="{FF2B5EF4-FFF2-40B4-BE49-F238E27FC236}">
+                <a16:creationId xmlns:a16="http://schemas.microsoft.com/office/drawing/2014/main" id="{225938A0-DD32-4E4E-8DD7-36851B4C64F0}"/>
+              </a:ext>
+            </a:extLst>
+          </p:cNvPr>
+          <p:cNvSpPr txBox="1"/>
+          <p:nvPr/>
+        </p:nvSpPr>
+        <p:spPr>
+          <a:xfrm>
+            <a:off x="6791512" y="1751871"/>
+            <a:ext cx="301686" cy="369332"/>
+          </a:xfrm>
+          <a:prstGeom prst="rect">
+            <a:avLst/>
+          </a:prstGeom>
+          <a:noFill/>
+        </p:spPr>
+        <p:txBody>
+          <a:bodyPr wrap="none" rtlCol="0">
+            <a:spAutoFit/>
+          </a:bodyPr>
+          <a:lstStyle/>
+          <a:p>
+            <a:r>
+              <a:rPr lang="en-US" dirty="0">
+                <a:solidFill>
+                  <a:srgbClr val="FF0000"/>
+                </a:solidFill>
+                <a:highlight>
+                  <a:srgbClr val="FFFF00"/>
+                </a:highlight>
+              </a:rPr>
+              <a:t>1</a:t>
+            </a:r>
+          </a:p>
+        </p:txBody>
+      </p:sp>
+      <p:sp>
+        <p:nvSpPr>
+          <p:cNvPr id="26" name="TextBox 25">
+            <a:extLst>
+              <a:ext uri="{FF2B5EF4-FFF2-40B4-BE49-F238E27FC236}">
+                <a16:creationId xmlns:a16="http://schemas.microsoft.com/office/drawing/2014/main" id="{FC34619F-B162-4054-B545-4B36EB61DB7D}"/>
+              </a:ext>
+            </a:extLst>
+          </p:cNvPr>
+          <p:cNvSpPr txBox="1"/>
+          <p:nvPr/>
+        </p:nvSpPr>
+        <p:spPr>
+          <a:xfrm>
+            <a:off x="6907410" y="3390315"/>
+            <a:ext cx="248635" cy="378416"/>
+          </a:xfrm>
+          <a:prstGeom prst="rect">
+            <a:avLst/>
+          </a:prstGeom>
+          <a:noFill/>
+        </p:spPr>
+        <p:txBody>
+          <a:bodyPr wrap="square" rtlCol="0">
+            <a:spAutoFit/>
+          </a:bodyPr>
+          <a:lstStyle/>
+          <a:p>
+            <a:r>
+              <a:rPr lang="en-US" dirty="0">
+                <a:solidFill>
+                  <a:srgbClr val="FF0000"/>
+                </a:solidFill>
+                <a:highlight>
+                  <a:srgbClr val="FFFF00"/>
+                </a:highlight>
+              </a:rPr>
+              <a:t>2</a:t>
+            </a:r>
+          </a:p>
+        </p:txBody>
+      </p:sp>
+      <p:sp>
+        <p:nvSpPr>
+          <p:cNvPr id="28" name="TextBox 27">
+            <a:extLst>
+              <a:ext uri="{FF2B5EF4-FFF2-40B4-BE49-F238E27FC236}">
+                <a16:creationId xmlns:a16="http://schemas.microsoft.com/office/drawing/2014/main" id="{2BF8F18E-1E3B-4B3B-B785-065ADC4A3991}"/>
+              </a:ext>
+            </a:extLst>
+          </p:cNvPr>
+          <p:cNvSpPr txBox="1"/>
+          <p:nvPr/>
+        </p:nvSpPr>
+        <p:spPr>
+          <a:xfrm>
+            <a:off x="8116591" y="2306307"/>
+            <a:ext cx="248635" cy="378416"/>
+          </a:xfrm>
+          <a:prstGeom prst="rect">
+            <a:avLst/>
+          </a:prstGeom>
+          <a:noFill/>
+        </p:spPr>
+        <p:txBody>
+          <a:bodyPr wrap="square" rtlCol="0">
+            <a:spAutoFit/>
+          </a:bodyPr>
+          <a:lstStyle/>
+          <a:p>
+            <a:r>
+              <a:rPr lang="en-US" dirty="0">
+                <a:solidFill>
+                  <a:srgbClr val="FF0000"/>
+                </a:solidFill>
+                <a:highlight>
+                  <a:srgbClr val="FFFF00"/>
+                </a:highlight>
+              </a:rPr>
+              <a:t>3</a:t>
+            </a:r>
+          </a:p>
+        </p:txBody>
+      </p:sp>
+      <p:sp>
+        <p:nvSpPr>
+          <p:cNvPr id="33" name="TextBox 32">
+            <a:extLst>
+              <a:ext uri="{FF2B5EF4-FFF2-40B4-BE49-F238E27FC236}">
+                <a16:creationId xmlns:a16="http://schemas.microsoft.com/office/drawing/2014/main" id="{FC197A84-ABFA-4015-A57C-03F0BBDC31B6}"/>
+              </a:ext>
+            </a:extLst>
+          </p:cNvPr>
+          <p:cNvSpPr txBox="1"/>
+          <p:nvPr/>
+        </p:nvSpPr>
+        <p:spPr>
+          <a:xfrm>
+            <a:off x="8164709" y="3676631"/>
+            <a:ext cx="248635" cy="378416"/>
+          </a:xfrm>
+          <a:prstGeom prst="rect">
+            <a:avLst/>
+          </a:prstGeom>
+          <a:noFill/>
+        </p:spPr>
+        <p:txBody>
+          <a:bodyPr wrap="square" rtlCol="0">
+            <a:spAutoFit/>
+          </a:bodyPr>
+          <a:lstStyle/>
+          <a:p>
+            <a:r>
+              <a:rPr lang="en-US" dirty="0">
+                <a:solidFill>
+                  <a:srgbClr val="FF0000"/>
+                </a:solidFill>
+                <a:highlight>
+                  <a:srgbClr val="FFFF00"/>
+                </a:highlight>
+              </a:rPr>
+              <a:t>4</a:t>
+            </a:r>
+          </a:p>
+        </p:txBody>
+      </p:sp>
+      <p:sp>
+        <p:nvSpPr>
+          <p:cNvPr id="34" name="TextBox 33">
+            <a:extLst>
+              <a:ext uri="{FF2B5EF4-FFF2-40B4-BE49-F238E27FC236}">
+                <a16:creationId xmlns:a16="http://schemas.microsoft.com/office/drawing/2014/main" id="{E0DCD21C-3C17-42B2-AF96-DAE2A8977183}"/>
+              </a:ext>
+            </a:extLst>
+          </p:cNvPr>
+          <p:cNvSpPr txBox="1"/>
+          <p:nvPr/>
+        </p:nvSpPr>
+        <p:spPr>
+          <a:xfrm>
+            <a:off x="9501688" y="2138221"/>
+            <a:ext cx="248635" cy="378416"/>
+          </a:xfrm>
+          <a:prstGeom prst="rect">
+            <a:avLst/>
+          </a:prstGeom>
+          <a:noFill/>
+        </p:spPr>
+        <p:txBody>
+          <a:bodyPr wrap="square" rtlCol="0">
+            <a:spAutoFit/>
+          </a:bodyPr>
+          <a:lstStyle/>
+          <a:p>
+            <a:r>
+              <a:rPr lang="en-US" dirty="0">
+                <a:solidFill>
+                  <a:srgbClr val="FF0000"/>
+                </a:solidFill>
+                <a:highlight>
+                  <a:srgbClr val="FFFF00"/>
+                </a:highlight>
+              </a:rPr>
+              <a:t>5</a:t>
+            </a:r>
+          </a:p>
+        </p:txBody>
+      </p:sp>
+      <p:sp>
+        <p:nvSpPr>
+          <p:cNvPr id="35" name="TextBox 34">
+            <a:extLst>
+              <a:ext uri="{FF2B5EF4-FFF2-40B4-BE49-F238E27FC236}">
+                <a16:creationId xmlns:a16="http://schemas.microsoft.com/office/drawing/2014/main" id="{B6573458-819D-49C5-B82B-15F0C6CEBFD8}"/>
+              </a:ext>
+            </a:extLst>
+          </p:cNvPr>
+          <p:cNvSpPr txBox="1"/>
+          <p:nvPr/>
+        </p:nvSpPr>
+        <p:spPr>
+          <a:xfrm>
+            <a:off x="9498209" y="3404591"/>
+            <a:ext cx="248635" cy="378416"/>
+          </a:xfrm>
+          <a:prstGeom prst="rect">
+            <a:avLst/>
+          </a:prstGeom>
+          <a:noFill/>
+        </p:spPr>
+        <p:txBody>
+          <a:bodyPr wrap="square" rtlCol="0">
+            <a:spAutoFit/>
+          </a:bodyPr>
+          <a:lstStyle/>
+          <a:p>
+            <a:r>
+              <a:rPr lang="en-US" dirty="0">
+                <a:solidFill>
+                  <a:srgbClr val="FF0000"/>
+                </a:solidFill>
+                <a:highlight>
+                  <a:srgbClr val="FFFF00"/>
+                </a:highlight>
+              </a:rPr>
+              <a:t>6</a:t>
+            </a:r>
+          </a:p>
+        </p:txBody>
+      </p:sp>
+      <p:sp>
+        <p:nvSpPr>
+          <p:cNvPr id="36" name="TextBox 35">
+            <a:extLst>
+              <a:ext uri="{FF2B5EF4-FFF2-40B4-BE49-F238E27FC236}">
+                <a16:creationId xmlns:a16="http://schemas.microsoft.com/office/drawing/2014/main" id="{A8E39E8A-90E7-4764-8468-49F97CA594A8}"/>
+              </a:ext>
+            </a:extLst>
+          </p:cNvPr>
+          <p:cNvSpPr txBox="1"/>
+          <p:nvPr/>
+        </p:nvSpPr>
+        <p:spPr>
+          <a:xfrm>
+            <a:off x="3662904" y="1848209"/>
+            <a:ext cx="301686" cy="369332"/>
+          </a:xfrm>
+          <a:prstGeom prst="rect">
+            <a:avLst/>
+          </a:prstGeom>
+          <a:noFill/>
+        </p:spPr>
+        <p:txBody>
+          <a:bodyPr wrap="none" rtlCol="0">
+            <a:spAutoFit/>
+          </a:bodyPr>
+          <a:lstStyle/>
+          <a:p>
+            <a:r>
+              <a:rPr lang="en-US" dirty="0">
+                <a:solidFill>
+                  <a:srgbClr val="FF0000"/>
+                </a:solidFill>
+                <a:highlight>
+                  <a:srgbClr val="FFFF00"/>
+                </a:highlight>
+              </a:rPr>
+              <a:t>0</a:t>
+            </a:r>
           </a:p>
         </p:txBody>
       </p:sp>
@@ -7389,7 +6919,574 @@
 </p:sld>
 </file>
 
-<file path=ppt/slides/slide9.xml><?xml version="1.0" encoding="utf-8"?>
+<file path=ppt/slides/slide12.xml><?xml version="1.0" encoding="utf-8"?>
+<p:sld xmlns:a="http://schemas.openxmlformats.org/drawingml/2006/main" xmlns:r="http://schemas.openxmlformats.org/officeDocument/2006/relationships" xmlns:p="http://schemas.openxmlformats.org/presentationml/2006/main">
+  <p:cSld>
+    <p:spTree>
+      <p:nvGrpSpPr>
+        <p:cNvPr id="1" name=""/>
+        <p:cNvGrpSpPr/>
+        <p:nvPr/>
+      </p:nvGrpSpPr>
+      <p:grpSpPr>
+        <a:xfrm>
+          <a:off x="0" y="0"/>
+          <a:ext cx="0" cy="0"/>
+          <a:chOff x="0" y="0"/>
+          <a:chExt cx="0" cy="0"/>
+        </a:xfrm>
+      </p:grpSpPr>
+      <p:sp>
+        <p:nvSpPr>
+          <p:cNvPr id="2" name="Title 1">
+            <a:extLst>
+              <a:ext uri="{FF2B5EF4-FFF2-40B4-BE49-F238E27FC236}">
+                <a16:creationId xmlns:a16="http://schemas.microsoft.com/office/drawing/2014/main" id="{7B2CD7CA-0AF3-4D29-97CF-7EFA966A2336}"/>
+              </a:ext>
+            </a:extLst>
+          </p:cNvPr>
+          <p:cNvSpPr>
+            <a:spLocks noGrp="1"/>
+          </p:cNvSpPr>
+          <p:nvPr>
+            <p:ph type="title"/>
+          </p:nvPr>
+        </p:nvSpPr>
+        <p:spPr>
+          <a:xfrm>
+            <a:off x="838200" y="365125"/>
+            <a:ext cx="10515600" cy="788557"/>
+          </a:xfrm>
+        </p:spPr>
+        <p:txBody>
+          <a:bodyPr/>
+          <a:lstStyle/>
+          <a:p>
+            <a:r>
+              <a:rPr lang="en-US" dirty="0"/>
+              <a:t>Fig8</a:t>
+            </a:r>
+          </a:p>
+        </p:txBody>
+      </p:sp>
+      <p:pic>
+        <p:nvPicPr>
+          <p:cNvPr id="3" name="Picture 2">
+            <a:extLst>
+              <a:ext uri="{FF2B5EF4-FFF2-40B4-BE49-F238E27FC236}">
+                <a16:creationId xmlns:a16="http://schemas.microsoft.com/office/drawing/2014/main" id="{184FD318-DAA5-4130-98A8-57936AB5AFFB}"/>
+              </a:ext>
+            </a:extLst>
+          </p:cNvPr>
+          <p:cNvPicPr>
+            <a:picLocks noChangeAspect="1"/>
+          </p:cNvPicPr>
+          <p:nvPr/>
+        </p:nvPicPr>
+        <p:blipFill>
+          <a:blip r:embed="rId2"/>
+          <a:stretch>
+            <a:fillRect/>
+          </a:stretch>
+        </p:blipFill>
+        <p:spPr>
+          <a:xfrm>
+            <a:off x="1908042" y="112202"/>
+            <a:ext cx="2968817" cy="1663733"/>
+          </a:xfrm>
+          <a:prstGeom prst="rect">
+            <a:avLst/>
+          </a:prstGeom>
+        </p:spPr>
+      </p:pic>
+      <p:sp>
+        <p:nvSpPr>
+          <p:cNvPr id="4" name="TextBox 3">
+            <a:extLst>
+              <a:ext uri="{FF2B5EF4-FFF2-40B4-BE49-F238E27FC236}">
+                <a16:creationId xmlns:a16="http://schemas.microsoft.com/office/drawing/2014/main" id="{418E0466-7AF6-4334-97C8-70D85337B61E}"/>
+              </a:ext>
+            </a:extLst>
+          </p:cNvPr>
+          <p:cNvSpPr txBox="1"/>
+          <p:nvPr/>
+        </p:nvSpPr>
+        <p:spPr>
+          <a:xfrm>
+            <a:off x="2438774" y="574737"/>
+            <a:ext cx="301686" cy="369332"/>
+          </a:xfrm>
+          <a:prstGeom prst="rect">
+            <a:avLst/>
+          </a:prstGeom>
+          <a:noFill/>
+        </p:spPr>
+        <p:txBody>
+          <a:bodyPr wrap="none" rtlCol="0">
+            <a:spAutoFit/>
+          </a:bodyPr>
+          <a:lstStyle/>
+          <a:p>
+            <a:r>
+              <a:rPr lang="en-US" dirty="0">
+                <a:solidFill>
+                  <a:srgbClr val="FF0000"/>
+                </a:solidFill>
+                <a:highlight>
+                  <a:srgbClr val="FFFF00"/>
+                </a:highlight>
+              </a:rPr>
+              <a:t>0</a:t>
+            </a:r>
+          </a:p>
+        </p:txBody>
+      </p:sp>
+      <p:pic>
+        <p:nvPicPr>
+          <p:cNvPr id="5" name="Picture 4">
+            <a:extLst>
+              <a:ext uri="{FF2B5EF4-FFF2-40B4-BE49-F238E27FC236}">
+                <a16:creationId xmlns:a16="http://schemas.microsoft.com/office/drawing/2014/main" id="{35BAA319-0341-4699-8B85-640AE73DA63A}"/>
+              </a:ext>
+            </a:extLst>
+          </p:cNvPr>
+          <p:cNvPicPr>
+            <a:picLocks noChangeAspect="1"/>
+          </p:cNvPicPr>
+          <p:nvPr/>
+        </p:nvPicPr>
+        <p:blipFill>
+          <a:blip r:embed="rId3"/>
+          <a:stretch>
+            <a:fillRect/>
+          </a:stretch>
+        </p:blipFill>
+        <p:spPr>
+          <a:xfrm>
+            <a:off x="1671804" y="2751553"/>
+            <a:ext cx="1835625" cy="1312001"/>
+          </a:xfrm>
+          <a:prstGeom prst="rect">
+            <a:avLst/>
+          </a:prstGeom>
+        </p:spPr>
+      </p:pic>
+      <p:pic>
+        <p:nvPicPr>
+          <p:cNvPr id="6" name="Picture 5">
+            <a:extLst>
+              <a:ext uri="{FF2B5EF4-FFF2-40B4-BE49-F238E27FC236}">
+                <a16:creationId xmlns:a16="http://schemas.microsoft.com/office/drawing/2014/main" id="{393B3EB9-2D3B-4171-8E2A-61BF99F3AEB8}"/>
+              </a:ext>
+            </a:extLst>
+          </p:cNvPr>
+          <p:cNvPicPr>
+            <a:picLocks noChangeAspect="1"/>
+          </p:cNvPicPr>
+          <p:nvPr/>
+        </p:nvPicPr>
+        <p:blipFill>
+          <a:blip r:embed="rId4"/>
+          <a:stretch>
+            <a:fillRect/>
+          </a:stretch>
+        </p:blipFill>
+        <p:spPr>
+          <a:xfrm>
+            <a:off x="328233" y="3817053"/>
+            <a:ext cx="3593859" cy="2034370"/>
+          </a:xfrm>
+          <a:prstGeom prst="rect">
+            <a:avLst/>
+          </a:prstGeom>
+        </p:spPr>
+      </p:pic>
+      <p:sp>
+        <p:nvSpPr>
+          <p:cNvPr id="7" name="TextBox 6">
+            <a:extLst>
+              <a:ext uri="{FF2B5EF4-FFF2-40B4-BE49-F238E27FC236}">
+                <a16:creationId xmlns:a16="http://schemas.microsoft.com/office/drawing/2014/main" id="{4F380B29-8BDE-4073-B1B3-9C5BA709D162}"/>
+              </a:ext>
+            </a:extLst>
+          </p:cNvPr>
+          <p:cNvSpPr txBox="1"/>
+          <p:nvPr/>
+        </p:nvSpPr>
+        <p:spPr>
+          <a:xfrm>
+            <a:off x="1245292" y="3073296"/>
+            <a:ext cx="301686" cy="369332"/>
+          </a:xfrm>
+          <a:prstGeom prst="rect">
+            <a:avLst/>
+          </a:prstGeom>
+          <a:noFill/>
+        </p:spPr>
+        <p:txBody>
+          <a:bodyPr wrap="none" rtlCol="0">
+            <a:spAutoFit/>
+          </a:bodyPr>
+          <a:lstStyle/>
+          <a:p>
+            <a:r>
+              <a:rPr lang="en-US" dirty="0">
+                <a:solidFill>
+                  <a:srgbClr val="FF0000"/>
+                </a:solidFill>
+                <a:highlight>
+                  <a:srgbClr val="FFFF00"/>
+                </a:highlight>
+              </a:rPr>
+              <a:t>1</a:t>
+            </a:r>
+          </a:p>
+        </p:txBody>
+      </p:sp>
+      <p:sp>
+        <p:nvSpPr>
+          <p:cNvPr id="8" name="TextBox 7">
+            <a:extLst>
+              <a:ext uri="{FF2B5EF4-FFF2-40B4-BE49-F238E27FC236}">
+                <a16:creationId xmlns:a16="http://schemas.microsoft.com/office/drawing/2014/main" id="{4F1600EA-618E-4281-9D6E-54750858BC8F}"/>
+              </a:ext>
+            </a:extLst>
+          </p:cNvPr>
+          <p:cNvSpPr txBox="1"/>
+          <p:nvPr/>
+        </p:nvSpPr>
+        <p:spPr>
+          <a:xfrm>
+            <a:off x="1361190" y="4711740"/>
+            <a:ext cx="248635" cy="378416"/>
+          </a:xfrm>
+          <a:prstGeom prst="rect">
+            <a:avLst/>
+          </a:prstGeom>
+          <a:noFill/>
+        </p:spPr>
+        <p:txBody>
+          <a:bodyPr wrap="square" rtlCol="0">
+            <a:spAutoFit/>
+          </a:bodyPr>
+          <a:lstStyle/>
+          <a:p>
+            <a:r>
+              <a:rPr lang="en-US" dirty="0">
+                <a:solidFill>
+                  <a:srgbClr val="FF0000"/>
+                </a:solidFill>
+                <a:highlight>
+                  <a:srgbClr val="FFFF00"/>
+                </a:highlight>
+              </a:rPr>
+              <a:t>2</a:t>
+            </a:r>
+          </a:p>
+        </p:txBody>
+      </p:sp>
+      <p:pic>
+        <p:nvPicPr>
+          <p:cNvPr id="9" name="Picture 8">
+            <a:extLst>
+              <a:ext uri="{FF2B5EF4-FFF2-40B4-BE49-F238E27FC236}">
+                <a16:creationId xmlns:a16="http://schemas.microsoft.com/office/drawing/2014/main" id="{EADD05B5-CF7C-4ACA-8ED1-9FD9C3068996}"/>
+              </a:ext>
+            </a:extLst>
+          </p:cNvPr>
+          <p:cNvPicPr>
+            <a:picLocks noChangeAspect="1"/>
+          </p:cNvPicPr>
+          <p:nvPr/>
+        </p:nvPicPr>
+        <p:blipFill>
+          <a:blip r:embed="rId5"/>
+          <a:stretch>
+            <a:fillRect/>
+          </a:stretch>
+        </p:blipFill>
+        <p:spPr>
+          <a:xfrm>
+            <a:off x="5167891" y="2931056"/>
+            <a:ext cx="1301275" cy="952297"/>
+          </a:xfrm>
+          <a:prstGeom prst="rect">
+            <a:avLst/>
+          </a:prstGeom>
+        </p:spPr>
+      </p:pic>
+      <p:pic>
+        <p:nvPicPr>
+          <p:cNvPr id="10" name="Picture 9">
+            <a:extLst>
+              <a:ext uri="{FF2B5EF4-FFF2-40B4-BE49-F238E27FC236}">
+                <a16:creationId xmlns:a16="http://schemas.microsoft.com/office/drawing/2014/main" id="{EE7974B6-B665-4246-ADD8-4575056A8705}"/>
+              </a:ext>
+            </a:extLst>
+          </p:cNvPr>
+          <p:cNvPicPr>
+            <a:picLocks noChangeAspect="1"/>
+          </p:cNvPicPr>
+          <p:nvPr/>
+        </p:nvPicPr>
+        <p:blipFill>
+          <a:blip r:embed="rId6"/>
+          <a:stretch>
+            <a:fillRect/>
+          </a:stretch>
+        </p:blipFill>
+        <p:spPr>
+          <a:xfrm>
+            <a:off x="4827082" y="4419987"/>
+            <a:ext cx="1982891" cy="1431436"/>
+          </a:xfrm>
+          <a:prstGeom prst="rect">
+            <a:avLst/>
+          </a:prstGeom>
+        </p:spPr>
+      </p:pic>
+      <p:sp>
+        <p:nvSpPr>
+          <p:cNvPr id="11" name="TextBox 10">
+            <a:extLst>
+              <a:ext uri="{FF2B5EF4-FFF2-40B4-BE49-F238E27FC236}">
+                <a16:creationId xmlns:a16="http://schemas.microsoft.com/office/drawing/2014/main" id="{9E171D8C-183E-4B04-A877-CDEBCAE74523}"/>
+              </a:ext>
+            </a:extLst>
+          </p:cNvPr>
+          <p:cNvSpPr txBox="1"/>
+          <p:nvPr/>
+        </p:nvSpPr>
+        <p:spPr>
+          <a:xfrm>
+            <a:off x="4238378" y="3073296"/>
+            <a:ext cx="248635" cy="378416"/>
+          </a:xfrm>
+          <a:prstGeom prst="rect">
+            <a:avLst/>
+          </a:prstGeom>
+          <a:noFill/>
+        </p:spPr>
+        <p:txBody>
+          <a:bodyPr wrap="square" rtlCol="0">
+            <a:spAutoFit/>
+          </a:bodyPr>
+          <a:lstStyle/>
+          <a:p>
+            <a:r>
+              <a:rPr lang="en-US" dirty="0">
+                <a:solidFill>
+                  <a:srgbClr val="FF0000"/>
+                </a:solidFill>
+                <a:highlight>
+                  <a:srgbClr val="FFFF00"/>
+                </a:highlight>
+              </a:rPr>
+              <a:t>3</a:t>
+            </a:r>
+          </a:p>
+        </p:txBody>
+      </p:sp>
+      <p:sp>
+        <p:nvSpPr>
+          <p:cNvPr id="12" name="TextBox 11">
+            <a:extLst>
+              <a:ext uri="{FF2B5EF4-FFF2-40B4-BE49-F238E27FC236}">
+                <a16:creationId xmlns:a16="http://schemas.microsoft.com/office/drawing/2014/main" id="{8B7C4D50-C30E-4C9E-9328-44577068B941}"/>
+              </a:ext>
+            </a:extLst>
+          </p:cNvPr>
+          <p:cNvSpPr txBox="1"/>
+          <p:nvPr/>
+        </p:nvSpPr>
+        <p:spPr>
+          <a:xfrm>
+            <a:off x="4286496" y="4711740"/>
+            <a:ext cx="248635" cy="378416"/>
+          </a:xfrm>
+          <a:prstGeom prst="rect">
+            <a:avLst/>
+          </a:prstGeom>
+          <a:noFill/>
+        </p:spPr>
+        <p:txBody>
+          <a:bodyPr wrap="square" rtlCol="0">
+            <a:spAutoFit/>
+          </a:bodyPr>
+          <a:lstStyle/>
+          <a:p>
+            <a:r>
+              <a:rPr lang="en-US" dirty="0">
+                <a:solidFill>
+                  <a:srgbClr val="FF0000"/>
+                </a:solidFill>
+                <a:highlight>
+                  <a:srgbClr val="FFFF00"/>
+                </a:highlight>
+              </a:rPr>
+              <a:t>4</a:t>
+            </a:r>
+          </a:p>
+        </p:txBody>
+      </p:sp>
+      <p:sp>
+        <p:nvSpPr>
+          <p:cNvPr id="13" name="TextBox 12">
+            <a:extLst>
+              <a:ext uri="{FF2B5EF4-FFF2-40B4-BE49-F238E27FC236}">
+                <a16:creationId xmlns:a16="http://schemas.microsoft.com/office/drawing/2014/main" id="{CA897C9C-42FF-43EF-8A11-B1FB6BB91B40}"/>
+              </a:ext>
+            </a:extLst>
+          </p:cNvPr>
+          <p:cNvSpPr txBox="1"/>
+          <p:nvPr/>
+        </p:nvSpPr>
+        <p:spPr>
+          <a:xfrm>
+            <a:off x="8273389" y="3073296"/>
+            <a:ext cx="248635" cy="378416"/>
+          </a:xfrm>
+          <a:prstGeom prst="rect">
+            <a:avLst/>
+          </a:prstGeom>
+          <a:noFill/>
+        </p:spPr>
+        <p:txBody>
+          <a:bodyPr wrap="square" rtlCol="0">
+            <a:spAutoFit/>
+          </a:bodyPr>
+          <a:lstStyle/>
+          <a:p>
+            <a:r>
+              <a:rPr lang="en-US" dirty="0">
+                <a:solidFill>
+                  <a:srgbClr val="FF0000"/>
+                </a:solidFill>
+                <a:highlight>
+                  <a:srgbClr val="FFFF00"/>
+                </a:highlight>
+              </a:rPr>
+              <a:t>5</a:t>
+            </a:r>
+          </a:p>
+        </p:txBody>
+      </p:sp>
+      <p:sp>
+        <p:nvSpPr>
+          <p:cNvPr id="14" name="TextBox 13">
+            <a:extLst>
+              <a:ext uri="{FF2B5EF4-FFF2-40B4-BE49-F238E27FC236}">
+                <a16:creationId xmlns:a16="http://schemas.microsoft.com/office/drawing/2014/main" id="{95F4B650-17C0-41F9-B551-1A1ADE6078A6}"/>
+              </a:ext>
+            </a:extLst>
+          </p:cNvPr>
+          <p:cNvSpPr txBox="1"/>
+          <p:nvPr/>
+        </p:nvSpPr>
+        <p:spPr>
+          <a:xfrm>
+            <a:off x="8269910" y="4711740"/>
+            <a:ext cx="248635" cy="378416"/>
+          </a:xfrm>
+          <a:prstGeom prst="rect">
+            <a:avLst/>
+          </a:prstGeom>
+          <a:noFill/>
+        </p:spPr>
+        <p:txBody>
+          <a:bodyPr wrap="square" rtlCol="0">
+            <a:spAutoFit/>
+          </a:bodyPr>
+          <a:lstStyle/>
+          <a:p>
+            <a:r>
+              <a:rPr lang="en-US" dirty="0">
+                <a:solidFill>
+                  <a:srgbClr val="FF0000"/>
+                </a:solidFill>
+                <a:highlight>
+                  <a:srgbClr val="FFFF00"/>
+                </a:highlight>
+              </a:rPr>
+              <a:t>6</a:t>
+            </a:r>
+          </a:p>
+        </p:txBody>
+      </p:sp>
+      <p:pic>
+        <p:nvPicPr>
+          <p:cNvPr id="15" name="Picture 14">
+            <a:extLst>
+              <a:ext uri="{FF2B5EF4-FFF2-40B4-BE49-F238E27FC236}">
+                <a16:creationId xmlns:a16="http://schemas.microsoft.com/office/drawing/2014/main" id="{DBCF2256-A40B-426D-AA98-651B5F147C0E}"/>
+              </a:ext>
+            </a:extLst>
+          </p:cNvPr>
+          <p:cNvPicPr>
+            <a:picLocks noChangeAspect="1"/>
+          </p:cNvPicPr>
+          <p:nvPr/>
+        </p:nvPicPr>
+        <p:blipFill>
+          <a:blip r:embed="rId7"/>
+          <a:stretch>
+            <a:fillRect/>
+          </a:stretch>
+        </p:blipFill>
+        <p:spPr>
+          <a:xfrm>
+            <a:off x="8684573" y="2418367"/>
+            <a:ext cx="2228049" cy="1846098"/>
+          </a:xfrm>
+          <a:prstGeom prst="rect">
+            <a:avLst/>
+          </a:prstGeom>
+        </p:spPr>
+      </p:pic>
+      <p:pic>
+        <p:nvPicPr>
+          <p:cNvPr id="16" name="Picture 15">
+            <a:extLst>
+              <a:ext uri="{FF2B5EF4-FFF2-40B4-BE49-F238E27FC236}">
+                <a16:creationId xmlns:a16="http://schemas.microsoft.com/office/drawing/2014/main" id="{977419D2-A60A-4980-B525-746F04BBB888}"/>
+              </a:ext>
+            </a:extLst>
+          </p:cNvPr>
+          <p:cNvPicPr>
+            <a:picLocks noChangeAspect="1"/>
+          </p:cNvPicPr>
+          <p:nvPr/>
+        </p:nvPicPr>
+        <p:blipFill>
+          <a:blip r:embed="rId8"/>
+          <a:stretch>
+            <a:fillRect/>
+          </a:stretch>
+        </p:blipFill>
+        <p:spPr>
+          <a:xfrm>
+            <a:off x="9072073" y="4419987"/>
+            <a:ext cx="2591337" cy="1907512"/>
+          </a:xfrm>
+          <a:prstGeom prst="rect">
+            <a:avLst/>
+          </a:prstGeom>
+        </p:spPr>
+      </p:pic>
+    </p:spTree>
+    <p:extLst>
+      <p:ext uri="{BB962C8B-B14F-4D97-AF65-F5344CB8AC3E}">
+        <p14:creationId xmlns:p14="http://schemas.microsoft.com/office/powerpoint/2010/main" val="1105362944"/>
+      </p:ext>
+    </p:extLst>
+  </p:cSld>
+  <p:clrMapOvr>
+    <a:masterClrMapping/>
+  </p:clrMapOvr>
+</p:sld>
+</file>
+
+<file path=ppt/slides/slide13.xml><?xml version="1.0" encoding="utf-8"?>
 <p:sld xmlns:a="http://schemas.openxmlformats.org/drawingml/2006/main" xmlns:r="http://schemas.openxmlformats.org/officeDocument/2006/relationships" xmlns:p="http://schemas.openxmlformats.org/presentationml/2006/main">
   <p:cSld>
     <p:spTree>
@@ -7427,7 +7524,7 @@
         </p:blipFill>
         <p:spPr>
           <a:xfrm>
-            <a:off x="2425083" y="1246196"/>
+            <a:off x="3416410" y="1914382"/>
             <a:ext cx="5359179" cy="4807093"/>
           </a:xfrm>
           <a:prstGeom prst="rect">
@@ -7447,7 +7544,7 @@
         </p:nvSpPr>
         <p:spPr>
           <a:xfrm>
-            <a:off x="1889124" y="294810"/>
+            <a:off x="701560" y="509942"/>
             <a:ext cx="7805099" cy="338554"/>
           </a:xfrm>
         </p:spPr>
@@ -7459,7 +7556,7 @@
           <a:p>
             <a:r>
               <a:rPr lang="en-US" dirty="0"/>
-              <a:t>Stats FW A vs RGT B</a:t>
+              <a:t>Fig 10a</a:t>
             </a:r>
           </a:p>
         </p:txBody>
@@ -7474,7 +7571,12 @@
             <p:ph type="sldNum" sz="quarter" idx="17"/>
           </p:nvPr>
         </p:nvSpPr>
-        <p:spPr/>
+        <p:spPr>
+          <a:xfrm>
+            <a:off x="8610600" y="6356350"/>
+            <a:ext cx="2743200" cy="365125"/>
+          </a:xfrm>
+        </p:spPr>
         <p:txBody>
           <a:bodyPr/>
           <a:lstStyle/>
@@ -7486,7 +7588,7 @@
                 </a:solidFill>
               </a:rPr>
               <a:pPr/>
-              <a:t>9</a:t>
+              <a:t>13</a:t>
             </a:fld>
             <a:endParaRPr lang="en-US">
               <a:solidFill>
@@ -7512,7 +7614,7 @@
         </p:nvCxnSpPr>
         <p:spPr>
           <a:xfrm flipV="1">
-            <a:off x="3281239" y="1439187"/>
+            <a:off x="4272566" y="2107373"/>
             <a:ext cx="1143703" cy="2"/>
           </a:xfrm>
           <a:prstGeom prst="line">
@@ -7562,7 +7664,7 @@
         </p:blipFill>
         <p:spPr>
           <a:xfrm>
-            <a:off x="1857957" y="2432586"/>
+            <a:off x="2849284" y="3100772"/>
             <a:ext cx="408101" cy="652959"/>
           </a:xfrm>
           <a:prstGeom prst="rect">
@@ -7586,7 +7688,7 @@
         </p:nvCxnSpPr>
         <p:spPr>
           <a:xfrm>
-            <a:off x="2425083" y="5214068"/>
+            <a:off x="3416410" y="5882254"/>
             <a:ext cx="681229" cy="89453"/>
           </a:xfrm>
           <a:prstGeom prst="line">
@@ -7631,7 +7733,7 @@
         </p:nvCxnSpPr>
         <p:spPr>
           <a:xfrm>
-            <a:off x="7410893" y="4811725"/>
+            <a:off x="8402220" y="5479911"/>
             <a:ext cx="104439" cy="346503"/>
           </a:xfrm>
           <a:prstGeom prst="line">
@@ -7681,7 +7783,7 @@
         </p:blipFill>
         <p:spPr>
           <a:xfrm>
-            <a:off x="5511249" y="1233928"/>
+            <a:off x="6502576" y="1902114"/>
             <a:ext cx="2253404" cy="2248773"/>
           </a:xfrm>
           <a:prstGeom prst="rect">
@@ -7708,7 +7810,7 @@
         </p:nvSpPr>
         <p:spPr>
           <a:xfrm>
-            <a:off x="1419225" y="3581400"/>
+            <a:off x="2410552" y="4249586"/>
             <a:ext cx="1005858" cy="1632668"/>
           </a:xfrm>
           <a:prstGeom prst="rect">
@@ -7763,7 +7865,7 @@
         </p:nvSpPr>
         <p:spPr>
           <a:xfrm>
-            <a:off x="4419600" y="1114425"/>
+            <a:off x="5410927" y="1782611"/>
             <a:ext cx="1005858" cy="1390650"/>
           </a:xfrm>
           <a:prstGeom prst="rect">
@@ -7815,7 +7917,7 @@
         </p:nvSpPr>
         <p:spPr>
           <a:xfrm>
-            <a:off x="6734175" y="3514725"/>
+            <a:off x="7725502" y="4182911"/>
             <a:ext cx="1005858" cy="1297000"/>
           </a:xfrm>
           <a:prstGeom prst="rect">
@@ -7853,6 +7955,96 @@
           </a:p>
         </p:txBody>
       </p:sp>
+      <p:pic>
+        <p:nvPicPr>
+          <p:cNvPr id="4" name="Picture 3">
+            <a:extLst>
+              <a:ext uri="{FF2B5EF4-FFF2-40B4-BE49-F238E27FC236}">
+                <a16:creationId xmlns:a16="http://schemas.microsoft.com/office/drawing/2014/main" id="{C0DEE0FA-ABC6-44C6-B6CC-B818584F2CF6}"/>
+              </a:ext>
+            </a:extLst>
+          </p:cNvPr>
+          <p:cNvPicPr>
+            <a:picLocks noChangeAspect="1"/>
+          </p:cNvPicPr>
+          <p:nvPr/>
+        </p:nvPicPr>
+        <p:blipFill>
+          <a:blip r:embed="rId6"/>
+          <a:stretch>
+            <a:fillRect/>
+          </a:stretch>
+        </p:blipFill>
+        <p:spPr>
+          <a:xfrm>
+            <a:off x="417085" y="2995749"/>
+            <a:ext cx="1655108" cy="3725726"/>
+          </a:xfrm>
+          <a:prstGeom prst="rect">
+            <a:avLst/>
+          </a:prstGeom>
+        </p:spPr>
+      </p:pic>
+      <p:pic>
+        <p:nvPicPr>
+          <p:cNvPr id="6" name="Picture 5">
+            <a:extLst>
+              <a:ext uri="{FF2B5EF4-FFF2-40B4-BE49-F238E27FC236}">
+                <a16:creationId xmlns:a16="http://schemas.microsoft.com/office/drawing/2014/main" id="{58F7F9BA-73FA-4EB7-B724-B7A13CF2BC75}"/>
+              </a:ext>
+            </a:extLst>
+          </p:cNvPr>
+          <p:cNvPicPr>
+            <a:picLocks noChangeAspect="1"/>
+          </p:cNvPicPr>
+          <p:nvPr/>
+        </p:nvPicPr>
+        <p:blipFill>
+          <a:blip r:embed="rId7"/>
+          <a:stretch>
+            <a:fillRect/>
+          </a:stretch>
+        </p:blipFill>
+        <p:spPr>
+          <a:xfrm>
+            <a:off x="10361221" y="3427251"/>
+            <a:ext cx="1474458" cy="3073269"/>
+          </a:xfrm>
+          <a:prstGeom prst="rect">
+            <a:avLst/>
+          </a:prstGeom>
+        </p:spPr>
+      </p:pic>
+      <p:pic>
+        <p:nvPicPr>
+          <p:cNvPr id="8" name="Picture 7">
+            <a:extLst>
+              <a:ext uri="{FF2B5EF4-FFF2-40B4-BE49-F238E27FC236}">
+                <a16:creationId xmlns:a16="http://schemas.microsoft.com/office/drawing/2014/main" id="{EE72D4A4-B661-45A1-AA04-B86F5053B9B2}"/>
+              </a:ext>
+            </a:extLst>
+          </p:cNvPr>
+          <p:cNvPicPr>
+            <a:picLocks noChangeAspect="1"/>
+          </p:cNvPicPr>
+          <p:nvPr/>
+        </p:nvPicPr>
+        <p:blipFill>
+          <a:blip r:embed="rId8"/>
+          <a:stretch>
+            <a:fillRect/>
+          </a:stretch>
+        </p:blipFill>
+        <p:spPr>
+          <a:xfrm>
+            <a:off x="8833935" y="78777"/>
+            <a:ext cx="1866146" cy="3569429"/>
+          </a:xfrm>
+          <a:prstGeom prst="rect">
+            <a:avLst/>
+          </a:prstGeom>
+        </p:spPr>
+      </p:pic>
     </p:spTree>
     <p:extLst>
       <p:ext uri="{BB962C8B-B14F-4D97-AF65-F5344CB8AC3E}">
@@ -7864,6 +8056,2469 @@
     <a:masterClrMapping/>
   </p:clrMapOvr>
   <p:transition/>
+</p:sld>
+</file>
+
+<file path=ppt/slides/slide14.xml><?xml version="1.0" encoding="utf-8"?>
+<p:sld xmlns:a="http://schemas.openxmlformats.org/drawingml/2006/main" xmlns:r="http://schemas.openxmlformats.org/officeDocument/2006/relationships" xmlns:p="http://schemas.openxmlformats.org/presentationml/2006/main">
+  <p:cSld>
+    <p:spTree>
+      <p:nvGrpSpPr>
+        <p:cNvPr id="1" name=""/>
+        <p:cNvGrpSpPr/>
+        <p:nvPr/>
+      </p:nvGrpSpPr>
+      <p:grpSpPr>
+        <a:xfrm>
+          <a:off x="0" y="0"/>
+          <a:ext cx="0" cy="0"/>
+          <a:chOff x="0" y="0"/>
+          <a:chExt cx="0" cy="0"/>
+        </a:xfrm>
+      </p:grpSpPr>
+      <p:sp>
+        <p:nvSpPr>
+          <p:cNvPr id="2" name="Title 1"/>
+          <p:cNvSpPr>
+            <a:spLocks noGrp="1"/>
+          </p:cNvSpPr>
+          <p:nvPr>
+            <p:ph type="title"/>
+          </p:nvPr>
+        </p:nvSpPr>
+        <p:spPr>
+          <a:xfrm>
+            <a:off x="121381" y="259216"/>
+            <a:ext cx="7805099" cy="338554"/>
+          </a:xfrm>
+        </p:spPr>
+        <p:txBody>
+          <a:bodyPr>
+            <a:normAutofit fontScale="90000"/>
+          </a:bodyPr>
+          <a:lstStyle/>
+          <a:p>
+            <a:r>
+              <a:rPr lang="en-US" dirty="0"/>
+              <a:t>Fig 10b</a:t>
+            </a:r>
+          </a:p>
+        </p:txBody>
+      </p:sp>
+      <p:sp>
+        <p:nvSpPr>
+          <p:cNvPr id="5" name="Slide Number Placeholder 4"/>
+          <p:cNvSpPr>
+            <a:spLocks noGrp="1"/>
+          </p:cNvSpPr>
+          <p:nvPr>
+            <p:ph type="sldNum" sz="quarter" idx="17"/>
+          </p:nvPr>
+        </p:nvSpPr>
+        <p:spPr/>
+        <p:txBody>
+          <a:bodyPr/>
+          <a:lstStyle/>
+          <a:p>
+            <a:fld id="{0A838F34-1B32-4019-A24D-EF473E6901BC}" type="slidenum">
+              <a:rPr lang="en-US" smtClean="0">
+                <a:solidFill>
+                  <a:srgbClr val="9A8B7D"/>
+                </a:solidFill>
+              </a:rPr>
+              <a:pPr/>
+              <a:t>14</a:t>
+            </a:fld>
+            <a:endParaRPr lang="en-US">
+              <a:solidFill>
+                <a:srgbClr val="9A8B7D"/>
+              </a:solidFill>
+            </a:endParaRPr>
+          </a:p>
+        </p:txBody>
+      </p:sp>
+      <p:cxnSp>
+        <p:nvCxnSpPr>
+          <p:cNvPr id="174081" name="Straight Connector 174080">
+            <a:extLst>
+              <a:ext uri="{FF2B5EF4-FFF2-40B4-BE49-F238E27FC236}">
+                <a16:creationId xmlns:a16="http://schemas.microsoft.com/office/drawing/2014/main" id="{21C181BB-6BFE-4304-98E5-36B39CF330BF}"/>
+              </a:ext>
+            </a:extLst>
+          </p:cNvPr>
+          <p:cNvCxnSpPr>
+            <a:cxnSpLocks/>
+          </p:cNvCxnSpPr>
+          <p:nvPr/>
+        </p:nvCxnSpPr>
+        <p:spPr>
+          <a:xfrm flipV="1">
+            <a:off x="1608489" y="1913106"/>
+            <a:ext cx="1143703" cy="2"/>
+          </a:xfrm>
+          <a:prstGeom prst="line">
+            <a:avLst/>
+          </a:prstGeom>
+          <a:ln>
+            <a:solidFill>
+              <a:schemeClr val="tx1">
+                <a:lumMod val="50000"/>
+              </a:schemeClr>
+            </a:solidFill>
+          </a:ln>
+        </p:spPr>
+        <p:style>
+          <a:lnRef idx="1">
+            <a:schemeClr val="accent1"/>
+          </a:lnRef>
+          <a:fillRef idx="0">
+            <a:schemeClr val="accent1"/>
+          </a:fillRef>
+          <a:effectRef idx="0">
+            <a:schemeClr val="accent1"/>
+          </a:effectRef>
+          <a:fontRef idx="minor">
+            <a:schemeClr val="tx1"/>
+          </a:fontRef>
+        </p:style>
+      </p:cxnSp>
+      <p:pic>
+        <p:nvPicPr>
+          <p:cNvPr id="41" name="Picture 40">
+            <a:extLst>
+              <a:ext uri="{FF2B5EF4-FFF2-40B4-BE49-F238E27FC236}">
+                <a16:creationId xmlns:a16="http://schemas.microsoft.com/office/drawing/2014/main" id="{268AAA76-884A-4E25-B277-C0EEACC4AAA7}"/>
+              </a:ext>
+            </a:extLst>
+          </p:cNvPr>
+          <p:cNvPicPr>
+            <a:picLocks noChangeAspect="1"/>
+          </p:cNvPicPr>
+          <p:nvPr/>
+        </p:nvPicPr>
+        <p:blipFill rotWithShape="1">
+          <a:blip r:embed="rId3"/>
+          <a:srcRect l="-376" t="45325" r="97854" b="47342"/>
+          <a:stretch/>
+        </p:blipFill>
+        <p:spPr>
+          <a:xfrm>
+            <a:off x="487357" y="2906505"/>
+            <a:ext cx="408101" cy="652959"/>
+          </a:xfrm>
+          <a:prstGeom prst="rect">
+            <a:avLst/>
+          </a:prstGeom>
+        </p:spPr>
+      </p:pic>
+      <p:cxnSp>
+        <p:nvCxnSpPr>
+          <p:cNvPr id="51" name="Straight Connector 50">
+            <a:extLst>
+              <a:ext uri="{FF2B5EF4-FFF2-40B4-BE49-F238E27FC236}">
+                <a16:creationId xmlns:a16="http://schemas.microsoft.com/office/drawing/2014/main" id="{289D2DB0-E3D0-4761-AE8A-0E92CD1C25D0}"/>
+              </a:ext>
+            </a:extLst>
+          </p:cNvPr>
+          <p:cNvCxnSpPr>
+            <a:cxnSpLocks/>
+          </p:cNvCxnSpPr>
+          <p:nvPr/>
+        </p:nvCxnSpPr>
+        <p:spPr>
+          <a:xfrm>
+            <a:off x="5738143" y="5285644"/>
+            <a:ext cx="104439" cy="346503"/>
+          </a:xfrm>
+          <a:prstGeom prst="line">
+            <a:avLst/>
+          </a:prstGeom>
+          <a:ln>
+            <a:solidFill>
+              <a:schemeClr val="tx1">
+                <a:lumMod val="50000"/>
+              </a:schemeClr>
+            </a:solidFill>
+          </a:ln>
+        </p:spPr>
+        <p:style>
+          <a:lnRef idx="1">
+            <a:schemeClr val="accent1"/>
+          </a:lnRef>
+          <a:fillRef idx="0">
+            <a:schemeClr val="accent1"/>
+          </a:fillRef>
+          <a:effectRef idx="0">
+            <a:schemeClr val="accent1"/>
+          </a:effectRef>
+          <a:fontRef idx="minor">
+            <a:schemeClr val="tx1"/>
+          </a:fontRef>
+        </p:style>
+      </p:cxnSp>
+      <p:pic>
+        <p:nvPicPr>
+          <p:cNvPr id="4" name="Picture 3">
+            <a:extLst>
+              <a:ext uri="{FF2B5EF4-FFF2-40B4-BE49-F238E27FC236}">
+                <a16:creationId xmlns:a16="http://schemas.microsoft.com/office/drawing/2014/main" id="{84182BDC-7D22-4CA4-8E88-790148E61CFA}"/>
+              </a:ext>
+            </a:extLst>
+          </p:cNvPr>
+          <p:cNvPicPr>
+            <a:picLocks noChangeAspect="1"/>
+          </p:cNvPicPr>
+          <p:nvPr/>
+        </p:nvPicPr>
+        <p:blipFill rotWithShape="1">
+          <a:blip r:embed="rId4"/>
+          <a:srcRect l="9177" r="27005"/>
+          <a:stretch/>
+        </p:blipFill>
+        <p:spPr>
+          <a:xfrm>
+            <a:off x="1004189" y="1700117"/>
+            <a:ext cx="4838392" cy="4817414"/>
+          </a:xfrm>
+          <a:prstGeom prst="rect">
+            <a:avLst/>
+          </a:prstGeom>
+        </p:spPr>
+      </p:pic>
+      <p:pic>
+        <p:nvPicPr>
+          <p:cNvPr id="6" name="Picture 5">
+            <a:extLst>
+              <a:ext uri="{FF2B5EF4-FFF2-40B4-BE49-F238E27FC236}">
+                <a16:creationId xmlns:a16="http://schemas.microsoft.com/office/drawing/2014/main" id="{D67B6504-7FA2-47EE-9CAB-7D0861AA2E08}"/>
+              </a:ext>
+            </a:extLst>
+          </p:cNvPr>
+          <p:cNvPicPr>
+            <a:picLocks noChangeAspect="1"/>
+          </p:cNvPicPr>
+          <p:nvPr/>
+        </p:nvPicPr>
+        <p:blipFill>
+          <a:blip r:embed="rId5"/>
+          <a:stretch>
+            <a:fillRect/>
+          </a:stretch>
+        </p:blipFill>
+        <p:spPr>
+          <a:xfrm>
+            <a:off x="2378115" y="2031315"/>
+            <a:ext cx="3289541" cy="818906"/>
+          </a:xfrm>
+          <a:prstGeom prst="rect">
+            <a:avLst/>
+          </a:prstGeom>
+          <a:ln>
+            <a:solidFill>
+              <a:srgbClr val="7030A0"/>
+            </a:solidFill>
+          </a:ln>
+        </p:spPr>
+      </p:pic>
+      <p:pic>
+        <p:nvPicPr>
+          <p:cNvPr id="8" name="Picture 7">
+            <a:extLst>
+              <a:ext uri="{FF2B5EF4-FFF2-40B4-BE49-F238E27FC236}">
+                <a16:creationId xmlns:a16="http://schemas.microsoft.com/office/drawing/2014/main" id="{2CD9FC39-6AF5-47F1-9766-23D3CA40AF69}"/>
+              </a:ext>
+            </a:extLst>
+          </p:cNvPr>
+          <p:cNvPicPr>
+            <a:picLocks noChangeAspect="1"/>
+          </p:cNvPicPr>
+          <p:nvPr/>
+        </p:nvPicPr>
+        <p:blipFill rotWithShape="1">
+          <a:blip r:embed="rId6"/>
+          <a:srcRect t="14375"/>
+          <a:stretch/>
+        </p:blipFill>
+        <p:spPr>
+          <a:xfrm>
+            <a:off x="2150483" y="3067668"/>
+            <a:ext cx="1841120" cy="627485"/>
+          </a:xfrm>
+          <a:prstGeom prst="rect">
+            <a:avLst/>
+          </a:prstGeom>
+          <a:ln>
+            <a:solidFill>
+              <a:srgbClr val="FFC000"/>
+            </a:solidFill>
+          </a:ln>
+        </p:spPr>
+      </p:pic>
+      <p:cxnSp>
+        <p:nvCxnSpPr>
+          <p:cNvPr id="17" name="Straight Connector 16">
+            <a:extLst>
+              <a:ext uri="{FF2B5EF4-FFF2-40B4-BE49-F238E27FC236}">
+                <a16:creationId xmlns:a16="http://schemas.microsoft.com/office/drawing/2014/main" id="{C8AD04C9-8949-43A4-8071-2A666ED25B79}"/>
+              </a:ext>
+            </a:extLst>
+          </p:cNvPr>
+          <p:cNvCxnSpPr>
+            <a:cxnSpLocks/>
+          </p:cNvCxnSpPr>
+          <p:nvPr/>
+        </p:nvCxnSpPr>
+        <p:spPr>
+          <a:xfrm>
+            <a:off x="1862931" y="2016473"/>
+            <a:ext cx="287553" cy="1051195"/>
+          </a:xfrm>
+          <a:prstGeom prst="line">
+            <a:avLst/>
+          </a:prstGeom>
+          <a:ln>
+            <a:solidFill>
+              <a:schemeClr val="tx1">
+                <a:lumMod val="50000"/>
+              </a:schemeClr>
+            </a:solidFill>
+          </a:ln>
+        </p:spPr>
+        <p:style>
+          <a:lnRef idx="1">
+            <a:schemeClr val="accent1"/>
+          </a:lnRef>
+          <a:fillRef idx="0">
+            <a:schemeClr val="accent1"/>
+          </a:fillRef>
+          <a:effectRef idx="0">
+            <a:schemeClr val="accent1"/>
+          </a:effectRef>
+          <a:fontRef idx="minor">
+            <a:schemeClr val="tx1"/>
+          </a:fontRef>
+        </p:style>
+      </p:cxnSp>
+      <p:cxnSp>
+        <p:nvCxnSpPr>
+          <p:cNvPr id="21" name="Straight Connector 20">
+            <a:extLst>
+              <a:ext uri="{FF2B5EF4-FFF2-40B4-BE49-F238E27FC236}">
+                <a16:creationId xmlns:a16="http://schemas.microsoft.com/office/drawing/2014/main" id="{092BF7F5-27D1-4BEE-B0FE-B5DBEDF907F4}"/>
+              </a:ext>
+            </a:extLst>
+          </p:cNvPr>
+          <p:cNvCxnSpPr>
+            <a:cxnSpLocks/>
+          </p:cNvCxnSpPr>
+          <p:nvPr/>
+        </p:nvCxnSpPr>
+        <p:spPr>
+          <a:xfrm>
+            <a:off x="5607994" y="2850222"/>
+            <a:ext cx="0" cy="2781925"/>
+          </a:xfrm>
+          <a:prstGeom prst="line">
+            <a:avLst/>
+          </a:prstGeom>
+          <a:ln>
+            <a:solidFill>
+              <a:schemeClr val="tx1">
+                <a:lumMod val="50000"/>
+              </a:schemeClr>
+            </a:solidFill>
+          </a:ln>
+        </p:spPr>
+        <p:style>
+          <a:lnRef idx="1">
+            <a:schemeClr val="accent1"/>
+          </a:lnRef>
+          <a:fillRef idx="0">
+            <a:schemeClr val="accent1"/>
+          </a:fillRef>
+          <a:effectRef idx="0">
+            <a:schemeClr val="accent1"/>
+          </a:effectRef>
+          <a:fontRef idx="minor">
+            <a:schemeClr val="tx1"/>
+          </a:fontRef>
+        </p:style>
+      </p:cxnSp>
+      <p:pic>
+        <p:nvPicPr>
+          <p:cNvPr id="15" name="Picture 14">
+            <a:extLst>
+              <a:ext uri="{FF2B5EF4-FFF2-40B4-BE49-F238E27FC236}">
+                <a16:creationId xmlns:a16="http://schemas.microsoft.com/office/drawing/2014/main" id="{7418DA26-4815-491E-9DA6-B52878ECA62B}"/>
+              </a:ext>
+            </a:extLst>
+          </p:cNvPr>
+          <p:cNvPicPr>
+            <a:picLocks noChangeAspect="1"/>
+          </p:cNvPicPr>
+          <p:nvPr/>
+        </p:nvPicPr>
+        <p:blipFill rotWithShape="1">
+          <a:blip r:embed="rId4"/>
+          <a:srcRect l="73570" t="23049" b="14152"/>
+          <a:stretch/>
+        </p:blipFill>
+        <p:spPr>
+          <a:xfrm>
+            <a:off x="4048546" y="3083569"/>
+            <a:ext cx="1469056" cy="2217976"/>
+          </a:xfrm>
+          <a:prstGeom prst="rect">
+            <a:avLst/>
+          </a:prstGeom>
+          <a:ln>
+            <a:solidFill>
+              <a:schemeClr val="tx2"/>
+            </a:solidFill>
+          </a:ln>
+        </p:spPr>
+      </p:pic>
+      <p:pic>
+        <p:nvPicPr>
+          <p:cNvPr id="3" name="Picture 2">
+            <a:extLst>
+              <a:ext uri="{FF2B5EF4-FFF2-40B4-BE49-F238E27FC236}">
+                <a16:creationId xmlns:a16="http://schemas.microsoft.com/office/drawing/2014/main" id="{2537FC74-6E1D-430F-BF19-CAE87D879391}"/>
+              </a:ext>
+            </a:extLst>
+          </p:cNvPr>
+          <p:cNvPicPr>
+            <a:picLocks noChangeAspect="1"/>
+          </p:cNvPicPr>
+          <p:nvPr/>
+        </p:nvPicPr>
+        <p:blipFill>
+          <a:blip r:embed="rId7"/>
+          <a:stretch>
+            <a:fillRect/>
+          </a:stretch>
+        </p:blipFill>
+        <p:spPr>
+          <a:xfrm>
+            <a:off x="7221677" y="2616566"/>
+            <a:ext cx="3641141" cy="1238952"/>
+          </a:xfrm>
+          <a:prstGeom prst="rect">
+            <a:avLst/>
+          </a:prstGeom>
+        </p:spPr>
+      </p:pic>
+      <p:pic>
+        <p:nvPicPr>
+          <p:cNvPr id="7" name="Picture 6">
+            <a:extLst>
+              <a:ext uri="{FF2B5EF4-FFF2-40B4-BE49-F238E27FC236}">
+                <a16:creationId xmlns:a16="http://schemas.microsoft.com/office/drawing/2014/main" id="{34DBDBE8-C51E-4D75-B1E6-F2C947B00144}"/>
+              </a:ext>
+            </a:extLst>
+          </p:cNvPr>
+          <p:cNvPicPr>
+            <a:picLocks noChangeAspect="1"/>
+          </p:cNvPicPr>
+          <p:nvPr/>
+        </p:nvPicPr>
+        <p:blipFill>
+          <a:blip r:embed="rId8"/>
+          <a:stretch>
+            <a:fillRect/>
+          </a:stretch>
+        </p:blipFill>
+        <p:spPr>
+          <a:xfrm>
+            <a:off x="5607994" y="0"/>
+            <a:ext cx="6559560" cy="1700117"/>
+          </a:xfrm>
+          <a:prstGeom prst="rect">
+            <a:avLst/>
+          </a:prstGeom>
+        </p:spPr>
+      </p:pic>
+    </p:spTree>
+    <p:extLst>
+      <p:ext uri="{BB962C8B-B14F-4D97-AF65-F5344CB8AC3E}">
+        <p14:creationId xmlns:p14="http://schemas.microsoft.com/office/powerpoint/2010/main" val="1947705364"/>
+      </p:ext>
+    </p:extLst>
+  </p:cSld>
+  <p:clrMapOvr>
+    <a:masterClrMapping/>
+  </p:clrMapOvr>
+  <p:transition/>
+</p:sld>
+</file>
+
+<file path=ppt/slides/slide15.xml><?xml version="1.0" encoding="utf-8"?>
+<p:sld xmlns:a="http://schemas.openxmlformats.org/drawingml/2006/main" xmlns:r="http://schemas.openxmlformats.org/officeDocument/2006/relationships" xmlns:p="http://schemas.openxmlformats.org/presentationml/2006/main">
+  <p:cSld>
+    <p:spTree>
+      <p:nvGrpSpPr>
+        <p:cNvPr id="1" name=""/>
+        <p:cNvGrpSpPr/>
+        <p:nvPr/>
+      </p:nvGrpSpPr>
+      <p:grpSpPr>
+        <a:xfrm>
+          <a:off x="0" y="0"/>
+          <a:ext cx="0" cy="0"/>
+          <a:chOff x="0" y="0"/>
+          <a:chExt cx="0" cy="0"/>
+        </a:xfrm>
+      </p:grpSpPr>
+      <p:sp>
+        <p:nvSpPr>
+          <p:cNvPr id="2" name="Title 1">
+            <a:extLst>
+              <a:ext uri="{FF2B5EF4-FFF2-40B4-BE49-F238E27FC236}">
+                <a16:creationId xmlns:a16="http://schemas.microsoft.com/office/drawing/2014/main" id="{1E533DE7-ABE2-4566-853E-C5208F07F859}"/>
+              </a:ext>
+            </a:extLst>
+          </p:cNvPr>
+          <p:cNvSpPr>
+            <a:spLocks noGrp="1"/>
+          </p:cNvSpPr>
+          <p:nvPr>
+            <p:ph type="title"/>
+          </p:nvPr>
+        </p:nvSpPr>
+        <p:spPr/>
+        <p:txBody>
+          <a:bodyPr>
+            <a:normAutofit fontScale="90000"/>
+          </a:bodyPr>
+          <a:lstStyle/>
+          <a:p>
+            <a:r>
+              <a:rPr lang="en-US" dirty="0"/>
+              <a:t>Fig11</a:t>
+            </a:r>
+          </a:p>
+        </p:txBody>
+      </p:sp>
+      <p:sp>
+        <p:nvSpPr>
+          <p:cNvPr id="6" name="TextBox 5">
+            <a:extLst>
+              <a:ext uri="{FF2B5EF4-FFF2-40B4-BE49-F238E27FC236}">
+                <a16:creationId xmlns:a16="http://schemas.microsoft.com/office/drawing/2014/main" id="{056B8BCD-5F5D-4597-9229-1EEB7D49EF47}"/>
+              </a:ext>
+            </a:extLst>
+          </p:cNvPr>
+          <p:cNvSpPr txBox="1"/>
+          <p:nvPr/>
+        </p:nvSpPr>
+        <p:spPr>
+          <a:xfrm>
+            <a:off x="555477" y="1162228"/>
+            <a:ext cx="282450" cy="369332"/>
+          </a:xfrm>
+          <a:prstGeom prst="rect">
+            <a:avLst/>
+          </a:prstGeom>
+          <a:noFill/>
+        </p:spPr>
+        <p:txBody>
+          <a:bodyPr wrap="none" rtlCol="0">
+            <a:spAutoFit/>
+          </a:bodyPr>
+          <a:lstStyle/>
+          <a:p>
+            <a:r>
+              <a:rPr lang="en-US" dirty="0"/>
+              <a:t>c</a:t>
+            </a:r>
+          </a:p>
+        </p:txBody>
+      </p:sp>
+      <p:sp>
+        <p:nvSpPr>
+          <p:cNvPr id="7" name="TextBox 6">
+            <a:extLst>
+              <a:ext uri="{FF2B5EF4-FFF2-40B4-BE49-F238E27FC236}">
+                <a16:creationId xmlns:a16="http://schemas.microsoft.com/office/drawing/2014/main" id="{594FDFDF-99FF-41CB-AA11-2FD36D6AED5D}"/>
+              </a:ext>
+            </a:extLst>
+          </p:cNvPr>
+          <p:cNvSpPr txBox="1"/>
+          <p:nvPr/>
+        </p:nvSpPr>
+        <p:spPr>
+          <a:xfrm>
+            <a:off x="3725966" y="1076770"/>
+            <a:ext cx="306494" cy="369332"/>
+          </a:xfrm>
+          <a:prstGeom prst="rect">
+            <a:avLst/>
+          </a:prstGeom>
+          <a:noFill/>
+        </p:spPr>
+        <p:txBody>
+          <a:bodyPr wrap="none" rtlCol="0">
+            <a:spAutoFit/>
+          </a:bodyPr>
+          <a:lstStyle/>
+          <a:p>
+            <a:r>
+              <a:rPr lang="en-US" dirty="0"/>
+              <a:t>d</a:t>
+            </a:r>
+          </a:p>
+        </p:txBody>
+      </p:sp>
+      <p:sp>
+        <p:nvSpPr>
+          <p:cNvPr id="8" name="TextBox 7">
+            <a:extLst>
+              <a:ext uri="{FF2B5EF4-FFF2-40B4-BE49-F238E27FC236}">
+                <a16:creationId xmlns:a16="http://schemas.microsoft.com/office/drawing/2014/main" id="{C444B897-A955-4DE4-AB5A-9F1076F47F8B}"/>
+              </a:ext>
+            </a:extLst>
+          </p:cNvPr>
+          <p:cNvSpPr txBox="1"/>
+          <p:nvPr/>
+        </p:nvSpPr>
+        <p:spPr>
+          <a:xfrm>
+            <a:off x="7911981" y="1162228"/>
+            <a:ext cx="300082" cy="369332"/>
+          </a:xfrm>
+          <a:prstGeom prst="rect">
+            <a:avLst/>
+          </a:prstGeom>
+          <a:noFill/>
+        </p:spPr>
+        <p:txBody>
+          <a:bodyPr wrap="none" rtlCol="0">
+            <a:spAutoFit/>
+          </a:bodyPr>
+          <a:lstStyle/>
+          <a:p>
+            <a:r>
+              <a:rPr lang="en-US" dirty="0"/>
+              <a:t>e</a:t>
+            </a:r>
+          </a:p>
+        </p:txBody>
+      </p:sp>
+      <p:pic>
+        <p:nvPicPr>
+          <p:cNvPr id="9" name="Picture 8">
+            <a:extLst>
+              <a:ext uri="{FF2B5EF4-FFF2-40B4-BE49-F238E27FC236}">
+                <a16:creationId xmlns:a16="http://schemas.microsoft.com/office/drawing/2014/main" id="{FA8EE4F5-26CD-4C66-87F7-61C6FB2418C1}"/>
+              </a:ext>
+            </a:extLst>
+          </p:cNvPr>
+          <p:cNvPicPr>
+            <a:picLocks noChangeAspect="1"/>
+          </p:cNvPicPr>
+          <p:nvPr/>
+        </p:nvPicPr>
+        <p:blipFill>
+          <a:blip r:embed="rId2"/>
+          <a:stretch>
+            <a:fillRect/>
+          </a:stretch>
+        </p:blipFill>
+        <p:spPr>
+          <a:xfrm>
+            <a:off x="83588" y="2161418"/>
+            <a:ext cx="3642378" cy="1543519"/>
+          </a:xfrm>
+          <a:prstGeom prst="rect">
+            <a:avLst/>
+          </a:prstGeom>
+        </p:spPr>
+      </p:pic>
+      <p:pic>
+        <p:nvPicPr>
+          <p:cNvPr id="10" name="Picture 9">
+            <a:extLst>
+              <a:ext uri="{FF2B5EF4-FFF2-40B4-BE49-F238E27FC236}">
+                <a16:creationId xmlns:a16="http://schemas.microsoft.com/office/drawing/2014/main" id="{3015CA8B-3475-484B-8CC8-16D7C6ECDBD7}"/>
+              </a:ext>
+            </a:extLst>
+          </p:cNvPr>
+          <p:cNvPicPr>
+            <a:picLocks noChangeAspect="1"/>
+          </p:cNvPicPr>
+          <p:nvPr/>
+        </p:nvPicPr>
+        <p:blipFill>
+          <a:blip r:embed="rId3"/>
+          <a:stretch>
+            <a:fillRect/>
+          </a:stretch>
+        </p:blipFill>
+        <p:spPr>
+          <a:xfrm>
+            <a:off x="4335211" y="1076770"/>
+            <a:ext cx="2600325" cy="5086350"/>
+          </a:xfrm>
+          <a:prstGeom prst="rect">
+            <a:avLst/>
+          </a:prstGeom>
+        </p:spPr>
+      </p:pic>
+      <p:pic>
+        <p:nvPicPr>
+          <p:cNvPr id="11" name="Picture 10">
+            <a:extLst>
+              <a:ext uri="{FF2B5EF4-FFF2-40B4-BE49-F238E27FC236}">
+                <a16:creationId xmlns:a16="http://schemas.microsoft.com/office/drawing/2014/main" id="{0525DDE5-3C27-4472-8FE7-CCD78F44232C}"/>
+              </a:ext>
+            </a:extLst>
+          </p:cNvPr>
+          <p:cNvPicPr>
+            <a:picLocks noChangeAspect="1"/>
+          </p:cNvPicPr>
+          <p:nvPr/>
+        </p:nvPicPr>
+        <p:blipFill>
+          <a:blip r:embed="rId4"/>
+          <a:stretch>
+            <a:fillRect/>
+          </a:stretch>
+        </p:blipFill>
+        <p:spPr>
+          <a:xfrm>
+            <a:off x="7223250" y="1828867"/>
+            <a:ext cx="4364699" cy="3582156"/>
+          </a:xfrm>
+          <a:prstGeom prst="rect">
+            <a:avLst/>
+          </a:prstGeom>
+        </p:spPr>
+      </p:pic>
+    </p:spTree>
+    <p:extLst>
+      <p:ext uri="{BB962C8B-B14F-4D97-AF65-F5344CB8AC3E}">
+        <p14:creationId xmlns:p14="http://schemas.microsoft.com/office/powerpoint/2010/main" val="2783988325"/>
+      </p:ext>
+    </p:extLst>
+  </p:cSld>
+  <p:clrMapOvr>
+    <a:masterClrMapping/>
+  </p:clrMapOvr>
+</p:sld>
+</file>
+
+<file path=ppt/slides/slide2.xml><?xml version="1.0" encoding="utf-8"?>
+<p:sld xmlns:a="http://schemas.openxmlformats.org/drawingml/2006/main" xmlns:r="http://schemas.openxmlformats.org/officeDocument/2006/relationships" xmlns:p="http://schemas.openxmlformats.org/presentationml/2006/main">
+  <p:cSld>
+    <p:spTree>
+      <p:nvGrpSpPr>
+        <p:cNvPr id="1" name=""/>
+        <p:cNvGrpSpPr/>
+        <p:nvPr/>
+      </p:nvGrpSpPr>
+      <p:grpSpPr>
+        <a:xfrm>
+          <a:off x="0" y="0"/>
+          <a:ext cx="0" cy="0"/>
+          <a:chOff x="0" y="0"/>
+          <a:chExt cx="0" cy="0"/>
+        </a:xfrm>
+      </p:grpSpPr>
+      <p:sp>
+        <p:nvSpPr>
+          <p:cNvPr id="2" name="Title 1">
+            <a:extLst>
+              <a:ext uri="{FF2B5EF4-FFF2-40B4-BE49-F238E27FC236}">
+                <a16:creationId xmlns:a16="http://schemas.microsoft.com/office/drawing/2014/main" id="{2FFC61F3-9122-4D1E-806B-931C0A70BE90}"/>
+              </a:ext>
+            </a:extLst>
+          </p:cNvPr>
+          <p:cNvSpPr>
+            <a:spLocks noGrp="1"/>
+          </p:cNvSpPr>
+          <p:nvPr>
+            <p:ph type="title"/>
+          </p:nvPr>
+        </p:nvSpPr>
+        <p:spPr/>
+        <p:txBody>
+          <a:bodyPr/>
+          <a:lstStyle/>
+          <a:p>
+            <a:r>
+              <a:rPr lang="en-US" dirty="0"/>
+              <a:t>Fig2a</a:t>
+            </a:r>
+          </a:p>
+        </p:txBody>
+      </p:sp>
+      <p:pic>
+        <p:nvPicPr>
+          <p:cNvPr id="8" name="Picture 7">
+            <a:extLst>
+              <a:ext uri="{FF2B5EF4-FFF2-40B4-BE49-F238E27FC236}">
+                <a16:creationId xmlns:a16="http://schemas.microsoft.com/office/drawing/2014/main" id="{9329A622-B0E4-4284-9609-228A0816BC0F}"/>
+              </a:ext>
+            </a:extLst>
+          </p:cNvPr>
+          <p:cNvPicPr>
+            <a:picLocks noChangeAspect="1"/>
+          </p:cNvPicPr>
+          <p:nvPr/>
+        </p:nvPicPr>
+        <p:blipFill>
+          <a:blip r:embed="rId3"/>
+          <a:stretch>
+            <a:fillRect/>
+          </a:stretch>
+        </p:blipFill>
+        <p:spPr>
+          <a:xfrm>
+            <a:off x="3257550" y="1838325"/>
+            <a:ext cx="5676900" cy="3181350"/>
+          </a:xfrm>
+          <a:prstGeom prst="rect">
+            <a:avLst/>
+          </a:prstGeom>
+        </p:spPr>
+      </p:pic>
+    </p:spTree>
+    <p:extLst>
+      <p:ext uri="{BB962C8B-B14F-4D97-AF65-F5344CB8AC3E}">
+        <p14:creationId xmlns:p14="http://schemas.microsoft.com/office/powerpoint/2010/main" val="4283370273"/>
+      </p:ext>
+    </p:extLst>
+  </p:cSld>
+  <p:clrMapOvr>
+    <a:masterClrMapping/>
+  </p:clrMapOvr>
+</p:sld>
+</file>
+
+<file path=ppt/slides/slide3.xml><?xml version="1.0" encoding="utf-8"?>
+<p:sld xmlns:a="http://schemas.openxmlformats.org/drawingml/2006/main" xmlns:r="http://schemas.openxmlformats.org/officeDocument/2006/relationships" xmlns:p="http://schemas.openxmlformats.org/presentationml/2006/main">
+  <p:cSld>
+    <p:spTree>
+      <p:nvGrpSpPr>
+        <p:cNvPr id="1" name=""/>
+        <p:cNvGrpSpPr/>
+        <p:nvPr/>
+      </p:nvGrpSpPr>
+      <p:grpSpPr>
+        <a:xfrm>
+          <a:off x="0" y="0"/>
+          <a:ext cx="0" cy="0"/>
+          <a:chOff x="0" y="0"/>
+          <a:chExt cx="0" cy="0"/>
+        </a:xfrm>
+      </p:grpSpPr>
+      <p:sp>
+        <p:nvSpPr>
+          <p:cNvPr id="2" name="Title 1">
+            <a:extLst>
+              <a:ext uri="{FF2B5EF4-FFF2-40B4-BE49-F238E27FC236}">
+                <a16:creationId xmlns:a16="http://schemas.microsoft.com/office/drawing/2014/main" id="{3B54166E-77B6-4AF2-B7C8-8B1B952D4626}"/>
+              </a:ext>
+            </a:extLst>
+          </p:cNvPr>
+          <p:cNvSpPr>
+            <a:spLocks noGrp="1"/>
+          </p:cNvSpPr>
+          <p:nvPr>
+            <p:ph type="title"/>
+          </p:nvPr>
+        </p:nvSpPr>
+        <p:spPr/>
+        <p:txBody>
+          <a:bodyPr/>
+          <a:lstStyle/>
+          <a:p>
+            <a:r>
+              <a:rPr lang="en-US" dirty="0"/>
+              <a:t>Fig 2b</a:t>
+            </a:r>
+          </a:p>
+        </p:txBody>
+      </p:sp>
+      <p:pic>
+        <p:nvPicPr>
+          <p:cNvPr id="4" name="Picture 3">
+            <a:extLst>
+              <a:ext uri="{FF2B5EF4-FFF2-40B4-BE49-F238E27FC236}">
+                <a16:creationId xmlns:a16="http://schemas.microsoft.com/office/drawing/2014/main" id="{9FA231B7-F4F2-4B8C-B5F0-63E9ADD91F31}"/>
+              </a:ext>
+            </a:extLst>
+          </p:cNvPr>
+          <p:cNvPicPr>
+            <a:picLocks noChangeAspect="1"/>
+          </p:cNvPicPr>
+          <p:nvPr/>
+        </p:nvPicPr>
+        <p:blipFill>
+          <a:blip r:embed="rId2"/>
+          <a:stretch>
+            <a:fillRect/>
+          </a:stretch>
+        </p:blipFill>
+        <p:spPr>
+          <a:xfrm>
+            <a:off x="2432114" y="1760414"/>
+            <a:ext cx="9645585" cy="4392735"/>
+          </a:xfrm>
+          <a:prstGeom prst="rect">
+            <a:avLst/>
+          </a:prstGeom>
+        </p:spPr>
+      </p:pic>
+    </p:spTree>
+    <p:extLst>
+      <p:ext uri="{BB962C8B-B14F-4D97-AF65-F5344CB8AC3E}">
+        <p14:creationId xmlns:p14="http://schemas.microsoft.com/office/powerpoint/2010/main" val="2791773183"/>
+      </p:ext>
+    </p:extLst>
+  </p:cSld>
+  <p:clrMapOvr>
+    <a:masterClrMapping/>
+  </p:clrMapOvr>
+</p:sld>
+</file>
+
+<file path=ppt/slides/slide4.xml><?xml version="1.0" encoding="utf-8"?>
+<p:sld xmlns:a="http://schemas.openxmlformats.org/drawingml/2006/main" xmlns:r="http://schemas.openxmlformats.org/officeDocument/2006/relationships" xmlns:p="http://schemas.openxmlformats.org/presentationml/2006/main">
+  <p:cSld>
+    <p:spTree>
+      <p:nvGrpSpPr>
+        <p:cNvPr id="1" name=""/>
+        <p:cNvGrpSpPr/>
+        <p:nvPr/>
+      </p:nvGrpSpPr>
+      <p:grpSpPr>
+        <a:xfrm>
+          <a:off x="0" y="0"/>
+          <a:ext cx="0" cy="0"/>
+          <a:chOff x="0" y="0"/>
+          <a:chExt cx="0" cy="0"/>
+        </a:xfrm>
+      </p:grpSpPr>
+      <p:sp>
+        <p:nvSpPr>
+          <p:cNvPr id="2" name="Title 1">
+            <a:extLst>
+              <a:ext uri="{FF2B5EF4-FFF2-40B4-BE49-F238E27FC236}">
+                <a16:creationId xmlns:a16="http://schemas.microsoft.com/office/drawing/2014/main" id="{EB184B57-F6DD-4C1A-A9C9-F56D76F908CD}"/>
+              </a:ext>
+            </a:extLst>
+          </p:cNvPr>
+          <p:cNvSpPr>
+            <a:spLocks noGrp="1"/>
+          </p:cNvSpPr>
+          <p:nvPr>
+            <p:ph type="title"/>
+          </p:nvPr>
+        </p:nvSpPr>
+        <p:spPr/>
+        <p:txBody>
+          <a:bodyPr/>
+          <a:lstStyle/>
+          <a:p>
+            <a:r>
+              <a:rPr lang="en-US" dirty="0"/>
+              <a:t>Fig 2c</a:t>
+            </a:r>
+          </a:p>
+        </p:txBody>
+      </p:sp>
+      <p:pic>
+        <p:nvPicPr>
+          <p:cNvPr id="4" name="Picture 3">
+            <a:extLst>
+              <a:ext uri="{FF2B5EF4-FFF2-40B4-BE49-F238E27FC236}">
+                <a16:creationId xmlns:a16="http://schemas.microsoft.com/office/drawing/2014/main" id="{832CD65D-3E86-4F3B-9F4E-E95D0BF8C0AB}"/>
+              </a:ext>
+            </a:extLst>
+          </p:cNvPr>
+          <p:cNvPicPr>
+            <a:picLocks noChangeAspect="1"/>
+          </p:cNvPicPr>
+          <p:nvPr/>
+        </p:nvPicPr>
+        <p:blipFill>
+          <a:blip r:embed="rId3"/>
+          <a:stretch>
+            <a:fillRect/>
+          </a:stretch>
+        </p:blipFill>
+        <p:spPr>
+          <a:xfrm>
+            <a:off x="2834638" y="457200"/>
+            <a:ext cx="7822406" cy="6293644"/>
+          </a:xfrm>
+          <a:prstGeom prst="rect">
+            <a:avLst/>
+          </a:prstGeom>
+        </p:spPr>
+      </p:pic>
+    </p:spTree>
+    <p:extLst>
+      <p:ext uri="{BB962C8B-B14F-4D97-AF65-F5344CB8AC3E}">
+        <p14:creationId xmlns:p14="http://schemas.microsoft.com/office/powerpoint/2010/main" val="2593642653"/>
+      </p:ext>
+    </p:extLst>
+  </p:cSld>
+  <p:clrMapOvr>
+    <a:masterClrMapping/>
+  </p:clrMapOvr>
+</p:sld>
+</file>
+
+<file path=ppt/slides/slide5.xml><?xml version="1.0" encoding="utf-8"?>
+<p:sld xmlns:a="http://schemas.openxmlformats.org/drawingml/2006/main" xmlns:r="http://schemas.openxmlformats.org/officeDocument/2006/relationships" xmlns:p="http://schemas.openxmlformats.org/presentationml/2006/main">
+  <p:cSld>
+    <p:spTree>
+      <p:nvGrpSpPr>
+        <p:cNvPr id="1" name=""/>
+        <p:cNvGrpSpPr/>
+        <p:nvPr/>
+      </p:nvGrpSpPr>
+      <p:grpSpPr>
+        <a:xfrm>
+          <a:off x="0" y="0"/>
+          <a:ext cx="0" cy="0"/>
+          <a:chOff x="0" y="0"/>
+          <a:chExt cx="0" cy="0"/>
+        </a:xfrm>
+      </p:grpSpPr>
+      <p:pic>
+        <p:nvPicPr>
+          <p:cNvPr id="10" name="Picture 9">
+            <a:extLst>
+              <a:ext uri="{FF2B5EF4-FFF2-40B4-BE49-F238E27FC236}">
+                <a16:creationId xmlns:a16="http://schemas.microsoft.com/office/drawing/2014/main" id="{CF93CB7F-EBEB-428F-A645-FE5A6DFF7632}"/>
+              </a:ext>
+            </a:extLst>
+          </p:cNvPr>
+          <p:cNvPicPr>
+            <a:picLocks noChangeAspect="1"/>
+          </p:cNvPicPr>
+          <p:nvPr/>
+        </p:nvPicPr>
+        <p:blipFill rotWithShape="1">
+          <a:blip r:embed="rId2"/>
+          <a:srcRect l="5673"/>
+          <a:stretch/>
+        </p:blipFill>
+        <p:spPr>
+          <a:xfrm>
+            <a:off x="685798" y="2318471"/>
+            <a:ext cx="9272155" cy="2581275"/>
+          </a:xfrm>
+          <a:prstGeom prst="rect">
+            <a:avLst/>
+          </a:prstGeom>
+        </p:spPr>
+      </p:pic>
+      <p:sp>
+        <p:nvSpPr>
+          <p:cNvPr id="2" name="Title 1">
+            <a:extLst>
+              <a:ext uri="{FF2B5EF4-FFF2-40B4-BE49-F238E27FC236}">
+                <a16:creationId xmlns:a16="http://schemas.microsoft.com/office/drawing/2014/main" id="{1635257F-F5EF-4CE4-8985-2E8C815E83DE}"/>
+              </a:ext>
+            </a:extLst>
+          </p:cNvPr>
+          <p:cNvSpPr>
+            <a:spLocks noGrp="1"/>
+          </p:cNvSpPr>
+          <p:nvPr>
+            <p:ph type="title"/>
+          </p:nvPr>
+        </p:nvSpPr>
+        <p:spPr/>
+        <p:txBody>
+          <a:bodyPr/>
+          <a:lstStyle/>
+          <a:p>
+            <a:r>
+              <a:rPr lang="en-US" dirty="0"/>
+              <a:t>Fig4a</a:t>
+            </a:r>
+          </a:p>
+        </p:txBody>
+      </p:sp>
+      <p:pic>
+        <p:nvPicPr>
+          <p:cNvPr id="5" name="Picture 4">
+            <a:extLst>
+              <a:ext uri="{FF2B5EF4-FFF2-40B4-BE49-F238E27FC236}">
+                <a16:creationId xmlns:a16="http://schemas.microsoft.com/office/drawing/2014/main" id="{3C508213-3036-4CD7-A675-2DA711E66541}"/>
+              </a:ext>
+            </a:extLst>
+          </p:cNvPr>
+          <p:cNvPicPr>
+            <a:picLocks noChangeAspect="1"/>
+          </p:cNvPicPr>
+          <p:nvPr/>
+        </p:nvPicPr>
+        <p:blipFill>
+          <a:blip r:embed="rId3"/>
+          <a:stretch>
+            <a:fillRect/>
+          </a:stretch>
+        </p:blipFill>
+        <p:spPr>
+          <a:xfrm>
+            <a:off x="6641153" y="2321560"/>
+            <a:ext cx="1166813" cy="1700213"/>
+          </a:xfrm>
+          <a:prstGeom prst="rect">
+            <a:avLst/>
+          </a:prstGeom>
+          <a:ln>
+            <a:solidFill>
+              <a:schemeClr val="tx1"/>
+            </a:solidFill>
+          </a:ln>
+        </p:spPr>
+      </p:pic>
+      <p:sp>
+        <p:nvSpPr>
+          <p:cNvPr id="3" name="TextBox 2">
+            <a:extLst>
+              <a:ext uri="{FF2B5EF4-FFF2-40B4-BE49-F238E27FC236}">
+                <a16:creationId xmlns:a16="http://schemas.microsoft.com/office/drawing/2014/main" id="{701AF2F2-6AFD-4E9E-986F-E5EA5E1E0EA1}"/>
+              </a:ext>
+            </a:extLst>
+          </p:cNvPr>
+          <p:cNvSpPr txBox="1"/>
+          <p:nvPr/>
+        </p:nvSpPr>
+        <p:spPr>
+          <a:xfrm rot="16200000">
+            <a:off x="319685" y="3441320"/>
+            <a:ext cx="431528" cy="400110"/>
+          </a:xfrm>
+          <a:prstGeom prst="rect">
+            <a:avLst/>
+          </a:prstGeom>
+          <a:noFill/>
+          <a:ln>
+            <a:noFill/>
+          </a:ln>
+        </p:spPr>
+        <p:txBody>
+          <a:bodyPr wrap="none" rtlCol="0">
+            <a:spAutoFit/>
+          </a:bodyPr>
+          <a:lstStyle/>
+          <a:p>
+            <a:r>
+              <a:rPr lang="en-US" sz="2000" dirty="0"/>
+              <a:t>IFI</a:t>
+            </a:r>
+          </a:p>
+        </p:txBody>
+      </p:sp>
+    </p:spTree>
+    <p:extLst>
+      <p:ext uri="{BB962C8B-B14F-4D97-AF65-F5344CB8AC3E}">
+        <p14:creationId xmlns:p14="http://schemas.microsoft.com/office/powerpoint/2010/main" val="3106869358"/>
+      </p:ext>
+    </p:extLst>
+  </p:cSld>
+  <p:clrMapOvr>
+    <a:masterClrMapping/>
+  </p:clrMapOvr>
+</p:sld>
+</file>
+
+<file path=ppt/slides/slide6.xml><?xml version="1.0" encoding="utf-8"?>
+<p:sld xmlns:a="http://schemas.openxmlformats.org/drawingml/2006/main" xmlns:r="http://schemas.openxmlformats.org/officeDocument/2006/relationships" xmlns:p="http://schemas.openxmlformats.org/presentationml/2006/main">
+  <p:cSld>
+    <p:spTree>
+      <p:nvGrpSpPr>
+        <p:cNvPr id="1" name=""/>
+        <p:cNvGrpSpPr/>
+        <p:nvPr/>
+      </p:nvGrpSpPr>
+      <p:grpSpPr>
+        <a:xfrm>
+          <a:off x="0" y="0"/>
+          <a:ext cx="0" cy="0"/>
+          <a:chOff x="0" y="0"/>
+          <a:chExt cx="0" cy="0"/>
+        </a:xfrm>
+      </p:grpSpPr>
+      <p:pic>
+        <p:nvPicPr>
+          <p:cNvPr id="3" name="Picture 2">
+            <a:extLst>
+              <a:ext uri="{FF2B5EF4-FFF2-40B4-BE49-F238E27FC236}">
+                <a16:creationId xmlns:a16="http://schemas.microsoft.com/office/drawing/2014/main" id="{3E615568-8FE7-4899-B699-572986998FA3}"/>
+              </a:ext>
+            </a:extLst>
+          </p:cNvPr>
+          <p:cNvPicPr>
+            <a:picLocks noChangeAspect="1"/>
+          </p:cNvPicPr>
+          <p:nvPr/>
+        </p:nvPicPr>
+        <p:blipFill rotWithShape="1">
+          <a:blip r:embed="rId2"/>
+          <a:srcRect l="6731" r="20754"/>
+          <a:stretch/>
+        </p:blipFill>
+        <p:spPr>
+          <a:xfrm>
+            <a:off x="1842655" y="1228725"/>
+            <a:ext cx="7128164" cy="4400550"/>
+          </a:xfrm>
+          <a:prstGeom prst="rect">
+            <a:avLst/>
+          </a:prstGeom>
+        </p:spPr>
+      </p:pic>
+      <p:sp>
+        <p:nvSpPr>
+          <p:cNvPr id="2" name="Title 1">
+            <a:extLst>
+              <a:ext uri="{FF2B5EF4-FFF2-40B4-BE49-F238E27FC236}">
+                <a16:creationId xmlns:a16="http://schemas.microsoft.com/office/drawing/2014/main" id="{E94B13CC-3AF9-4F4B-BF14-33E50331908B}"/>
+              </a:ext>
+            </a:extLst>
+          </p:cNvPr>
+          <p:cNvSpPr>
+            <a:spLocks noGrp="1"/>
+          </p:cNvSpPr>
+          <p:nvPr>
+            <p:ph type="title"/>
+          </p:nvPr>
+        </p:nvSpPr>
+        <p:spPr>
+          <a:xfrm>
+            <a:off x="-76200" y="0"/>
+            <a:ext cx="3398520" cy="518795"/>
+          </a:xfrm>
+        </p:spPr>
+        <p:txBody>
+          <a:bodyPr>
+            <a:normAutofit fontScale="90000"/>
+          </a:bodyPr>
+          <a:lstStyle/>
+          <a:p>
+            <a:r>
+              <a:rPr lang="en-US" dirty="0"/>
+              <a:t>Fig4a bottom</a:t>
+            </a:r>
+          </a:p>
+        </p:txBody>
+      </p:sp>
+      <p:pic>
+        <p:nvPicPr>
+          <p:cNvPr id="8" name="Picture 7">
+            <a:extLst>
+              <a:ext uri="{FF2B5EF4-FFF2-40B4-BE49-F238E27FC236}">
+                <a16:creationId xmlns:a16="http://schemas.microsoft.com/office/drawing/2014/main" id="{6C9EE498-D994-4DC1-9664-E4D3D1A8134E}"/>
+              </a:ext>
+            </a:extLst>
+          </p:cNvPr>
+          <p:cNvPicPr>
+            <a:picLocks noChangeAspect="1"/>
+          </p:cNvPicPr>
+          <p:nvPr/>
+        </p:nvPicPr>
+        <p:blipFill rotWithShape="1">
+          <a:blip r:embed="rId3"/>
+          <a:srcRect t="92009"/>
+          <a:stretch/>
+        </p:blipFill>
+        <p:spPr>
+          <a:xfrm>
+            <a:off x="-212888" y="6322942"/>
+            <a:ext cx="10116457" cy="385444"/>
+          </a:xfrm>
+          <a:prstGeom prst="rect">
+            <a:avLst/>
+          </a:prstGeom>
+        </p:spPr>
+      </p:pic>
+      <p:sp>
+        <p:nvSpPr>
+          <p:cNvPr id="10" name="TextBox 9">
+            <a:extLst>
+              <a:ext uri="{FF2B5EF4-FFF2-40B4-BE49-F238E27FC236}">
+                <a16:creationId xmlns:a16="http://schemas.microsoft.com/office/drawing/2014/main" id="{7AB23237-C4E3-4FE5-B16A-E856BC38C0C5}"/>
+              </a:ext>
+            </a:extLst>
+          </p:cNvPr>
+          <p:cNvSpPr txBox="1"/>
+          <p:nvPr/>
+        </p:nvSpPr>
+        <p:spPr>
+          <a:xfrm rot="16200000">
+            <a:off x="934089" y="2833256"/>
+            <a:ext cx="1191491" cy="369332"/>
+          </a:xfrm>
+          <a:prstGeom prst="rect">
+            <a:avLst/>
+          </a:prstGeom>
+          <a:noFill/>
+        </p:spPr>
+        <p:txBody>
+          <a:bodyPr wrap="square" rtlCol="0">
+            <a:spAutoFit/>
+          </a:bodyPr>
+          <a:lstStyle/>
+          <a:p>
+            <a:r>
+              <a:rPr lang="en-US" dirty="0"/>
+              <a:t>Avg(IFI)</a:t>
+            </a:r>
+          </a:p>
+        </p:txBody>
+      </p:sp>
+      <p:pic>
+        <p:nvPicPr>
+          <p:cNvPr id="4" name="Picture 3">
+            <a:extLst>
+              <a:ext uri="{FF2B5EF4-FFF2-40B4-BE49-F238E27FC236}">
+                <a16:creationId xmlns:a16="http://schemas.microsoft.com/office/drawing/2014/main" id="{E068E74A-25BE-446B-A970-05C51704D908}"/>
+              </a:ext>
+            </a:extLst>
+          </p:cNvPr>
+          <p:cNvPicPr>
+            <a:picLocks noChangeAspect="1"/>
+          </p:cNvPicPr>
+          <p:nvPr/>
+        </p:nvPicPr>
+        <p:blipFill rotWithShape="1">
+          <a:blip r:embed="rId3"/>
+          <a:srcRect l="72740" r="5649" b="28001"/>
+          <a:stretch/>
+        </p:blipFill>
+        <p:spPr>
+          <a:xfrm>
+            <a:off x="8869680" y="1599281"/>
+            <a:ext cx="2186247" cy="3472923"/>
+          </a:xfrm>
+          <a:prstGeom prst="rect">
+            <a:avLst/>
+          </a:prstGeom>
+        </p:spPr>
+      </p:pic>
+      <p:cxnSp>
+        <p:nvCxnSpPr>
+          <p:cNvPr id="12" name="Straight Connector 11">
+            <a:extLst>
+              <a:ext uri="{FF2B5EF4-FFF2-40B4-BE49-F238E27FC236}">
+                <a16:creationId xmlns:a16="http://schemas.microsoft.com/office/drawing/2014/main" id="{173DA6A6-5D92-499C-B490-8B9CE12B9FCD}"/>
+              </a:ext>
+            </a:extLst>
+          </p:cNvPr>
+          <p:cNvCxnSpPr>
+            <a:cxnSpLocks/>
+            <a:stCxn id="23" idx="7"/>
+            <a:endCxn id="5" idx="2"/>
+          </p:cNvCxnSpPr>
+          <p:nvPr/>
+        </p:nvCxnSpPr>
+        <p:spPr>
+          <a:xfrm flipV="1">
+            <a:off x="6859333" y="4105608"/>
+            <a:ext cx="217736" cy="719249"/>
+          </a:xfrm>
+          <a:prstGeom prst="line">
+            <a:avLst/>
+          </a:prstGeom>
+          <a:ln w="12700">
+            <a:solidFill>
+              <a:schemeClr val="tx1"/>
+            </a:solidFill>
+          </a:ln>
+        </p:spPr>
+        <p:style>
+          <a:lnRef idx="1">
+            <a:schemeClr val="accent1"/>
+          </a:lnRef>
+          <a:fillRef idx="0">
+            <a:schemeClr val="accent1"/>
+          </a:fillRef>
+          <a:effectRef idx="0">
+            <a:schemeClr val="accent1"/>
+          </a:effectRef>
+          <a:fontRef idx="minor">
+            <a:schemeClr val="tx1"/>
+          </a:fontRef>
+        </p:style>
+      </p:cxnSp>
+      <p:grpSp>
+        <p:nvGrpSpPr>
+          <p:cNvPr id="21" name="Group 20">
+            <a:extLst>
+              <a:ext uri="{FF2B5EF4-FFF2-40B4-BE49-F238E27FC236}">
+                <a16:creationId xmlns:a16="http://schemas.microsoft.com/office/drawing/2014/main" id="{A2879933-CE3E-47CC-9898-F12E7D9F6457}"/>
+              </a:ext>
+            </a:extLst>
+          </p:cNvPr>
+          <p:cNvGrpSpPr/>
+          <p:nvPr/>
+        </p:nvGrpSpPr>
+        <p:grpSpPr>
+          <a:xfrm>
+            <a:off x="5660616" y="907469"/>
+            <a:ext cx="2805198" cy="3198139"/>
+            <a:chOff x="5660616" y="720436"/>
+            <a:chExt cx="2805198" cy="3198139"/>
+          </a:xfrm>
+        </p:grpSpPr>
+        <p:pic>
+          <p:nvPicPr>
+            <p:cNvPr id="9" name="Picture 8">
+              <a:extLst>
+                <a:ext uri="{FF2B5EF4-FFF2-40B4-BE49-F238E27FC236}">
+                  <a16:creationId xmlns:a16="http://schemas.microsoft.com/office/drawing/2014/main" id="{9363824E-FD86-4FD3-B17F-97A93AC2E352}"/>
+                </a:ext>
+              </a:extLst>
+            </p:cNvPr>
+            <p:cNvPicPr>
+              <a:picLocks noChangeAspect="1"/>
+            </p:cNvPicPr>
+            <p:nvPr/>
+          </p:nvPicPr>
+          <p:blipFill>
+            <a:blip r:embed="rId4"/>
+            <a:stretch>
+              <a:fillRect/>
+            </a:stretch>
+          </p:blipFill>
+          <p:spPr>
+            <a:xfrm>
+              <a:off x="6312479" y="1008891"/>
+              <a:ext cx="1545431" cy="1183958"/>
+            </a:xfrm>
+            <a:prstGeom prst="rect">
+              <a:avLst/>
+            </a:prstGeom>
+          </p:spPr>
+        </p:pic>
+        <p:pic>
+          <p:nvPicPr>
+            <p:cNvPr id="5" name="Picture 4">
+              <a:extLst>
+                <a:ext uri="{FF2B5EF4-FFF2-40B4-BE49-F238E27FC236}">
+                  <a16:creationId xmlns:a16="http://schemas.microsoft.com/office/drawing/2014/main" id="{9B0A766F-4480-4489-ACF7-001BEFAC07B5}"/>
+                </a:ext>
+              </a:extLst>
+            </p:cNvPr>
+            <p:cNvPicPr>
+              <a:picLocks noChangeAspect="1"/>
+            </p:cNvPicPr>
+            <p:nvPr/>
+          </p:nvPicPr>
+          <p:blipFill>
+            <a:blip r:embed="rId5"/>
+            <a:stretch>
+              <a:fillRect/>
+            </a:stretch>
+          </p:blipFill>
+          <p:spPr>
+            <a:xfrm>
+              <a:off x="5688324" y="2364095"/>
+              <a:ext cx="2777490" cy="1554480"/>
+            </a:xfrm>
+            <a:prstGeom prst="rect">
+              <a:avLst/>
+            </a:prstGeom>
+          </p:spPr>
+        </p:pic>
+        <p:sp>
+          <p:nvSpPr>
+            <p:cNvPr id="13" name="Rectangle 12">
+              <a:extLst>
+                <a:ext uri="{FF2B5EF4-FFF2-40B4-BE49-F238E27FC236}">
+                  <a16:creationId xmlns:a16="http://schemas.microsoft.com/office/drawing/2014/main" id="{8D9480F7-1867-43EF-8249-31A5BBE4CBDD}"/>
+                </a:ext>
+              </a:extLst>
+            </p:cNvPr>
+            <p:cNvSpPr/>
+            <p:nvPr/>
+          </p:nvSpPr>
+          <p:spPr>
+            <a:xfrm>
+              <a:off x="5688324" y="775858"/>
+              <a:ext cx="2777490" cy="3142716"/>
+            </a:xfrm>
+            <a:prstGeom prst="rect">
+              <a:avLst/>
+            </a:prstGeom>
+            <a:noFill/>
+            <a:ln>
+              <a:solidFill>
+                <a:schemeClr val="tx1"/>
+              </a:solidFill>
+            </a:ln>
+          </p:spPr>
+          <p:style>
+            <a:lnRef idx="2">
+              <a:schemeClr val="accent1">
+                <a:shade val="50000"/>
+              </a:schemeClr>
+            </a:lnRef>
+            <a:fillRef idx="1">
+              <a:schemeClr val="accent1"/>
+            </a:fillRef>
+            <a:effectRef idx="0">
+              <a:schemeClr val="accent1"/>
+            </a:effectRef>
+            <a:fontRef idx="minor">
+              <a:schemeClr val="lt1"/>
+            </a:fontRef>
+          </p:style>
+          <p:txBody>
+            <a:bodyPr rtlCol="0" anchor="ctr"/>
+            <a:lstStyle/>
+            <a:p>
+              <a:pPr algn="ctr"/>
+              <a:endParaRPr lang="en-US"/>
+            </a:p>
+          </p:txBody>
+        </p:sp>
+        <p:sp>
+          <p:nvSpPr>
+            <p:cNvPr id="17" name="TextBox 16">
+              <a:extLst>
+                <a:ext uri="{FF2B5EF4-FFF2-40B4-BE49-F238E27FC236}">
+                  <a16:creationId xmlns:a16="http://schemas.microsoft.com/office/drawing/2014/main" id="{0644995E-923B-46BA-A6A7-5CD4E23CED04}"/>
+                </a:ext>
+              </a:extLst>
+            </p:cNvPr>
+            <p:cNvSpPr txBox="1"/>
+            <p:nvPr/>
+          </p:nvSpPr>
+          <p:spPr>
+            <a:xfrm>
+              <a:off x="5660616" y="720436"/>
+              <a:ext cx="2097931" cy="338554"/>
+            </a:xfrm>
+            <a:prstGeom prst="rect">
+              <a:avLst/>
+            </a:prstGeom>
+            <a:noFill/>
+          </p:spPr>
+          <p:txBody>
+            <a:bodyPr wrap="square" rtlCol="0">
+              <a:spAutoFit/>
+            </a:bodyPr>
+            <a:lstStyle/>
+            <a:p>
+              <a:r>
+                <a:rPr lang="en-US" sz="1600" dirty="0"/>
+                <a:t>SCAFFOLD_ID: 4719</a:t>
+              </a:r>
+            </a:p>
+          </p:txBody>
+        </p:sp>
+        <p:sp>
+          <p:nvSpPr>
+            <p:cNvPr id="18" name="TextBox 17">
+              <a:extLst>
+                <a:ext uri="{FF2B5EF4-FFF2-40B4-BE49-F238E27FC236}">
+                  <a16:creationId xmlns:a16="http://schemas.microsoft.com/office/drawing/2014/main" id="{C64C7ADE-E20B-44DB-8FE0-0E99A3CC4515}"/>
+                </a:ext>
+              </a:extLst>
+            </p:cNvPr>
+            <p:cNvSpPr txBox="1"/>
+            <p:nvPr/>
+          </p:nvSpPr>
+          <p:spPr>
+            <a:xfrm>
+              <a:off x="5688324" y="2251365"/>
+              <a:ext cx="1197385" cy="338554"/>
+            </a:xfrm>
+            <a:prstGeom prst="rect">
+              <a:avLst/>
+            </a:prstGeom>
+            <a:noFill/>
+          </p:spPr>
+          <p:txBody>
+            <a:bodyPr wrap="square" rtlCol="0">
+              <a:spAutoFit/>
+            </a:bodyPr>
+            <a:lstStyle/>
+            <a:p>
+              <a:r>
+                <a:rPr lang="en-US" sz="1600" dirty="0"/>
+                <a:t>ID: 537543</a:t>
+              </a:r>
+            </a:p>
+          </p:txBody>
+        </p:sp>
+        <p:cxnSp>
+          <p:nvCxnSpPr>
+            <p:cNvPr id="20" name="Straight Connector 19">
+              <a:extLst>
+                <a:ext uri="{FF2B5EF4-FFF2-40B4-BE49-F238E27FC236}">
+                  <a16:creationId xmlns:a16="http://schemas.microsoft.com/office/drawing/2014/main" id="{BB9247ED-A3C1-4609-853C-212CAFC36F8D}"/>
+                </a:ext>
+              </a:extLst>
+            </p:cNvPr>
+            <p:cNvCxnSpPr>
+              <a:cxnSpLocks/>
+            </p:cNvCxnSpPr>
+            <p:nvPr/>
+          </p:nvCxnSpPr>
+          <p:spPr>
+            <a:xfrm>
+              <a:off x="5688324" y="2264088"/>
+              <a:ext cx="2777490" cy="0"/>
+            </a:xfrm>
+            <a:prstGeom prst="line">
+              <a:avLst/>
+            </a:prstGeom>
+            <a:ln>
+              <a:solidFill>
+                <a:schemeClr val="tx1"/>
+              </a:solidFill>
+            </a:ln>
+          </p:spPr>
+          <p:style>
+            <a:lnRef idx="1">
+              <a:schemeClr val="accent1"/>
+            </a:lnRef>
+            <a:fillRef idx="0">
+              <a:schemeClr val="accent1"/>
+            </a:fillRef>
+            <a:effectRef idx="0">
+              <a:schemeClr val="accent1"/>
+            </a:effectRef>
+            <a:fontRef idx="minor">
+              <a:schemeClr val="tx1"/>
+            </a:fontRef>
+          </p:style>
+        </p:cxnSp>
+      </p:grpSp>
+      <p:sp>
+        <p:nvSpPr>
+          <p:cNvPr id="23" name="Oval 22">
+            <a:extLst>
+              <a:ext uri="{FF2B5EF4-FFF2-40B4-BE49-F238E27FC236}">
+                <a16:creationId xmlns:a16="http://schemas.microsoft.com/office/drawing/2014/main" id="{A2F430AE-8497-47A8-84F5-76630C4CF351}"/>
+              </a:ext>
+            </a:extLst>
+          </p:cNvPr>
+          <p:cNvSpPr/>
+          <p:nvPr/>
+        </p:nvSpPr>
+        <p:spPr>
+          <a:xfrm>
+            <a:off x="6705600" y="4801683"/>
+            <a:ext cx="180109" cy="158245"/>
+          </a:xfrm>
+          <a:prstGeom prst="ellipse">
+            <a:avLst/>
+          </a:prstGeom>
+          <a:noFill/>
+          <a:ln w="19050">
+            <a:solidFill>
+              <a:schemeClr val="tx1"/>
+            </a:solidFill>
+          </a:ln>
+        </p:spPr>
+        <p:style>
+          <a:lnRef idx="2">
+            <a:schemeClr val="accent1">
+              <a:shade val="50000"/>
+            </a:schemeClr>
+          </a:lnRef>
+          <a:fillRef idx="1">
+            <a:schemeClr val="accent1"/>
+          </a:fillRef>
+          <a:effectRef idx="0">
+            <a:schemeClr val="accent1"/>
+          </a:effectRef>
+          <a:fontRef idx="minor">
+            <a:schemeClr val="lt1"/>
+          </a:fontRef>
+        </p:style>
+        <p:txBody>
+          <a:bodyPr rtlCol="0" anchor="ctr"/>
+          <a:lstStyle/>
+          <a:p>
+            <a:pPr algn="ctr"/>
+            <a:endParaRPr lang="en-US"/>
+          </a:p>
+        </p:txBody>
+      </p:sp>
+    </p:spTree>
+    <p:extLst>
+      <p:ext uri="{BB962C8B-B14F-4D97-AF65-F5344CB8AC3E}">
+        <p14:creationId xmlns:p14="http://schemas.microsoft.com/office/powerpoint/2010/main" val="2280316007"/>
+      </p:ext>
+    </p:extLst>
+  </p:cSld>
+  <p:clrMapOvr>
+    <a:masterClrMapping/>
+  </p:clrMapOvr>
+</p:sld>
+</file>
+
+<file path=ppt/slides/slide7.xml><?xml version="1.0" encoding="utf-8"?>
+<p:sld xmlns:a="http://schemas.openxmlformats.org/drawingml/2006/main" xmlns:r="http://schemas.openxmlformats.org/officeDocument/2006/relationships" xmlns:p="http://schemas.openxmlformats.org/presentationml/2006/main">
+  <p:cSld>
+    <p:spTree>
+      <p:nvGrpSpPr>
+        <p:cNvPr id="1" name=""/>
+        <p:cNvGrpSpPr/>
+        <p:nvPr/>
+      </p:nvGrpSpPr>
+      <p:grpSpPr>
+        <a:xfrm>
+          <a:off x="0" y="0"/>
+          <a:ext cx="0" cy="0"/>
+          <a:chOff x="0" y="0"/>
+          <a:chExt cx="0" cy="0"/>
+        </a:xfrm>
+      </p:grpSpPr>
+      <p:sp>
+        <p:nvSpPr>
+          <p:cNvPr id="2" name="Title 1">
+            <a:extLst>
+              <a:ext uri="{FF2B5EF4-FFF2-40B4-BE49-F238E27FC236}">
+                <a16:creationId xmlns:a16="http://schemas.microsoft.com/office/drawing/2014/main" id="{2C2EB725-3E6D-4BE5-B6E9-4FCA6F6E729F}"/>
+              </a:ext>
+            </a:extLst>
+          </p:cNvPr>
+          <p:cNvSpPr>
+            <a:spLocks noGrp="1"/>
+          </p:cNvSpPr>
+          <p:nvPr>
+            <p:ph type="title"/>
+          </p:nvPr>
+        </p:nvSpPr>
+        <p:spPr/>
+        <p:txBody>
+          <a:bodyPr/>
+          <a:lstStyle/>
+          <a:p>
+            <a:r>
+              <a:rPr lang="en-US" dirty="0"/>
+              <a:t>Fig 4b</a:t>
+            </a:r>
+          </a:p>
+        </p:txBody>
+      </p:sp>
+      <p:pic>
+        <p:nvPicPr>
+          <p:cNvPr id="4" name="Picture 3">
+            <a:extLst>
+              <a:ext uri="{FF2B5EF4-FFF2-40B4-BE49-F238E27FC236}">
+                <a16:creationId xmlns:a16="http://schemas.microsoft.com/office/drawing/2014/main" id="{559115E6-FBF3-4889-81F7-B010B79491DB}"/>
+              </a:ext>
+            </a:extLst>
+          </p:cNvPr>
+          <p:cNvPicPr>
+            <a:picLocks noChangeAspect="1"/>
+          </p:cNvPicPr>
+          <p:nvPr/>
+        </p:nvPicPr>
+        <p:blipFill>
+          <a:blip r:embed="rId2"/>
+          <a:stretch>
+            <a:fillRect/>
+          </a:stretch>
+        </p:blipFill>
+        <p:spPr>
+          <a:xfrm>
+            <a:off x="59764" y="1728787"/>
+            <a:ext cx="9884336" cy="4367213"/>
+          </a:xfrm>
+          <a:prstGeom prst="rect">
+            <a:avLst/>
+          </a:prstGeom>
+        </p:spPr>
+      </p:pic>
+      <p:pic>
+        <p:nvPicPr>
+          <p:cNvPr id="3" name="Picture 2">
+            <a:extLst>
+              <a:ext uri="{FF2B5EF4-FFF2-40B4-BE49-F238E27FC236}">
+                <a16:creationId xmlns:a16="http://schemas.microsoft.com/office/drawing/2014/main" id="{BE4418B0-4047-46D1-8C8C-72CF2D5CCDE3}"/>
+              </a:ext>
+            </a:extLst>
+          </p:cNvPr>
+          <p:cNvPicPr>
+            <a:picLocks noChangeAspect="1"/>
+          </p:cNvPicPr>
+          <p:nvPr/>
+        </p:nvPicPr>
+        <p:blipFill>
+          <a:blip r:embed="rId3"/>
+          <a:stretch>
+            <a:fillRect/>
+          </a:stretch>
+        </p:blipFill>
+        <p:spPr>
+          <a:xfrm>
+            <a:off x="9160436" y="3912393"/>
+            <a:ext cx="2971800" cy="2333625"/>
+          </a:xfrm>
+          <a:prstGeom prst="rect">
+            <a:avLst/>
+          </a:prstGeom>
+        </p:spPr>
+      </p:pic>
+      <p:pic>
+        <p:nvPicPr>
+          <p:cNvPr id="5" name="Picture 4">
+            <a:extLst>
+              <a:ext uri="{FF2B5EF4-FFF2-40B4-BE49-F238E27FC236}">
+                <a16:creationId xmlns:a16="http://schemas.microsoft.com/office/drawing/2014/main" id="{11FDF370-3592-4F82-9DDC-2DBB4C8890BA}"/>
+              </a:ext>
+            </a:extLst>
+          </p:cNvPr>
+          <p:cNvPicPr>
+            <a:picLocks noChangeAspect="1"/>
+          </p:cNvPicPr>
+          <p:nvPr/>
+        </p:nvPicPr>
+        <p:blipFill>
+          <a:blip r:embed="rId4"/>
+          <a:stretch>
+            <a:fillRect/>
+          </a:stretch>
+        </p:blipFill>
+        <p:spPr>
+          <a:xfrm>
+            <a:off x="9474115" y="488622"/>
+            <a:ext cx="2496110" cy="1885950"/>
+          </a:xfrm>
+          <a:prstGeom prst="rect">
+            <a:avLst/>
+          </a:prstGeom>
+        </p:spPr>
+      </p:pic>
+    </p:spTree>
+    <p:extLst>
+      <p:ext uri="{BB962C8B-B14F-4D97-AF65-F5344CB8AC3E}">
+        <p14:creationId xmlns:p14="http://schemas.microsoft.com/office/powerpoint/2010/main" val="1663136479"/>
+      </p:ext>
+    </p:extLst>
+  </p:cSld>
+  <p:clrMapOvr>
+    <a:masterClrMapping/>
+  </p:clrMapOvr>
+</p:sld>
+</file>
+
+<file path=ppt/slides/slide8.xml><?xml version="1.0" encoding="utf-8"?>
+<p:sld xmlns:a="http://schemas.openxmlformats.org/drawingml/2006/main" xmlns:r="http://schemas.openxmlformats.org/officeDocument/2006/relationships" xmlns:p="http://schemas.openxmlformats.org/presentationml/2006/main">
+  <p:cSld>
+    <p:spTree>
+      <p:nvGrpSpPr>
+        <p:cNvPr id="1" name=""/>
+        <p:cNvGrpSpPr/>
+        <p:nvPr/>
+      </p:nvGrpSpPr>
+      <p:grpSpPr>
+        <a:xfrm>
+          <a:off x="0" y="0"/>
+          <a:ext cx="0" cy="0"/>
+          <a:chOff x="0" y="0"/>
+          <a:chExt cx="0" cy="0"/>
+        </a:xfrm>
+      </p:grpSpPr>
+      <p:sp>
+        <p:nvSpPr>
+          <p:cNvPr id="2" name="Title 1">
+            <a:extLst>
+              <a:ext uri="{FF2B5EF4-FFF2-40B4-BE49-F238E27FC236}">
+                <a16:creationId xmlns:a16="http://schemas.microsoft.com/office/drawing/2014/main" id="{1CE5797D-D3B7-4F30-BBD7-64827B20C19C}"/>
+              </a:ext>
+            </a:extLst>
+          </p:cNvPr>
+          <p:cNvSpPr>
+            <a:spLocks noGrp="1"/>
+          </p:cNvSpPr>
+          <p:nvPr>
+            <p:ph type="title"/>
+          </p:nvPr>
+        </p:nvSpPr>
+        <p:spPr>
+          <a:xfrm>
+            <a:off x="0" y="58797"/>
+            <a:ext cx="1823720" cy="782955"/>
+          </a:xfrm>
+        </p:spPr>
+        <p:txBody>
+          <a:bodyPr/>
+          <a:lstStyle/>
+          <a:p>
+            <a:r>
+              <a:rPr lang="en-US" dirty="0"/>
+              <a:t>Fig4c</a:t>
+            </a:r>
+          </a:p>
+        </p:txBody>
+      </p:sp>
+      <p:pic>
+        <p:nvPicPr>
+          <p:cNvPr id="5" name="Picture 4">
+            <a:extLst>
+              <a:ext uri="{FF2B5EF4-FFF2-40B4-BE49-F238E27FC236}">
+                <a16:creationId xmlns:a16="http://schemas.microsoft.com/office/drawing/2014/main" id="{50C68437-D86D-449A-BC46-6B4CAFB45A7F}"/>
+              </a:ext>
+            </a:extLst>
+          </p:cNvPr>
+          <p:cNvPicPr>
+            <a:picLocks noChangeAspect="1"/>
+          </p:cNvPicPr>
+          <p:nvPr/>
+        </p:nvPicPr>
+        <p:blipFill>
+          <a:blip r:embed="rId2"/>
+          <a:stretch>
+            <a:fillRect/>
+          </a:stretch>
+        </p:blipFill>
+        <p:spPr>
+          <a:xfrm>
+            <a:off x="0" y="1181344"/>
+            <a:ext cx="12192000" cy="4495312"/>
+          </a:xfrm>
+          <a:prstGeom prst="rect">
+            <a:avLst/>
+          </a:prstGeom>
+        </p:spPr>
+      </p:pic>
+    </p:spTree>
+    <p:extLst>
+      <p:ext uri="{BB962C8B-B14F-4D97-AF65-F5344CB8AC3E}">
+        <p14:creationId xmlns:p14="http://schemas.microsoft.com/office/powerpoint/2010/main" val="3471142185"/>
+      </p:ext>
+    </p:extLst>
+  </p:cSld>
+  <p:clrMapOvr>
+    <a:masterClrMapping/>
+  </p:clrMapOvr>
+</p:sld>
+</file>
+
+<file path=ppt/slides/slide9.xml><?xml version="1.0" encoding="utf-8"?>
+<p:sld xmlns:a="http://schemas.openxmlformats.org/drawingml/2006/main" xmlns:r="http://schemas.openxmlformats.org/officeDocument/2006/relationships" xmlns:p="http://schemas.openxmlformats.org/presentationml/2006/main">
+  <p:cSld>
+    <p:spTree>
+      <p:nvGrpSpPr>
+        <p:cNvPr id="1" name=""/>
+        <p:cNvGrpSpPr/>
+        <p:nvPr/>
+      </p:nvGrpSpPr>
+      <p:grpSpPr>
+        <a:xfrm>
+          <a:off x="0" y="0"/>
+          <a:ext cx="0" cy="0"/>
+          <a:chOff x="0" y="0"/>
+          <a:chExt cx="0" cy="0"/>
+        </a:xfrm>
+      </p:grpSpPr>
+      <p:sp>
+        <p:nvSpPr>
+          <p:cNvPr id="2" name="Title 1">
+            <a:extLst>
+              <a:ext uri="{FF2B5EF4-FFF2-40B4-BE49-F238E27FC236}">
+                <a16:creationId xmlns:a16="http://schemas.microsoft.com/office/drawing/2014/main" id="{F8589263-0E7F-4053-B571-33802FFA76FA}"/>
+              </a:ext>
+            </a:extLst>
+          </p:cNvPr>
+          <p:cNvSpPr>
+            <a:spLocks noGrp="1"/>
+          </p:cNvSpPr>
+          <p:nvPr>
+            <p:ph type="title"/>
+          </p:nvPr>
+        </p:nvSpPr>
+        <p:spPr/>
+        <p:txBody>
+          <a:bodyPr/>
+          <a:lstStyle/>
+          <a:p>
+            <a:r>
+              <a:rPr lang="en-US" dirty="0"/>
+              <a:t>Fig 5b</a:t>
+            </a:r>
+          </a:p>
+        </p:txBody>
+      </p:sp>
+      <p:pic>
+        <p:nvPicPr>
+          <p:cNvPr id="4" name="Picture 3">
+            <a:extLst>
+              <a:ext uri="{FF2B5EF4-FFF2-40B4-BE49-F238E27FC236}">
+                <a16:creationId xmlns:a16="http://schemas.microsoft.com/office/drawing/2014/main" id="{B62E7EB0-B719-488C-9452-3E319DA7E9C2}"/>
+              </a:ext>
+            </a:extLst>
+          </p:cNvPr>
+          <p:cNvPicPr>
+            <a:picLocks noChangeAspect="1"/>
+          </p:cNvPicPr>
+          <p:nvPr/>
+        </p:nvPicPr>
+        <p:blipFill>
+          <a:blip r:embed="rId2"/>
+          <a:stretch>
+            <a:fillRect/>
+          </a:stretch>
+        </p:blipFill>
+        <p:spPr>
+          <a:xfrm>
+            <a:off x="2549557" y="365125"/>
+            <a:ext cx="9440855" cy="4171269"/>
+          </a:xfrm>
+          <a:prstGeom prst="rect">
+            <a:avLst/>
+          </a:prstGeom>
+        </p:spPr>
+      </p:pic>
+      <p:sp>
+        <p:nvSpPr>
+          <p:cNvPr id="3" name="TextBox 2">
+            <a:extLst>
+              <a:ext uri="{FF2B5EF4-FFF2-40B4-BE49-F238E27FC236}">
+                <a16:creationId xmlns:a16="http://schemas.microsoft.com/office/drawing/2014/main" id="{060265F5-642F-4A04-BBC0-BDBA05E7DA84}"/>
+              </a:ext>
+            </a:extLst>
+          </p:cNvPr>
+          <p:cNvSpPr txBox="1"/>
+          <p:nvPr/>
+        </p:nvSpPr>
+        <p:spPr>
+          <a:xfrm>
+            <a:off x="3504393" y="1506022"/>
+            <a:ext cx="301686" cy="369332"/>
+          </a:xfrm>
+          <a:prstGeom prst="rect">
+            <a:avLst/>
+          </a:prstGeom>
+          <a:noFill/>
+        </p:spPr>
+        <p:txBody>
+          <a:bodyPr wrap="none" rtlCol="0">
+            <a:spAutoFit/>
+          </a:bodyPr>
+          <a:lstStyle/>
+          <a:p>
+            <a:r>
+              <a:rPr lang="en-US" dirty="0">
+                <a:solidFill>
+                  <a:srgbClr val="FF0000"/>
+                </a:solidFill>
+                <a:highlight>
+                  <a:srgbClr val="FFFF00"/>
+                </a:highlight>
+              </a:rPr>
+              <a:t>1</a:t>
+            </a:r>
+          </a:p>
+        </p:txBody>
+      </p:sp>
+      <p:sp>
+        <p:nvSpPr>
+          <p:cNvPr id="5" name="TextBox 4">
+            <a:extLst>
+              <a:ext uri="{FF2B5EF4-FFF2-40B4-BE49-F238E27FC236}">
+                <a16:creationId xmlns:a16="http://schemas.microsoft.com/office/drawing/2014/main" id="{B5288400-8C72-4095-8D8E-A55AE9CDE1D2}"/>
+              </a:ext>
+            </a:extLst>
+          </p:cNvPr>
+          <p:cNvSpPr txBox="1"/>
+          <p:nvPr/>
+        </p:nvSpPr>
+        <p:spPr>
+          <a:xfrm>
+            <a:off x="5015575" y="1404605"/>
+            <a:ext cx="248635" cy="378416"/>
+          </a:xfrm>
+          <a:prstGeom prst="rect">
+            <a:avLst/>
+          </a:prstGeom>
+          <a:noFill/>
+        </p:spPr>
+        <p:txBody>
+          <a:bodyPr wrap="square" rtlCol="0">
+            <a:spAutoFit/>
+          </a:bodyPr>
+          <a:lstStyle/>
+          <a:p>
+            <a:r>
+              <a:rPr lang="en-US" dirty="0">
+                <a:solidFill>
+                  <a:srgbClr val="FF0000"/>
+                </a:solidFill>
+                <a:highlight>
+                  <a:srgbClr val="FFFF00"/>
+                </a:highlight>
+              </a:rPr>
+              <a:t>2</a:t>
+            </a:r>
+          </a:p>
+        </p:txBody>
+      </p:sp>
+      <p:sp>
+        <p:nvSpPr>
+          <p:cNvPr id="6" name="TextBox 5">
+            <a:extLst>
+              <a:ext uri="{FF2B5EF4-FFF2-40B4-BE49-F238E27FC236}">
+                <a16:creationId xmlns:a16="http://schemas.microsoft.com/office/drawing/2014/main" id="{7620CA39-5B58-4CDA-96D7-72AA7E5404C0}"/>
+              </a:ext>
+            </a:extLst>
+          </p:cNvPr>
+          <p:cNvSpPr txBox="1"/>
+          <p:nvPr/>
+        </p:nvSpPr>
+        <p:spPr>
+          <a:xfrm>
+            <a:off x="6603669" y="1060710"/>
+            <a:ext cx="248635" cy="378416"/>
+          </a:xfrm>
+          <a:prstGeom prst="rect">
+            <a:avLst/>
+          </a:prstGeom>
+          <a:noFill/>
+        </p:spPr>
+        <p:txBody>
+          <a:bodyPr wrap="square" rtlCol="0">
+            <a:spAutoFit/>
+          </a:bodyPr>
+          <a:lstStyle/>
+          <a:p>
+            <a:r>
+              <a:rPr lang="en-US" dirty="0">
+                <a:solidFill>
+                  <a:srgbClr val="FF0000"/>
+                </a:solidFill>
+                <a:highlight>
+                  <a:srgbClr val="FFFF00"/>
+                </a:highlight>
+              </a:rPr>
+              <a:t>3</a:t>
+            </a:r>
+          </a:p>
+        </p:txBody>
+      </p:sp>
+      <p:sp>
+        <p:nvSpPr>
+          <p:cNvPr id="7" name="TextBox 6">
+            <a:extLst>
+              <a:ext uri="{FF2B5EF4-FFF2-40B4-BE49-F238E27FC236}">
+                <a16:creationId xmlns:a16="http://schemas.microsoft.com/office/drawing/2014/main" id="{D689098D-000A-48E0-B0AA-EF4D357C6A14}"/>
+              </a:ext>
+            </a:extLst>
+          </p:cNvPr>
+          <p:cNvSpPr txBox="1"/>
+          <p:nvPr/>
+        </p:nvSpPr>
+        <p:spPr>
+          <a:xfrm>
+            <a:off x="7610648" y="939644"/>
+            <a:ext cx="248635" cy="378416"/>
+          </a:xfrm>
+          <a:prstGeom prst="rect">
+            <a:avLst/>
+          </a:prstGeom>
+          <a:noFill/>
+        </p:spPr>
+        <p:txBody>
+          <a:bodyPr wrap="square" rtlCol="0">
+            <a:spAutoFit/>
+          </a:bodyPr>
+          <a:lstStyle/>
+          <a:p>
+            <a:r>
+              <a:rPr lang="en-US" dirty="0">
+                <a:solidFill>
+                  <a:srgbClr val="FF0000"/>
+                </a:solidFill>
+                <a:highlight>
+                  <a:srgbClr val="FFFF00"/>
+                </a:highlight>
+              </a:rPr>
+              <a:t>4</a:t>
+            </a:r>
+          </a:p>
+        </p:txBody>
+      </p:sp>
+      <p:sp>
+        <p:nvSpPr>
+          <p:cNvPr id="8" name="TextBox 7">
+            <a:extLst>
+              <a:ext uri="{FF2B5EF4-FFF2-40B4-BE49-F238E27FC236}">
+                <a16:creationId xmlns:a16="http://schemas.microsoft.com/office/drawing/2014/main" id="{DB767AED-5B84-4B34-B441-8FD39491E408}"/>
+              </a:ext>
+            </a:extLst>
+          </p:cNvPr>
+          <p:cNvSpPr txBox="1"/>
+          <p:nvPr/>
+        </p:nvSpPr>
+        <p:spPr>
+          <a:xfrm>
+            <a:off x="5239240" y="2688958"/>
+            <a:ext cx="248635" cy="378416"/>
+          </a:xfrm>
+          <a:prstGeom prst="rect">
+            <a:avLst/>
+          </a:prstGeom>
+          <a:noFill/>
+        </p:spPr>
+        <p:txBody>
+          <a:bodyPr wrap="square" rtlCol="0">
+            <a:spAutoFit/>
+          </a:bodyPr>
+          <a:lstStyle/>
+          <a:p>
+            <a:r>
+              <a:rPr lang="en-US" dirty="0">
+                <a:solidFill>
+                  <a:srgbClr val="FF0000"/>
+                </a:solidFill>
+                <a:highlight>
+                  <a:srgbClr val="FFFF00"/>
+                </a:highlight>
+              </a:rPr>
+              <a:t>5</a:t>
+            </a:r>
+          </a:p>
+        </p:txBody>
+      </p:sp>
+      <p:sp>
+        <p:nvSpPr>
+          <p:cNvPr id="9" name="TextBox 8">
+            <a:extLst>
+              <a:ext uri="{FF2B5EF4-FFF2-40B4-BE49-F238E27FC236}">
+                <a16:creationId xmlns:a16="http://schemas.microsoft.com/office/drawing/2014/main" id="{ED83F518-2E4C-41FB-ADA8-9F74ECBBFAE7}"/>
+              </a:ext>
+            </a:extLst>
+          </p:cNvPr>
+          <p:cNvSpPr txBox="1"/>
+          <p:nvPr/>
+        </p:nvSpPr>
+        <p:spPr>
+          <a:xfrm>
+            <a:off x="6383799" y="2508857"/>
+            <a:ext cx="248635" cy="378416"/>
+          </a:xfrm>
+          <a:prstGeom prst="rect">
+            <a:avLst/>
+          </a:prstGeom>
+          <a:noFill/>
+        </p:spPr>
+        <p:txBody>
+          <a:bodyPr wrap="square" rtlCol="0">
+            <a:spAutoFit/>
+          </a:bodyPr>
+          <a:lstStyle/>
+          <a:p>
+            <a:r>
+              <a:rPr lang="en-US" dirty="0">
+                <a:solidFill>
+                  <a:srgbClr val="FF0000"/>
+                </a:solidFill>
+                <a:highlight>
+                  <a:srgbClr val="FFFF00"/>
+                </a:highlight>
+              </a:rPr>
+              <a:t>6</a:t>
+            </a:r>
+          </a:p>
+        </p:txBody>
+      </p:sp>
+      <p:pic>
+        <p:nvPicPr>
+          <p:cNvPr id="10" name="Picture 9">
+            <a:extLst>
+              <a:ext uri="{FF2B5EF4-FFF2-40B4-BE49-F238E27FC236}">
+                <a16:creationId xmlns:a16="http://schemas.microsoft.com/office/drawing/2014/main" id="{AF920790-2BC7-4F15-8E9E-BC7E082AD569}"/>
+              </a:ext>
+            </a:extLst>
+          </p:cNvPr>
+          <p:cNvPicPr>
+            <a:picLocks noChangeAspect="1"/>
+          </p:cNvPicPr>
+          <p:nvPr/>
+        </p:nvPicPr>
+        <p:blipFill>
+          <a:blip r:embed="rId3"/>
+          <a:stretch>
+            <a:fillRect/>
+          </a:stretch>
+        </p:blipFill>
+        <p:spPr>
+          <a:xfrm>
+            <a:off x="7074" y="5404532"/>
+            <a:ext cx="1606205" cy="1224112"/>
+          </a:xfrm>
+          <a:prstGeom prst="rect">
+            <a:avLst/>
+          </a:prstGeom>
+        </p:spPr>
+      </p:pic>
+      <p:pic>
+        <p:nvPicPr>
+          <p:cNvPr id="11" name="Picture 10">
+            <a:extLst>
+              <a:ext uri="{FF2B5EF4-FFF2-40B4-BE49-F238E27FC236}">
+                <a16:creationId xmlns:a16="http://schemas.microsoft.com/office/drawing/2014/main" id="{0A27F09C-DBA5-4CEF-ABC5-A69FC4259AA1}"/>
+              </a:ext>
+            </a:extLst>
+          </p:cNvPr>
+          <p:cNvPicPr>
+            <a:picLocks noChangeAspect="1"/>
+          </p:cNvPicPr>
+          <p:nvPr/>
+        </p:nvPicPr>
+        <p:blipFill>
+          <a:blip r:embed="rId4"/>
+          <a:stretch>
+            <a:fillRect/>
+          </a:stretch>
+        </p:blipFill>
+        <p:spPr>
+          <a:xfrm>
+            <a:off x="1617945" y="5181644"/>
+            <a:ext cx="1471765" cy="1669887"/>
+          </a:xfrm>
+          <a:prstGeom prst="rect">
+            <a:avLst/>
+          </a:prstGeom>
+        </p:spPr>
+      </p:pic>
+      <p:pic>
+        <p:nvPicPr>
+          <p:cNvPr id="12" name="Picture 11">
+            <a:extLst>
+              <a:ext uri="{FF2B5EF4-FFF2-40B4-BE49-F238E27FC236}">
+                <a16:creationId xmlns:a16="http://schemas.microsoft.com/office/drawing/2014/main" id="{436B068D-760F-4FA0-8531-DA62C60B7762}"/>
+              </a:ext>
+            </a:extLst>
+          </p:cNvPr>
+          <p:cNvPicPr>
+            <a:picLocks noChangeAspect="1"/>
+          </p:cNvPicPr>
+          <p:nvPr/>
+        </p:nvPicPr>
+        <p:blipFill>
+          <a:blip r:embed="rId5"/>
+          <a:stretch>
+            <a:fillRect/>
+          </a:stretch>
+        </p:blipFill>
+        <p:spPr>
+          <a:xfrm>
+            <a:off x="3045457" y="5173806"/>
+            <a:ext cx="2094435" cy="1648660"/>
+          </a:xfrm>
+          <a:prstGeom prst="rect">
+            <a:avLst/>
+          </a:prstGeom>
+        </p:spPr>
+      </p:pic>
+      <p:pic>
+        <p:nvPicPr>
+          <p:cNvPr id="13" name="Picture 12">
+            <a:extLst>
+              <a:ext uri="{FF2B5EF4-FFF2-40B4-BE49-F238E27FC236}">
+                <a16:creationId xmlns:a16="http://schemas.microsoft.com/office/drawing/2014/main" id="{B47CD896-3276-4B31-9B40-F8D936082429}"/>
+              </a:ext>
+            </a:extLst>
+          </p:cNvPr>
+          <p:cNvPicPr>
+            <a:picLocks noChangeAspect="1"/>
+          </p:cNvPicPr>
+          <p:nvPr/>
+        </p:nvPicPr>
+        <p:blipFill>
+          <a:blip r:embed="rId6"/>
+          <a:stretch>
+            <a:fillRect/>
+          </a:stretch>
+        </p:blipFill>
+        <p:spPr>
+          <a:xfrm>
+            <a:off x="5252230" y="4940305"/>
+            <a:ext cx="2136890" cy="1882161"/>
+          </a:xfrm>
+          <a:prstGeom prst="rect">
+            <a:avLst/>
+          </a:prstGeom>
+        </p:spPr>
+      </p:pic>
+      <p:pic>
+        <p:nvPicPr>
+          <p:cNvPr id="14" name="Picture 13">
+            <a:extLst>
+              <a:ext uri="{FF2B5EF4-FFF2-40B4-BE49-F238E27FC236}">
+                <a16:creationId xmlns:a16="http://schemas.microsoft.com/office/drawing/2014/main" id="{87473950-FF3E-49F2-9770-39354AED90EF}"/>
+              </a:ext>
+            </a:extLst>
+          </p:cNvPr>
+          <p:cNvPicPr>
+            <a:picLocks noChangeAspect="1"/>
+          </p:cNvPicPr>
+          <p:nvPr/>
+        </p:nvPicPr>
+        <p:blipFill>
+          <a:blip r:embed="rId7"/>
+          <a:stretch>
+            <a:fillRect/>
+          </a:stretch>
+        </p:blipFill>
+        <p:spPr>
+          <a:xfrm>
+            <a:off x="7501458" y="5420054"/>
+            <a:ext cx="1565630" cy="1224670"/>
+          </a:xfrm>
+          <a:prstGeom prst="rect">
+            <a:avLst/>
+          </a:prstGeom>
+        </p:spPr>
+      </p:pic>
+      <p:pic>
+        <p:nvPicPr>
+          <p:cNvPr id="15" name="Picture 14">
+            <a:extLst>
+              <a:ext uri="{FF2B5EF4-FFF2-40B4-BE49-F238E27FC236}">
+                <a16:creationId xmlns:a16="http://schemas.microsoft.com/office/drawing/2014/main" id="{C15AD8F4-1DB1-4D8C-969E-6AD9309EEEC8}"/>
+              </a:ext>
+            </a:extLst>
+          </p:cNvPr>
+          <p:cNvPicPr>
+            <a:picLocks noChangeAspect="1"/>
+          </p:cNvPicPr>
+          <p:nvPr/>
+        </p:nvPicPr>
+        <p:blipFill>
+          <a:blip r:embed="rId8"/>
+          <a:stretch>
+            <a:fillRect/>
+          </a:stretch>
+        </p:blipFill>
+        <p:spPr>
+          <a:xfrm>
+            <a:off x="9211209" y="5575494"/>
+            <a:ext cx="1881232" cy="1072999"/>
+          </a:xfrm>
+          <a:prstGeom prst="rect">
+            <a:avLst/>
+          </a:prstGeom>
+        </p:spPr>
+      </p:pic>
+    </p:spTree>
+    <p:extLst>
+      <p:ext uri="{BB962C8B-B14F-4D97-AF65-F5344CB8AC3E}">
+        <p14:creationId xmlns:p14="http://schemas.microsoft.com/office/powerpoint/2010/main" val="138162356"/>
+      </p:ext>
+    </p:extLst>
+  </p:cSld>
+  <p:clrMapOvr>
+    <a:masterClrMapping/>
+  </p:clrMapOvr>
 </p:sld>
 </file>
 

--- a/pres/Scaffold analytics figures to modify with chemical structures.pptx
+++ b/pres/Scaffold analytics figures to modify with chemical structures.pptx
@@ -5,7 +5,7 @@
     <p:sldMasterId id="2147483648" r:id="rId1"/>
   </p:sldMasterIdLst>
   <p:notesMasterIdLst>
-    <p:notesMasterId r:id="rId17"/>
+    <p:notesMasterId r:id="rId18"/>
   </p:notesMasterIdLst>
   <p:sldIdLst>
     <p:sldId id="256" r:id="rId2"/>
@@ -17,12 +17,13 @@
     <p:sldId id="259" r:id="rId8"/>
     <p:sldId id="260" r:id="rId9"/>
     <p:sldId id="261" r:id="rId10"/>
-    <p:sldId id="262" r:id="rId11"/>
-    <p:sldId id="279" r:id="rId12"/>
-    <p:sldId id="306" r:id="rId13"/>
-    <p:sldId id="280" r:id="rId14"/>
-    <p:sldId id="302" r:id="rId15"/>
-    <p:sldId id="307" r:id="rId16"/>
+    <p:sldId id="308" r:id="rId11"/>
+    <p:sldId id="262" r:id="rId12"/>
+    <p:sldId id="279" r:id="rId13"/>
+    <p:sldId id="306" r:id="rId14"/>
+    <p:sldId id="280" r:id="rId15"/>
+    <p:sldId id="302" r:id="rId16"/>
+    <p:sldId id="307" r:id="rId17"/>
   </p:sldIdLst>
   <p:sldSz cx="12192000" cy="6858000"/>
   <p:notesSz cx="6858000" cy="9144000"/>
@@ -717,7 +718,7 @@
             <a:fld id="{4C8C9167-E136-4C18-8FF2-A53C2728C27B}" type="slidenum">
               <a:rPr lang="en-US" smtClean="0"/>
               <a:pPr/>
-              <a:t>11</a:t>
+              <a:t>12</a:t>
             </a:fld>
             <a:endParaRPr lang="en-US"/>
           </a:p>
@@ -917,7 +918,7 @@
                 </a:solidFill>
               </a:rPr>
               <a:pPr/>
-              <a:t>13</a:t>
+              <a:t>14</a:t>
             </a:fld>
             <a:endParaRPr lang="en-US">
               <a:solidFill>
@@ -4945,12 +4946,41 @@
           <a:chExt cx="0" cy="0"/>
         </a:xfrm>
       </p:grpSpPr>
+      <p:pic>
+        <p:nvPicPr>
+          <p:cNvPr id="37" name="Picture 36">
+            <a:extLst>
+              <a:ext uri="{FF2B5EF4-FFF2-40B4-BE49-F238E27FC236}">
+                <a16:creationId xmlns:a16="http://schemas.microsoft.com/office/drawing/2014/main" id="{39E8AAC4-91D7-4CD6-BCEE-191E04FECA98}"/>
+              </a:ext>
+            </a:extLst>
+          </p:cNvPr>
+          <p:cNvPicPr>
+            <a:picLocks noChangeAspect="1"/>
+          </p:cNvPicPr>
+          <p:nvPr/>
+        </p:nvPicPr>
+        <p:blipFill rotWithShape="1">
+          <a:blip r:embed="rId2"/>
+          <a:srcRect l="2138" r="21994"/>
+          <a:stretch/>
+        </p:blipFill>
+        <p:spPr>
+          <a:xfrm>
+            <a:off x="423249" y="1361730"/>
+            <a:ext cx="8917396" cy="5114925"/>
+          </a:xfrm>
+          <a:prstGeom prst="rect">
+            <a:avLst/>
+          </a:prstGeom>
+        </p:spPr>
+      </p:pic>
       <p:sp>
         <p:nvSpPr>
           <p:cNvPr id="2" name="Title 1">
             <a:extLst>
               <a:ext uri="{FF2B5EF4-FFF2-40B4-BE49-F238E27FC236}">
-                <a16:creationId xmlns:a16="http://schemas.microsoft.com/office/drawing/2014/main" id="{F088470F-5011-4439-AB7C-1E79595CDB65}"/>
+                <a16:creationId xmlns:a16="http://schemas.microsoft.com/office/drawing/2014/main" id="{493AF0E3-6C6C-4862-9568-D954C65319A3}"/>
               </a:ext>
             </a:extLst>
           </p:cNvPr>
@@ -4963,196 +4993,213 @@
         </p:nvSpPr>
         <p:spPr>
           <a:xfrm>
-            <a:off x="838200" y="365125"/>
-            <a:ext cx="5057775" cy="758825"/>
-          </a:xfrm>
-        </p:spPr>
-        <p:txBody>
-          <a:bodyPr/>
+            <a:off x="10639425" y="50776"/>
+            <a:ext cx="1543050" cy="599097"/>
+          </a:xfrm>
+        </p:spPr>
+        <p:txBody>
+          <a:bodyPr>
+            <a:normAutofit fontScale="90000"/>
+          </a:bodyPr>
           <a:lstStyle/>
           <a:p>
             <a:r>
               <a:rPr lang="en-US" dirty="0"/>
-              <a:t>Fig 7</a:t>
+              <a:t>Fig 5b</a:t>
             </a:r>
           </a:p>
         </p:txBody>
       </p:sp>
       <p:pic>
         <p:nvPicPr>
-          <p:cNvPr id="5" name="Content Placeholder 4" descr="A close up of a map&#10;&#10;Description generated with very high confidence">
-            <a:extLst>
-              <a:ext uri="{FF2B5EF4-FFF2-40B4-BE49-F238E27FC236}">
-                <a16:creationId xmlns:a16="http://schemas.microsoft.com/office/drawing/2014/main" id="{5AF8A700-B548-4DB4-B632-B17BD18FC31B}"/>
+          <p:cNvPr id="19" name="Picture 3" descr="http://images.sodahead.com/polls/003962351/5331458487_normal_ian_symbol_north_arrow_2_answer_1_xlarge.png">
+            <a:extLst>
+              <a:ext uri="{FF2B5EF4-FFF2-40B4-BE49-F238E27FC236}">
+                <a16:creationId xmlns:a16="http://schemas.microsoft.com/office/drawing/2014/main" id="{F4686F26-E96C-428D-950C-09A72A8BAB57}"/>
               </a:ext>
             </a:extLst>
           </p:cNvPr>
           <p:cNvPicPr>
-            <a:picLocks noGrp="1" noChangeAspect="1"/>
+            <a:picLocks noChangeAspect="1" noChangeArrowheads="1"/>
           </p:cNvPicPr>
-          <p:nvPr>
-            <p:ph idx="1"/>
-          </p:nvPr>
+          <p:nvPr/>
         </p:nvPicPr>
         <p:blipFill>
-          <a:blip r:embed="rId2">
-            <a:extLst>
-              <a:ext uri="{28A0092B-C50C-407E-A947-70E740481C1C}">
-                <a14:useLocalDpi xmlns:a14="http://schemas.microsoft.com/office/drawing/2010/main" val="0"/>
-              </a:ext>
-            </a:extLst>
-          </a:blip>
+          <a:blip r:embed="rId3" cstate="screen"/>
+          <a:srcRect/>
           <a:stretch>
             <a:fillRect/>
           </a:stretch>
         </p:blipFill>
-        <p:spPr>
-          <a:xfrm>
-            <a:off x="2241725" y="1825625"/>
-            <a:ext cx="7708550" cy="4351338"/>
-          </a:xfrm>
+        <p:spPr bwMode="auto">
+          <a:xfrm rot="7884797">
+            <a:off x="444914" y="5586013"/>
+            <a:ext cx="412111" cy="394343"/>
+          </a:xfrm>
+          <a:prstGeom prst="rect">
+            <a:avLst/>
+          </a:prstGeom>
+          <a:noFill/>
         </p:spPr>
       </p:pic>
       <p:sp>
         <p:nvSpPr>
-          <p:cNvPr id="6" name="Rectangle 5">
-            <a:extLst>
-              <a:ext uri="{FF2B5EF4-FFF2-40B4-BE49-F238E27FC236}">
-                <a16:creationId xmlns:a16="http://schemas.microsoft.com/office/drawing/2014/main" id="{E4138C2B-015E-4A2D-ABC1-F237DE9C17B1}"/>
-              </a:ext>
-            </a:extLst>
-          </p:cNvPr>
-          <p:cNvSpPr/>
+          <p:cNvPr id="21" name="TextBox 20">
+            <a:extLst>
+              <a:ext uri="{FF2B5EF4-FFF2-40B4-BE49-F238E27FC236}">
+                <a16:creationId xmlns:a16="http://schemas.microsoft.com/office/drawing/2014/main" id="{D2AE2AE3-C48C-4BC2-B2E9-807A359CF50A}"/>
+              </a:ext>
+            </a:extLst>
+          </p:cNvPr>
+          <p:cNvSpPr txBox="1"/>
           <p:nvPr/>
         </p:nvSpPr>
         <p:spPr>
-          <a:xfrm>
-            <a:off x="3590924" y="1825625"/>
-            <a:ext cx="1019175" cy="1079500"/>
+          <a:xfrm rot="16200000">
+            <a:off x="-154130" y="3389973"/>
+            <a:ext cx="846980" cy="307777"/>
           </a:xfrm>
           <a:prstGeom prst="rect">
             <a:avLst/>
           </a:prstGeom>
-          <a:solidFill>
-            <a:schemeClr val="bg1"/>
-          </a:solidFill>
-          <a:ln>
-            <a:noFill/>
-          </a:ln>
-        </p:spPr>
-        <p:style>
-          <a:lnRef idx="2">
-            <a:schemeClr val="accent1">
-              <a:shade val="50000"/>
-            </a:schemeClr>
-          </a:lnRef>
-          <a:fillRef idx="1">
-            <a:schemeClr val="accent1"/>
-          </a:fillRef>
-          <a:effectRef idx="0">
-            <a:schemeClr val="accent1"/>
-          </a:effectRef>
-          <a:fontRef idx="minor">
-            <a:schemeClr val="lt1"/>
-          </a:fontRef>
-        </p:style>
-        <p:txBody>
-          <a:bodyPr rtlCol="0" anchor="ctr"/>
-          <a:lstStyle/>
-          <a:p>
-            <a:pPr algn="ctr"/>
-            <a:endParaRPr lang="en-US"/>
-          </a:p>
-        </p:txBody>
-      </p:sp>
-      <p:sp>
-        <p:nvSpPr>
-          <p:cNvPr id="7" name="Rectangle 6">
-            <a:extLst>
-              <a:ext uri="{FF2B5EF4-FFF2-40B4-BE49-F238E27FC236}">
-                <a16:creationId xmlns:a16="http://schemas.microsoft.com/office/drawing/2014/main" id="{442D3EB5-A3B3-4259-A837-4D497C129F93}"/>
-              </a:ext>
-            </a:extLst>
-          </p:cNvPr>
-          <p:cNvSpPr/>
+          <a:noFill/>
+        </p:spPr>
+        <p:txBody>
+          <a:bodyPr wrap="square" rtlCol="0">
+            <a:spAutoFit/>
+          </a:bodyPr>
+          <a:lstStyle/>
+          <a:p>
+            <a:pPr marL="171450" indent="-171450">
+              <a:buClr>
+                <a:srgbClr val="635A54"/>
+              </a:buClr>
+            </a:pPr>
+            <a:r>
+              <a:rPr lang="en-US" sz="1400" dirty="0">
+                <a:solidFill>
+                  <a:srgbClr val="635A54"/>
+                </a:solidFill>
+                <a:latin typeface="Arial"/>
+              </a:rPr>
+              <a:t>Avg(IFI)</a:t>
+            </a:r>
+          </a:p>
+        </p:txBody>
+      </p:sp>
+      <p:sp>
+        <p:nvSpPr>
+          <p:cNvPr id="28" name="TextBox 27">
+            <a:extLst>
+              <a:ext uri="{FF2B5EF4-FFF2-40B4-BE49-F238E27FC236}">
+                <a16:creationId xmlns:a16="http://schemas.microsoft.com/office/drawing/2014/main" id="{AA89E743-6371-4E30-BDD3-63C50293D474}"/>
+              </a:ext>
+            </a:extLst>
+          </p:cNvPr>
+          <p:cNvSpPr txBox="1"/>
           <p:nvPr/>
         </p:nvSpPr>
         <p:spPr>
           <a:xfrm>
-            <a:off x="7581903" y="1825625"/>
-            <a:ext cx="1428747" cy="1079500"/>
+            <a:off x="8087728" y="2124989"/>
+            <a:ext cx="1089230" cy="523220"/>
           </a:xfrm>
           <a:prstGeom prst="rect">
             <a:avLst/>
           </a:prstGeom>
-          <a:solidFill>
-            <a:schemeClr val="bg1"/>
-          </a:solidFill>
-          <a:ln>
-            <a:noFill/>
-          </a:ln>
-        </p:spPr>
-        <p:style>
-          <a:lnRef idx="2">
-            <a:schemeClr val="accent1">
-              <a:shade val="50000"/>
-            </a:schemeClr>
-          </a:lnRef>
-          <a:fillRef idx="1">
-            <a:schemeClr val="accent1"/>
-          </a:fillRef>
-          <a:effectRef idx="0">
-            <a:schemeClr val="accent1"/>
-          </a:effectRef>
-          <a:fontRef idx="minor">
-            <a:schemeClr val="lt1"/>
-          </a:fontRef>
-        </p:style>
-        <p:txBody>
-          <a:bodyPr rtlCol="0" anchor="ctr"/>
-          <a:lstStyle/>
-          <a:p>
-            <a:pPr algn="ctr"/>
-            <a:endParaRPr lang="en-US"/>
+          <a:noFill/>
+        </p:spPr>
+        <p:txBody>
+          <a:bodyPr wrap="square" rtlCol="0">
+            <a:spAutoFit/>
+          </a:bodyPr>
+          <a:lstStyle/>
+          <a:p>
+            <a:pPr>
+              <a:buClr>
+                <a:srgbClr val="635A54"/>
+              </a:buClr>
+            </a:pPr>
+            <a:r>
+              <a:rPr lang="en-US" sz="1400" b="1" dirty="0">
+                <a:solidFill>
+                  <a:srgbClr val="0070C0"/>
+                </a:solidFill>
+                <a:latin typeface="Arial"/>
+              </a:rPr>
+              <a:t>17 molecules</a:t>
+            </a:r>
+          </a:p>
+        </p:txBody>
+      </p:sp>
+      <p:sp>
+        <p:nvSpPr>
+          <p:cNvPr id="29" name="TextBox 28">
+            <a:extLst>
+              <a:ext uri="{FF2B5EF4-FFF2-40B4-BE49-F238E27FC236}">
+                <a16:creationId xmlns:a16="http://schemas.microsoft.com/office/drawing/2014/main" id="{CCA54DA4-168A-4982-B78F-3F6A26F7C312}"/>
+              </a:ext>
+            </a:extLst>
+          </p:cNvPr>
+          <p:cNvSpPr txBox="1"/>
+          <p:nvPr/>
+        </p:nvSpPr>
+        <p:spPr>
+          <a:xfrm>
+            <a:off x="673810" y="2939343"/>
+            <a:ext cx="1089230" cy="523220"/>
+          </a:xfrm>
+          <a:prstGeom prst="rect">
+            <a:avLst/>
+          </a:prstGeom>
+          <a:noFill/>
+        </p:spPr>
+        <p:txBody>
+          <a:bodyPr wrap="square" rtlCol="0">
+            <a:spAutoFit/>
+          </a:bodyPr>
+          <a:lstStyle/>
+          <a:p>
+            <a:pPr>
+              <a:buClr>
+                <a:srgbClr val="635A54"/>
+              </a:buClr>
+            </a:pPr>
+            <a:r>
+              <a:rPr lang="en-US" sz="1400" b="1" dirty="0">
+                <a:solidFill>
+                  <a:srgbClr val="0070C0"/>
+                </a:solidFill>
+                <a:latin typeface="Arial"/>
+              </a:rPr>
+              <a:t>1016 </a:t>
+            </a:r>
+            <a:br>
+              <a:rPr lang="en-US" sz="1400" b="1" dirty="0">
+                <a:solidFill>
+                  <a:srgbClr val="0070C0"/>
+                </a:solidFill>
+                <a:latin typeface="Arial"/>
+              </a:rPr>
+            </a:br>
+            <a:r>
+              <a:rPr lang="en-US" sz="1400" b="1" dirty="0">
+                <a:solidFill>
+                  <a:srgbClr val="0070C0"/>
+                </a:solidFill>
+                <a:latin typeface="Arial"/>
+              </a:rPr>
+              <a:t>molecules</a:t>
+            </a:r>
           </a:p>
         </p:txBody>
       </p:sp>
       <p:pic>
         <p:nvPicPr>
-          <p:cNvPr id="3" name="Picture 2">
-            <a:extLst>
-              <a:ext uri="{FF2B5EF4-FFF2-40B4-BE49-F238E27FC236}">
-                <a16:creationId xmlns:a16="http://schemas.microsoft.com/office/drawing/2014/main" id="{A63C40D3-B14D-4E26-985A-55F669DF8B6E}"/>
-              </a:ext>
-            </a:extLst>
-          </p:cNvPr>
-          <p:cNvPicPr>
-            <a:picLocks noChangeAspect="1"/>
-          </p:cNvPicPr>
-          <p:nvPr/>
-        </p:nvPicPr>
-        <p:blipFill>
-          <a:blip r:embed="rId3"/>
-          <a:stretch>
-            <a:fillRect/>
-          </a:stretch>
-        </p:blipFill>
-        <p:spPr>
-          <a:xfrm>
-            <a:off x="4610099" y="365125"/>
-            <a:ext cx="2436988" cy="1340073"/>
-          </a:xfrm>
-          <a:prstGeom prst="rect">
-            <a:avLst/>
-          </a:prstGeom>
-        </p:spPr>
-      </p:pic>
-      <p:pic>
-        <p:nvPicPr>
-          <p:cNvPr id="4" name="Picture 3">
-            <a:extLst>
-              <a:ext uri="{FF2B5EF4-FFF2-40B4-BE49-F238E27FC236}">
-                <a16:creationId xmlns:a16="http://schemas.microsoft.com/office/drawing/2014/main" id="{182F5D78-2A06-4D2B-9A2D-1FF322E611C6}"/>
+          <p:cNvPr id="33" name="Picture 32">
+            <a:extLst>
+              <a:ext uri="{FF2B5EF4-FFF2-40B4-BE49-F238E27FC236}">
+                <a16:creationId xmlns:a16="http://schemas.microsoft.com/office/drawing/2014/main" id="{66C79F22-89F8-48EC-BDF4-F31FB55565EE}"/>
               </a:ext>
             </a:extLst>
           </p:cNvPr>
@@ -5169,20 +5216,25 @@
         </p:blipFill>
         <p:spPr>
           <a:xfrm>
-            <a:off x="7521158" y="577732"/>
-            <a:ext cx="1949638" cy="1443378"/>
+            <a:off x="753685" y="1713798"/>
+            <a:ext cx="1606205" cy="1224112"/>
           </a:xfrm>
           <a:prstGeom prst="rect">
             <a:avLst/>
           </a:prstGeom>
+          <a:ln>
+            <a:solidFill>
+              <a:schemeClr val="tx1"/>
+            </a:solidFill>
+          </a:ln>
         </p:spPr>
       </p:pic>
       <p:pic>
         <p:nvPicPr>
-          <p:cNvPr id="8" name="Picture 7">
-            <a:extLst>
-              <a:ext uri="{FF2B5EF4-FFF2-40B4-BE49-F238E27FC236}">
-                <a16:creationId xmlns:a16="http://schemas.microsoft.com/office/drawing/2014/main" id="{E579A440-62E2-4C6B-8E53-14EBE58F5D16}"/>
+          <p:cNvPr id="34" name="Picture 33">
+            <a:extLst>
+              <a:ext uri="{FF2B5EF4-FFF2-40B4-BE49-F238E27FC236}">
+                <a16:creationId xmlns:a16="http://schemas.microsoft.com/office/drawing/2014/main" id="{6AE6504D-A4B4-4F4C-B99E-4BA26B1DE134}"/>
               </a:ext>
             </a:extLst>
           </p:cNvPr>
@@ -5199,24 +5251,689 @@
         </p:blipFill>
         <p:spPr>
           <a:xfrm>
-            <a:off x="2845506" y="281210"/>
-            <a:ext cx="1207785" cy="2043246"/>
+            <a:off x="3483302" y="1373878"/>
+            <a:ext cx="1471765" cy="1669887"/>
           </a:xfrm>
           <a:prstGeom prst="rect">
             <a:avLst/>
           </a:prstGeom>
+          <a:ln>
+            <a:solidFill>
+              <a:schemeClr val="tx1"/>
+            </a:solidFill>
+          </a:ln>
         </p:spPr>
       </p:pic>
+      <p:pic>
+        <p:nvPicPr>
+          <p:cNvPr id="35" name="Picture 34">
+            <a:extLst>
+              <a:ext uri="{FF2B5EF4-FFF2-40B4-BE49-F238E27FC236}">
+                <a16:creationId xmlns:a16="http://schemas.microsoft.com/office/drawing/2014/main" id="{CC23C467-BD43-49CE-A390-FDD2BBDA7353}"/>
+              </a:ext>
+            </a:extLst>
+          </p:cNvPr>
+          <p:cNvPicPr>
+            <a:picLocks noChangeAspect="1"/>
+          </p:cNvPicPr>
+          <p:nvPr/>
+        </p:nvPicPr>
+        <p:blipFill>
+          <a:blip r:embed="rId6"/>
+          <a:stretch>
+            <a:fillRect/>
+          </a:stretch>
+        </p:blipFill>
+        <p:spPr>
+          <a:xfrm>
+            <a:off x="5404646" y="1515039"/>
+            <a:ext cx="2094435" cy="1648660"/>
+          </a:xfrm>
+          <a:prstGeom prst="rect">
+            <a:avLst/>
+          </a:prstGeom>
+          <a:ln>
+            <a:solidFill>
+              <a:schemeClr val="tx1"/>
+            </a:solidFill>
+          </a:ln>
+        </p:spPr>
+      </p:pic>
+      <p:pic>
+        <p:nvPicPr>
+          <p:cNvPr id="38" name="Picture 37">
+            <a:extLst>
+              <a:ext uri="{FF2B5EF4-FFF2-40B4-BE49-F238E27FC236}">
+                <a16:creationId xmlns:a16="http://schemas.microsoft.com/office/drawing/2014/main" id="{7E0E68A5-0215-48D4-850E-7291501264F7}"/>
+              </a:ext>
+            </a:extLst>
+          </p:cNvPr>
+          <p:cNvPicPr>
+            <a:picLocks noChangeAspect="1"/>
+          </p:cNvPicPr>
+          <p:nvPr/>
+        </p:nvPicPr>
+        <p:blipFill>
+          <a:blip r:embed="rId7"/>
+          <a:stretch>
+            <a:fillRect/>
+          </a:stretch>
+        </p:blipFill>
+        <p:spPr>
+          <a:xfrm>
+            <a:off x="6628544" y="3856661"/>
+            <a:ext cx="2136890" cy="1882161"/>
+          </a:xfrm>
+          <a:prstGeom prst="rect">
+            <a:avLst/>
+          </a:prstGeom>
+          <a:ln>
+            <a:solidFill>
+              <a:schemeClr val="tx1"/>
+            </a:solidFill>
+          </a:ln>
+        </p:spPr>
+      </p:pic>
+      <p:pic>
+        <p:nvPicPr>
+          <p:cNvPr id="39" name="Picture 38">
+            <a:extLst>
+              <a:ext uri="{FF2B5EF4-FFF2-40B4-BE49-F238E27FC236}">
+                <a16:creationId xmlns:a16="http://schemas.microsoft.com/office/drawing/2014/main" id="{79A0457E-3018-4E9F-8E20-757717EFDD37}"/>
+              </a:ext>
+            </a:extLst>
+          </p:cNvPr>
+          <p:cNvPicPr>
+            <a:picLocks noChangeAspect="1"/>
+          </p:cNvPicPr>
+          <p:nvPr/>
+        </p:nvPicPr>
+        <p:blipFill>
+          <a:blip r:embed="rId8"/>
+          <a:stretch>
+            <a:fillRect/>
+          </a:stretch>
+        </p:blipFill>
+        <p:spPr>
+          <a:xfrm>
+            <a:off x="1055644" y="4185406"/>
+            <a:ext cx="1565630" cy="1224670"/>
+          </a:xfrm>
+          <a:prstGeom prst="rect">
+            <a:avLst/>
+          </a:prstGeom>
+          <a:ln>
+            <a:solidFill>
+              <a:schemeClr val="tx1"/>
+            </a:solidFill>
+          </a:ln>
+        </p:spPr>
+      </p:pic>
+      <p:pic>
+        <p:nvPicPr>
+          <p:cNvPr id="40" name="Picture 39">
+            <a:extLst>
+              <a:ext uri="{FF2B5EF4-FFF2-40B4-BE49-F238E27FC236}">
+                <a16:creationId xmlns:a16="http://schemas.microsoft.com/office/drawing/2014/main" id="{8FFFC98E-A6F9-4896-A817-155FFC20DE3B}"/>
+              </a:ext>
+            </a:extLst>
+          </p:cNvPr>
+          <p:cNvPicPr>
+            <a:picLocks noChangeAspect="1"/>
+          </p:cNvPicPr>
+          <p:nvPr/>
+        </p:nvPicPr>
+        <p:blipFill>
+          <a:blip r:embed="rId9"/>
+          <a:stretch>
+            <a:fillRect/>
+          </a:stretch>
+        </p:blipFill>
+        <p:spPr>
+          <a:xfrm>
+            <a:off x="4307967" y="3608388"/>
+            <a:ext cx="1980248" cy="1129475"/>
+          </a:xfrm>
+          <a:prstGeom prst="rect">
+            <a:avLst/>
+          </a:prstGeom>
+          <a:ln>
+            <a:solidFill>
+              <a:schemeClr val="tx1"/>
+            </a:solidFill>
+          </a:ln>
+        </p:spPr>
+      </p:pic>
+      <p:grpSp>
+        <p:nvGrpSpPr>
+          <p:cNvPr id="42" name="Group 41">
+            <a:extLst>
+              <a:ext uri="{FF2B5EF4-FFF2-40B4-BE49-F238E27FC236}">
+                <a16:creationId xmlns:a16="http://schemas.microsoft.com/office/drawing/2014/main" id="{8C16EC6D-1017-4BEA-A03C-ABF61D6762F6}"/>
+              </a:ext>
+            </a:extLst>
+          </p:cNvPr>
+          <p:cNvGrpSpPr/>
+          <p:nvPr/>
+        </p:nvGrpSpPr>
+        <p:grpSpPr>
+          <a:xfrm>
+            <a:off x="603316" y="485045"/>
+            <a:ext cx="8253479" cy="892951"/>
+            <a:chOff x="603316" y="862120"/>
+            <a:chExt cx="8253479" cy="892951"/>
+          </a:xfrm>
+        </p:grpSpPr>
+        <p:grpSp>
+          <p:nvGrpSpPr>
+            <p:cNvPr id="22" name="Group 21">
+              <a:extLst>
+                <a:ext uri="{FF2B5EF4-FFF2-40B4-BE49-F238E27FC236}">
+                  <a16:creationId xmlns:a16="http://schemas.microsoft.com/office/drawing/2014/main" id="{933590FF-88B6-4818-8660-07C3C20FEDD8}"/>
+                </a:ext>
+              </a:extLst>
+            </p:cNvPr>
+            <p:cNvGrpSpPr/>
+            <p:nvPr/>
+          </p:nvGrpSpPr>
+          <p:grpSpPr>
+            <a:xfrm>
+              <a:off x="3360303" y="862120"/>
+              <a:ext cx="5496492" cy="892951"/>
+              <a:chOff x="2964379" y="1246851"/>
+              <a:chExt cx="5496492" cy="892951"/>
+            </a:xfrm>
+          </p:grpSpPr>
+          <p:pic>
+            <p:nvPicPr>
+              <p:cNvPr id="23" name="Picture 25">
+                <a:extLst>
+                  <a:ext uri="{FF2B5EF4-FFF2-40B4-BE49-F238E27FC236}">
+                    <a16:creationId xmlns:a16="http://schemas.microsoft.com/office/drawing/2014/main" id="{CFC07988-0C09-4BDC-B04E-CC69AD2EA858}"/>
+                  </a:ext>
+                </a:extLst>
+              </p:cNvPr>
+              <p:cNvPicPr>
+                <a:picLocks noChangeAspect="1" noChangeArrowheads="1"/>
+              </p:cNvPicPr>
+              <p:nvPr/>
+            </p:nvPicPr>
+            <p:blipFill>
+              <a:blip r:embed="rId10" cstate="screen"/>
+              <a:srcRect t="22841" r="84078" b="24191"/>
+              <a:stretch>
+                <a:fillRect/>
+              </a:stretch>
+            </p:blipFill>
+            <p:spPr bwMode="auto">
+              <a:xfrm rot="16200000">
+                <a:off x="3518360" y="1046863"/>
+                <a:ext cx="343623" cy="1385331"/>
+              </a:xfrm>
+              <a:prstGeom prst="rect">
+                <a:avLst/>
+              </a:prstGeom>
+              <a:noFill/>
+              <a:ln w="9525">
+                <a:noFill/>
+                <a:miter lim="800000"/>
+                <a:headEnd/>
+                <a:tailEnd/>
+              </a:ln>
+            </p:spPr>
+          </p:pic>
+          <p:cxnSp>
+            <p:nvCxnSpPr>
+              <p:cNvPr id="24" name="Straight Arrow Connector 23">
+                <a:extLst>
+                  <a:ext uri="{FF2B5EF4-FFF2-40B4-BE49-F238E27FC236}">
+                    <a16:creationId xmlns:a16="http://schemas.microsoft.com/office/drawing/2014/main" id="{82F033DD-FFBB-46D1-83D4-BE41552AF5FD}"/>
+                  </a:ext>
+                </a:extLst>
+              </p:cNvPr>
+              <p:cNvCxnSpPr>
+                <a:cxnSpLocks/>
+              </p:cNvCxnSpPr>
+              <p:nvPr/>
+            </p:nvCxnSpPr>
+            <p:spPr>
+              <a:xfrm>
+                <a:off x="3096514" y="1915786"/>
+                <a:ext cx="1202338" cy="0"/>
+              </a:xfrm>
+              <a:prstGeom prst="straightConnector1">
+                <a:avLst/>
+              </a:prstGeom>
+              <a:noFill/>
+              <a:ln w="12700" cap="flat" cmpd="sng" algn="ctr">
+                <a:solidFill>
+                  <a:srgbClr val="635A54">
+                    <a:lumMod val="50000"/>
+                  </a:srgbClr>
+                </a:solidFill>
+                <a:prstDash val="solid"/>
+                <a:tailEnd type="arrow"/>
+              </a:ln>
+              <a:effectLst/>
+            </p:spPr>
+          </p:cxnSp>
+          <p:sp>
+            <p:nvSpPr>
+              <p:cNvPr id="25" name="TextBox 24">
+                <a:extLst>
+                  <a:ext uri="{FF2B5EF4-FFF2-40B4-BE49-F238E27FC236}">
+                    <a16:creationId xmlns:a16="http://schemas.microsoft.com/office/drawing/2014/main" id="{190A002C-6FA5-4070-AA86-80E5336A98AE}"/>
+                  </a:ext>
+                </a:extLst>
+              </p:cNvPr>
+              <p:cNvSpPr txBox="1"/>
+              <p:nvPr/>
+            </p:nvSpPr>
+            <p:spPr>
+              <a:xfrm>
+                <a:off x="2964379" y="1251585"/>
+                <a:ext cx="2076309" cy="307777"/>
+              </a:xfrm>
+              <a:prstGeom prst="rect">
+                <a:avLst/>
+              </a:prstGeom>
+              <a:noFill/>
+            </p:spPr>
+            <p:txBody>
+              <a:bodyPr wrap="square" rtlCol="0">
+                <a:spAutoFit/>
+              </a:bodyPr>
+              <a:lstStyle/>
+              <a:p>
+                <a:pPr marL="0" marR="0" lvl="0" indent="0" defTabSz="914400" eaLnBrk="1" fontAlgn="auto" latinLnBrk="0" hangingPunct="1">
+                  <a:lnSpc>
+                    <a:spcPct val="100000"/>
+                  </a:lnSpc>
+                  <a:spcBef>
+                    <a:spcPts val="0"/>
+                  </a:spcBef>
+                  <a:spcAft>
+                    <a:spcPts val="0"/>
+                  </a:spcAft>
+                  <a:buClr>
+                    <a:srgbClr val="635A54"/>
+                  </a:buClr>
+                  <a:buSzTx/>
+                  <a:buFontTx/>
+                  <a:buNone/>
+                  <a:tabLst/>
+                  <a:defRPr/>
+                </a:pPr>
+                <a:r>
+                  <a:rPr kumimoji="0" lang="en-US" sz="1400" b="1" i="0" u="sng" strike="noStrike" kern="0" cap="none" spc="0" normalizeH="0" baseline="0" noProof="0" dirty="0">
+                    <a:ln>
+                      <a:noFill/>
+                    </a:ln>
+                    <a:solidFill>
+                      <a:srgbClr val="635A54"/>
+                    </a:solidFill>
+                    <a:effectLst/>
+                    <a:uLnTx/>
+                    <a:uFillTx/>
+                    <a:latin typeface="Arial"/>
+                  </a:rPr>
+                  <a:t>Shape by </a:t>
+                </a:r>
+                <a:r>
+                  <a:rPr kumimoji="0" lang="en-US" sz="1400" b="1" i="0" u="none" strike="noStrike" kern="0" cap="none" spc="0" normalizeH="0" baseline="0" noProof="0" dirty="0">
+                    <a:ln>
+                      <a:noFill/>
+                    </a:ln>
+                    <a:solidFill>
+                      <a:srgbClr val="635A54"/>
+                    </a:solidFill>
+                    <a:effectLst/>
+                    <a:uLnTx/>
+                    <a:uFillTx/>
+                    <a:latin typeface="Arial"/>
+                  </a:rPr>
+                  <a:t>Complexity</a:t>
+                </a:r>
+              </a:p>
+            </p:txBody>
+          </p:sp>
+          <p:sp>
+            <p:nvSpPr>
+              <p:cNvPr id="26" name="TextBox 25">
+                <a:extLst>
+                  <a:ext uri="{FF2B5EF4-FFF2-40B4-BE49-F238E27FC236}">
+                    <a16:creationId xmlns:a16="http://schemas.microsoft.com/office/drawing/2014/main" id="{48446047-31B7-42AB-BCE7-2122ABF8B4BD}"/>
+                  </a:ext>
+                </a:extLst>
+              </p:cNvPr>
+              <p:cNvSpPr txBox="1"/>
+              <p:nvPr/>
+            </p:nvSpPr>
+            <p:spPr>
+              <a:xfrm>
+                <a:off x="5465939" y="1251585"/>
+                <a:ext cx="1464571" cy="846386"/>
+              </a:xfrm>
+              <a:prstGeom prst="rect">
+                <a:avLst/>
+              </a:prstGeom>
+              <a:noFill/>
+            </p:spPr>
+            <p:txBody>
+              <a:bodyPr wrap="square" rtlCol="0">
+                <a:spAutoFit/>
+              </a:bodyPr>
+              <a:lstStyle/>
+              <a:p>
+                <a:pPr marL="0" marR="0" lvl="0" indent="0" defTabSz="914400" eaLnBrk="1" fontAlgn="auto" latinLnBrk="0" hangingPunct="1">
+                  <a:lnSpc>
+                    <a:spcPct val="100000"/>
+                  </a:lnSpc>
+                  <a:spcBef>
+                    <a:spcPts val="0"/>
+                  </a:spcBef>
+                  <a:spcAft>
+                    <a:spcPts val="600"/>
+                  </a:spcAft>
+                  <a:buClr>
+                    <a:srgbClr val="635A54"/>
+                  </a:buClr>
+                  <a:buSzTx/>
+                  <a:buFontTx/>
+                  <a:buNone/>
+                  <a:tabLst/>
+                  <a:defRPr/>
+                </a:pPr>
+                <a:r>
+                  <a:rPr kumimoji="0" lang="en-US" sz="1400" b="1" i="0" u="sng" strike="noStrike" kern="0" cap="none" spc="0" normalizeH="0" baseline="0" noProof="0" dirty="0">
+                    <a:ln>
+                      <a:noFill/>
+                    </a:ln>
+                    <a:solidFill>
+                      <a:srgbClr val="635A54"/>
+                    </a:solidFill>
+                    <a:effectLst/>
+                    <a:uLnTx/>
+                    <a:uFillTx/>
+                    <a:latin typeface="Arial"/>
+                  </a:rPr>
+                  <a:t>Size by</a:t>
+                </a:r>
+                <a:r>
+                  <a:rPr kumimoji="0" lang="en-US" sz="1400" b="1" i="0" u="none" strike="noStrike" kern="0" cap="none" spc="0" normalizeH="0" baseline="0" noProof="0" dirty="0">
+                    <a:ln>
+                      <a:noFill/>
+                    </a:ln>
+                    <a:solidFill>
+                      <a:srgbClr val="635A54"/>
+                    </a:solidFill>
+                    <a:effectLst/>
+                    <a:uLnTx/>
+                    <a:uFillTx/>
+                    <a:latin typeface="Arial"/>
+                  </a:rPr>
+                  <a:t> Count </a:t>
+                </a:r>
+              </a:p>
+              <a:p>
+                <a:pPr marL="0" marR="0" lvl="0" indent="0" defTabSz="914400" eaLnBrk="1" fontAlgn="auto" latinLnBrk="0" hangingPunct="1">
+                  <a:lnSpc>
+                    <a:spcPct val="100000"/>
+                  </a:lnSpc>
+                  <a:spcBef>
+                    <a:spcPts val="0"/>
+                  </a:spcBef>
+                  <a:spcAft>
+                    <a:spcPts val="600"/>
+                  </a:spcAft>
+                  <a:buClr>
+                    <a:srgbClr val="635A54"/>
+                  </a:buClr>
+                  <a:buSzTx/>
+                  <a:buFontTx/>
+                  <a:buNone/>
+                  <a:tabLst/>
+                  <a:defRPr/>
+                </a:pPr>
+                <a:r>
+                  <a:rPr kumimoji="0" lang="en-US" sz="1200" b="0" i="0" u="none" strike="noStrike" kern="0" cap="none" spc="0" normalizeH="0" baseline="0" noProof="0" dirty="0">
+                    <a:ln>
+                      <a:noFill/>
+                    </a:ln>
+                    <a:solidFill>
+                      <a:srgbClr val="635A54"/>
+                    </a:solidFill>
+                    <a:effectLst/>
+                    <a:uLnTx/>
+                    <a:uFillTx/>
+                    <a:latin typeface="Arial"/>
+                  </a:rPr>
+                  <a:t>(# molecules that share a scaffold)</a:t>
+                </a:r>
+                <a:r>
+                  <a:rPr kumimoji="0" lang="en-US" b="0" i="0" u="none" strike="noStrike" kern="0" cap="none" spc="0" normalizeH="0" baseline="0" noProof="0" dirty="0">
+                    <a:ln>
+                      <a:noFill/>
+                    </a:ln>
+                    <a:solidFill>
+                      <a:srgbClr val="635A54"/>
+                    </a:solidFill>
+                    <a:effectLst/>
+                    <a:uLnTx/>
+                    <a:uFillTx/>
+                    <a:latin typeface="Arial"/>
+                  </a:rPr>
+                  <a:t> </a:t>
+                </a:r>
+              </a:p>
+            </p:txBody>
+          </p:sp>
+          <p:pic>
+            <p:nvPicPr>
+              <p:cNvPr id="27" name="Picture 4">
+                <a:extLst>
+                  <a:ext uri="{FF2B5EF4-FFF2-40B4-BE49-F238E27FC236}">
+                    <a16:creationId xmlns:a16="http://schemas.microsoft.com/office/drawing/2014/main" id="{019EEF74-45B6-44CD-B607-3085037367D3}"/>
+                  </a:ext>
+                </a:extLst>
+              </p:cNvPr>
+              <p:cNvPicPr>
+                <a:picLocks noChangeAspect="1" noChangeArrowheads="1"/>
+              </p:cNvPicPr>
+              <p:nvPr/>
+            </p:nvPicPr>
+            <p:blipFill>
+              <a:blip r:embed="rId11" cstate="print"/>
+              <a:srcRect l="66823" t="35784" r="18491" b="45834"/>
+              <a:stretch>
+                <a:fillRect/>
+              </a:stretch>
+            </p:blipFill>
+            <p:spPr bwMode="auto">
+              <a:xfrm>
+                <a:off x="7151206" y="1246851"/>
+                <a:ext cx="1309665" cy="892951"/>
+              </a:xfrm>
+              <a:prstGeom prst="rect">
+                <a:avLst/>
+              </a:prstGeom>
+              <a:noFill/>
+              <a:ln w="9525">
+                <a:noFill/>
+                <a:miter lim="800000"/>
+                <a:headEnd/>
+                <a:tailEnd/>
+              </a:ln>
+            </p:spPr>
+          </p:pic>
+        </p:grpSp>
+        <p:sp>
+          <p:nvSpPr>
+            <p:cNvPr id="41" name="TextBox 40">
+              <a:extLst>
+                <a:ext uri="{FF2B5EF4-FFF2-40B4-BE49-F238E27FC236}">
+                  <a16:creationId xmlns:a16="http://schemas.microsoft.com/office/drawing/2014/main" id="{2DE3576E-C5AD-4672-8EDF-7E3E97C18CE4}"/>
+                </a:ext>
+              </a:extLst>
+            </p:cNvPr>
+            <p:cNvSpPr txBox="1"/>
+            <p:nvPr/>
+          </p:nvSpPr>
+          <p:spPr>
+            <a:xfrm>
+              <a:off x="603316" y="862120"/>
+              <a:ext cx="2555145" cy="307777"/>
+            </a:xfrm>
+            <a:prstGeom prst="rect">
+              <a:avLst/>
+            </a:prstGeom>
+            <a:noFill/>
+          </p:spPr>
+          <p:txBody>
+            <a:bodyPr wrap="square" rtlCol="0">
+              <a:spAutoFit/>
+            </a:bodyPr>
+            <a:lstStyle/>
+            <a:p>
+              <a:r>
+                <a:rPr lang="en-US" sz="1400" dirty="0">
+                  <a:latin typeface="Arial" panose="020B0604020202020204" pitchFamily="34" charset="0"/>
+                  <a:cs typeface="Arial" panose="020B0604020202020204" pitchFamily="34" charset="0"/>
+                </a:rPr>
+                <a:t>Marker by SCAFFOLD_ID</a:t>
+              </a:r>
+            </a:p>
+          </p:txBody>
+        </p:sp>
+      </p:grpSp>
     </p:spTree>
     <p:extLst>
       <p:ext uri="{BB962C8B-B14F-4D97-AF65-F5344CB8AC3E}">
-        <p14:creationId xmlns:p14="http://schemas.microsoft.com/office/powerpoint/2010/main" val="3605801443"/>
+        <p14:creationId xmlns:p14="http://schemas.microsoft.com/office/powerpoint/2010/main" val="4264556328"/>
       </p:ext>
     </p:extLst>
   </p:cSld>
   <p:clrMapOvr>
     <a:masterClrMapping/>
   </p:clrMapOvr>
+  <p:timing>
+    <p:tnLst>
+      <p:par>
+        <p:cTn id="1" dur="indefinite" restart="never" nodeType="tmRoot">
+          <p:childTnLst>
+            <p:seq concurrent="1" nextAc="seek">
+              <p:cTn id="2" dur="indefinite" nodeType="mainSeq">
+                <p:childTnLst>
+                  <p:par>
+                    <p:cTn id="3" fill="hold">
+                      <p:stCondLst>
+                        <p:cond delay="indefinite"/>
+                        <p:cond evt="onBegin" delay="0">
+                          <p:tn val="2"/>
+                        </p:cond>
+                      </p:stCondLst>
+                      <p:childTnLst>
+                        <p:par>
+                          <p:cTn id="4" fill="hold">
+                            <p:stCondLst>
+                              <p:cond delay="0"/>
+                            </p:stCondLst>
+                            <p:childTnLst>
+                              <p:par>
+                                <p:cTn id="5" presetID="1" presetClass="entr" presetSubtype="0" fill="hold" grpId="0" nodeType="afterEffect">
+                                  <p:stCondLst>
+                                    <p:cond delay="0"/>
+                                  </p:stCondLst>
+                                  <p:childTnLst>
+                                    <p:set>
+                                      <p:cBhvr>
+                                        <p:cTn id="6" dur="1" fill="hold">
+                                          <p:stCondLst>
+                                            <p:cond delay="0"/>
+                                          </p:stCondLst>
+                                        </p:cTn>
+                                        <p:tgtEl>
+                                          <p:spTgt spid="29"/>
+                                        </p:tgtEl>
+                                        <p:attrNameLst>
+                                          <p:attrName>style.visibility</p:attrName>
+                                        </p:attrNameLst>
+                                      </p:cBhvr>
+                                      <p:to>
+                                        <p:strVal val="visible"/>
+                                      </p:to>
+                                    </p:set>
+                                  </p:childTnLst>
+                                </p:cTn>
+                              </p:par>
+                            </p:childTnLst>
+                          </p:cTn>
+                        </p:par>
+                        <p:par>
+                          <p:cTn id="7" fill="hold">
+                            <p:stCondLst>
+                              <p:cond delay="0"/>
+                            </p:stCondLst>
+                            <p:childTnLst>
+                              <p:par>
+                                <p:cTn id="8" presetID="1" presetClass="entr" presetSubtype="0" fill="hold" grpId="0" nodeType="afterEffect">
+                                  <p:stCondLst>
+                                    <p:cond delay="0"/>
+                                  </p:stCondLst>
+                                  <p:childTnLst>
+                                    <p:set>
+                                      <p:cBhvr>
+                                        <p:cTn id="9" dur="1" fill="hold">
+                                          <p:stCondLst>
+                                            <p:cond delay="0"/>
+                                          </p:stCondLst>
+                                        </p:cTn>
+                                        <p:tgtEl>
+                                          <p:spTgt spid="28"/>
+                                        </p:tgtEl>
+                                        <p:attrNameLst>
+                                          <p:attrName>style.visibility</p:attrName>
+                                        </p:attrNameLst>
+                                      </p:cBhvr>
+                                      <p:to>
+                                        <p:strVal val="visible"/>
+                                      </p:to>
+                                    </p:set>
+                                  </p:childTnLst>
+                                </p:cTn>
+                              </p:par>
+                            </p:childTnLst>
+                          </p:cTn>
+                        </p:par>
+                      </p:childTnLst>
+                    </p:cTn>
+                  </p:par>
+                </p:childTnLst>
+              </p:cTn>
+              <p:prevCondLst>
+                <p:cond evt="onPrev" delay="0">
+                  <p:tgtEl>
+                    <p:sldTgt/>
+                  </p:tgtEl>
+                </p:cond>
+              </p:prevCondLst>
+              <p:nextCondLst>
+                <p:cond evt="onNext" delay="0">
+                  <p:tgtEl>
+                    <p:sldTgt/>
+                  </p:tgtEl>
+                </p:cond>
+              </p:nextCondLst>
+            </p:seq>
+          </p:childTnLst>
+        </p:cTn>
+      </p:par>
+    </p:tnLst>
+    <p:bldLst>
+      <p:bldP spid="28" grpId="0"/>
+      <p:bldP spid="29" grpId="0"/>
+    </p:bldLst>
+  </p:timing>
 </p:sld>
 </file>
 
@@ -5237,6 +5954,198 @@
           <a:chExt cx="0" cy="0"/>
         </a:xfrm>
       </p:grpSpPr>
+      <p:sp>
+        <p:nvSpPr>
+          <p:cNvPr id="2" name="Title 1">
+            <a:extLst>
+              <a:ext uri="{FF2B5EF4-FFF2-40B4-BE49-F238E27FC236}">
+                <a16:creationId xmlns:a16="http://schemas.microsoft.com/office/drawing/2014/main" id="{F088470F-5011-4439-AB7C-1E79595CDB65}"/>
+              </a:ext>
+            </a:extLst>
+          </p:cNvPr>
+          <p:cNvSpPr>
+            <a:spLocks noGrp="1"/>
+          </p:cNvSpPr>
+          <p:nvPr>
+            <p:ph type="title"/>
+          </p:nvPr>
+        </p:nvSpPr>
+        <p:spPr>
+          <a:xfrm>
+            <a:off x="0" y="75438"/>
+            <a:ext cx="1386526" cy="758825"/>
+          </a:xfrm>
+        </p:spPr>
+        <p:txBody>
+          <a:bodyPr/>
+          <a:lstStyle/>
+          <a:p>
+            <a:r>
+              <a:rPr lang="en-US" dirty="0"/>
+              <a:t>Fig 7</a:t>
+            </a:r>
+          </a:p>
+        </p:txBody>
+      </p:sp>
+      <p:pic>
+        <p:nvPicPr>
+          <p:cNvPr id="5" name="Content Placeholder 4" descr="A close up of a map&#10;&#10;Description generated with very high confidence">
+            <a:extLst>
+              <a:ext uri="{FF2B5EF4-FFF2-40B4-BE49-F238E27FC236}">
+                <a16:creationId xmlns:a16="http://schemas.microsoft.com/office/drawing/2014/main" id="{5AF8A700-B548-4DB4-B632-B17BD18FC31B}"/>
+              </a:ext>
+            </a:extLst>
+          </p:cNvPr>
+          <p:cNvPicPr>
+            <a:picLocks noGrp="1" noChangeAspect="1"/>
+          </p:cNvPicPr>
+          <p:nvPr>
+            <p:ph idx="1"/>
+          </p:nvPr>
+        </p:nvPicPr>
+        <p:blipFill>
+          <a:blip r:embed="rId2">
+            <a:extLst>
+              <a:ext uri="{28A0092B-C50C-407E-A947-70E740481C1C}">
+                <a14:useLocalDpi xmlns:a14="http://schemas.microsoft.com/office/drawing/2010/main" val="0"/>
+              </a:ext>
+            </a:extLst>
+          </a:blip>
+          <a:stretch>
+            <a:fillRect/>
+          </a:stretch>
+        </p:blipFill>
+        <p:spPr>
+          <a:xfrm>
+            <a:off x="1732669" y="1222303"/>
+            <a:ext cx="9011908" cy="5087060"/>
+          </a:xfrm>
+        </p:spPr>
+      </p:pic>
+      <p:pic>
+        <p:nvPicPr>
+          <p:cNvPr id="3" name="Picture 2">
+            <a:extLst>
+              <a:ext uri="{FF2B5EF4-FFF2-40B4-BE49-F238E27FC236}">
+                <a16:creationId xmlns:a16="http://schemas.microsoft.com/office/drawing/2014/main" id="{A63C40D3-B14D-4E26-985A-55F669DF8B6E}"/>
+              </a:ext>
+            </a:extLst>
+          </p:cNvPr>
+          <p:cNvPicPr>
+            <a:picLocks noChangeAspect="1"/>
+          </p:cNvPicPr>
+          <p:nvPr/>
+        </p:nvPicPr>
+        <p:blipFill rotWithShape="1">
+          <a:blip r:embed="rId3"/>
+          <a:srcRect l="2305" r="2537"/>
+          <a:stretch/>
+        </p:blipFill>
+        <p:spPr>
+          <a:xfrm>
+            <a:off x="5090477" y="827042"/>
+            <a:ext cx="2318992" cy="1340073"/>
+          </a:xfrm>
+          <a:prstGeom prst="rect">
+            <a:avLst/>
+          </a:prstGeom>
+          <a:ln>
+            <a:solidFill>
+              <a:schemeClr val="tx1"/>
+            </a:solidFill>
+          </a:ln>
+        </p:spPr>
+      </p:pic>
+      <p:pic>
+        <p:nvPicPr>
+          <p:cNvPr id="4" name="Picture 3">
+            <a:extLst>
+              <a:ext uri="{FF2B5EF4-FFF2-40B4-BE49-F238E27FC236}">
+                <a16:creationId xmlns:a16="http://schemas.microsoft.com/office/drawing/2014/main" id="{182F5D78-2A06-4D2B-9A2D-1FF322E611C6}"/>
+              </a:ext>
+            </a:extLst>
+          </p:cNvPr>
+          <p:cNvPicPr>
+            <a:picLocks noChangeAspect="1"/>
+          </p:cNvPicPr>
+          <p:nvPr/>
+        </p:nvPicPr>
+        <p:blipFill>
+          <a:blip r:embed="rId4"/>
+          <a:stretch>
+            <a:fillRect/>
+          </a:stretch>
+        </p:blipFill>
+        <p:spPr>
+          <a:xfrm>
+            <a:off x="7879379" y="1067927"/>
+            <a:ext cx="1949638" cy="1443378"/>
+          </a:xfrm>
+          <a:prstGeom prst="rect">
+            <a:avLst/>
+          </a:prstGeom>
+        </p:spPr>
+      </p:pic>
+      <p:pic>
+        <p:nvPicPr>
+          <p:cNvPr id="8" name="Picture 7">
+            <a:extLst>
+              <a:ext uri="{FF2B5EF4-FFF2-40B4-BE49-F238E27FC236}">
+                <a16:creationId xmlns:a16="http://schemas.microsoft.com/office/drawing/2014/main" id="{E579A440-62E2-4C6B-8E53-14EBE58F5D16}"/>
+              </a:ext>
+            </a:extLst>
+          </p:cNvPr>
+          <p:cNvPicPr>
+            <a:picLocks noChangeAspect="1"/>
+          </p:cNvPicPr>
+          <p:nvPr/>
+        </p:nvPicPr>
+        <p:blipFill>
+          <a:blip r:embed="rId5"/>
+          <a:stretch>
+            <a:fillRect/>
+          </a:stretch>
+        </p:blipFill>
+        <p:spPr>
+          <a:xfrm>
+            <a:off x="3429971" y="488605"/>
+            <a:ext cx="1207785" cy="2043246"/>
+          </a:xfrm>
+          <a:prstGeom prst="rect">
+            <a:avLst/>
+          </a:prstGeom>
+        </p:spPr>
+      </p:pic>
+    </p:spTree>
+    <p:extLst>
+      <p:ext uri="{BB962C8B-B14F-4D97-AF65-F5344CB8AC3E}">
+        <p14:creationId xmlns:p14="http://schemas.microsoft.com/office/powerpoint/2010/main" val="3605801443"/>
+      </p:ext>
+    </p:extLst>
+  </p:cSld>
+  <p:clrMapOvr>
+    <a:masterClrMapping/>
+  </p:clrMapOvr>
+</p:sld>
+</file>
+
+<file path=ppt/slides/slide12.xml><?xml version="1.0" encoding="utf-8"?>
+<p:sld xmlns:a="http://schemas.openxmlformats.org/drawingml/2006/main" xmlns:r="http://schemas.openxmlformats.org/officeDocument/2006/relationships" xmlns:p="http://schemas.openxmlformats.org/presentationml/2006/main">
+  <p:cSld>
+    <p:spTree>
+      <p:nvGrpSpPr>
+        <p:cNvPr id="1" name=""/>
+        <p:cNvGrpSpPr/>
+        <p:nvPr/>
+      </p:nvGrpSpPr>
+      <p:grpSpPr>
+        <a:xfrm>
+          <a:off x="0" y="0"/>
+          <a:ext cx="0" cy="0"/>
+          <a:chOff x="0" y="0"/>
+          <a:chExt cx="0" cy="0"/>
+        </a:xfrm>
+      </p:grpSpPr>
       <p:pic>
         <p:nvPicPr>
           <p:cNvPr id="3" name="Picture 2">
@@ -5506,7 +6415,7 @@
             <a:fld id="{FDC40351-2EB1-4AB4-A6D0-AB8EF40E804F}" type="slidenum">
               <a:rPr lang="en-US" smtClean="0"/>
               <a:pPr/>
-              <a:t>11</a:t>
+              <a:t>12</a:t>
             </a:fld>
             <a:endParaRPr lang="en-US"/>
           </a:p>
@@ -6919,573 +7828,6 @@
 </p:sld>
 </file>
 
-<file path=ppt/slides/slide12.xml><?xml version="1.0" encoding="utf-8"?>
-<p:sld xmlns:a="http://schemas.openxmlformats.org/drawingml/2006/main" xmlns:r="http://schemas.openxmlformats.org/officeDocument/2006/relationships" xmlns:p="http://schemas.openxmlformats.org/presentationml/2006/main">
-  <p:cSld>
-    <p:spTree>
-      <p:nvGrpSpPr>
-        <p:cNvPr id="1" name=""/>
-        <p:cNvGrpSpPr/>
-        <p:nvPr/>
-      </p:nvGrpSpPr>
-      <p:grpSpPr>
-        <a:xfrm>
-          <a:off x="0" y="0"/>
-          <a:ext cx="0" cy="0"/>
-          <a:chOff x="0" y="0"/>
-          <a:chExt cx="0" cy="0"/>
-        </a:xfrm>
-      </p:grpSpPr>
-      <p:sp>
-        <p:nvSpPr>
-          <p:cNvPr id="2" name="Title 1">
-            <a:extLst>
-              <a:ext uri="{FF2B5EF4-FFF2-40B4-BE49-F238E27FC236}">
-                <a16:creationId xmlns:a16="http://schemas.microsoft.com/office/drawing/2014/main" id="{7B2CD7CA-0AF3-4D29-97CF-7EFA966A2336}"/>
-              </a:ext>
-            </a:extLst>
-          </p:cNvPr>
-          <p:cNvSpPr>
-            <a:spLocks noGrp="1"/>
-          </p:cNvSpPr>
-          <p:nvPr>
-            <p:ph type="title"/>
-          </p:nvPr>
-        </p:nvSpPr>
-        <p:spPr>
-          <a:xfrm>
-            <a:off x="838200" y="365125"/>
-            <a:ext cx="10515600" cy="788557"/>
-          </a:xfrm>
-        </p:spPr>
-        <p:txBody>
-          <a:bodyPr/>
-          <a:lstStyle/>
-          <a:p>
-            <a:r>
-              <a:rPr lang="en-US" dirty="0"/>
-              <a:t>Fig8</a:t>
-            </a:r>
-          </a:p>
-        </p:txBody>
-      </p:sp>
-      <p:pic>
-        <p:nvPicPr>
-          <p:cNvPr id="3" name="Picture 2">
-            <a:extLst>
-              <a:ext uri="{FF2B5EF4-FFF2-40B4-BE49-F238E27FC236}">
-                <a16:creationId xmlns:a16="http://schemas.microsoft.com/office/drawing/2014/main" id="{184FD318-DAA5-4130-98A8-57936AB5AFFB}"/>
-              </a:ext>
-            </a:extLst>
-          </p:cNvPr>
-          <p:cNvPicPr>
-            <a:picLocks noChangeAspect="1"/>
-          </p:cNvPicPr>
-          <p:nvPr/>
-        </p:nvPicPr>
-        <p:blipFill>
-          <a:blip r:embed="rId2"/>
-          <a:stretch>
-            <a:fillRect/>
-          </a:stretch>
-        </p:blipFill>
-        <p:spPr>
-          <a:xfrm>
-            <a:off x="1908042" y="112202"/>
-            <a:ext cx="2968817" cy="1663733"/>
-          </a:xfrm>
-          <a:prstGeom prst="rect">
-            <a:avLst/>
-          </a:prstGeom>
-        </p:spPr>
-      </p:pic>
-      <p:sp>
-        <p:nvSpPr>
-          <p:cNvPr id="4" name="TextBox 3">
-            <a:extLst>
-              <a:ext uri="{FF2B5EF4-FFF2-40B4-BE49-F238E27FC236}">
-                <a16:creationId xmlns:a16="http://schemas.microsoft.com/office/drawing/2014/main" id="{418E0466-7AF6-4334-97C8-70D85337B61E}"/>
-              </a:ext>
-            </a:extLst>
-          </p:cNvPr>
-          <p:cNvSpPr txBox="1"/>
-          <p:nvPr/>
-        </p:nvSpPr>
-        <p:spPr>
-          <a:xfrm>
-            <a:off x="2438774" y="574737"/>
-            <a:ext cx="301686" cy="369332"/>
-          </a:xfrm>
-          <a:prstGeom prst="rect">
-            <a:avLst/>
-          </a:prstGeom>
-          <a:noFill/>
-        </p:spPr>
-        <p:txBody>
-          <a:bodyPr wrap="none" rtlCol="0">
-            <a:spAutoFit/>
-          </a:bodyPr>
-          <a:lstStyle/>
-          <a:p>
-            <a:r>
-              <a:rPr lang="en-US" dirty="0">
-                <a:solidFill>
-                  <a:srgbClr val="FF0000"/>
-                </a:solidFill>
-                <a:highlight>
-                  <a:srgbClr val="FFFF00"/>
-                </a:highlight>
-              </a:rPr>
-              <a:t>0</a:t>
-            </a:r>
-          </a:p>
-        </p:txBody>
-      </p:sp>
-      <p:pic>
-        <p:nvPicPr>
-          <p:cNvPr id="5" name="Picture 4">
-            <a:extLst>
-              <a:ext uri="{FF2B5EF4-FFF2-40B4-BE49-F238E27FC236}">
-                <a16:creationId xmlns:a16="http://schemas.microsoft.com/office/drawing/2014/main" id="{35BAA319-0341-4699-8B85-640AE73DA63A}"/>
-              </a:ext>
-            </a:extLst>
-          </p:cNvPr>
-          <p:cNvPicPr>
-            <a:picLocks noChangeAspect="1"/>
-          </p:cNvPicPr>
-          <p:nvPr/>
-        </p:nvPicPr>
-        <p:blipFill>
-          <a:blip r:embed="rId3"/>
-          <a:stretch>
-            <a:fillRect/>
-          </a:stretch>
-        </p:blipFill>
-        <p:spPr>
-          <a:xfrm>
-            <a:off x="1671804" y="2751553"/>
-            <a:ext cx="1835625" cy="1312001"/>
-          </a:xfrm>
-          <a:prstGeom prst="rect">
-            <a:avLst/>
-          </a:prstGeom>
-        </p:spPr>
-      </p:pic>
-      <p:pic>
-        <p:nvPicPr>
-          <p:cNvPr id="6" name="Picture 5">
-            <a:extLst>
-              <a:ext uri="{FF2B5EF4-FFF2-40B4-BE49-F238E27FC236}">
-                <a16:creationId xmlns:a16="http://schemas.microsoft.com/office/drawing/2014/main" id="{393B3EB9-2D3B-4171-8E2A-61BF99F3AEB8}"/>
-              </a:ext>
-            </a:extLst>
-          </p:cNvPr>
-          <p:cNvPicPr>
-            <a:picLocks noChangeAspect="1"/>
-          </p:cNvPicPr>
-          <p:nvPr/>
-        </p:nvPicPr>
-        <p:blipFill>
-          <a:blip r:embed="rId4"/>
-          <a:stretch>
-            <a:fillRect/>
-          </a:stretch>
-        </p:blipFill>
-        <p:spPr>
-          <a:xfrm>
-            <a:off x="328233" y="3817053"/>
-            <a:ext cx="3593859" cy="2034370"/>
-          </a:xfrm>
-          <a:prstGeom prst="rect">
-            <a:avLst/>
-          </a:prstGeom>
-        </p:spPr>
-      </p:pic>
-      <p:sp>
-        <p:nvSpPr>
-          <p:cNvPr id="7" name="TextBox 6">
-            <a:extLst>
-              <a:ext uri="{FF2B5EF4-FFF2-40B4-BE49-F238E27FC236}">
-                <a16:creationId xmlns:a16="http://schemas.microsoft.com/office/drawing/2014/main" id="{4F380B29-8BDE-4073-B1B3-9C5BA709D162}"/>
-              </a:ext>
-            </a:extLst>
-          </p:cNvPr>
-          <p:cNvSpPr txBox="1"/>
-          <p:nvPr/>
-        </p:nvSpPr>
-        <p:spPr>
-          <a:xfrm>
-            <a:off x="1245292" y="3073296"/>
-            <a:ext cx="301686" cy="369332"/>
-          </a:xfrm>
-          <a:prstGeom prst="rect">
-            <a:avLst/>
-          </a:prstGeom>
-          <a:noFill/>
-        </p:spPr>
-        <p:txBody>
-          <a:bodyPr wrap="none" rtlCol="0">
-            <a:spAutoFit/>
-          </a:bodyPr>
-          <a:lstStyle/>
-          <a:p>
-            <a:r>
-              <a:rPr lang="en-US" dirty="0">
-                <a:solidFill>
-                  <a:srgbClr val="FF0000"/>
-                </a:solidFill>
-                <a:highlight>
-                  <a:srgbClr val="FFFF00"/>
-                </a:highlight>
-              </a:rPr>
-              <a:t>1</a:t>
-            </a:r>
-          </a:p>
-        </p:txBody>
-      </p:sp>
-      <p:sp>
-        <p:nvSpPr>
-          <p:cNvPr id="8" name="TextBox 7">
-            <a:extLst>
-              <a:ext uri="{FF2B5EF4-FFF2-40B4-BE49-F238E27FC236}">
-                <a16:creationId xmlns:a16="http://schemas.microsoft.com/office/drawing/2014/main" id="{4F1600EA-618E-4281-9D6E-54750858BC8F}"/>
-              </a:ext>
-            </a:extLst>
-          </p:cNvPr>
-          <p:cNvSpPr txBox="1"/>
-          <p:nvPr/>
-        </p:nvSpPr>
-        <p:spPr>
-          <a:xfrm>
-            <a:off x="1361190" y="4711740"/>
-            <a:ext cx="248635" cy="378416"/>
-          </a:xfrm>
-          <a:prstGeom prst="rect">
-            <a:avLst/>
-          </a:prstGeom>
-          <a:noFill/>
-        </p:spPr>
-        <p:txBody>
-          <a:bodyPr wrap="square" rtlCol="0">
-            <a:spAutoFit/>
-          </a:bodyPr>
-          <a:lstStyle/>
-          <a:p>
-            <a:r>
-              <a:rPr lang="en-US" dirty="0">
-                <a:solidFill>
-                  <a:srgbClr val="FF0000"/>
-                </a:solidFill>
-                <a:highlight>
-                  <a:srgbClr val="FFFF00"/>
-                </a:highlight>
-              </a:rPr>
-              <a:t>2</a:t>
-            </a:r>
-          </a:p>
-        </p:txBody>
-      </p:sp>
-      <p:pic>
-        <p:nvPicPr>
-          <p:cNvPr id="9" name="Picture 8">
-            <a:extLst>
-              <a:ext uri="{FF2B5EF4-FFF2-40B4-BE49-F238E27FC236}">
-                <a16:creationId xmlns:a16="http://schemas.microsoft.com/office/drawing/2014/main" id="{EADD05B5-CF7C-4ACA-8ED1-9FD9C3068996}"/>
-              </a:ext>
-            </a:extLst>
-          </p:cNvPr>
-          <p:cNvPicPr>
-            <a:picLocks noChangeAspect="1"/>
-          </p:cNvPicPr>
-          <p:nvPr/>
-        </p:nvPicPr>
-        <p:blipFill>
-          <a:blip r:embed="rId5"/>
-          <a:stretch>
-            <a:fillRect/>
-          </a:stretch>
-        </p:blipFill>
-        <p:spPr>
-          <a:xfrm>
-            <a:off x="5167891" y="2931056"/>
-            <a:ext cx="1301275" cy="952297"/>
-          </a:xfrm>
-          <a:prstGeom prst="rect">
-            <a:avLst/>
-          </a:prstGeom>
-        </p:spPr>
-      </p:pic>
-      <p:pic>
-        <p:nvPicPr>
-          <p:cNvPr id="10" name="Picture 9">
-            <a:extLst>
-              <a:ext uri="{FF2B5EF4-FFF2-40B4-BE49-F238E27FC236}">
-                <a16:creationId xmlns:a16="http://schemas.microsoft.com/office/drawing/2014/main" id="{EE7974B6-B665-4246-ADD8-4575056A8705}"/>
-              </a:ext>
-            </a:extLst>
-          </p:cNvPr>
-          <p:cNvPicPr>
-            <a:picLocks noChangeAspect="1"/>
-          </p:cNvPicPr>
-          <p:nvPr/>
-        </p:nvPicPr>
-        <p:blipFill>
-          <a:blip r:embed="rId6"/>
-          <a:stretch>
-            <a:fillRect/>
-          </a:stretch>
-        </p:blipFill>
-        <p:spPr>
-          <a:xfrm>
-            <a:off x="4827082" y="4419987"/>
-            <a:ext cx="1982891" cy="1431436"/>
-          </a:xfrm>
-          <a:prstGeom prst="rect">
-            <a:avLst/>
-          </a:prstGeom>
-        </p:spPr>
-      </p:pic>
-      <p:sp>
-        <p:nvSpPr>
-          <p:cNvPr id="11" name="TextBox 10">
-            <a:extLst>
-              <a:ext uri="{FF2B5EF4-FFF2-40B4-BE49-F238E27FC236}">
-                <a16:creationId xmlns:a16="http://schemas.microsoft.com/office/drawing/2014/main" id="{9E171D8C-183E-4B04-A877-CDEBCAE74523}"/>
-              </a:ext>
-            </a:extLst>
-          </p:cNvPr>
-          <p:cNvSpPr txBox="1"/>
-          <p:nvPr/>
-        </p:nvSpPr>
-        <p:spPr>
-          <a:xfrm>
-            <a:off x="4238378" y="3073296"/>
-            <a:ext cx="248635" cy="378416"/>
-          </a:xfrm>
-          <a:prstGeom prst="rect">
-            <a:avLst/>
-          </a:prstGeom>
-          <a:noFill/>
-        </p:spPr>
-        <p:txBody>
-          <a:bodyPr wrap="square" rtlCol="0">
-            <a:spAutoFit/>
-          </a:bodyPr>
-          <a:lstStyle/>
-          <a:p>
-            <a:r>
-              <a:rPr lang="en-US" dirty="0">
-                <a:solidFill>
-                  <a:srgbClr val="FF0000"/>
-                </a:solidFill>
-                <a:highlight>
-                  <a:srgbClr val="FFFF00"/>
-                </a:highlight>
-              </a:rPr>
-              <a:t>3</a:t>
-            </a:r>
-          </a:p>
-        </p:txBody>
-      </p:sp>
-      <p:sp>
-        <p:nvSpPr>
-          <p:cNvPr id="12" name="TextBox 11">
-            <a:extLst>
-              <a:ext uri="{FF2B5EF4-FFF2-40B4-BE49-F238E27FC236}">
-                <a16:creationId xmlns:a16="http://schemas.microsoft.com/office/drawing/2014/main" id="{8B7C4D50-C30E-4C9E-9328-44577068B941}"/>
-              </a:ext>
-            </a:extLst>
-          </p:cNvPr>
-          <p:cNvSpPr txBox="1"/>
-          <p:nvPr/>
-        </p:nvSpPr>
-        <p:spPr>
-          <a:xfrm>
-            <a:off x="4286496" y="4711740"/>
-            <a:ext cx="248635" cy="378416"/>
-          </a:xfrm>
-          <a:prstGeom prst="rect">
-            <a:avLst/>
-          </a:prstGeom>
-          <a:noFill/>
-        </p:spPr>
-        <p:txBody>
-          <a:bodyPr wrap="square" rtlCol="0">
-            <a:spAutoFit/>
-          </a:bodyPr>
-          <a:lstStyle/>
-          <a:p>
-            <a:r>
-              <a:rPr lang="en-US" dirty="0">
-                <a:solidFill>
-                  <a:srgbClr val="FF0000"/>
-                </a:solidFill>
-                <a:highlight>
-                  <a:srgbClr val="FFFF00"/>
-                </a:highlight>
-              </a:rPr>
-              <a:t>4</a:t>
-            </a:r>
-          </a:p>
-        </p:txBody>
-      </p:sp>
-      <p:sp>
-        <p:nvSpPr>
-          <p:cNvPr id="13" name="TextBox 12">
-            <a:extLst>
-              <a:ext uri="{FF2B5EF4-FFF2-40B4-BE49-F238E27FC236}">
-                <a16:creationId xmlns:a16="http://schemas.microsoft.com/office/drawing/2014/main" id="{CA897C9C-42FF-43EF-8A11-B1FB6BB91B40}"/>
-              </a:ext>
-            </a:extLst>
-          </p:cNvPr>
-          <p:cNvSpPr txBox="1"/>
-          <p:nvPr/>
-        </p:nvSpPr>
-        <p:spPr>
-          <a:xfrm>
-            <a:off x="8273389" y="3073296"/>
-            <a:ext cx="248635" cy="378416"/>
-          </a:xfrm>
-          <a:prstGeom prst="rect">
-            <a:avLst/>
-          </a:prstGeom>
-          <a:noFill/>
-        </p:spPr>
-        <p:txBody>
-          <a:bodyPr wrap="square" rtlCol="0">
-            <a:spAutoFit/>
-          </a:bodyPr>
-          <a:lstStyle/>
-          <a:p>
-            <a:r>
-              <a:rPr lang="en-US" dirty="0">
-                <a:solidFill>
-                  <a:srgbClr val="FF0000"/>
-                </a:solidFill>
-                <a:highlight>
-                  <a:srgbClr val="FFFF00"/>
-                </a:highlight>
-              </a:rPr>
-              <a:t>5</a:t>
-            </a:r>
-          </a:p>
-        </p:txBody>
-      </p:sp>
-      <p:sp>
-        <p:nvSpPr>
-          <p:cNvPr id="14" name="TextBox 13">
-            <a:extLst>
-              <a:ext uri="{FF2B5EF4-FFF2-40B4-BE49-F238E27FC236}">
-                <a16:creationId xmlns:a16="http://schemas.microsoft.com/office/drawing/2014/main" id="{95F4B650-17C0-41F9-B551-1A1ADE6078A6}"/>
-              </a:ext>
-            </a:extLst>
-          </p:cNvPr>
-          <p:cNvSpPr txBox="1"/>
-          <p:nvPr/>
-        </p:nvSpPr>
-        <p:spPr>
-          <a:xfrm>
-            <a:off x="8269910" y="4711740"/>
-            <a:ext cx="248635" cy="378416"/>
-          </a:xfrm>
-          <a:prstGeom prst="rect">
-            <a:avLst/>
-          </a:prstGeom>
-          <a:noFill/>
-        </p:spPr>
-        <p:txBody>
-          <a:bodyPr wrap="square" rtlCol="0">
-            <a:spAutoFit/>
-          </a:bodyPr>
-          <a:lstStyle/>
-          <a:p>
-            <a:r>
-              <a:rPr lang="en-US" dirty="0">
-                <a:solidFill>
-                  <a:srgbClr val="FF0000"/>
-                </a:solidFill>
-                <a:highlight>
-                  <a:srgbClr val="FFFF00"/>
-                </a:highlight>
-              </a:rPr>
-              <a:t>6</a:t>
-            </a:r>
-          </a:p>
-        </p:txBody>
-      </p:sp>
-      <p:pic>
-        <p:nvPicPr>
-          <p:cNvPr id="15" name="Picture 14">
-            <a:extLst>
-              <a:ext uri="{FF2B5EF4-FFF2-40B4-BE49-F238E27FC236}">
-                <a16:creationId xmlns:a16="http://schemas.microsoft.com/office/drawing/2014/main" id="{DBCF2256-A40B-426D-AA98-651B5F147C0E}"/>
-              </a:ext>
-            </a:extLst>
-          </p:cNvPr>
-          <p:cNvPicPr>
-            <a:picLocks noChangeAspect="1"/>
-          </p:cNvPicPr>
-          <p:nvPr/>
-        </p:nvPicPr>
-        <p:blipFill>
-          <a:blip r:embed="rId7"/>
-          <a:stretch>
-            <a:fillRect/>
-          </a:stretch>
-        </p:blipFill>
-        <p:spPr>
-          <a:xfrm>
-            <a:off x="8684573" y="2418367"/>
-            <a:ext cx="2228049" cy="1846098"/>
-          </a:xfrm>
-          <a:prstGeom prst="rect">
-            <a:avLst/>
-          </a:prstGeom>
-        </p:spPr>
-      </p:pic>
-      <p:pic>
-        <p:nvPicPr>
-          <p:cNvPr id="16" name="Picture 15">
-            <a:extLst>
-              <a:ext uri="{FF2B5EF4-FFF2-40B4-BE49-F238E27FC236}">
-                <a16:creationId xmlns:a16="http://schemas.microsoft.com/office/drawing/2014/main" id="{977419D2-A60A-4980-B525-746F04BBB888}"/>
-              </a:ext>
-            </a:extLst>
-          </p:cNvPr>
-          <p:cNvPicPr>
-            <a:picLocks noChangeAspect="1"/>
-          </p:cNvPicPr>
-          <p:nvPr/>
-        </p:nvPicPr>
-        <p:blipFill>
-          <a:blip r:embed="rId8"/>
-          <a:stretch>
-            <a:fillRect/>
-          </a:stretch>
-        </p:blipFill>
-        <p:spPr>
-          <a:xfrm>
-            <a:off x="9072073" y="4419987"/>
-            <a:ext cx="2591337" cy="1907512"/>
-          </a:xfrm>
-          <a:prstGeom prst="rect">
-            <a:avLst/>
-          </a:prstGeom>
-        </p:spPr>
-      </p:pic>
-    </p:spTree>
-    <p:extLst>
-      <p:ext uri="{BB962C8B-B14F-4D97-AF65-F5344CB8AC3E}">
-        <p14:creationId xmlns:p14="http://schemas.microsoft.com/office/powerpoint/2010/main" val="1105362944"/>
-      </p:ext>
-    </p:extLst>
-  </p:cSld>
-  <p:clrMapOvr>
-    <a:masterClrMapping/>
-  </p:clrMapOvr>
-</p:sld>
-</file>
-
 <file path=ppt/slides/slide13.xml><?xml version="1.0" encoding="utf-8"?>
 <p:sld xmlns:a="http://schemas.openxmlformats.org/drawingml/2006/main" xmlns:r="http://schemas.openxmlformats.org/officeDocument/2006/relationships" xmlns:p="http://schemas.openxmlformats.org/presentationml/2006/main">
   <p:cSld>
@@ -7503,38 +7845,15 @@
           <a:chExt cx="0" cy="0"/>
         </a:xfrm>
       </p:grpSpPr>
-      <p:pic>
-        <p:nvPicPr>
-          <p:cNvPr id="10" name="Picture 9">
-            <a:extLst>
-              <a:ext uri="{FF2B5EF4-FFF2-40B4-BE49-F238E27FC236}">
-                <a16:creationId xmlns:a16="http://schemas.microsoft.com/office/drawing/2014/main" id="{497C74AC-CDDE-41D4-8E0C-47A736284F7C}"/>
-              </a:ext>
-            </a:extLst>
-          </p:cNvPr>
-          <p:cNvPicPr>
-            <a:picLocks noChangeAspect="1"/>
-          </p:cNvPicPr>
-          <p:nvPr/>
-        </p:nvPicPr>
-        <p:blipFill rotWithShape="1">
-          <a:blip r:embed="rId3"/>
-          <a:srcRect l="7913" t="2901" r="33478"/>
-          <a:stretch/>
-        </p:blipFill>
-        <p:spPr>
-          <a:xfrm>
-            <a:off x="3416410" y="1914382"/>
-            <a:ext cx="5359179" cy="4807093"/>
-          </a:xfrm>
-          <a:prstGeom prst="rect">
-            <a:avLst/>
-          </a:prstGeom>
-        </p:spPr>
-      </p:pic>
-      <p:sp>
-        <p:nvSpPr>
-          <p:cNvPr id="2" name="Title 1"/>
+      <p:sp>
+        <p:nvSpPr>
+          <p:cNvPr id="2" name="Title 1">
+            <a:extLst>
+              <a:ext uri="{FF2B5EF4-FFF2-40B4-BE49-F238E27FC236}">
+                <a16:creationId xmlns:a16="http://schemas.microsoft.com/office/drawing/2014/main" id="{7B2CD7CA-0AF3-4D29-97CF-7EFA966A2336}"/>
+              </a:ext>
+            </a:extLst>
+          </p:cNvPr>
           <p:cNvSpPr>
             <a:spLocks noGrp="1"/>
           </p:cNvSpPr>
@@ -7544,111 +7863,27 @@
         </p:nvSpPr>
         <p:spPr>
           <a:xfrm>
-            <a:off x="701560" y="509942"/>
-            <a:ext cx="7805099" cy="338554"/>
-          </a:xfrm>
-        </p:spPr>
-        <p:txBody>
-          <a:bodyPr>
-            <a:normAutofit fontScale="90000"/>
-          </a:bodyPr>
+            <a:off x="838200" y="365125"/>
+            <a:ext cx="10515600" cy="788557"/>
+          </a:xfrm>
+        </p:spPr>
+        <p:txBody>
+          <a:bodyPr/>
           <a:lstStyle/>
           <a:p>
             <a:r>
               <a:rPr lang="en-US" dirty="0"/>
-              <a:t>Fig 10a</a:t>
-            </a:r>
-          </a:p>
-        </p:txBody>
-      </p:sp>
-      <p:sp>
-        <p:nvSpPr>
-          <p:cNvPr id="5" name="Slide Number Placeholder 4"/>
-          <p:cNvSpPr>
-            <a:spLocks noGrp="1"/>
-          </p:cNvSpPr>
-          <p:nvPr>
-            <p:ph type="sldNum" sz="quarter" idx="17"/>
-          </p:nvPr>
-        </p:nvSpPr>
-        <p:spPr>
-          <a:xfrm>
-            <a:off x="8610600" y="6356350"/>
-            <a:ext cx="2743200" cy="365125"/>
-          </a:xfrm>
-        </p:spPr>
-        <p:txBody>
-          <a:bodyPr/>
-          <a:lstStyle/>
-          <a:p>
-            <a:fld id="{0A838F34-1B32-4019-A24D-EF473E6901BC}" type="slidenum">
-              <a:rPr lang="en-US" smtClean="0">
-                <a:solidFill>
-                  <a:srgbClr val="9A8B7D"/>
-                </a:solidFill>
-              </a:rPr>
-              <a:pPr/>
-              <a:t>13</a:t>
-            </a:fld>
-            <a:endParaRPr lang="en-US">
-              <a:solidFill>
-                <a:srgbClr val="9A8B7D"/>
-              </a:solidFill>
-            </a:endParaRPr>
-          </a:p>
-        </p:txBody>
-      </p:sp>
-      <p:cxnSp>
-        <p:nvCxnSpPr>
-          <p:cNvPr id="174081" name="Straight Connector 174080">
-            <a:extLst>
-              <a:ext uri="{FF2B5EF4-FFF2-40B4-BE49-F238E27FC236}">
-                <a16:creationId xmlns:a16="http://schemas.microsoft.com/office/drawing/2014/main" id="{21C181BB-6BFE-4304-98E5-36B39CF330BF}"/>
-              </a:ext>
-            </a:extLst>
-          </p:cNvPr>
-          <p:cNvCxnSpPr>
-            <a:cxnSpLocks/>
-          </p:cNvCxnSpPr>
-          <p:nvPr/>
-        </p:nvCxnSpPr>
-        <p:spPr>
-          <a:xfrm flipV="1">
-            <a:off x="4272566" y="2107373"/>
-            <a:ext cx="1143703" cy="2"/>
-          </a:xfrm>
-          <a:prstGeom prst="line">
-            <a:avLst/>
-          </a:prstGeom>
-          <a:ln>
-            <a:solidFill>
-              <a:schemeClr val="tx1">
-                <a:lumMod val="50000"/>
-              </a:schemeClr>
-            </a:solidFill>
-          </a:ln>
-        </p:spPr>
-        <p:style>
-          <a:lnRef idx="1">
-            <a:schemeClr val="accent1"/>
-          </a:lnRef>
-          <a:fillRef idx="0">
-            <a:schemeClr val="accent1"/>
-          </a:fillRef>
-          <a:effectRef idx="0">
-            <a:schemeClr val="accent1"/>
-          </a:effectRef>
-          <a:fontRef idx="minor">
-            <a:schemeClr val="tx1"/>
-          </a:fontRef>
-        </p:style>
-      </p:cxnSp>
+              <a:t>Fig8</a:t>
+            </a:r>
+          </a:p>
+        </p:txBody>
+      </p:sp>
       <p:pic>
         <p:nvPicPr>
-          <p:cNvPr id="41" name="Picture 40">
-            <a:extLst>
-              <a:ext uri="{FF2B5EF4-FFF2-40B4-BE49-F238E27FC236}">
-                <a16:creationId xmlns:a16="http://schemas.microsoft.com/office/drawing/2014/main" id="{268AAA76-884A-4E25-B277-C0EEACC4AAA7}"/>
+          <p:cNvPr id="3" name="Picture 2">
+            <a:extLst>
+              <a:ext uri="{FF2B5EF4-FFF2-40B4-BE49-F238E27FC236}">
+                <a16:creationId xmlns:a16="http://schemas.microsoft.com/office/drawing/2014/main" id="{184FD318-DAA5-4130-98A8-57936AB5AFFB}"/>
               </a:ext>
             </a:extLst>
           </p:cNvPr>
@@ -7657,117 +7892,70 @@
           </p:cNvPicPr>
           <p:nvPr/>
         </p:nvPicPr>
-        <p:blipFill rotWithShape="1">
-          <a:blip r:embed="rId4"/>
-          <a:srcRect l="-376" t="45325" r="97854" b="47342"/>
-          <a:stretch/>
+        <p:blipFill>
+          <a:blip r:embed="rId2"/>
+          <a:stretch>
+            <a:fillRect/>
+          </a:stretch>
         </p:blipFill>
         <p:spPr>
           <a:xfrm>
-            <a:off x="2849284" y="3100772"/>
-            <a:ext cx="408101" cy="652959"/>
+            <a:off x="1908042" y="112202"/>
+            <a:ext cx="2968817" cy="1663733"/>
           </a:xfrm>
           <a:prstGeom prst="rect">
             <a:avLst/>
           </a:prstGeom>
         </p:spPr>
       </p:pic>
-      <p:cxnSp>
-        <p:nvCxnSpPr>
-          <p:cNvPr id="42" name="Straight Connector 41">
-            <a:extLst>
-              <a:ext uri="{FF2B5EF4-FFF2-40B4-BE49-F238E27FC236}">
-                <a16:creationId xmlns:a16="http://schemas.microsoft.com/office/drawing/2014/main" id="{4AB7C522-5718-4E5B-B0B6-0F575E7B572B}"/>
-              </a:ext>
-            </a:extLst>
-          </p:cNvPr>
-          <p:cNvCxnSpPr>
-            <a:cxnSpLocks/>
-          </p:cNvCxnSpPr>
+      <p:sp>
+        <p:nvSpPr>
+          <p:cNvPr id="4" name="TextBox 3">
+            <a:extLst>
+              <a:ext uri="{FF2B5EF4-FFF2-40B4-BE49-F238E27FC236}">
+                <a16:creationId xmlns:a16="http://schemas.microsoft.com/office/drawing/2014/main" id="{418E0466-7AF6-4334-97C8-70D85337B61E}"/>
+              </a:ext>
+            </a:extLst>
+          </p:cNvPr>
+          <p:cNvSpPr txBox="1"/>
           <p:nvPr/>
-        </p:nvCxnSpPr>
-        <p:spPr>
-          <a:xfrm>
-            <a:off x="3416410" y="5882254"/>
-            <a:ext cx="681229" cy="89453"/>
-          </a:xfrm>
-          <a:prstGeom prst="line">
-            <a:avLst/>
-          </a:prstGeom>
-          <a:ln>
-            <a:solidFill>
-              <a:schemeClr val="tx1">
-                <a:lumMod val="50000"/>
-              </a:schemeClr>
-            </a:solidFill>
-          </a:ln>
-        </p:spPr>
-        <p:style>
-          <a:lnRef idx="1">
-            <a:schemeClr val="accent1"/>
-          </a:lnRef>
-          <a:fillRef idx="0">
-            <a:schemeClr val="accent1"/>
-          </a:fillRef>
-          <a:effectRef idx="0">
-            <a:schemeClr val="accent1"/>
-          </a:effectRef>
-          <a:fontRef idx="minor">
-            <a:schemeClr val="tx1"/>
-          </a:fontRef>
-        </p:style>
-      </p:cxnSp>
-      <p:cxnSp>
-        <p:nvCxnSpPr>
-          <p:cNvPr id="51" name="Straight Connector 50">
-            <a:extLst>
-              <a:ext uri="{FF2B5EF4-FFF2-40B4-BE49-F238E27FC236}">
-                <a16:creationId xmlns:a16="http://schemas.microsoft.com/office/drawing/2014/main" id="{289D2DB0-E3D0-4761-AE8A-0E92CD1C25D0}"/>
-              </a:ext>
-            </a:extLst>
-          </p:cNvPr>
-          <p:cNvCxnSpPr>
-            <a:cxnSpLocks/>
-          </p:cNvCxnSpPr>
-          <p:nvPr/>
-        </p:nvCxnSpPr>
-        <p:spPr>
-          <a:xfrm>
-            <a:off x="8402220" y="5479911"/>
-            <a:ext cx="104439" cy="346503"/>
-          </a:xfrm>
-          <a:prstGeom prst="line">
-            <a:avLst/>
-          </a:prstGeom>
-          <a:ln>
-            <a:solidFill>
-              <a:schemeClr val="tx1">
-                <a:lumMod val="50000"/>
-              </a:schemeClr>
-            </a:solidFill>
-          </a:ln>
-        </p:spPr>
-        <p:style>
-          <a:lnRef idx="1">
-            <a:schemeClr val="accent1"/>
-          </a:lnRef>
-          <a:fillRef idx="0">
-            <a:schemeClr val="accent1"/>
-          </a:fillRef>
-          <a:effectRef idx="0">
-            <a:schemeClr val="accent1"/>
-          </a:effectRef>
-          <a:fontRef idx="minor">
-            <a:schemeClr val="tx1"/>
-          </a:fontRef>
-        </p:style>
-      </p:cxnSp>
+        </p:nvSpPr>
+        <p:spPr>
+          <a:xfrm>
+            <a:off x="2438774" y="574737"/>
+            <a:ext cx="301686" cy="369332"/>
+          </a:xfrm>
+          <a:prstGeom prst="rect">
+            <a:avLst/>
+          </a:prstGeom>
+          <a:noFill/>
+        </p:spPr>
+        <p:txBody>
+          <a:bodyPr wrap="none" rtlCol="0">
+            <a:spAutoFit/>
+          </a:bodyPr>
+          <a:lstStyle/>
+          <a:p>
+            <a:r>
+              <a:rPr lang="en-US" dirty="0">
+                <a:solidFill>
+                  <a:srgbClr val="FF0000"/>
+                </a:solidFill>
+                <a:highlight>
+                  <a:srgbClr val="FFFF00"/>
+                </a:highlight>
+              </a:rPr>
+              <a:t>0</a:t>
+            </a:r>
+          </a:p>
+        </p:txBody>
+      </p:sp>
       <p:pic>
         <p:nvPicPr>
-          <p:cNvPr id="7" name="Picture 6">
-            <a:extLst>
-              <a:ext uri="{FF2B5EF4-FFF2-40B4-BE49-F238E27FC236}">
-                <a16:creationId xmlns:a16="http://schemas.microsoft.com/office/drawing/2014/main" id="{080E286B-AF01-4BC2-955C-F2C011ED12A1}"/>
+          <p:cNvPr id="5" name="Picture 4">
+            <a:extLst>
+              <a:ext uri="{FF2B5EF4-FFF2-40B4-BE49-F238E27FC236}">
+                <a16:creationId xmlns:a16="http://schemas.microsoft.com/office/drawing/2014/main" id="{35BAA319-0341-4699-8B85-640AE73DA63A}"/>
               </a:ext>
             </a:extLst>
           </p:cNvPr>
@@ -7776,191 +7964,172 @@
           </p:cNvPicPr>
           <p:nvPr/>
         </p:nvPicPr>
-        <p:blipFill rotWithShape="1">
-          <a:blip r:embed="rId5"/>
-          <a:srcRect l="58850" t="22815" r="6941" b="14132"/>
-          <a:stretch/>
+        <p:blipFill>
+          <a:blip r:embed="rId3"/>
+          <a:stretch>
+            <a:fillRect/>
+          </a:stretch>
         </p:blipFill>
         <p:spPr>
           <a:xfrm>
-            <a:off x="6502576" y="1902114"/>
-            <a:ext cx="2253404" cy="2248773"/>
+            <a:off x="1671804" y="2751553"/>
+            <a:ext cx="1835625" cy="1312001"/>
           </a:xfrm>
           <a:prstGeom prst="rect">
             <a:avLst/>
           </a:prstGeom>
-          <a:ln>
-            <a:solidFill>
-              <a:schemeClr val="tx2"/>
-            </a:solidFill>
-          </a:ln>
         </p:spPr>
       </p:pic>
-      <p:sp>
-        <p:nvSpPr>
-          <p:cNvPr id="3" name="Rectangle 2">
-            <a:extLst>
-              <a:ext uri="{FF2B5EF4-FFF2-40B4-BE49-F238E27FC236}">
-                <a16:creationId xmlns:a16="http://schemas.microsoft.com/office/drawing/2014/main" id="{1950140E-C8EF-4056-B91D-FA2F750D3064}"/>
-              </a:ext>
-            </a:extLst>
-          </p:cNvPr>
-          <p:cNvSpPr/>
-          <p:nvPr/>
-        </p:nvSpPr>
-        <p:spPr>
-          <a:xfrm>
-            <a:off x="2410552" y="4249586"/>
-            <a:ext cx="1005858" cy="1632668"/>
-          </a:xfrm>
-          <a:prstGeom prst="rect">
-            <a:avLst/>
-          </a:prstGeom>
-          <a:noFill/>
-          <a:ln>
-            <a:solidFill>
-              <a:schemeClr val="tx1">
-                <a:lumMod val="50000"/>
-                <a:lumOff val="50000"/>
-              </a:schemeClr>
-            </a:solidFill>
-          </a:ln>
-        </p:spPr>
-        <p:style>
-          <a:lnRef idx="2">
-            <a:schemeClr val="accent1">
-              <a:shade val="50000"/>
-            </a:schemeClr>
-          </a:lnRef>
-          <a:fillRef idx="1">
-            <a:schemeClr val="accent1"/>
-          </a:fillRef>
-          <a:effectRef idx="0">
-            <a:schemeClr val="accent1"/>
-          </a:effectRef>
-          <a:fontRef idx="minor">
-            <a:schemeClr val="lt1"/>
-          </a:fontRef>
-        </p:style>
-        <p:txBody>
-          <a:bodyPr rtlCol="0" anchor="ctr"/>
-          <a:lstStyle/>
-          <a:p>
-            <a:pPr algn="ctr"/>
-            <a:endParaRPr lang="en-US"/>
-          </a:p>
-        </p:txBody>
-      </p:sp>
-      <p:sp>
-        <p:nvSpPr>
-          <p:cNvPr id="14" name="Rectangle 13">
-            <a:extLst>
-              <a:ext uri="{FF2B5EF4-FFF2-40B4-BE49-F238E27FC236}">
-                <a16:creationId xmlns:a16="http://schemas.microsoft.com/office/drawing/2014/main" id="{7B2FD56F-9E26-472D-B86E-505BF2457B92}"/>
-              </a:ext>
-            </a:extLst>
-          </p:cNvPr>
-          <p:cNvSpPr/>
-          <p:nvPr/>
-        </p:nvSpPr>
-        <p:spPr>
-          <a:xfrm>
-            <a:off x="5410927" y="1782611"/>
-            <a:ext cx="1005858" cy="1390650"/>
-          </a:xfrm>
-          <a:prstGeom prst="rect">
-            <a:avLst/>
-          </a:prstGeom>
-          <a:noFill/>
-          <a:ln>
-            <a:solidFill>
-              <a:srgbClr val="FFC000"/>
-            </a:solidFill>
-          </a:ln>
-        </p:spPr>
-        <p:style>
-          <a:lnRef idx="2">
-            <a:schemeClr val="accent1">
-              <a:shade val="50000"/>
-            </a:schemeClr>
-          </a:lnRef>
-          <a:fillRef idx="1">
-            <a:schemeClr val="accent1"/>
-          </a:fillRef>
-          <a:effectRef idx="0">
-            <a:schemeClr val="accent1"/>
-          </a:effectRef>
-          <a:fontRef idx="minor">
-            <a:schemeClr val="lt1"/>
-          </a:fontRef>
-        </p:style>
-        <p:txBody>
-          <a:bodyPr rtlCol="0" anchor="ctr"/>
-          <a:lstStyle/>
-          <a:p>
-            <a:pPr algn="ctr"/>
-            <a:endParaRPr lang="en-US"/>
-          </a:p>
-        </p:txBody>
-      </p:sp>
-      <p:sp>
-        <p:nvSpPr>
-          <p:cNvPr id="15" name="Rectangle 14">
-            <a:extLst>
-              <a:ext uri="{FF2B5EF4-FFF2-40B4-BE49-F238E27FC236}">
-                <a16:creationId xmlns:a16="http://schemas.microsoft.com/office/drawing/2014/main" id="{66D6801A-032D-44DE-BBA2-B28C5438E27C}"/>
-              </a:ext>
-            </a:extLst>
-          </p:cNvPr>
-          <p:cNvSpPr/>
-          <p:nvPr/>
-        </p:nvSpPr>
-        <p:spPr>
-          <a:xfrm>
-            <a:off x="7725502" y="4182911"/>
-            <a:ext cx="1005858" cy="1297000"/>
-          </a:xfrm>
-          <a:prstGeom prst="rect">
-            <a:avLst/>
-          </a:prstGeom>
-          <a:noFill/>
-          <a:ln>
-            <a:solidFill>
-              <a:srgbClr val="7030A0"/>
-            </a:solidFill>
-          </a:ln>
-        </p:spPr>
-        <p:style>
-          <a:lnRef idx="2">
-            <a:schemeClr val="accent1">
-              <a:shade val="50000"/>
-            </a:schemeClr>
-          </a:lnRef>
-          <a:fillRef idx="1">
-            <a:schemeClr val="accent1"/>
-          </a:fillRef>
-          <a:effectRef idx="0">
-            <a:schemeClr val="accent1"/>
-          </a:effectRef>
-          <a:fontRef idx="minor">
-            <a:schemeClr val="lt1"/>
-          </a:fontRef>
-        </p:style>
-        <p:txBody>
-          <a:bodyPr rtlCol="0" anchor="ctr"/>
-          <a:lstStyle/>
-          <a:p>
-            <a:pPr algn="ctr"/>
-            <a:endParaRPr lang="en-US"/>
-          </a:p>
-        </p:txBody>
-      </p:sp>
       <p:pic>
         <p:nvPicPr>
-          <p:cNvPr id="4" name="Picture 3">
-            <a:extLst>
-              <a:ext uri="{FF2B5EF4-FFF2-40B4-BE49-F238E27FC236}">
-                <a16:creationId xmlns:a16="http://schemas.microsoft.com/office/drawing/2014/main" id="{C0DEE0FA-ABC6-44C6-B6CC-B818584F2CF6}"/>
+          <p:cNvPr id="6" name="Picture 5">
+            <a:extLst>
+              <a:ext uri="{FF2B5EF4-FFF2-40B4-BE49-F238E27FC236}">
+                <a16:creationId xmlns:a16="http://schemas.microsoft.com/office/drawing/2014/main" id="{393B3EB9-2D3B-4171-8E2A-61BF99F3AEB8}"/>
+              </a:ext>
+            </a:extLst>
+          </p:cNvPr>
+          <p:cNvPicPr>
+            <a:picLocks noChangeAspect="1"/>
+          </p:cNvPicPr>
+          <p:nvPr/>
+        </p:nvPicPr>
+        <p:blipFill>
+          <a:blip r:embed="rId4"/>
+          <a:stretch>
+            <a:fillRect/>
+          </a:stretch>
+        </p:blipFill>
+        <p:spPr>
+          <a:xfrm>
+            <a:off x="328233" y="3817053"/>
+            <a:ext cx="3593859" cy="2034370"/>
+          </a:xfrm>
+          <a:prstGeom prst="rect">
+            <a:avLst/>
+          </a:prstGeom>
+        </p:spPr>
+      </p:pic>
+      <p:sp>
+        <p:nvSpPr>
+          <p:cNvPr id="7" name="TextBox 6">
+            <a:extLst>
+              <a:ext uri="{FF2B5EF4-FFF2-40B4-BE49-F238E27FC236}">
+                <a16:creationId xmlns:a16="http://schemas.microsoft.com/office/drawing/2014/main" id="{4F380B29-8BDE-4073-B1B3-9C5BA709D162}"/>
+              </a:ext>
+            </a:extLst>
+          </p:cNvPr>
+          <p:cNvSpPr txBox="1"/>
+          <p:nvPr/>
+        </p:nvSpPr>
+        <p:spPr>
+          <a:xfrm>
+            <a:off x="1245292" y="3073296"/>
+            <a:ext cx="301686" cy="369332"/>
+          </a:xfrm>
+          <a:prstGeom prst="rect">
+            <a:avLst/>
+          </a:prstGeom>
+          <a:noFill/>
+        </p:spPr>
+        <p:txBody>
+          <a:bodyPr wrap="none" rtlCol="0">
+            <a:spAutoFit/>
+          </a:bodyPr>
+          <a:lstStyle/>
+          <a:p>
+            <a:r>
+              <a:rPr lang="en-US" dirty="0">
+                <a:solidFill>
+                  <a:srgbClr val="FF0000"/>
+                </a:solidFill>
+                <a:highlight>
+                  <a:srgbClr val="FFFF00"/>
+                </a:highlight>
+              </a:rPr>
+              <a:t>1</a:t>
+            </a:r>
+          </a:p>
+        </p:txBody>
+      </p:sp>
+      <p:sp>
+        <p:nvSpPr>
+          <p:cNvPr id="8" name="TextBox 7">
+            <a:extLst>
+              <a:ext uri="{FF2B5EF4-FFF2-40B4-BE49-F238E27FC236}">
+                <a16:creationId xmlns:a16="http://schemas.microsoft.com/office/drawing/2014/main" id="{4F1600EA-618E-4281-9D6E-54750858BC8F}"/>
+              </a:ext>
+            </a:extLst>
+          </p:cNvPr>
+          <p:cNvSpPr txBox="1"/>
+          <p:nvPr/>
+        </p:nvSpPr>
+        <p:spPr>
+          <a:xfrm>
+            <a:off x="1361190" y="4711740"/>
+            <a:ext cx="248635" cy="378416"/>
+          </a:xfrm>
+          <a:prstGeom prst="rect">
+            <a:avLst/>
+          </a:prstGeom>
+          <a:noFill/>
+        </p:spPr>
+        <p:txBody>
+          <a:bodyPr wrap="square" rtlCol="0">
+            <a:spAutoFit/>
+          </a:bodyPr>
+          <a:lstStyle/>
+          <a:p>
+            <a:r>
+              <a:rPr lang="en-US" dirty="0">
+                <a:solidFill>
+                  <a:srgbClr val="FF0000"/>
+                </a:solidFill>
+                <a:highlight>
+                  <a:srgbClr val="FFFF00"/>
+                </a:highlight>
+              </a:rPr>
+              <a:t>2</a:t>
+            </a:r>
+          </a:p>
+        </p:txBody>
+      </p:sp>
+      <p:pic>
+        <p:nvPicPr>
+          <p:cNvPr id="9" name="Picture 8">
+            <a:extLst>
+              <a:ext uri="{FF2B5EF4-FFF2-40B4-BE49-F238E27FC236}">
+                <a16:creationId xmlns:a16="http://schemas.microsoft.com/office/drawing/2014/main" id="{EADD05B5-CF7C-4ACA-8ED1-9FD9C3068996}"/>
+              </a:ext>
+            </a:extLst>
+          </p:cNvPr>
+          <p:cNvPicPr>
+            <a:picLocks noChangeAspect="1"/>
+          </p:cNvPicPr>
+          <p:nvPr/>
+        </p:nvPicPr>
+        <p:blipFill>
+          <a:blip r:embed="rId5"/>
+          <a:stretch>
+            <a:fillRect/>
+          </a:stretch>
+        </p:blipFill>
+        <p:spPr>
+          <a:xfrm>
+            <a:off x="5167891" y="2931056"/>
+            <a:ext cx="1301275" cy="952297"/>
+          </a:xfrm>
+          <a:prstGeom prst="rect">
+            <a:avLst/>
+          </a:prstGeom>
+        </p:spPr>
+      </p:pic>
+      <p:pic>
+        <p:nvPicPr>
+          <p:cNvPr id="10" name="Picture 9">
+            <a:extLst>
+              <a:ext uri="{FF2B5EF4-FFF2-40B4-BE49-F238E27FC236}">
+                <a16:creationId xmlns:a16="http://schemas.microsoft.com/office/drawing/2014/main" id="{EE7974B6-B665-4246-ADD8-4575056A8705}"/>
               </a:ext>
             </a:extLst>
           </p:cNvPr>
@@ -7977,20 +8146,188 @@
         </p:blipFill>
         <p:spPr>
           <a:xfrm>
-            <a:off x="417085" y="2995749"/>
-            <a:ext cx="1655108" cy="3725726"/>
+            <a:off x="4827082" y="4419987"/>
+            <a:ext cx="1982891" cy="1431436"/>
           </a:xfrm>
           <a:prstGeom prst="rect">
             <a:avLst/>
           </a:prstGeom>
         </p:spPr>
       </p:pic>
+      <p:sp>
+        <p:nvSpPr>
+          <p:cNvPr id="11" name="TextBox 10">
+            <a:extLst>
+              <a:ext uri="{FF2B5EF4-FFF2-40B4-BE49-F238E27FC236}">
+                <a16:creationId xmlns:a16="http://schemas.microsoft.com/office/drawing/2014/main" id="{9E171D8C-183E-4B04-A877-CDEBCAE74523}"/>
+              </a:ext>
+            </a:extLst>
+          </p:cNvPr>
+          <p:cNvSpPr txBox="1"/>
+          <p:nvPr/>
+        </p:nvSpPr>
+        <p:spPr>
+          <a:xfrm>
+            <a:off x="4238378" y="3073296"/>
+            <a:ext cx="248635" cy="378416"/>
+          </a:xfrm>
+          <a:prstGeom prst="rect">
+            <a:avLst/>
+          </a:prstGeom>
+          <a:noFill/>
+        </p:spPr>
+        <p:txBody>
+          <a:bodyPr wrap="square" rtlCol="0">
+            <a:spAutoFit/>
+          </a:bodyPr>
+          <a:lstStyle/>
+          <a:p>
+            <a:r>
+              <a:rPr lang="en-US" dirty="0">
+                <a:solidFill>
+                  <a:srgbClr val="FF0000"/>
+                </a:solidFill>
+                <a:highlight>
+                  <a:srgbClr val="FFFF00"/>
+                </a:highlight>
+              </a:rPr>
+              <a:t>3</a:t>
+            </a:r>
+          </a:p>
+        </p:txBody>
+      </p:sp>
+      <p:sp>
+        <p:nvSpPr>
+          <p:cNvPr id="12" name="TextBox 11">
+            <a:extLst>
+              <a:ext uri="{FF2B5EF4-FFF2-40B4-BE49-F238E27FC236}">
+                <a16:creationId xmlns:a16="http://schemas.microsoft.com/office/drawing/2014/main" id="{8B7C4D50-C30E-4C9E-9328-44577068B941}"/>
+              </a:ext>
+            </a:extLst>
+          </p:cNvPr>
+          <p:cNvSpPr txBox="1"/>
+          <p:nvPr/>
+        </p:nvSpPr>
+        <p:spPr>
+          <a:xfrm>
+            <a:off x="4286496" y="4711740"/>
+            <a:ext cx="248635" cy="378416"/>
+          </a:xfrm>
+          <a:prstGeom prst="rect">
+            <a:avLst/>
+          </a:prstGeom>
+          <a:noFill/>
+        </p:spPr>
+        <p:txBody>
+          <a:bodyPr wrap="square" rtlCol="0">
+            <a:spAutoFit/>
+          </a:bodyPr>
+          <a:lstStyle/>
+          <a:p>
+            <a:r>
+              <a:rPr lang="en-US" dirty="0">
+                <a:solidFill>
+                  <a:srgbClr val="FF0000"/>
+                </a:solidFill>
+                <a:highlight>
+                  <a:srgbClr val="FFFF00"/>
+                </a:highlight>
+              </a:rPr>
+              <a:t>4</a:t>
+            </a:r>
+          </a:p>
+        </p:txBody>
+      </p:sp>
+      <p:sp>
+        <p:nvSpPr>
+          <p:cNvPr id="13" name="TextBox 12">
+            <a:extLst>
+              <a:ext uri="{FF2B5EF4-FFF2-40B4-BE49-F238E27FC236}">
+                <a16:creationId xmlns:a16="http://schemas.microsoft.com/office/drawing/2014/main" id="{CA897C9C-42FF-43EF-8A11-B1FB6BB91B40}"/>
+              </a:ext>
+            </a:extLst>
+          </p:cNvPr>
+          <p:cNvSpPr txBox="1"/>
+          <p:nvPr/>
+        </p:nvSpPr>
+        <p:spPr>
+          <a:xfrm>
+            <a:off x="8273389" y="3073296"/>
+            <a:ext cx="248635" cy="378416"/>
+          </a:xfrm>
+          <a:prstGeom prst="rect">
+            <a:avLst/>
+          </a:prstGeom>
+          <a:noFill/>
+        </p:spPr>
+        <p:txBody>
+          <a:bodyPr wrap="square" rtlCol="0">
+            <a:spAutoFit/>
+          </a:bodyPr>
+          <a:lstStyle/>
+          <a:p>
+            <a:r>
+              <a:rPr lang="en-US" dirty="0">
+                <a:solidFill>
+                  <a:srgbClr val="FF0000"/>
+                </a:solidFill>
+                <a:highlight>
+                  <a:srgbClr val="FFFF00"/>
+                </a:highlight>
+              </a:rPr>
+              <a:t>5</a:t>
+            </a:r>
+          </a:p>
+        </p:txBody>
+      </p:sp>
+      <p:sp>
+        <p:nvSpPr>
+          <p:cNvPr id="14" name="TextBox 13">
+            <a:extLst>
+              <a:ext uri="{FF2B5EF4-FFF2-40B4-BE49-F238E27FC236}">
+                <a16:creationId xmlns:a16="http://schemas.microsoft.com/office/drawing/2014/main" id="{95F4B650-17C0-41F9-B551-1A1ADE6078A6}"/>
+              </a:ext>
+            </a:extLst>
+          </p:cNvPr>
+          <p:cNvSpPr txBox="1"/>
+          <p:nvPr/>
+        </p:nvSpPr>
+        <p:spPr>
+          <a:xfrm>
+            <a:off x="8269910" y="4711740"/>
+            <a:ext cx="248635" cy="378416"/>
+          </a:xfrm>
+          <a:prstGeom prst="rect">
+            <a:avLst/>
+          </a:prstGeom>
+          <a:noFill/>
+        </p:spPr>
+        <p:txBody>
+          <a:bodyPr wrap="square" rtlCol="0">
+            <a:spAutoFit/>
+          </a:bodyPr>
+          <a:lstStyle/>
+          <a:p>
+            <a:r>
+              <a:rPr lang="en-US" dirty="0">
+                <a:solidFill>
+                  <a:srgbClr val="FF0000"/>
+                </a:solidFill>
+                <a:highlight>
+                  <a:srgbClr val="FFFF00"/>
+                </a:highlight>
+              </a:rPr>
+              <a:t>6</a:t>
+            </a:r>
+          </a:p>
+        </p:txBody>
+      </p:sp>
       <p:pic>
         <p:nvPicPr>
-          <p:cNvPr id="6" name="Picture 5">
-            <a:extLst>
-              <a:ext uri="{FF2B5EF4-FFF2-40B4-BE49-F238E27FC236}">
-                <a16:creationId xmlns:a16="http://schemas.microsoft.com/office/drawing/2014/main" id="{58F7F9BA-73FA-4EB7-B724-B7A13CF2BC75}"/>
+          <p:cNvPr id="15" name="Picture 14">
+            <a:extLst>
+              <a:ext uri="{FF2B5EF4-FFF2-40B4-BE49-F238E27FC236}">
+                <a16:creationId xmlns:a16="http://schemas.microsoft.com/office/drawing/2014/main" id="{DBCF2256-A40B-426D-AA98-651B5F147C0E}"/>
               </a:ext>
             </a:extLst>
           </p:cNvPr>
@@ -8007,8 +8344,8 @@
         </p:blipFill>
         <p:spPr>
           <a:xfrm>
-            <a:off x="10361221" y="3427251"/>
-            <a:ext cx="1474458" cy="3073269"/>
+            <a:off x="8684573" y="2418367"/>
+            <a:ext cx="2228049" cy="1846098"/>
           </a:xfrm>
           <a:prstGeom prst="rect">
             <a:avLst/>
@@ -8017,10 +8354,10 @@
       </p:pic>
       <p:pic>
         <p:nvPicPr>
-          <p:cNvPr id="8" name="Picture 7">
-            <a:extLst>
-              <a:ext uri="{FF2B5EF4-FFF2-40B4-BE49-F238E27FC236}">
-                <a16:creationId xmlns:a16="http://schemas.microsoft.com/office/drawing/2014/main" id="{EE72D4A4-B661-45A1-AA04-B86F5053B9B2}"/>
+          <p:cNvPr id="16" name="Picture 15">
+            <a:extLst>
+              <a:ext uri="{FF2B5EF4-FFF2-40B4-BE49-F238E27FC236}">
+                <a16:creationId xmlns:a16="http://schemas.microsoft.com/office/drawing/2014/main" id="{977419D2-A60A-4980-B525-746F04BBB888}"/>
               </a:ext>
             </a:extLst>
           </p:cNvPr>
@@ -8037,8 +8374,8 @@
         </p:blipFill>
         <p:spPr>
           <a:xfrm>
-            <a:off x="8833935" y="78777"/>
-            <a:ext cx="1866146" cy="3569429"/>
+            <a:off x="9072073" y="4419987"/>
+            <a:ext cx="2591337" cy="1907512"/>
           </a:xfrm>
           <a:prstGeom prst="rect">
             <a:avLst/>
@@ -8048,14 +8385,13 @@
     </p:spTree>
     <p:extLst>
       <p:ext uri="{BB962C8B-B14F-4D97-AF65-F5344CB8AC3E}">
-        <p14:creationId xmlns:p14="http://schemas.microsoft.com/office/powerpoint/2010/main" val="819711690"/>
+        <p14:creationId xmlns:p14="http://schemas.microsoft.com/office/powerpoint/2010/main" val="1105362944"/>
       </p:ext>
     </p:extLst>
   </p:cSld>
   <p:clrMapOvr>
     <a:masterClrMapping/>
   </p:clrMapOvr>
-  <p:transition/>
 </p:sld>
 </file>
 
@@ -8076,6 +8412,35 @@
           <a:chExt cx="0" cy="0"/>
         </a:xfrm>
       </p:grpSpPr>
+      <p:pic>
+        <p:nvPicPr>
+          <p:cNvPr id="10" name="Picture 9">
+            <a:extLst>
+              <a:ext uri="{FF2B5EF4-FFF2-40B4-BE49-F238E27FC236}">
+                <a16:creationId xmlns:a16="http://schemas.microsoft.com/office/drawing/2014/main" id="{497C74AC-CDDE-41D4-8E0C-47A736284F7C}"/>
+              </a:ext>
+            </a:extLst>
+          </p:cNvPr>
+          <p:cNvPicPr>
+            <a:picLocks noChangeAspect="1"/>
+          </p:cNvPicPr>
+          <p:nvPr/>
+        </p:nvPicPr>
+        <p:blipFill rotWithShape="1">
+          <a:blip r:embed="rId3"/>
+          <a:srcRect l="7913" t="2901" r="33478"/>
+          <a:stretch/>
+        </p:blipFill>
+        <p:spPr>
+          <a:xfrm>
+            <a:off x="3416410" y="1914382"/>
+            <a:ext cx="5359179" cy="4807093"/>
+          </a:xfrm>
+          <a:prstGeom prst="rect">
+            <a:avLst/>
+          </a:prstGeom>
+        </p:spPr>
+      </p:pic>
       <p:sp>
         <p:nvSpPr>
           <p:cNvPr id="2" name="Title 1"/>
@@ -8088,7 +8453,7 @@
         </p:nvSpPr>
         <p:spPr>
           <a:xfrm>
-            <a:off x="121381" y="259216"/>
+            <a:off x="701560" y="509942"/>
             <a:ext cx="7805099" cy="338554"/>
           </a:xfrm>
         </p:spPr>
@@ -8100,7 +8465,7 @@
           <a:p>
             <a:r>
               <a:rPr lang="en-US" dirty="0"/>
-              <a:t>Fig 10b</a:t>
+              <a:t>Fig 10a</a:t>
             </a:r>
           </a:p>
         </p:txBody>
@@ -8115,7 +8480,12 @@
             <p:ph type="sldNum" sz="quarter" idx="17"/>
           </p:nvPr>
         </p:nvSpPr>
-        <p:spPr/>
+        <p:spPr>
+          <a:xfrm>
+            <a:off x="8610600" y="6356350"/>
+            <a:ext cx="2743200" cy="365125"/>
+          </a:xfrm>
+        </p:spPr>
         <p:txBody>
           <a:bodyPr/>
           <a:lstStyle/>
@@ -8153,7 +8523,7 @@
         </p:nvCxnSpPr>
         <p:spPr>
           <a:xfrm flipV="1">
-            <a:off x="1608489" y="1913106"/>
+            <a:off x="4272566" y="2107373"/>
             <a:ext cx="1143703" cy="2"/>
           </a:xfrm>
           <a:prstGeom prst="line">
@@ -8197,6 +8567,545 @@
           <p:nvPr/>
         </p:nvPicPr>
         <p:blipFill rotWithShape="1">
+          <a:blip r:embed="rId4"/>
+          <a:srcRect l="-376" t="45325" r="97854" b="47342"/>
+          <a:stretch/>
+        </p:blipFill>
+        <p:spPr>
+          <a:xfrm>
+            <a:off x="2849284" y="3100772"/>
+            <a:ext cx="408101" cy="652959"/>
+          </a:xfrm>
+          <a:prstGeom prst="rect">
+            <a:avLst/>
+          </a:prstGeom>
+        </p:spPr>
+      </p:pic>
+      <p:cxnSp>
+        <p:nvCxnSpPr>
+          <p:cNvPr id="42" name="Straight Connector 41">
+            <a:extLst>
+              <a:ext uri="{FF2B5EF4-FFF2-40B4-BE49-F238E27FC236}">
+                <a16:creationId xmlns:a16="http://schemas.microsoft.com/office/drawing/2014/main" id="{4AB7C522-5718-4E5B-B0B6-0F575E7B572B}"/>
+              </a:ext>
+            </a:extLst>
+          </p:cNvPr>
+          <p:cNvCxnSpPr>
+            <a:cxnSpLocks/>
+          </p:cNvCxnSpPr>
+          <p:nvPr/>
+        </p:nvCxnSpPr>
+        <p:spPr>
+          <a:xfrm>
+            <a:off x="3416410" y="5882254"/>
+            <a:ext cx="681229" cy="89453"/>
+          </a:xfrm>
+          <a:prstGeom prst="line">
+            <a:avLst/>
+          </a:prstGeom>
+          <a:ln>
+            <a:solidFill>
+              <a:schemeClr val="tx1">
+                <a:lumMod val="50000"/>
+              </a:schemeClr>
+            </a:solidFill>
+          </a:ln>
+        </p:spPr>
+        <p:style>
+          <a:lnRef idx="1">
+            <a:schemeClr val="accent1"/>
+          </a:lnRef>
+          <a:fillRef idx="0">
+            <a:schemeClr val="accent1"/>
+          </a:fillRef>
+          <a:effectRef idx="0">
+            <a:schemeClr val="accent1"/>
+          </a:effectRef>
+          <a:fontRef idx="minor">
+            <a:schemeClr val="tx1"/>
+          </a:fontRef>
+        </p:style>
+      </p:cxnSp>
+      <p:cxnSp>
+        <p:nvCxnSpPr>
+          <p:cNvPr id="51" name="Straight Connector 50">
+            <a:extLst>
+              <a:ext uri="{FF2B5EF4-FFF2-40B4-BE49-F238E27FC236}">
+                <a16:creationId xmlns:a16="http://schemas.microsoft.com/office/drawing/2014/main" id="{289D2DB0-E3D0-4761-AE8A-0E92CD1C25D0}"/>
+              </a:ext>
+            </a:extLst>
+          </p:cNvPr>
+          <p:cNvCxnSpPr>
+            <a:cxnSpLocks/>
+          </p:cNvCxnSpPr>
+          <p:nvPr/>
+        </p:nvCxnSpPr>
+        <p:spPr>
+          <a:xfrm>
+            <a:off x="8402220" y="5479911"/>
+            <a:ext cx="104439" cy="346503"/>
+          </a:xfrm>
+          <a:prstGeom prst="line">
+            <a:avLst/>
+          </a:prstGeom>
+          <a:ln>
+            <a:solidFill>
+              <a:schemeClr val="tx1">
+                <a:lumMod val="50000"/>
+              </a:schemeClr>
+            </a:solidFill>
+          </a:ln>
+        </p:spPr>
+        <p:style>
+          <a:lnRef idx="1">
+            <a:schemeClr val="accent1"/>
+          </a:lnRef>
+          <a:fillRef idx="0">
+            <a:schemeClr val="accent1"/>
+          </a:fillRef>
+          <a:effectRef idx="0">
+            <a:schemeClr val="accent1"/>
+          </a:effectRef>
+          <a:fontRef idx="minor">
+            <a:schemeClr val="tx1"/>
+          </a:fontRef>
+        </p:style>
+      </p:cxnSp>
+      <p:pic>
+        <p:nvPicPr>
+          <p:cNvPr id="7" name="Picture 6">
+            <a:extLst>
+              <a:ext uri="{FF2B5EF4-FFF2-40B4-BE49-F238E27FC236}">
+                <a16:creationId xmlns:a16="http://schemas.microsoft.com/office/drawing/2014/main" id="{080E286B-AF01-4BC2-955C-F2C011ED12A1}"/>
+              </a:ext>
+            </a:extLst>
+          </p:cNvPr>
+          <p:cNvPicPr>
+            <a:picLocks noChangeAspect="1"/>
+          </p:cNvPicPr>
+          <p:nvPr/>
+        </p:nvPicPr>
+        <p:blipFill rotWithShape="1">
+          <a:blip r:embed="rId5"/>
+          <a:srcRect l="58850" t="22815" r="6941" b="14132"/>
+          <a:stretch/>
+        </p:blipFill>
+        <p:spPr>
+          <a:xfrm>
+            <a:off x="6502576" y="1902114"/>
+            <a:ext cx="2253404" cy="2248773"/>
+          </a:xfrm>
+          <a:prstGeom prst="rect">
+            <a:avLst/>
+          </a:prstGeom>
+          <a:ln>
+            <a:solidFill>
+              <a:schemeClr val="tx2"/>
+            </a:solidFill>
+          </a:ln>
+        </p:spPr>
+      </p:pic>
+      <p:sp>
+        <p:nvSpPr>
+          <p:cNvPr id="3" name="Rectangle 2">
+            <a:extLst>
+              <a:ext uri="{FF2B5EF4-FFF2-40B4-BE49-F238E27FC236}">
+                <a16:creationId xmlns:a16="http://schemas.microsoft.com/office/drawing/2014/main" id="{1950140E-C8EF-4056-B91D-FA2F750D3064}"/>
+              </a:ext>
+            </a:extLst>
+          </p:cNvPr>
+          <p:cNvSpPr/>
+          <p:nvPr/>
+        </p:nvSpPr>
+        <p:spPr>
+          <a:xfrm>
+            <a:off x="2410552" y="4249586"/>
+            <a:ext cx="1005858" cy="1632668"/>
+          </a:xfrm>
+          <a:prstGeom prst="rect">
+            <a:avLst/>
+          </a:prstGeom>
+          <a:noFill/>
+          <a:ln>
+            <a:solidFill>
+              <a:schemeClr val="tx1">
+                <a:lumMod val="50000"/>
+                <a:lumOff val="50000"/>
+              </a:schemeClr>
+            </a:solidFill>
+          </a:ln>
+        </p:spPr>
+        <p:style>
+          <a:lnRef idx="2">
+            <a:schemeClr val="accent1">
+              <a:shade val="50000"/>
+            </a:schemeClr>
+          </a:lnRef>
+          <a:fillRef idx="1">
+            <a:schemeClr val="accent1"/>
+          </a:fillRef>
+          <a:effectRef idx="0">
+            <a:schemeClr val="accent1"/>
+          </a:effectRef>
+          <a:fontRef idx="minor">
+            <a:schemeClr val="lt1"/>
+          </a:fontRef>
+        </p:style>
+        <p:txBody>
+          <a:bodyPr rtlCol="0" anchor="ctr"/>
+          <a:lstStyle/>
+          <a:p>
+            <a:pPr algn="ctr"/>
+            <a:endParaRPr lang="en-US"/>
+          </a:p>
+        </p:txBody>
+      </p:sp>
+      <p:sp>
+        <p:nvSpPr>
+          <p:cNvPr id="14" name="Rectangle 13">
+            <a:extLst>
+              <a:ext uri="{FF2B5EF4-FFF2-40B4-BE49-F238E27FC236}">
+                <a16:creationId xmlns:a16="http://schemas.microsoft.com/office/drawing/2014/main" id="{7B2FD56F-9E26-472D-B86E-505BF2457B92}"/>
+              </a:ext>
+            </a:extLst>
+          </p:cNvPr>
+          <p:cNvSpPr/>
+          <p:nvPr/>
+        </p:nvSpPr>
+        <p:spPr>
+          <a:xfrm>
+            <a:off x="5410927" y="1782611"/>
+            <a:ext cx="1005858" cy="1390650"/>
+          </a:xfrm>
+          <a:prstGeom prst="rect">
+            <a:avLst/>
+          </a:prstGeom>
+          <a:noFill/>
+          <a:ln>
+            <a:solidFill>
+              <a:srgbClr val="FFC000"/>
+            </a:solidFill>
+          </a:ln>
+        </p:spPr>
+        <p:style>
+          <a:lnRef idx="2">
+            <a:schemeClr val="accent1">
+              <a:shade val="50000"/>
+            </a:schemeClr>
+          </a:lnRef>
+          <a:fillRef idx="1">
+            <a:schemeClr val="accent1"/>
+          </a:fillRef>
+          <a:effectRef idx="0">
+            <a:schemeClr val="accent1"/>
+          </a:effectRef>
+          <a:fontRef idx="minor">
+            <a:schemeClr val="lt1"/>
+          </a:fontRef>
+        </p:style>
+        <p:txBody>
+          <a:bodyPr rtlCol="0" anchor="ctr"/>
+          <a:lstStyle/>
+          <a:p>
+            <a:pPr algn="ctr"/>
+            <a:endParaRPr lang="en-US"/>
+          </a:p>
+        </p:txBody>
+      </p:sp>
+      <p:sp>
+        <p:nvSpPr>
+          <p:cNvPr id="15" name="Rectangle 14">
+            <a:extLst>
+              <a:ext uri="{FF2B5EF4-FFF2-40B4-BE49-F238E27FC236}">
+                <a16:creationId xmlns:a16="http://schemas.microsoft.com/office/drawing/2014/main" id="{66D6801A-032D-44DE-BBA2-B28C5438E27C}"/>
+              </a:ext>
+            </a:extLst>
+          </p:cNvPr>
+          <p:cNvSpPr/>
+          <p:nvPr/>
+        </p:nvSpPr>
+        <p:spPr>
+          <a:xfrm>
+            <a:off x="7725502" y="4182911"/>
+            <a:ext cx="1005858" cy="1297000"/>
+          </a:xfrm>
+          <a:prstGeom prst="rect">
+            <a:avLst/>
+          </a:prstGeom>
+          <a:noFill/>
+          <a:ln>
+            <a:solidFill>
+              <a:srgbClr val="7030A0"/>
+            </a:solidFill>
+          </a:ln>
+        </p:spPr>
+        <p:style>
+          <a:lnRef idx="2">
+            <a:schemeClr val="accent1">
+              <a:shade val="50000"/>
+            </a:schemeClr>
+          </a:lnRef>
+          <a:fillRef idx="1">
+            <a:schemeClr val="accent1"/>
+          </a:fillRef>
+          <a:effectRef idx="0">
+            <a:schemeClr val="accent1"/>
+          </a:effectRef>
+          <a:fontRef idx="minor">
+            <a:schemeClr val="lt1"/>
+          </a:fontRef>
+        </p:style>
+        <p:txBody>
+          <a:bodyPr rtlCol="0" anchor="ctr"/>
+          <a:lstStyle/>
+          <a:p>
+            <a:pPr algn="ctr"/>
+            <a:endParaRPr lang="en-US"/>
+          </a:p>
+        </p:txBody>
+      </p:sp>
+      <p:pic>
+        <p:nvPicPr>
+          <p:cNvPr id="4" name="Picture 3">
+            <a:extLst>
+              <a:ext uri="{FF2B5EF4-FFF2-40B4-BE49-F238E27FC236}">
+                <a16:creationId xmlns:a16="http://schemas.microsoft.com/office/drawing/2014/main" id="{C0DEE0FA-ABC6-44C6-B6CC-B818584F2CF6}"/>
+              </a:ext>
+            </a:extLst>
+          </p:cNvPr>
+          <p:cNvPicPr>
+            <a:picLocks noChangeAspect="1"/>
+          </p:cNvPicPr>
+          <p:nvPr/>
+        </p:nvPicPr>
+        <p:blipFill>
+          <a:blip r:embed="rId6"/>
+          <a:stretch>
+            <a:fillRect/>
+          </a:stretch>
+        </p:blipFill>
+        <p:spPr>
+          <a:xfrm>
+            <a:off x="417085" y="2995749"/>
+            <a:ext cx="1655108" cy="3725726"/>
+          </a:xfrm>
+          <a:prstGeom prst="rect">
+            <a:avLst/>
+          </a:prstGeom>
+        </p:spPr>
+      </p:pic>
+      <p:pic>
+        <p:nvPicPr>
+          <p:cNvPr id="6" name="Picture 5">
+            <a:extLst>
+              <a:ext uri="{FF2B5EF4-FFF2-40B4-BE49-F238E27FC236}">
+                <a16:creationId xmlns:a16="http://schemas.microsoft.com/office/drawing/2014/main" id="{58F7F9BA-73FA-4EB7-B724-B7A13CF2BC75}"/>
+              </a:ext>
+            </a:extLst>
+          </p:cNvPr>
+          <p:cNvPicPr>
+            <a:picLocks noChangeAspect="1"/>
+          </p:cNvPicPr>
+          <p:nvPr/>
+        </p:nvPicPr>
+        <p:blipFill>
+          <a:blip r:embed="rId7"/>
+          <a:stretch>
+            <a:fillRect/>
+          </a:stretch>
+        </p:blipFill>
+        <p:spPr>
+          <a:xfrm>
+            <a:off x="10361221" y="3427251"/>
+            <a:ext cx="1474458" cy="3073269"/>
+          </a:xfrm>
+          <a:prstGeom prst="rect">
+            <a:avLst/>
+          </a:prstGeom>
+        </p:spPr>
+      </p:pic>
+      <p:pic>
+        <p:nvPicPr>
+          <p:cNvPr id="8" name="Picture 7">
+            <a:extLst>
+              <a:ext uri="{FF2B5EF4-FFF2-40B4-BE49-F238E27FC236}">
+                <a16:creationId xmlns:a16="http://schemas.microsoft.com/office/drawing/2014/main" id="{EE72D4A4-B661-45A1-AA04-B86F5053B9B2}"/>
+              </a:ext>
+            </a:extLst>
+          </p:cNvPr>
+          <p:cNvPicPr>
+            <a:picLocks noChangeAspect="1"/>
+          </p:cNvPicPr>
+          <p:nvPr/>
+        </p:nvPicPr>
+        <p:blipFill>
+          <a:blip r:embed="rId8"/>
+          <a:stretch>
+            <a:fillRect/>
+          </a:stretch>
+        </p:blipFill>
+        <p:spPr>
+          <a:xfrm>
+            <a:off x="8833935" y="78777"/>
+            <a:ext cx="1866146" cy="3569429"/>
+          </a:xfrm>
+          <a:prstGeom prst="rect">
+            <a:avLst/>
+          </a:prstGeom>
+        </p:spPr>
+      </p:pic>
+    </p:spTree>
+    <p:extLst>
+      <p:ext uri="{BB962C8B-B14F-4D97-AF65-F5344CB8AC3E}">
+        <p14:creationId xmlns:p14="http://schemas.microsoft.com/office/powerpoint/2010/main" val="819711690"/>
+      </p:ext>
+    </p:extLst>
+  </p:cSld>
+  <p:clrMapOvr>
+    <a:masterClrMapping/>
+  </p:clrMapOvr>
+  <p:transition/>
+</p:sld>
+</file>
+
+<file path=ppt/slides/slide15.xml><?xml version="1.0" encoding="utf-8"?>
+<p:sld xmlns:a="http://schemas.openxmlformats.org/drawingml/2006/main" xmlns:r="http://schemas.openxmlformats.org/officeDocument/2006/relationships" xmlns:p="http://schemas.openxmlformats.org/presentationml/2006/main">
+  <p:cSld>
+    <p:spTree>
+      <p:nvGrpSpPr>
+        <p:cNvPr id="1" name=""/>
+        <p:cNvGrpSpPr/>
+        <p:nvPr/>
+      </p:nvGrpSpPr>
+      <p:grpSpPr>
+        <a:xfrm>
+          <a:off x="0" y="0"/>
+          <a:ext cx="0" cy="0"/>
+          <a:chOff x="0" y="0"/>
+          <a:chExt cx="0" cy="0"/>
+        </a:xfrm>
+      </p:grpSpPr>
+      <p:sp>
+        <p:nvSpPr>
+          <p:cNvPr id="2" name="Title 1"/>
+          <p:cNvSpPr>
+            <a:spLocks noGrp="1"/>
+          </p:cNvSpPr>
+          <p:nvPr>
+            <p:ph type="title"/>
+          </p:nvPr>
+        </p:nvSpPr>
+        <p:spPr>
+          <a:xfrm>
+            <a:off x="121381" y="259216"/>
+            <a:ext cx="7805099" cy="338554"/>
+          </a:xfrm>
+        </p:spPr>
+        <p:txBody>
+          <a:bodyPr>
+            <a:normAutofit fontScale="90000"/>
+          </a:bodyPr>
+          <a:lstStyle/>
+          <a:p>
+            <a:r>
+              <a:rPr lang="en-US" dirty="0"/>
+              <a:t>Fig 10b</a:t>
+            </a:r>
+          </a:p>
+        </p:txBody>
+      </p:sp>
+      <p:sp>
+        <p:nvSpPr>
+          <p:cNvPr id="5" name="Slide Number Placeholder 4"/>
+          <p:cNvSpPr>
+            <a:spLocks noGrp="1"/>
+          </p:cNvSpPr>
+          <p:nvPr>
+            <p:ph type="sldNum" sz="quarter" idx="17"/>
+          </p:nvPr>
+        </p:nvSpPr>
+        <p:spPr/>
+        <p:txBody>
+          <a:bodyPr/>
+          <a:lstStyle/>
+          <a:p>
+            <a:fld id="{0A838F34-1B32-4019-A24D-EF473E6901BC}" type="slidenum">
+              <a:rPr lang="en-US" smtClean="0">
+                <a:solidFill>
+                  <a:srgbClr val="9A8B7D"/>
+                </a:solidFill>
+              </a:rPr>
+              <a:pPr/>
+              <a:t>15</a:t>
+            </a:fld>
+            <a:endParaRPr lang="en-US">
+              <a:solidFill>
+                <a:srgbClr val="9A8B7D"/>
+              </a:solidFill>
+            </a:endParaRPr>
+          </a:p>
+        </p:txBody>
+      </p:sp>
+      <p:cxnSp>
+        <p:nvCxnSpPr>
+          <p:cNvPr id="174081" name="Straight Connector 174080">
+            <a:extLst>
+              <a:ext uri="{FF2B5EF4-FFF2-40B4-BE49-F238E27FC236}">
+                <a16:creationId xmlns:a16="http://schemas.microsoft.com/office/drawing/2014/main" id="{21C181BB-6BFE-4304-98E5-36B39CF330BF}"/>
+              </a:ext>
+            </a:extLst>
+          </p:cNvPr>
+          <p:cNvCxnSpPr>
+            <a:cxnSpLocks/>
+          </p:cNvCxnSpPr>
+          <p:nvPr/>
+        </p:nvCxnSpPr>
+        <p:spPr>
+          <a:xfrm flipV="1">
+            <a:off x="1608489" y="1913106"/>
+            <a:ext cx="1143703" cy="2"/>
+          </a:xfrm>
+          <a:prstGeom prst="line">
+            <a:avLst/>
+          </a:prstGeom>
+          <a:ln>
+            <a:solidFill>
+              <a:schemeClr val="tx1">
+                <a:lumMod val="50000"/>
+              </a:schemeClr>
+            </a:solidFill>
+          </a:ln>
+        </p:spPr>
+        <p:style>
+          <a:lnRef idx="1">
+            <a:schemeClr val="accent1"/>
+          </a:lnRef>
+          <a:fillRef idx="0">
+            <a:schemeClr val="accent1"/>
+          </a:fillRef>
+          <a:effectRef idx="0">
+            <a:schemeClr val="accent1"/>
+          </a:effectRef>
+          <a:fontRef idx="minor">
+            <a:schemeClr val="tx1"/>
+          </a:fontRef>
+        </p:style>
+      </p:cxnSp>
+      <p:pic>
+        <p:nvPicPr>
+          <p:cNvPr id="41" name="Picture 40">
+            <a:extLst>
+              <a:ext uri="{FF2B5EF4-FFF2-40B4-BE49-F238E27FC236}">
+                <a16:creationId xmlns:a16="http://schemas.microsoft.com/office/drawing/2014/main" id="{268AAA76-884A-4E25-B277-C0EEACC4AAA7}"/>
+              </a:ext>
+            </a:extLst>
+          </p:cNvPr>
+          <p:cNvPicPr>
+            <a:picLocks noChangeAspect="1"/>
+          </p:cNvPicPr>
+          <p:nvPr/>
+        </p:nvPicPr>
+        <p:blipFill rotWithShape="1">
           <a:blip r:embed="rId3"/>
           <a:srcRect l="-376" t="45325" r="97854" b="47342"/>
           <a:stretch/>
@@ -8552,7 +9461,7 @@
 </p:sld>
 </file>
 
-<file path=ppt/slides/slide15.xml><?xml version="1.0" encoding="utf-8"?>
+<file path=ppt/slides/slide16.xml><?xml version="1.0" encoding="utf-8"?>
 <p:sld xmlns:a="http://schemas.openxmlformats.org/drawingml/2006/main" xmlns:r="http://schemas.openxmlformats.org/officeDocument/2006/relationships" xmlns:p="http://schemas.openxmlformats.org/presentationml/2006/main">
   <p:cSld>
     <p:spTree>
@@ -9778,40 +10687,12 @@
           <a:chExt cx="0" cy="0"/>
         </a:xfrm>
       </p:grpSpPr>
-      <p:sp>
-        <p:nvSpPr>
-          <p:cNvPr id="2" name="Title 1">
-            <a:extLst>
-              <a:ext uri="{FF2B5EF4-FFF2-40B4-BE49-F238E27FC236}">
-                <a16:creationId xmlns:a16="http://schemas.microsoft.com/office/drawing/2014/main" id="{2C2EB725-3E6D-4BE5-B6E9-4FCA6F6E729F}"/>
-              </a:ext>
-            </a:extLst>
-          </p:cNvPr>
-          <p:cNvSpPr>
-            <a:spLocks noGrp="1"/>
-          </p:cNvSpPr>
-          <p:nvPr>
-            <p:ph type="title"/>
-          </p:nvPr>
-        </p:nvSpPr>
-        <p:spPr/>
-        <p:txBody>
-          <a:bodyPr/>
-          <a:lstStyle/>
-          <a:p>
-            <a:r>
-              <a:rPr lang="en-US" dirty="0"/>
-              <a:t>Fig 4b</a:t>
-            </a:r>
-          </a:p>
-        </p:txBody>
-      </p:sp>
       <p:pic>
         <p:nvPicPr>
-          <p:cNvPr id="4" name="Picture 3">
-            <a:extLst>
-              <a:ext uri="{FF2B5EF4-FFF2-40B4-BE49-F238E27FC236}">
-                <a16:creationId xmlns:a16="http://schemas.microsoft.com/office/drawing/2014/main" id="{559115E6-FBF3-4889-81F7-B010B79491DB}"/>
+          <p:cNvPr id="6" name="Picture 5">
+            <a:extLst>
+              <a:ext uri="{FF2B5EF4-FFF2-40B4-BE49-F238E27FC236}">
+                <a16:creationId xmlns:a16="http://schemas.microsoft.com/office/drawing/2014/main" id="{5F803382-D7BE-44CF-94D9-B9C321A6683E}"/>
               </a:ext>
             </a:extLst>
           </p:cNvPr>
@@ -9828,14 +10709,49 @@
         </p:blipFill>
         <p:spPr>
           <a:xfrm>
-            <a:off x="59764" y="1728787"/>
-            <a:ext cx="9884336" cy="4367213"/>
+            <a:off x="500062" y="1042987"/>
+            <a:ext cx="11191875" cy="4772025"/>
           </a:xfrm>
           <a:prstGeom prst="rect">
             <a:avLst/>
           </a:prstGeom>
         </p:spPr>
       </p:pic>
+      <p:sp>
+        <p:nvSpPr>
+          <p:cNvPr id="2" name="Title 1">
+            <a:extLst>
+              <a:ext uri="{FF2B5EF4-FFF2-40B4-BE49-F238E27FC236}">
+                <a16:creationId xmlns:a16="http://schemas.microsoft.com/office/drawing/2014/main" id="{2C2EB725-3E6D-4BE5-B6E9-4FCA6F6E729F}"/>
+              </a:ext>
+            </a:extLst>
+          </p:cNvPr>
+          <p:cNvSpPr>
+            <a:spLocks noGrp="1"/>
+          </p:cNvSpPr>
+          <p:nvPr>
+            <p:ph type="title"/>
+          </p:nvPr>
+        </p:nvSpPr>
+        <p:spPr>
+          <a:xfrm>
+            <a:off x="838200" y="365126"/>
+            <a:ext cx="1537871" cy="677862"/>
+          </a:xfrm>
+        </p:spPr>
+        <p:txBody>
+          <a:bodyPr>
+            <a:normAutofit fontScale="90000"/>
+          </a:bodyPr>
+          <a:lstStyle/>
+          <a:p>
+            <a:r>
+              <a:rPr lang="en-US" dirty="0"/>
+              <a:t>Fig 4b</a:t>
+            </a:r>
+          </a:p>
+        </p:txBody>
+      </p:sp>
       <p:pic>
         <p:nvPicPr>
           <p:cNvPr id="3" name="Picture 2">
@@ -9850,20 +10766,24 @@
           </p:cNvPicPr>
           <p:nvPr/>
         </p:nvPicPr>
-        <p:blipFill>
+        <p:blipFill rotWithShape="1">
           <a:blip r:embed="rId3"/>
-          <a:stretch>
-            <a:fillRect/>
-          </a:stretch>
+          <a:srcRect l="6294" r="7458"/>
+          <a:stretch/>
         </p:blipFill>
         <p:spPr>
           <a:xfrm>
-            <a:off x="9160436" y="3912393"/>
-            <a:ext cx="2971800" cy="2333625"/>
+            <a:off x="1025237" y="1215592"/>
+            <a:ext cx="1537871" cy="1400175"/>
           </a:xfrm>
           <a:prstGeom prst="rect">
             <a:avLst/>
           </a:prstGeom>
+          <a:ln>
+            <a:solidFill>
+              <a:schemeClr val="tx1"/>
+            </a:solidFill>
+          </a:ln>
         </p:spPr>
       </p:pic>
       <p:pic>
@@ -9880,20 +10800,24 @@
           </p:cNvPicPr>
           <p:nvPr/>
         </p:nvPicPr>
-        <p:blipFill>
+        <p:blipFill rotWithShape="1">
           <a:blip r:embed="rId4"/>
-          <a:stretch>
-            <a:fillRect/>
-          </a:stretch>
+          <a:srcRect l="6675" r="4821"/>
+          <a:stretch/>
         </p:blipFill>
         <p:spPr>
           <a:xfrm>
-            <a:off x="9474115" y="488622"/>
-            <a:ext cx="2496110" cy="1885950"/>
+            <a:off x="5472545" y="1965904"/>
+            <a:ext cx="1593274" cy="1360170"/>
           </a:xfrm>
           <a:prstGeom prst="rect">
             <a:avLst/>
           </a:prstGeom>
+          <a:ln>
+            <a:solidFill>
+              <a:schemeClr val="tx1"/>
+            </a:solidFill>
+          </a:ln>
         </p:spPr>
       </p:pic>
     </p:spTree>

--- a/pres/Scaffold analytics figures to modify with chemical structures.pptx
+++ b/pres/Scaffold analytics figures to modify with chemical structures.pptx
@@ -5,7 +5,7 @@
     <p:sldMasterId id="2147483648" r:id="rId1"/>
   </p:sldMasterIdLst>
   <p:notesMasterIdLst>
-    <p:notesMasterId r:id="rId18"/>
+    <p:notesMasterId r:id="rId20"/>
   </p:notesMasterIdLst>
   <p:sldIdLst>
     <p:sldId id="256" r:id="rId2"/>
@@ -20,10 +20,12 @@
     <p:sldId id="308" r:id="rId11"/>
     <p:sldId id="262" r:id="rId12"/>
     <p:sldId id="279" r:id="rId13"/>
-    <p:sldId id="306" r:id="rId14"/>
-    <p:sldId id="280" r:id="rId15"/>
-    <p:sldId id="302" r:id="rId16"/>
-    <p:sldId id="307" r:id="rId17"/>
+    <p:sldId id="309" r:id="rId14"/>
+    <p:sldId id="310" r:id="rId15"/>
+    <p:sldId id="306" r:id="rId16"/>
+    <p:sldId id="280" r:id="rId17"/>
+    <p:sldId id="302" r:id="rId18"/>
+    <p:sldId id="307" r:id="rId19"/>
   </p:sldIdLst>
   <p:sldSz cx="12192000" cy="6858000"/>
   <p:notesSz cx="6858000" cy="9144000"/>
@@ -780,6 +782,96 @@
           <a:p>
             <a:r>
               <a:rPr lang="en-US" dirty="0"/>
+              <a:t>Backup?</a:t>
+            </a:r>
+          </a:p>
+        </p:txBody>
+      </p:sp>
+      <p:sp>
+        <p:nvSpPr>
+          <p:cNvPr id="4" name="Slide Number Placeholder 3"/>
+          <p:cNvSpPr>
+            <a:spLocks noGrp="1"/>
+          </p:cNvSpPr>
+          <p:nvPr>
+            <p:ph type="sldNum" sz="quarter" idx="10"/>
+          </p:nvPr>
+        </p:nvSpPr>
+        <p:spPr/>
+        <p:txBody>
+          <a:bodyPr/>
+          <a:lstStyle/>
+          <a:p>
+            <a:fld id="{4C8C9167-E136-4C18-8FF2-A53C2728C27B}" type="slidenum">
+              <a:rPr lang="en-US" smtClean="0"/>
+              <a:pPr/>
+              <a:t>13</a:t>
+            </a:fld>
+            <a:endParaRPr lang="en-US"/>
+          </a:p>
+        </p:txBody>
+      </p:sp>
+    </p:spTree>
+    <p:extLst>
+      <p:ext uri="{BB962C8B-B14F-4D97-AF65-F5344CB8AC3E}">
+        <p14:creationId xmlns:p14="http://schemas.microsoft.com/office/powerpoint/2010/main" val="1522427469"/>
+      </p:ext>
+    </p:extLst>
+  </p:cSld>
+  <p:clrMapOvr>
+    <a:masterClrMapping/>
+  </p:clrMapOvr>
+</p:notes>
+</file>
+
+<file path=ppt/notesSlides/notesSlide5.xml><?xml version="1.0" encoding="utf-8"?>
+<p:notes xmlns:a="http://schemas.openxmlformats.org/drawingml/2006/main" xmlns:r="http://schemas.openxmlformats.org/officeDocument/2006/relationships" xmlns:p="http://schemas.openxmlformats.org/presentationml/2006/main">
+  <p:cSld>
+    <p:spTree>
+      <p:nvGrpSpPr>
+        <p:cNvPr id="1" name=""/>
+        <p:cNvGrpSpPr/>
+        <p:nvPr/>
+      </p:nvGrpSpPr>
+      <p:grpSpPr>
+        <a:xfrm>
+          <a:off x="0" y="0"/>
+          <a:ext cx="0" cy="0"/>
+          <a:chOff x="0" y="0"/>
+          <a:chExt cx="0" cy="0"/>
+        </a:xfrm>
+      </p:grpSpPr>
+      <p:sp>
+        <p:nvSpPr>
+          <p:cNvPr id="2" name="Slide Image Placeholder 1"/>
+          <p:cNvSpPr>
+            <a:spLocks noGrp="1" noRot="1" noChangeAspect="1"/>
+          </p:cNvSpPr>
+          <p:nvPr>
+            <p:ph type="sldImg"/>
+          </p:nvPr>
+        </p:nvSpPr>
+        <p:spPr/>
+      </p:sp>
+      <p:sp>
+        <p:nvSpPr>
+          <p:cNvPr id="3" name="Notes Placeholder 2"/>
+          <p:cNvSpPr>
+            <a:spLocks noGrp="1"/>
+          </p:cNvSpPr>
+          <p:nvPr>
+            <p:ph type="body" idx="1"/>
+          </p:nvPr>
+        </p:nvSpPr>
+        <p:spPr/>
+        <p:txBody>
+          <a:bodyPr>
+            <a:normAutofit/>
+          </a:bodyPr>
+          <a:lstStyle/>
+          <a:p>
+            <a:r>
+              <a:rPr lang="en-US" dirty="0"/>
               <a:t>Stats:</a:t>
             </a:r>
           </a:p>
@@ -918,7 +1010,7 @@
                 </a:solidFill>
               </a:rPr>
               <a:pPr/>
-              <a:t>14</a:t>
+              <a:t>16</a:t>
             </a:fld>
             <a:endParaRPr lang="en-US">
               <a:solidFill>
@@ -941,7 +1033,7 @@
 </p:notes>
 </file>
 
-<file path=ppt/notesSlides/notesSlide5.xml><?xml version="1.0" encoding="utf-8"?>
+<file path=ppt/notesSlides/notesSlide6.xml><?xml version="1.0" encoding="utf-8"?>
 <p:notes xmlns:a="http://schemas.openxmlformats.org/drawingml/2006/main" xmlns:r="http://schemas.openxmlformats.org/officeDocument/2006/relationships" xmlns:p="http://schemas.openxmlformats.org/presentationml/2006/main">
   <p:cSld>
     <p:spTree>
@@ -6148,10 +6240,10 @@
       </p:grpSpPr>
       <p:pic>
         <p:nvPicPr>
-          <p:cNvPr id="3" name="Picture 2">
-            <a:extLst>
-              <a:ext uri="{FF2B5EF4-FFF2-40B4-BE49-F238E27FC236}">
-                <a16:creationId xmlns:a16="http://schemas.microsoft.com/office/drawing/2014/main" id="{BF584303-4717-48BB-A4FD-62EF788DA2A1}"/>
+          <p:cNvPr id="2" name="Picture 1">
+            <a:extLst>
+              <a:ext uri="{FF2B5EF4-FFF2-40B4-BE49-F238E27FC236}">
+                <a16:creationId xmlns:a16="http://schemas.microsoft.com/office/drawing/2014/main" id="{0F0EE99B-3CB9-4E1F-8A3F-5104FB2C2B23}"/>
               </a:ext>
             </a:extLst>
           </p:cNvPr>
@@ -6162,13 +6254,13 @@
         </p:nvPicPr>
         <p:blipFill rotWithShape="1">
           <a:blip r:embed="rId3"/>
-          <a:srcRect l="7113" r="17100" b="4090"/>
+          <a:srcRect l="4977" t="2445" r="14157"/>
           <a:stretch/>
         </p:blipFill>
         <p:spPr>
           <a:xfrm>
-            <a:off x="2203873" y="1583533"/>
-            <a:ext cx="6929934" cy="4482974"/>
+            <a:off x="273451" y="181432"/>
+            <a:ext cx="9859156" cy="6410483"/>
           </a:xfrm>
           <a:prstGeom prst="rect">
             <a:avLst/>
@@ -6183,8 +6275,8 @@
         </p:nvSpPr>
         <p:spPr>
           <a:xfrm>
-            <a:off x="9136913" y="1116420"/>
-            <a:ext cx="1329069" cy="461665"/>
+            <a:off x="10060544" y="546881"/>
+            <a:ext cx="1496140" cy="584775"/>
           </a:xfrm>
           <a:prstGeom prst="rect">
             <a:avLst/>
@@ -6203,7 +6295,7 @@
               </a:buClr>
             </a:pPr>
             <a:r>
-              <a:rPr lang="en-US" sz="1200" dirty="0">
+              <a:rPr lang="en-US" sz="1600" dirty="0">
                 <a:solidFill>
                   <a:srgbClr val="0070C0"/>
                 </a:solidFill>
@@ -6211,7 +6303,7 @@
               <a:t>Co-</a:t>
             </a:r>
             <a:r>
-              <a:rPr lang="en-US" sz="1200" dirty="0">
+              <a:rPr lang="en-US" sz="1600" dirty="0">
                 <a:solidFill>
                   <a:srgbClr val="D60093"/>
                 </a:solidFill>
@@ -6226,7 +6318,7 @@
               </a:buClr>
             </a:pPr>
             <a:r>
-              <a:rPr lang="en-US" sz="1200" dirty="0">
+              <a:rPr lang="en-US" sz="1600" dirty="0">
                 <a:solidFill>
                   <a:srgbClr val="00B050"/>
                 </a:solidFill>
@@ -6244,8 +6336,8 @@
         </p:nvSpPr>
         <p:spPr>
           <a:xfrm>
-            <a:off x="7853917" y="1651592"/>
-            <a:ext cx="1329069" cy="461665"/>
+            <a:off x="7593954" y="1471049"/>
+            <a:ext cx="1496140" cy="584775"/>
           </a:xfrm>
           <a:prstGeom prst="rect">
             <a:avLst/>
@@ -6264,14 +6356,14 @@
               </a:buClr>
             </a:pPr>
             <a:r>
-              <a:rPr lang="en-US" sz="1200" dirty="0">
+              <a:rPr lang="en-US" sz="1600" dirty="0">
                 <a:solidFill>
                   <a:srgbClr val="0070C0"/>
                 </a:solidFill>
               </a:rPr>
               <a:t>Scaffold 4719</a:t>
             </a:r>
-            <a:endParaRPr lang="en-US" sz="1200" dirty="0">
+            <a:endParaRPr lang="en-US" sz="1600" dirty="0">
               <a:solidFill>
                 <a:schemeClr val="accent5">
                   <a:lumMod val="60000"/>
@@ -6287,7 +6379,7 @@
               </a:buClr>
             </a:pPr>
             <a:r>
-              <a:rPr lang="en-US" sz="1200" dirty="0">
+              <a:rPr lang="en-US" sz="1600" dirty="0">
                 <a:solidFill>
                   <a:srgbClr val="00B050"/>
                 </a:solidFill>
@@ -6299,147 +6391,29 @@
       </p:sp>
       <p:sp>
         <p:nvSpPr>
-          <p:cNvPr id="9" name="TextBox 8"/>
-          <p:cNvSpPr txBox="1"/>
+          <p:cNvPr id="29" name="Oval 28">
+            <a:extLst>
+              <a:ext uri="{FF2B5EF4-FFF2-40B4-BE49-F238E27FC236}">
+                <a16:creationId xmlns:a16="http://schemas.microsoft.com/office/drawing/2014/main" id="{12A3982C-5D38-4583-BC50-40DC654FD093}"/>
+              </a:ext>
+            </a:extLst>
+          </p:cNvPr>
+          <p:cNvSpPr/>
           <p:nvPr/>
         </p:nvSpPr>
-        <p:spPr>
-          <a:xfrm>
-            <a:off x="6560288" y="1102244"/>
-            <a:ext cx="1598428" cy="461665"/>
-          </a:xfrm>
-          <a:prstGeom prst="rect">
+        <p:spPr bwMode="auto">
+          <a:xfrm>
+            <a:off x="8017516" y="5185343"/>
+            <a:ext cx="164592" cy="164592"/>
+          </a:xfrm>
+          <a:prstGeom prst="ellipse">
             <a:avLst/>
           </a:prstGeom>
           <a:noFill/>
-        </p:spPr>
-        <p:txBody>
-          <a:bodyPr wrap="square" rtlCol="0">
-            <a:spAutoFit/>
-          </a:bodyPr>
-          <a:lstStyle/>
-          <a:p>
-            <a:pPr marL="171450" indent="-171450">
-              <a:buClr>
-                <a:schemeClr val="tx1"/>
-              </a:buClr>
-            </a:pPr>
-            <a:r>
-              <a:rPr lang="en-US" sz="1200" dirty="0">
-                <a:solidFill>
-                  <a:srgbClr val="CCCC00"/>
-                </a:solidFill>
-              </a:rPr>
-              <a:t>Scaffold 978 alone</a:t>
-            </a:r>
-            <a:r>
-              <a:rPr lang="en-US" sz="1200" dirty="0">
-                <a:solidFill>
-                  <a:schemeClr val="accent4">
-                    <a:lumMod val="75000"/>
-                  </a:schemeClr>
-                </a:solidFill>
-              </a:rPr>
-              <a:t> </a:t>
-            </a:r>
-          </a:p>
-          <a:p>
-            <a:pPr marL="171450" indent="-171450">
-              <a:buClr>
-                <a:schemeClr val="tx1"/>
-              </a:buClr>
-            </a:pPr>
-            <a:r>
-              <a:rPr lang="en-US" sz="1200" dirty="0">
-                <a:solidFill>
-                  <a:schemeClr val="bg1">
-                    <a:lumMod val="50000"/>
-                  </a:schemeClr>
-                </a:solidFill>
-              </a:rPr>
-              <a:t>not highly active</a:t>
-            </a:r>
-          </a:p>
-        </p:txBody>
-      </p:sp>
-      <p:pic>
-        <p:nvPicPr>
-          <p:cNvPr id="10" name="Picture 5"/>
-          <p:cNvPicPr>
-            <a:picLocks noChangeAspect="1" noChangeArrowheads="1"/>
-          </p:cNvPicPr>
-          <p:nvPr/>
-        </p:nvPicPr>
-        <p:blipFill>
-          <a:blip r:embed="rId4" cstate="print"/>
-          <a:srcRect/>
-          <a:stretch>
-            <a:fillRect/>
-          </a:stretch>
-        </p:blipFill>
-        <p:spPr bwMode="auto">
-          <a:xfrm>
-            <a:off x="2604779" y="1623854"/>
-            <a:ext cx="2215314" cy="983556"/>
-          </a:xfrm>
-          <a:prstGeom prst="rect">
-            <a:avLst/>
-          </a:prstGeom>
-          <a:solidFill>
-            <a:schemeClr val="bg1"/>
-          </a:solidFill>
-          <a:ln w="9525">
-            <a:noFill/>
-            <a:miter lim="800000"/>
-            <a:headEnd/>
-            <a:tailEnd/>
-          </a:ln>
-          <a:effectLst/>
-        </p:spPr>
-      </p:pic>
-      <p:sp>
-        <p:nvSpPr>
-          <p:cNvPr id="11" name="Slide Number Placeholder 10"/>
-          <p:cNvSpPr>
-            <a:spLocks noGrp="1"/>
-          </p:cNvSpPr>
-          <p:nvPr>
-            <p:ph type="sldNum" sz="quarter" idx="12"/>
-          </p:nvPr>
-        </p:nvSpPr>
-        <p:spPr/>
-        <p:txBody>
-          <a:bodyPr/>
-          <a:lstStyle/>
-          <a:p>
-            <a:fld id="{FDC40351-2EB1-4AB4-A6D0-AB8EF40E804F}" type="slidenum">
-              <a:rPr lang="en-US" smtClean="0"/>
-              <a:pPr/>
-              <a:t>12</a:t>
-            </a:fld>
-            <a:endParaRPr lang="en-US"/>
-          </a:p>
-        </p:txBody>
-      </p:sp>
-      <p:sp>
-        <p:nvSpPr>
-          <p:cNvPr id="12" name="Right Arrow 11"/>
-          <p:cNvSpPr/>
-          <p:nvPr/>
-        </p:nvSpPr>
-        <p:spPr bwMode="auto">
-          <a:xfrm rot="5400000">
-            <a:off x="3490378" y="2355174"/>
-            <a:ext cx="431568" cy="233838"/>
-          </a:xfrm>
-          <a:prstGeom prst="rightArrow">
-            <a:avLst/>
-          </a:prstGeom>
-          <a:solidFill>
-            <a:schemeClr val="bg2"/>
-          </a:solidFill>
-          <a:ln>
-            <a:noFill/>
+          <a:ln w="28575">
+            <a:solidFill>
+              <a:srgbClr val="002060"/>
+            </a:solidFill>
             <a:headEnd/>
             <a:tailEnd/>
           </a:ln>
@@ -6486,22 +6460,981 @@
       </p:sp>
       <p:sp>
         <p:nvSpPr>
-          <p:cNvPr id="14" name="Oval 13"/>
+          <p:cNvPr id="6" name="Title 5">
+            <a:extLst>
+              <a:ext uri="{FF2B5EF4-FFF2-40B4-BE49-F238E27FC236}">
+                <a16:creationId xmlns:a16="http://schemas.microsoft.com/office/drawing/2014/main" id="{045F1D7B-FE6B-48DD-BC3A-72CCD1A68C2E}"/>
+              </a:ext>
+            </a:extLst>
+          </p:cNvPr>
+          <p:cNvSpPr>
+            <a:spLocks noGrp="1"/>
+          </p:cNvSpPr>
+          <p:nvPr>
+            <p:ph type="title"/>
+          </p:nvPr>
+        </p:nvSpPr>
+        <p:spPr>
+          <a:xfrm>
+            <a:off x="11556684" y="6623075"/>
+            <a:ext cx="635316" cy="234925"/>
+          </a:xfrm>
+        </p:spPr>
+        <p:txBody>
+          <a:bodyPr>
+            <a:noAutofit/>
+          </a:bodyPr>
+          <a:lstStyle/>
+          <a:p>
+            <a:r>
+              <a:rPr lang="en-US" sz="1800" dirty="0"/>
+              <a:t>Fig8</a:t>
+            </a:r>
+          </a:p>
+        </p:txBody>
+      </p:sp>
+      <p:pic>
+        <p:nvPicPr>
+          <p:cNvPr id="38" name="Picture 3" descr="http://images.sodahead.com/polls/003962351/5331458487_normal_ian_symbol_north_arrow_2_answer_1_xlarge.png">
+            <a:extLst>
+              <a:ext uri="{FF2B5EF4-FFF2-40B4-BE49-F238E27FC236}">
+                <a16:creationId xmlns:a16="http://schemas.microsoft.com/office/drawing/2014/main" id="{192EEE67-9D43-405E-875D-E66AF6B7483F}"/>
+              </a:ext>
+            </a:extLst>
+          </p:cNvPr>
+          <p:cNvPicPr>
+            <a:picLocks noChangeAspect="1" noChangeArrowheads="1"/>
+          </p:cNvPicPr>
+          <p:nvPr/>
+        </p:nvPicPr>
+        <p:blipFill>
+          <a:blip r:embed="rId4" cstate="screen"/>
+          <a:srcRect/>
+          <a:stretch>
+            <a:fillRect/>
+          </a:stretch>
+        </p:blipFill>
+        <p:spPr bwMode="auto">
+          <a:xfrm rot="7884797">
+            <a:off x="351569" y="5968189"/>
+            <a:ext cx="412111" cy="394343"/>
+          </a:xfrm>
+          <a:prstGeom prst="rect">
+            <a:avLst/>
+          </a:prstGeom>
+          <a:noFill/>
+        </p:spPr>
+      </p:pic>
+      <p:sp>
+        <p:nvSpPr>
+          <p:cNvPr id="40" name="5-Point Star 45">
+            <a:extLst>
+              <a:ext uri="{FF2B5EF4-FFF2-40B4-BE49-F238E27FC236}">
+                <a16:creationId xmlns:a16="http://schemas.microsoft.com/office/drawing/2014/main" id="{399D3292-58BB-43BD-B817-464F2D88A2D5}"/>
+              </a:ext>
+            </a:extLst>
+          </p:cNvPr>
           <p:cNvSpPr/>
           <p:nvPr/>
         </p:nvSpPr>
         <p:spPr bwMode="auto">
-          <a:xfrm rot="20240795">
-            <a:off x="3469879" y="1851533"/>
-            <a:ext cx="483510" cy="362685"/>
+          <a:xfrm>
+            <a:off x="8565467" y="5448743"/>
+            <a:ext cx="234461" cy="234462"/>
+          </a:xfrm>
+          <a:prstGeom prst="star5">
+            <a:avLst/>
+          </a:prstGeom>
+          <a:solidFill>
+            <a:srgbClr val="FF6600"/>
+          </a:solidFill>
+          <a:ln w="12700" cap="flat" cmpd="sng" algn="ctr">
+            <a:solidFill>
+              <a:srgbClr val="FFFF00"/>
+            </a:solidFill>
+            <a:prstDash val="solid"/>
+            <a:headEnd/>
+            <a:tailEnd/>
+          </a:ln>
+          <a:effectLst/>
+        </p:spPr>
+        <p:txBody>
+          <a:bodyPr rot="0" spcFirstLastPara="0" vertOverflow="overflow" horzOverflow="overflow" vert="horz" wrap="square" lIns="72000" tIns="72000" rIns="72000" bIns="72000" numCol="1" spcCol="0" rtlCol="0" fromWordArt="0" anchor="t" anchorCtr="0" forceAA="0" compatLnSpc="1">
+            <a:prstTxWarp prst="textNoShape">
+              <a:avLst/>
+            </a:prstTxWarp>
+            <a:noAutofit/>
+          </a:bodyPr>
+          <a:lstStyle/>
+          <a:p>
+            <a:pPr marL="180975" marR="0" lvl="0" indent="-180975" algn="ctr" defTabSz="914400" eaLnBrk="0" fontAlgn="auto" latinLnBrk="0" hangingPunct="0">
+              <a:lnSpc>
+                <a:spcPct val="100000"/>
+              </a:lnSpc>
+              <a:spcBef>
+                <a:spcPts val="0"/>
+              </a:spcBef>
+              <a:spcAft>
+                <a:spcPts val="0"/>
+              </a:spcAft>
+              <a:buClr>
+                <a:srgbClr val="FFFFFF"/>
+              </a:buClr>
+              <a:buSzTx/>
+              <a:buFont typeface="Arial" pitchFamily="34" charset="0"/>
+              <a:buChar char="–"/>
+              <a:tabLst/>
+              <a:defRPr/>
+            </a:pPr>
+            <a:endParaRPr kumimoji="0" lang="en-US" sz="1200" b="1" i="0" u="none" strike="noStrike" kern="0" cap="none" spc="0" normalizeH="0" baseline="0" noProof="0" dirty="0" err="1">
+              <a:ln>
+                <a:noFill/>
+              </a:ln>
+              <a:solidFill>
+                <a:srgbClr val="FFFFFF"/>
+              </a:solidFill>
+              <a:effectLst/>
+              <a:uLnTx/>
+              <a:uFillTx/>
+              <a:latin typeface="Arial"/>
+              <a:ea typeface="+mn-ea"/>
+              <a:cs typeface="+mn-cs"/>
+            </a:endParaRPr>
+          </a:p>
+        </p:txBody>
+      </p:sp>
+      <p:grpSp>
+        <p:nvGrpSpPr>
+          <p:cNvPr id="5" name="Group 4">
+            <a:extLst>
+              <a:ext uri="{FF2B5EF4-FFF2-40B4-BE49-F238E27FC236}">
+                <a16:creationId xmlns:a16="http://schemas.microsoft.com/office/drawing/2014/main" id="{08142383-4D94-4ECD-A1F9-8D35E17EF63E}"/>
+              </a:ext>
+            </a:extLst>
+          </p:cNvPr>
+          <p:cNvGrpSpPr/>
+          <p:nvPr/>
+        </p:nvGrpSpPr>
+        <p:grpSpPr>
+          <a:xfrm>
+            <a:off x="1687998" y="432274"/>
+            <a:ext cx="2968817" cy="1663733"/>
+            <a:chOff x="2021373" y="526936"/>
+            <a:chExt cx="2968817" cy="1663733"/>
+          </a:xfrm>
+        </p:grpSpPr>
+        <p:pic>
+          <p:nvPicPr>
+            <p:cNvPr id="41" name="Picture 40">
+              <a:extLst>
+                <a:ext uri="{FF2B5EF4-FFF2-40B4-BE49-F238E27FC236}">
+                  <a16:creationId xmlns:a16="http://schemas.microsoft.com/office/drawing/2014/main" id="{CC6B6144-3063-4DC8-AFFE-4DF39B8E0A63}"/>
+                </a:ext>
+              </a:extLst>
+            </p:cNvPr>
+            <p:cNvPicPr>
+              <a:picLocks noChangeAspect="1"/>
+            </p:cNvPicPr>
+            <p:nvPr/>
+          </p:nvPicPr>
+          <p:blipFill>
+            <a:blip r:embed="rId5"/>
+            <a:stretch>
+              <a:fillRect/>
+            </a:stretch>
+          </p:blipFill>
+          <p:spPr>
+            <a:xfrm>
+              <a:off x="2021373" y="526936"/>
+              <a:ext cx="2968817" cy="1663733"/>
+            </a:xfrm>
+            <a:prstGeom prst="rect">
+              <a:avLst/>
+            </a:prstGeom>
+          </p:spPr>
+        </p:pic>
+        <p:sp>
+          <p:nvSpPr>
+            <p:cNvPr id="14" name="Oval 13"/>
+            <p:cNvSpPr/>
+            <p:nvPr/>
+          </p:nvSpPr>
+          <p:spPr bwMode="auto">
+            <a:xfrm rot="20240795">
+              <a:off x="3210426" y="846140"/>
+              <a:ext cx="483510" cy="499241"/>
+            </a:xfrm>
+            <a:prstGeom prst="ellipse">
+              <a:avLst/>
+            </a:prstGeom>
+            <a:noFill/>
+            <a:ln w="19050">
+              <a:solidFill>
+                <a:srgbClr val="0070C0"/>
+              </a:solidFill>
+              <a:headEnd/>
+              <a:tailEnd/>
+            </a:ln>
+            <a:effectLst/>
+          </p:spPr>
+          <p:style>
+            <a:lnRef idx="1">
+              <a:schemeClr val="accent1"/>
+            </a:lnRef>
+            <a:fillRef idx="3">
+              <a:schemeClr val="accent1"/>
+            </a:fillRef>
+            <a:effectRef idx="2">
+              <a:schemeClr val="accent1"/>
+            </a:effectRef>
+            <a:fontRef idx="minor">
+              <a:schemeClr val="lt1"/>
+            </a:fontRef>
+          </p:style>
+          <p:txBody>
+            <a:bodyPr rot="0" spcFirstLastPara="0" vertOverflow="overflow" horzOverflow="overflow" vert="horz" wrap="square" lIns="72000" tIns="72000" rIns="72000" bIns="72000" numCol="1" spcCol="0" rtlCol="0" fromWordArt="0" anchor="t" anchorCtr="0" forceAA="0" compatLnSpc="1">
+              <a:prstTxWarp prst="textNoShape">
+                <a:avLst/>
+              </a:prstTxWarp>
+              <a:noAutofit/>
+            </a:bodyPr>
+            <a:lstStyle/>
+            <a:p>
+              <a:pPr marL="180975" indent="-180975" algn="ctr" eaLnBrk="0" hangingPunct="0">
+                <a:buClr>
+                  <a:schemeClr val="bg1"/>
+                </a:buClr>
+                <a:buFont typeface="Arial" pitchFamily="34" charset="0"/>
+                <a:buChar char="–"/>
+              </a:pPr>
+              <a:endParaRPr lang="en-US" sz="1200" b="1" kern="0" dirty="0" err="1">
+                <a:solidFill>
+                  <a:srgbClr val="FFFFFF"/>
+                </a:solidFill>
+                <a:latin typeface="Arial"/>
+              </a:endParaRPr>
+            </a:p>
+          </p:txBody>
+        </p:sp>
+        <p:sp>
+          <p:nvSpPr>
+            <p:cNvPr id="15" name="Oval 14"/>
+            <p:cNvSpPr/>
+            <p:nvPr/>
+          </p:nvSpPr>
+          <p:spPr bwMode="auto">
+            <a:xfrm>
+              <a:off x="4095750" y="530941"/>
+              <a:ext cx="819149" cy="523219"/>
+            </a:xfrm>
+            <a:prstGeom prst="ellipse">
+              <a:avLst/>
+            </a:prstGeom>
+            <a:noFill/>
+            <a:ln w="19050">
+              <a:solidFill>
+                <a:schemeClr val="accent4">
+                  <a:lumMod val="75000"/>
+                </a:schemeClr>
+              </a:solidFill>
+              <a:headEnd/>
+              <a:tailEnd/>
+            </a:ln>
+            <a:effectLst/>
+          </p:spPr>
+          <p:style>
+            <a:lnRef idx="1">
+              <a:schemeClr val="accent1"/>
+            </a:lnRef>
+            <a:fillRef idx="3">
+              <a:schemeClr val="accent1"/>
+            </a:fillRef>
+            <a:effectRef idx="2">
+              <a:schemeClr val="accent1"/>
+            </a:effectRef>
+            <a:fontRef idx="minor">
+              <a:schemeClr val="lt1"/>
+            </a:fontRef>
+          </p:style>
+          <p:txBody>
+            <a:bodyPr rot="0" spcFirstLastPara="0" vertOverflow="overflow" horzOverflow="overflow" vert="horz" wrap="square" lIns="72000" tIns="72000" rIns="72000" bIns="72000" numCol="1" spcCol="0" rtlCol="0" fromWordArt="0" anchor="t" anchorCtr="0" forceAA="0" compatLnSpc="1">
+              <a:prstTxWarp prst="textNoShape">
+                <a:avLst/>
+              </a:prstTxWarp>
+              <a:noAutofit/>
+            </a:bodyPr>
+            <a:lstStyle/>
+            <a:p>
+              <a:pPr marL="180975" indent="-180975" algn="ctr" eaLnBrk="0" hangingPunct="0">
+                <a:buClr>
+                  <a:schemeClr val="bg1"/>
+                </a:buClr>
+                <a:buFont typeface="Arial" pitchFamily="34" charset="0"/>
+                <a:buChar char="–"/>
+              </a:pPr>
+              <a:endParaRPr lang="en-US" sz="1200" b="1" kern="0" dirty="0" err="1">
+                <a:solidFill>
+                  <a:srgbClr val="FFC000"/>
+                </a:solidFill>
+                <a:latin typeface="Arial"/>
+              </a:endParaRPr>
+            </a:p>
+          </p:txBody>
+        </p:sp>
+        <p:sp>
+          <p:nvSpPr>
+            <p:cNvPr id="16" name="Oval 15"/>
+            <p:cNvSpPr/>
+            <p:nvPr/>
+          </p:nvSpPr>
+          <p:spPr bwMode="auto">
+            <a:xfrm rot="15049394">
+              <a:off x="3529066" y="215475"/>
+              <a:ext cx="687934" cy="1443133"/>
+            </a:xfrm>
+            <a:prstGeom prst="ellipse">
+              <a:avLst/>
+            </a:prstGeom>
+            <a:noFill/>
+            <a:ln w="19050">
+              <a:solidFill>
+                <a:srgbClr val="FF0066"/>
+              </a:solidFill>
+              <a:headEnd/>
+              <a:tailEnd/>
+            </a:ln>
+            <a:effectLst/>
+          </p:spPr>
+          <p:style>
+            <a:lnRef idx="1">
+              <a:schemeClr val="accent1"/>
+            </a:lnRef>
+            <a:fillRef idx="3">
+              <a:schemeClr val="accent1"/>
+            </a:fillRef>
+            <a:effectRef idx="2">
+              <a:schemeClr val="accent1"/>
+            </a:effectRef>
+            <a:fontRef idx="minor">
+              <a:schemeClr val="lt1"/>
+            </a:fontRef>
+          </p:style>
+          <p:txBody>
+            <a:bodyPr rot="0" spcFirstLastPara="0" vertOverflow="overflow" horzOverflow="overflow" vert="horz" wrap="square" lIns="72000" tIns="72000" rIns="72000" bIns="72000" numCol="1" spcCol="0" rtlCol="0" fromWordArt="0" anchor="t" anchorCtr="0" forceAA="0" compatLnSpc="1">
+              <a:prstTxWarp prst="textNoShape">
+                <a:avLst/>
+              </a:prstTxWarp>
+              <a:noAutofit/>
+            </a:bodyPr>
+            <a:lstStyle/>
+            <a:p>
+              <a:pPr marL="180975" indent="-180975" algn="ctr" eaLnBrk="0" hangingPunct="0">
+                <a:buClr>
+                  <a:schemeClr val="bg1"/>
+                </a:buClr>
+                <a:buFont typeface="Arial" pitchFamily="34" charset="0"/>
+                <a:buChar char="–"/>
+              </a:pPr>
+              <a:endParaRPr lang="en-US" sz="1200" b="1" kern="0" dirty="0" err="1">
+                <a:solidFill>
+                  <a:srgbClr val="FFFFFF"/>
+                </a:solidFill>
+                <a:latin typeface="Arial"/>
+              </a:endParaRPr>
+            </a:p>
+          </p:txBody>
+        </p:sp>
+        <p:sp>
+          <p:nvSpPr>
+            <p:cNvPr id="43" name="Right Arrow 20">
+              <a:extLst>
+                <a:ext uri="{FF2B5EF4-FFF2-40B4-BE49-F238E27FC236}">
+                  <a16:creationId xmlns:a16="http://schemas.microsoft.com/office/drawing/2014/main" id="{CC5CE671-4B23-4D70-9BEB-7966EFAB5C3D}"/>
+                </a:ext>
+              </a:extLst>
+            </p:cNvPr>
+            <p:cNvSpPr/>
+            <p:nvPr/>
+          </p:nvSpPr>
+          <p:spPr bwMode="auto">
+            <a:xfrm rot="5400000">
+              <a:off x="3407325" y="1668030"/>
+              <a:ext cx="431568" cy="233838"/>
+            </a:xfrm>
+            <a:prstGeom prst="rightArrow">
+              <a:avLst/>
+            </a:prstGeom>
+            <a:solidFill>
+              <a:srgbClr val="FF6600"/>
+            </a:solidFill>
+            <a:ln w="9525" cap="flat" cmpd="sng" algn="ctr">
+              <a:noFill/>
+              <a:prstDash val="solid"/>
+              <a:headEnd/>
+              <a:tailEnd/>
+            </a:ln>
+            <a:effectLst/>
+          </p:spPr>
+          <p:txBody>
+            <a:bodyPr rot="0" spcFirstLastPara="0" vertOverflow="overflow" horzOverflow="overflow" vert="horz" wrap="square" lIns="72000" tIns="72000" rIns="72000" bIns="72000" numCol="1" spcCol="0" rtlCol="0" fromWordArt="0" anchor="t" anchorCtr="0" forceAA="0" compatLnSpc="1">
+              <a:prstTxWarp prst="textNoShape">
+                <a:avLst/>
+              </a:prstTxWarp>
+              <a:noAutofit/>
+            </a:bodyPr>
+            <a:lstStyle/>
+            <a:p>
+              <a:pPr marL="180975" marR="0" lvl="0" indent="-180975" algn="ctr" defTabSz="914400" eaLnBrk="0" fontAlgn="auto" latinLnBrk="0" hangingPunct="0">
+                <a:lnSpc>
+                  <a:spcPct val="100000"/>
+                </a:lnSpc>
+                <a:spcBef>
+                  <a:spcPts val="0"/>
+                </a:spcBef>
+                <a:spcAft>
+                  <a:spcPts val="0"/>
+                </a:spcAft>
+                <a:buClr>
+                  <a:srgbClr val="FFFFFF"/>
+                </a:buClr>
+                <a:buSzTx/>
+                <a:buFont typeface="Arial" pitchFamily="34" charset="0"/>
+                <a:buChar char="–"/>
+                <a:tabLst/>
+                <a:defRPr/>
+              </a:pPr>
+              <a:endParaRPr kumimoji="0" lang="en-US" sz="1200" b="1" i="0" u="none" strike="noStrike" kern="0" cap="none" spc="0" normalizeH="0" baseline="0" noProof="0" dirty="0" err="1">
+                <a:ln>
+                  <a:noFill/>
+                </a:ln>
+                <a:solidFill>
+                  <a:srgbClr val="FFFFFF"/>
+                </a:solidFill>
+                <a:effectLst/>
+                <a:uLnTx/>
+                <a:uFillTx/>
+                <a:latin typeface="Arial"/>
+                <a:ea typeface="+mn-ea"/>
+                <a:cs typeface="+mn-cs"/>
+              </a:endParaRPr>
+            </a:p>
+          </p:txBody>
+        </p:sp>
+      </p:grpSp>
+      <p:pic>
+        <p:nvPicPr>
+          <p:cNvPr id="27" name="Picture 26">
+            <a:extLst>
+              <a:ext uri="{FF2B5EF4-FFF2-40B4-BE49-F238E27FC236}">
+                <a16:creationId xmlns:a16="http://schemas.microsoft.com/office/drawing/2014/main" id="{F192E7D6-0878-4FC2-83D3-02A1B3E4A4B1}"/>
+              </a:ext>
+            </a:extLst>
+          </p:cNvPr>
+          <p:cNvPicPr>
+            <a:picLocks noChangeAspect="1"/>
+          </p:cNvPicPr>
+          <p:nvPr/>
+        </p:nvPicPr>
+        <p:blipFill rotWithShape="1">
+          <a:blip r:embed="rId6"/>
+          <a:srcRect l="85931" t="37005" r="2232" b="13447"/>
+          <a:stretch/>
+        </p:blipFill>
+        <p:spPr>
+          <a:xfrm>
+            <a:off x="571031" y="672298"/>
+            <a:ext cx="1082441" cy="2315929"/>
+          </a:xfrm>
+          <a:prstGeom prst="rect">
+            <a:avLst/>
+          </a:prstGeom>
+          <a:ln>
+            <a:solidFill>
+              <a:schemeClr val="bg1">
+                <a:lumMod val="65000"/>
+              </a:schemeClr>
+            </a:solidFill>
+          </a:ln>
+        </p:spPr>
+      </p:pic>
+      <p:grpSp>
+        <p:nvGrpSpPr>
+          <p:cNvPr id="52" name="Group 51">
+            <a:extLst>
+              <a:ext uri="{FF2B5EF4-FFF2-40B4-BE49-F238E27FC236}">
+                <a16:creationId xmlns:a16="http://schemas.microsoft.com/office/drawing/2014/main" id="{8C48E047-08E7-4031-88A7-28DD476FA823}"/>
+              </a:ext>
+            </a:extLst>
+          </p:cNvPr>
+          <p:cNvGrpSpPr/>
+          <p:nvPr/>
+        </p:nvGrpSpPr>
+        <p:grpSpPr>
+          <a:xfrm>
+            <a:off x="4611519" y="511115"/>
+            <a:ext cx="2737049" cy="3940370"/>
+            <a:chOff x="4811544" y="738539"/>
+            <a:chExt cx="2737049" cy="3940370"/>
+          </a:xfrm>
+        </p:grpSpPr>
+        <p:sp>
+          <p:nvSpPr>
+            <p:cNvPr id="13" name="Rectangle 12">
+              <a:extLst>
+                <a:ext uri="{FF2B5EF4-FFF2-40B4-BE49-F238E27FC236}">
+                  <a16:creationId xmlns:a16="http://schemas.microsoft.com/office/drawing/2014/main" id="{741E54B0-FE32-4A06-8474-FE405AABE83A}"/>
+                </a:ext>
+              </a:extLst>
+            </p:cNvPr>
+            <p:cNvSpPr/>
+            <p:nvPr/>
+          </p:nvSpPr>
+          <p:spPr>
+            <a:xfrm>
+              <a:off x="4833976" y="1336764"/>
+              <a:ext cx="2714617" cy="3187612"/>
+            </a:xfrm>
+            <a:prstGeom prst="rect">
+              <a:avLst/>
+            </a:prstGeom>
+            <a:solidFill>
+              <a:schemeClr val="bg1"/>
+            </a:solidFill>
+            <a:ln>
+              <a:solidFill>
+                <a:schemeClr val="tx1"/>
+              </a:solidFill>
+            </a:ln>
+          </p:spPr>
+          <p:style>
+            <a:lnRef idx="2">
+              <a:schemeClr val="accent1">
+                <a:shade val="50000"/>
+              </a:schemeClr>
+            </a:lnRef>
+            <a:fillRef idx="1">
+              <a:schemeClr val="accent1"/>
+            </a:fillRef>
+            <a:effectRef idx="0">
+              <a:schemeClr val="accent1"/>
+            </a:effectRef>
+            <a:fontRef idx="minor">
+              <a:schemeClr val="lt1"/>
+            </a:fontRef>
+          </p:style>
+          <p:txBody>
+            <a:bodyPr rtlCol="0" anchor="ctr"/>
+            <a:lstStyle/>
+            <a:p>
+              <a:pPr algn="ctr"/>
+              <a:endParaRPr lang="en-US"/>
+            </a:p>
+          </p:txBody>
+        </p:sp>
+        <p:sp>
+          <p:nvSpPr>
+            <p:cNvPr id="9" name="TextBox 8"/>
+            <p:cNvSpPr txBox="1"/>
+            <p:nvPr/>
+          </p:nvSpPr>
+          <p:spPr>
+            <a:xfrm>
+              <a:off x="4911313" y="738539"/>
+              <a:ext cx="1819483" cy="584775"/>
+            </a:xfrm>
+            <a:prstGeom prst="rect">
+              <a:avLst/>
+            </a:prstGeom>
+            <a:noFill/>
+          </p:spPr>
+          <p:txBody>
+            <a:bodyPr wrap="square" rtlCol="0">
+              <a:spAutoFit/>
+            </a:bodyPr>
+            <a:lstStyle/>
+            <a:p>
+              <a:pPr marL="171450" indent="-171450">
+                <a:buClr>
+                  <a:schemeClr val="tx1"/>
+                </a:buClr>
+              </a:pPr>
+              <a:r>
+                <a:rPr lang="en-US" sz="1600" dirty="0">
+                  <a:solidFill>
+                    <a:srgbClr val="CCCC00"/>
+                  </a:solidFill>
+                </a:rPr>
+                <a:t>Scaffold 978 alone</a:t>
+              </a:r>
+              <a:r>
+                <a:rPr lang="en-US" sz="1600" dirty="0">
+                  <a:solidFill>
+                    <a:schemeClr val="accent4">
+                      <a:lumMod val="75000"/>
+                    </a:schemeClr>
+                  </a:solidFill>
+                </a:rPr>
+                <a:t> </a:t>
+              </a:r>
+            </a:p>
+            <a:p>
+              <a:pPr marL="171450" indent="-171450">
+                <a:buClr>
+                  <a:schemeClr val="tx1"/>
+                </a:buClr>
+              </a:pPr>
+              <a:r>
+                <a:rPr lang="en-US" sz="1600" dirty="0">
+                  <a:solidFill>
+                    <a:schemeClr val="bg1">
+                      <a:lumMod val="50000"/>
+                    </a:schemeClr>
+                  </a:solidFill>
+                </a:rPr>
+                <a:t>not highly active</a:t>
+              </a:r>
+            </a:p>
+          </p:txBody>
+        </p:sp>
+        <p:pic>
+          <p:nvPicPr>
+            <p:cNvPr id="44" name="Picture 43">
+              <a:extLst>
+                <a:ext uri="{FF2B5EF4-FFF2-40B4-BE49-F238E27FC236}">
+                  <a16:creationId xmlns:a16="http://schemas.microsoft.com/office/drawing/2014/main" id="{24CAEB35-FE6D-4824-81F1-FEDF4FDF8499}"/>
+                </a:ext>
+              </a:extLst>
+            </p:cNvPr>
+            <p:cNvPicPr>
+              <a:picLocks noChangeAspect="1"/>
+            </p:cNvPicPr>
+            <p:nvPr/>
+          </p:nvPicPr>
+          <p:blipFill>
+            <a:blip r:embed="rId7"/>
+            <a:stretch>
+              <a:fillRect/>
+            </a:stretch>
+          </p:blipFill>
+          <p:spPr>
+            <a:xfrm>
+              <a:off x="4866648" y="1368289"/>
+              <a:ext cx="1835625" cy="1312001"/>
+            </a:xfrm>
+            <a:prstGeom prst="rect">
+              <a:avLst/>
+            </a:prstGeom>
+          </p:spPr>
+        </p:pic>
+        <p:pic>
+          <p:nvPicPr>
+            <p:cNvPr id="45" name="Picture 44">
+              <a:extLst>
+                <a:ext uri="{FF2B5EF4-FFF2-40B4-BE49-F238E27FC236}">
+                  <a16:creationId xmlns:a16="http://schemas.microsoft.com/office/drawing/2014/main" id="{F92A23B3-28B1-434A-84FE-20B056C9F309}"/>
+                </a:ext>
+              </a:extLst>
+            </p:cNvPr>
+            <p:cNvPicPr>
+              <a:picLocks noChangeAspect="1"/>
+            </p:cNvPicPr>
+            <p:nvPr/>
+          </p:nvPicPr>
+          <p:blipFill>
+            <a:blip r:embed="rId8"/>
+            <a:stretch>
+              <a:fillRect/>
+            </a:stretch>
+          </p:blipFill>
+          <p:spPr>
+            <a:xfrm>
+              <a:off x="4881601" y="3031826"/>
+              <a:ext cx="2627471" cy="1487329"/>
+            </a:xfrm>
+            <a:prstGeom prst="rect">
+              <a:avLst/>
+            </a:prstGeom>
+          </p:spPr>
+        </p:pic>
+        <p:cxnSp>
+          <p:nvCxnSpPr>
+            <p:cNvPr id="47" name="Straight Connector 46">
+              <a:extLst>
+                <a:ext uri="{FF2B5EF4-FFF2-40B4-BE49-F238E27FC236}">
+                  <a16:creationId xmlns:a16="http://schemas.microsoft.com/office/drawing/2014/main" id="{03608FFC-651B-4837-B8D3-EE4175C53DE3}"/>
+                </a:ext>
+              </a:extLst>
+            </p:cNvPr>
+            <p:cNvCxnSpPr>
+              <a:cxnSpLocks/>
+            </p:cNvCxnSpPr>
+            <p:nvPr/>
+          </p:nvCxnSpPr>
+          <p:spPr>
+            <a:xfrm>
+              <a:off x="4833976" y="2994383"/>
+              <a:ext cx="2714617" cy="0"/>
+            </a:xfrm>
+            <a:prstGeom prst="line">
+              <a:avLst/>
+            </a:prstGeom>
+            <a:ln>
+              <a:solidFill>
+                <a:schemeClr val="tx1"/>
+              </a:solidFill>
+            </a:ln>
+          </p:spPr>
+          <p:style>
+            <a:lnRef idx="1">
+              <a:schemeClr val="accent1"/>
+            </a:lnRef>
+            <a:fillRef idx="0">
+              <a:schemeClr val="accent1"/>
+            </a:fillRef>
+            <a:effectRef idx="0">
+              <a:schemeClr val="accent1"/>
+            </a:effectRef>
+            <a:fontRef idx="minor">
+              <a:schemeClr val="tx1"/>
+            </a:fontRef>
+          </p:style>
+        </p:cxnSp>
+        <p:sp>
+          <p:nvSpPr>
+            <p:cNvPr id="46" name="TextBox 45">
+              <a:extLst>
+                <a:ext uri="{FF2B5EF4-FFF2-40B4-BE49-F238E27FC236}">
+                  <a16:creationId xmlns:a16="http://schemas.microsoft.com/office/drawing/2014/main" id="{4536937C-F5BA-4AF1-B8C9-B0C9DC87EA9F}"/>
+                </a:ext>
+              </a:extLst>
+            </p:cNvPr>
+            <p:cNvSpPr txBox="1"/>
+            <p:nvPr/>
+          </p:nvSpPr>
+          <p:spPr>
+            <a:xfrm>
+              <a:off x="4869174" y="4162423"/>
+              <a:ext cx="1133871" cy="338554"/>
+            </a:xfrm>
+            <a:prstGeom prst="rect">
+              <a:avLst/>
+            </a:prstGeom>
+            <a:noFill/>
+          </p:spPr>
+          <p:txBody>
+            <a:bodyPr wrap="square" rtlCol="0">
+              <a:spAutoFit/>
+            </a:bodyPr>
+            <a:lstStyle/>
+            <a:p>
+              <a:r>
+                <a:rPr lang="en-US" sz="1600" dirty="0"/>
+                <a:t>ID: 529200</a:t>
+              </a:r>
+            </a:p>
+          </p:txBody>
+        </p:sp>
+        <p:sp>
+          <p:nvSpPr>
+            <p:cNvPr id="4" name="Oval 3">
+              <a:extLst>
+                <a:ext uri="{FF2B5EF4-FFF2-40B4-BE49-F238E27FC236}">
+                  <a16:creationId xmlns:a16="http://schemas.microsoft.com/office/drawing/2014/main" id="{3477CB14-8C3B-49D9-9840-566F8B36F630}"/>
+                </a:ext>
+              </a:extLst>
+            </p:cNvPr>
+            <p:cNvSpPr/>
+            <p:nvPr/>
+          </p:nvSpPr>
+          <p:spPr bwMode="auto">
+            <a:xfrm>
+              <a:off x="6395155" y="4532605"/>
+              <a:ext cx="146304" cy="146304"/>
+            </a:xfrm>
+            <a:prstGeom prst="ellipse">
+              <a:avLst/>
+            </a:prstGeom>
+            <a:noFill/>
+            <a:ln w="28575">
+              <a:solidFill>
+                <a:srgbClr val="002060"/>
+              </a:solidFill>
+              <a:headEnd/>
+              <a:tailEnd/>
+            </a:ln>
+            <a:effectLst/>
+          </p:spPr>
+          <p:style>
+            <a:lnRef idx="1">
+              <a:schemeClr val="accent1"/>
+            </a:lnRef>
+            <a:fillRef idx="3">
+              <a:schemeClr val="accent1"/>
+            </a:fillRef>
+            <a:effectRef idx="2">
+              <a:schemeClr val="accent1"/>
+            </a:effectRef>
+            <a:fontRef idx="minor">
+              <a:schemeClr val="lt1"/>
+            </a:fontRef>
+          </p:style>
+          <p:txBody>
+            <a:bodyPr rot="0" spcFirstLastPara="0" vertOverflow="overflow" horzOverflow="overflow" vert="horz" wrap="square" lIns="72000" tIns="72000" rIns="72000" bIns="72000" numCol="1" spcCol="0" rtlCol="0" fromWordArt="0" anchor="t" anchorCtr="0" forceAA="0" compatLnSpc="1">
+              <a:prstTxWarp prst="textNoShape">
+                <a:avLst/>
+              </a:prstTxWarp>
+              <a:noAutofit/>
+            </a:bodyPr>
+            <a:lstStyle/>
+            <a:p>
+              <a:pPr marL="180975" indent="-180975" algn="ctr" eaLnBrk="0" hangingPunct="0">
+                <a:buClr>
+                  <a:schemeClr val="bg1"/>
+                </a:buClr>
+                <a:buFont typeface="Arial" pitchFamily="34" charset="0"/>
+                <a:buChar char="–"/>
+              </a:pPr>
+              <a:endParaRPr lang="en-US" sz="1200" b="1" kern="0" dirty="0" err="1">
+                <a:solidFill>
+                  <a:srgbClr val="FFFFFF"/>
+                </a:solidFill>
+                <a:latin typeface="Arial"/>
+              </a:endParaRPr>
+            </a:p>
+          </p:txBody>
+        </p:sp>
+        <p:sp>
+          <p:nvSpPr>
+            <p:cNvPr id="48" name="TextBox 47">
+              <a:extLst>
+                <a:ext uri="{FF2B5EF4-FFF2-40B4-BE49-F238E27FC236}">
+                  <a16:creationId xmlns:a16="http://schemas.microsoft.com/office/drawing/2014/main" id="{0F671594-98CB-4FAC-9214-2546A449F6A0}"/>
+                </a:ext>
+              </a:extLst>
+            </p:cNvPr>
+            <p:cNvSpPr txBox="1"/>
+            <p:nvPr/>
+          </p:nvSpPr>
+          <p:spPr>
+            <a:xfrm>
+              <a:off x="4811544" y="2669172"/>
+              <a:ext cx="1758809" cy="338554"/>
+            </a:xfrm>
+            <a:prstGeom prst="rect">
+              <a:avLst/>
+            </a:prstGeom>
+            <a:noFill/>
+          </p:spPr>
+          <p:txBody>
+            <a:bodyPr wrap="square" rtlCol="0">
+              <a:spAutoFit/>
+            </a:bodyPr>
+            <a:lstStyle/>
+            <a:p>
+              <a:r>
+                <a:rPr lang="en-US" sz="1600" dirty="0"/>
+                <a:t>SCAFFOLD_ID: 978</a:t>
+              </a:r>
+            </a:p>
+          </p:txBody>
+        </p:sp>
+      </p:grpSp>
+      <p:sp>
+        <p:nvSpPr>
+          <p:cNvPr id="25" name="TextBox 24"/>
+          <p:cNvSpPr txBox="1"/>
+          <p:nvPr/>
+        </p:nvSpPr>
+        <p:spPr>
+          <a:xfrm>
+            <a:off x="516781" y="132901"/>
+            <a:ext cx="2526073" cy="523220"/>
+          </a:xfrm>
+          <a:prstGeom prst="rect">
+            <a:avLst/>
+          </a:prstGeom>
+          <a:solidFill>
+            <a:schemeClr val="bg1"/>
+          </a:solidFill>
+        </p:spPr>
+        <p:txBody>
+          <a:bodyPr wrap="square" rtlCol="0">
+            <a:spAutoFit/>
+          </a:bodyPr>
+          <a:lstStyle/>
+          <a:p>
+            <a:pPr marL="171450" indent="-171450">
+              <a:buClr>
+                <a:schemeClr val="tx1"/>
+              </a:buClr>
+            </a:pPr>
+            <a:r>
+              <a:rPr lang="en-US" sz="1400" dirty="0"/>
+              <a:t>Each </a:t>
+            </a:r>
+            <a:r>
+              <a:rPr lang="en-US" sz="1400" u="sng" dirty="0"/>
+              <a:t>pie</a:t>
+            </a:r>
+            <a:r>
+              <a:rPr lang="en-US" sz="1400" dirty="0"/>
+              <a:t> is one </a:t>
+            </a:r>
+            <a:r>
+              <a:rPr lang="en-US" sz="1400" i="1" dirty="0"/>
+              <a:t>compound</a:t>
+            </a:r>
+          </a:p>
+          <a:p>
+            <a:pPr marL="171450" indent="-171450">
+              <a:buClr>
+                <a:schemeClr val="tx1"/>
+              </a:buClr>
+            </a:pPr>
+            <a:r>
+              <a:rPr lang="en-US" sz="1400" dirty="0"/>
+              <a:t>Each </a:t>
+            </a:r>
+            <a:r>
+              <a:rPr lang="en-US" sz="1400" u="sng" dirty="0"/>
+              <a:t>sector/color</a:t>
+            </a:r>
+            <a:r>
+              <a:rPr lang="en-US" sz="1400" dirty="0"/>
+              <a:t> is one </a:t>
+            </a:r>
+            <a:r>
+              <a:rPr lang="en-US" sz="1400" i="1" dirty="0"/>
+              <a:t>scaffold</a:t>
+            </a:r>
+            <a:endParaRPr lang="en-US" sz="1400" dirty="0"/>
+          </a:p>
+        </p:txBody>
+      </p:sp>
+      <p:sp>
+        <p:nvSpPr>
+          <p:cNvPr id="30" name="Oval 29">
+            <a:extLst>
+              <a:ext uri="{FF2B5EF4-FFF2-40B4-BE49-F238E27FC236}">
+                <a16:creationId xmlns:a16="http://schemas.microsoft.com/office/drawing/2014/main" id="{467304A6-828F-4451-BF8A-3127EC47ED43}"/>
+              </a:ext>
+            </a:extLst>
+          </p:cNvPr>
+          <p:cNvSpPr/>
+          <p:nvPr/>
+        </p:nvSpPr>
+        <p:spPr bwMode="auto">
+          <a:xfrm>
+            <a:off x="9845077" y="4215531"/>
+            <a:ext cx="146304" cy="146304"/>
           </a:xfrm>
           <a:prstGeom prst="ellipse">
             <a:avLst/>
           </a:prstGeom>
           <a:noFill/>
-          <a:ln w="19050">
+          <a:ln w="28575">
             <a:solidFill>
-              <a:srgbClr val="0070C0"/>
+              <a:srgbClr val="002060"/>
             </a:solidFill>
             <a:headEnd/>
             <a:tailEnd/>
@@ -6547,207 +7480,310 @@
           </a:p>
         </p:txBody>
       </p:sp>
-      <p:sp>
-        <p:nvSpPr>
-          <p:cNvPr id="15" name="Oval 14"/>
-          <p:cNvSpPr/>
+      <p:grpSp>
+        <p:nvGrpSpPr>
+          <p:cNvPr id="69" name="Group 68">
+            <a:extLst>
+              <a:ext uri="{FF2B5EF4-FFF2-40B4-BE49-F238E27FC236}">
+                <a16:creationId xmlns:a16="http://schemas.microsoft.com/office/drawing/2014/main" id="{B2F96698-8599-48E2-B032-3C2C65A1EAE8}"/>
+              </a:ext>
+            </a:extLst>
+          </p:cNvPr>
+          <p:cNvGrpSpPr/>
           <p:nvPr/>
-        </p:nvSpPr>
-        <p:spPr bwMode="auto">
-          <a:xfrm>
-            <a:off x="4124326" y="1597742"/>
-            <a:ext cx="800100" cy="418304"/>
-          </a:xfrm>
-          <a:prstGeom prst="ellipse">
-            <a:avLst/>
-          </a:prstGeom>
-          <a:noFill/>
-          <a:ln w="19050">
+        </p:nvGrpSpPr>
+        <p:grpSpPr>
+          <a:xfrm>
+            <a:off x="7590589" y="2102175"/>
+            <a:ext cx="2017134" cy="2998485"/>
+            <a:chOff x="7373769" y="2064467"/>
+            <a:chExt cx="2017134" cy="2998485"/>
+          </a:xfrm>
+        </p:grpSpPr>
+        <p:sp>
+          <p:nvSpPr>
+            <p:cNvPr id="31" name="Rectangle 30">
+              <a:extLst>
+                <a:ext uri="{FF2B5EF4-FFF2-40B4-BE49-F238E27FC236}">
+                  <a16:creationId xmlns:a16="http://schemas.microsoft.com/office/drawing/2014/main" id="{5AFC7976-C637-4DC8-99D0-5CCB8BC13D2E}"/>
+                </a:ext>
+              </a:extLst>
+            </p:cNvPr>
+            <p:cNvSpPr/>
+            <p:nvPr/>
+          </p:nvSpPr>
+          <p:spPr>
+            <a:xfrm>
+              <a:off x="7408012" y="2064467"/>
+              <a:ext cx="1982891" cy="2934863"/>
+            </a:xfrm>
+            <a:prstGeom prst="rect">
+              <a:avLst/>
+            </a:prstGeom>
             <a:solidFill>
-              <a:schemeClr val="accent4">
-                <a:lumMod val="75000"/>
+              <a:schemeClr val="bg1"/>
+            </a:solidFill>
+            <a:ln>
+              <a:solidFill>
+                <a:schemeClr val="tx1"/>
+              </a:solidFill>
+            </a:ln>
+          </p:spPr>
+          <p:style>
+            <a:lnRef idx="2">
+              <a:schemeClr val="accent1">
+                <a:shade val="50000"/>
               </a:schemeClr>
-            </a:solidFill>
-            <a:headEnd/>
-            <a:tailEnd/>
-          </a:ln>
-          <a:effectLst/>
-        </p:spPr>
-        <p:style>
-          <a:lnRef idx="1">
-            <a:schemeClr val="accent1"/>
-          </a:lnRef>
-          <a:fillRef idx="3">
-            <a:schemeClr val="accent1"/>
-          </a:fillRef>
-          <a:effectRef idx="2">
-            <a:schemeClr val="accent1"/>
-          </a:effectRef>
-          <a:fontRef idx="minor">
-            <a:schemeClr val="lt1"/>
-          </a:fontRef>
-        </p:style>
-        <p:txBody>
-          <a:bodyPr rot="0" spcFirstLastPara="0" vertOverflow="overflow" horzOverflow="overflow" vert="horz" wrap="square" lIns="72000" tIns="72000" rIns="72000" bIns="72000" numCol="1" spcCol="0" rtlCol="0" fromWordArt="0" anchor="t" anchorCtr="0" forceAA="0" compatLnSpc="1">
-            <a:prstTxWarp prst="textNoShape">
+            </a:lnRef>
+            <a:fillRef idx="1">
+              <a:schemeClr val="accent1"/>
+            </a:fillRef>
+            <a:effectRef idx="0">
+              <a:schemeClr val="accent1"/>
+            </a:effectRef>
+            <a:fontRef idx="minor">
+              <a:schemeClr val="lt1"/>
+            </a:fontRef>
+          </p:style>
+          <p:txBody>
+            <a:bodyPr rtlCol="0" anchor="ctr"/>
+            <a:lstStyle/>
+            <a:p>
+              <a:pPr algn="ctr"/>
+              <a:endParaRPr lang="en-US"/>
+            </a:p>
+          </p:txBody>
+        </p:sp>
+        <p:sp>
+          <p:nvSpPr>
+            <p:cNvPr id="33" name="TextBox 32">
+              <a:extLst>
+                <a:ext uri="{FF2B5EF4-FFF2-40B4-BE49-F238E27FC236}">
+                  <a16:creationId xmlns:a16="http://schemas.microsoft.com/office/drawing/2014/main" id="{FC197A84-ABFA-4015-A57C-03F0BBDC31B6}"/>
+                </a:ext>
+              </a:extLst>
+            </p:cNvPr>
+            <p:cNvSpPr txBox="1"/>
+            <p:nvPr/>
+          </p:nvSpPr>
+          <p:spPr>
+            <a:xfrm>
+              <a:off x="7831334" y="3562331"/>
+              <a:ext cx="248635" cy="378416"/>
+            </a:xfrm>
+            <a:prstGeom prst="rect">
               <a:avLst/>
-            </a:prstTxWarp>
-            <a:noAutofit/>
-          </a:bodyPr>
-          <a:lstStyle/>
-          <a:p>
-            <a:pPr marL="180975" indent="-180975" algn="ctr" eaLnBrk="0" hangingPunct="0">
-              <a:buClr>
-                <a:schemeClr val="bg1"/>
-              </a:buClr>
-              <a:buFont typeface="Arial" pitchFamily="34" charset="0"/>
-              <a:buChar char="–"/>
-            </a:pPr>
-            <a:endParaRPr lang="en-US" sz="1200" b="1" kern="0" dirty="0" err="1">
+            </a:prstGeom>
+            <a:noFill/>
+          </p:spPr>
+          <p:txBody>
+            <a:bodyPr wrap="square" rtlCol="0">
+              <a:spAutoFit/>
+            </a:bodyPr>
+            <a:lstStyle/>
+            <a:p>
+              <a:r>
+                <a:rPr lang="en-US" dirty="0">
+                  <a:solidFill>
+                    <a:srgbClr val="FF0000"/>
+                  </a:solidFill>
+                  <a:highlight>
+                    <a:srgbClr val="FFFF00"/>
+                  </a:highlight>
+                </a:rPr>
+                <a:t>4</a:t>
+              </a:r>
+            </a:p>
+          </p:txBody>
+        </p:sp>
+        <p:pic>
+          <p:nvPicPr>
+            <p:cNvPr id="50" name="Picture 49">
+              <a:extLst>
+                <a:ext uri="{FF2B5EF4-FFF2-40B4-BE49-F238E27FC236}">
+                  <a16:creationId xmlns:a16="http://schemas.microsoft.com/office/drawing/2014/main" id="{30B7B5D1-5019-4523-8906-81CEE2ED5962}"/>
+                </a:ext>
+              </a:extLst>
+            </p:cNvPr>
+            <p:cNvPicPr>
+              <a:picLocks noChangeAspect="1"/>
+            </p:cNvPicPr>
+            <p:nvPr/>
+          </p:nvPicPr>
+          <p:blipFill rotWithShape="1">
+            <a:blip r:embed="rId9"/>
+            <a:srcRect l="6390" r="4785"/>
+            <a:stretch/>
+          </p:blipFill>
+          <p:spPr>
+            <a:xfrm>
+              <a:off x="7436589" y="2112774"/>
+              <a:ext cx="1155856" cy="952297"/>
+            </a:xfrm>
+            <a:prstGeom prst="rect">
+              <a:avLst/>
+            </a:prstGeom>
+          </p:spPr>
+        </p:pic>
+        <p:pic>
+          <p:nvPicPr>
+            <p:cNvPr id="51" name="Picture 50">
+              <a:extLst>
+                <a:ext uri="{FF2B5EF4-FFF2-40B4-BE49-F238E27FC236}">
+                  <a16:creationId xmlns:a16="http://schemas.microsoft.com/office/drawing/2014/main" id="{9C015451-0529-4E62-B328-58226841127F}"/>
+                </a:ext>
+              </a:extLst>
+            </p:cNvPr>
+            <p:cNvPicPr>
+              <a:picLocks noChangeAspect="1"/>
+            </p:cNvPicPr>
+            <p:nvPr/>
+          </p:nvPicPr>
+          <p:blipFill rotWithShape="1">
+            <a:blip r:embed="rId10"/>
+            <a:srcRect l="2" r="1991"/>
+            <a:stretch/>
+          </p:blipFill>
+          <p:spPr>
+            <a:xfrm>
+              <a:off x="7428483" y="3376991"/>
+              <a:ext cx="1943370" cy="1431436"/>
+            </a:xfrm>
+            <a:prstGeom prst="rect">
+              <a:avLst/>
+            </a:prstGeom>
+          </p:spPr>
+        </p:pic>
+        <p:cxnSp>
+          <p:nvCxnSpPr>
+            <p:cNvPr id="53" name="Straight Connector 52">
+              <a:extLst>
+                <a:ext uri="{FF2B5EF4-FFF2-40B4-BE49-F238E27FC236}">
+                  <a16:creationId xmlns:a16="http://schemas.microsoft.com/office/drawing/2014/main" id="{0D865AFB-D02C-4128-9CB1-3B66CCD72A00}"/>
+                </a:ext>
+              </a:extLst>
+            </p:cNvPr>
+            <p:cNvCxnSpPr>
+              <a:cxnSpLocks/>
+            </p:cNvCxnSpPr>
+            <p:nvPr/>
+          </p:nvCxnSpPr>
+          <p:spPr>
+            <a:xfrm>
+              <a:off x="7415251" y="3346808"/>
+              <a:ext cx="1975652" cy="0"/>
+            </a:xfrm>
+            <a:prstGeom prst="line">
+              <a:avLst/>
+            </a:prstGeom>
+            <a:ln>
               <a:solidFill>
-                <a:srgbClr val="FFC000"/>
+                <a:schemeClr val="tx1"/>
               </a:solidFill>
-              <a:latin typeface="Arial"/>
-            </a:endParaRPr>
-          </a:p>
-        </p:txBody>
-      </p:sp>
-      <p:sp>
-        <p:nvSpPr>
-          <p:cNvPr id="16" name="Oval 15"/>
-          <p:cNvSpPr/>
-          <p:nvPr/>
-        </p:nvSpPr>
-        <p:spPr bwMode="auto">
-          <a:xfrm rot="15203297">
-            <a:off x="3788476" y="1352354"/>
-            <a:ext cx="466560" cy="1128572"/>
-          </a:xfrm>
-          <a:prstGeom prst="ellipse">
-            <a:avLst/>
-          </a:prstGeom>
-          <a:noFill/>
-          <a:ln w="19050">
-            <a:solidFill>
-              <a:srgbClr val="FF0066"/>
-            </a:solidFill>
-            <a:headEnd/>
-            <a:tailEnd/>
-          </a:ln>
-          <a:effectLst/>
-        </p:spPr>
-        <p:style>
-          <a:lnRef idx="1">
-            <a:schemeClr val="accent1"/>
-          </a:lnRef>
-          <a:fillRef idx="3">
-            <a:schemeClr val="accent1"/>
-          </a:fillRef>
-          <a:effectRef idx="2">
-            <a:schemeClr val="accent1"/>
-          </a:effectRef>
-          <a:fontRef idx="minor">
-            <a:schemeClr val="lt1"/>
-          </a:fontRef>
-        </p:style>
-        <p:txBody>
-          <a:bodyPr rot="0" spcFirstLastPara="0" vertOverflow="overflow" horzOverflow="overflow" vert="horz" wrap="square" lIns="72000" tIns="72000" rIns="72000" bIns="72000" numCol="1" spcCol="0" rtlCol="0" fromWordArt="0" anchor="t" anchorCtr="0" forceAA="0" compatLnSpc="1">
-            <a:prstTxWarp prst="textNoShape">
+            </a:ln>
+          </p:spPr>
+          <p:style>
+            <a:lnRef idx="1">
+              <a:schemeClr val="accent1"/>
+            </a:lnRef>
+            <a:fillRef idx="0">
+              <a:schemeClr val="accent1"/>
+            </a:fillRef>
+            <a:effectRef idx="0">
+              <a:schemeClr val="accent1"/>
+            </a:effectRef>
+            <a:fontRef idx="minor">
+              <a:schemeClr val="tx1"/>
+            </a:fontRef>
+          </p:style>
+        </p:cxnSp>
+        <p:sp>
+          <p:nvSpPr>
+            <p:cNvPr id="54" name="TextBox 53">
+              <a:extLst>
+                <a:ext uri="{FF2B5EF4-FFF2-40B4-BE49-F238E27FC236}">
+                  <a16:creationId xmlns:a16="http://schemas.microsoft.com/office/drawing/2014/main" id="{3A82BEAF-0E11-4071-A6A1-71FFAB6DB7AD}"/>
+                </a:ext>
+              </a:extLst>
+            </p:cNvPr>
+            <p:cNvSpPr txBox="1"/>
+            <p:nvPr/>
+          </p:nvSpPr>
+          <p:spPr>
+            <a:xfrm>
+              <a:off x="7373769" y="3031122"/>
+              <a:ext cx="1943370" cy="338554"/>
+            </a:xfrm>
+            <a:prstGeom prst="rect">
               <a:avLst/>
-            </a:prstTxWarp>
-            <a:noAutofit/>
-          </a:bodyPr>
-          <a:lstStyle/>
-          <a:p>
-            <a:pPr marL="180975" indent="-180975" algn="ctr" eaLnBrk="0" hangingPunct="0">
-              <a:buClr>
-                <a:schemeClr val="bg1"/>
-              </a:buClr>
-              <a:buFont typeface="Arial" pitchFamily="34" charset="0"/>
-              <a:buChar char="–"/>
-            </a:pPr>
-            <a:endParaRPr lang="en-US" sz="1200" b="1" kern="0" dirty="0" err="1">
-              <a:solidFill>
-                <a:srgbClr val="FFFFFF"/>
-              </a:solidFill>
-              <a:latin typeface="Arial"/>
-            </a:endParaRPr>
-          </a:p>
-        </p:txBody>
-      </p:sp>
-      <p:sp>
-        <p:nvSpPr>
-          <p:cNvPr id="17" name="Rectangle 16"/>
-          <p:cNvSpPr/>
-          <p:nvPr/>
-        </p:nvSpPr>
-        <p:spPr bwMode="auto">
-          <a:xfrm>
-            <a:off x="9286876" y="4486657"/>
-            <a:ext cx="1247775" cy="1209675"/>
-          </a:xfrm>
-          <a:prstGeom prst="rect">
-            <a:avLst/>
-          </a:prstGeom>
-          <a:solidFill>
-            <a:schemeClr val="bg1"/>
-          </a:solidFill>
-          <a:ln>
+            </a:prstGeom>
             <a:noFill/>
-            <a:headEnd/>
-            <a:tailEnd/>
-          </a:ln>
-          <a:effectLst/>
-        </p:spPr>
-        <p:style>
-          <a:lnRef idx="1">
-            <a:schemeClr val="accent1"/>
-          </a:lnRef>
-          <a:fillRef idx="3">
-            <a:schemeClr val="accent1"/>
-          </a:fillRef>
-          <a:effectRef idx="2">
-            <a:schemeClr val="accent1"/>
-          </a:effectRef>
-          <a:fontRef idx="minor">
-            <a:schemeClr val="lt1"/>
-          </a:fontRef>
-        </p:style>
-        <p:txBody>
-          <a:bodyPr rot="0" spcFirstLastPara="0" vertOverflow="overflow" horzOverflow="overflow" vert="horz" wrap="square" lIns="72000" tIns="72000" rIns="72000" bIns="72000" numCol="1" spcCol="0" rtlCol="0" fromWordArt="0" anchor="t" anchorCtr="0" forceAA="0" compatLnSpc="1">
-            <a:prstTxWarp prst="textNoShape">
+          </p:spPr>
+          <p:txBody>
+            <a:bodyPr wrap="square" rtlCol="0">
+              <a:spAutoFit/>
+            </a:bodyPr>
+            <a:lstStyle/>
+            <a:p>
+              <a:r>
+                <a:rPr lang="en-US" sz="1600" dirty="0"/>
+                <a:t>SCAFFOLD_ID: 4719</a:t>
+              </a:r>
+            </a:p>
+          </p:txBody>
+        </p:sp>
+        <p:sp>
+          <p:nvSpPr>
+            <p:cNvPr id="56" name="TextBox 55">
+              <a:extLst>
+                <a:ext uri="{FF2B5EF4-FFF2-40B4-BE49-F238E27FC236}">
+                  <a16:creationId xmlns:a16="http://schemas.microsoft.com/office/drawing/2014/main" id="{877034BF-16FF-4B10-94B8-6487E9EC12CD}"/>
+                </a:ext>
+              </a:extLst>
+            </p:cNvPr>
+            <p:cNvSpPr txBox="1"/>
+            <p:nvPr/>
+          </p:nvSpPr>
+          <p:spPr>
+            <a:xfrm>
+              <a:off x="7374249" y="4724398"/>
+              <a:ext cx="1133871" cy="338554"/>
+            </a:xfrm>
+            <a:prstGeom prst="rect">
               <a:avLst/>
-            </a:prstTxWarp>
-            <a:noAutofit/>
-          </a:bodyPr>
-          <a:lstStyle/>
-          <a:p>
-            <a:pPr marL="180975" indent="-180975" algn="ctr" eaLnBrk="0" hangingPunct="0">
-              <a:buClr>
-                <a:schemeClr val="bg1"/>
-              </a:buClr>
-              <a:buFont typeface="Arial" pitchFamily="34" charset="0"/>
-              <a:buChar char="–"/>
-            </a:pPr>
-            <a:endParaRPr lang="en-US" sz="1200" b="1" kern="0" dirty="0" err="1">
-              <a:solidFill>
-                <a:srgbClr val="FFFFFF"/>
-              </a:solidFill>
-              <a:latin typeface="Arial"/>
-            </a:endParaRPr>
-          </a:p>
-        </p:txBody>
-      </p:sp>
-      <p:sp>
-        <p:nvSpPr>
-          <p:cNvPr id="20" name="TextBox 19"/>
+            </a:prstGeom>
+            <a:noFill/>
+          </p:spPr>
+          <p:txBody>
+            <a:bodyPr wrap="square" rtlCol="0">
+              <a:spAutoFit/>
+            </a:bodyPr>
+            <a:lstStyle/>
+            <a:p>
+              <a:r>
+                <a:rPr lang="en-US" sz="1600" dirty="0"/>
+                <a:t>ID: 525631</a:t>
+              </a:r>
+            </a:p>
+          </p:txBody>
+        </p:sp>
+      </p:grpSp>
+      <p:sp>
+        <p:nvSpPr>
+          <p:cNvPr id="62" name="TextBox 61">
+            <a:extLst>
+              <a:ext uri="{FF2B5EF4-FFF2-40B4-BE49-F238E27FC236}">
+                <a16:creationId xmlns:a16="http://schemas.microsoft.com/office/drawing/2014/main" id="{EEC7F5D6-2469-41A3-8080-7F4DE6923989}"/>
+              </a:ext>
+            </a:extLst>
+          </p:cNvPr>
           <p:cNvSpPr txBox="1"/>
           <p:nvPr/>
         </p:nvSpPr>
         <p:spPr>
-          <a:xfrm>
-            <a:off x="4481885" y="5962650"/>
-            <a:ext cx="3776290" cy="338554"/>
+          <a:xfrm rot="16200000">
+            <a:off x="-279379" y="2914159"/>
+            <a:ext cx="887671" cy="338554"/>
           </a:xfrm>
           <a:prstGeom prst="rect">
             <a:avLst/>
@@ -6760,848 +7796,257 @@
           </a:bodyPr>
           <a:lstStyle/>
           <a:p>
-            <a:pPr marL="171450" indent="-171450">
-              <a:buClr>
+            <a:r>
+              <a:rPr lang="en-US" sz="1600" dirty="0"/>
+              <a:t>Avg(IFI)</a:t>
+            </a:r>
+          </a:p>
+        </p:txBody>
+      </p:sp>
+      <p:grpSp>
+        <p:nvGrpSpPr>
+          <p:cNvPr id="71" name="Group 70">
+            <a:extLst>
+              <a:ext uri="{FF2B5EF4-FFF2-40B4-BE49-F238E27FC236}">
+                <a16:creationId xmlns:a16="http://schemas.microsoft.com/office/drawing/2014/main" id="{018CCEC1-9B0C-4371-A26D-1453EAF5E195}"/>
+              </a:ext>
+            </a:extLst>
+          </p:cNvPr>
+          <p:cNvGrpSpPr/>
+          <p:nvPr/>
+        </p:nvGrpSpPr>
+        <p:grpSpPr>
+          <a:xfrm>
+            <a:off x="9974486" y="1154889"/>
+            <a:ext cx="2059018" cy="3629674"/>
+            <a:chOff x="9974486" y="1154889"/>
+            <a:chExt cx="2059018" cy="3629674"/>
+          </a:xfrm>
+        </p:grpSpPr>
+        <p:sp>
+          <p:nvSpPr>
+            <p:cNvPr id="32" name="Rectangle 31">
+              <a:extLst>
+                <a:ext uri="{FF2B5EF4-FFF2-40B4-BE49-F238E27FC236}">
+                  <a16:creationId xmlns:a16="http://schemas.microsoft.com/office/drawing/2014/main" id="{51993F63-E421-4412-AE4D-7B69CC271290}"/>
+                </a:ext>
+              </a:extLst>
+            </p:cNvPr>
+            <p:cNvSpPr/>
+            <p:nvPr/>
+          </p:nvSpPr>
+          <p:spPr>
+            <a:xfrm>
+              <a:off x="10037302" y="1154889"/>
+              <a:ext cx="1993392" cy="3618192"/>
+            </a:xfrm>
+            <a:prstGeom prst="rect">
+              <a:avLst/>
+            </a:prstGeom>
+            <a:noFill/>
+            <a:ln>
+              <a:solidFill>
                 <a:schemeClr val="tx1"/>
-              </a:buClr>
-            </a:pPr>
-            <a:r>
-              <a:rPr lang="en-US" sz="1600" b="1" dirty="0"/>
-              <a:t>pXC50 in 3D7 (PF susceptible strain)</a:t>
-            </a:r>
-          </a:p>
-        </p:txBody>
-      </p:sp>
-      <p:sp>
-        <p:nvSpPr>
-          <p:cNvPr id="21" name="TextBox 20"/>
-          <p:cNvSpPr txBox="1"/>
-          <p:nvPr/>
-        </p:nvSpPr>
-        <p:spPr>
-          <a:xfrm rot="16200000">
-            <a:off x="1846810" y="3470233"/>
-            <a:ext cx="471874" cy="338554"/>
-          </a:xfrm>
-          <a:prstGeom prst="rect">
-            <a:avLst/>
-          </a:prstGeom>
-          <a:noFill/>
-        </p:spPr>
-        <p:txBody>
-          <a:bodyPr wrap="square" rtlCol="0">
-            <a:spAutoFit/>
-          </a:bodyPr>
-          <a:lstStyle/>
-          <a:p>
-            <a:pPr marL="171450" indent="-171450">
-              <a:buClr>
+              </a:solidFill>
+            </a:ln>
+          </p:spPr>
+          <p:style>
+            <a:lnRef idx="2">
+              <a:schemeClr val="accent1">
+                <a:shade val="50000"/>
+              </a:schemeClr>
+            </a:lnRef>
+            <a:fillRef idx="1">
+              <a:schemeClr val="accent1"/>
+            </a:fillRef>
+            <a:effectRef idx="0">
+              <a:schemeClr val="accent1"/>
+            </a:effectRef>
+            <a:fontRef idx="minor">
+              <a:schemeClr val="lt1"/>
+            </a:fontRef>
+          </p:style>
+          <p:txBody>
+            <a:bodyPr rtlCol="0" anchor="ctr"/>
+            <a:lstStyle/>
+            <a:p>
+              <a:pPr algn="ctr"/>
+              <a:endParaRPr lang="en-US"/>
+            </a:p>
+          </p:txBody>
+        </p:sp>
+        <p:cxnSp>
+          <p:nvCxnSpPr>
+            <p:cNvPr id="63" name="Straight Connector 62">
+              <a:extLst>
+                <a:ext uri="{FF2B5EF4-FFF2-40B4-BE49-F238E27FC236}">
+                  <a16:creationId xmlns:a16="http://schemas.microsoft.com/office/drawing/2014/main" id="{F5D5F533-6340-4324-8C13-575683CE4B23}"/>
+                </a:ext>
+              </a:extLst>
+            </p:cNvPr>
+            <p:cNvCxnSpPr>
+              <a:cxnSpLocks/>
+            </p:cNvCxnSpPr>
+            <p:nvPr/>
+          </p:nvCxnSpPr>
+          <p:spPr>
+            <a:xfrm>
+              <a:off x="10040112" y="3173294"/>
+              <a:ext cx="1993392" cy="0"/>
+            </a:xfrm>
+            <a:prstGeom prst="line">
+              <a:avLst/>
+            </a:prstGeom>
+            <a:ln>
+              <a:solidFill>
                 <a:schemeClr val="tx1"/>
-              </a:buClr>
-            </a:pPr>
-            <a:r>
-              <a:rPr lang="en-US" sz="1600" b="1" dirty="0"/>
-              <a:t>IFI</a:t>
-            </a:r>
-          </a:p>
-        </p:txBody>
-      </p:sp>
-      <p:sp>
-        <p:nvSpPr>
-          <p:cNvPr id="25" name="TextBox 24"/>
-          <p:cNvSpPr txBox="1"/>
-          <p:nvPr/>
-        </p:nvSpPr>
-        <p:spPr>
-          <a:xfrm>
-            <a:off x="1821706" y="1084519"/>
-            <a:ext cx="3094074" cy="523220"/>
-          </a:xfrm>
-          <a:prstGeom prst="rect">
-            <a:avLst/>
-          </a:prstGeom>
-          <a:noFill/>
-        </p:spPr>
-        <p:txBody>
-          <a:bodyPr wrap="square" rtlCol="0">
-            <a:spAutoFit/>
-          </a:bodyPr>
-          <a:lstStyle/>
-          <a:p>
-            <a:pPr marL="171450" indent="-171450">
-              <a:buClr>
-                <a:schemeClr val="tx1"/>
-              </a:buClr>
-            </a:pPr>
-            <a:r>
-              <a:rPr lang="en-US" sz="1400" dirty="0"/>
-              <a:t>Each </a:t>
-            </a:r>
-            <a:r>
-              <a:rPr lang="en-US" sz="1400" u="sng" dirty="0"/>
-              <a:t>pie</a:t>
-            </a:r>
-            <a:r>
-              <a:rPr lang="en-US" sz="1400" dirty="0"/>
-              <a:t> is one </a:t>
-            </a:r>
-            <a:r>
-              <a:rPr lang="en-US" sz="1400" i="1" dirty="0"/>
-              <a:t>compound</a:t>
-            </a:r>
-          </a:p>
-          <a:p>
-            <a:pPr marL="171450" indent="-171450">
-              <a:buClr>
-                <a:schemeClr val="tx1"/>
-              </a:buClr>
-            </a:pPr>
-            <a:r>
-              <a:rPr lang="en-US" sz="1400" dirty="0"/>
-              <a:t>Each </a:t>
-            </a:r>
-            <a:r>
-              <a:rPr lang="en-US" sz="1400" u="sng" dirty="0"/>
-              <a:t>sector/color</a:t>
-            </a:r>
-            <a:r>
-              <a:rPr lang="en-US" sz="1400" dirty="0"/>
-              <a:t> is one </a:t>
-            </a:r>
-            <a:r>
-              <a:rPr lang="en-US" sz="1400" i="1" dirty="0"/>
-              <a:t>scaffold</a:t>
-            </a:r>
-            <a:endParaRPr lang="en-US" sz="1400" dirty="0"/>
-          </a:p>
-        </p:txBody>
-      </p:sp>
-      <p:pic>
-        <p:nvPicPr>
-          <p:cNvPr id="27" name="Picture 26">
-            <a:extLst>
-              <a:ext uri="{FF2B5EF4-FFF2-40B4-BE49-F238E27FC236}">
-                <a16:creationId xmlns:a16="http://schemas.microsoft.com/office/drawing/2014/main" id="{F192E7D6-0878-4FC2-83D3-02A1B3E4A4B1}"/>
-              </a:ext>
-            </a:extLst>
-          </p:cNvPr>
-          <p:cNvPicPr>
-            <a:picLocks noChangeAspect="1"/>
-          </p:cNvPicPr>
-          <p:nvPr/>
-        </p:nvPicPr>
-        <p:blipFill rotWithShape="1">
-          <a:blip r:embed="rId3"/>
-          <a:srcRect l="85931" t="37005" r="2232" b="13447"/>
-          <a:stretch/>
-        </p:blipFill>
-        <p:spPr>
-          <a:xfrm>
-            <a:off x="5158374" y="1169465"/>
-            <a:ext cx="1082441" cy="2315929"/>
-          </a:xfrm>
-          <a:prstGeom prst="rect">
-            <a:avLst/>
-          </a:prstGeom>
-          <a:ln>
-            <a:solidFill>
-              <a:schemeClr val="bg1">
-                <a:lumMod val="65000"/>
-              </a:schemeClr>
-            </a:solidFill>
-          </a:ln>
-        </p:spPr>
-      </p:pic>
-      <p:sp>
-        <p:nvSpPr>
-          <p:cNvPr id="4" name="Oval 3">
-            <a:extLst>
-              <a:ext uri="{FF2B5EF4-FFF2-40B4-BE49-F238E27FC236}">
-                <a16:creationId xmlns:a16="http://schemas.microsoft.com/office/drawing/2014/main" id="{3477CB14-8C3B-49D9-9840-566F8B36F630}"/>
-              </a:ext>
-            </a:extLst>
-          </p:cNvPr>
-          <p:cNvSpPr/>
-          <p:nvPr/>
-        </p:nvSpPr>
-        <p:spPr bwMode="auto">
-          <a:xfrm>
-            <a:off x="6395155" y="4532605"/>
-            <a:ext cx="146304" cy="146304"/>
-          </a:xfrm>
-          <a:prstGeom prst="ellipse">
-            <a:avLst/>
-          </a:prstGeom>
-          <a:noFill/>
-          <a:ln w="28575">
-            <a:solidFill>
-              <a:srgbClr val="002060"/>
-            </a:solidFill>
-            <a:headEnd/>
-            <a:tailEnd/>
-          </a:ln>
-          <a:effectLst/>
-        </p:spPr>
-        <p:style>
-          <a:lnRef idx="1">
-            <a:schemeClr val="accent1"/>
-          </a:lnRef>
-          <a:fillRef idx="3">
-            <a:schemeClr val="accent1"/>
-          </a:fillRef>
-          <a:effectRef idx="2">
-            <a:schemeClr val="accent1"/>
-          </a:effectRef>
-          <a:fontRef idx="minor">
-            <a:schemeClr val="lt1"/>
-          </a:fontRef>
-        </p:style>
-        <p:txBody>
-          <a:bodyPr rot="0" spcFirstLastPara="0" vertOverflow="overflow" horzOverflow="overflow" vert="horz" wrap="square" lIns="72000" tIns="72000" rIns="72000" bIns="72000" numCol="1" spcCol="0" rtlCol="0" fromWordArt="0" anchor="t" anchorCtr="0" forceAA="0" compatLnSpc="1">
-            <a:prstTxWarp prst="textNoShape">
+              </a:solidFill>
+            </a:ln>
+          </p:spPr>
+          <p:style>
+            <a:lnRef idx="1">
+              <a:schemeClr val="accent1"/>
+            </a:lnRef>
+            <a:fillRef idx="0">
+              <a:schemeClr val="accent1"/>
+            </a:fillRef>
+            <a:effectRef idx="0">
+              <a:schemeClr val="accent1"/>
+            </a:effectRef>
+            <a:fontRef idx="minor">
+              <a:schemeClr val="tx1"/>
+            </a:fontRef>
+          </p:style>
+        </p:cxnSp>
+        <p:pic>
+          <p:nvPicPr>
+            <p:cNvPr id="64" name="Picture 63">
+              <a:extLst>
+                <a:ext uri="{FF2B5EF4-FFF2-40B4-BE49-F238E27FC236}">
+                  <a16:creationId xmlns:a16="http://schemas.microsoft.com/office/drawing/2014/main" id="{C4E2D17E-683F-4A6F-B747-C186D6DA4ECC}"/>
+                </a:ext>
+              </a:extLst>
+            </p:cNvPr>
+            <p:cNvPicPr>
+              <a:picLocks noChangeAspect="1"/>
+            </p:cNvPicPr>
+            <p:nvPr/>
+          </p:nvPicPr>
+          <p:blipFill rotWithShape="1">
+            <a:blip r:embed="rId11"/>
+            <a:srcRect l="2172" r="741"/>
+            <a:stretch/>
+          </p:blipFill>
+          <p:spPr>
+            <a:xfrm>
+              <a:off x="10066618" y="1240017"/>
+              <a:ext cx="1941991" cy="1657350"/>
+            </a:xfrm>
+            <a:prstGeom prst="rect">
               <a:avLst/>
-            </a:prstTxWarp>
-            <a:noAutofit/>
-          </a:bodyPr>
-          <a:lstStyle/>
-          <a:p>
-            <a:pPr marL="180975" indent="-180975" algn="ctr" eaLnBrk="0" hangingPunct="0">
-              <a:buClr>
-                <a:schemeClr val="bg1"/>
-              </a:buClr>
-              <a:buFont typeface="Arial" pitchFamily="34" charset="0"/>
-              <a:buChar char="–"/>
-            </a:pPr>
-            <a:endParaRPr lang="en-US" sz="1200" b="1" kern="0" dirty="0" err="1">
-              <a:solidFill>
-                <a:srgbClr val="FFFFFF"/>
-              </a:solidFill>
-              <a:latin typeface="Arial"/>
-            </a:endParaRPr>
-          </a:p>
-        </p:txBody>
-      </p:sp>
-      <p:sp>
-        <p:nvSpPr>
-          <p:cNvPr id="29" name="Oval 28">
-            <a:extLst>
-              <a:ext uri="{FF2B5EF4-FFF2-40B4-BE49-F238E27FC236}">
-                <a16:creationId xmlns:a16="http://schemas.microsoft.com/office/drawing/2014/main" id="{12A3982C-5D38-4583-BC50-40DC654FD093}"/>
-              </a:ext>
-            </a:extLst>
-          </p:cNvPr>
-          <p:cNvSpPr/>
-          <p:nvPr/>
-        </p:nvSpPr>
-        <p:spPr bwMode="auto">
-          <a:xfrm>
-            <a:off x="7655566" y="5136542"/>
-            <a:ext cx="164592" cy="164592"/>
-          </a:xfrm>
-          <a:prstGeom prst="ellipse">
-            <a:avLst/>
-          </a:prstGeom>
-          <a:noFill/>
-          <a:ln w="28575">
-            <a:solidFill>
-              <a:srgbClr val="002060"/>
-            </a:solidFill>
-            <a:headEnd/>
-            <a:tailEnd/>
-          </a:ln>
-          <a:effectLst/>
-        </p:spPr>
-        <p:style>
-          <a:lnRef idx="1">
-            <a:schemeClr val="accent1"/>
-          </a:lnRef>
-          <a:fillRef idx="3">
-            <a:schemeClr val="accent1"/>
-          </a:fillRef>
-          <a:effectRef idx="2">
-            <a:schemeClr val="accent1"/>
-          </a:effectRef>
-          <a:fontRef idx="minor">
-            <a:schemeClr val="lt1"/>
-          </a:fontRef>
-        </p:style>
-        <p:txBody>
-          <a:bodyPr rot="0" spcFirstLastPara="0" vertOverflow="overflow" horzOverflow="overflow" vert="horz" wrap="square" lIns="72000" tIns="72000" rIns="72000" bIns="72000" numCol="1" spcCol="0" rtlCol="0" fromWordArt="0" anchor="t" anchorCtr="0" forceAA="0" compatLnSpc="1">
-            <a:prstTxWarp prst="textNoShape">
+            </a:prstGeom>
+          </p:spPr>
+        </p:pic>
+        <p:pic>
+          <p:nvPicPr>
+            <p:cNvPr id="65" name="Picture 64">
+              <a:extLst>
+                <a:ext uri="{FF2B5EF4-FFF2-40B4-BE49-F238E27FC236}">
+                  <a16:creationId xmlns:a16="http://schemas.microsoft.com/office/drawing/2014/main" id="{63714558-5CBD-4A55-B839-A52F3C20C49A}"/>
+                </a:ext>
+              </a:extLst>
+            </p:cNvPr>
+            <p:cNvPicPr>
+              <a:picLocks noChangeAspect="1"/>
+            </p:cNvPicPr>
+            <p:nvPr/>
+          </p:nvPicPr>
+          <p:blipFill rotWithShape="1">
+            <a:blip r:embed="rId12"/>
+            <a:srcRect l="688"/>
+            <a:stretch/>
+          </p:blipFill>
+          <p:spPr>
+            <a:xfrm>
+              <a:off x="10057192" y="3288766"/>
+              <a:ext cx="1961515" cy="1453896"/>
+            </a:xfrm>
+            <a:prstGeom prst="rect">
               <a:avLst/>
-            </a:prstTxWarp>
-            <a:noAutofit/>
-          </a:bodyPr>
-          <a:lstStyle/>
-          <a:p>
-            <a:pPr marL="180975" indent="-180975" algn="ctr" eaLnBrk="0" hangingPunct="0">
-              <a:buClr>
-                <a:schemeClr val="bg1"/>
-              </a:buClr>
-              <a:buFont typeface="Arial" pitchFamily="34" charset="0"/>
-              <a:buChar char="–"/>
-            </a:pPr>
-            <a:endParaRPr lang="en-US" sz="1200" b="1" kern="0" dirty="0" err="1">
-              <a:solidFill>
-                <a:srgbClr val="FFFFFF"/>
-              </a:solidFill>
-              <a:latin typeface="Arial"/>
-            </a:endParaRPr>
-          </a:p>
-        </p:txBody>
-      </p:sp>
-      <p:sp>
-        <p:nvSpPr>
-          <p:cNvPr id="30" name="Oval 29">
-            <a:extLst>
-              <a:ext uri="{FF2B5EF4-FFF2-40B4-BE49-F238E27FC236}">
-                <a16:creationId xmlns:a16="http://schemas.microsoft.com/office/drawing/2014/main" id="{467304A6-828F-4451-BF8A-3127EC47ED43}"/>
-              </a:ext>
-            </a:extLst>
-          </p:cNvPr>
-          <p:cNvSpPr/>
-          <p:nvPr/>
-        </p:nvSpPr>
-        <p:spPr bwMode="auto">
-          <a:xfrm>
-            <a:off x="8921152" y="4462005"/>
-            <a:ext cx="146304" cy="146304"/>
-          </a:xfrm>
-          <a:prstGeom prst="ellipse">
-            <a:avLst/>
-          </a:prstGeom>
-          <a:noFill/>
-          <a:ln w="28575">
-            <a:solidFill>
-              <a:srgbClr val="002060"/>
-            </a:solidFill>
-            <a:headEnd/>
-            <a:tailEnd/>
-          </a:ln>
-          <a:effectLst/>
-        </p:spPr>
-        <p:style>
-          <a:lnRef idx="1">
-            <a:schemeClr val="accent1"/>
-          </a:lnRef>
-          <a:fillRef idx="3">
-            <a:schemeClr val="accent1"/>
-          </a:fillRef>
-          <a:effectRef idx="2">
-            <a:schemeClr val="accent1"/>
-          </a:effectRef>
-          <a:fontRef idx="minor">
-            <a:schemeClr val="lt1"/>
-          </a:fontRef>
-        </p:style>
-        <p:txBody>
-          <a:bodyPr rot="0" spcFirstLastPara="0" vertOverflow="overflow" horzOverflow="overflow" vert="horz" wrap="square" lIns="72000" tIns="72000" rIns="72000" bIns="72000" numCol="1" spcCol="0" rtlCol="0" fromWordArt="0" anchor="t" anchorCtr="0" forceAA="0" compatLnSpc="1">
-            <a:prstTxWarp prst="textNoShape">
+            </a:prstGeom>
+          </p:spPr>
+        </p:pic>
+        <p:sp>
+          <p:nvSpPr>
+            <p:cNvPr id="60" name="TextBox 59">
+              <a:extLst>
+                <a:ext uri="{FF2B5EF4-FFF2-40B4-BE49-F238E27FC236}">
+                  <a16:creationId xmlns:a16="http://schemas.microsoft.com/office/drawing/2014/main" id="{8F52FBBC-4E24-4B2A-8804-651D0D2B6C87}"/>
+                </a:ext>
+              </a:extLst>
+            </p:cNvPr>
+            <p:cNvSpPr txBox="1"/>
+            <p:nvPr/>
+          </p:nvSpPr>
+          <p:spPr>
+            <a:xfrm>
+              <a:off x="10003541" y="4446009"/>
+              <a:ext cx="1133871" cy="338554"/>
+            </a:xfrm>
+            <a:prstGeom prst="rect">
               <a:avLst/>
-            </a:prstTxWarp>
-            <a:noAutofit/>
-          </a:bodyPr>
-          <a:lstStyle/>
-          <a:p>
-            <a:pPr marL="180975" indent="-180975" algn="ctr" eaLnBrk="0" hangingPunct="0">
-              <a:buClr>
-                <a:schemeClr val="bg1"/>
-              </a:buClr>
-              <a:buFont typeface="Arial" pitchFamily="34" charset="0"/>
-              <a:buChar char="–"/>
-            </a:pPr>
-            <a:endParaRPr lang="en-US" sz="1200" b="1" kern="0" dirty="0" err="1">
-              <a:solidFill>
-                <a:srgbClr val="FFFFFF"/>
-              </a:solidFill>
-              <a:latin typeface="Arial"/>
-            </a:endParaRPr>
-          </a:p>
-        </p:txBody>
-      </p:sp>
-      <p:sp>
-        <p:nvSpPr>
-          <p:cNvPr id="6" name="Title 5">
-            <a:extLst>
-              <a:ext uri="{FF2B5EF4-FFF2-40B4-BE49-F238E27FC236}">
-                <a16:creationId xmlns:a16="http://schemas.microsoft.com/office/drawing/2014/main" id="{045F1D7B-FE6B-48DD-BC3A-72CCD1A68C2E}"/>
-              </a:ext>
-            </a:extLst>
-          </p:cNvPr>
-          <p:cNvSpPr>
-            <a:spLocks noGrp="1"/>
-          </p:cNvSpPr>
-          <p:nvPr>
-            <p:ph type="title"/>
-          </p:nvPr>
-        </p:nvSpPr>
-        <p:spPr>
-          <a:xfrm>
-            <a:off x="0" y="-17181"/>
-            <a:ext cx="10515600" cy="1325563"/>
-          </a:xfrm>
-        </p:spPr>
-        <p:txBody>
-          <a:bodyPr/>
-          <a:lstStyle/>
-          <a:p>
-            <a:r>
-              <a:rPr lang="en-US" dirty="0"/>
-              <a:t>Fig8</a:t>
-            </a:r>
-          </a:p>
-        </p:txBody>
-      </p:sp>
-      <p:sp>
-        <p:nvSpPr>
-          <p:cNvPr id="13" name="Rectangle 12">
-            <a:extLst>
-              <a:ext uri="{FF2B5EF4-FFF2-40B4-BE49-F238E27FC236}">
-                <a16:creationId xmlns:a16="http://schemas.microsoft.com/office/drawing/2014/main" id="{741E54B0-FE32-4A06-8474-FE405AABE83A}"/>
-              </a:ext>
-            </a:extLst>
-          </p:cNvPr>
-          <p:cNvSpPr/>
-          <p:nvPr/>
-        </p:nvSpPr>
-        <p:spPr>
-          <a:xfrm>
-            <a:off x="6560288" y="1597742"/>
-            <a:ext cx="1095278" cy="2934863"/>
-          </a:xfrm>
-          <a:prstGeom prst="rect">
-            <a:avLst/>
-          </a:prstGeom>
-          <a:noFill/>
-          <a:ln>
-            <a:solidFill>
-              <a:schemeClr val="tx1"/>
-            </a:solidFill>
-          </a:ln>
-        </p:spPr>
-        <p:style>
-          <a:lnRef idx="2">
-            <a:schemeClr val="accent1">
-              <a:shade val="50000"/>
-            </a:schemeClr>
-          </a:lnRef>
-          <a:fillRef idx="1">
-            <a:schemeClr val="accent1"/>
-          </a:fillRef>
-          <a:effectRef idx="0">
-            <a:schemeClr val="accent1"/>
-          </a:effectRef>
-          <a:fontRef idx="minor">
-            <a:schemeClr val="lt1"/>
-          </a:fontRef>
-        </p:style>
-        <p:txBody>
-          <a:bodyPr rtlCol="0" anchor="ctr"/>
-          <a:lstStyle/>
-          <a:p>
-            <a:pPr algn="ctr"/>
-            <a:endParaRPr lang="en-US"/>
-          </a:p>
-        </p:txBody>
-      </p:sp>
-      <p:sp>
-        <p:nvSpPr>
-          <p:cNvPr id="31" name="Rectangle 30">
-            <a:extLst>
-              <a:ext uri="{FF2B5EF4-FFF2-40B4-BE49-F238E27FC236}">
-                <a16:creationId xmlns:a16="http://schemas.microsoft.com/office/drawing/2014/main" id="{5AFC7976-C637-4DC8-99D0-5CCB8BC13D2E}"/>
-              </a:ext>
-            </a:extLst>
-          </p:cNvPr>
-          <p:cNvSpPr/>
-          <p:nvPr/>
-        </p:nvSpPr>
-        <p:spPr>
-          <a:xfrm>
-            <a:off x="7741388" y="2112092"/>
-            <a:ext cx="1095278" cy="2934863"/>
-          </a:xfrm>
-          <a:prstGeom prst="rect">
-            <a:avLst/>
-          </a:prstGeom>
-          <a:noFill/>
-          <a:ln>
-            <a:solidFill>
-              <a:schemeClr val="tx1"/>
-            </a:solidFill>
-          </a:ln>
-        </p:spPr>
-        <p:style>
-          <a:lnRef idx="2">
-            <a:schemeClr val="accent1">
-              <a:shade val="50000"/>
-            </a:schemeClr>
-          </a:lnRef>
-          <a:fillRef idx="1">
-            <a:schemeClr val="accent1"/>
-          </a:fillRef>
-          <a:effectRef idx="0">
-            <a:schemeClr val="accent1"/>
-          </a:effectRef>
-          <a:fontRef idx="minor">
-            <a:schemeClr val="lt1"/>
-          </a:fontRef>
-        </p:style>
-        <p:txBody>
-          <a:bodyPr rtlCol="0" anchor="ctr"/>
-          <a:lstStyle/>
-          <a:p>
-            <a:pPr algn="ctr"/>
-            <a:endParaRPr lang="en-US"/>
-          </a:p>
-        </p:txBody>
-      </p:sp>
-      <p:sp>
-        <p:nvSpPr>
-          <p:cNvPr id="32" name="Rectangle 31">
-            <a:extLst>
-              <a:ext uri="{FF2B5EF4-FFF2-40B4-BE49-F238E27FC236}">
-                <a16:creationId xmlns:a16="http://schemas.microsoft.com/office/drawing/2014/main" id="{51993F63-E421-4412-AE4D-7B69CC271290}"/>
-              </a:ext>
-            </a:extLst>
-          </p:cNvPr>
-          <p:cNvSpPr/>
-          <p:nvPr/>
-        </p:nvSpPr>
-        <p:spPr>
-          <a:xfrm>
-            <a:off x="9074888" y="1578692"/>
-            <a:ext cx="1095278" cy="2934863"/>
-          </a:xfrm>
-          <a:prstGeom prst="rect">
-            <a:avLst/>
-          </a:prstGeom>
-          <a:noFill/>
-          <a:ln>
-            <a:solidFill>
-              <a:schemeClr val="tx1"/>
-            </a:solidFill>
-          </a:ln>
-        </p:spPr>
-        <p:style>
-          <a:lnRef idx="2">
-            <a:schemeClr val="accent1">
-              <a:shade val="50000"/>
-            </a:schemeClr>
-          </a:lnRef>
-          <a:fillRef idx="1">
-            <a:schemeClr val="accent1"/>
-          </a:fillRef>
-          <a:effectRef idx="0">
-            <a:schemeClr val="accent1"/>
-          </a:effectRef>
-          <a:fontRef idx="minor">
-            <a:schemeClr val="lt1"/>
-          </a:fontRef>
-        </p:style>
-        <p:txBody>
-          <a:bodyPr rtlCol="0" anchor="ctr"/>
-          <a:lstStyle/>
-          <a:p>
-            <a:pPr algn="ctr"/>
-            <a:endParaRPr lang="en-US"/>
-          </a:p>
-        </p:txBody>
-      </p:sp>
-      <p:sp>
-        <p:nvSpPr>
-          <p:cNvPr id="24" name="TextBox 23">
-            <a:extLst>
-              <a:ext uri="{FF2B5EF4-FFF2-40B4-BE49-F238E27FC236}">
-                <a16:creationId xmlns:a16="http://schemas.microsoft.com/office/drawing/2014/main" id="{225938A0-DD32-4E4E-8DD7-36851B4C64F0}"/>
-              </a:ext>
-            </a:extLst>
-          </p:cNvPr>
-          <p:cNvSpPr txBox="1"/>
-          <p:nvPr/>
-        </p:nvSpPr>
-        <p:spPr>
-          <a:xfrm>
-            <a:off x="6791512" y="1751871"/>
-            <a:ext cx="301686" cy="369332"/>
-          </a:xfrm>
-          <a:prstGeom prst="rect">
-            <a:avLst/>
-          </a:prstGeom>
-          <a:noFill/>
-        </p:spPr>
-        <p:txBody>
-          <a:bodyPr wrap="none" rtlCol="0">
-            <a:spAutoFit/>
-          </a:bodyPr>
-          <a:lstStyle/>
-          <a:p>
-            <a:r>
-              <a:rPr lang="en-US" dirty="0">
-                <a:solidFill>
-                  <a:srgbClr val="FF0000"/>
-                </a:solidFill>
-                <a:highlight>
-                  <a:srgbClr val="FFFF00"/>
-                </a:highlight>
-              </a:rPr>
-              <a:t>1</a:t>
-            </a:r>
-          </a:p>
-        </p:txBody>
-      </p:sp>
-      <p:sp>
-        <p:nvSpPr>
-          <p:cNvPr id="26" name="TextBox 25">
-            <a:extLst>
-              <a:ext uri="{FF2B5EF4-FFF2-40B4-BE49-F238E27FC236}">
-                <a16:creationId xmlns:a16="http://schemas.microsoft.com/office/drawing/2014/main" id="{FC34619F-B162-4054-B545-4B36EB61DB7D}"/>
-              </a:ext>
-            </a:extLst>
-          </p:cNvPr>
-          <p:cNvSpPr txBox="1"/>
-          <p:nvPr/>
-        </p:nvSpPr>
-        <p:spPr>
-          <a:xfrm>
-            <a:off x="6907410" y="3390315"/>
-            <a:ext cx="248635" cy="378416"/>
-          </a:xfrm>
-          <a:prstGeom prst="rect">
-            <a:avLst/>
-          </a:prstGeom>
-          <a:noFill/>
-        </p:spPr>
-        <p:txBody>
-          <a:bodyPr wrap="square" rtlCol="0">
-            <a:spAutoFit/>
-          </a:bodyPr>
-          <a:lstStyle/>
-          <a:p>
-            <a:r>
-              <a:rPr lang="en-US" dirty="0">
-                <a:solidFill>
-                  <a:srgbClr val="FF0000"/>
-                </a:solidFill>
-                <a:highlight>
-                  <a:srgbClr val="FFFF00"/>
-                </a:highlight>
-              </a:rPr>
-              <a:t>2</a:t>
-            </a:r>
-          </a:p>
-        </p:txBody>
-      </p:sp>
-      <p:sp>
-        <p:nvSpPr>
-          <p:cNvPr id="28" name="TextBox 27">
-            <a:extLst>
-              <a:ext uri="{FF2B5EF4-FFF2-40B4-BE49-F238E27FC236}">
-                <a16:creationId xmlns:a16="http://schemas.microsoft.com/office/drawing/2014/main" id="{2BF8F18E-1E3B-4B3B-B785-065ADC4A3991}"/>
-              </a:ext>
-            </a:extLst>
-          </p:cNvPr>
-          <p:cNvSpPr txBox="1"/>
-          <p:nvPr/>
-        </p:nvSpPr>
-        <p:spPr>
-          <a:xfrm>
-            <a:off x="8116591" y="2306307"/>
-            <a:ext cx="248635" cy="378416"/>
-          </a:xfrm>
-          <a:prstGeom prst="rect">
-            <a:avLst/>
-          </a:prstGeom>
-          <a:noFill/>
-        </p:spPr>
-        <p:txBody>
-          <a:bodyPr wrap="square" rtlCol="0">
-            <a:spAutoFit/>
-          </a:bodyPr>
-          <a:lstStyle/>
-          <a:p>
-            <a:r>
-              <a:rPr lang="en-US" dirty="0">
-                <a:solidFill>
-                  <a:srgbClr val="FF0000"/>
-                </a:solidFill>
-                <a:highlight>
-                  <a:srgbClr val="FFFF00"/>
-                </a:highlight>
-              </a:rPr>
-              <a:t>3</a:t>
-            </a:r>
-          </a:p>
-        </p:txBody>
-      </p:sp>
-      <p:sp>
-        <p:nvSpPr>
-          <p:cNvPr id="33" name="TextBox 32">
-            <a:extLst>
-              <a:ext uri="{FF2B5EF4-FFF2-40B4-BE49-F238E27FC236}">
-                <a16:creationId xmlns:a16="http://schemas.microsoft.com/office/drawing/2014/main" id="{FC197A84-ABFA-4015-A57C-03F0BBDC31B6}"/>
-              </a:ext>
-            </a:extLst>
-          </p:cNvPr>
-          <p:cNvSpPr txBox="1"/>
-          <p:nvPr/>
-        </p:nvSpPr>
-        <p:spPr>
-          <a:xfrm>
-            <a:off x="8164709" y="3676631"/>
-            <a:ext cx="248635" cy="378416"/>
-          </a:xfrm>
-          <a:prstGeom prst="rect">
-            <a:avLst/>
-          </a:prstGeom>
-          <a:noFill/>
-        </p:spPr>
-        <p:txBody>
-          <a:bodyPr wrap="square" rtlCol="0">
-            <a:spAutoFit/>
-          </a:bodyPr>
-          <a:lstStyle/>
-          <a:p>
-            <a:r>
-              <a:rPr lang="en-US" dirty="0">
-                <a:solidFill>
-                  <a:srgbClr val="FF0000"/>
-                </a:solidFill>
-                <a:highlight>
-                  <a:srgbClr val="FFFF00"/>
-                </a:highlight>
-              </a:rPr>
-              <a:t>4</a:t>
-            </a:r>
-          </a:p>
-        </p:txBody>
-      </p:sp>
-      <p:sp>
-        <p:nvSpPr>
-          <p:cNvPr id="34" name="TextBox 33">
-            <a:extLst>
-              <a:ext uri="{FF2B5EF4-FFF2-40B4-BE49-F238E27FC236}">
-                <a16:creationId xmlns:a16="http://schemas.microsoft.com/office/drawing/2014/main" id="{E0DCD21C-3C17-42B2-AF96-DAE2A8977183}"/>
-              </a:ext>
-            </a:extLst>
-          </p:cNvPr>
-          <p:cNvSpPr txBox="1"/>
-          <p:nvPr/>
-        </p:nvSpPr>
-        <p:spPr>
-          <a:xfrm>
-            <a:off x="9501688" y="2138221"/>
-            <a:ext cx="248635" cy="378416"/>
-          </a:xfrm>
-          <a:prstGeom prst="rect">
-            <a:avLst/>
-          </a:prstGeom>
-          <a:noFill/>
-        </p:spPr>
-        <p:txBody>
-          <a:bodyPr wrap="square" rtlCol="0">
-            <a:spAutoFit/>
-          </a:bodyPr>
-          <a:lstStyle/>
-          <a:p>
-            <a:r>
-              <a:rPr lang="en-US" dirty="0">
-                <a:solidFill>
-                  <a:srgbClr val="FF0000"/>
-                </a:solidFill>
-                <a:highlight>
-                  <a:srgbClr val="FFFF00"/>
-                </a:highlight>
-              </a:rPr>
-              <a:t>5</a:t>
-            </a:r>
-          </a:p>
-        </p:txBody>
-      </p:sp>
-      <p:sp>
-        <p:nvSpPr>
-          <p:cNvPr id="35" name="TextBox 34">
-            <a:extLst>
-              <a:ext uri="{FF2B5EF4-FFF2-40B4-BE49-F238E27FC236}">
-                <a16:creationId xmlns:a16="http://schemas.microsoft.com/office/drawing/2014/main" id="{B6573458-819D-49C5-B82B-15F0C6CEBFD8}"/>
-              </a:ext>
-            </a:extLst>
-          </p:cNvPr>
-          <p:cNvSpPr txBox="1"/>
-          <p:nvPr/>
-        </p:nvSpPr>
-        <p:spPr>
-          <a:xfrm>
-            <a:off x="9498209" y="3404591"/>
-            <a:ext cx="248635" cy="378416"/>
-          </a:xfrm>
-          <a:prstGeom prst="rect">
-            <a:avLst/>
-          </a:prstGeom>
-          <a:noFill/>
-        </p:spPr>
-        <p:txBody>
-          <a:bodyPr wrap="square" rtlCol="0">
-            <a:spAutoFit/>
-          </a:bodyPr>
-          <a:lstStyle/>
-          <a:p>
-            <a:r>
-              <a:rPr lang="en-US" dirty="0">
-                <a:solidFill>
-                  <a:srgbClr val="FF0000"/>
-                </a:solidFill>
-                <a:highlight>
-                  <a:srgbClr val="FFFF00"/>
-                </a:highlight>
-              </a:rPr>
-              <a:t>6</a:t>
-            </a:r>
-          </a:p>
-        </p:txBody>
-      </p:sp>
-      <p:sp>
-        <p:nvSpPr>
-          <p:cNvPr id="36" name="TextBox 35">
-            <a:extLst>
-              <a:ext uri="{FF2B5EF4-FFF2-40B4-BE49-F238E27FC236}">
-                <a16:creationId xmlns:a16="http://schemas.microsoft.com/office/drawing/2014/main" id="{A8E39E8A-90E7-4764-8468-49F97CA594A8}"/>
-              </a:ext>
-            </a:extLst>
-          </p:cNvPr>
-          <p:cNvSpPr txBox="1"/>
-          <p:nvPr/>
-        </p:nvSpPr>
-        <p:spPr>
-          <a:xfrm>
-            <a:off x="3662904" y="1848209"/>
-            <a:ext cx="301686" cy="369332"/>
-          </a:xfrm>
-          <a:prstGeom prst="rect">
-            <a:avLst/>
-          </a:prstGeom>
-          <a:noFill/>
-        </p:spPr>
-        <p:txBody>
-          <a:bodyPr wrap="none" rtlCol="0">
-            <a:spAutoFit/>
-          </a:bodyPr>
-          <a:lstStyle/>
-          <a:p>
-            <a:r>
-              <a:rPr lang="en-US" dirty="0">
-                <a:solidFill>
-                  <a:srgbClr val="FF0000"/>
-                </a:solidFill>
-                <a:highlight>
-                  <a:srgbClr val="FFFF00"/>
-                </a:highlight>
-              </a:rPr>
-              <a:t>0</a:t>
-            </a:r>
-          </a:p>
-        </p:txBody>
-      </p:sp>
+            </a:prstGeom>
+            <a:noFill/>
+          </p:spPr>
+          <p:txBody>
+            <a:bodyPr wrap="square" rtlCol="0">
+              <a:spAutoFit/>
+            </a:bodyPr>
+            <a:lstStyle/>
+            <a:p>
+              <a:r>
+                <a:rPr lang="en-US" sz="1600" dirty="0"/>
+                <a:t>ID: 540655</a:t>
+              </a:r>
+            </a:p>
+          </p:txBody>
+        </p:sp>
+        <p:sp>
+          <p:nvSpPr>
+            <p:cNvPr id="59" name="TextBox 58">
+              <a:extLst>
+                <a:ext uri="{FF2B5EF4-FFF2-40B4-BE49-F238E27FC236}">
+                  <a16:creationId xmlns:a16="http://schemas.microsoft.com/office/drawing/2014/main" id="{8DA761B5-FCD6-4354-957C-EF4116146D41}"/>
+                </a:ext>
+              </a:extLst>
+            </p:cNvPr>
+            <p:cNvSpPr txBox="1"/>
+            <p:nvPr/>
+          </p:nvSpPr>
+          <p:spPr>
+            <a:xfrm>
+              <a:off x="9974486" y="2867133"/>
+              <a:ext cx="1943370" cy="338554"/>
+            </a:xfrm>
+            <a:prstGeom prst="rect">
+              <a:avLst/>
+            </a:prstGeom>
+            <a:noFill/>
+          </p:spPr>
+          <p:txBody>
+            <a:bodyPr wrap="square" rtlCol="0">
+              <a:spAutoFit/>
+            </a:bodyPr>
+            <a:lstStyle/>
+            <a:p>
+              <a:r>
+                <a:rPr lang="en-US" sz="1600" dirty="0"/>
+                <a:t>SCAFFOLD_ID: 2467</a:t>
+              </a:r>
+            </a:p>
+          </p:txBody>
+        </p:sp>
+      </p:grpSp>
     </p:spTree>
   </p:cSld>
   <p:clrMapOvr>
@@ -7619,6 +8064,9 @@
                     <p:cTn id="3" fill="hold">
                       <p:stCondLst>
                         <p:cond delay="indefinite"/>
+                        <p:cond evt="onBegin" delay="0">
+                          <p:tn val="2"/>
+                        </p:cond>
                       </p:stCondLst>
                       <p:childTnLst>
                         <p:par>
@@ -7628,7 +8076,7 @@
                             </p:stCondLst>
                             <p:childTnLst>
                               <p:par>
-                                <p:cTn id="5" presetID="1" presetClass="exit" presetSubtype="0" fill="hold" grpId="1" nodeType="clickEffect">
+                                <p:cTn id="5" presetID="1" presetClass="entr" presetSubtype="0" fill="hold" grpId="0" nodeType="withEffect">
                                   <p:stCondLst>
                                     <p:cond delay="0"/>
                                   </p:stCondLst>
@@ -7636,33 +8084,6 @@
                                     <p:set>
                                       <p:cBhvr>
                                         <p:cTn id="6" dur="1" fill="hold">
-                                          <p:stCondLst>
-                                            <p:cond delay="0"/>
-                                          </p:stCondLst>
-                                        </p:cTn>
-                                        <p:tgtEl>
-                                          <p:spTgt spid="14"/>
-                                        </p:tgtEl>
-                                        <p:attrNameLst>
-                                          <p:attrName>style.visibility</p:attrName>
-                                        </p:attrNameLst>
-                                      </p:cBhvr>
-                                      <p:to>
-                                        <p:strVal val="hidden"/>
-                                      </p:to>
-                                    </p:set>
-                                  </p:childTnLst>
-                                </p:cTn>
-                              </p:par>
-                              <p:par>
-                                <p:cTn id="7" presetID="1" presetClass="entr" presetSubtype="0" fill="hold" grpId="0" nodeType="withEffect">
-                                  <p:stCondLst>
-                                    <p:cond delay="0"/>
-                                  </p:stCondLst>
-                                  <p:childTnLst>
-                                    <p:set>
-                                      <p:cBhvr>
-                                        <p:cTn id="8" dur="1" fill="hold">
                                           <p:stCondLst>
                                             <p:cond delay="0"/>
                                           </p:stCondLst>
@@ -7676,114 +8097,6 @@
                                       </p:cBhvr>
                                       <p:to>
                                         <p:strVal val="visible"/>
-                                      </p:to>
-                                    </p:set>
-                                  </p:childTnLst>
-                                </p:cTn>
-                              </p:par>
-                              <p:par>
-                                <p:cTn id="9" presetID="1" presetClass="entr" presetSubtype="0" fill="hold" grpId="0" nodeType="withEffect">
-                                  <p:stCondLst>
-                                    <p:cond delay="0"/>
-                                  </p:stCondLst>
-                                  <p:childTnLst>
-                                    <p:set>
-                                      <p:cBhvr>
-                                        <p:cTn id="10" dur="1" fill="hold">
-                                          <p:stCondLst>
-                                            <p:cond delay="0"/>
-                                          </p:stCondLst>
-                                        </p:cTn>
-                                        <p:tgtEl>
-                                          <p:spTgt spid="14"/>
-                                        </p:tgtEl>
-                                        <p:attrNameLst>
-                                          <p:attrName>style.visibility</p:attrName>
-                                        </p:attrNameLst>
-                                      </p:cBhvr>
-                                      <p:to>
-                                        <p:strVal val="visible"/>
-                                      </p:to>
-                                    </p:set>
-                                  </p:childTnLst>
-                                </p:cTn>
-                              </p:par>
-                              <p:par>
-                                <p:cTn id="11" presetID="1" presetClass="entr" presetSubtype="0" fill="hold" grpId="0" nodeType="withEffect">
-                                  <p:stCondLst>
-                                    <p:cond delay="0"/>
-                                  </p:stCondLst>
-                                  <p:childTnLst>
-                                    <p:set>
-                                      <p:cBhvr>
-                                        <p:cTn id="12" dur="1" fill="hold">
-                                          <p:stCondLst>
-                                            <p:cond delay="0"/>
-                                          </p:stCondLst>
-                                        </p:cTn>
-                                        <p:tgtEl>
-                                          <p:spTgt spid="9"/>
-                                        </p:tgtEl>
-                                        <p:attrNameLst>
-                                          <p:attrName>style.visibility</p:attrName>
-                                        </p:attrNameLst>
-                                      </p:cBhvr>
-                                      <p:to>
-                                        <p:strVal val="visible"/>
-                                      </p:to>
-                                    </p:set>
-                                  </p:childTnLst>
-                                </p:cTn>
-                              </p:par>
-                              <p:par>
-                                <p:cTn id="13" presetID="1" presetClass="entr" presetSubtype="0" fill="hold" grpId="0" nodeType="withEffect">
-                                  <p:stCondLst>
-                                    <p:cond delay="0"/>
-                                  </p:stCondLst>
-                                  <p:childTnLst>
-                                    <p:set>
-                                      <p:cBhvr>
-                                        <p:cTn id="14" dur="1" fill="hold">
-                                          <p:stCondLst>
-                                            <p:cond delay="0"/>
-                                          </p:stCondLst>
-                                        </p:cTn>
-                                        <p:tgtEl>
-                                          <p:spTgt spid="15"/>
-                                        </p:tgtEl>
-                                        <p:attrNameLst>
-                                          <p:attrName>style.visibility</p:attrName>
-                                        </p:attrNameLst>
-                                      </p:cBhvr>
-                                      <p:to>
-                                        <p:strVal val="visible"/>
-                                      </p:to>
-                                    </p:set>
-                                  </p:childTnLst>
-                                </p:cTn>
-                              </p:par>
-                              <p:par>
-                                <p:cTn id="15" presetID="1" presetClass="exit" presetSubtype="0" fill="hold" grpId="0" nodeType="withEffect">
-                                  <p:stCondLst>
-                                    <p:cond delay="0"/>
-                                  </p:stCondLst>
-                                  <p:childTnLst>
-                                    <p:set>
-                                      <p:cBhvr>
-                                        <p:cTn id="16" dur="1" fill="hold">
-                                          <p:stCondLst>
-                                            <p:cond delay="0"/>
-                                          </p:stCondLst>
-                                        </p:cTn>
-                                        <p:tgtEl>
-                                          <p:spTgt spid="16"/>
-                                        </p:tgtEl>
-                                        <p:attrNameLst>
-                                          <p:attrName>style.visibility</p:attrName>
-                                        </p:attrNameLst>
-                                      </p:cBhvr>
-                                      <p:to>
-                                        <p:strVal val="hidden"/>
                                       </p:to>
                                     </p:set>
                                   </p:childTnLst>
@@ -7818,11 +8131,6 @@
     </p:tnLst>
     <p:bldLst>
       <p:bldP spid="8" grpId="0"/>
-      <p:bldP spid="9" grpId="0"/>
-      <p:bldP spid="14" grpId="0" animBg="1"/>
-      <p:bldP spid="14" grpId="1" animBg="1"/>
-      <p:bldP spid="15" grpId="0" animBg="1"/>
-      <p:bldP spid="16" grpId="0" animBg="1"/>
     </p:bldLst>
   </p:timing>
 </p:sld>
@@ -7845,12 +8153,110 @@
           <a:chExt cx="0" cy="0"/>
         </a:xfrm>
       </p:grpSpPr>
-      <p:sp>
-        <p:nvSpPr>
-          <p:cNvPr id="2" name="Title 1">
-            <a:extLst>
-              <a:ext uri="{FF2B5EF4-FFF2-40B4-BE49-F238E27FC236}">
-                <a16:creationId xmlns:a16="http://schemas.microsoft.com/office/drawing/2014/main" id="{7B2CD7CA-0AF3-4D29-97CF-7EFA966A2336}"/>
+      <p:pic>
+        <p:nvPicPr>
+          <p:cNvPr id="2" name="Picture 1">
+            <a:extLst>
+              <a:ext uri="{FF2B5EF4-FFF2-40B4-BE49-F238E27FC236}">
+                <a16:creationId xmlns:a16="http://schemas.microsoft.com/office/drawing/2014/main" id="{0F0EE99B-3CB9-4E1F-8A3F-5104FB2C2B23}"/>
+              </a:ext>
+            </a:extLst>
+          </p:cNvPr>
+          <p:cNvPicPr>
+            <a:picLocks noChangeAspect="1"/>
+          </p:cNvPicPr>
+          <p:nvPr/>
+        </p:nvPicPr>
+        <p:blipFill rotWithShape="1">
+          <a:blip r:embed="rId3"/>
+          <a:srcRect l="4977" t="7574" r="14157"/>
+          <a:stretch/>
+        </p:blipFill>
+        <p:spPr>
+          <a:xfrm>
+            <a:off x="273451" y="518474"/>
+            <a:ext cx="9859156" cy="6073441"/>
+          </a:xfrm>
+          <a:prstGeom prst="rect">
+            <a:avLst/>
+          </a:prstGeom>
+        </p:spPr>
+      </p:pic>
+      <p:sp>
+        <p:nvSpPr>
+          <p:cNvPr id="29" name="Oval 28">
+            <a:extLst>
+              <a:ext uri="{FF2B5EF4-FFF2-40B4-BE49-F238E27FC236}">
+                <a16:creationId xmlns:a16="http://schemas.microsoft.com/office/drawing/2014/main" id="{12A3982C-5D38-4583-BC50-40DC654FD093}"/>
+              </a:ext>
+            </a:extLst>
+          </p:cNvPr>
+          <p:cNvSpPr/>
+          <p:nvPr/>
+        </p:nvSpPr>
+        <p:spPr bwMode="auto">
+          <a:xfrm>
+            <a:off x="8017516" y="5185343"/>
+            <a:ext cx="164592" cy="164592"/>
+          </a:xfrm>
+          <a:prstGeom prst="ellipse">
+            <a:avLst/>
+          </a:prstGeom>
+          <a:noFill/>
+          <a:ln w="19050">
+            <a:solidFill>
+              <a:srgbClr val="002060"/>
+            </a:solidFill>
+            <a:headEnd/>
+            <a:tailEnd/>
+          </a:ln>
+          <a:effectLst/>
+        </p:spPr>
+        <p:style>
+          <a:lnRef idx="1">
+            <a:schemeClr val="accent1"/>
+          </a:lnRef>
+          <a:fillRef idx="3">
+            <a:schemeClr val="accent1"/>
+          </a:fillRef>
+          <a:effectRef idx="2">
+            <a:schemeClr val="accent1"/>
+          </a:effectRef>
+          <a:fontRef idx="minor">
+            <a:schemeClr val="lt1"/>
+          </a:fontRef>
+        </p:style>
+        <p:txBody>
+          <a:bodyPr rot="0" spcFirstLastPara="0" vertOverflow="overflow" horzOverflow="overflow" vert="horz" wrap="square" lIns="72000" tIns="72000" rIns="72000" bIns="72000" numCol="1" spcCol="0" rtlCol="0" fromWordArt="0" anchor="t" anchorCtr="0" forceAA="0" compatLnSpc="1">
+            <a:prstTxWarp prst="textNoShape">
+              <a:avLst/>
+            </a:prstTxWarp>
+            <a:noAutofit/>
+          </a:bodyPr>
+          <a:lstStyle/>
+          <a:p>
+            <a:pPr marL="180975" indent="-180975" algn="ctr" eaLnBrk="0" hangingPunct="0">
+              <a:buClr>
+                <a:schemeClr val="bg1"/>
+              </a:buClr>
+              <a:buFont typeface="Arial" pitchFamily="34" charset="0"/>
+              <a:buChar char="–"/>
+            </a:pPr>
+            <a:endParaRPr lang="en-US" sz="1200" b="1" kern="0" dirty="0" err="1">
+              <a:solidFill>
+                <a:srgbClr val="FFFFFF"/>
+              </a:solidFill>
+              <a:latin typeface="Arial"/>
+            </a:endParaRPr>
+          </a:p>
+        </p:txBody>
+      </p:sp>
+      <p:sp>
+        <p:nvSpPr>
+          <p:cNvPr id="6" name="Title 5">
+            <a:extLst>
+              <a:ext uri="{FF2B5EF4-FFF2-40B4-BE49-F238E27FC236}">
+                <a16:creationId xmlns:a16="http://schemas.microsoft.com/office/drawing/2014/main" id="{045F1D7B-FE6B-48DD-BC3A-72CCD1A68C2E}"/>
               </a:ext>
             </a:extLst>
           </p:cNvPr>
@@ -7863,16 +8269,18 @@
         </p:nvSpPr>
         <p:spPr>
           <a:xfrm>
-            <a:off x="838200" y="365125"/>
-            <a:ext cx="10515600" cy="788557"/>
-          </a:xfrm>
-        </p:spPr>
-        <p:txBody>
-          <a:bodyPr/>
+            <a:off x="11556684" y="6623075"/>
+            <a:ext cx="635316" cy="234925"/>
+          </a:xfrm>
+        </p:spPr>
+        <p:txBody>
+          <a:bodyPr>
+            <a:noAutofit/>
+          </a:bodyPr>
           <a:lstStyle/>
           <a:p>
             <a:r>
-              <a:rPr lang="en-US" dirty="0"/>
+              <a:rPr lang="en-US" sz="1800" dirty="0"/>
               <a:t>Fig8</a:t>
             </a:r>
           </a:p>
@@ -7880,10 +8288,360 @@
       </p:sp>
       <p:pic>
         <p:nvPicPr>
-          <p:cNvPr id="3" name="Picture 2">
-            <a:extLst>
-              <a:ext uri="{FF2B5EF4-FFF2-40B4-BE49-F238E27FC236}">
-                <a16:creationId xmlns:a16="http://schemas.microsoft.com/office/drawing/2014/main" id="{184FD318-DAA5-4130-98A8-57936AB5AFFB}"/>
+          <p:cNvPr id="38" name="Picture 3" descr="http://images.sodahead.com/polls/003962351/5331458487_normal_ian_symbol_north_arrow_2_answer_1_xlarge.png">
+            <a:extLst>
+              <a:ext uri="{FF2B5EF4-FFF2-40B4-BE49-F238E27FC236}">
+                <a16:creationId xmlns:a16="http://schemas.microsoft.com/office/drawing/2014/main" id="{192EEE67-9D43-405E-875D-E66AF6B7483F}"/>
+              </a:ext>
+            </a:extLst>
+          </p:cNvPr>
+          <p:cNvPicPr>
+            <a:picLocks noChangeAspect="1" noChangeArrowheads="1"/>
+          </p:cNvPicPr>
+          <p:nvPr/>
+        </p:nvPicPr>
+        <p:blipFill>
+          <a:blip r:embed="rId4" cstate="screen"/>
+          <a:srcRect/>
+          <a:stretch>
+            <a:fillRect/>
+          </a:stretch>
+        </p:blipFill>
+        <p:spPr bwMode="auto">
+          <a:xfrm rot="7884797">
+            <a:off x="351569" y="5968189"/>
+            <a:ext cx="412111" cy="394343"/>
+          </a:xfrm>
+          <a:prstGeom prst="rect">
+            <a:avLst/>
+          </a:prstGeom>
+          <a:noFill/>
+        </p:spPr>
+      </p:pic>
+      <p:grpSp>
+        <p:nvGrpSpPr>
+          <p:cNvPr id="5" name="Group 4">
+            <a:extLst>
+              <a:ext uri="{FF2B5EF4-FFF2-40B4-BE49-F238E27FC236}">
+                <a16:creationId xmlns:a16="http://schemas.microsoft.com/office/drawing/2014/main" id="{08142383-4D94-4ECD-A1F9-8D35E17EF63E}"/>
+              </a:ext>
+            </a:extLst>
+          </p:cNvPr>
+          <p:cNvGrpSpPr/>
+          <p:nvPr/>
+        </p:nvGrpSpPr>
+        <p:grpSpPr>
+          <a:xfrm>
+            <a:off x="4572603" y="762219"/>
+            <a:ext cx="2968817" cy="1663733"/>
+            <a:chOff x="2021373" y="526936"/>
+            <a:chExt cx="2968817" cy="1663733"/>
+          </a:xfrm>
+        </p:grpSpPr>
+        <p:pic>
+          <p:nvPicPr>
+            <p:cNvPr id="41" name="Picture 40">
+              <a:extLst>
+                <a:ext uri="{FF2B5EF4-FFF2-40B4-BE49-F238E27FC236}">
+                  <a16:creationId xmlns:a16="http://schemas.microsoft.com/office/drawing/2014/main" id="{CC6B6144-3063-4DC8-AFFE-4DF39B8E0A63}"/>
+                </a:ext>
+              </a:extLst>
+            </p:cNvPr>
+            <p:cNvPicPr>
+              <a:picLocks noChangeAspect="1"/>
+            </p:cNvPicPr>
+            <p:nvPr/>
+          </p:nvPicPr>
+          <p:blipFill>
+            <a:blip r:embed="rId5"/>
+            <a:stretch>
+              <a:fillRect/>
+            </a:stretch>
+          </p:blipFill>
+          <p:spPr>
+            <a:xfrm>
+              <a:off x="2021373" y="526936"/>
+              <a:ext cx="2968817" cy="1663733"/>
+            </a:xfrm>
+            <a:prstGeom prst="rect">
+              <a:avLst/>
+            </a:prstGeom>
+          </p:spPr>
+        </p:pic>
+        <p:sp>
+          <p:nvSpPr>
+            <p:cNvPr id="14" name="Oval 13"/>
+            <p:cNvSpPr/>
+            <p:nvPr/>
+          </p:nvSpPr>
+          <p:spPr bwMode="auto">
+            <a:xfrm rot="20240795">
+              <a:off x="3210426" y="846140"/>
+              <a:ext cx="483510" cy="499241"/>
+            </a:xfrm>
+            <a:prstGeom prst="ellipse">
+              <a:avLst/>
+            </a:prstGeom>
+            <a:noFill/>
+            <a:ln w="19050">
+              <a:solidFill>
+                <a:srgbClr val="0070C0"/>
+              </a:solidFill>
+              <a:headEnd/>
+              <a:tailEnd/>
+            </a:ln>
+            <a:effectLst/>
+          </p:spPr>
+          <p:style>
+            <a:lnRef idx="1">
+              <a:schemeClr val="accent1"/>
+            </a:lnRef>
+            <a:fillRef idx="3">
+              <a:schemeClr val="accent1"/>
+            </a:fillRef>
+            <a:effectRef idx="2">
+              <a:schemeClr val="accent1"/>
+            </a:effectRef>
+            <a:fontRef idx="minor">
+              <a:schemeClr val="lt1"/>
+            </a:fontRef>
+          </p:style>
+          <p:txBody>
+            <a:bodyPr rot="0" spcFirstLastPara="0" vertOverflow="overflow" horzOverflow="overflow" vert="horz" wrap="square" lIns="72000" tIns="72000" rIns="72000" bIns="72000" numCol="1" spcCol="0" rtlCol="0" fromWordArt="0" anchor="t" anchorCtr="0" forceAA="0" compatLnSpc="1">
+              <a:prstTxWarp prst="textNoShape">
+                <a:avLst/>
+              </a:prstTxWarp>
+              <a:noAutofit/>
+            </a:bodyPr>
+            <a:lstStyle/>
+            <a:p>
+              <a:pPr marL="180975" indent="-180975" algn="ctr" eaLnBrk="0" hangingPunct="0">
+                <a:buClr>
+                  <a:schemeClr val="bg1"/>
+                </a:buClr>
+                <a:buFont typeface="Arial" pitchFamily="34" charset="0"/>
+                <a:buChar char="–"/>
+              </a:pPr>
+              <a:endParaRPr lang="en-US" sz="1200" b="1" kern="0" dirty="0" err="1">
+                <a:solidFill>
+                  <a:srgbClr val="FFFFFF"/>
+                </a:solidFill>
+                <a:latin typeface="Arial"/>
+              </a:endParaRPr>
+            </a:p>
+          </p:txBody>
+        </p:sp>
+        <p:sp>
+          <p:nvSpPr>
+            <p:cNvPr id="15" name="Oval 14"/>
+            <p:cNvSpPr/>
+            <p:nvPr/>
+          </p:nvSpPr>
+          <p:spPr bwMode="auto">
+            <a:xfrm>
+              <a:off x="4095750" y="530941"/>
+              <a:ext cx="819149" cy="523219"/>
+            </a:xfrm>
+            <a:prstGeom prst="ellipse">
+              <a:avLst/>
+            </a:prstGeom>
+            <a:noFill/>
+            <a:ln w="19050">
+              <a:solidFill>
+                <a:schemeClr val="accent4">
+                  <a:lumMod val="75000"/>
+                </a:schemeClr>
+              </a:solidFill>
+              <a:headEnd/>
+              <a:tailEnd/>
+            </a:ln>
+            <a:effectLst/>
+          </p:spPr>
+          <p:style>
+            <a:lnRef idx="1">
+              <a:schemeClr val="accent1"/>
+            </a:lnRef>
+            <a:fillRef idx="3">
+              <a:schemeClr val="accent1"/>
+            </a:fillRef>
+            <a:effectRef idx="2">
+              <a:schemeClr val="accent1"/>
+            </a:effectRef>
+            <a:fontRef idx="minor">
+              <a:schemeClr val="lt1"/>
+            </a:fontRef>
+          </p:style>
+          <p:txBody>
+            <a:bodyPr rot="0" spcFirstLastPara="0" vertOverflow="overflow" horzOverflow="overflow" vert="horz" wrap="square" lIns="72000" tIns="72000" rIns="72000" bIns="72000" numCol="1" spcCol="0" rtlCol="0" fromWordArt="0" anchor="t" anchorCtr="0" forceAA="0" compatLnSpc="1">
+              <a:prstTxWarp prst="textNoShape">
+                <a:avLst/>
+              </a:prstTxWarp>
+              <a:noAutofit/>
+            </a:bodyPr>
+            <a:lstStyle/>
+            <a:p>
+              <a:pPr marL="180975" indent="-180975" algn="ctr" eaLnBrk="0" hangingPunct="0">
+                <a:buClr>
+                  <a:schemeClr val="bg1"/>
+                </a:buClr>
+                <a:buFont typeface="Arial" pitchFamily="34" charset="0"/>
+                <a:buChar char="–"/>
+              </a:pPr>
+              <a:endParaRPr lang="en-US" sz="1200" b="1" kern="0" dirty="0" err="1">
+                <a:solidFill>
+                  <a:srgbClr val="FFC000"/>
+                </a:solidFill>
+                <a:latin typeface="Arial"/>
+              </a:endParaRPr>
+            </a:p>
+          </p:txBody>
+        </p:sp>
+        <p:sp>
+          <p:nvSpPr>
+            <p:cNvPr id="16" name="Oval 15"/>
+            <p:cNvSpPr/>
+            <p:nvPr/>
+          </p:nvSpPr>
+          <p:spPr bwMode="auto">
+            <a:xfrm rot="15049394">
+              <a:off x="3529066" y="215475"/>
+              <a:ext cx="687934" cy="1443133"/>
+            </a:xfrm>
+            <a:prstGeom prst="ellipse">
+              <a:avLst/>
+            </a:prstGeom>
+            <a:noFill/>
+            <a:ln w="19050">
+              <a:solidFill>
+                <a:srgbClr val="FF0066"/>
+              </a:solidFill>
+              <a:headEnd/>
+              <a:tailEnd/>
+            </a:ln>
+            <a:effectLst/>
+          </p:spPr>
+          <p:style>
+            <a:lnRef idx="1">
+              <a:schemeClr val="accent1"/>
+            </a:lnRef>
+            <a:fillRef idx="3">
+              <a:schemeClr val="accent1"/>
+            </a:fillRef>
+            <a:effectRef idx="2">
+              <a:schemeClr val="accent1"/>
+            </a:effectRef>
+            <a:fontRef idx="minor">
+              <a:schemeClr val="lt1"/>
+            </a:fontRef>
+          </p:style>
+          <p:txBody>
+            <a:bodyPr rot="0" spcFirstLastPara="0" vertOverflow="overflow" horzOverflow="overflow" vert="horz" wrap="square" lIns="72000" tIns="72000" rIns="72000" bIns="72000" numCol="1" spcCol="0" rtlCol="0" fromWordArt="0" anchor="t" anchorCtr="0" forceAA="0" compatLnSpc="1">
+              <a:prstTxWarp prst="textNoShape">
+                <a:avLst/>
+              </a:prstTxWarp>
+              <a:noAutofit/>
+            </a:bodyPr>
+            <a:lstStyle/>
+            <a:p>
+              <a:pPr marL="180975" indent="-180975" algn="ctr" eaLnBrk="0" hangingPunct="0">
+                <a:buClr>
+                  <a:schemeClr val="bg1"/>
+                </a:buClr>
+                <a:buFont typeface="Arial" pitchFamily="34" charset="0"/>
+                <a:buChar char="–"/>
+              </a:pPr>
+              <a:endParaRPr lang="en-US" sz="1200" b="1" kern="0" dirty="0" err="1">
+                <a:solidFill>
+                  <a:srgbClr val="FFFFFF"/>
+                </a:solidFill>
+                <a:latin typeface="Arial"/>
+              </a:endParaRPr>
+            </a:p>
+          </p:txBody>
+        </p:sp>
+        <p:sp>
+          <p:nvSpPr>
+            <p:cNvPr id="43" name="Right Arrow 20">
+              <a:extLst>
+                <a:ext uri="{FF2B5EF4-FFF2-40B4-BE49-F238E27FC236}">
+                  <a16:creationId xmlns:a16="http://schemas.microsoft.com/office/drawing/2014/main" id="{CC5CE671-4B23-4D70-9BEB-7966EFAB5C3D}"/>
+                </a:ext>
+              </a:extLst>
+            </p:cNvPr>
+            <p:cNvSpPr/>
+            <p:nvPr/>
+          </p:nvSpPr>
+          <p:spPr bwMode="auto">
+            <a:xfrm rot="5400000">
+              <a:off x="3407325" y="1668030"/>
+              <a:ext cx="431568" cy="233838"/>
+            </a:xfrm>
+            <a:prstGeom prst="rightArrow">
+              <a:avLst/>
+            </a:prstGeom>
+            <a:solidFill>
+              <a:srgbClr val="FF6600"/>
+            </a:solidFill>
+            <a:ln w="9525" cap="flat" cmpd="sng" algn="ctr">
+              <a:noFill/>
+              <a:prstDash val="solid"/>
+              <a:headEnd/>
+              <a:tailEnd/>
+            </a:ln>
+            <a:effectLst/>
+          </p:spPr>
+          <p:txBody>
+            <a:bodyPr rot="0" spcFirstLastPara="0" vertOverflow="overflow" horzOverflow="overflow" vert="horz" wrap="square" lIns="72000" tIns="72000" rIns="72000" bIns="72000" numCol="1" spcCol="0" rtlCol="0" fromWordArt="0" anchor="t" anchorCtr="0" forceAA="0" compatLnSpc="1">
+              <a:prstTxWarp prst="textNoShape">
+                <a:avLst/>
+              </a:prstTxWarp>
+              <a:noAutofit/>
+            </a:bodyPr>
+            <a:lstStyle/>
+            <a:p>
+              <a:pPr marL="180975" marR="0" lvl="0" indent="-180975" algn="ctr" defTabSz="914400" eaLnBrk="0" fontAlgn="auto" latinLnBrk="0" hangingPunct="0">
+                <a:lnSpc>
+                  <a:spcPct val="100000"/>
+                </a:lnSpc>
+                <a:spcBef>
+                  <a:spcPts val="0"/>
+                </a:spcBef>
+                <a:spcAft>
+                  <a:spcPts val="0"/>
+                </a:spcAft>
+                <a:buClr>
+                  <a:srgbClr val="FFFFFF"/>
+                </a:buClr>
+                <a:buSzTx/>
+                <a:buFont typeface="Arial" pitchFamily="34" charset="0"/>
+                <a:buChar char="–"/>
+                <a:tabLst/>
+                <a:defRPr/>
+              </a:pPr>
+              <a:endParaRPr kumimoji="0" lang="en-US" sz="1200" b="1" i="0" u="none" strike="noStrike" kern="0" cap="none" spc="0" normalizeH="0" baseline="0" noProof="0" dirty="0" err="1">
+                <a:ln>
+                  <a:noFill/>
+                </a:ln>
+                <a:solidFill>
+                  <a:srgbClr val="FFFFFF"/>
+                </a:solidFill>
+                <a:effectLst/>
+                <a:uLnTx/>
+                <a:uFillTx/>
+                <a:latin typeface="Arial"/>
+                <a:ea typeface="+mn-ea"/>
+                <a:cs typeface="+mn-cs"/>
+              </a:endParaRPr>
+            </a:p>
+          </p:txBody>
+        </p:sp>
+      </p:grpSp>
+      <p:pic>
+        <p:nvPicPr>
+          <p:cNvPr id="27" name="Picture 26">
+            <a:extLst>
+              <a:ext uri="{FF2B5EF4-FFF2-40B4-BE49-F238E27FC236}">
+                <a16:creationId xmlns:a16="http://schemas.microsoft.com/office/drawing/2014/main" id="{F192E7D6-0878-4FC2-83D3-02A1B3E4A4B1}"/>
               </a:ext>
             </a:extLst>
           </p:cNvPr>
@@ -7892,38 +8650,185 @@
           </p:cNvPicPr>
           <p:nvPr/>
         </p:nvPicPr>
-        <p:blipFill>
-          <a:blip r:embed="rId2"/>
-          <a:stretch>
-            <a:fillRect/>
-          </a:stretch>
+        <p:blipFill rotWithShape="1">
+          <a:blip r:embed="rId6"/>
+          <a:srcRect l="85931" t="37005" r="2232" b="13447"/>
+          <a:stretch/>
         </p:blipFill>
         <p:spPr>
           <a:xfrm>
-            <a:off x="1908042" y="112202"/>
-            <a:ext cx="2968817" cy="1663733"/>
+            <a:off x="8234334" y="771892"/>
+            <a:ext cx="1319942" cy="2824073"/>
           </a:xfrm>
           <a:prstGeom prst="rect">
             <a:avLst/>
           </a:prstGeom>
+          <a:ln>
+            <a:solidFill>
+              <a:schemeClr val="bg1">
+                <a:lumMod val="65000"/>
+              </a:schemeClr>
+            </a:solidFill>
+          </a:ln>
         </p:spPr>
       </p:pic>
       <p:sp>
         <p:nvSpPr>
-          <p:cNvPr id="4" name="TextBox 3">
-            <a:extLst>
-              <a:ext uri="{FF2B5EF4-FFF2-40B4-BE49-F238E27FC236}">
-                <a16:creationId xmlns:a16="http://schemas.microsoft.com/office/drawing/2014/main" id="{418E0466-7AF6-4334-97C8-70D85337B61E}"/>
-              </a:ext>
-            </a:extLst>
-          </p:cNvPr>
+          <p:cNvPr id="25" name="TextBox 24"/>
           <p:cNvSpPr txBox="1"/>
           <p:nvPr/>
         </p:nvSpPr>
         <p:spPr>
           <a:xfrm>
-            <a:off x="2438774" y="574737"/>
-            <a:ext cx="301686" cy="369332"/>
+            <a:off x="516781" y="575964"/>
+            <a:ext cx="2886295" cy="584775"/>
+          </a:xfrm>
+          <a:prstGeom prst="rect">
+            <a:avLst/>
+          </a:prstGeom>
+          <a:solidFill>
+            <a:schemeClr val="bg1"/>
+          </a:solidFill>
+        </p:spPr>
+        <p:txBody>
+          <a:bodyPr wrap="square" rtlCol="0">
+            <a:spAutoFit/>
+          </a:bodyPr>
+          <a:lstStyle/>
+          <a:p>
+            <a:pPr marL="171450" indent="-171450">
+              <a:buClr>
+                <a:schemeClr val="tx1"/>
+              </a:buClr>
+            </a:pPr>
+            <a:r>
+              <a:rPr lang="en-US" sz="1600" dirty="0"/>
+              <a:t>Each </a:t>
+            </a:r>
+            <a:r>
+              <a:rPr lang="en-US" sz="1600" u="sng" dirty="0"/>
+              <a:t>pie</a:t>
+            </a:r>
+            <a:r>
+              <a:rPr lang="en-US" sz="1600" dirty="0"/>
+              <a:t> is one </a:t>
+            </a:r>
+            <a:r>
+              <a:rPr lang="en-US" sz="1600" i="1" dirty="0"/>
+              <a:t>compound</a:t>
+            </a:r>
+          </a:p>
+          <a:p>
+            <a:pPr marL="171450" indent="-171450">
+              <a:buClr>
+                <a:schemeClr val="tx1"/>
+              </a:buClr>
+            </a:pPr>
+            <a:r>
+              <a:rPr lang="en-US" sz="1600" dirty="0"/>
+              <a:t>Each </a:t>
+            </a:r>
+            <a:r>
+              <a:rPr lang="en-US" sz="1600" u="sng" dirty="0"/>
+              <a:t>sector/color</a:t>
+            </a:r>
+            <a:r>
+              <a:rPr lang="en-US" sz="1600" dirty="0"/>
+              <a:t> is one </a:t>
+            </a:r>
+            <a:r>
+              <a:rPr lang="en-US" sz="1600" i="1" dirty="0"/>
+              <a:t>scaffold</a:t>
+            </a:r>
+            <a:endParaRPr lang="en-US" sz="1600" dirty="0"/>
+          </a:p>
+        </p:txBody>
+      </p:sp>
+      <p:sp>
+        <p:nvSpPr>
+          <p:cNvPr id="30" name="Oval 29">
+            <a:extLst>
+              <a:ext uri="{FF2B5EF4-FFF2-40B4-BE49-F238E27FC236}">
+                <a16:creationId xmlns:a16="http://schemas.microsoft.com/office/drawing/2014/main" id="{467304A6-828F-4451-BF8A-3127EC47ED43}"/>
+              </a:ext>
+            </a:extLst>
+          </p:cNvPr>
+          <p:cNvSpPr/>
+          <p:nvPr/>
+        </p:nvSpPr>
+        <p:spPr bwMode="auto">
+          <a:xfrm>
+            <a:off x="9845077" y="4215531"/>
+            <a:ext cx="146304" cy="146304"/>
+          </a:xfrm>
+          <a:prstGeom prst="ellipse">
+            <a:avLst/>
+          </a:prstGeom>
+          <a:noFill/>
+          <a:ln w="19050">
+            <a:solidFill>
+              <a:srgbClr val="002060"/>
+            </a:solidFill>
+            <a:headEnd/>
+            <a:tailEnd/>
+          </a:ln>
+          <a:effectLst/>
+        </p:spPr>
+        <p:style>
+          <a:lnRef idx="1">
+            <a:schemeClr val="accent1"/>
+          </a:lnRef>
+          <a:fillRef idx="3">
+            <a:schemeClr val="accent1"/>
+          </a:fillRef>
+          <a:effectRef idx="2">
+            <a:schemeClr val="accent1"/>
+          </a:effectRef>
+          <a:fontRef idx="minor">
+            <a:schemeClr val="lt1"/>
+          </a:fontRef>
+        </p:style>
+        <p:txBody>
+          <a:bodyPr rot="0" spcFirstLastPara="0" vertOverflow="overflow" horzOverflow="overflow" vert="horz" wrap="square" lIns="72000" tIns="72000" rIns="72000" bIns="72000" numCol="1" spcCol="0" rtlCol="0" fromWordArt="0" anchor="t" anchorCtr="0" forceAA="0" compatLnSpc="1">
+            <a:prstTxWarp prst="textNoShape">
+              <a:avLst/>
+            </a:prstTxWarp>
+            <a:noAutofit/>
+          </a:bodyPr>
+          <a:lstStyle/>
+          <a:p>
+            <a:pPr marL="180975" indent="-180975" algn="ctr" eaLnBrk="0" hangingPunct="0">
+              <a:buClr>
+                <a:schemeClr val="bg1"/>
+              </a:buClr>
+              <a:buFont typeface="Arial" pitchFamily="34" charset="0"/>
+              <a:buChar char="–"/>
+            </a:pPr>
+            <a:endParaRPr lang="en-US" sz="1200" b="1" kern="0" dirty="0" err="1">
+              <a:solidFill>
+                <a:srgbClr val="FFFFFF"/>
+              </a:solidFill>
+              <a:latin typeface="Arial"/>
+            </a:endParaRPr>
+          </a:p>
+        </p:txBody>
+      </p:sp>
+      <p:sp>
+        <p:nvSpPr>
+          <p:cNvPr id="62" name="TextBox 61">
+            <a:extLst>
+              <a:ext uri="{FF2B5EF4-FFF2-40B4-BE49-F238E27FC236}">
+                <a16:creationId xmlns:a16="http://schemas.microsoft.com/office/drawing/2014/main" id="{EEC7F5D6-2469-41A3-8080-7F4DE6923989}"/>
+              </a:ext>
+            </a:extLst>
+          </p:cNvPr>
+          <p:cNvSpPr txBox="1"/>
+          <p:nvPr/>
+        </p:nvSpPr>
+        <p:spPr>
+          <a:xfrm rot="16200000">
+            <a:off x="-279379" y="2914159"/>
+            <a:ext cx="887671" cy="338554"/>
           </a:xfrm>
           <a:prstGeom prst="rect">
             <a:avLst/>
@@ -7931,91 +8836,93 @@
           <a:noFill/>
         </p:spPr>
         <p:txBody>
-          <a:bodyPr wrap="none" rtlCol="0">
+          <a:bodyPr wrap="square" rtlCol="0">
             <a:spAutoFit/>
           </a:bodyPr>
           <a:lstStyle/>
           <a:p>
             <a:r>
-              <a:rPr lang="en-US" dirty="0">
-                <a:solidFill>
-                  <a:srgbClr val="FF0000"/>
-                </a:solidFill>
-                <a:highlight>
-                  <a:srgbClr val="FFFF00"/>
-                </a:highlight>
-              </a:rPr>
-              <a:t>0</a:t>
-            </a:r>
-          </a:p>
-        </p:txBody>
-      </p:sp>
-      <p:pic>
-        <p:nvPicPr>
-          <p:cNvPr id="5" name="Picture 4">
-            <a:extLst>
-              <a:ext uri="{FF2B5EF4-FFF2-40B4-BE49-F238E27FC236}">
-                <a16:creationId xmlns:a16="http://schemas.microsoft.com/office/drawing/2014/main" id="{35BAA319-0341-4699-8B85-640AE73DA63A}"/>
-              </a:ext>
-            </a:extLst>
-          </p:cNvPr>
-          <p:cNvPicPr>
-            <a:picLocks noChangeAspect="1"/>
-          </p:cNvPicPr>
+              <a:rPr lang="en-US" sz="1600" dirty="0"/>
+              <a:t>Avg(IFI)</a:t>
+            </a:r>
+          </a:p>
+        </p:txBody>
+      </p:sp>
+      <p:sp>
+        <p:nvSpPr>
+          <p:cNvPr id="49" name="Oval 48">
+            <a:extLst>
+              <a:ext uri="{FF2B5EF4-FFF2-40B4-BE49-F238E27FC236}">
+                <a16:creationId xmlns:a16="http://schemas.microsoft.com/office/drawing/2014/main" id="{4C7B172F-AA65-4AA0-A497-DACF3657F902}"/>
+              </a:ext>
+            </a:extLst>
+          </p:cNvPr>
+          <p:cNvSpPr/>
           <p:nvPr/>
-        </p:nvPicPr>
-        <p:blipFill>
-          <a:blip r:embed="rId3"/>
-          <a:stretch>
-            <a:fillRect/>
-          </a:stretch>
-        </p:blipFill>
-        <p:spPr>
-          <a:xfrm>
-            <a:off x="1671804" y="2751553"/>
-            <a:ext cx="1835625" cy="1312001"/>
-          </a:xfrm>
-          <a:prstGeom prst="rect">
+        </p:nvSpPr>
+        <p:spPr bwMode="auto">
+          <a:xfrm>
+            <a:off x="6195126" y="4311657"/>
+            <a:ext cx="146304" cy="146304"/>
+          </a:xfrm>
+          <a:prstGeom prst="ellipse">
             <a:avLst/>
           </a:prstGeom>
-        </p:spPr>
-      </p:pic>
-      <p:pic>
-        <p:nvPicPr>
-          <p:cNvPr id="6" name="Picture 5">
-            <a:extLst>
-              <a:ext uri="{FF2B5EF4-FFF2-40B4-BE49-F238E27FC236}">
-                <a16:creationId xmlns:a16="http://schemas.microsoft.com/office/drawing/2014/main" id="{393B3EB9-2D3B-4171-8E2A-61BF99F3AEB8}"/>
-              </a:ext>
-            </a:extLst>
-          </p:cNvPr>
-          <p:cNvPicPr>
-            <a:picLocks noChangeAspect="1"/>
-          </p:cNvPicPr>
-          <p:nvPr/>
-        </p:nvPicPr>
-        <p:blipFill>
-          <a:blip r:embed="rId4"/>
-          <a:stretch>
-            <a:fillRect/>
-          </a:stretch>
-        </p:blipFill>
-        <p:spPr>
-          <a:xfrm>
-            <a:off x="328233" y="3817053"/>
-            <a:ext cx="3593859" cy="2034370"/>
-          </a:xfrm>
-          <a:prstGeom prst="rect">
-            <a:avLst/>
-          </a:prstGeom>
-        </p:spPr>
-      </p:pic>
-      <p:sp>
-        <p:nvSpPr>
-          <p:cNvPr id="7" name="TextBox 6">
-            <a:extLst>
-              <a:ext uri="{FF2B5EF4-FFF2-40B4-BE49-F238E27FC236}">
-                <a16:creationId xmlns:a16="http://schemas.microsoft.com/office/drawing/2014/main" id="{4F380B29-8BDE-4073-B1B3-9C5BA709D162}"/>
+          <a:noFill/>
+          <a:ln w="19050">
+            <a:solidFill>
+              <a:srgbClr val="002060"/>
+            </a:solidFill>
+            <a:headEnd/>
+            <a:tailEnd/>
+          </a:ln>
+          <a:effectLst/>
+        </p:spPr>
+        <p:style>
+          <a:lnRef idx="1">
+            <a:schemeClr val="accent1"/>
+          </a:lnRef>
+          <a:fillRef idx="3">
+            <a:schemeClr val="accent1"/>
+          </a:fillRef>
+          <a:effectRef idx="2">
+            <a:schemeClr val="accent1"/>
+          </a:effectRef>
+          <a:fontRef idx="minor">
+            <a:schemeClr val="lt1"/>
+          </a:fontRef>
+        </p:style>
+        <p:txBody>
+          <a:bodyPr rot="0" spcFirstLastPara="0" vertOverflow="overflow" horzOverflow="overflow" vert="horz" wrap="square" lIns="72000" tIns="72000" rIns="72000" bIns="72000" numCol="1" spcCol="0" rtlCol="0" fromWordArt="0" anchor="t" anchorCtr="0" forceAA="0" compatLnSpc="1">
+            <a:prstTxWarp prst="textNoShape">
+              <a:avLst/>
+            </a:prstTxWarp>
+            <a:noAutofit/>
+          </a:bodyPr>
+          <a:lstStyle/>
+          <a:p>
+            <a:pPr marL="180975" indent="-180975" algn="ctr" eaLnBrk="0" hangingPunct="0">
+              <a:buClr>
+                <a:schemeClr val="bg1"/>
+              </a:buClr>
+              <a:buFont typeface="Arial" pitchFamily="34" charset="0"/>
+              <a:buChar char="–"/>
+            </a:pPr>
+            <a:endParaRPr lang="en-US" sz="1200" b="1" kern="0" dirty="0" err="1">
+              <a:solidFill>
+                <a:srgbClr val="FFFFFF"/>
+              </a:solidFill>
+              <a:latin typeface="Arial"/>
+            </a:endParaRPr>
+          </a:p>
+        </p:txBody>
+      </p:sp>
+      <p:sp>
+        <p:nvSpPr>
+          <p:cNvPr id="10" name="TextBox 9">
+            <a:extLst>
+              <a:ext uri="{FF2B5EF4-FFF2-40B4-BE49-F238E27FC236}">
+                <a16:creationId xmlns:a16="http://schemas.microsoft.com/office/drawing/2014/main" id="{7E71128A-2A29-4E3D-A343-9EB76C393EAB}"/>
               </a:ext>
             </a:extLst>
           </p:cNvPr>
@@ -8024,8 +8931,8 @@
         </p:nvSpPr>
         <p:spPr>
           <a:xfrm>
-            <a:off x="1245292" y="3073296"/>
-            <a:ext cx="301686" cy="369332"/>
+            <a:off x="5863472" y="3940402"/>
+            <a:ext cx="395926" cy="523220"/>
           </a:xfrm>
           <a:prstGeom prst="rect">
             <a:avLst/>
@@ -8033,31 +8940,24 @@
           <a:noFill/>
         </p:spPr>
         <p:txBody>
-          <a:bodyPr wrap="none" rtlCol="0">
+          <a:bodyPr wrap="square" rtlCol="0">
             <a:spAutoFit/>
           </a:bodyPr>
           <a:lstStyle/>
           <a:p>
             <a:r>
-              <a:rPr lang="en-US" dirty="0">
-                <a:solidFill>
-                  <a:srgbClr val="FF0000"/>
-                </a:solidFill>
-                <a:highlight>
-                  <a:srgbClr val="FFFF00"/>
-                </a:highlight>
-              </a:rPr>
-              <a:t>1</a:t>
-            </a:r>
-          </a:p>
-        </p:txBody>
-      </p:sp>
-      <p:sp>
-        <p:nvSpPr>
-          <p:cNvPr id="8" name="TextBox 7">
-            <a:extLst>
-              <a:ext uri="{FF2B5EF4-FFF2-40B4-BE49-F238E27FC236}">
-                <a16:creationId xmlns:a16="http://schemas.microsoft.com/office/drawing/2014/main" id="{4F1600EA-618E-4281-9D6E-54750858BC8F}"/>
+              <a:rPr lang="en-US" sz="2800" dirty="0"/>
+              <a:t>a</a:t>
+            </a:r>
+          </a:p>
+        </p:txBody>
+      </p:sp>
+      <p:sp>
+        <p:nvSpPr>
+          <p:cNvPr id="55" name="TextBox 54">
+            <a:extLst>
+              <a:ext uri="{FF2B5EF4-FFF2-40B4-BE49-F238E27FC236}">
+                <a16:creationId xmlns:a16="http://schemas.microsoft.com/office/drawing/2014/main" id="{6B70E224-0DEE-4684-A3A3-B1112D4FD6EE}"/>
               </a:ext>
             </a:extLst>
           </p:cNvPr>
@@ -8066,8 +8966,8 @@
         </p:nvSpPr>
         <p:spPr>
           <a:xfrm>
-            <a:off x="1361190" y="4711740"/>
-            <a:ext cx="248635" cy="378416"/>
+            <a:off x="7663991" y="4876396"/>
+            <a:ext cx="431751" cy="523220"/>
           </a:xfrm>
           <a:prstGeom prst="rect">
             <a:avLst/>
@@ -8081,85 +8981,18 @@
           <a:lstStyle/>
           <a:p>
             <a:r>
-              <a:rPr lang="en-US" dirty="0">
-                <a:solidFill>
-                  <a:srgbClr val="FF0000"/>
-                </a:solidFill>
-                <a:highlight>
-                  <a:srgbClr val="FFFF00"/>
-                </a:highlight>
-              </a:rPr>
-              <a:t>2</a:t>
-            </a:r>
-          </a:p>
-        </p:txBody>
-      </p:sp>
-      <p:pic>
-        <p:nvPicPr>
-          <p:cNvPr id="9" name="Picture 8">
-            <a:extLst>
-              <a:ext uri="{FF2B5EF4-FFF2-40B4-BE49-F238E27FC236}">
-                <a16:creationId xmlns:a16="http://schemas.microsoft.com/office/drawing/2014/main" id="{EADD05B5-CF7C-4ACA-8ED1-9FD9C3068996}"/>
-              </a:ext>
-            </a:extLst>
-          </p:cNvPr>
-          <p:cNvPicPr>
-            <a:picLocks noChangeAspect="1"/>
-          </p:cNvPicPr>
-          <p:nvPr/>
-        </p:nvPicPr>
-        <p:blipFill>
-          <a:blip r:embed="rId5"/>
-          <a:stretch>
-            <a:fillRect/>
-          </a:stretch>
-        </p:blipFill>
-        <p:spPr>
-          <a:xfrm>
-            <a:off x="5167891" y="2931056"/>
-            <a:ext cx="1301275" cy="952297"/>
-          </a:xfrm>
-          <a:prstGeom prst="rect">
-            <a:avLst/>
-          </a:prstGeom>
-        </p:spPr>
-      </p:pic>
-      <p:pic>
-        <p:nvPicPr>
-          <p:cNvPr id="10" name="Picture 9">
-            <a:extLst>
-              <a:ext uri="{FF2B5EF4-FFF2-40B4-BE49-F238E27FC236}">
-                <a16:creationId xmlns:a16="http://schemas.microsoft.com/office/drawing/2014/main" id="{EE7974B6-B665-4246-ADD8-4575056A8705}"/>
-              </a:ext>
-            </a:extLst>
-          </p:cNvPr>
-          <p:cNvPicPr>
-            <a:picLocks noChangeAspect="1"/>
-          </p:cNvPicPr>
-          <p:nvPr/>
-        </p:nvPicPr>
-        <p:blipFill>
-          <a:blip r:embed="rId6"/>
-          <a:stretch>
-            <a:fillRect/>
-          </a:stretch>
-        </p:blipFill>
-        <p:spPr>
-          <a:xfrm>
-            <a:off x="4827082" y="4419987"/>
-            <a:ext cx="1982891" cy="1431436"/>
-          </a:xfrm>
-          <a:prstGeom prst="rect">
-            <a:avLst/>
-          </a:prstGeom>
-        </p:spPr>
-      </p:pic>
-      <p:sp>
-        <p:nvSpPr>
-          <p:cNvPr id="11" name="TextBox 10">
-            <a:extLst>
-              <a:ext uri="{FF2B5EF4-FFF2-40B4-BE49-F238E27FC236}">
-                <a16:creationId xmlns:a16="http://schemas.microsoft.com/office/drawing/2014/main" id="{9E171D8C-183E-4B04-A877-CDEBCAE74523}"/>
+              <a:rPr lang="en-US" sz="2800" dirty="0"/>
+              <a:t>b</a:t>
+            </a:r>
+          </a:p>
+        </p:txBody>
+      </p:sp>
+      <p:sp>
+        <p:nvSpPr>
+          <p:cNvPr id="57" name="TextBox 56">
+            <a:extLst>
+              <a:ext uri="{FF2B5EF4-FFF2-40B4-BE49-F238E27FC236}">
+                <a16:creationId xmlns:a16="http://schemas.microsoft.com/office/drawing/2014/main" id="{DFD96F7D-A3B9-49CE-AD1C-73937CE8D203}"/>
               </a:ext>
             </a:extLst>
           </p:cNvPr>
@@ -8168,8 +9001,8 @@
         </p:nvSpPr>
         <p:spPr>
           <a:xfrm>
-            <a:off x="4238378" y="3073296"/>
-            <a:ext cx="248635" cy="378416"/>
+            <a:off x="9473937" y="3838615"/>
+            <a:ext cx="463145" cy="523220"/>
           </a:xfrm>
           <a:prstGeom prst="rect">
             <a:avLst/>
@@ -8183,25 +9016,18 @@
           <a:lstStyle/>
           <a:p>
             <a:r>
-              <a:rPr lang="en-US" dirty="0">
-                <a:solidFill>
-                  <a:srgbClr val="FF0000"/>
-                </a:solidFill>
-                <a:highlight>
-                  <a:srgbClr val="FFFF00"/>
-                </a:highlight>
-              </a:rPr>
-              <a:t>3</a:t>
-            </a:r>
-          </a:p>
-        </p:txBody>
-      </p:sp>
-      <p:sp>
-        <p:nvSpPr>
-          <p:cNvPr id="12" name="TextBox 11">
-            <a:extLst>
-              <a:ext uri="{FF2B5EF4-FFF2-40B4-BE49-F238E27FC236}">
-                <a16:creationId xmlns:a16="http://schemas.microsoft.com/office/drawing/2014/main" id="{8B7C4D50-C30E-4C9E-9328-44577068B941}"/>
+              <a:rPr lang="en-US" sz="2800" dirty="0"/>
+              <a:t>c</a:t>
+            </a:r>
+          </a:p>
+        </p:txBody>
+      </p:sp>
+      <p:sp>
+        <p:nvSpPr>
+          <p:cNvPr id="58" name="TextBox 57">
+            <a:extLst>
+              <a:ext uri="{FF2B5EF4-FFF2-40B4-BE49-F238E27FC236}">
+                <a16:creationId xmlns:a16="http://schemas.microsoft.com/office/drawing/2014/main" id="{123D4A71-4653-4B88-9844-3AD178AB2305}"/>
               </a:ext>
             </a:extLst>
           </p:cNvPr>
@@ -8210,8 +9036,8 @@
         </p:nvSpPr>
         <p:spPr>
           <a:xfrm>
-            <a:off x="4286496" y="4711740"/>
-            <a:ext cx="248635" cy="378416"/>
+            <a:off x="5167459" y="963103"/>
+            <a:ext cx="395926" cy="523220"/>
           </a:xfrm>
           <a:prstGeom prst="rect">
             <a:avLst/>
@@ -8225,25 +9051,18 @@
           <a:lstStyle/>
           <a:p>
             <a:r>
-              <a:rPr lang="en-US" dirty="0">
-                <a:solidFill>
-                  <a:srgbClr val="FF0000"/>
-                </a:solidFill>
-                <a:highlight>
-                  <a:srgbClr val="FFFF00"/>
-                </a:highlight>
-              </a:rPr>
-              <a:t>4</a:t>
-            </a:r>
-          </a:p>
-        </p:txBody>
-      </p:sp>
-      <p:sp>
-        <p:nvSpPr>
-          <p:cNvPr id="13" name="TextBox 12">
-            <a:extLst>
-              <a:ext uri="{FF2B5EF4-FFF2-40B4-BE49-F238E27FC236}">
-                <a16:creationId xmlns:a16="http://schemas.microsoft.com/office/drawing/2014/main" id="{CA897C9C-42FF-43EF-8A11-B1FB6BB91B40}"/>
+              <a:rPr lang="en-US" sz="2800" dirty="0"/>
+              <a:t>1</a:t>
+            </a:r>
+          </a:p>
+        </p:txBody>
+      </p:sp>
+      <p:sp>
+        <p:nvSpPr>
+          <p:cNvPr id="61" name="TextBox 60">
+            <a:extLst>
+              <a:ext uri="{FF2B5EF4-FFF2-40B4-BE49-F238E27FC236}">
+                <a16:creationId xmlns:a16="http://schemas.microsoft.com/office/drawing/2014/main" id="{4FF0FAEC-9404-433E-9DB7-8C25DBC7491C}"/>
               </a:ext>
             </a:extLst>
           </p:cNvPr>
@@ -8252,8 +9071,8 @@
         </p:nvSpPr>
         <p:spPr>
           <a:xfrm>
-            <a:off x="8273389" y="3073296"/>
-            <a:ext cx="248635" cy="378416"/>
+            <a:off x="8468408" y="5508388"/>
+            <a:ext cx="395926" cy="523220"/>
           </a:xfrm>
           <a:prstGeom prst="rect">
             <a:avLst/>
@@ -8267,125 +9086,85 @@
           <a:lstStyle/>
           <a:p>
             <a:r>
-              <a:rPr lang="en-US" dirty="0">
-                <a:solidFill>
-                  <a:srgbClr val="FF0000"/>
-                </a:solidFill>
-                <a:highlight>
-                  <a:srgbClr val="FFFF00"/>
-                </a:highlight>
-              </a:rPr>
-              <a:t>5</a:t>
-            </a:r>
-          </a:p>
-        </p:txBody>
-      </p:sp>
-      <p:sp>
-        <p:nvSpPr>
-          <p:cNvPr id="14" name="TextBox 13">
-            <a:extLst>
-              <a:ext uri="{FF2B5EF4-FFF2-40B4-BE49-F238E27FC236}">
-                <a16:creationId xmlns:a16="http://schemas.microsoft.com/office/drawing/2014/main" id="{95F4B650-17C0-41F9-B551-1A1ADE6078A6}"/>
-              </a:ext>
-            </a:extLst>
-          </p:cNvPr>
-          <p:cNvSpPr txBox="1"/>
+              <a:rPr lang="en-US" sz="2800" dirty="0"/>
+              <a:t>1</a:t>
+            </a:r>
+          </a:p>
+        </p:txBody>
+      </p:sp>
+      <p:sp>
+        <p:nvSpPr>
+          <p:cNvPr id="66" name="Oval 65">
+            <a:extLst>
+              <a:ext uri="{FF2B5EF4-FFF2-40B4-BE49-F238E27FC236}">
+                <a16:creationId xmlns:a16="http://schemas.microsoft.com/office/drawing/2014/main" id="{6A8DF535-515A-455E-8F0A-6CFAD912B9A2}"/>
+              </a:ext>
+            </a:extLst>
+          </p:cNvPr>
+          <p:cNvSpPr/>
           <p:nvPr/>
         </p:nvSpPr>
-        <p:spPr>
-          <a:xfrm>
-            <a:off x="8269910" y="4711740"/>
-            <a:ext cx="248635" cy="378416"/>
-          </a:xfrm>
-          <a:prstGeom prst="rect">
+        <p:spPr bwMode="auto">
+          <a:xfrm>
+            <a:off x="8619384" y="5491578"/>
+            <a:ext cx="137160" cy="137160"/>
+          </a:xfrm>
+          <a:prstGeom prst="ellipse">
             <a:avLst/>
           </a:prstGeom>
           <a:noFill/>
-        </p:spPr>
-        <p:txBody>
-          <a:bodyPr wrap="square" rtlCol="0">
-            <a:spAutoFit/>
+          <a:ln w="19050">
+            <a:solidFill>
+              <a:schemeClr val="accent2"/>
+            </a:solidFill>
+            <a:headEnd/>
+            <a:tailEnd/>
+          </a:ln>
+          <a:effectLst/>
+        </p:spPr>
+        <p:style>
+          <a:lnRef idx="1">
+            <a:schemeClr val="accent1"/>
+          </a:lnRef>
+          <a:fillRef idx="3">
+            <a:schemeClr val="accent1"/>
+          </a:fillRef>
+          <a:effectRef idx="2">
+            <a:schemeClr val="accent1"/>
+          </a:effectRef>
+          <a:fontRef idx="minor">
+            <a:schemeClr val="lt1"/>
+          </a:fontRef>
+        </p:style>
+        <p:txBody>
+          <a:bodyPr rot="0" spcFirstLastPara="0" vertOverflow="overflow" horzOverflow="overflow" vert="horz" wrap="square" lIns="72000" tIns="72000" rIns="72000" bIns="72000" numCol="1" spcCol="0" rtlCol="0" fromWordArt="0" anchor="t" anchorCtr="0" forceAA="0" compatLnSpc="1">
+            <a:prstTxWarp prst="textNoShape">
+              <a:avLst/>
+            </a:prstTxWarp>
+            <a:noAutofit/>
           </a:bodyPr>
           <a:lstStyle/>
           <a:p>
-            <a:r>
-              <a:rPr lang="en-US" dirty="0">
-                <a:solidFill>
-                  <a:srgbClr val="FF0000"/>
-                </a:solidFill>
-                <a:highlight>
-                  <a:srgbClr val="FFFF00"/>
-                </a:highlight>
-              </a:rPr>
-              <a:t>6</a:t>
-            </a:r>
-          </a:p>
-        </p:txBody>
-      </p:sp>
-      <p:pic>
-        <p:nvPicPr>
-          <p:cNvPr id="15" name="Picture 14">
-            <a:extLst>
-              <a:ext uri="{FF2B5EF4-FFF2-40B4-BE49-F238E27FC236}">
-                <a16:creationId xmlns:a16="http://schemas.microsoft.com/office/drawing/2014/main" id="{DBCF2256-A40B-426D-AA98-651B5F147C0E}"/>
-              </a:ext>
-            </a:extLst>
-          </p:cNvPr>
-          <p:cNvPicPr>
-            <a:picLocks noChangeAspect="1"/>
-          </p:cNvPicPr>
-          <p:nvPr/>
-        </p:nvPicPr>
-        <p:blipFill>
-          <a:blip r:embed="rId7"/>
-          <a:stretch>
-            <a:fillRect/>
-          </a:stretch>
-        </p:blipFill>
-        <p:spPr>
-          <a:xfrm>
-            <a:off x="8684573" y="2418367"/>
-            <a:ext cx="2228049" cy="1846098"/>
-          </a:xfrm>
-          <a:prstGeom prst="rect">
-            <a:avLst/>
-          </a:prstGeom>
-        </p:spPr>
-      </p:pic>
-      <p:pic>
-        <p:nvPicPr>
-          <p:cNvPr id="16" name="Picture 15">
-            <a:extLst>
-              <a:ext uri="{FF2B5EF4-FFF2-40B4-BE49-F238E27FC236}">
-                <a16:creationId xmlns:a16="http://schemas.microsoft.com/office/drawing/2014/main" id="{977419D2-A60A-4980-B525-746F04BBB888}"/>
-              </a:ext>
-            </a:extLst>
-          </p:cNvPr>
-          <p:cNvPicPr>
-            <a:picLocks noChangeAspect="1"/>
-          </p:cNvPicPr>
-          <p:nvPr/>
-        </p:nvPicPr>
-        <p:blipFill>
-          <a:blip r:embed="rId8"/>
-          <a:stretch>
-            <a:fillRect/>
-          </a:stretch>
-        </p:blipFill>
-        <p:spPr>
-          <a:xfrm>
-            <a:off x="9072073" y="4419987"/>
-            <a:ext cx="2591337" cy="1907512"/>
-          </a:xfrm>
-          <a:prstGeom prst="rect">
-            <a:avLst/>
-          </a:prstGeom>
-        </p:spPr>
-      </p:pic>
+            <a:pPr marL="180975" indent="-180975" algn="ctr" eaLnBrk="0" hangingPunct="0">
+              <a:buClr>
+                <a:schemeClr val="bg1"/>
+              </a:buClr>
+              <a:buFont typeface="Arial" pitchFamily="34" charset="0"/>
+              <a:buChar char="–"/>
+            </a:pPr>
+            <a:endParaRPr lang="en-US" sz="1200" b="1" kern="0" dirty="0" err="1">
+              <a:solidFill>
+                <a:srgbClr val="FFFFFF"/>
+              </a:solidFill>
+              <a:latin typeface="Arial"/>
+            </a:endParaRPr>
+          </a:p>
+        </p:txBody>
+      </p:sp>
     </p:spTree>
     <p:extLst>
       <p:ext uri="{BB962C8B-B14F-4D97-AF65-F5344CB8AC3E}">
-        <p14:creationId xmlns:p14="http://schemas.microsoft.com/office/powerpoint/2010/main" val="1105362944"/>
+        <p14:creationId xmlns:p14="http://schemas.microsoft.com/office/powerpoint/2010/main" val="834152331"/>
       </p:ext>
     </p:extLst>
   </p:cSld>
@@ -8412,38 +9191,15 @@
           <a:chExt cx="0" cy="0"/>
         </a:xfrm>
       </p:grpSpPr>
-      <p:pic>
-        <p:nvPicPr>
-          <p:cNvPr id="10" name="Picture 9">
-            <a:extLst>
-              <a:ext uri="{FF2B5EF4-FFF2-40B4-BE49-F238E27FC236}">
-                <a16:creationId xmlns:a16="http://schemas.microsoft.com/office/drawing/2014/main" id="{497C74AC-CDDE-41D4-8E0C-47A736284F7C}"/>
-              </a:ext>
-            </a:extLst>
-          </p:cNvPr>
-          <p:cNvPicPr>
-            <a:picLocks noChangeAspect="1"/>
-          </p:cNvPicPr>
-          <p:nvPr/>
-        </p:nvPicPr>
-        <p:blipFill rotWithShape="1">
-          <a:blip r:embed="rId3"/>
-          <a:srcRect l="7913" t="2901" r="33478"/>
-          <a:stretch/>
-        </p:blipFill>
-        <p:spPr>
-          <a:xfrm>
-            <a:off x="3416410" y="1914382"/>
-            <a:ext cx="5359179" cy="4807093"/>
-          </a:xfrm>
-          <a:prstGeom prst="rect">
-            <a:avLst/>
-          </a:prstGeom>
-        </p:spPr>
-      </p:pic>
-      <p:sp>
-        <p:nvSpPr>
-          <p:cNvPr id="2" name="Title 1"/>
+      <p:sp>
+        <p:nvSpPr>
+          <p:cNvPr id="2" name="Title 1">
+            <a:extLst>
+              <a:ext uri="{FF2B5EF4-FFF2-40B4-BE49-F238E27FC236}">
+                <a16:creationId xmlns:a16="http://schemas.microsoft.com/office/drawing/2014/main" id="{03E44366-07AC-416A-B7BE-21F5AE42AD09}"/>
+              </a:ext>
+            </a:extLst>
+          </p:cNvPr>
           <p:cNvSpPr>
             <a:spLocks noGrp="1"/>
           </p:cNvSpPr>
@@ -8451,520 +9207,1154 @@
             <p:ph type="title"/>
           </p:nvPr>
         </p:nvSpPr>
-        <p:spPr>
-          <a:xfrm>
-            <a:off x="701560" y="509942"/>
-            <a:ext cx="7805099" cy="338554"/>
-          </a:xfrm>
-        </p:spPr>
-        <p:txBody>
-          <a:bodyPr>
-            <a:normAutofit fontScale="90000"/>
-          </a:bodyPr>
-          <a:lstStyle/>
-          <a:p>
-            <a:r>
-              <a:rPr lang="en-US" dirty="0"/>
-              <a:t>Fig 10a</a:t>
-            </a:r>
-          </a:p>
-        </p:txBody>
-      </p:sp>
-      <p:sp>
-        <p:nvSpPr>
-          <p:cNvPr id="5" name="Slide Number Placeholder 4"/>
-          <p:cNvSpPr>
-            <a:spLocks noGrp="1"/>
-          </p:cNvSpPr>
-          <p:nvPr>
-            <p:ph type="sldNum" sz="quarter" idx="17"/>
-          </p:nvPr>
-        </p:nvSpPr>
-        <p:spPr>
-          <a:xfrm>
-            <a:off x="8610600" y="6356350"/>
-            <a:ext cx="2743200" cy="365125"/>
-          </a:xfrm>
-        </p:spPr>
+        <p:spPr/>
         <p:txBody>
           <a:bodyPr/>
           <a:lstStyle/>
           <a:p>
-            <a:fld id="{0A838F34-1B32-4019-A24D-EF473E6901BC}" type="slidenum">
-              <a:rPr lang="en-US" smtClean="0">
-                <a:solidFill>
-                  <a:srgbClr val="9A8B7D"/>
-                </a:solidFill>
-              </a:rPr>
-              <a:pPr/>
-              <a:t>14</a:t>
-            </a:fld>
-            <a:endParaRPr lang="en-US">
-              <a:solidFill>
-                <a:srgbClr val="9A8B7D"/>
-              </a:solidFill>
-            </a:endParaRPr>
-          </a:p>
-        </p:txBody>
-      </p:sp>
-      <p:cxnSp>
-        <p:nvCxnSpPr>
-          <p:cNvPr id="174081" name="Straight Connector 174080">
-            <a:extLst>
-              <a:ext uri="{FF2B5EF4-FFF2-40B4-BE49-F238E27FC236}">
-                <a16:creationId xmlns:a16="http://schemas.microsoft.com/office/drawing/2014/main" id="{21C181BB-6BFE-4304-98E5-36B39CF330BF}"/>
-              </a:ext>
-            </a:extLst>
-          </p:cNvPr>
-          <p:cNvCxnSpPr>
-            <a:cxnSpLocks/>
-          </p:cNvCxnSpPr>
+            <a:endParaRPr lang="en-US"/>
+          </a:p>
+        </p:txBody>
+      </p:sp>
+      <p:sp>
+        <p:nvSpPr>
+          <p:cNvPr id="3" name="TextBox 2">
+            <a:extLst>
+              <a:ext uri="{FF2B5EF4-FFF2-40B4-BE49-F238E27FC236}">
+                <a16:creationId xmlns:a16="http://schemas.microsoft.com/office/drawing/2014/main" id="{7C99E497-4B68-4491-9B01-97CE0551A522}"/>
+              </a:ext>
+            </a:extLst>
+          </p:cNvPr>
+          <p:cNvSpPr txBox="1"/>
           <p:nvPr/>
-        </p:nvCxnSpPr>
-        <p:spPr>
-          <a:xfrm flipV="1">
-            <a:off x="4272566" y="2107373"/>
-            <a:ext cx="1143703" cy="2"/>
-          </a:xfrm>
-          <a:prstGeom prst="line">
-            <a:avLst/>
-          </a:prstGeom>
-          <a:ln>
-            <a:solidFill>
-              <a:schemeClr val="tx1">
-                <a:lumMod val="50000"/>
-              </a:schemeClr>
-            </a:solidFill>
-          </a:ln>
-        </p:spPr>
-        <p:style>
-          <a:lnRef idx="1">
-            <a:schemeClr val="accent1"/>
-          </a:lnRef>
-          <a:fillRef idx="0">
-            <a:schemeClr val="accent1"/>
-          </a:fillRef>
-          <a:effectRef idx="0">
-            <a:schemeClr val="accent1"/>
-          </a:effectRef>
-          <a:fontRef idx="minor">
-            <a:schemeClr val="tx1"/>
-          </a:fontRef>
-        </p:style>
-      </p:cxnSp>
-      <p:pic>
-        <p:nvPicPr>
-          <p:cNvPr id="41" name="Picture 40">
-            <a:extLst>
-              <a:ext uri="{FF2B5EF4-FFF2-40B4-BE49-F238E27FC236}">
-                <a16:creationId xmlns:a16="http://schemas.microsoft.com/office/drawing/2014/main" id="{268AAA76-884A-4E25-B277-C0EEACC4AAA7}"/>
-              </a:ext>
-            </a:extLst>
-          </p:cNvPr>
-          <p:cNvPicPr>
-            <a:picLocks noChangeAspect="1"/>
-          </p:cNvPicPr>
-          <p:nvPr/>
-        </p:nvPicPr>
-        <p:blipFill rotWithShape="1">
-          <a:blip r:embed="rId4"/>
-          <a:srcRect l="-376" t="45325" r="97854" b="47342"/>
-          <a:stretch/>
-        </p:blipFill>
-        <p:spPr>
-          <a:xfrm>
-            <a:off x="2849284" y="3100772"/>
-            <a:ext cx="408101" cy="652959"/>
-          </a:xfrm>
-          <a:prstGeom prst="rect">
-            <a:avLst/>
-          </a:prstGeom>
-        </p:spPr>
-      </p:pic>
-      <p:cxnSp>
-        <p:nvCxnSpPr>
-          <p:cNvPr id="42" name="Straight Connector 41">
-            <a:extLst>
-              <a:ext uri="{FF2B5EF4-FFF2-40B4-BE49-F238E27FC236}">
-                <a16:creationId xmlns:a16="http://schemas.microsoft.com/office/drawing/2014/main" id="{4AB7C522-5718-4E5B-B0B6-0F575E7B572B}"/>
-              </a:ext>
-            </a:extLst>
-          </p:cNvPr>
-          <p:cNvCxnSpPr>
-            <a:cxnSpLocks/>
-          </p:cNvCxnSpPr>
-          <p:nvPr/>
-        </p:nvCxnSpPr>
-        <p:spPr>
-          <a:xfrm>
-            <a:off x="3416410" y="5882254"/>
-            <a:ext cx="681229" cy="89453"/>
-          </a:xfrm>
-          <a:prstGeom prst="line">
-            <a:avLst/>
-          </a:prstGeom>
-          <a:ln>
-            <a:solidFill>
-              <a:schemeClr val="tx1">
-                <a:lumMod val="50000"/>
-              </a:schemeClr>
-            </a:solidFill>
-          </a:ln>
-        </p:spPr>
-        <p:style>
-          <a:lnRef idx="1">
-            <a:schemeClr val="accent1"/>
-          </a:lnRef>
-          <a:fillRef idx="0">
-            <a:schemeClr val="accent1"/>
-          </a:fillRef>
-          <a:effectRef idx="0">
-            <a:schemeClr val="accent1"/>
-          </a:effectRef>
-          <a:fontRef idx="minor">
-            <a:schemeClr val="tx1"/>
-          </a:fontRef>
-        </p:style>
-      </p:cxnSp>
-      <p:cxnSp>
-        <p:nvCxnSpPr>
-          <p:cNvPr id="51" name="Straight Connector 50">
-            <a:extLst>
-              <a:ext uri="{FF2B5EF4-FFF2-40B4-BE49-F238E27FC236}">
-                <a16:creationId xmlns:a16="http://schemas.microsoft.com/office/drawing/2014/main" id="{289D2DB0-E3D0-4761-AE8A-0E92CD1C25D0}"/>
-              </a:ext>
-            </a:extLst>
-          </p:cNvPr>
-          <p:cNvCxnSpPr>
-            <a:cxnSpLocks/>
-          </p:cNvCxnSpPr>
-          <p:nvPr/>
-        </p:nvCxnSpPr>
-        <p:spPr>
-          <a:xfrm>
-            <a:off x="8402220" y="5479911"/>
-            <a:ext cx="104439" cy="346503"/>
-          </a:xfrm>
-          <a:prstGeom prst="line">
-            <a:avLst/>
-          </a:prstGeom>
-          <a:ln>
-            <a:solidFill>
-              <a:schemeClr val="tx1">
-                <a:lumMod val="50000"/>
-              </a:schemeClr>
-            </a:solidFill>
-          </a:ln>
-        </p:spPr>
-        <p:style>
-          <a:lnRef idx="1">
-            <a:schemeClr val="accent1"/>
-          </a:lnRef>
-          <a:fillRef idx="0">
-            <a:schemeClr val="accent1"/>
-          </a:fillRef>
-          <a:effectRef idx="0">
-            <a:schemeClr val="accent1"/>
-          </a:effectRef>
-          <a:fontRef idx="minor">
-            <a:schemeClr val="tx1"/>
-          </a:fontRef>
-        </p:style>
-      </p:cxnSp>
-      <p:pic>
-        <p:nvPicPr>
-          <p:cNvPr id="7" name="Picture 6">
-            <a:extLst>
-              <a:ext uri="{FF2B5EF4-FFF2-40B4-BE49-F238E27FC236}">
-                <a16:creationId xmlns:a16="http://schemas.microsoft.com/office/drawing/2014/main" id="{080E286B-AF01-4BC2-955C-F2C011ED12A1}"/>
-              </a:ext>
-            </a:extLst>
-          </p:cNvPr>
-          <p:cNvPicPr>
-            <a:picLocks noChangeAspect="1"/>
-          </p:cNvPicPr>
-          <p:nvPr/>
-        </p:nvPicPr>
-        <p:blipFill rotWithShape="1">
-          <a:blip r:embed="rId5"/>
-          <a:srcRect l="58850" t="22815" r="6941" b="14132"/>
-          <a:stretch/>
-        </p:blipFill>
-        <p:spPr>
-          <a:xfrm>
-            <a:off x="6502576" y="1902114"/>
-            <a:ext cx="2253404" cy="2248773"/>
-          </a:xfrm>
-          <a:prstGeom prst="rect">
-            <a:avLst/>
-          </a:prstGeom>
-          <a:ln>
-            <a:solidFill>
-              <a:schemeClr val="tx2"/>
-            </a:solidFill>
-          </a:ln>
-        </p:spPr>
-      </p:pic>
-      <p:sp>
-        <p:nvSpPr>
-          <p:cNvPr id="3" name="Rectangle 2">
-            <a:extLst>
-              <a:ext uri="{FF2B5EF4-FFF2-40B4-BE49-F238E27FC236}">
-                <a16:creationId xmlns:a16="http://schemas.microsoft.com/office/drawing/2014/main" id="{1950140E-C8EF-4056-B91D-FA2F750D3064}"/>
-              </a:ext>
-            </a:extLst>
-          </p:cNvPr>
-          <p:cNvSpPr/>
-          <p:nvPr/>
-        </p:nvSpPr>
-        <p:spPr>
-          <a:xfrm>
-            <a:off x="2410552" y="4249586"/>
-            <a:ext cx="1005858" cy="1632668"/>
+        </p:nvSpPr>
+        <p:spPr>
+          <a:xfrm>
+            <a:off x="8033786" y="1903330"/>
+            <a:ext cx="1496140" cy="584775"/>
           </a:xfrm>
           <a:prstGeom prst="rect">
             <a:avLst/>
           </a:prstGeom>
           <a:noFill/>
-          <a:ln>
-            <a:solidFill>
-              <a:schemeClr val="tx1">
-                <a:lumMod val="50000"/>
-                <a:lumOff val="50000"/>
-              </a:schemeClr>
-            </a:solidFill>
-          </a:ln>
-        </p:spPr>
-        <p:style>
-          <a:lnRef idx="2">
-            <a:schemeClr val="accent1">
-              <a:shade val="50000"/>
-            </a:schemeClr>
-          </a:lnRef>
-          <a:fillRef idx="1">
-            <a:schemeClr val="accent1"/>
-          </a:fillRef>
-          <a:effectRef idx="0">
-            <a:schemeClr val="accent1"/>
-          </a:effectRef>
-          <a:fontRef idx="minor">
-            <a:schemeClr val="lt1"/>
-          </a:fontRef>
-        </p:style>
-        <p:txBody>
-          <a:bodyPr rtlCol="0" anchor="ctr"/>
+        </p:spPr>
+        <p:txBody>
+          <a:bodyPr wrap="square" rtlCol="0">
+            <a:spAutoFit/>
+          </a:bodyPr>
           <a:lstStyle/>
           <a:p>
-            <a:pPr algn="ctr"/>
-            <a:endParaRPr lang="en-US"/>
-          </a:p>
-        </p:txBody>
-      </p:sp>
-      <p:sp>
-        <p:nvSpPr>
-          <p:cNvPr id="14" name="Rectangle 13">
-            <a:extLst>
-              <a:ext uri="{FF2B5EF4-FFF2-40B4-BE49-F238E27FC236}">
-                <a16:creationId xmlns:a16="http://schemas.microsoft.com/office/drawing/2014/main" id="{7B2FD56F-9E26-472D-B86E-505BF2457B92}"/>
-              </a:ext>
-            </a:extLst>
-          </p:cNvPr>
-          <p:cNvSpPr/>
+            <a:pPr marL="171450" indent="-171450">
+              <a:buClr>
+                <a:schemeClr val="tx1"/>
+              </a:buClr>
+            </a:pPr>
+            <a:r>
+              <a:rPr lang="en-US" sz="1600" dirty="0">
+                <a:solidFill>
+                  <a:srgbClr val="0070C0"/>
+                </a:solidFill>
+              </a:rPr>
+              <a:t>Co-</a:t>
+            </a:r>
+            <a:r>
+              <a:rPr lang="en-US" sz="1600" dirty="0">
+                <a:solidFill>
+                  <a:srgbClr val="D60093"/>
+                </a:solidFill>
+              </a:rPr>
+              <a:t>occurring</a:t>
+            </a:r>
+          </a:p>
+          <a:p>
+            <a:pPr marL="171450" indent="-171450">
+              <a:buClr>
+                <a:schemeClr val="tx1"/>
+              </a:buClr>
+            </a:pPr>
+            <a:r>
+              <a:rPr lang="en-US" sz="1600" dirty="0">
+                <a:solidFill>
+                  <a:srgbClr val="00B050"/>
+                </a:solidFill>
+              </a:rPr>
+              <a:t>active scaffolds</a:t>
+            </a:r>
+          </a:p>
+        </p:txBody>
+      </p:sp>
+      <p:sp>
+        <p:nvSpPr>
+          <p:cNvPr id="4" name="TextBox 3">
+            <a:extLst>
+              <a:ext uri="{FF2B5EF4-FFF2-40B4-BE49-F238E27FC236}">
+                <a16:creationId xmlns:a16="http://schemas.microsoft.com/office/drawing/2014/main" id="{4938CD7F-E3E8-4322-83D0-339439FDFAB4}"/>
+              </a:ext>
+            </a:extLst>
+          </p:cNvPr>
+          <p:cNvSpPr txBox="1"/>
           <p:nvPr/>
         </p:nvSpPr>
         <p:spPr>
           <a:xfrm>
-            <a:off x="5410927" y="1782611"/>
-            <a:ext cx="1005858" cy="1390650"/>
+            <a:off x="5604901" y="1903330"/>
+            <a:ext cx="1496140" cy="584775"/>
           </a:xfrm>
           <a:prstGeom prst="rect">
             <a:avLst/>
           </a:prstGeom>
           <a:noFill/>
-          <a:ln>
-            <a:solidFill>
-              <a:srgbClr val="FFC000"/>
-            </a:solidFill>
-          </a:ln>
-        </p:spPr>
-        <p:style>
-          <a:lnRef idx="2">
-            <a:schemeClr val="accent1">
-              <a:shade val="50000"/>
-            </a:schemeClr>
-          </a:lnRef>
-          <a:fillRef idx="1">
-            <a:schemeClr val="accent1"/>
-          </a:fillRef>
-          <a:effectRef idx="0">
-            <a:schemeClr val="accent1"/>
-          </a:effectRef>
-          <a:fontRef idx="minor">
-            <a:schemeClr val="lt1"/>
-          </a:fontRef>
-        </p:style>
-        <p:txBody>
-          <a:bodyPr rtlCol="0" anchor="ctr"/>
+        </p:spPr>
+        <p:txBody>
+          <a:bodyPr wrap="square" rtlCol="0">
+            <a:spAutoFit/>
+          </a:bodyPr>
           <a:lstStyle/>
           <a:p>
-            <a:pPr algn="ctr"/>
-            <a:endParaRPr lang="en-US"/>
-          </a:p>
-        </p:txBody>
-      </p:sp>
-      <p:sp>
-        <p:nvSpPr>
-          <p:cNvPr id="15" name="Rectangle 14">
-            <a:extLst>
-              <a:ext uri="{FF2B5EF4-FFF2-40B4-BE49-F238E27FC236}">
-                <a16:creationId xmlns:a16="http://schemas.microsoft.com/office/drawing/2014/main" id="{66D6801A-032D-44DE-BBA2-B28C5438E27C}"/>
-              </a:ext>
-            </a:extLst>
-          </p:cNvPr>
-          <p:cNvSpPr/>
+            <a:pPr marL="171450" indent="-171450">
+              <a:buClr>
+                <a:schemeClr val="tx1"/>
+              </a:buClr>
+            </a:pPr>
+            <a:r>
+              <a:rPr lang="en-US" sz="1600" dirty="0">
+                <a:solidFill>
+                  <a:srgbClr val="0070C0"/>
+                </a:solidFill>
+              </a:rPr>
+              <a:t>Scaffold 4719</a:t>
+            </a:r>
+            <a:endParaRPr lang="en-US" sz="1600" dirty="0">
+              <a:solidFill>
+                <a:schemeClr val="accent5">
+                  <a:lumMod val="60000"/>
+                  <a:lumOff val="40000"/>
+                </a:schemeClr>
+              </a:solidFill>
+            </a:endParaRPr>
+          </a:p>
+          <a:p>
+            <a:pPr marL="171450" indent="-171450">
+              <a:buClr>
+                <a:schemeClr val="tx1"/>
+              </a:buClr>
+            </a:pPr>
+            <a:r>
+              <a:rPr lang="en-US" sz="1600" dirty="0">
+                <a:solidFill>
+                  <a:srgbClr val="00B050"/>
+                </a:solidFill>
+              </a:rPr>
+              <a:t>active by itself</a:t>
+            </a:r>
+          </a:p>
+        </p:txBody>
+      </p:sp>
+      <p:sp>
+        <p:nvSpPr>
+          <p:cNvPr id="7" name="TextBox 6">
+            <a:extLst>
+              <a:ext uri="{FF2B5EF4-FFF2-40B4-BE49-F238E27FC236}">
+                <a16:creationId xmlns:a16="http://schemas.microsoft.com/office/drawing/2014/main" id="{F2972818-2331-4AEF-92EC-E7261A8AA413}"/>
+              </a:ext>
+            </a:extLst>
+          </p:cNvPr>
+          <p:cNvSpPr txBox="1"/>
           <p:nvPr/>
         </p:nvSpPr>
         <p:spPr>
           <a:xfrm>
-            <a:off x="7725502" y="4182911"/>
-            <a:ext cx="1005858" cy="1297000"/>
+            <a:off x="2703379" y="1903330"/>
+            <a:ext cx="1819483" cy="584775"/>
           </a:xfrm>
           <a:prstGeom prst="rect">
             <a:avLst/>
           </a:prstGeom>
           <a:noFill/>
-          <a:ln>
+        </p:spPr>
+        <p:txBody>
+          <a:bodyPr wrap="square" rtlCol="0">
+            <a:spAutoFit/>
+          </a:bodyPr>
+          <a:lstStyle/>
+          <a:p>
+            <a:pPr marL="171450" indent="-171450">
+              <a:buClr>
+                <a:schemeClr val="tx1"/>
+              </a:buClr>
+            </a:pPr>
+            <a:r>
+              <a:rPr lang="en-US" sz="1600" dirty="0">
+                <a:solidFill>
+                  <a:srgbClr val="CCCC00"/>
+                </a:solidFill>
+              </a:rPr>
+              <a:t>Scaffold 978 alone</a:t>
+            </a:r>
+            <a:r>
+              <a:rPr lang="en-US" sz="1600" dirty="0">
+                <a:solidFill>
+                  <a:schemeClr val="accent4">
+                    <a:lumMod val="75000"/>
+                  </a:schemeClr>
+                </a:solidFill>
+              </a:rPr>
+              <a:t> </a:t>
+            </a:r>
+          </a:p>
+          <a:p>
+            <a:pPr marL="171450" indent="-171450">
+              <a:buClr>
+                <a:schemeClr val="tx1"/>
+              </a:buClr>
+            </a:pPr>
+            <a:r>
+              <a:rPr lang="en-US" sz="1600" dirty="0">
+                <a:solidFill>
+                  <a:schemeClr val="bg1">
+                    <a:lumMod val="50000"/>
+                  </a:schemeClr>
+                </a:solidFill>
+              </a:rPr>
+              <a:t>not highly active</a:t>
+            </a:r>
+          </a:p>
+        </p:txBody>
+      </p:sp>
+      <p:grpSp>
+        <p:nvGrpSpPr>
+          <p:cNvPr id="29" name="Group 28">
+            <a:extLst>
+              <a:ext uri="{FF2B5EF4-FFF2-40B4-BE49-F238E27FC236}">
+                <a16:creationId xmlns:a16="http://schemas.microsoft.com/office/drawing/2014/main" id="{A17CB9C9-B949-4BC8-9D54-CFAEA8B0DEA2}"/>
+              </a:ext>
+            </a:extLst>
+          </p:cNvPr>
+          <p:cNvGrpSpPr/>
+          <p:nvPr/>
+        </p:nvGrpSpPr>
+        <p:grpSpPr>
+          <a:xfrm>
+            <a:off x="2066282" y="2529835"/>
+            <a:ext cx="2737049" cy="3618191"/>
+            <a:chOff x="2056855" y="2501554"/>
+            <a:chExt cx="2737049" cy="3618191"/>
+          </a:xfrm>
+        </p:grpSpPr>
+        <p:sp>
+          <p:nvSpPr>
+            <p:cNvPr id="6" name="Rectangle 5">
+              <a:extLst>
+                <a:ext uri="{FF2B5EF4-FFF2-40B4-BE49-F238E27FC236}">
+                  <a16:creationId xmlns:a16="http://schemas.microsoft.com/office/drawing/2014/main" id="{E8C2722B-C26D-4FD1-8BEC-ADC6E5A02721}"/>
+                </a:ext>
+              </a:extLst>
+            </p:cNvPr>
+            <p:cNvSpPr/>
+            <p:nvPr/>
+          </p:nvSpPr>
+          <p:spPr>
+            <a:xfrm>
+              <a:off x="2079287" y="2501554"/>
+              <a:ext cx="2714617" cy="3618191"/>
+            </a:xfrm>
+            <a:prstGeom prst="rect">
+              <a:avLst/>
+            </a:prstGeom>
             <a:solidFill>
-              <a:srgbClr val="7030A0"/>
+              <a:schemeClr val="bg1"/>
             </a:solidFill>
-          </a:ln>
-        </p:spPr>
-        <p:style>
-          <a:lnRef idx="2">
-            <a:schemeClr val="accent1">
-              <a:shade val="50000"/>
-            </a:schemeClr>
-          </a:lnRef>
-          <a:fillRef idx="1">
-            <a:schemeClr val="accent1"/>
-          </a:fillRef>
-          <a:effectRef idx="0">
-            <a:schemeClr val="accent1"/>
-          </a:effectRef>
-          <a:fontRef idx="minor">
-            <a:schemeClr val="lt1"/>
-          </a:fontRef>
-        </p:style>
-        <p:txBody>
-          <a:bodyPr rtlCol="0" anchor="ctr"/>
-          <a:lstStyle/>
-          <a:p>
-            <a:pPr algn="ctr"/>
-            <a:endParaRPr lang="en-US"/>
-          </a:p>
-        </p:txBody>
-      </p:sp>
-      <p:pic>
-        <p:nvPicPr>
-          <p:cNvPr id="4" name="Picture 3">
-            <a:extLst>
-              <a:ext uri="{FF2B5EF4-FFF2-40B4-BE49-F238E27FC236}">
-                <a16:creationId xmlns:a16="http://schemas.microsoft.com/office/drawing/2014/main" id="{C0DEE0FA-ABC6-44C6-B6CC-B818584F2CF6}"/>
-              </a:ext>
-            </a:extLst>
-          </p:cNvPr>
-          <p:cNvPicPr>
-            <a:picLocks noChangeAspect="1"/>
-          </p:cNvPicPr>
+            <a:ln>
+              <a:solidFill>
+                <a:schemeClr val="tx1"/>
+              </a:solidFill>
+            </a:ln>
+          </p:spPr>
+          <p:style>
+            <a:lnRef idx="2">
+              <a:schemeClr val="accent1">
+                <a:shade val="50000"/>
+              </a:schemeClr>
+            </a:lnRef>
+            <a:fillRef idx="1">
+              <a:schemeClr val="accent1"/>
+            </a:fillRef>
+            <a:effectRef idx="0">
+              <a:schemeClr val="accent1"/>
+            </a:effectRef>
+            <a:fontRef idx="minor">
+              <a:schemeClr val="lt1"/>
+            </a:fontRef>
+          </p:style>
+          <p:txBody>
+            <a:bodyPr rtlCol="0" anchor="ctr"/>
+            <a:lstStyle/>
+            <a:p>
+              <a:pPr algn="ctr"/>
+              <a:endParaRPr lang="en-US"/>
+            </a:p>
+          </p:txBody>
+        </p:sp>
+        <p:pic>
+          <p:nvPicPr>
+            <p:cNvPr id="8" name="Picture 7">
+              <a:extLst>
+                <a:ext uri="{FF2B5EF4-FFF2-40B4-BE49-F238E27FC236}">
+                  <a16:creationId xmlns:a16="http://schemas.microsoft.com/office/drawing/2014/main" id="{80C02119-8971-4A7A-958C-2A7D2184A5BA}"/>
+                </a:ext>
+              </a:extLst>
+            </p:cNvPr>
+            <p:cNvPicPr>
+              <a:picLocks noChangeAspect="1"/>
+            </p:cNvPicPr>
+            <p:nvPr/>
+          </p:nvPicPr>
+          <p:blipFill>
+            <a:blip r:embed="rId2"/>
+            <a:stretch>
+              <a:fillRect/>
+            </a:stretch>
+          </p:blipFill>
+          <p:spPr>
+            <a:xfrm>
+              <a:off x="2111959" y="2542507"/>
+              <a:ext cx="1835625" cy="1312001"/>
+            </a:xfrm>
+            <a:prstGeom prst="rect">
+              <a:avLst/>
+            </a:prstGeom>
+          </p:spPr>
+        </p:pic>
+        <p:pic>
+          <p:nvPicPr>
+            <p:cNvPr id="9" name="Picture 8">
+              <a:extLst>
+                <a:ext uri="{FF2B5EF4-FFF2-40B4-BE49-F238E27FC236}">
+                  <a16:creationId xmlns:a16="http://schemas.microsoft.com/office/drawing/2014/main" id="{888E6698-5890-4666-B734-BC68F932A053}"/>
+                </a:ext>
+              </a:extLst>
+            </p:cNvPr>
+            <p:cNvPicPr>
+              <a:picLocks noChangeAspect="1"/>
+            </p:cNvPicPr>
+            <p:nvPr/>
+          </p:nvPicPr>
+          <p:blipFill>
+            <a:blip r:embed="rId3"/>
+            <a:stretch>
+              <a:fillRect/>
+            </a:stretch>
+          </p:blipFill>
+          <p:spPr>
+            <a:xfrm>
+              <a:off x="2126912" y="4328594"/>
+              <a:ext cx="2627471" cy="1487329"/>
+            </a:xfrm>
+            <a:prstGeom prst="rect">
+              <a:avLst/>
+            </a:prstGeom>
+          </p:spPr>
+        </p:pic>
+        <p:cxnSp>
+          <p:nvCxnSpPr>
+            <p:cNvPr id="10" name="Straight Connector 9">
+              <a:extLst>
+                <a:ext uri="{FF2B5EF4-FFF2-40B4-BE49-F238E27FC236}">
+                  <a16:creationId xmlns:a16="http://schemas.microsoft.com/office/drawing/2014/main" id="{4D318957-3969-4F68-B71B-F3A794DA4595}"/>
+                </a:ext>
+              </a:extLst>
+            </p:cNvPr>
+            <p:cNvCxnSpPr>
+              <a:cxnSpLocks/>
+            </p:cNvCxnSpPr>
+            <p:nvPr/>
+          </p:nvCxnSpPr>
+          <p:spPr>
+            <a:xfrm>
+              <a:off x="2079287" y="4244017"/>
+              <a:ext cx="2714617" cy="0"/>
+            </a:xfrm>
+            <a:prstGeom prst="line">
+              <a:avLst/>
+            </a:prstGeom>
+            <a:ln>
+              <a:solidFill>
+                <a:schemeClr val="tx1"/>
+              </a:solidFill>
+            </a:ln>
+          </p:spPr>
+          <p:style>
+            <a:lnRef idx="1">
+              <a:schemeClr val="accent1"/>
+            </a:lnRef>
+            <a:fillRef idx="0">
+              <a:schemeClr val="accent1"/>
+            </a:fillRef>
+            <a:effectRef idx="0">
+              <a:schemeClr val="accent1"/>
+            </a:effectRef>
+            <a:fontRef idx="minor">
+              <a:schemeClr val="tx1"/>
+            </a:fontRef>
+          </p:style>
+        </p:cxnSp>
+        <p:sp>
+          <p:nvSpPr>
+            <p:cNvPr id="11" name="TextBox 10">
+              <a:extLst>
+                <a:ext uri="{FF2B5EF4-FFF2-40B4-BE49-F238E27FC236}">
+                  <a16:creationId xmlns:a16="http://schemas.microsoft.com/office/drawing/2014/main" id="{BA98ED18-3DA8-48E4-AA00-ED612A45992B}"/>
+                </a:ext>
+              </a:extLst>
+            </p:cNvPr>
+            <p:cNvSpPr txBox="1"/>
+            <p:nvPr/>
+          </p:nvSpPr>
+          <p:spPr>
+            <a:xfrm>
+              <a:off x="2114485" y="5770278"/>
+              <a:ext cx="1133871" cy="338554"/>
+            </a:xfrm>
+            <a:prstGeom prst="rect">
+              <a:avLst/>
+            </a:prstGeom>
+            <a:noFill/>
+          </p:spPr>
+          <p:txBody>
+            <a:bodyPr wrap="square" rtlCol="0">
+              <a:spAutoFit/>
+            </a:bodyPr>
+            <a:lstStyle/>
+            <a:p>
+              <a:r>
+                <a:rPr lang="en-US" sz="1600" dirty="0"/>
+                <a:t>ID: 529200</a:t>
+              </a:r>
+            </a:p>
+          </p:txBody>
+        </p:sp>
+        <p:sp>
+          <p:nvSpPr>
+            <p:cNvPr id="13" name="TextBox 12">
+              <a:extLst>
+                <a:ext uri="{FF2B5EF4-FFF2-40B4-BE49-F238E27FC236}">
+                  <a16:creationId xmlns:a16="http://schemas.microsoft.com/office/drawing/2014/main" id="{9CF18805-56FC-4665-80D3-422AA235D8B2}"/>
+                </a:ext>
+              </a:extLst>
+            </p:cNvPr>
+            <p:cNvSpPr txBox="1"/>
+            <p:nvPr/>
+          </p:nvSpPr>
+          <p:spPr>
+            <a:xfrm>
+              <a:off x="2056855" y="3918806"/>
+              <a:ext cx="1758809" cy="338554"/>
+            </a:xfrm>
+            <a:prstGeom prst="rect">
+              <a:avLst/>
+            </a:prstGeom>
+            <a:noFill/>
+          </p:spPr>
+          <p:txBody>
+            <a:bodyPr wrap="square" rtlCol="0">
+              <a:spAutoFit/>
+            </a:bodyPr>
+            <a:lstStyle/>
+            <a:p>
+              <a:r>
+                <a:rPr lang="en-US" sz="1600" dirty="0"/>
+                <a:t>SCAFFOLD_ID: 978</a:t>
+              </a:r>
+            </a:p>
+          </p:txBody>
+        </p:sp>
+      </p:grpSp>
+      <p:grpSp>
+        <p:nvGrpSpPr>
+          <p:cNvPr id="14" name="Group 13">
+            <a:extLst>
+              <a:ext uri="{FF2B5EF4-FFF2-40B4-BE49-F238E27FC236}">
+                <a16:creationId xmlns:a16="http://schemas.microsoft.com/office/drawing/2014/main" id="{5176B971-A15D-45DA-9EAF-1F2CB2C80168}"/>
+              </a:ext>
+            </a:extLst>
+          </p:cNvPr>
+          <p:cNvGrpSpPr/>
           <p:nvPr/>
-        </p:nvPicPr>
-        <p:blipFill>
-          <a:blip r:embed="rId6"/>
-          <a:stretch>
-            <a:fillRect/>
-          </a:stretch>
-        </p:blipFill>
-        <p:spPr>
-          <a:xfrm>
-            <a:off x="417085" y="2995749"/>
-            <a:ext cx="1655108" cy="3725726"/>
+        </p:nvGrpSpPr>
+        <p:grpSpPr>
+          <a:xfrm>
+            <a:off x="5045354" y="2529836"/>
+            <a:ext cx="2382839" cy="3658757"/>
+            <a:chOff x="7373770" y="2064466"/>
+            <a:chExt cx="2017133" cy="3333449"/>
+          </a:xfrm>
+        </p:grpSpPr>
+        <p:sp>
+          <p:nvSpPr>
+            <p:cNvPr id="15" name="Rectangle 14">
+              <a:extLst>
+                <a:ext uri="{FF2B5EF4-FFF2-40B4-BE49-F238E27FC236}">
+                  <a16:creationId xmlns:a16="http://schemas.microsoft.com/office/drawing/2014/main" id="{D4B12739-254B-46F3-96D2-78BD03443552}"/>
+                </a:ext>
+              </a:extLst>
+            </p:cNvPr>
+            <p:cNvSpPr/>
+            <p:nvPr/>
+          </p:nvSpPr>
+          <p:spPr>
+            <a:xfrm>
+              <a:off x="7408012" y="2064466"/>
+              <a:ext cx="1982891" cy="3306943"/>
+            </a:xfrm>
+            <a:prstGeom prst="rect">
+              <a:avLst/>
+            </a:prstGeom>
+            <a:solidFill>
+              <a:schemeClr val="bg1"/>
+            </a:solidFill>
+            <a:ln>
+              <a:solidFill>
+                <a:schemeClr val="tx1"/>
+              </a:solidFill>
+            </a:ln>
+          </p:spPr>
+          <p:style>
+            <a:lnRef idx="2">
+              <a:schemeClr val="accent1">
+                <a:shade val="50000"/>
+              </a:schemeClr>
+            </a:lnRef>
+            <a:fillRef idx="1">
+              <a:schemeClr val="accent1"/>
+            </a:fillRef>
+            <a:effectRef idx="0">
+              <a:schemeClr val="accent1"/>
+            </a:effectRef>
+            <a:fontRef idx="minor">
+              <a:schemeClr val="lt1"/>
+            </a:fontRef>
+          </p:style>
+          <p:txBody>
+            <a:bodyPr rtlCol="0" anchor="ctr"/>
+            <a:lstStyle/>
+            <a:p>
+              <a:pPr algn="ctr"/>
+              <a:endParaRPr lang="en-US"/>
+            </a:p>
+          </p:txBody>
+        </p:sp>
+        <p:pic>
+          <p:nvPicPr>
+            <p:cNvPr id="17" name="Picture 16">
+              <a:extLst>
+                <a:ext uri="{FF2B5EF4-FFF2-40B4-BE49-F238E27FC236}">
+                  <a16:creationId xmlns:a16="http://schemas.microsoft.com/office/drawing/2014/main" id="{E57248C4-75C4-40CB-8DD8-B92DFC5B2E82}"/>
+                </a:ext>
+              </a:extLst>
+            </p:cNvPr>
+            <p:cNvPicPr>
+              <a:picLocks noChangeAspect="1"/>
+            </p:cNvPicPr>
+            <p:nvPr/>
+          </p:nvPicPr>
+          <p:blipFill rotWithShape="1">
+            <a:blip r:embed="rId4"/>
+            <a:srcRect l="6390" r="4785"/>
+            <a:stretch/>
+          </p:blipFill>
+          <p:spPr>
+            <a:xfrm>
+              <a:off x="7436589" y="2112774"/>
+              <a:ext cx="1155856" cy="952297"/>
+            </a:xfrm>
+            <a:prstGeom prst="rect">
+              <a:avLst/>
+            </a:prstGeom>
+          </p:spPr>
+        </p:pic>
+        <p:pic>
+          <p:nvPicPr>
+            <p:cNvPr id="18" name="Picture 17">
+              <a:extLst>
+                <a:ext uri="{FF2B5EF4-FFF2-40B4-BE49-F238E27FC236}">
+                  <a16:creationId xmlns:a16="http://schemas.microsoft.com/office/drawing/2014/main" id="{0D193D99-692E-4FC2-B58C-FE188329E800}"/>
+                </a:ext>
+              </a:extLst>
+            </p:cNvPr>
+            <p:cNvPicPr>
+              <a:picLocks noChangeAspect="1"/>
+            </p:cNvPicPr>
+            <p:nvPr/>
+          </p:nvPicPr>
+          <p:blipFill rotWithShape="1">
+            <a:blip r:embed="rId5"/>
+            <a:srcRect l="2" r="1991"/>
+            <a:stretch/>
+          </p:blipFill>
+          <p:spPr>
+            <a:xfrm>
+              <a:off x="7428483" y="3711951"/>
+              <a:ext cx="1943370" cy="1431436"/>
+            </a:xfrm>
+            <a:prstGeom prst="rect">
+              <a:avLst/>
+            </a:prstGeom>
+          </p:spPr>
+        </p:pic>
+        <p:cxnSp>
+          <p:nvCxnSpPr>
+            <p:cNvPr id="19" name="Straight Connector 18">
+              <a:extLst>
+                <a:ext uri="{FF2B5EF4-FFF2-40B4-BE49-F238E27FC236}">
+                  <a16:creationId xmlns:a16="http://schemas.microsoft.com/office/drawing/2014/main" id="{D98719E5-B2DC-4552-9A81-FAEB964FCD7B}"/>
+                </a:ext>
+              </a:extLst>
+            </p:cNvPr>
+            <p:cNvCxnSpPr>
+              <a:cxnSpLocks/>
+            </p:cNvCxnSpPr>
+            <p:nvPr/>
+          </p:nvCxnSpPr>
+          <p:spPr>
+            <a:xfrm>
+              <a:off x="7415251" y="3638825"/>
+              <a:ext cx="1975652" cy="0"/>
+            </a:xfrm>
+            <a:prstGeom prst="line">
+              <a:avLst/>
+            </a:prstGeom>
+            <a:ln>
+              <a:solidFill>
+                <a:schemeClr val="tx1"/>
+              </a:solidFill>
+            </a:ln>
+          </p:spPr>
+          <p:style>
+            <a:lnRef idx="1">
+              <a:schemeClr val="accent1"/>
+            </a:lnRef>
+            <a:fillRef idx="0">
+              <a:schemeClr val="accent1"/>
+            </a:fillRef>
+            <a:effectRef idx="0">
+              <a:schemeClr val="accent1"/>
+            </a:effectRef>
+            <a:fontRef idx="minor">
+              <a:schemeClr val="tx1"/>
+            </a:fontRef>
+          </p:style>
+        </p:cxnSp>
+        <p:sp>
+          <p:nvSpPr>
+            <p:cNvPr id="20" name="TextBox 19">
+              <a:extLst>
+                <a:ext uri="{FF2B5EF4-FFF2-40B4-BE49-F238E27FC236}">
+                  <a16:creationId xmlns:a16="http://schemas.microsoft.com/office/drawing/2014/main" id="{767467CB-8EA5-4400-A74C-0FC356C8997A}"/>
+                </a:ext>
+              </a:extLst>
+            </p:cNvPr>
+            <p:cNvSpPr txBox="1"/>
+            <p:nvPr/>
+          </p:nvSpPr>
+          <p:spPr>
+            <a:xfrm>
+              <a:off x="7373770" y="3331731"/>
+              <a:ext cx="1546422" cy="308452"/>
+            </a:xfrm>
+            <a:prstGeom prst="rect">
+              <a:avLst/>
+            </a:prstGeom>
+            <a:noFill/>
+          </p:spPr>
+          <p:txBody>
+            <a:bodyPr wrap="square" rtlCol="0">
+              <a:spAutoFit/>
+            </a:bodyPr>
+            <a:lstStyle/>
+            <a:p>
+              <a:r>
+                <a:rPr lang="en-US" sz="1600" dirty="0"/>
+                <a:t>SCAFFOLD_ID: 4719</a:t>
+              </a:r>
+            </a:p>
+          </p:txBody>
+        </p:sp>
+        <p:sp>
+          <p:nvSpPr>
+            <p:cNvPr id="21" name="TextBox 20">
+              <a:extLst>
+                <a:ext uri="{FF2B5EF4-FFF2-40B4-BE49-F238E27FC236}">
+                  <a16:creationId xmlns:a16="http://schemas.microsoft.com/office/drawing/2014/main" id="{0F89B85E-B1B9-400A-8519-34EAF90BACC8}"/>
+                </a:ext>
+              </a:extLst>
+            </p:cNvPr>
+            <p:cNvSpPr txBox="1"/>
+            <p:nvPr/>
+          </p:nvSpPr>
+          <p:spPr>
+            <a:xfrm>
+              <a:off x="7374249" y="5059361"/>
+              <a:ext cx="1133871" cy="338554"/>
+            </a:xfrm>
+            <a:prstGeom prst="rect">
+              <a:avLst/>
+            </a:prstGeom>
+            <a:noFill/>
+          </p:spPr>
+          <p:txBody>
+            <a:bodyPr wrap="square" rtlCol="0">
+              <a:spAutoFit/>
+            </a:bodyPr>
+            <a:lstStyle/>
+            <a:p>
+              <a:r>
+                <a:rPr lang="en-US" sz="1600" dirty="0"/>
+                <a:t>ID: 525631</a:t>
+              </a:r>
+            </a:p>
+          </p:txBody>
+        </p:sp>
+      </p:grpSp>
+      <p:grpSp>
+        <p:nvGrpSpPr>
+          <p:cNvPr id="22" name="Group 21">
+            <a:extLst>
+              <a:ext uri="{FF2B5EF4-FFF2-40B4-BE49-F238E27FC236}">
+                <a16:creationId xmlns:a16="http://schemas.microsoft.com/office/drawing/2014/main" id="{28411141-73D8-4282-AF4F-D2726D940AAB}"/>
+              </a:ext>
+            </a:extLst>
+          </p:cNvPr>
+          <p:cNvGrpSpPr/>
+          <p:nvPr/>
+        </p:nvGrpSpPr>
+        <p:grpSpPr>
+          <a:xfrm>
+            <a:off x="7646066" y="2529836"/>
+            <a:ext cx="2059018" cy="3629674"/>
+            <a:chOff x="9974486" y="1154889"/>
+            <a:chExt cx="2059018" cy="3629674"/>
+          </a:xfrm>
+        </p:grpSpPr>
+        <p:sp>
+          <p:nvSpPr>
+            <p:cNvPr id="23" name="Rectangle 22">
+              <a:extLst>
+                <a:ext uri="{FF2B5EF4-FFF2-40B4-BE49-F238E27FC236}">
+                  <a16:creationId xmlns:a16="http://schemas.microsoft.com/office/drawing/2014/main" id="{9D29C4E3-D502-4AFF-9964-26CE778CCD3D}"/>
+                </a:ext>
+              </a:extLst>
+            </p:cNvPr>
+            <p:cNvSpPr/>
+            <p:nvPr/>
+          </p:nvSpPr>
+          <p:spPr>
+            <a:xfrm>
+              <a:off x="10037302" y="1154889"/>
+              <a:ext cx="1993392" cy="3618192"/>
+            </a:xfrm>
+            <a:prstGeom prst="rect">
+              <a:avLst/>
+            </a:prstGeom>
+            <a:noFill/>
+            <a:ln>
+              <a:solidFill>
+                <a:schemeClr val="tx1"/>
+              </a:solidFill>
+            </a:ln>
+          </p:spPr>
+          <p:style>
+            <a:lnRef idx="2">
+              <a:schemeClr val="accent1">
+                <a:shade val="50000"/>
+              </a:schemeClr>
+            </a:lnRef>
+            <a:fillRef idx="1">
+              <a:schemeClr val="accent1"/>
+            </a:fillRef>
+            <a:effectRef idx="0">
+              <a:schemeClr val="accent1"/>
+            </a:effectRef>
+            <a:fontRef idx="minor">
+              <a:schemeClr val="lt1"/>
+            </a:fontRef>
+          </p:style>
+          <p:txBody>
+            <a:bodyPr rtlCol="0" anchor="ctr"/>
+            <a:lstStyle/>
+            <a:p>
+              <a:pPr algn="ctr"/>
+              <a:endParaRPr lang="en-US"/>
+            </a:p>
+          </p:txBody>
+        </p:sp>
+        <p:cxnSp>
+          <p:nvCxnSpPr>
+            <p:cNvPr id="24" name="Straight Connector 23">
+              <a:extLst>
+                <a:ext uri="{FF2B5EF4-FFF2-40B4-BE49-F238E27FC236}">
+                  <a16:creationId xmlns:a16="http://schemas.microsoft.com/office/drawing/2014/main" id="{B39CBE27-4855-4620-A3D0-5AA0B1650CE9}"/>
+                </a:ext>
+              </a:extLst>
+            </p:cNvPr>
+            <p:cNvCxnSpPr>
+              <a:cxnSpLocks/>
+            </p:cNvCxnSpPr>
+            <p:nvPr/>
+          </p:nvCxnSpPr>
+          <p:spPr>
+            <a:xfrm>
+              <a:off x="10040112" y="3201575"/>
+              <a:ext cx="1993392" cy="0"/>
+            </a:xfrm>
+            <a:prstGeom prst="line">
+              <a:avLst/>
+            </a:prstGeom>
+            <a:ln>
+              <a:solidFill>
+                <a:schemeClr val="tx1"/>
+              </a:solidFill>
+            </a:ln>
+          </p:spPr>
+          <p:style>
+            <a:lnRef idx="1">
+              <a:schemeClr val="accent1"/>
+            </a:lnRef>
+            <a:fillRef idx="0">
+              <a:schemeClr val="accent1"/>
+            </a:fillRef>
+            <a:effectRef idx="0">
+              <a:schemeClr val="accent1"/>
+            </a:effectRef>
+            <a:fontRef idx="minor">
+              <a:schemeClr val="tx1"/>
+            </a:fontRef>
+          </p:style>
+        </p:cxnSp>
+        <p:pic>
+          <p:nvPicPr>
+            <p:cNvPr id="25" name="Picture 24">
+              <a:extLst>
+                <a:ext uri="{FF2B5EF4-FFF2-40B4-BE49-F238E27FC236}">
+                  <a16:creationId xmlns:a16="http://schemas.microsoft.com/office/drawing/2014/main" id="{92DBD7FF-4888-4FAC-B39B-8AFDB0AD06E7}"/>
+                </a:ext>
+              </a:extLst>
+            </p:cNvPr>
+            <p:cNvPicPr>
+              <a:picLocks noChangeAspect="1"/>
+            </p:cNvPicPr>
+            <p:nvPr/>
+          </p:nvPicPr>
+          <p:blipFill rotWithShape="1">
+            <a:blip r:embed="rId6"/>
+            <a:srcRect l="2172" r="741"/>
+            <a:stretch/>
+          </p:blipFill>
+          <p:spPr>
+            <a:xfrm>
+              <a:off x="10066618" y="1240017"/>
+              <a:ext cx="1941991" cy="1657350"/>
+            </a:xfrm>
+            <a:prstGeom prst="rect">
+              <a:avLst/>
+            </a:prstGeom>
+          </p:spPr>
+        </p:pic>
+        <p:pic>
+          <p:nvPicPr>
+            <p:cNvPr id="26" name="Picture 25">
+              <a:extLst>
+                <a:ext uri="{FF2B5EF4-FFF2-40B4-BE49-F238E27FC236}">
+                  <a16:creationId xmlns:a16="http://schemas.microsoft.com/office/drawing/2014/main" id="{0E979F0A-BE92-4DA6-A870-CFFC34C4D59F}"/>
+                </a:ext>
+              </a:extLst>
+            </p:cNvPr>
+            <p:cNvPicPr>
+              <a:picLocks noChangeAspect="1"/>
+            </p:cNvPicPr>
+            <p:nvPr/>
+          </p:nvPicPr>
+          <p:blipFill rotWithShape="1">
+            <a:blip r:embed="rId7"/>
+            <a:srcRect l="688"/>
+            <a:stretch/>
+          </p:blipFill>
+          <p:spPr>
+            <a:xfrm>
+              <a:off x="10057192" y="3288766"/>
+              <a:ext cx="1961515" cy="1453896"/>
+            </a:xfrm>
+            <a:prstGeom prst="rect">
+              <a:avLst/>
+            </a:prstGeom>
+          </p:spPr>
+        </p:pic>
+        <p:sp>
+          <p:nvSpPr>
+            <p:cNvPr id="27" name="TextBox 26">
+              <a:extLst>
+                <a:ext uri="{FF2B5EF4-FFF2-40B4-BE49-F238E27FC236}">
+                  <a16:creationId xmlns:a16="http://schemas.microsoft.com/office/drawing/2014/main" id="{C3649BBA-199C-4C83-8AFD-7B22391855D7}"/>
+                </a:ext>
+              </a:extLst>
+            </p:cNvPr>
+            <p:cNvSpPr txBox="1"/>
+            <p:nvPr/>
+          </p:nvSpPr>
+          <p:spPr>
+            <a:xfrm>
+              <a:off x="10003541" y="4446009"/>
+              <a:ext cx="1133871" cy="338554"/>
+            </a:xfrm>
+            <a:prstGeom prst="rect">
+              <a:avLst/>
+            </a:prstGeom>
+            <a:noFill/>
+          </p:spPr>
+          <p:txBody>
+            <a:bodyPr wrap="square" rtlCol="0">
+              <a:spAutoFit/>
+            </a:bodyPr>
+            <a:lstStyle/>
+            <a:p>
+              <a:r>
+                <a:rPr lang="en-US" sz="1600" dirty="0"/>
+                <a:t>ID: 540655</a:t>
+              </a:r>
+            </a:p>
+          </p:txBody>
+        </p:sp>
+        <p:sp>
+          <p:nvSpPr>
+            <p:cNvPr id="28" name="TextBox 27">
+              <a:extLst>
+                <a:ext uri="{FF2B5EF4-FFF2-40B4-BE49-F238E27FC236}">
+                  <a16:creationId xmlns:a16="http://schemas.microsoft.com/office/drawing/2014/main" id="{EFAB83B3-0383-45BB-A620-ED9958F3B3D0}"/>
+                </a:ext>
+              </a:extLst>
+            </p:cNvPr>
+            <p:cNvSpPr txBox="1"/>
+            <p:nvPr/>
+          </p:nvSpPr>
+          <p:spPr>
+            <a:xfrm>
+              <a:off x="9974486" y="2895414"/>
+              <a:ext cx="1943370" cy="338554"/>
+            </a:xfrm>
+            <a:prstGeom prst="rect">
+              <a:avLst/>
+            </a:prstGeom>
+            <a:noFill/>
+          </p:spPr>
+          <p:txBody>
+            <a:bodyPr wrap="square" rtlCol="0">
+              <a:spAutoFit/>
+            </a:bodyPr>
+            <a:lstStyle/>
+            <a:p>
+              <a:r>
+                <a:rPr lang="en-US" sz="1600" dirty="0"/>
+                <a:t>SCAFFOLD_ID: 2467</a:t>
+              </a:r>
+            </a:p>
+          </p:txBody>
+        </p:sp>
+      </p:grpSp>
+      <p:sp>
+        <p:nvSpPr>
+          <p:cNvPr id="30" name="TextBox 29">
+            <a:extLst>
+              <a:ext uri="{FF2B5EF4-FFF2-40B4-BE49-F238E27FC236}">
+                <a16:creationId xmlns:a16="http://schemas.microsoft.com/office/drawing/2014/main" id="{FAFAFE47-522E-4140-A2B3-2F17F11DDD74}"/>
+              </a:ext>
+            </a:extLst>
+          </p:cNvPr>
+          <p:cNvSpPr txBox="1"/>
+          <p:nvPr/>
+        </p:nvSpPr>
+        <p:spPr>
+          <a:xfrm>
+            <a:off x="2152384" y="1923927"/>
+            <a:ext cx="395926" cy="523220"/>
           </a:xfrm>
           <a:prstGeom prst="rect">
             <a:avLst/>
           </a:prstGeom>
-        </p:spPr>
-      </p:pic>
-      <p:pic>
-        <p:nvPicPr>
-          <p:cNvPr id="6" name="Picture 5">
-            <a:extLst>
-              <a:ext uri="{FF2B5EF4-FFF2-40B4-BE49-F238E27FC236}">
-                <a16:creationId xmlns:a16="http://schemas.microsoft.com/office/drawing/2014/main" id="{58F7F9BA-73FA-4EB7-B724-B7A13CF2BC75}"/>
-              </a:ext>
-            </a:extLst>
-          </p:cNvPr>
-          <p:cNvPicPr>
-            <a:picLocks noChangeAspect="1"/>
-          </p:cNvPicPr>
+          <a:noFill/>
+        </p:spPr>
+        <p:txBody>
+          <a:bodyPr wrap="square" rtlCol="0">
+            <a:spAutoFit/>
+          </a:bodyPr>
+          <a:lstStyle/>
+          <a:p>
+            <a:r>
+              <a:rPr lang="en-US" sz="2800" dirty="0"/>
+              <a:t>a</a:t>
+            </a:r>
+          </a:p>
+        </p:txBody>
+      </p:sp>
+      <p:sp>
+        <p:nvSpPr>
+          <p:cNvPr id="31" name="TextBox 30">
+            <a:extLst>
+              <a:ext uri="{FF2B5EF4-FFF2-40B4-BE49-F238E27FC236}">
+                <a16:creationId xmlns:a16="http://schemas.microsoft.com/office/drawing/2014/main" id="{AD10355C-DCE6-4DC0-9386-EBDEC77361D4}"/>
+              </a:ext>
+            </a:extLst>
+          </p:cNvPr>
+          <p:cNvSpPr txBox="1"/>
           <p:nvPr/>
-        </p:nvPicPr>
-        <p:blipFill>
-          <a:blip r:embed="rId7"/>
-          <a:stretch>
-            <a:fillRect/>
-          </a:stretch>
-        </p:blipFill>
-        <p:spPr>
-          <a:xfrm>
-            <a:off x="10361221" y="3427251"/>
-            <a:ext cx="1474458" cy="3073269"/>
+        </p:nvSpPr>
+        <p:spPr>
+          <a:xfrm>
+            <a:off x="5151340" y="1946305"/>
+            <a:ext cx="431751" cy="523220"/>
           </a:xfrm>
           <a:prstGeom prst="rect">
             <a:avLst/>
           </a:prstGeom>
-        </p:spPr>
-      </p:pic>
-      <p:pic>
-        <p:nvPicPr>
-          <p:cNvPr id="8" name="Picture 7">
-            <a:extLst>
-              <a:ext uri="{FF2B5EF4-FFF2-40B4-BE49-F238E27FC236}">
-                <a16:creationId xmlns:a16="http://schemas.microsoft.com/office/drawing/2014/main" id="{EE72D4A4-B661-45A1-AA04-B86F5053B9B2}"/>
-              </a:ext>
-            </a:extLst>
-          </p:cNvPr>
-          <p:cNvPicPr>
-            <a:picLocks noChangeAspect="1"/>
-          </p:cNvPicPr>
+          <a:noFill/>
+        </p:spPr>
+        <p:txBody>
+          <a:bodyPr wrap="square" rtlCol="0">
+            <a:spAutoFit/>
+          </a:bodyPr>
+          <a:lstStyle/>
+          <a:p>
+            <a:r>
+              <a:rPr lang="en-US" sz="2800" dirty="0"/>
+              <a:t>b</a:t>
+            </a:r>
+          </a:p>
+        </p:txBody>
+      </p:sp>
+      <p:sp>
+        <p:nvSpPr>
+          <p:cNvPr id="32" name="TextBox 31">
+            <a:extLst>
+              <a:ext uri="{FF2B5EF4-FFF2-40B4-BE49-F238E27FC236}">
+                <a16:creationId xmlns:a16="http://schemas.microsoft.com/office/drawing/2014/main" id="{B62B2BA2-5323-44E6-B340-6968E49A1436}"/>
+              </a:ext>
+            </a:extLst>
+          </p:cNvPr>
+          <p:cNvSpPr txBox="1"/>
           <p:nvPr/>
-        </p:nvPicPr>
-        <p:blipFill>
-          <a:blip r:embed="rId8"/>
-          <a:stretch>
-            <a:fillRect/>
-          </a:stretch>
-        </p:blipFill>
-        <p:spPr>
-          <a:xfrm>
-            <a:off x="8833935" y="78777"/>
-            <a:ext cx="1866146" cy="3569429"/>
+        </p:nvSpPr>
+        <p:spPr>
+          <a:xfrm>
+            <a:off x="7660878" y="1913945"/>
+            <a:ext cx="463145" cy="523220"/>
           </a:xfrm>
           <a:prstGeom prst="rect">
             <a:avLst/>
           </a:prstGeom>
-        </p:spPr>
-      </p:pic>
+          <a:noFill/>
+        </p:spPr>
+        <p:txBody>
+          <a:bodyPr wrap="square" rtlCol="0">
+            <a:spAutoFit/>
+          </a:bodyPr>
+          <a:lstStyle/>
+          <a:p>
+            <a:r>
+              <a:rPr lang="en-US" sz="2800" dirty="0"/>
+              <a:t>c</a:t>
+            </a:r>
+          </a:p>
+        </p:txBody>
+      </p:sp>
     </p:spTree>
     <p:extLst>
       <p:ext uri="{BB962C8B-B14F-4D97-AF65-F5344CB8AC3E}">
-        <p14:creationId xmlns:p14="http://schemas.microsoft.com/office/powerpoint/2010/main" val="819711690"/>
+        <p14:creationId xmlns:p14="http://schemas.microsoft.com/office/powerpoint/2010/main" val="2984096014"/>
       </p:ext>
     </p:extLst>
   </p:cSld>
   <p:clrMapOvr>
     <a:masterClrMapping/>
   </p:clrMapOvr>
-  <p:transition/>
+  <p:timing>
+    <p:tnLst>
+      <p:par>
+        <p:cTn id="1" dur="indefinite" restart="never" nodeType="tmRoot">
+          <p:childTnLst>
+            <p:seq concurrent="1" nextAc="seek">
+              <p:cTn id="2" dur="indefinite" nodeType="mainSeq">
+                <p:childTnLst>
+                  <p:par>
+                    <p:cTn id="3" fill="hold">
+                      <p:stCondLst>
+                        <p:cond delay="indefinite"/>
+                        <p:cond evt="onBegin" delay="0">
+                          <p:tn val="2"/>
+                        </p:cond>
+                      </p:stCondLst>
+                      <p:childTnLst>
+                        <p:par>
+                          <p:cTn id="4" fill="hold">
+                            <p:stCondLst>
+                              <p:cond delay="0"/>
+                            </p:stCondLst>
+                            <p:childTnLst>
+                              <p:par>
+                                <p:cTn id="5" presetID="1" presetClass="entr" presetSubtype="0" fill="hold" grpId="0" nodeType="withEffect">
+                                  <p:stCondLst>
+                                    <p:cond delay="0"/>
+                                  </p:stCondLst>
+                                  <p:childTnLst>
+                                    <p:set>
+                                      <p:cBhvr>
+                                        <p:cTn id="6" dur="1" fill="hold">
+                                          <p:stCondLst>
+                                            <p:cond delay="0"/>
+                                          </p:stCondLst>
+                                        </p:cTn>
+                                        <p:tgtEl>
+                                          <p:spTgt spid="4"/>
+                                        </p:tgtEl>
+                                        <p:attrNameLst>
+                                          <p:attrName>style.visibility</p:attrName>
+                                        </p:attrNameLst>
+                                      </p:cBhvr>
+                                      <p:to>
+                                        <p:strVal val="visible"/>
+                                      </p:to>
+                                    </p:set>
+                                  </p:childTnLst>
+                                </p:cTn>
+                              </p:par>
+                            </p:childTnLst>
+                          </p:cTn>
+                        </p:par>
+                      </p:childTnLst>
+                    </p:cTn>
+                  </p:par>
+                </p:childTnLst>
+              </p:cTn>
+              <p:prevCondLst>
+                <p:cond evt="onPrev" delay="0">
+                  <p:tgtEl>
+                    <p:sldTgt/>
+                  </p:tgtEl>
+                </p:cond>
+              </p:prevCondLst>
+              <p:nextCondLst>
+                <p:cond evt="onNext" delay="0">
+                  <p:tgtEl>
+                    <p:sldTgt/>
+                  </p:tgtEl>
+                </p:cond>
+              </p:nextCondLst>
+            </p:seq>
+          </p:childTnLst>
+        </p:cTn>
+      </p:par>
+    </p:tnLst>
+    <p:bldLst>
+      <p:bldP spid="4" grpId="0"/>
+    </p:bldLst>
+  </p:timing>
 </p:sld>
 </file>
 
@@ -8987,6 +10377,602 @@
       </p:grpSpPr>
       <p:sp>
         <p:nvSpPr>
+          <p:cNvPr id="2" name="Title 1">
+            <a:extLst>
+              <a:ext uri="{FF2B5EF4-FFF2-40B4-BE49-F238E27FC236}">
+                <a16:creationId xmlns:a16="http://schemas.microsoft.com/office/drawing/2014/main" id="{7B2CD7CA-0AF3-4D29-97CF-7EFA966A2336}"/>
+              </a:ext>
+            </a:extLst>
+          </p:cNvPr>
+          <p:cNvSpPr>
+            <a:spLocks noGrp="1"/>
+          </p:cNvSpPr>
+          <p:nvPr>
+            <p:ph type="title"/>
+          </p:nvPr>
+        </p:nvSpPr>
+        <p:spPr>
+          <a:xfrm>
+            <a:off x="838200" y="365125"/>
+            <a:ext cx="10515600" cy="788557"/>
+          </a:xfrm>
+        </p:spPr>
+        <p:txBody>
+          <a:bodyPr/>
+          <a:lstStyle/>
+          <a:p>
+            <a:r>
+              <a:rPr lang="en-US" dirty="0"/>
+              <a:t>Fig8</a:t>
+            </a:r>
+          </a:p>
+        </p:txBody>
+      </p:sp>
+      <p:pic>
+        <p:nvPicPr>
+          <p:cNvPr id="3" name="Picture 2">
+            <a:extLst>
+              <a:ext uri="{FF2B5EF4-FFF2-40B4-BE49-F238E27FC236}">
+                <a16:creationId xmlns:a16="http://schemas.microsoft.com/office/drawing/2014/main" id="{184FD318-DAA5-4130-98A8-57936AB5AFFB}"/>
+              </a:ext>
+            </a:extLst>
+          </p:cNvPr>
+          <p:cNvPicPr>
+            <a:picLocks noChangeAspect="1"/>
+          </p:cNvPicPr>
+          <p:nvPr/>
+        </p:nvPicPr>
+        <p:blipFill>
+          <a:blip r:embed="rId2"/>
+          <a:stretch>
+            <a:fillRect/>
+          </a:stretch>
+        </p:blipFill>
+        <p:spPr>
+          <a:xfrm>
+            <a:off x="1908042" y="112202"/>
+            <a:ext cx="2968817" cy="1663733"/>
+          </a:xfrm>
+          <a:prstGeom prst="rect">
+            <a:avLst/>
+          </a:prstGeom>
+        </p:spPr>
+      </p:pic>
+      <p:sp>
+        <p:nvSpPr>
+          <p:cNvPr id="4" name="TextBox 3">
+            <a:extLst>
+              <a:ext uri="{FF2B5EF4-FFF2-40B4-BE49-F238E27FC236}">
+                <a16:creationId xmlns:a16="http://schemas.microsoft.com/office/drawing/2014/main" id="{418E0466-7AF6-4334-97C8-70D85337B61E}"/>
+              </a:ext>
+            </a:extLst>
+          </p:cNvPr>
+          <p:cNvSpPr txBox="1"/>
+          <p:nvPr/>
+        </p:nvSpPr>
+        <p:spPr>
+          <a:xfrm>
+            <a:off x="2438774" y="574737"/>
+            <a:ext cx="301686" cy="369332"/>
+          </a:xfrm>
+          <a:prstGeom prst="rect">
+            <a:avLst/>
+          </a:prstGeom>
+          <a:noFill/>
+        </p:spPr>
+        <p:txBody>
+          <a:bodyPr wrap="none" rtlCol="0">
+            <a:spAutoFit/>
+          </a:bodyPr>
+          <a:lstStyle/>
+          <a:p>
+            <a:r>
+              <a:rPr lang="en-US" dirty="0">
+                <a:solidFill>
+                  <a:srgbClr val="FF0000"/>
+                </a:solidFill>
+                <a:highlight>
+                  <a:srgbClr val="FFFF00"/>
+                </a:highlight>
+              </a:rPr>
+              <a:t>0</a:t>
+            </a:r>
+          </a:p>
+        </p:txBody>
+      </p:sp>
+      <p:pic>
+        <p:nvPicPr>
+          <p:cNvPr id="5" name="Picture 4">
+            <a:extLst>
+              <a:ext uri="{FF2B5EF4-FFF2-40B4-BE49-F238E27FC236}">
+                <a16:creationId xmlns:a16="http://schemas.microsoft.com/office/drawing/2014/main" id="{35BAA319-0341-4699-8B85-640AE73DA63A}"/>
+              </a:ext>
+            </a:extLst>
+          </p:cNvPr>
+          <p:cNvPicPr>
+            <a:picLocks noChangeAspect="1"/>
+          </p:cNvPicPr>
+          <p:nvPr/>
+        </p:nvPicPr>
+        <p:blipFill>
+          <a:blip r:embed="rId3"/>
+          <a:stretch>
+            <a:fillRect/>
+          </a:stretch>
+        </p:blipFill>
+        <p:spPr>
+          <a:xfrm>
+            <a:off x="1671804" y="2751553"/>
+            <a:ext cx="1835625" cy="1312001"/>
+          </a:xfrm>
+          <a:prstGeom prst="rect">
+            <a:avLst/>
+          </a:prstGeom>
+        </p:spPr>
+      </p:pic>
+      <p:pic>
+        <p:nvPicPr>
+          <p:cNvPr id="6" name="Picture 5">
+            <a:extLst>
+              <a:ext uri="{FF2B5EF4-FFF2-40B4-BE49-F238E27FC236}">
+                <a16:creationId xmlns:a16="http://schemas.microsoft.com/office/drawing/2014/main" id="{393B3EB9-2D3B-4171-8E2A-61BF99F3AEB8}"/>
+              </a:ext>
+            </a:extLst>
+          </p:cNvPr>
+          <p:cNvPicPr>
+            <a:picLocks noChangeAspect="1"/>
+          </p:cNvPicPr>
+          <p:nvPr/>
+        </p:nvPicPr>
+        <p:blipFill>
+          <a:blip r:embed="rId4"/>
+          <a:stretch>
+            <a:fillRect/>
+          </a:stretch>
+        </p:blipFill>
+        <p:spPr>
+          <a:xfrm>
+            <a:off x="328233" y="3817053"/>
+            <a:ext cx="3593859" cy="2034370"/>
+          </a:xfrm>
+          <a:prstGeom prst="rect">
+            <a:avLst/>
+          </a:prstGeom>
+        </p:spPr>
+      </p:pic>
+      <p:sp>
+        <p:nvSpPr>
+          <p:cNvPr id="7" name="TextBox 6">
+            <a:extLst>
+              <a:ext uri="{FF2B5EF4-FFF2-40B4-BE49-F238E27FC236}">
+                <a16:creationId xmlns:a16="http://schemas.microsoft.com/office/drawing/2014/main" id="{4F380B29-8BDE-4073-B1B3-9C5BA709D162}"/>
+              </a:ext>
+            </a:extLst>
+          </p:cNvPr>
+          <p:cNvSpPr txBox="1"/>
+          <p:nvPr/>
+        </p:nvSpPr>
+        <p:spPr>
+          <a:xfrm>
+            <a:off x="1245292" y="3073296"/>
+            <a:ext cx="301686" cy="369332"/>
+          </a:xfrm>
+          <a:prstGeom prst="rect">
+            <a:avLst/>
+          </a:prstGeom>
+          <a:noFill/>
+        </p:spPr>
+        <p:txBody>
+          <a:bodyPr wrap="none" rtlCol="0">
+            <a:spAutoFit/>
+          </a:bodyPr>
+          <a:lstStyle/>
+          <a:p>
+            <a:r>
+              <a:rPr lang="en-US" dirty="0">
+                <a:solidFill>
+                  <a:srgbClr val="FF0000"/>
+                </a:solidFill>
+                <a:highlight>
+                  <a:srgbClr val="FFFF00"/>
+                </a:highlight>
+              </a:rPr>
+              <a:t>1</a:t>
+            </a:r>
+          </a:p>
+        </p:txBody>
+      </p:sp>
+      <p:sp>
+        <p:nvSpPr>
+          <p:cNvPr id="8" name="TextBox 7">
+            <a:extLst>
+              <a:ext uri="{FF2B5EF4-FFF2-40B4-BE49-F238E27FC236}">
+                <a16:creationId xmlns:a16="http://schemas.microsoft.com/office/drawing/2014/main" id="{4F1600EA-618E-4281-9D6E-54750858BC8F}"/>
+              </a:ext>
+            </a:extLst>
+          </p:cNvPr>
+          <p:cNvSpPr txBox="1"/>
+          <p:nvPr/>
+        </p:nvSpPr>
+        <p:spPr>
+          <a:xfrm>
+            <a:off x="1361190" y="4711740"/>
+            <a:ext cx="248635" cy="378416"/>
+          </a:xfrm>
+          <a:prstGeom prst="rect">
+            <a:avLst/>
+          </a:prstGeom>
+          <a:noFill/>
+        </p:spPr>
+        <p:txBody>
+          <a:bodyPr wrap="square" rtlCol="0">
+            <a:spAutoFit/>
+          </a:bodyPr>
+          <a:lstStyle/>
+          <a:p>
+            <a:r>
+              <a:rPr lang="en-US" dirty="0">
+                <a:solidFill>
+                  <a:srgbClr val="FF0000"/>
+                </a:solidFill>
+                <a:highlight>
+                  <a:srgbClr val="FFFF00"/>
+                </a:highlight>
+              </a:rPr>
+              <a:t>2</a:t>
+            </a:r>
+          </a:p>
+        </p:txBody>
+      </p:sp>
+      <p:pic>
+        <p:nvPicPr>
+          <p:cNvPr id="9" name="Picture 8">
+            <a:extLst>
+              <a:ext uri="{FF2B5EF4-FFF2-40B4-BE49-F238E27FC236}">
+                <a16:creationId xmlns:a16="http://schemas.microsoft.com/office/drawing/2014/main" id="{EADD05B5-CF7C-4ACA-8ED1-9FD9C3068996}"/>
+              </a:ext>
+            </a:extLst>
+          </p:cNvPr>
+          <p:cNvPicPr>
+            <a:picLocks noChangeAspect="1"/>
+          </p:cNvPicPr>
+          <p:nvPr/>
+        </p:nvPicPr>
+        <p:blipFill>
+          <a:blip r:embed="rId5"/>
+          <a:stretch>
+            <a:fillRect/>
+          </a:stretch>
+        </p:blipFill>
+        <p:spPr>
+          <a:xfrm>
+            <a:off x="5167891" y="2931056"/>
+            <a:ext cx="1301275" cy="952297"/>
+          </a:xfrm>
+          <a:prstGeom prst="rect">
+            <a:avLst/>
+          </a:prstGeom>
+        </p:spPr>
+      </p:pic>
+      <p:pic>
+        <p:nvPicPr>
+          <p:cNvPr id="10" name="Picture 9">
+            <a:extLst>
+              <a:ext uri="{FF2B5EF4-FFF2-40B4-BE49-F238E27FC236}">
+                <a16:creationId xmlns:a16="http://schemas.microsoft.com/office/drawing/2014/main" id="{EE7974B6-B665-4246-ADD8-4575056A8705}"/>
+              </a:ext>
+            </a:extLst>
+          </p:cNvPr>
+          <p:cNvPicPr>
+            <a:picLocks noChangeAspect="1"/>
+          </p:cNvPicPr>
+          <p:nvPr/>
+        </p:nvPicPr>
+        <p:blipFill>
+          <a:blip r:embed="rId6"/>
+          <a:stretch>
+            <a:fillRect/>
+          </a:stretch>
+        </p:blipFill>
+        <p:spPr>
+          <a:xfrm>
+            <a:off x="4827082" y="4419987"/>
+            <a:ext cx="1982891" cy="1431436"/>
+          </a:xfrm>
+          <a:prstGeom prst="rect">
+            <a:avLst/>
+          </a:prstGeom>
+        </p:spPr>
+      </p:pic>
+      <p:sp>
+        <p:nvSpPr>
+          <p:cNvPr id="11" name="TextBox 10">
+            <a:extLst>
+              <a:ext uri="{FF2B5EF4-FFF2-40B4-BE49-F238E27FC236}">
+                <a16:creationId xmlns:a16="http://schemas.microsoft.com/office/drawing/2014/main" id="{9E171D8C-183E-4B04-A877-CDEBCAE74523}"/>
+              </a:ext>
+            </a:extLst>
+          </p:cNvPr>
+          <p:cNvSpPr txBox="1"/>
+          <p:nvPr/>
+        </p:nvSpPr>
+        <p:spPr>
+          <a:xfrm>
+            <a:off x="4238378" y="3073296"/>
+            <a:ext cx="248635" cy="378416"/>
+          </a:xfrm>
+          <a:prstGeom prst="rect">
+            <a:avLst/>
+          </a:prstGeom>
+          <a:noFill/>
+        </p:spPr>
+        <p:txBody>
+          <a:bodyPr wrap="square" rtlCol="0">
+            <a:spAutoFit/>
+          </a:bodyPr>
+          <a:lstStyle/>
+          <a:p>
+            <a:r>
+              <a:rPr lang="en-US" dirty="0">
+                <a:solidFill>
+                  <a:srgbClr val="FF0000"/>
+                </a:solidFill>
+                <a:highlight>
+                  <a:srgbClr val="FFFF00"/>
+                </a:highlight>
+              </a:rPr>
+              <a:t>3</a:t>
+            </a:r>
+          </a:p>
+        </p:txBody>
+      </p:sp>
+      <p:sp>
+        <p:nvSpPr>
+          <p:cNvPr id="12" name="TextBox 11">
+            <a:extLst>
+              <a:ext uri="{FF2B5EF4-FFF2-40B4-BE49-F238E27FC236}">
+                <a16:creationId xmlns:a16="http://schemas.microsoft.com/office/drawing/2014/main" id="{8B7C4D50-C30E-4C9E-9328-44577068B941}"/>
+              </a:ext>
+            </a:extLst>
+          </p:cNvPr>
+          <p:cNvSpPr txBox="1"/>
+          <p:nvPr/>
+        </p:nvSpPr>
+        <p:spPr>
+          <a:xfrm>
+            <a:off x="4286496" y="4711740"/>
+            <a:ext cx="248635" cy="378416"/>
+          </a:xfrm>
+          <a:prstGeom prst="rect">
+            <a:avLst/>
+          </a:prstGeom>
+          <a:noFill/>
+        </p:spPr>
+        <p:txBody>
+          <a:bodyPr wrap="square" rtlCol="0">
+            <a:spAutoFit/>
+          </a:bodyPr>
+          <a:lstStyle/>
+          <a:p>
+            <a:r>
+              <a:rPr lang="en-US" dirty="0">
+                <a:solidFill>
+                  <a:srgbClr val="FF0000"/>
+                </a:solidFill>
+                <a:highlight>
+                  <a:srgbClr val="FFFF00"/>
+                </a:highlight>
+              </a:rPr>
+              <a:t>4</a:t>
+            </a:r>
+          </a:p>
+        </p:txBody>
+      </p:sp>
+      <p:sp>
+        <p:nvSpPr>
+          <p:cNvPr id="13" name="TextBox 12">
+            <a:extLst>
+              <a:ext uri="{FF2B5EF4-FFF2-40B4-BE49-F238E27FC236}">
+                <a16:creationId xmlns:a16="http://schemas.microsoft.com/office/drawing/2014/main" id="{CA897C9C-42FF-43EF-8A11-B1FB6BB91B40}"/>
+              </a:ext>
+            </a:extLst>
+          </p:cNvPr>
+          <p:cNvSpPr txBox="1"/>
+          <p:nvPr/>
+        </p:nvSpPr>
+        <p:spPr>
+          <a:xfrm>
+            <a:off x="8273389" y="3073296"/>
+            <a:ext cx="248635" cy="378416"/>
+          </a:xfrm>
+          <a:prstGeom prst="rect">
+            <a:avLst/>
+          </a:prstGeom>
+          <a:noFill/>
+        </p:spPr>
+        <p:txBody>
+          <a:bodyPr wrap="square" rtlCol="0">
+            <a:spAutoFit/>
+          </a:bodyPr>
+          <a:lstStyle/>
+          <a:p>
+            <a:r>
+              <a:rPr lang="en-US" dirty="0">
+                <a:solidFill>
+                  <a:srgbClr val="FF0000"/>
+                </a:solidFill>
+                <a:highlight>
+                  <a:srgbClr val="FFFF00"/>
+                </a:highlight>
+              </a:rPr>
+              <a:t>5</a:t>
+            </a:r>
+          </a:p>
+        </p:txBody>
+      </p:sp>
+      <p:sp>
+        <p:nvSpPr>
+          <p:cNvPr id="14" name="TextBox 13">
+            <a:extLst>
+              <a:ext uri="{FF2B5EF4-FFF2-40B4-BE49-F238E27FC236}">
+                <a16:creationId xmlns:a16="http://schemas.microsoft.com/office/drawing/2014/main" id="{95F4B650-17C0-41F9-B551-1A1ADE6078A6}"/>
+              </a:ext>
+            </a:extLst>
+          </p:cNvPr>
+          <p:cNvSpPr txBox="1"/>
+          <p:nvPr/>
+        </p:nvSpPr>
+        <p:spPr>
+          <a:xfrm>
+            <a:off x="8269910" y="4711740"/>
+            <a:ext cx="248635" cy="378416"/>
+          </a:xfrm>
+          <a:prstGeom prst="rect">
+            <a:avLst/>
+          </a:prstGeom>
+          <a:noFill/>
+        </p:spPr>
+        <p:txBody>
+          <a:bodyPr wrap="square" rtlCol="0">
+            <a:spAutoFit/>
+          </a:bodyPr>
+          <a:lstStyle/>
+          <a:p>
+            <a:r>
+              <a:rPr lang="en-US" dirty="0">
+                <a:solidFill>
+                  <a:srgbClr val="FF0000"/>
+                </a:solidFill>
+                <a:highlight>
+                  <a:srgbClr val="FFFF00"/>
+                </a:highlight>
+              </a:rPr>
+              <a:t>6</a:t>
+            </a:r>
+          </a:p>
+        </p:txBody>
+      </p:sp>
+      <p:pic>
+        <p:nvPicPr>
+          <p:cNvPr id="15" name="Picture 14">
+            <a:extLst>
+              <a:ext uri="{FF2B5EF4-FFF2-40B4-BE49-F238E27FC236}">
+                <a16:creationId xmlns:a16="http://schemas.microsoft.com/office/drawing/2014/main" id="{DBCF2256-A40B-426D-AA98-651B5F147C0E}"/>
+              </a:ext>
+            </a:extLst>
+          </p:cNvPr>
+          <p:cNvPicPr>
+            <a:picLocks noChangeAspect="1"/>
+          </p:cNvPicPr>
+          <p:nvPr/>
+        </p:nvPicPr>
+        <p:blipFill>
+          <a:blip r:embed="rId7"/>
+          <a:stretch>
+            <a:fillRect/>
+          </a:stretch>
+        </p:blipFill>
+        <p:spPr>
+          <a:xfrm>
+            <a:off x="8684573" y="2418367"/>
+            <a:ext cx="2228049" cy="1846098"/>
+          </a:xfrm>
+          <a:prstGeom prst="rect">
+            <a:avLst/>
+          </a:prstGeom>
+        </p:spPr>
+      </p:pic>
+      <p:pic>
+        <p:nvPicPr>
+          <p:cNvPr id="16" name="Picture 15">
+            <a:extLst>
+              <a:ext uri="{FF2B5EF4-FFF2-40B4-BE49-F238E27FC236}">
+                <a16:creationId xmlns:a16="http://schemas.microsoft.com/office/drawing/2014/main" id="{977419D2-A60A-4980-B525-746F04BBB888}"/>
+              </a:ext>
+            </a:extLst>
+          </p:cNvPr>
+          <p:cNvPicPr>
+            <a:picLocks noChangeAspect="1"/>
+          </p:cNvPicPr>
+          <p:nvPr/>
+        </p:nvPicPr>
+        <p:blipFill>
+          <a:blip r:embed="rId8"/>
+          <a:stretch>
+            <a:fillRect/>
+          </a:stretch>
+        </p:blipFill>
+        <p:spPr>
+          <a:xfrm>
+            <a:off x="9072073" y="4419987"/>
+            <a:ext cx="2591337" cy="1907512"/>
+          </a:xfrm>
+          <a:prstGeom prst="rect">
+            <a:avLst/>
+          </a:prstGeom>
+        </p:spPr>
+      </p:pic>
+    </p:spTree>
+    <p:extLst>
+      <p:ext uri="{BB962C8B-B14F-4D97-AF65-F5344CB8AC3E}">
+        <p14:creationId xmlns:p14="http://schemas.microsoft.com/office/powerpoint/2010/main" val="1105362944"/>
+      </p:ext>
+    </p:extLst>
+  </p:cSld>
+  <p:clrMapOvr>
+    <a:masterClrMapping/>
+  </p:clrMapOvr>
+</p:sld>
+</file>
+
+<file path=ppt/slides/slide16.xml><?xml version="1.0" encoding="utf-8"?>
+<p:sld xmlns:a="http://schemas.openxmlformats.org/drawingml/2006/main" xmlns:r="http://schemas.openxmlformats.org/officeDocument/2006/relationships" xmlns:p="http://schemas.openxmlformats.org/presentationml/2006/main">
+  <p:cSld>
+    <p:spTree>
+      <p:nvGrpSpPr>
+        <p:cNvPr id="1" name=""/>
+        <p:cNvGrpSpPr/>
+        <p:nvPr/>
+      </p:nvGrpSpPr>
+      <p:grpSpPr>
+        <a:xfrm>
+          <a:off x="0" y="0"/>
+          <a:ext cx="0" cy="0"/>
+          <a:chOff x="0" y="0"/>
+          <a:chExt cx="0" cy="0"/>
+        </a:xfrm>
+      </p:grpSpPr>
+      <p:pic>
+        <p:nvPicPr>
+          <p:cNvPr id="10" name="Picture 9">
+            <a:extLst>
+              <a:ext uri="{FF2B5EF4-FFF2-40B4-BE49-F238E27FC236}">
+                <a16:creationId xmlns:a16="http://schemas.microsoft.com/office/drawing/2014/main" id="{497C74AC-CDDE-41D4-8E0C-47A736284F7C}"/>
+              </a:ext>
+            </a:extLst>
+          </p:cNvPr>
+          <p:cNvPicPr>
+            <a:picLocks noChangeAspect="1"/>
+          </p:cNvPicPr>
+          <p:nvPr/>
+        </p:nvPicPr>
+        <p:blipFill rotWithShape="1">
+          <a:blip r:embed="rId3"/>
+          <a:srcRect l="7913" t="2901" r="33478"/>
+          <a:stretch/>
+        </p:blipFill>
+        <p:spPr>
+          <a:xfrm>
+            <a:off x="3416410" y="1914382"/>
+            <a:ext cx="5359179" cy="4807093"/>
+          </a:xfrm>
+          <a:prstGeom prst="rect">
+            <a:avLst/>
+          </a:prstGeom>
+        </p:spPr>
+      </p:pic>
+      <p:sp>
+        <p:nvSpPr>
           <p:cNvPr id="2" name="Title 1"/>
           <p:cNvSpPr>
             <a:spLocks noGrp="1"/>
@@ -8997,7 +10983,7 @@
         </p:nvSpPr>
         <p:spPr>
           <a:xfrm>
-            <a:off x="121381" y="259216"/>
+            <a:off x="701560" y="509942"/>
             <a:ext cx="7805099" cy="338554"/>
           </a:xfrm>
         </p:spPr>
@@ -9009,7 +10995,7 @@
           <a:p>
             <a:r>
               <a:rPr lang="en-US" dirty="0"/>
-              <a:t>Fig 10b</a:t>
+              <a:t>Fig 10a</a:t>
             </a:r>
           </a:p>
         </p:txBody>
@@ -9024,7 +11010,12 @@
             <p:ph type="sldNum" sz="quarter" idx="17"/>
           </p:nvPr>
         </p:nvSpPr>
-        <p:spPr/>
+        <p:spPr>
+          <a:xfrm>
+            <a:off x="8610600" y="6356350"/>
+            <a:ext cx="2743200" cy="365125"/>
+          </a:xfrm>
+        </p:spPr>
         <p:txBody>
           <a:bodyPr/>
           <a:lstStyle/>
@@ -9036,7 +11027,7 @@
                 </a:solidFill>
               </a:rPr>
               <a:pPr/>
-              <a:t>15</a:t>
+              <a:t>16</a:t>
             </a:fld>
             <a:endParaRPr lang="en-US">
               <a:solidFill>
@@ -9062,7 +11053,7 @@
         </p:nvCxnSpPr>
         <p:spPr>
           <a:xfrm flipV="1">
-            <a:off x="1608489" y="1913106"/>
+            <a:off x="4272566" y="2107373"/>
             <a:ext cx="1143703" cy="2"/>
           </a:xfrm>
           <a:prstGeom prst="line">
@@ -9106,6 +11097,545 @@
           <p:nvPr/>
         </p:nvPicPr>
         <p:blipFill rotWithShape="1">
+          <a:blip r:embed="rId4"/>
+          <a:srcRect l="-376" t="45325" r="97854" b="47342"/>
+          <a:stretch/>
+        </p:blipFill>
+        <p:spPr>
+          <a:xfrm>
+            <a:off x="2849284" y="3100772"/>
+            <a:ext cx="408101" cy="652959"/>
+          </a:xfrm>
+          <a:prstGeom prst="rect">
+            <a:avLst/>
+          </a:prstGeom>
+        </p:spPr>
+      </p:pic>
+      <p:cxnSp>
+        <p:nvCxnSpPr>
+          <p:cNvPr id="42" name="Straight Connector 41">
+            <a:extLst>
+              <a:ext uri="{FF2B5EF4-FFF2-40B4-BE49-F238E27FC236}">
+                <a16:creationId xmlns:a16="http://schemas.microsoft.com/office/drawing/2014/main" id="{4AB7C522-5718-4E5B-B0B6-0F575E7B572B}"/>
+              </a:ext>
+            </a:extLst>
+          </p:cNvPr>
+          <p:cNvCxnSpPr>
+            <a:cxnSpLocks/>
+          </p:cNvCxnSpPr>
+          <p:nvPr/>
+        </p:nvCxnSpPr>
+        <p:spPr>
+          <a:xfrm>
+            <a:off x="3416410" y="5882254"/>
+            <a:ext cx="681229" cy="89453"/>
+          </a:xfrm>
+          <a:prstGeom prst="line">
+            <a:avLst/>
+          </a:prstGeom>
+          <a:ln>
+            <a:solidFill>
+              <a:schemeClr val="tx1">
+                <a:lumMod val="50000"/>
+              </a:schemeClr>
+            </a:solidFill>
+          </a:ln>
+        </p:spPr>
+        <p:style>
+          <a:lnRef idx="1">
+            <a:schemeClr val="accent1"/>
+          </a:lnRef>
+          <a:fillRef idx="0">
+            <a:schemeClr val="accent1"/>
+          </a:fillRef>
+          <a:effectRef idx="0">
+            <a:schemeClr val="accent1"/>
+          </a:effectRef>
+          <a:fontRef idx="minor">
+            <a:schemeClr val="tx1"/>
+          </a:fontRef>
+        </p:style>
+      </p:cxnSp>
+      <p:cxnSp>
+        <p:nvCxnSpPr>
+          <p:cNvPr id="51" name="Straight Connector 50">
+            <a:extLst>
+              <a:ext uri="{FF2B5EF4-FFF2-40B4-BE49-F238E27FC236}">
+                <a16:creationId xmlns:a16="http://schemas.microsoft.com/office/drawing/2014/main" id="{289D2DB0-E3D0-4761-AE8A-0E92CD1C25D0}"/>
+              </a:ext>
+            </a:extLst>
+          </p:cNvPr>
+          <p:cNvCxnSpPr>
+            <a:cxnSpLocks/>
+          </p:cNvCxnSpPr>
+          <p:nvPr/>
+        </p:nvCxnSpPr>
+        <p:spPr>
+          <a:xfrm>
+            <a:off x="8402220" y="5479911"/>
+            <a:ext cx="104439" cy="346503"/>
+          </a:xfrm>
+          <a:prstGeom prst="line">
+            <a:avLst/>
+          </a:prstGeom>
+          <a:ln>
+            <a:solidFill>
+              <a:schemeClr val="tx1">
+                <a:lumMod val="50000"/>
+              </a:schemeClr>
+            </a:solidFill>
+          </a:ln>
+        </p:spPr>
+        <p:style>
+          <a:lnRef idx="1">
+            <a:schemeClr val="accent1"/>
+          </a:lnRef>
+          <a:fillRef idx="0">
+            <a:schemeClr val="accent1"/>
+          </a:fillRef>
+          <a:effectRef idx="0">
+            <a:schemeClr val="accent1"/>
+          </a:effectRef>
+          <a:fontRef idx="minor">
+            <a:schemeClr val="tx1"/>
+          </a:fontRef>
+        </p:style>
+      </p:cxnSp>
+      <p:pic>
+        <p:nvPicPr>
+          <p:cNvPr id="7" name="Picture 6">
+            <a:extLst>
+              <a:ext uri="{FF2B5EF4-FFF2-40B4-BE49-F238E27FC236}">
+                <a16:creationId xmlns:a16="http://schemas.microsoft.com/office/drawing/2014/main" id="{080E286B-AF01-4BC2-955C-F2C011ED12A1}"/>
+              </a:ext>
+            </a:extLst>
+          </p:cNvPr>
+          <p:cNvPicPr>
+            <a:picLocks noChangeAspect="1"/>
+          </p:cNvPicPr>
+          <p:nvPr/>
+        </p:nvPicPr>
+        <p:blipFill rotWithShape="1">
+          <a:blip r:embed="rId5"/>
+          <a:srcRect l="58850" t="22815" r="6941" b="14132"/>
+          <a:stretch/>
+        </p:blipFill>
+        <p:spPr>
+          <a:xfrm>
+            <a:off x="6502576" y="1902114"/>
+            <a:ext cx="2253404" cy="2248773"/>
+          </a:xfrm>
+          <a:prstGeom prst="rect">
+            <a:avLst/>
+          </a:prstGeom>
+          <a:ln>
+            <a:solidFill>
+              <a:schemeClr val="tx2"/>
+            </a:solidFill>
+          </a:ln>
+        </p:spPr>
+      </p:pic>
+      <p:sp>
+        <p:nvSpPr>
+          <p:cNvPr id="3" name="Rectangle 2">
+            <a:extLst>
+              <a:ext uri="{FF2B5EF4-FFF2-40B4-BE49-F238E27FC236}">
+                <a16:creationId xmlns:a16="http://schemas.microsoft.com/office/drawing/2014/main" id="{1950140E-C8EF-4056-B91D-FA2F750D3064}"/>
+              </a:ext>
+            </a:extLst>
+          </p:cNvPr>
+          <p:cNvSpPr/>
+          <p:nvPr/>
+        </p:nvSpPr>
+        <p:spPr>
+          <a:xfrm>
+            <a:off x="2410552" y="4249586"/>
+            <a:ext cx="1005858" cy="1632668"/>
+          </a:xfrm>
+          <a:prstGeom prst="rect">
+            <a:avLst/>
+          </a:prstGeom>
+          <a:noFill/>
+          <a:ln>
+            <a:solidFill>
+              <a:schemeClr val="tx1">
+                <a:lumMod val="50000"/>
+                <a:lumOff val="50000"/>
+              </a:schemeClr>
+            </a:solidFill>
+          </a:ln>
+        </p:spPr>
+        <p:style>
+          <a:lnRef idx="2">
+            <a:schemeClr val="accent1">
+              <a:shade val="50000"/>
+            </a:schemeClr>
+          </a:lnRef>
+          <a:fillRef idx="1">
+            <a:schemeClr val="accent1"/>
+          </a:fillRef>
+          <a:effectRef idx="0">
+            <a:schemeClr val="accent1"/>
+          </a:effectRef>
+          <a:fontRef idx="minor">
+            <a:schemeClr val="lt1"/>
+          </a:fontRef>
+        </p:style>
+        <p:txBody>
+          <a:bodyPr rtlCol="0" anchor="ctr"/>
+          <a:lstStyle/>
+          <a:p>
+            <a:pPr algn="ctr"/>
+            <a:endParaRPr lang="en-US"/>
+          </a:p>
+        </p:txBody>
+      </p:sp>
+      <p:sp>
+        <p:nvSpPr>
+          <p:cNvPr id="14" name="Rectangle 13">
+            <a:extLst>
+              <a:ext uri="{FF2B5EF4-FFF2-40B4-BE49-F238E27FC236}">
+                <a16:creationId xmlns:a16="http://schemas.microsoft.com/office/drawing/2014/main" id="{7B2FD56F-9E26-472D-B86E-505BF2457B92}"/>
+              </a:ext>
+            </a:extLst>
+          </p:cNvPr>
+          <p:cNvSpPr/>
+          <p:nvPr/>
+        </p:nvSpPr>
+        <p:spPr>
+          <a:xfrm>
+            <a:off x="5410927" y="1782611"/>
+            <a:ext cx="1005858" cy="1390650"/>
+          </a:xfrm>
+          <a:prstGeom prst="rect">
+            <a:avLst/>
+          </a:prstGeom>
+          <a:noFill/>
+          <a:ln>
+            <a:solidFill>
+              <a:srgbClr val="FFC000"/>
+            </a:solidFill>
+          </a:ln>
+        </p:spPr>
+        <p:style>
+          <a:lnRef idx="2">
+            <a:schemeClr val="accent1">
+              <a:shade val="50000"/>
+            </a:schemeClr>
+          </a:lnRef>
+          <a:fillRef idx="1">
+            <a:schemeClr val="accent1"/>
+          </a:fillRef>
+          <a:effectRef idx="0">
+            <a:schemeClr val="accent1"/>
+          </a:effectRef>
+          <a:fontRef idx="minor">
+            <a:schemeClr val="lt1"/>
+          </a:fontRef>
+        </p:style>
+        <p:txBody>
+          <a:bodyPr rtlCol="0" anchor="ctr"/>
+          <a:lstStyle/>
+          <a:p>
+            <a:pPr algn="ctr"/>
+            <a:endParaRPr lang="en-US"/>
+          </a:p>
+        </p:txBody>
+      </p:sp>
+      <p:sp>
+        <p:nvSpPr>
+          <p:cNvPr id="15" name="Rectangle 14">
+            <a:extLst>
+              <a:ext uri="{FF2B5EF4-FFF2-40B4-BE49-F238E27FC236}">
+                <a16:creationId xmlns:a16="http://schemas.microsoft.com/office/drawing/2014/main" id="{66D6801A-032D-44DE-BBA2-B28C5438E27C}"/>
+              </a:ext>
+            </a:extLst>
+          </p:cNvPr>
+          <p:cNvSpPr/>
+          <p:nvPr/>
+        </p:nvSpPr>
+        <p:spPr>
+          <a:xfrm>
+            <a:off x="7725502" y="4182911"/>
+            <a:ext cx="1005858" cy="1297000"/>
+          </a:xfrm>
+          <a:prstGeom prst="rect">
+            <a:avLst/>
+          </a:prstGeom>
+          <a:noFill/>
+          <a:ln>
+            <a:solidFill>
+              <a:srgbClr val="7030A0"/>
+            </a:solidFill>
+          </a:ln>
+        </p:spPr>
+        <p:style>
+          <a:lnRef idx="2">
+            <a:schemeClr val="accent1">
+              <a:shade val="50000"/>
+            </a:schemeClr>
+          </a:lnRef>
+          <a:fillRef idx="1">
+            <a:schemeClr val="accent1"/>
+          </a:fillRef>
+          <a:effectRef idx="0">
+            <a:schemeClr val="accent1"/>
+          </a:effectRef>
+          <a:fontRef idx="minor">
+            <a:schemeClr val="lt1"/>
+          </a:fontRef>
+        </p:style>
+        <p:txBody>
+          <a:bodyPr rtlCol="0" anchor="ctr"/>
+          <a:lstStyle/>
+          <a:p>
+            <a:pPr algn="ctr"/>
+            <a:endParaRPr lang="en-US"/>
+          </a:p>
+        </p:txBody>
+      </p:sp>
+      <p:pic>
+        <p:nvPicPr>
+          <p:cNvPr id="4" name="Picture 3">
+            <a:extLst>
+              <a:ext uri="{FF2B5EF4-FFF2-40B4-BE49-F238E27FC236}">
+                <a16:creationId xmlns:a16="http://schemas.microsoft.com/office/drawing/2014/main" id="{C0DEE0FA-ABC6-44C6-B6CC-B818584F2CF6}"/>
+              </a:ext>
+            </a:extLst>
+          </p:cNvPr>
+          <p:cNvPicPr>
+            <a:picLocks noChangeAspect="1"/>
+          </p:cNvPicPr>
+          <p:nvPr/>
+        </p:nvPicPr>
+        <p:blipFill>
+          <a:blip r:embed="rId6"/>
+          <a:stretch>
+            <a:fillRect/>
+          </a:stretch>
+        </p:blipFill>
+        <p:spPr>
+          <a:xfrm>
+            <a:off x="417085" y="2995749"/>
+            <a:ext cx="1655108" cy="3725726"/>
+          </a:xfrm>
+          <a:prstGeom prst="rect">
+            <a:avLst/>
+          </a:prstGeom>
+        </p:spPr>
+      </p:pic>
+      <p:pic>
+        <p:nvPicPr>
+          <p:cNvPr id="6" name="Picture 5">
+            <a:extLst>
+              <a:ext uri="{FF2B5EF4-FFF2-40B4-BE49-F238E27FC236}">
+                <a16:creationId xmlns:a16="http://schemas.microsoft.com/office/drawing/2014/main" id="{58F7F9BA-73FA-4EB7-B724-B7A13CF2BC75}"/>
+              </a:ext>
+            </a:extLst>
+          </p:cNvPr>
+          <p:cNvPicPr>
+            <a:picLocks noChangeAspect="1"/>
+          </p:cNvPicPr>
+          <p:nvPr/>
+        </p:nvPicPr>
+        <p:blipFill>
+          <a:blip r:embed="rId7"/>
+          <a:stretch>
+            <a:fillRect/>
+          </a:stretch>
+        </p:blipFill>
+        <p:spPr>
+          <a:xfrm>
+            <a:off x="10361221" y="3427251"/>
+            <a:ext cx="1474458" cy="3073269"/>
+          </a:xfrm>
+          <a:prstGeom prst="rect">
+            <a:avLst/>
+          </a:prstGeom>
+        </p:spPr>
+      </p:pic>
+      <p:pic>
+        <p:nvPicPr>
+          <p:cNvPr id="8" name="Picture 7">
+            <a:extLst>
+              <a:ext uri="{FF2B5EF4-FFF2-40B4-BE49-F238E27FC236}">
+                <a16:creationId xmlns:a16="http://schemas.microsoft.com/office/drawing/2014/main" id="{EE72D4A4-B661-45A1-AA04-B86F5053B9B2}"/>
+              </a:ext>
+            </a:extLst>
+          </p:cNvPr>
+          <p:cNvPicPr>
+            <a:picLocks noChangeAspect="1"/>
+          </p:cNvPicPr>
+          <p:nvPr/>
+        </p:nvPicPr>
+        <p:blipFill>
+          <a:blip r:embed="rId8"/>
+          <a:stretch>
+            <a:fillRect/>
+          </a:stretch>
+        </p:blipFill>
+        <p:spPr>
+          <a:xfrm>
+            <a:off x="8833935" y="78777"/>
+            <a:ext cx="1866146" cy="3569429"/>
+          </a:xfrm>
+          <a:prstGeom prst="rect">
+            <a:avLst/>
+          </a:prstGeom>
+        </p:spPr>
+      </p:pic>
+    </p:spTree>
+    <p:extLst>
+      <p:ext uri="{BB962C8B-B14F-4D97-AF65-F5344CB8AC3E}">
+        <p14:creationId xmlns:p14="http://schemas.microsoft.com/office/powerpoint/2010/main" val="819711690"/>
+      </p:ext>
+    </p:extLst>
+  </p:cSld>
+  <p:clrMapOvr>
+    <a:masterClrMapping/>
+  </p:clrMapOvr>
+  <p:transition/>
+</p:sld>
+</file>
+
+<file path=ppt/slides/slide17.xml><?xml version="1.0" encoding="utf-8"?>
+<p:sld xmlns:a="http://schemas.openxmlformats.org/drawingml/2006/main" xmlns:r="http://schemas.openxmlformats.org/officeDocument/2006/relationships" xmlns:p="http://schemas.openxmlformats.org/presentationml/2006/main">
+  <p:cSld>
+    <p:spTree>
+      <p:nvGrpSpPr>
+        <p:cNvPr id="1" name=""/>
+        <p:cNvGrpSpPr/>
+        <p:nvPr/>
+      </p:nvGrpSpPr>
+      <p:grpSpPr>
+        <a:xfrm>
+          <a:off x="0" y="0"/>
+          <a:ext cx="0" cy="0"/>
+          <a:chOff x="0" y="0"/>
+          <a:chExt cx="0" cy="0"/>
+        </a:xfrm>
+      </p:grpSpPr>
+      <p:sp>
+        <p:nvSpPr>
+          <p:cNvPr id="2" name="Title 1"/>
+          <p:cNvSpPr>
+            <a:spLocks noGrp="1"/>
+          </p:cNvSpPr>
+          <p:nvPr>
+            <p:ph type="title"/>
+          </p:nvPr>
+        </p:nvSpPr>
+        <p:spPr>
+          <a:xfrm>
+            <a:off x="121381" y="259216"/>
+            <a:ext cx="7805099" cy="338554"/>
+          </a:xfrm>
+        </p:spPr>
+        <p:txBody>
+          <a:bodyPr>
+            <a:normAutofit fontScale="90000"/>
+          </a:bodyPr>
+          <a:lstStyle/>
+          <a:p>
+            <a:r>
+              <a:rPr lang="en-US" dirty="0"/>
+              <a:t>Fig 10b</a:t>
+            </a:r>
+          </a:p>
+        </p:txBody>
+      </p:sp>
+      <p:sp>
+        <p:nvSpPr>
+          <p:cNvPr id="5" name="Slide Number Placeholder 4"/>
+          <p:cNvSpPr>
+            <a:spLocks noGrp="1"/>
+          </p:cNvSpPr>
+          <p:nvPr>
+            <p:ph type="sldNum" sz="quarter" idx="17"/>
+          </p:nvPr>
+        </p:nvSpPr>
+        <p:spPr/>
+        <p:txBody>
+          <a:bodyPr/>
+          <a:lstStyle/>
+          <a:p>
+            <a:fld id="{0A838F34-1B32-4019-A24D-EF473E6901BC}" type="slidenum">
+              <a:rPr lang="en-US" smtClean="0">
+                <a:solidFill>
+                  <a:srgbClr val="9A8B7D"/>
+                </a:solidFill>
+              </a:rPr>
+              <a:pPr/>
+              <a:t>17</a:t>
+            </a:fld>
+            <a:endParaRPr lang="en-US">
+              <a:solidFill>
+                <a:srgbClr val="9A8B7D"/>
+              </a:solidFill>
+            </a:endParaRPr>
+          </a:p>
+        </p:txBody>
+      </p:sp>
+      <p:cxnSp>
+        <p:nvCxnSpPr>
+          <p:cNvPr id="174081" name="Straight Connector 174080">
+            <a:extLst>
+              <a:ext uri="{FF2B5EF4-FFF2-40B4-BE49-F238E27FC236}">
+                <a16:creationId xmlns:a16="http://schemas.microsoft.com/office/drawing/2014/main" id="{21C181BB-6BFE-4304-98E5-36B39CF330BF}"/>
+              </a:ext>
+            </a:extLst>
+          </p:cNvPr>
+          <p:cNvCxnSpPr>
+            <a:cxnSpLocks/>
+          </p:cNvCxnSpPr>
+          <p:nvPr/>
+        </p:nvCxnSpPr>
+        <p:spPr>
+          <a:xfrm flipV="1">
+            <a:off x="1608489" y="1913106"/>
+            <a:ext cx="1143703" cy="2"/>
+          </a:xfrm>
+          <a:prstGeom prst="line">
+            <a:avLst/>
+          </a:prstGeom>
+          <a:ln>
+            <a:solidFill>
+              <a:schemeClr val="tx1">
+                <a:lumMod val="50000"/>
+              </a:schemeClr>
+            </a:solidFill>
+          </a:ln>
+        </p:spPr>
+        <p:style>
+          <a:lnRef idx="1">
+            <a:schemeClr val="accent1"/>
+          </a:lnRef>
+          <a:fillRef idx="0">
+            <a:schemeClr val="accent1"/>
+          </a:fillRef>
+          <a:effectRef idx="0">
+            <a:schemeClr val="accent1"/>
+          </a:effectRef>
+          <a:fontRef idx="minor">
+            <a:schemeClr val="tx1"/>
+          </a:fontRef>
+        </p:style>
+      </p:cxnSp>
+      <p:pic>
+        <p:nvPicPr>
+          <p:cNvPr id="41" name="Picture 40">
+            <a:extLst>
+              <a:ext uri="{FF2B5EF4-FFF2-40B4-BE49-F238E27FC236}">
+                <a16:creationId xmlns:a16="http://schemas.microsoft.com/office/drawing/2014/main" id="{268AAA76-884A-4E25-B277-C0EEACC4AAA7}"/>
+              </a:ext>
+            </a:extLst>
+          </p:cNvPr>
+          <p:cNvPicPr>
+            <a:picLocks noChangeAspect="1"/>
+          </p:cNvPicPr>
+          <p:nvPr/>
+        </p:nvPicPr>
+        <p:blipFill rotWithShape="1">
           <a:blip r:embed="rId3"/>
           <a:srcRect l="-376" t="45325" r="97854" b="47342"/>
           <a:stretch/>
@@ -9461,7 +11991,7 @@
 </p:sld>
 </file>
 
-<file path=ppt/slides/slide16.xml><?xml version="1.0" encoding="utf-8"?>
+<file path=ppt/slides/slide18.xml><?xml version="1.0" encoding="utf-8"?>
 <p:sld xmlns:a="http://schemas.openxmlformats.org/drawingml/2006/main" xmlns:r="http://schemas.openxmlformats.org/officeDocument/2006/relationships" xmlns:p="http://schemas.openxmlformats.org/presentationml/2006/main">
   <p:cSld>
     <p:spTree>

--- a/pres/Scaffold analytics figures to modify with chemical structures.pptx
+++ b/pres/Scaffold analytics figures to modify with chemical structures.pptx
@@ -10963,8 +10963,8 @@
         </p:blipFill>
         <p:spPr>
           <a:xfrm>
-            <a:off x="3416410" y="1914382"/>
-            <a:ext cx="5359179" cy="4807093"/>
+            <a:off x="3256149" y="443784"/>
+            <a:ext cx="6792794" cy="6093030"/>
           </a:xfrm>
           <a:prstGeom prst="rect">
             <a:avLst/>
@@ -10983,8 +10983,8 @@
         </p:nvSpPr>
         <p:spPr>
           <a:xfrm>
-            <a:off x="701560" y="509942"/>
-            <a:ext cx="7805099" cy="338554"/>
+            <a:off x="-117357" y="16474"/>
+            <a:ext cx="1655109" cy="427310"/>
           </a:xfrm>
         </p:spPr>
         <p:txBody>
@@ -10997,43 +10997,6 @@
               <a:rPr lang="en-US" dirty="0"/>
               <a:t>Fig 10a</a:t>
             </a:r>
-          </a:p>
-        </p:txBody>
-      </p:sp>
-      <p:sp>
-        <p:nvSpPr>
-          <p:cNvPr id="5" name="Slide Number Placeholder 4"/>
-          <p:cNvSpPr>
-            <a:spLocks noGrp="1"/>
-          </p:cNvSpPr>
-          <p:nvPr>
-            <p:ph type="sldNum" sz="quarter" idx="17"/>
-          </p:nvPr>
-        </p:nvSpPr>
-        <p:spPr>
-          <a:xfrm>
-            <a:off x="8610600" y="6356350"/>
-            <a:ext cx="2743200" cy="365125"/>
-          </a:xfrm>
-        </p:spPr>
-        <p:txBody>
-          <a:bodyPr/>
-          <a:lstStyle/>
-          <a:p>
-            <a:fld id="{0A838F34-1B32-4019-A24D-EF473E6901BC}" type="slidenum">
-              <a:rPr lang="en-US" smtClean="0">
-                <a:solidFill>
-                  <a:srgbClr val="9A8B7D"/>
-                </a:solidFill>
-              </a:rPr>
-              <a:pPr/>
-              <a:t>16</a:t>
-            </a:fld>
-            <a:endParaRPr lang="en-US">
-              <a:solidFill>
-                <a:srgbClr val="9A8B7D"/>
-              </a:solidFill>
-            </a:endParaRPr>
           </a:p>
         </p:txBody>
       </p:sp>
@@ -11052,18 +11015,16 @@
           <p:nvPr/>
         </p:nvCxnSpPr>
         <p:spPr>
-          <a:xfrm flipV="1">
-            <a:off x="4272566" y="2107373"/>
-            <a:ext cx="1143703" cy="2"/>
+          <a:xfrm>
+            <a:off x="4326903" y="650449"/>
+            <a:ext cx="2370756" cy="0"/>
           </a:xfrm>
           <a:prstGeom prst="line">
             <a:avLst/>
           </a:prstGeom>
           <a:ln>
             <a:solidFill>
-              <a:schemeClr val="tx1">
-                <a:lumMod val="50000"/>
-              </a:schemeClr>
+              <a:srgbClr val="FF9966"/>
             </a:solidFill>
           </a:ln>
         </p:spPr>
@@ -11103,8 +11064,8 @@
         </p:blipFill>
         <p:spPr>
           <a:xfrm>
-            <a:off x="2849284" y="3100772"/>
-            <a:ext cx="408101" cy="652959"/>
+            <a:off x="2546570" y="1544120"/>
+            <a:ext cx="531424" cy="850275"/>
           </a:xfrm>
           <a:prstGeom prst="rect">
             <a:avLst/>
@@ -11127,8 +11088,8 @@
         </p:nvCxnSpPr>
         <p:spPr>
           <a:xfrm>
-            <a:off x="3416410" y="5882254"/>
-            <a:ext cx="681229" cy="89453"/>
+            <a:off x="3199593" y="5571241"/>
+            <a:ext cx="901067" cy="1"/>
           </a:xfrm>
           <a:prstGeom prst="line">
             <a:avLst/>
@@ -11167,22 +11128,21 @@
           </p:cNvPr>
           <p:cNvCxnSpPr>
             <a:cxnSpLocks/>
+            <a:endCxn id="6" idx="2"/>
           </p:cNvCxnSpPr>
           <p:nvPr/>
         </p:nvCxnSpPr>
         <p:spPr>
-          <a:xfrm>
-            <a:off x="8402220" y="5479911"/>
-            <a:ext cx="104439" cy="346503"/>
+          <a:xfrm flipV="1">
+            <a:off x="9710775" y="5286243"/>
+            <a:ext cx="592932" cy="118438"/>
           </a:xfrm>
           <a:prstGeom prst="line">
             <a:avLst/>
           </a:prstGeom>
           <a:ln>
             <a:solidFill>
-              <a:schemeClr val="tx1">
-                <a:lumMod val="50000"/>
-              </a:schemeClr>
+              <a:srgbClr val="7030A0"/>
             </a:solidFill>
           </a:ln>
         </p:spPr>
@@ -11222,7 +11182,7 @@
         </p:blipFill>
         <p:spPr>
           <a:xfrm>
-            <a:off x="6502576" y="1902114"/>
+            <a:off x="8675633" y="447294"/>
             <a:ext cx="2253404" cy="2248773"/>
           </a:xfrm>
           <a:prstGeom prst="rect">
@@ -11249,8 +11209,8 @@
         </p:nvSpPr>
         <p:spPr>
           <a:xfrm>
-            <a:off x="2410552" y="4249586"/>
-            <a:ext cx="1005858" cy="1632668"/>
+            <a:off x="1882009" y="2696067"/>
+            <a:ext cx="1317583" cy="3186188"/>
           </a:xfrm>
           <a:prstGeom prst="rect">
             <a:avLst/>
@@ -11290,110 +11250,6 @@
           </a:p>
         </p:txBody>
       </p:sp>
-      <p:sp>
-        <p:nvSpPr>
-          <p:cNvPr id="14" name="Rectangle 13">
-            <a:extLst>
-              <a:ext uri="{FF2B5EF4-FFF2-40B4-BE49-F238E27FC236}">
-                <a16:creationId xmlns:a16="http://schemas.microsoft.com/office/drawing/2014/main" id="{7B2FD56F-9E26-472D-B86E-505BF2457B92}"/>
-              </a:ext>
-            </a:extLst>
-          </p:cNvPr>
-          <p:cNvSpPr/>
-          <p:nvPr/>
-        </p:nvSpPr>
-        <p:spPr>
-          <a:xfrm>
-            <a:off x="5410927" y="1782611"/>
-            <a:ext cx="1005858" cy="1390650"/>
-          </a:xfrm>
-          <a:prstGeom prst="rect">
-            <a:avLst/>
-          </a:prstGeom>
-          <a:noFill/>
-          <a:ln>
-            <a:solidFill>
-              <a:srgbClr val="FFC000"/>
-            </a:solidFill>
-          </a:ln>
-        </p:spPr>
-        <p:style>
-          <a:lnRef idx="2">
-            <a:schemeClr val="accent1">
-              <a:shade val="50000"/>
-            </a:schemeClr>
-          </a:lnRef>
-          <a:fillRef idx="1">
-            <a:schemeClr val="accent1"/>
-          </a:fillRef>
-          <a:effectRef idx="0">
-            <a:schemeClr val="accent1"/>
-          </a:effectRef>
-          <a:fontRef idx="minor">
-            <a:schemeClr val="lt1"/>
-          </a:fontRef>
-        </p:style>
-        <p:txBody>
-          <a:bodyPr rtlCol="0" anchor="ctr"/>
-          <a:lstStyle/>
-          <a:p>
-            <a:pPr algn="ctr"/>
-            <a:endParaRPr lang="en-US"/>
-          </a:p>
-        </p:txBody>
-      </p:sp>
-      <p:sp>
-        <p:nvSpPr>
-          <p:cNvPr id="15" name="Rectangle 14">
-            <a:extLst>
-              <a:ext uri="{FF2B5EF4-FFF2-40B4-BE49-F238E27FC236}">
-                <a16:creationId xmlns:a16="http://schemas.microsoft.com/office/drawing/2014/main" id="{66D6801A-032D-44DE-BBA2-B28C5438E27C}"/>
-              </a:ext>
-            </a:extLst>
-          </p:cNvPr>
-          <p:cNvSpPr/>
-          <p:nvPr/>
-        </p:nvSpPr>
-        <p:spPr>
-          <a:xfrm>
-            <a:off x="7725502" y="4182911"/>
-            <a:ext cx="1005858" cy="1297000"/>
-          </a:xfrm>
-          <a:prstGeom prst="rect">
-            <a:avLst/>
-          </a:prstGeom>
-          <a:noFill/>
-          <a:ln>
-            <a:solidFill>
-              <a:srgbClr val="7030A0"/>
-            </a:solidFill>
-          </a:ln>
-        </p:spPr>
-        <p:style>
-          <a:lnRef idx="2">
-            <a:schemeClr val="accent1">
-              <a:shade val="50000"/>
-            </a:schemeClr>
-          </a:lnRef>
-          <a:fillRef idx="1">
-            <a:schemeClr val="accent1"/>
-          </a:fillRef>
-          <a:effectRef idx="0">
-            <a:schemeClr val="accent1"/>
-          </a:effectRef>
-          <a:fontRef idx="minor">
-            <a:schemeClr val="lt1"/>
-          </a:fontRef>
-        </p:style>
-        <p:txBody>
-          <a:bodyPr rtlCol="0" anchor="ctr"/>
-          <a:lstStyle/>
-          <a:p>
-            <a:pPr algn="ctr"/>
-            <a:endParaRPr lang="en-US"/>
-          </a:p>
-        </p:txBody>
-      </p:sp>
       <p:pic>
         <p:nvPicPr>
           <p:cNvPr id="4" name="Picture 3">
@@ -11408,16 +11264,15 @@
           </p:cNvPicPr>
           <p:nvPr/>
         </p:nvPicPr>
-        <p:blipFill>
+        <p:blipFill rotWithShape="1">
           <a:blip r:embed="rId6"/>
-          <a:stretch>
-            <a:fillRect/>
-          </a:stretch>
+          <a:srcRect l="6074" r="7297"/>
+          <a:stretch/>
         </p:blipFill>
         <p:spPr>
           <a:xfrm>
-            <a:off x="417085" y="2995749"/>
-            <a:ext cx="1655108" cy="3725726"/>
+            <a:off x="1951298" y="2797555"/>
+            <a:ext cx="1183258" cy="3074670"/>
           </a:xfrm>
           <a:prstGeom prst="rect">
             <a:avLst/>
@@ -11446,12 +11301,17 @@
         </p:blipFill>
         <p:spPr>
           <a:xfrm>
-            <a:off x="10361221" y="3427251"/>
-            <a:ext cx="1474458" cy="3073269"/>
+            <a:off x="9710775" y="2814505"/>
+            <a:ext cx="1185863" cy="2471738"/>
           </a:xfrm>
           <a:prstGeom prst="rect">
             <a:avLst/>
           </a:prstGeom>
+          <a:ln w="12700">
+            <a:solidFill>
+              <a:srgbClr val="7030A0"/>
+            </a:solidFill>
+          </a:ln>
         </p:spPr>
       </p:pic>
       <p:pic>
@@ -11476,12 +11336,17 @@
         </p:blipFill>
         <p:spPr>
           <a:xfrm>
-            <a:off x="8833935" y="78777"/>
-            <a:ext cx="1866146" cy="3569429"/>
+            <a:off x="6697659" y="456786"/>
+            <a:ext cx="1466850" cy="2805684"/>
           </a:xfrm>
           <a:prstGeom prst="rect">
             <a:avLst/>
           </a:prstGeom>
+          <a:ln w="12700">
+            <a:solidFill>
+              <a:srgbClr val="FF9966"/>
+            </a:solidFill>
+          </a:ln>
         </p:spPr>
       </p:pic>
     </p:spTree>
@@ -11527,8 +11392,8 @@
         </p:nvSpPr>
         <p:spPr>
           <a:xfrm>
-            <a:off x="121381" y="259216"/>
-            <a:ext cx="7805099" cy="338554"/>
+            <a:off x="9946759" y="309639"/>
+            <a:ext cx="1741550" cy="338554"/>
           </a:xfrm>
         </p:spPr>
         <p:txBody>
@@ -11642,8 +11507,8 @@
         </p:blipFill>
         <p:spPr>
           <a:xfrm>
-            <a:off x="487357" y="2906505"/>
-            <a:ext cx="408101" cy="652959"/>
+            <a:off x="487350" y="2906504"/>
+            <a:ext cx="476790" cy="762727"/>
           </a:xfrm>
           <a:prstGeom prst="rect">
             <a:avLst/>
@@ -11716,81 +11581,12 @@
         </p:blipFill>
         <p:spPr>
           <a:xfrm>
-            <a:off x="1004189" y="1700117"/>
-            <a:ext cx="4838392" cy="4817414"/>
+            <a:off x="1004185" y="295518"/>
+            <a:ext cx="6302359" cy="6275070"/>
           </a:xfrm>
           <a:prstGeom prst="rect">
             <a:avLst/>
           </a:prstGeom>
-        </p:spPr>
-      </p:pic>
-      <p:pic>
-        <p:nvPicPr>
-          <p:cNvPr id="6" name="Picture 5">
-            <a:extLst>
-              <a:ext uri="{FF2B5EF4-FFF2-40B4-BE49-F238E27FC236}">
-                <a16:creationId xmlns:a16="http://schemas.microsoft.com/office/drawing/2014/main" id="{D67B6504-7FA2-47EE-9CAB-7D0861AA2E08}"/>
-              </a:ext>
-            </a:extLst>
-          </p:cNvPr>
-          <p:cNvPicPr>
-            <a:picLocks noChangeAspect="1"/>
-          </p:cNvPicPr>
-          <p:nvPr/>
-        </p:nvPicPr>
-        <p:blipFill>
-          <a:blip r:embed="rId5"/>
-          <a:stretch>
-            <a:fillRect/>
-          </a:stretch>
-        </p:blipFill>
-        <p:spPr>
-          <a:xfrm>
-            <a:off x="2378115" y="2031315"/>
-            <a:ext cx="3289541" cy="818906"/>
-          </a:xfrm>
-          <a:prstGeom prst="rect">
-            <a:avLst/>
-          </a:prstGeom>
-          <a:ln>
-            <a:solidFill>
-              <a:srgbClr val="7030A0"/>
-            </a:solidFill>
-          </a:ln>
-        </p:spPr>
-      </p:pic>
-      <p:pic>
-        <p:nvPicPr>
-          <p:cNvPr id="8" name="Picture 7">
-            <a:extLst>
-              <a:ext uri="{FF2B5EF4-FFF2-40B4-BE49-F238E27FC236}">
-                <a16:creationId xmlns:a16="http://schemas.microsoft.com/office/drawing/2014/main" id="{2CD9FC39-6AF5-47F1-9766-23D3CA40AF69}"/>
-              </a:ext>
-            </a:extLst>
-          </p:cNvPr>
-          <p:cNvPicPr>
-            <a:picLocks noChangeAspect="1"/>
-          </p:cNvPicPr>
-          <p:nvPr/>
-        </p:nvPicPr>
-        <p:blipFill rotWithShape="1">
-          <a:blip r:embed="rId6"/>
-          <a:srcRect t="14375"/>
-          <a:stretch/>
-        </p:blipFill>
-        <p:spPr>
-          <a:xfrm>
-            <a:off x="2150483" y="3067668"/>
-            <a:ext cx="1841120" cy="627485"/>
-          </a:xfrm>
-          <a:prstGeom prst="rect">
-            <a:avLst/>
-          </a:prstGeom>
-          <a:ln>
-            <a:solidFill>
-              <a:srgbClr val="FFC000"/>
-            </a:solidFill>
-          </a:ln>
         </p:spPr>
       </p:pic>
       <p:cxnSp>
@@ -11804,22 +11600,21 @@
           </p:cNvPr>
           <p:cNvCxnSpPr>
             <a:cxnSpLocks/>
+            <a:endCxn id="3" idx="1"/>
           </p:cNvCxnSpPr>
           <p:nvPr/>
         </p:nvCxnSpPr>
         <p:spPr>
           <a:xfrm>
-            <a:off x="1862931" y="2016473"/>
-            <a:ext cx="287553" cy="1051195"/>
+            <a:off x="2078410" y="744718"/>
+            <a:ext cx="644349" cy="1565410"/>
           </a:xfrm>
           <a:prstGeom prst="line">
             <a:avLst/>
           </a:prstGeom>
           <a:ln>
             <a:solidFill>
-              <a:schemeClr val="tx1">
-                <a:lumMod val="50000"/>
-              </a:schemeClr>
+              <a:srgbClr val="FF9966"/>
             </a:solidFill>
           </a:ln>
         </p:spPr>
@@ -11854,17 +11649,15 @@
         </p:nvCxnSpPr>
         <p:spPr>
           <a:xfrm>
-            <a:off x="5607994" y="2850222"/>
-            <a:ext cx="0" cy="2781925"/>
+            <a:off x="6909847" y="1674115"/>
+            <a:ext cx="0" cy="3784780"/>
           </a:xfrm>
           <a:prstGeom prst="line">
             <a:avLst/>
           </a:prstGeom>
           <a:ln>
             <a:solidFill>
-              <a:schemeClr val="tx1">
-                <a:lumMod val="50000"/>
-              </a:schemeClr>
+              <a:srgbClr val="7030A0"/>
             </a:solidFill>
           </a:ln>
         </p:spPr>
@@ -11904,7 +11697,7 @@
         </p:blipFill>
         <p:spPr>
           <a:xfrm>
-            <a:off x="4048546" y="3083569"/>
+            <a:off x="5345389" y="3083569"/>
             <a:ext cx="1469056" cy="2217976"/>
           </a:xfrm>
           <a:prstGeom prst="rect">
@@ -11931,20 +11724,24 @@
           </p:cNvPicPr>
           <p:nvPr/>
         </p:nvPicPr>
-        <p:blipFill>
-          <a:blip r:embed="rId7"/>
-          <a:stretch>
-            <a:fillRect/>
-          </a:stretch>
+        <p:blipFill rotWithShape="1">
+          <a:blip r:embed="rId5"/>
+          <a:srcRect r="604"/>
+          <a:stretch/>
         </p:blipFill>
         <p:spPr>
           <a:xfrm>
-            <a:off x="7221677" y="2616566"/>
-            <a:ext cx="3641141" cy="1238952"/>
+            <a:off x="2722759" y="1778633"/>
+            <a:ext cx="3105140" cy="1062990"/>
           </a:xfrm>
           <a:prstGeom prst="rect">
             <a:avLst/>
           </a:prstGeom>
+          <a:ln w="12700">
+            <a:solidFill>
+              <a:srgbClr val="FF9966"/>
+            </a:solidFill>
+          </a:ln>
         </p:spPr>
       </p:pic>
       <p:pic>
@@ -11962,19 +11759,24 @@
           <p:nvPr/>
         </p:nvPicPr>
         <p:blipFill>
-          <a:blip r:embed="rId8"/>
+          <a:blip r:embed="rId6"/>
           <a:stretch>
             <a:fillRect/>
           </a:stretch>
         </p:blipFill>
         <p:spPr>
           <a:xfrm>
-            <a:off x="5607994" y="0"/>
-            <a:ext cx="6559560" cy="1700117"/>
+            <a:off x="2544289" y="497777"/>
+            <a:ext cx="4538663" cy="1176338"/>
           </a:xfrm>
           <a:prstGeom prst="rect">
             <a:avLst/>
           </a:prstGeom>
+          <a:ln w="12700">
+            <a:solidFill>
+              <a:srgbClr val="7030A0"/>
+            </a:solidFill>
+          </a:ln>
         </p:spPr>
       </p:pic>
     </p:spTree>

--- a/pres/Scaffold analytics figures to modify with chemical structures.pptx
+++ b/pres/Scaffold analytics figures to modify with chemical structures.pptx
@@ -5,7 +5,7 @@
     <p:sldMasterId id="2147483648" r:id="rId1"/>
   </p:sldMasterIdLst>
   <p:notesMasterIdLst>
-    <p:notesMasterId r:id="rId20"/>
+    <p:notesMasterId r:id="rId22"/>
   </p:notesMasterIdLst>
   <p:sldIdLst>
     <p:sldId id="256" r:id="rId2"/>
@@ -26,6 +26,8 @@
     <p:sldId id="280" r:id="rId17"/>
     <p:sldId id="302" r:id="rId18"/>
     <p:sldId id="307" r:id="rId19"/>
+    <p:sldId id="311" r:id="rId20"/>
+    <p:sldId id="312" r:id="rId21"/>
   </p:sldIdLst>
   <p:sldSz cx="12192000" cy="6858000"/>
   <p:notesSz cx="6858000" cy="9144000"/>
@@ -12048,6 +12050,518 @@
 </p:sld>
 </file>
 
+<file path=ppt/slides/slide19.xml><?xml version="1.0" encoding="utf-8"?>
+<p:sld xmlns:a="http://schemas.openxmlformats.org/drawingml/2006/main" xmlns:r="http://schemas.openxmlformats.org/officeDocument/2006/relationships" xmlns:p="http://schemas.openxmlformats.org/presentationml/2006/main">
+  <p:cSld>
+    <p:spTree>
+      <p:nvGrpSpPr>
+        <p:cNvPr id="1" name=""/>
+        <p:cNvGrpSpPr/>
+        <p:nvPr/>
+      </p:nvGrpSpPr>
+      <p:grpSpPr>
+        <a:xfrm>
+          <a:off x="0" y="0"/>
+          <a:ext cx="0" cy="0"/>
+          <a:chOff x="0" y="0"/>
+          <a:chExt cx="0" cy="0"/>
+        </a:xfrm>
+      </p:grpSpPr>
+      <p:sp>
+        <p:nvSpPr>
+          <p:cNvPr id="2" name="Title 1">
+            <a:extLst>
+              <a:ext uri="{FF2B5EF4-FFF2-40B4-BE49-F238E27FC236}">
+                <a16:creationId xmlns:a16="http://schemas.microsoft.com/office/drawing/2014/main" id="{EC5DACBC-567B-4C4D-8C01-CBAB07EB9B14}"/>
+              </a:ext>
+            </a:extLst>
+          </p:cNvPr>
+          <p:cNvSpPr>
+            <a:spLocks noGrp="1"/>
+          </p:cNvSpPr>
+          <p:nvPr>
+            <p:ph type="title"/>
+          </p:nvPr>
+        </p:nvSpPr>
+        <p:spPr>
+          <a:xfrm>
+            <a:off x="-116483" y="2579"/>
+            <a:ext cx="10102852" cy="338554"/>
+          </a:xfrm>
+        </p:spPr>
+        <p:txBody>
+          <a:bodyPr>
+            <a:normAutofit fontScale="90000"/>
+          </a:bodyPr>
+          <a:lstStyle/>
+          <a:p>
+            <a:r>
+              <a:rPr lang="en-US" dirty="0"/>
+              <a:t>SI S9: structure group stats</a:t>
+            </a:r>
+          </a:p>
+        </p:txBody>
+      </p:sp>
+      <p:pic>
+        <p:nvPicPr>
+          <p:cNvPr id="6" name="Picture 5">
+            <a:extLst>
+              <a:ext uri="{FF2B5EF4-FFF2-40B4-BE49-F238E27FC236}">
+                <a16:creationId xmlns:a16="http://schemas.microsoft.com/office/drawing/2014/main" id="{86BEC4CC-BA65-487C-9374-9B5B4D5A839C}"/>
+              </a:ext>
+            </a:extLst>
+          </p:cNvPr>
+          <p:cNvPicPr>
+            <a:picLocks noChangeAspect="1"/>
+          </p:cNvPicPr>
+          <p:nvPr/>
+        </p:nvPicPr>
+        <p:blipFill rotWithShape="1">
+          <a:blip r:embed="rId2"/>
+          <a:srcRect t="13547" r="13282"/>
+          <a:stretch/>
+        </p:blipFill>
+        <p:spPr>
+          <a:xfrm>
+            <a:off x="577784" y="791849"/>
+            <a:ext cx="8524100" cy="3392663"/>
+          </a:xfrm>
+          <a:prstGeom prst="rect">
+            <a:avLst/>
+          </a:prstGeom>
+        </p:spPr>
+      </p:pic>
+      <p:pic>
+        <p:nvPicPr>
+          <p:cNvPr id="7" name="Picture 6">
+            <a:extLst>
+              <a:ext uri="{FF2B5EF4-FFF2-40B4-BE49-F238E27FC236}">
+                <a16:creationId xmlns:a16="http://schemas.microsoft.com/office/drawing/2014/main" id="{0555244B-3528-4C9E-8981-EEDA5BAC5C6B}"/>
+              </a:ext>
+            </a:extLst>
+          </p:cNvPr>
+          <p:cNvPicPr>
+            <a:picLocks noChangeAspect="1"/>
+          </p:cNvPicPr>
+          <p:nvPr/>
+        </p:nvPicPr>
+        <p:blipFill>
+          <a:blip r:embed="rId3"/>
+          <a:stretch>
+            <a:fillRect/>
+          </a:stretch>
+        </p:blipFill>
+        <p:spPr>
+          <a:xfrm>
+            <a:off x="3727934" y="5058871"/>
+            <a:ext cx="1491901" cy="1136999"/>
+          </a:xfrm>
+          <a:prstGeom prst="rect">
+            <a:avLst/>
+          </a:prstGeom>
+        </p:spPr>
+      </p:pic>
+      <p:pic>
+        <p:nvPicPr>
+          <p:cNvPr id="8" name="Picture 7">
+            <a:extLst>
+              <a:ext uri="{FF2B5EF4-FFF2-40B4-BE49-F238E27FC236}">
+                <a16:creationId xmlns:a16="http://schemas.microsoft.com/office/drawing/2014/main" id="{EC85089F-CB58-4C9D-8173-0D55F68F68A9}"/>
+              </a:ext>
+            </a:extLst>
+          </p:cNvPr>
+          <p:cNvPicPr>
+            <a:picLocks noChangeAspect="1"/>
+          </p:cNvPicPr>
+          <p:nvPr/>
+        </p:nvPicPr>
+        <p:blipFill>
+          <a:blip r:embed="rId4"/>
+          <a:stretch>
+            <a:fillRect/>
+          </a:stretch>
+        </p:blipFill>
+        <p:spPr>
+          <a:xfrm>
+            <a:off x="9182964" y="5058871"/>
+            <a:ext cx="1367028" cy="1551051"/>
+          </a:xfrm>
+          <a:prstGeom prst="rect">
+            <a:avLst/>
+          </a:prstGeom>
+        </p:spPr>
+      </p:pic>
+      <p:pic>
+        <p:nvPicPr>
+          <p:cNvPr id="9" name="Picture 8">
+            <a:extLst>
+              <a:ext uri="{FF2B5EF4-FFF2-40B4-BE49-F238E27FC236}">
+                <a16:creationId xmlns:a16="http://schemas.microsoft.com/office/drawing/2014/main" id="{B59E8F73-7AF0-494B-A4DD-D49027DF56BF}"/>
+              </a:ext>
+            </a:extLst>
+          </p:cNvPr>
+          <p:cNvPicPr>
+            <a:picLocks noChangeAspect="1"/>
+          </p:cNvPicPr>
+          <p:nvPr/>
+        </p:nvPicPr>
+        <p:blipFill>
+          <a:blip r:embed="rId5"/>
+          <a:stretch>
+            <a:fillRect/>
+          </a:stretch>
+        </p:blipFill>
+        <p:spPr>
+          <a:xfrm>
+            <a:off x="7156498" y="5058871"/>
+            <a:ext cx="1945386" cy="1531334"/>
+          </a:xfrm>
+          <a:prstGeom prst="rect">
+            <a:avLst/>
+          </a:prstGeom>
+        </p:spPr>
+      </p:pic>
+      <p:pic>
+        <p:nvPicPr>
+          <p:cNvPr id="10" name="Picture 9">
+            <a:extLst>
+              <a:ext uri="{FF2B5EF4-FFF2-40B4-BE49-F238E27FC236}">
+                <a16:creationId xmlns:a16="http://schemas.microsoft.com/office/drawing/2014/main" id="{B06F0A43-72FF-482B-903F-B386C51022D3}"/>
+              </a:ext>
+            </a:extLst>
+          </p:cNvPr>
+          <p:cNvPicPr>
+            <a:picLocks noChangeAspect="1"/>
+          </p:cNvPicPr>
+          <p:nvPr/>
+        </p:nvPicPr>
+        <p:blipFill>
+          <a:blip r:embed="rId6"/>
+          <a:stretch>
+            <a:fillRect/>
+          </a:stretch>
+        </p:blipFill>
+        <p:spPr>
+          <a:xfrm>
+            <a:off x="1662037" y="5058871"/>
+            <a:ext cx="1984819" cy="1748218"/>
+          </a:xfrm>
+          <a:prstGeom prst="rect">
+            <a:avLst/>
+          </a:prstGeom>
+        </p:spPr>
+      </p:pic>
+      <p:pic>
+        <p:nvPicPr>
+          <p:cNvPr id="11" name="Picture 10">
+            <a:extLst>
+              <a:ext uri="{FF2B5EF4-FFF2-40B4-BE49-F238E27FC236}">
+                <a16:creationId xmlns:a16="http://schemas.microsoft.com/office/drawing/2014/main" id="{221E5C75-CE8F-433B-8BBA-266FCD9466A3}"/>
+              </a:ext>
+            </a:extLst>
+          </p:cNvPr>
+          <p:cNvPicPr>
+            <a:picLocks noChangeAspect="1"/>
+          </p:cNvPicPr>
+          <p:nvPr/>
+        </p:nvPicPr>
+        <p:blipFill>
+          <a:blip r:embed="rId7"/>
+          <a:stretch>
+            <a:fillRect/>
+          </a:stretch>
+        </p:blipFill>
+        <p:spPr>
+          <a:xfrm>
+            <a:off x="102203" y="5058871"/>
+            <a:ext cx="1478756" cy="1156716"/>
+          </a:xfrm>
+          <a:prstGeom prst="rect">
+            <a:avLst/>
+          </a:prstGeom>
+        </p:spPr>
+      </p:pic>
+      <p:pic>
+        <p:nvPicPr>
+          <p:cNvPr id="12" name="Picture 11">
+            <a:extLst>
+              <a:ext uri="{FF2B5EF4-FFF2-40B4-BE49-F238E27FC236}">
+                <a16:creationId xmlns:a16="http://schemas.microsoft.com/office/drawing/2014/main" id="{48710EE0-698D-4C2A-B24C-A40913DC019A}"/>
+              </a:ext>
+            </a:extLst>
+          </p:cNvPr>
+          <p:cNvPicPr>
+            <a:picLocks noChangeAspect="1"/>
+          </p:cNvPicPr>
+          <p:nvPr/>
+        </p:nvPicPr>
+        <p:blipFill>
+          <a:blip r:embed="rId8"/>
+          <a:stretch>
+            <a:fillRect/>
+          </a:stretch>
+        </p:blipFill>
+        <p:spPr>
+          <a:xfrm>
+            <a:off x="5300913" y="5058871"/>
+            <a:ext cx="1774507" cy="1012126"/>
+          </a:xfrm>
+          <a:prstGeom prst="rect">
+            <a:avLst/>
+          </a:prstGeom>
+        </p:spPr>
+      </p:pic>
+      <p:pic>
+        <p:nvPicPr>
+          <p:cNvPr id="13" name="Picture 12">
+            <a:extLst>
+              <a:ext uri="{FF2B5EF4-FFF2-40B4-BE49-F238E27FC236}">
+                <a16:creationId xmlns:a16="http://schemas.microsoft.com/office/drawing/2014/main" id="{380FB405-9981-4E16-ABFB-91755658E8D2}"/>
+              </a:ext>
+            </a:extLst>
+          </p:cNvPr>
+          <p:cNvPicPr>
+            <a:picLocks noChangeAspect="1"/>
+          </p:cNvPicPr>
+          <p:nvPr/>
+        </p:nvPicPr>
+        <p:blipFill rotWithShape="1">
+          <a:blip r:embed="rId2"/>
+          <a:srcRect l="88967" t="37328" r="2977" b="27120"/>
+          <a:stretch/>
+        </p:blipFill>
+        <p:spPr>
+          <a:xfrm>
+            <a:off x="10209227" y="1385739"/>
+            <a:ext cx="1235931" cy="2177592"/>
+          </a:xfrm>
+          <a:prstGeom prst="rect">
+            <a:avLst/>
+          </a:prstGeom>
+        </p:spPr>
+      </p:pic>
+      <p:pic>
+        <p:nvPicPr>
+          <p:cNvPr id="14" name="Picture 13">
+            <a:extLst>
+              <a:ext uri="{FF2B5EF4-FFF2-40B4-BE49-F238E27FC236}">
+                <a16:creationId xmlns:a16="http://schemas.microsoft.com/office/drawing/2014/main" id="{0141179D-8B37-4A49-B228-1C2C9B5D4D47}"/>
+              </a:ext>
+            </a:extLst>
+          </p:cNvPr>
+          <p:cNvPicPr>
+            <a:picLocks noChangeAspect="1"/>
+          </p:cNvPicPr>
+          <p:nvPr/>
+        </p:nvPicPr>
+        <p:blipFill rotWithShape="1">
+          <a:blip r:embed="rId2"/>
+          <a:srcRect l="88967" t="68394" r="6128" b="27121"/>
+          <a:stretch/>
+        </p:blipFill>
+        <p:spPr>
+          <a:xfrm>
+            <a:off x="9364547" y="4556810"/>
+            <a:ext cx="882351" cy="322131"/>
+          </a:xfrm>
+          <a:prstGeom prst="rect">
+            <a:avLst/>
+          </a:prstGeom>
+        </p:spPr>
+      </p:pic>
+      <p:pic>
+        <p:nvPicPr>
+          <p:cNvPr id="15" name="Picture 14">
+            <a:extLst>
+              <a:ext uri="{FF2B5EF4-FFF2-40B4-BE49-F238E27FC236}">
+                <a16:creationId xmlns:a16="http://schemas.microsoft.com/office/drawing/2014/main" id="{A1AFC1AA-E820-4778-BC16-7DFDB29B24AA}"/>
+              </a:ext>
+            </a:extLst>
+          </p:cNvPr>
+          <p:cNvPicPr>
+            <a:picLocks noChangeAspect="1"/>
+          </p:cNvPicPr>
+          <p:nvPr/>
+        </p:nvPicPr>
+        <p:blipFill rotWithShape="1">
+          <a:blip r:embed="rId2"/>
+          <a:srcRect l="88967" t="45767" r="6128" b="49519"/>
+          <a:stretch/>
+        </p:blipFill>
+        <p:spPr>
+          <a:xfrm>
+            <a:off x="502209" y="4509675"/>
+            <a:ext cx="882351" cy="338555"/>
+          </a:xfrm>
+          <a:prstGeom prst="rect">
+            <a:avLst/>
+          </a:prstGeom>
+        </p:spPr>
+      </p:pic>
+      <p:pic>
+        <p:nvPicPr>
+          <p:cNvPr id="16" name="Picture 15">
+            <a:extLst>
+              <a:ext uri="{FF2B5EF4-FFF2-40B4-BE49-F238E27FC236}">
+                <a16:creationId xmlns:a16="http://schemas.microsoft.com/office/drawing/2014/main" id="{3E59D813-893B-46D6-9806-41C50014EA45}"/>
+              </a:ext>
+            </a:extLst>
+          </p:cNvPr>
+          <p:cNvPicPr>
+            <a:picLocks noChangeAspect="1"/>
+          </p:cNvPicPr>
+          <p:nvPr/>
+        </p:nvPicPr>
+        <p:blipFill rotWithShape="1">
+          <a:blip r:embed="rId2"/>
+          <a:srcRect l="88967" t="50442" r="6128" b="44844"/>
+          <a:stretch/>
+        </p:blipFill>
+        <p:spPr>
+          <a:xfrm>
+            <a:off x="2314270" y="4528529"/>
+            <a:ext cx="882351" cy="338555"/>
+          </a:xfrm>
+          <a:prstGeom prst="rect">
+            <a:avLst/>
+          </a:prstGeom>
+        </p:spPr>
+      </p:pic>
+      <p:pic>
+        <p:nvPicPr>
+          <p:cNvPr id="17" name="Picture 16">
+            <a:extLst>
+              <a:ext uri="{FF2B5EF4-FFF2-40B4-BE49-F238E27FC236}">
+                <a16:creationId xmlns:a16="http://schemas.microsoft.com/office/drawing/2014/main" id="{B83B5402-D19D-4C61-995B-9FABDCE6D71C}"/>
+              </a:ext>
+            </a:extLst>
+          </p:cNvPr>
+          <p:cNvPicPr>
+            <a:picLocks noChangeAspect="1"/>
+          </p:cNvPicPr>
+          <p:nvPr/>
+        </p:nvPicPr>
+        <p:blipFill rotWithShape="1">
+          <a:blip r:embed="rId2"/>
+          <a:srcRect l="88967" t="53947" r="6128" b="41339"/>
+          <a:stretch/>
+        </p:blipFill>
+        <p:spPr>
+          <a:xfrm>
+            <a:off x="4050917" y="4471967"/>
+            <a:ext cx="882351" cy="338555"/>
+          </a:xfrm>
+          <a:prstGeom prst="rect">
+            <a:avLst/>
+          </a:prstGeom>
+        </p:spPr>
+      </p:pic>
+      <p:pic>
+        <p:nvPicPr>
+          <p:cNvPr id="18" name="Picture 17">
+            <a:extLst>
+              <a:ext uri="{FF2B5EF4-FFF2-40B4-BE49-F238E27FC236}">
+                <a16:creationId xmlns:a16="http://schemas.microsoft.com/office/drawing/2014/main" id="{DDD40AE4-BD8E-4A5C-B51C-C8587373D186}"/>
+              </a:ext>
+            </a:extLst>
+          </p:cNvPr>
+          <p:cNvPicPr>
+            <a:picLocks noChangeAspect="1"/>
+          </p:cNvPicPr>
+          <p:nvPr/>
+        </p:nvPicPr>
+        <p:blipFill rotWithShape="1">
+          <a:blip r:embed="rId2"/>
+          <a:srcRect l="88967" t="58661" r="6128" b="35887"/>
+          <a:stretch/>
+        </p:blipFill>
+        <p:spPr>
+          <a:xfrm>
+            <a:off x="5806414" y="4490821"/>
+            <a:ext cx="882351" cy="391561"/>
+          </a:xfrm>
+          <a:prstGeom prst="rect">
+            <a:avLst/>
+          </a:prstGeom>
+        </p:spPr>
+      </p:pic>
+      <p:pic>
+        <p:nvPicPr>
+          <p:cNvPr id="19" name="Picture 18">
+            <a:extLst>
+              <a:ext uri="{FF2B5EF4-FFF2-40B4-BE49-F238E27FC236}">
+                <a16:creationId xmlns:a16="http://schemas.microsoft.com/office/drawing/2014/main" id="{1876D731-CF6B-434F-B0D2-2E98E0E118A8}"/>
+              </a:ext>
+            </a:extLst>
+          </p:cNvPr>
+          <p:cNvPicPr>
+            <a:picLocks noChangeAspect="1"/>
+          </p:cNvPicPr>
+          <p:nvPr/>
+        </p:nvPicPr>
+        <p:blipFill rotWithShape="1">
+          <a:blip r:embed="rId2"/>
+          <a:srcRect l="88967" t="63376" r="6128" b="32139"/>
+          <a:stretch/>
+        </p:blipFill>
+        <p:spPr>
+          <a:xfrm>
+            <a:off x="7741025" y="4519102"/>
+            <a:ext cx="882351" cy="322131"/>
+          </a:xfrm>
+          <a:prstGeom prst="rect">
+            <a:avLst/>
+          </a:prstGeom>
+        </p:spPr>
+      </p:pic>
+      <p:pic>
+        <p:nvPicPr>
+          <p:cNvPr id="22" name="Picture 21">
+            <a:extLst>
+              <a:ext uri="{FF2B5EF4-FFF2-40B4-BE49-F238E27FC236}">
+                <a16:creationId xmlns:a16="http://schemas.microsoft.com/office/drawing/2014/main" id="{5F52FA59-DF20-4C8C-8F52-C6ED6B58FBE4}"/>
+              </a:ext>
+            </a:extLst>
+          </p:cNvPr>
+          <p:cNvPicPr>
+            <a:picLocks noChangeAspect="1"/>
+          </p:cNvPicPr>
+          <p:nvPr/>
+        </p:nvPicPr>
+        <p:blipFill>
+          <a:blip r:embed="rId9"/>
+          <a:stretch>
+            <a:fillRect/>
+          </a:stretch>
+        </p:blipFill>
+        <p:spPr>
+          <a:xfrm>
+            <a:off x="4749351" y="787003"/>
+            <a:ext cx="4314825" cy="523875"/>
+          </a:xfrm>
+          <a:prstGeom prst="rect">
+            <a:avLst/>
+          </a:prstGeom>
+          <a:ln>
+            <a:solidFill>
+              <a:schemeClr val="tx1"/>
+            </a:solidFill>
+          </a:ln>
+        </p:spPr>
+      </p:pic>
+    </p:spTree>
+    <p:extLst>
+      <p:ext uri="{BB962C8B-B14F-4D97-AF65-F5344CB8AC3E}">
+        <p14:creationId xmlns:p14="http://schemas.microsoft.com/office/powerpoint/2010/main" val="1761261220"/>
+      </p:ext>
+    </p:extLst>
+  </p:cSld>
+  <p:clrMapOvr>
+    <a:masterClrMapping/>
+  </p:clrMapOvr>
+</p:sld>
+</file>
+
 <file path=ppt/slides/slide2.xml><?xml version="1.0" encoding="utf-8"?>
 <p:sld xmlns:a="http://schemas.openxmlformats.org/drawingml/2006/main" xmlns:r="http://schemas.openxmlformats.org/officeDocument/2006/relationships" xmlns:p="http://schemas.openxmlformats.org/presentationml/2006/main">
   <p:cSld>
@@ -12127,6 +12641,810 @@
     <p:extLst>
       <p:ext uri="{BB962C8B-B14F-4D97-AF65-F5344CB8AC3E}">
         <p14:creationId xmlns:p14="http://schemas.microsoft.com/office/powerpoint/2010/main" val="4283370273"/>
+      </p:ext>
+    </p:extLst>
+  </p:cSld>
+  <p:clrMapOvr>
+    <a:masterClrMapping/>
+  </p:clrMapOvr>
+</p:sld>
+</file>
+
+<file path=ppt/slides/slide20.xml><?xml version="1.0" encoding="utf-8"?>
+<p:sld xmlns:a="http://schemas.openxmlformats.org/drawingml/2006/main" xmlns:r="http://schemas.openxmlformats.org/officeDocument/2006/relationships" xmlns:p="http://schemas.openxmlformats.org/presentationml/2006/main">
+  <p:cSld>
+    <p:spTree>
+      <p:nvGrpSpPr>
+        <p:cNvPr id="1" name=""/>
+        <p:cNvGrpSpPr/>
+        <p:nvPr/>
+      </p:nvGrpSpPr>
+      <p:grpSpPr>
+        <a:xfrm>
+          <a:off x="0" y="0"/>
+          <a:ext cx="0" cy="0"/>
+          <a:chOff x="0" y="0"/>
+          <a:chExt cx="0" cy="0"/>
+        </a:xfrm>
+      </p:grpSpPr>
+      <p:sp>
+        <p:nvSpPr>
+          <p:cNvPr id="2" name="Title 1">
+            <a:extLst>
+              <a:ext uri="{FF2B5EF4-FFF2-40B4-BE49-F238E27FC236}">
+                <a16:creationId xmlns:a16="http://schemas.microsoft.com/office/drawing/2014/main" id="{46A827EE-E6CB-42B0-943B-72B577226683}"/>
+              </a:ext>
+            </a:extLst>
+          </p:cNvPr>
+          <p:cNvSpPr>
+            <a:spLocks noGrp="1"/>
+          </p:cNvSpPr>
+          <p:nvPr>
+            <p:ph type="title"/>
+          </p:nvPr>
+        </p:nvSpPr>
+        <p:spPr>
+          <a:xfrm>
+            <a:off x="0" y="50048"/>
+            <a:ext cx="5434131" cy="334532"/>
+          </a:xfrm>
+        </p:spPr>
+        <p:txBody>
+          <a:bodyPr>
+            <a:normAutofit fontScale="90000"/>
+          </a:bodyPr>
+          <a:lstStyle/>
+          <a:p>
+            <a:r>
+              <a:rPr lang="en-US" dirty="0"/>
+              <a:t>S8 qualitative comparison </a:t>
+            </a:r>
+          </a:p>
+        </p:txBody>
+      </p:sp>
+      <p:pic>
+        <p:nvPicPr>
+          <p:cNvPr id="8" name="Picture 7">
+            <a:extLst>
+              <a:ext uri="{FF2B5EF4-FFF2-40B4-BE49-F238E27FC236}">
+                <a16:creationId xmlns:a16="http://schemas.microsoft.com/office/drawing/2014/main" id="{35F247DC-87F6-4388-851C-981BA1779A57}"/>
+              </a:ext>
+            </a:extLst>
+          </p:cNvPr>
+          <p:cNvPicPr>
+            <a:picLocks noChangeAspect="1"/>
+          </p:cNvPicPr>
+          <p:nvPr/>
+        </p:nvPicPr>
+        <p:blipFill rotWithShape="1">
+          <a:blip r:embed="rId2"/>
+          <a:srcRect l="6321" r="17155"/>
+          <a:stretch/>
+        </p:blipFill>
+        <p:spPr>
+          <a:xfrm>
+            <a:off x="2305858" y="760231"/>
+            <a:ext cx="6640179" cy="5676900"/>
+          </a:xfrm>
+          <a:prstGeom prst="rect">
+            <a:avLst/>
+          </a:prstGeom>
+        </p:spPr>
+      </p:pic>
+      <p:pic>
+        <p:nvPicPr>
+          <p:cNvPr id="9" name="Picture 3" descr="http://images.sodahead.com/polls/003962351/5331458487_normal_ian_symbol_north_arrow_2_answer_1_xlarge.png">
+            <a:extLst>
+              <a:ext uri="{FF2B5EF4-FFF2-40B4-BE49-F238E27FC236}">
+                <a16:creationId xmlns:a16="http://schemas.microsoft.com/office/drawing/2014/main" id="{964CE46B-975D-400D-9DAB-B791703AEC01}"/>
+              </a:ext>
+            </a:extLst>
+          </p:cNvPr>
+          <p:cNvPicPr>
+            <a:picLocks noChangeAspect="1" noChangeArrowheads="1"/>
+          </p:cNvPicPr>
+          <p:nvPr/>
+        </p:nvPicPr>
+        <p:blipFill>
+          <a:blip r:embed="rId3" cstate="print"/>
+          <a:srcRect/>
+          <a:stretch>
+            <a:fillRect/>
+          </a:stretch>
+        </p:blipFill>
+        <p:spPr bwMode="auto">
+          <a:xfrm rot="3390068">
+            <a:off x="2380624" y="5735108"/>
+            <a:ext cx="427396" cy="408969"/>
+          </a:xfrm>
+          <a:prstGeom prst="rect">
+            <a:avLst/>
+          </a:prstGeom>
+          <a:noFill/>
+        </p:spPr>
+      </p:pic>
+      <p:sp>
+        <p:nvSpPr>
+          <p:cNvPr id="10" name="TextBox 9">
+            <a:extLst>
+              <a:ext uri="{FF2B5EF4-FFF2-40B4-BE49-F238E27FC236}">
+                <a16:creationId xmlns:a16="http://schemas.microsoft.com/office/drawing/2014/main" id="{28606A68-2DCE-4465-9DF8-C27C68F9BC29}"/>
+              </a:ext>
+            </a:extLst>
+          </p:cNvPr>
+          <p:cNvSpPr txBox="1"/>
+          <p:nvPr/>
+        </p:nvSpPr>
+        <p:spPr>
+          <a:xfrm rot="16200000">
+            <a:off x="340527" y="3033962"/>
+            <a:ext cx="3661340" cy="338554"/>
+          </a:xfrm>
+          <a:prstGeom prst="rect">
+            <a:avLst/>
+          </a:prstGeom>
+          <a:noFill/>
+        </p:spPr>
+        <p:txBody>
+          <a:bodyPr wrap="square" rtlCol="0">
+            <a:spAutoFit/>
+          </a:bodyPr>
+          <a:lstStyle/>
+          <a:p>
+            <a:r>
+              <a:rPr lang="en-US" sz="1600" dirty="0"/>
+              <a:t>Avg(% inhibition in DD2/resistant strain)</a:t>
+            </a:r>
+          </a:p>
+        </p:txBody>
+      </p:sp>
+      <p:pic>
+        <p:nvPicPr>
+          <p:cNvPr id="11" name="Picture 10">
+            <a:extLst>
+              <a:ext uri="{FF2B5EF4-FFF2-40B4-BE49-F238E27FC236}">
+                <a16:creationId xmlns:a16="http://schemas.microsoft.com/office/drawing/2014/main" id="{005326BF-88D7-4055-A6F1-8618FA17341A}"/>
+              </a:ext>
+            </a:extLst>
+          </p:cNvPr>
+          <p:cNvPicPr>
+            <a:picLocks noChangeAspect="1"/>
+          </p:cNvPicPr>
+          <p:nvPr/>
+        </p:nvPicPr>
+        <p:blipFill>
+          <a:blip r:embed="rId4"/>
+          <a:stretch>
+            <a:fillRect/>
+          </a:stretch>
+        </p:blipFill>
+        <p:spPr>
+          <a:xfrm>
+            <a:off x="5736800" y="2584049"/>
+            <a:ext cx="3284652" cy="1840728"/>
+          </a:xfrm>
+          <a:prstGeom prst="rect">
+            <a:avLst/>
+          </a:prstGeom>
+        </p:spPr>
+      </p:pic>
+      <p:sp>
+        <p:nvSpPr>
+          <p:cNvPr id="12" name="TextBox 11">
+            <a:extLst>
+              <a:ext uri="{FF2B5EF4-FFF2-40B4-BE49-F238E27FC236}">
+                <a16:creationId xmlns:a16="http://schemas.microsoft.com/office/drawing/2014/main" id="{D65DBE8A-56C0-4EC0-AB96-7928656A6E93}"/>
+              </a:ext>
+            </a:extLst>
+          </p:cNvPr>
+          <p:cNvSpPr txBox="1"/>
+          <p:nvPr/>
+        </p:nvSpPr>
+        <p:spPr>
+          <a:xfrm>
+            <a:off x="4685123" y="2879575"/>
+            <a:ext cx="1131215" cy="1169551"/>
+          </a:xfrm>
+          <a:prstGeom prst="rect">
+            <a:avLst/>
+          </a:prstGeom>
+          <a:solidFill>
+            <a:schemeClr val="bg1"/>
+          </a:solidFill>
+        </p:spPr>
+        <p:txBody>
+          <a:bodyPr wrap="square" rtlCol="0">
+            <a:spAutoFit/>
+          </a:bodyPr>
+          <a:lstStyle/>
+          <a:p>
+            <a:pPr>
+              <a:buClr>
+                <a:schemeClr val="tx1"/>
+              </a:buClr>
+            </a:pPr>
+            <a:r>
+              <a:rPr lang="en-US" sz="1400" dirty="0">
+                <a:solidFill>
+                  <a:srgbClr val="0070C0"/>
+                </a:solidFill>
+              </a:rPr>
+              <a:t>Framework not active in 3D7 strain; </a:t>
+            </a:r>
+            <a:r>
+              <a:rPr lang="en-US" sz="1400" i="1" dirty="0">
+                <a:solidFill>
+                  <a:srgbClr val="0070C0"/>
+                </a:solidFill>
+              </a:rPr>
+              <a:t>not found by R-group tool</a:t>
+            </a:r>
+          </a:p>
+        </p:txBody>
+      </p:sp>
+      <p:sp>
+        <p:nvSpPr>
+          <p:cNvPr id="13" name="Oval 12">
+            <a:extLst>
+              <a:ext uri="{FF2B5EF4-FFF2-40B4-BE49-F238E27FC236}">
+                <a16:creationId xmlns:a16="http://schemas.microsoft.com/office/drawing/2014/main" id="{E58FA135-95FF-4E16-9DF4-6E6BEFC009CB}"/>
+              </a:ext>
+            </a:extLst>
+          </p:cNvPr>
+          <p:cNvSpPr/>
+          <p:nvPr/>
+        </p:nvSpPr>
+        <p:spPr bwMode="auto">
+          <a:xfrm>
+            <a:off x="2611226" y="760232"/>
+            <a:ext cx="2073897" cy="4145040"/>
+          </a:xfrm>
+          <a:prstGeom prst="ellipse">
+            <a:avLst/>
+          </a:prstGeom>
+          <a:noFill/>
+          <a:ln w="19050">
+            <a:solidFill>
+              <a:srgbClr val="0070C0"/>
+            </a:solidFill>
+            <a:headEnd/>
+            <a:tailEnd/>
+          </a:ln>
+          <a:effectLst/>
+        </p:spPr>
+        <p:style>
+          <a:lnRef idx="1">
+            <a:schemeClr val="accent1"/>
+          </a:lnRef>
+          <a:fillRef idx="3">
+            <a:schemeClr val="accent1"/>
+          </a:fillRef>
+          <a:effectRef idx="2">
+            <a:schemeClr val="accent1"/>
+          </a:effectRef>
+          <a:fontRef idx="minor">
+            <a:schemeClr val="lt1"/>
+          </a:fontRef>
+        </p:style>
+        <p:txBody>
+          <a:bodyPr rot="0" spcFirstLastPara="0" vertOverflow="overflow" horzOverflow="overflow" vert="horz" wrap="square" lIns="72000" tIns="72000" rIns="72000" bIns="72000" numCol="1" spcCol="0" rtlCol="0" fromWordArt="0" anchor="t" anchorCtr="0" forceAA="0" compatLnSpc="1">
+            <a:prstTxWarp prst="textNoShape">
+              <a:avLst/>
+            </a:prstTxWarp>
+            <a:noAutofit/>
+          </a:bodyPr>
+          <a:lstStyle/>
+          <a:p>
+            <a:pPr marL="180975" indent="-180975" algn="ctr" eaLnBrk="0" fontAlgn="auto" hangingPunct="0">
+              <a:spcBef>
+                <a:spcPts val="0"/>
+              </a:spcBef>
+              <a:spcAft>
+                <a:spcPts val="0"/>
+              </a:spcAft>
+              <a:buClr>
+                <a:schemeClr val="bg1"/>
+              </a:buClr>
+              <a:buFont typeface="Arial" pitchFamily="34" charset="0"/>
+              <a:buChar char="–"/>
+            </a:pPr>
+            <a:endParaRPr lang="en-US" sz="1200" b="1" kern="0" dirty="0" err="1">
+              <a:solidFill>
+                <a:srgbClr val="FFFFFF"/>
+              </a:solidFill>
+              <a:latin typeface="Arial"/>
+            </a:endParaRPr>
+          </a:p>
+        </p:txBody>
+      </p:sp>
+      <p:pic>
+        <p:nvPicPr>
+          <p:cNvPr id="14" name="Picture 13">
+            <a:extLst>
+              <a:ext uri="{FF2B5EF4-FFF2-40B4-BE49-F238E27FC236}">
+                <a16:creationId xmlns:a16="http://schemas.microsoft.com/office/drawing/2014/main" id="{3017774B-CBBF-470A-92AC-4A45E8934604}"/>
+              </a:ext>
+            </a:extLst>
+          </p:cNvPr>
+          <p:cNvPicPr>
+            <a:picLocks noChangeAspect="1"/>
+          </p:cNvPicPr>
+          <p:nvPr/>
+        </p:nvPicPr>
+        <p:blipFill>
+          <a:blip r:embed="rId5"/>
+          <a:stretch>
+            <a:fillRect/>
+          </a:stretch>
+        </p:blipFill>
+        <p:spPr>
+          <a:xfrm>
+            <a:off x="4873658" y="1398474"/>
+            <a:ext cx="560473" cy="1424537"/>
+          </a:xfrm>
+          <a:prstGeom prst="rect">
+            <a:avLst/>
+          </a:prstGeom>
+        </p:spPr>
+      </p:pic>
+      <p:sp>
+        <p:nvSpPr>
+          <p:cNvPr id="15" name="Right Arrow 20">
+            <a:extLst>
+              <a:ext uri="{FF2B5EF4-FFF2-40B4-BE49-F238E27FC236}">
+                <a16:creationId xmlns:a16="http://schemas.microsoft.com/office/drawing/2014/main" id="{F16B21C2-30BD-4AB1-BF6A-41B6AE4FBE49}"/>
+              </a:ext>
+            </a:extLst>
+          </p:cNvPr>
+          <p:cNvSpPr/>
+          <p:nvPr/>
+        </p:nvSpPr>
+        <p:spPr bwMode="auto">
+          <a:xfrm rot="5400000">
+            <a:off x="7438563" y="3876291"/>
+            <a:ext cx="431568" cy="233838"/>
+          </a:xfrm>
+          <a:prstGeom prst="rightArrow">
+            <a:avLst/>
+          </a:prstGeom>
+          <a:solidFill>
+            <a:srgbClr val="FF6600"/>
+          </a:solidFill>
+          <a:ln w="9525" cap="flat" cmpd="sng" algn="ctr">
+            <a:noFill/>
+            <a:prstDash val="solid"/>
+            <a:headEnd/>
+            <a:tailEnd/>
+          </a:ln>
+          <a:effectLst/>
+        </p:spPr>
+        <p:txBody>
+          <a:bodyPr rot="0" spcFirstLastPara="0" vertOverflow="overflow" horzOverflow="overflow" vert="horz" wrap="square" lIns="72000" tIns="72000" rIns="72000" bIns="72000" numCol="1" spcCol="0" rtlCol="0" fromWordArt="0" anchor="t" anchorCtr="0" forceAA="0" compatLnSpc="1">
+            <a:prstTxWarp prst="textNoShape">
+              <a:avLst/>
+            </a:prstTxWarp>
+            <a:noAutofit/>
+          </a:bodyPr>
+          <a:lstStyle/>
+          <a:p>
+            <a:pPr marL="180975" marR="0" lvl="0" indent="-180975" algn="ctr" defTabSz="914400" eaLnBrk="0" fontAlgn="auto" latinLnBrk="0" hangingPunct="0">
+              <a:lnSpc>
+                <a:spcPct val="100000"/>
+              </a:lnSpc>
+              <a:spcBef>
+                <a:spcPts val="0"/>
+              </a:spcBef>
+              <a:spcAft>
+                <a:spcPts val="0"/>
+              </a:spcAft>
+              <a:buClr>
+                <a:srgbClr val="FFFFFF"/>
+              </a:buClr>
+              <a:buSzTx/>
+              <a:buFont typeface="Arial" pitchFamily="34" charset="0"/>
+              <a:buChar char="–"/>
+              <a:tabLst/>
+              <a:defRPr/>
+            </a:pPr>
+            <a:endParaRPr kumimoji="0" lang="en-US" sz="1200" b="1" i="0" u="none" strike="noStrike" kern="0" cap="none" spc="0" normalizeH="0" baseline="0" noProof="0" dirty="0" err="1">
+              <a:ln>
+                <a:noFill/>
+              </a:ln>
+              <a:solidFill>
+                <a:srgbClr val="FFFFFF"/>
+              </a:solidFill>
+              <a:effectLst/>
+              <a:uLnTx/>
+              <a:uFillTx/>
+              <a:latin typeface="Arial"/>
+              <a:ea typeface="+mn-ea"/>
+              <a:cs typeface="+mn-cs"/>
+            </a:endParaRPr>
+          </a:p>
+        </p:txBody>
+      </p:sp>
+      <p:sp>
+        <p:nvSpPr>
+          <p:cNvPr id="16" name="5-Point Star 45">
+            <a:extLst>
+              <a:ext uri="{FF2B5EF4-FFF2-40B4-BE49-F238E27FC236}">
+                <a16:creationId xmlns:a16="http://schemas.microsoft.com/office/drawing/2014/main" id="{66C187CE-0BEE-444E-8E9F-2E21F907CB0F}"/>
+              </a:ext>
+            </a:extLst>
+          </p:cNvPr>
+          <p:cNvSpPr/>
+          <p:nvPr/>
+        </p:nvSpPr>
+        <p:spPr bwMode="auto">
+          <a:xfrm>
+            <a:off x="7537943" y="5495871"/>
+            <a:ext cx="234461" cy="234462"/>
+          </a:xfrm>
+          <a:prstGeom prst="star5">
+            <a:avLst/>
+          </a:prstGeom>
+          <a:solidFill>
+            <a:srgbClr val="FF6600"/>
+          </a:solidFill>
+          <a:ln w="12700" cap="flat" cmpd="sng" algn="ctr">
+            <a:solidFill>
+              <a:srgbClr val="FFFF00"/>
+            </a:solidFill>
+            <a:prstDash val="solid"/>
+            <a:headEnd/>
+            <a:tailEnd/>
+          </a:ln>
+          <a:effectLst/>
+        </p:spPr>
+        <p:txBody>
+          <a:bodyPr rot="0" spcFirstLastPara="0" vertOverflow="overflow" horzOverflow="overflow" vert="horz" wrap="square" lIns="72000" tIns="72000" rIns="72000" bIns="72000" numCol="1" spcCol="0" rtlCol="0" fromWordArt="0" anchor="t" anchorCtr="0" forceAA="0" compatLnSpc="1">
+            <a:prstTxWarp prst="textNoShape">
+              <a:avLst/>
+            </a:prstTxWarp>
+            <a:noAutofit/>
+          </a:bodyPr>
+          <a:lstStyle/>
+          <a:p>
+            <a:pPr marL="180975" marR="0" lvl="0" indent="-180975" algn="ctr" defTabSz="914400" eaLnBrk="0" fontAlgn="auto" latinLnBrk="0" hangingPunct="0">
+              <a:lnSpc>
+                <a:spcPct val="100000"/>
+              </a:lnSpc>
+              <a:spcBef>
+                <a:spcPts val="0"/>
+              </a:spcBef>
+              <a:spcAft>
+                <a:spcPts val="0"/>
+              </a:spcAft>
+              <a:buClr>
+                <a:srgbClr val="FFFFFF"/>
+              </a:buClr>
+              <a:buSzTx/>
+              <a:buFont typeface="Arial" pitchFamily="34" charset="0"/>
+              <a:buChar char="–"/>
+              <a:tabLst/>
+              <a:defRPr/>
+            </a:pPr>
+            <a:endParaRPr kumimoji="0" lang="en-US" sz="1200" b="1" i="0" u="none" strike="noStrike" kern="0" cap="none" spc="0" normalizeH="0" baseline="0" noProof="0" dirty="0" err="1">
+              <a:ln>
+                <a:noFill/>
+              </a:ln>
+              <a:solidFill>
+                <a:srgbClr val="FFFFFF"/>
+              </a:solidFill>
+              <a:effectLst/>
+              <a:uLnTx/>
+              <a:uFillTx/>
+              <a:latin typeface="Arial"/>
+              <a:ea typeface="+mn-ea"/>
+              <a:cs typeface="+mn-cs"/>
+            </a:endParaRPr>
+          </a:p>
+        </p:txBody>
+      </p:sp>
+      <p:sp>
+        <p:nvSpPr>
+          <p:cNvPr id="17" name="Oval 16">
+            <a:extLst>
+              <a:ext uri="{FF2B5EF4-FFF2-40B4-BE49-F238E27FC236}">
+                <a16:creationId xmlns:a16="http://schemas.microsoft.com/office/drawing/2014/main" id="{75A1F4F6-EFFB-40F7-B0C9-440CFB304C0C}"/>
+              </a:ext>
+            </a:extLst>
+          </p:cNvPr>
+          <p:cNvSpPr/>
+          <p:nvPr/>
+        </p:nvSpPr>
+        <p:spPr bwMode="auto">
+          <a:xfrm rot="19250119">
+            <a:off x="6088105" y="3510783"/>
+            <a:ext cx="1174937" cy="508765"/>
+          </a:xfrm>
+          <a:prstGeom prst="ellipse">
+            <a:avLst/>
+          </a:prstGeom>
+          <a:noFill/>
+          <a:ln w="19050">
+            <a:solidFill>
+              <a:srgbClr val="0070C0"/>
+            </a:solidFill>
+            <a:headEnd/>
+            <a:tailEnd/>
+          </a:ln>
+          <a:effectLst/>
+        </p:spPr>
+        <p:style>
+          <a:lnRef idx="1">
+            <a:schemeClr val="accent1"/>
+          </a:lnRef>
+          <a:fillRef idx="3">
+            <a:schemeClr val="accent1"/>
+          </a:fillRef>
+          <a:effectRef idx="2">
+            <a:schemeClr val="accent1"/>
+          </a:effectRef>
+          <a:fontRef idx="minor">
+            <a:schemeClr val="lt1"/>
+          </a:fontRef>
+        </p:style>
+        <p:txBody>
+          <a:bodyPr rot="0" spcFirstLastPara="0" vertOverflow="overflow" horzOverflow="overflow" vert="horz" wrap="square" lIns="72000" tIns="72000" rIns="72000" bIns="72000" numCol="1" spcCol="0" rtlCol="0" fromWordArt="0" anchor="t" anchorCtr="0" forceAA="0" compatLnSpc="1">
+            <a:prstTxWarp prst="textNoShape">
+              <a:avLst/>
+            </a:prstTxWarp>
+            <a:noAutofit/>
+          </a:bodyPr>
+          <a:lstStyle/>
+          <a:p>
+            <a:pPr marL="180975" indent="-180975" algn="ctr" eaLnBrk="0" fontAlgn="auto" hangingPunct="0">
+              <a:spcBef>
+                <a:spcPts val="0"/>
+              </a:spcBef>
+              <a:spcAft>
+                <a:spcPts val="0"/>
+              </a:spcAft>
+              <a:buClr>
+                <a:schemeClr val="bg1"/>
+              </a:buClr>
+              <a:buFont typeface="Arial" pitchFamily="34" charset="0"/>
+              <a:buChar char="–"/>
+            </a:pPr>
+            <a:endParaRPr lang="en-US" sz="1200" b="1" kern="0" dirty="0" err="1">
+              <a:solidFill>
+                <a:srgbClr val="FFFFFF"/>
+              </a:solidFill>
+              <a:latin typeface="Arial"/>
+            </a:endParaRPr>
+          </a:p>
+        </p:txBody>
+      </p:sp>
+      <p:sp>
+        <p:nvSpPr>
+          <p:cNvPr id="18" name="Oval 17">
+            <a:extLst>
+              <a:ext uri="{FF2B5EF4-FFF2-40B4-BE49-F238E27FC236}">
+                <a16:creationId xmlns:a16="http://schemas.microsoft.com/office/drawing/2014/main" id="{06336417-19F9-464E-93D2-B925B64AF339}"/>
+              </a:ext>
+            </a:extLst>
+          </p:cNvPr>
+          <p:cNvSpPr/>
+          <p:nvPr/>
+        </p:nvSpPr>
+        <p:spPr bwMode="auto">
+          <a:xfrm rot="20451094">
+            <a:off x="6998710" y="2858415"/>
+            <a:ext cx="1091851" cy="544818"/>
+          </a:xfrm>
+          <a:prstGeom prst="ellipse">
+            <a:avLst/>
+          </a:prstGeom>
+          <a:noFill/>
+          <a:ln w="19050">
+            <a:solidFill>
+              <a:srgbClr val="33CC33"/>
+            </a:solidFill>
+            <a:headEnd/>
+            <a:tailEnd/>
+          </a:ln>
+          <a:effectLst/>
+        </p:spPr>
+        <p:style>
+          <a:lnRef idx="1">
+            <a:schemeClr val="accent1"/>
+          </a:lnRef>
+          <a:fillRef idx="3">
+            <a:schemeClr val="accent1"/>
+          </a:fillRef>
+          <a:effectRef idx="2">
+            <a:schemeClr val="accent1"/>
+          </a:effectRef>
+          <a:fontRef idx="minor">
+            <a:schemeClr val="lt1"/>
+          </a:fontRef>
+        </p:style>
+        <p:txBody>
+          <a:bodyPr rot="0" spcFirstLastPara="0" vertOverflow="overflow" horzOverflow="overflow" vert="horz" wrap="square" lIns="72000" tIns="72000" rIns="72000" bIns="72000" numCol="1" spcCol="0" rtlCol="0" fromWordArt="0" anchor="t" anchorCtr="0" forceAA="0" compatLnSpc="1">
+            <a:prstTxWarp prst="textNoShape">
+              <a:avLst/>
+            </a:prstTxWarp>
+            <a:noAutofit/>
+          </a:bodyPr>
+          <a:lstStyle/>
+          <a:p>
+            <a:pPr marL="180975" indent="-180975" algn="ctr" eaLnBrk="0" fontAlgn="auto" hangingPunct="0">
+              <a:spcBef>
+                <a:spcPts val="0"/>
+              </a:spcBef>
+              <a:spcAft>
+                <a:spcPts val="0"/>
+              </a:spcAft>
+              <a:buClr>
+                <a:schemeClr val="bg1"/>
+              </a:buClr>
+              <a:buFont typeface="Arial" pitchFamily="34" charset="0"/>
+              <a:buChar char="–"/>
+            </a:pPr>
+            <a:endParaRPr lang="en-US" sz="1200" b="1" kern="0" dirty="0" err="1">
+              <a:solidFill>
+                <a:srgbClr val="FFFFFF"/>
+              </a:solidFill>
+              <a:latin typeface="Arial"/>
+            </a:endParaRPr>
+          </a:p>
+        </p:txBody>
+      </p:sp>
+      <p:sp>
+        <p:nvSpPr>
+          <p:cNvPr id="19" name="Oval 18">
+            <a:extLst>
+              <a:ext uri="{FF2B5EF4-FFF2-40B4-BE49-F238E27FC236}">
+                <a16:creationId xmlns:a16="http://schemas.microsoft.com/office/drawing/2014/main" id="{D0FBEE01-AA39-4D3F-8FAA-F0A2966784C7}"/>
+              </a:ext>
+            </a:extLst>
+          </p:cNvPr>
+          <p:cNvSpPr/>
+          <p:nvPr/>
+        </p:nvSpPr>
+        <p:spPr bwMode="auto">
+          <a:xfrm>
+            <a:off x="8065024" y="2547695"/>
+            <a:ext cx="917154" cy="618329"/>
+          </a:xfrm>
+          <a:prstGeom prst="ellipse">
+            <a:avLst/>
+          </a:prstGeom>
+          <a:noFill/>
+          <a:ln w="19050">
+            <a:solidFill>
+              <a:srgbClr val="33CCCC"/>
+            </a:solidFill>
+            <a:headEnd/>
+            <a:tailEnd/>
+          </a:ln>
+          <a:effectLst/>
+        </p:spPr>
+        <p:style>
+          <a:lnRef idx="1">
+            <a:schemeClr val="accent1"/>
+          </a:lnRef>
+          <a:fillRef idx="3">
+            <a:schemeClr val="accent1"/>
+          </a:fillRef>
+          <a:effectRef idx="2">
+            <a:schemeClr val="accent1"/>
+          </a:effectRef>
+          <a:fontRef idx="minor">
+            <a:schemeClr val="lt1"/>
+          </a:fontRef>
+        </p:style>
+        <p:txBody>
+          <a:bodyPr rot="0" spcFirstLastPara="0" vertOverflow="overflow" horzOverflow="overflow" vert="horz" wrap="square" lIns="72000" tIns="72000" rIns="72000" bIns="72000" numCol="1" spcCol="0" rtlCol="0" fromWordArt="0" anchor="t" anchorCtr="0" forceAA="0" compatLnSpc="1">
+            <a:prstTxWarp prst="textNoShape">
+              <a:avLst/>
+            </a:prstTxWarp>
+            <a:noAutofit/>
+          </a:bodyPr>
+          <a:lstStyle/>
+          <a:p>
+            <a:pPr marL="180975" indent="-180975" algn="ctr" eaLnBrk="0" fontAlgn="auto" hangingPunct="0">
+              <a:spcBef>
+                <a:spcPts val="0"/>
+              </a:spcBef>
+              <a:spcAft>
+                <a:spcPts val="0"/>
+              </a:spcAft>
+              <a:buClr>
+                <a:schemeClr val="bg1"/>
+              </a:buClr>
+              <a:buFont typeface="Arial" pitchFamily="34" charset="0"/>
+              <a:buChar char="–"/>
+            </a:pPr>
+            <a:endParaRPr lang="en-US" sz="1200" b="1" kern="0" dirty="0" err="1">
+              <a:solidFill>
+                <a:srgbClr val="FFC000"/>
+              </a:solidFill>
+              <a:latin typeface="Arial"/>
+            </a:endParaRPr>
+          </a:p>
+        </p:txBody>
+      </p:sp>
+      <p:sp>
+        <p:nvSpPr>
+          <p:cNvPr id="20" name="Oval 19">
+            <a:extLst>
+              <a:ext uri="{FF2B5EF4-FFF2-40B4-BE49-F238E27FC236}">
+                <a16:creationId xmlns:a16="http://schemas.microsoft.com/office/drawing/2014/main" id="{F2DE3C52-0512-4142-81F7-D1889B2342ED}"/>
+              </a:ext>
+            </a:extLst>
+          </p:cNvPr>
+          <p:cNvSpPr/>
+          <p:nvPr/>
+        </p:nvSpPr>
+        <p:spPr bwMode="auto">
+          <a:xfrm rot="16200000">
+            <a:off x="7025833" y="2932503"/>
+            <a:ext cx="587404" cy="555812"/>
+          </a:xfrm>
+          <a:prstGeom prst="ellipse">
+            <a:avLst/>
+          </a:prstGeom>
+          <a:noFill/>
+          <a:ln w="19050">
+            <a:solidFill>
+              <a:srgbClr val="FF0066"/>
+            </a:solidFill>
+            <a:headEnd/>
+            <a:tailEnd/>
+          </a:ln>
+          <a:effectLst/>
+        </p:spPr>
+        <p:style>
+          <a:lnRef idx="1">
+            <a:schemeClr val="accent1"/>
+          </a:lnRef>
+          <a:fillRef idx="3">
+            <a:schemeClr val="accent1"/>
+          </a:fillRef>
+          <a:effectRef idx="2">
+            <a:schemeClr val="accent1"/>
+          </a:effectRef>
+          <a:fontRef idx="minor">
+            <a:schemeClr val="lt1"/>
+          </a:fontRef>
+        </p:style>
+        <p:txBody>
+          <a:bodyPr rot="0" spcFirstLastPara="0" vertOverflow="overflow" horzOverflow="overflow" vert="horz" wrap="square" lIns="72000" tIns="72000" rIns="72000" bIns="72000" numCol="1" spcCol="0" rtlCol="0" fromWordArt="0" anchor="t" anchorCtr="0" forceAA="0" compatLnSpc="1">
+            <a:prstTxWarp prst="textNoShape">
+              <a:avLst/>
+            </a:prstTxWarp>
+            <a:noAutofit/>
+          </a:bodyPr>
+          <a:lstStyle/>
+          <a:p>
+            <a:pPr marL="180975" indent="-180975" algn="ctr" eaLnBrk="0" fontAlgn="auto" hangingPunct="0">
+              <a:spcBef>
+                <a:spcPts val="0"/>
+              </a:spcBef>
+              <a:spcAft>
+                <a:spcPts val="0"/>
+              </a:spcAft>
+              <a:buClr>
+                <a:schemeClr val="bg1"/>
+              </a:buClr>
+              <a:buFont typeface="Arial" pitchFamily="34" charset="0"/>
+              <a:buChar char="–"/>
+            </a:pPr>
+            <a:endParaRPr lang="en-US" sz="1200" b="1" kern="0" dirty="0" err="1">
+              <a:solidFill>
+                <a:srgbClr val="FFFFFF"/>
+              </a:solidFill>
+              <a:latin typeface="Arial"/>
+            </a:endParaRPr>
+          </a:p>
+        </p:txBody>
+      </p:sp>
+    </p:spTree>
+    <p:extLst>
+      <p:ext uri="{BB962C8B-B14F-4D97-AF65-F5344CB8AC3E}">
+        <p14:creationId xmlns:p14="http://schemas.microsoft.com/office/powerpoint/2010/main" val="3037834091"/>
       </p:ext>
     </p:extLst>
   </p:cSld>
